--- a/UBI_CompWeb_2018_templates.pptx
+++ b/UBI_CompWeb_2018_templates.pptx
@@ -1710,11 +1710,11 @@
         <a:lstStyle/>
         <a:p>
           <a:r>
-            <a:rPr lang="en-GB" sz="2000" dirty="0" err="1">
+            <a:rPr lang="en-GB" sz="2000" dirty="0" err="1" smtClean="0">
               <a:latin typeface="Arial" panose="020B0604020202020204" pitchFamily="34" charset="0"/>
               <a:cs typeface="Arial" panose="020B0604020202020204" pitchFamily="34" charset="0"/>
             </a:rPr>
-            <a:t>Inicio</a:t>
+            <a:t>Início</a:t>
           </a:r>
           <a:endParaRPr lang="en-GB" sz="2000" dirty="0">
             <a:latin typeface="Arial" panose="020B0604020202020204" pitchFamily="34" charset="0"/>
@@ -1965,6 +1965,13 @@
         </dgm:presLayoutVars>
       </dgm:prSet>
       <dgm:spPr/>
+      <dgm:t>
+        <a:bodyPr/>
+        <a:lstStyle/>
+        <a:p>
+          <a:endParaRPr lang="pt-PT"/>
+        </a:p>
+      </dgm:t>
     </dgm:pt>
     <dgm:pt modelId="{C7C3974A-1DF5-4BF7-A22B-7D65EF9D0681}" type="pres">
       <dgm:prSet presAssocID="{EFF00522-C837-4800-9089-09C6786FA139}" presName="hierRoot1" presStyleCnt="0">
@@ -1985,10 +1992,24 @@
         </dgm:presLayoutVars>
       </dgm:prSet>
       <dgm:spPr/>
+      <dgm:t>
+        <a:bodyPr/>
+        <a:lstStyle/>
+        <a:p>
+          <a:endParaRPr lang="pt-PT"/>
+        </a:p>
+      </dgm:t>
     </dgm:pt>
     <dgm:pt modelId="{15AFF27B-B166-47F4-BEA3-A556EF84A1FE}" type="pres">
       <dgm:prSet presAssocID="{EFF00522-C837-4800-9089-09C6786FA139}" presName="rootConnector1" presStyleLbl="node1" presStyleIdx="0" presStyleCnt="0"/>
       <dgm:spPr/>
+      <dgm:t>
+        <a:bodyPr/>
+        <a:lstStyle/>
+        <a:p>
+          <a:endParaRPr lang="pt-PT"/>
+        </a:p>
+      </dgm:t>
     </dgm:pt>
     <dgm:pt modelId="{9A71EA88-E86A-4774-A0C2-7A36B7A46C30}" type="pres">
       <dgm:prSet presAssocID="{EFF00522-C837-4800-9089-09C6786FA139}" presName="hierChild2" presStyleCnt="0"/>
@@ -1997,6 +2018,13 @@
     <dgm:pt modelId="{C79737FA-DA68-4B50-9686-82FBED4993F4}" type="pres">
       <dgm:prSet presAssocID="{2401EE30-6FB4-47FC-B5CB-44E93082BA16}" presName="Name37" presStyleLbl="parChTrans1D2" presStyleIdx="0" presStyleCnt="6"/>
       <dgm:spPr/>
+      <dgm:t>
+        <a:bodyPr/>
+        <a:lstStyle/>
+        <a:p>
+          <a:endParaRPr lang="pt-PT"/>
+        </a:p>
+      </dgm:t>
     </dgm:pt>
     <dgm:pt modelId="{3CDACF71-9436-40D9-B554-1B1DAEBD747E}" type="pres">
       <dgm:prSet presAssocID="{D0D5EBBE-C984-451E-A77C-06635B96115A}" presName="hierRoot2" presStyleCnt="0">
@@ -2017,10 +2045,24 @@
         </dgm:presLayoutVars>
       </dgm:prSet>
       <dgm:spPr/>
+      <dgm:t>
+        <a:bodyPr/>
+        <a:lstStyle/>
+        <a:p>
+          <a:endParaRPr lang="pt-PT"/>
+        </a:p>
+      </dgm:t>
     </dgm:pt>
     <dgm:pt modelId="{1E59B1F0-1959-43EF-B4BA-5DE950985F11}" type="pres">
       <dgm:prSet presAssocID="{D0D5EBBE-C984-451E-A77C-06635B96115A}" presName="rootConnector" presStyleLbl="node2" presStyleIdx="0" presStyleCnt="6"/>
       <dgm:spPr/>
+      <dgm:t>
+        <a:bodyPr/>
+        <a:lstStyle/>
+        <a:p>
+          <a:endParaRPr lang="pt-PT"/>
+        </a:p>
+      </dgm:t>
     </dgm:pt>
     <dgm:pt modelId="{1361BC6C-9B0B-4206-827D-3BF0B5B79B98}" type="pres">
       <dgm:prSet presAssocID="{D0D5EBBE-C984-451E-A77C-06635B96115A}" presName="hierChild4" presStyleCnt="0"/>
@@ -2033,6 +2075,13 @@
     <dgm:pt modelId="{A3C064E1-EB83-4A90-BC9B-363A4369B1D9}" type="pres">
       <dgm:prSet presAssocID="{AE15057E-D275-4CBA-BBDA-7AFB5273F6D0}" presName="Name37" presStyleLbl="parChTrans1D2" presStyleIdx="1" presStyleCnt="6"/>
       <dgm:spPr/>
+      <dgm:t>
+        <a:bodyPr/>
+        <a:lstStyle/>
+        <a:p>
+          <a:endParaRPr lang="pt-PT"/>
+        </a:p>
+      </dgm:t>
     </dgm:pt>
     <dgm:pt modelId="{5F49EB11-AF2A-43A7-A5F6-C818A93333A4}" type="pres">
       <dgm:prSet presAssocID="{DEB3A288-72B2-4CE3-BA0E-2385DCEA1166}" presName="hierRoot2" presStyleCnt="0">
@@ -2053,10 +2102,24 @@
         </dgm:presLayoutVars>
       </dgm:prSet>
       <dgm:spPr/>
+      <dgm:t>
+        <a:bodyPr/>
+        <a:lstStyle/>
+        <a:p>
+          <a:endParaRPr lang="pt-PT"/>
+        </a:p>
+      </dgm:t>
     </dgm:pt>
     <dgm:pt modelId="{D1586E0D-5339-4871-B373-DE07F6A4B31A}" type="pres">
       <dgm:prSet presAssocID="{DEB3A288-72B2-4CE3-BA0E-2385DCEA1166}" presName="rootConnector" presStyleLbl="node2" presStyleIdx="1" presStyleCnt="6"/>
       <dgm:spPr/>
+      <dgm:t>
+        <a:bodyPr/>
+        <a:lstStyle/>
+        <a:p>
+          <a:endParaRPr lang="pt-PT"/>
+        </a:p>
+      </dgm:t>
     </dgm:pt>
     <dgm:pt modelId="{1E188EC2-DBC6-4C65-BECE-BD2803FEF22A}" type="pres">
       <dgm:prSet presAssocID="{DEB3A288-72B2-4CE3-BA0E-2385DCEA1166}" presName="hierChild4" presStyleCnt="0"/>
@@ -2069,6 +2132,13 @@
     <dgm:pt modelId="{075DE7FD-AB6D-45A1-88B5-F6DE55537A5C}" type="pres">
       <dgm:prSet presAssocID="{1F891C72-4331-4225-9131-EE90A5156BCC}" presName="Name37" presStyleLbl="parChTrans1D2" presStyleIdx="2" presStyleCnt="6"/>
       <dgm:spPr/>
+      <dgm:t>
+        <a:bodyPr/>
+        <a:lstStyle/>
+        <a:p>
+          <a:endParaRPr lang="pt-PT"/>
+        </a:p>
+      </dgm:t>
     </dgm:pt>
     <dgm:pt modelId="{9D85BD58-234E-4F80-9935-D3C313D0B352}" type="pres">
       <dgm:prSet presAssocID="{3E7D5DE8-38A7-4D01-B3B1-C41B904AFB24}" presName="hierRoot2" presStyleCnt="0">
@@ -2089,10 +2159,24 @@
         </dgm:presLayoutVars>
       </dgm:prSet>
       <dgm:spPr/>
+      <dgm:t>
+        <a:bodyPr/>
+        <a:lstStyle/>
+        <a:p>
+          <a:endParaRPr lang="pt-PT"/>
+        </a:p>
+      </dgm:t>
     </dgm:pt>
     <dgm:pt modelId="{D47F8C64-7351-47DD-ABB9-3A4D5CE04EBC}" type="pres">
       <dgm:prSet presAssocID="{3E7D5DE8-38A7-4D01-B3B1-C41B904AFB24}" presName="rootConnector" presStyleLbl="node2" presStyleIdx="2" presStyleCnt="6"/>
       <dgm:spPr/>
+      <dgm:t>
+        <a:bodyPr/>
+        <a:lstStyle/>
+        <a:p>
+          <a:endParaRPr lang="pt-PT"/>
+        </a:p>
+      </dgm:t>
     </dgm:pt>
     <dgm:pt modelId="{0EB07231-3CA0-42A8-AE42-EFF984FC9A65}" type="pres">
       <dgm:prSet presAssocID="{3E7D5DE8-38A7-4D01-B3B1-C41B904AFB24}" presName="hierChild4" presStyleCnt="0"/>
@@ -2105,6 +2189,13 @@
     <dgm:pt modelId="{1FD30025-BE06-4C8D-8024-6353A3A86C64}" type="pres">
       <dgm:prSet presAssocID="{06A4DF89-C148-4CB0-BC1C-719E15C3A380}" presName="Name37" presStyleLbl="parChTrans1D2" presStyleIdx="3" presStyleCnt="6"/>
       <dgm:spPr/>
+      <dgm:t>
+        <a:bodyPr/>
+        <a:lstStyle/>
+        <a:p>
+          <a:endParaRPr lang="pt-PT"/>
+        </a:p>
+      </dgm:t>
     </dgm:pt>
     <dgm:pt modelId="{031ED071-E8F0-4ADE-BB27-DE25D6F99C8E}" type="pres">
       <dgm:prSet presAssocID="{CFC8A77C-E037-4F39-89BC-7C46B2FFF6C3}" presName="hierRoot2" presStyleCnt="0">
@@ -2125,10 +2216,24 @@
         </dgm:presLayoutVars>
       </dgm:prSet>
       <dgm:spPr/>
+      <dgm:t>
+        <a:bodyPr/>
+        <a:lstStyle/>
+        <a:p>
+          <a:endParaRPr lang="pt-PT"/>
+        </a:p>
+      </dgm:t>
     </dgm:pt>
     <dgm:pt modelId="{C385DBD7-122C-4C76-95AA-F0EDDD576213}" type="pres">
       <dgm:prSet presAssocID="{CFC8A77C-E037-4F39-89BC-7C46B2FFF6C3}" presName="rootConnector" presStyleLbl="node2" presStyleIdx="3" presStyleCnt="6"/>
       <dgm:spPr/>
+      <dgm:t>
+        <a:bodyPr/>
+        <a:lstStyle/>
+        <a:p>
+          <a:endParaRPr lang="pt-PT"/>
+        </a:p>
+      </dgm:t>
     </dgm:pt>
     <dgm:pt modelId="{DE86AFEF-E43B-4AD5-AF14-454FCFC84E45}" type="pres">
       <dgm:prSet presAssocID="{CFC8A77C-E037-4F39-89BC-7C46B2FFF6C3}" presName="hierChild4" presStyleCnt="0"/>
@@ -2141,6 +2246,13 @@
     <dgm:pt modelId="{87BE5EB3-DB60-4F74-8CAB-579081070155}" type="pres">
       <dgm:prSet presAssocID="{77057196-36D4-4297-8DBE-9DF4DC99769E}" presName="Name37" presStyleLbl="parChTrans1D2" presStyleIdx="4" presStyleCnt="6"/>
       <dgm:spPr/>
+      <dgm:t>
+        <a:bodyPr/>
+        <a:lstStyle/>
+        <a:p>
+          <a:endParaRPr lang="pt-PT"/>
+        </a:p>
+      </dgm:t>
     </dgm:pt>
     <dgm:pt modelId="{B70BC062-C551-4FA6-AA0B-24CA90B943F5}" type="pres">
       <dgm:prSet presAssocID="{6BCCACC8-297A-434B-B4C0-CBF55E8A799D}" presName="hierRoot2" presStyleCnt="0">
@@ -2161,10 +2273,24 @@
         </dgm:presLayoutVars>
       </dgm:prSet>
       <dgm:spPr/>
+      <dgm:t>
+        <a:bodyPr/>
+        <a:lstStyle/>
+        <a:p>
+          <a:endParaRPr lang="pt-PT"/>
+        </a:p>
+      </dgm:t>
     </dgm:pt>
     <dgm:pt modelId="{695C9D34-95FC-428F-873D-B6282BE96811}" type="pres">
       <dgm:prSet presAssocID="{6BCCACC8-297A-434B-B4C0-CBF55E8A799D}" presName="rootConnector" presStyleLbl="node2" presStyleIdx="4" presStyleCnt="6"/>
       <dgm:spPr/>
+      <dgm:t>
+        <a:bodyPr/>
+        <a:lstStyle/>
+        <a:p>
+          <a:endParaRPr lang="pt-PT"/>
+        </a:p>
+      </dgm:t>
     </dgm:pt>
     <dgm:pt modelId="{C932BF2B-95E7-43ED-B8E1-90412F9C1BE7}" type="pres">
       <dgm:prSet presAssocID="{6BCCACC8-297A-434B-B4C0-CBF55E8A799D}" presName="hierChild4" presStyleCnt="0"/>
@@ -2177,6 +2303,13 @@
     <dgm:pt modelId="{F67550F7-432C-48D7-8A48-619DCE27301E}" type="pres">
       <dgm:prSet presAssocID="{F147F672-E447-4955-8CC9-5032D36A8B49}" presName="Name37" presStyleLbl="parChTrans1D2" presStyleIdx="5" presStyleCnt="6"/>
       <dgm:spPr/>
+      <dgm:t>
+        <a:bodyPr/>
+        <a:lstStyle/>
+        <a:p>
+          <a:endParaRPr lang="pt-PT"/>
+        </a:p>
+      </dgm:t>
     </dgm:pt>
     <dgm:pt modelId="{5A447CFF-59F3-4408-95EC-27E2E20BD354}" type="pres">
       <dgm:prSet presAssocID="{E7C64FD9-0C4A-4F3B-931A-AB7EFC3F18D6}" presName="hierRoot2" presStyleCnt="0">
@@ -2197,10 +2330,24 @@
         </dgm:presLayoutVars>
       </dgm:prSet>
       <dgm:spPr/>
+      <dgm:t>
+        <a:bodyPr/>
+        <a:lstStyle/>
+        <a:p>
+          <a:endParaRPr lang="pt-PT"/>
+        </a:p>
+      </dgm:t>
     </dgm:pt>
     <dgm:pt modelId="{E7DC8D2E-72AE-4E2C-8784-7C0B34907F59}" type="pres">
       <dgm:prSet presAssocID="{E7C64FD9-0C4A-4F3B-931A-AB7EFC3F18D6}" presName="rootConnector" presStyleLbl="node2" presStyleIdx="5" presStyleCnt="6"/>
       <dgm:spPr/>
+      <dgm:t>
+        <a:bodyPr/>
+        <a:lstStyle/>
+        <a:p>
+          <a:endParaRPr lang="pt-PT"/>
+        </a:p>
+      </dgm:t>
     </dgm:pt>
     <dgm:pt modelId="{7949B886-9FD6-41C3-A2D3-C7783F0882CF}" type="pres">
       <dgm:prSet presAssocID="{E7C64FD9-0C4A-4F3B-931A-AB7EFC3F18D6}" presName="hierChild4" presStyleCnt="0"/>
@@ -2216,34 +2363,34 @@
     </dgm:pt>
   </dgm:ptLst>
   <dgm:cxnLst>
-    <dgm:cxn modelId="{CC89F41C-EC73-4164-B979-1E34F8EC7992}" type="presOf" srcId="{DEB3A288-72B2-4CE3-BA0E-2385DCEA1166}" destId="{D1586E0D-5339-4871-B373-DE07F6A4B31A}" srcOrd="1" destOrd="0" presId="urn:microsoft.com/office/officeart/2005/8/layout/orgChart1"/>
-    <dgm:cxn modelId="{59A13B2B-94E3-4E30-B1C8-D4C19B456A98}" type="presOf" srcId="{6BCCACC8-297A-434B-B4C0-CBF55E8A799D}" destId="{695C9D34-95FC-428F-873D-B6282BE96811}" srcOrd="1" destOrd="0" presId="urn:microsoft.com/office/officeart/2005/8/layout/orgChart1"/>
-    <dgm:cxn modelId="{A4D9362C-6216-407B-A06C-1540E852B2AC}" type="presOf" srcId="{E7C64FD9-0C4A-4F3B-931A-AB7EFC3F18D6}" destId="{67726964-64F7-4568-A550-A3840E89588B}" srcOrd="0" destOrd="0" presId="urn:microsoft.com/office/officeart/2005/8/layout/orgChart1"/>
-    <dgm:cxn modelId="{2BA0192D-E091-446B-9562-8E04E2C7A7A9}" srcId="{EFF00522-C837-4800-9089-09C6786FA139}" destId="{6BCCACC8-297A-434B-B4C0-CBF55E8A799D}" srcOrd="4" destOrd="0" parTransId="{77057196-36D4-4297-8DBE-9DF4DC99769E}" sibTransId="{E17B637D-8F1E-4395-8504-5FF5013E668B}"/>
-    <dgm:cxn modelId="{B6F32367-D4A4-4501-A5C5-198502F93225}" type="presOf" srcId="{CFC8A77C-E037-4F39-89BC-7C46B2FFF6C3}" destId="{B512DCC2-F8AD-4A88-8224-BF794CC14E60}" srcOrd="0" destOrd="0" presId="urn:microsoft.com/office/officeart/2005/8/layout/orgChart1"/>
+    <dgm:cxn modelId="{8C71F597-48DA-42F5-848B-45FBCBBE231C}" srcId="{EFF00522-C837-4800-9089-09C6786FA139}" destId="{DEB3A288-72B2-4CE3-BA0E-2385DCEA1166}" srcOrd="1" destOrd="0" parTransId="{AE15057E-D275-4CBA-BBDA-7AFB5273F6D0}" sibTransId="{A96C3356-79EF-46AD-95D3-4F7717D0E212}"/>
+    <dgm:cxn modelId="{1D58114B-9E7B-4EE9-9BBB-CA2BC1050428}" srcId="{EFF00522-C837-4800-9089-09C6786FA139}" destId="{D0D5EBBE-C984-451E-A77C-06635B96115A}" srcOrd="0" destOrd="0" parTransId="{2401EE30-6FB4-47FC-B5CB-44E93082BA16}" sibTransId="{4794836D-9F6B-4080-8E70-60D729F37A15}"/>
     <dgm:cxn modelId="{76937E49-9A6C-4684-AE0E-E0846D99D250}" type="presOf" srcId="{3E7D5DE8-38A7-4D01-B3B1-C41B904AFB24}" destId="{D0C42A0A-227F-498C-9217-1F2A4E39F4AC}" srcOrd="0" destOrd="0" presId="urn:microsoft.com/office/officeart/2005/8/layout/orgChart1"/>
-    <dgm:cxn modelId="{1D58114B-9E7B-4EE9-9BBB-CA2BC1050428}" srcId="{EFF00522-C837-4800-9089-09C6786FA139}" destId="{D0D5EBBE-C984-451E-A77C-06635B96115A}" srcOrd="0" destOrd="0" parTransId="{2401EE30-6FB4-47FC-B5CB-44E93082BA16}" sibTransId="{4794836D-9F6B-4080-8E70-60D729F37A15}"/>
-    <dgm:cxn modelId="{B854F34B-ADF2-4C85-AA29-7CC262C2ABC0}" type="presOf" srcId="{F147F672-E447-4955-8CC9-5032D36A8B49}" destId="{F67550F7-432C-48D7-8A48-619DCE27301E}" srcOrd="0" destOrd="0" presId="urn:microsoft.com/office/officeart/2005/8/layout/orgChart1"/>
     <dgm:cxn modelId="{5D54394D-4C63-4C8A-838B-C69B4A99A8F4}" srcId="{EFF00522-C837-4800-9089-09C6786FA139}" destId="{E7C64FD9-0C4A-4F3B-931A-AB7EFC3F18D6}" srcOrd="5" destOrd="0" parTransId="{F147F672-E447-4955-8CC9-5032D36A8B49}" sibTransId="{8A6624D5-3F62-41FA-AF5E-FE463F8CEC8D}"/>
-    <dgm:cxn modelId="{F7703852-4B24-419F-8990-8F4642258C5C}" type="presOf" srcId="{DEB3A288-72B2-4CE3-BA0E-2385DCEA1166}" destId="{3DCFB508-F20D-419B-97A2-A0EA8AAE62B8}" srcOrd="0" destOrd="0" presId="urn:microsoft.com/office/officeart/2005/8/layout/orgChart1"/>
-    <dgm:cxn modelId="{8C5C1055-60EE-417A-890C-9263B9B0293C}" type="presOf" srcId="{6BCCACC8-297A-434B-B4C0-CBF55E8A799D}" destId="{8659CC59-2E2C-408C-A138-42297FB1F7FC}" srcOrd="0" destOrd="0" presId="urn:microsoft.com/office/officeart/2005/8/layout/orgChart1"/>
-    <dgm:cxn modelId="{E75D4180-7278-49C5-A120-3150DE2407B2}" type="presOf" srcId="{1F891C72-4331-4225-9131-EE90A5156BCC}" destId="{075DE7FD-AB6D-45A1-88B5-F6DE55537A5C}" srcOrd="0" destOrd="0" presId="urn:microsoft.com/office/officeart/2005/8/layout/orgChart1"/>
-    <dgm:cxn modelId="{8484E588-3BA2-4A2C-A856-2E9A20948E67}" type="presOf" srcId="{D0D5EBBE-C984-451E-A77C-06635B96115A}" destId="{BB899C3E-7977-48D2-838C-0A0A4E22407E}" srcOrd="0" destOrd="0" presId="urn:microsoft.com/office/officeart/2005/8/layout/orgChart1"/>
-    <dgm:cxn modelId="{8965F592-C2EF-4A5E-AE72-E3D483E3AC4B}" type="presOf" srcId="{EFF00522-C837-4800-9089-09C6786FA139}" destId="{0A79929F-4539-4070-8896-388E4F787335}" srcOrd="0" destOrd="0" presId="urn:microsoft.com/office/officeart/2005/8/layout/orgChart1"/>
-    <dgm:cxn modelId="{C104F494-93EC-4C35-9277-88485A6C79D9}" type="presOf" srcId="{AE15057E-D275-4CBA-BBDA-7AFB5273F6D0}" destId="{A3C064E1-EB83-4A90-BC9B-363A4369B1D9}" srcOrd="0" destOrd="0" presId="urn:microsoft.com/office/officeart/2005/8/layout/orgChart1"/>
-    <dgm:cxn modelId="{1A5C9B95-6306-4971-AEB4-0FB6C60D1920}" type="presOf" srcId="{2401EE30-6FB4-47FC-B5CB-44E93082BA16}" destId="{C79737FA-DA68-4B50-9686-82FBED4993F4}" srcOrd="0" destOrd="0" presId="urn:microsoft.com/office/officeart/2005/8/layout/orgChart1"/>
-    <dgm:cxn modelId="{8C71F597-48DA-42F5-848B-45FBCBBE231C}" srcId="{EFF00522-C837-4800-9089-09C6786FA139}" destId="{DEB3A288-72B2-4CE3-BA0E-2385DCEA1166}" srcOrd="1" destOrd="0" parTransId="{AE15057E-D275-4CBA-BBDA-7AFB5273F6D0}" sibTransId="{A96C3356-79EF-46AD-95D3-4F7717D0E212}"/>
+    <dgm:cxn modelId="{261826DD-4928-4968-9EE8-8603A4DA75BB}" type="presOf" srcId="{CFC8A77C-E037-4F39-89BC-7C46B2FFF6C3}" destId="{C385DBD7-122C-4C76-95AA-F0EDDD576213}" srcOrd="1" destOrd="0" presId="urn:microsoft.com/office/officeart/2005/8/layout/orgChart1"/>
+    <dgm:cxn modelId="{64B522C9-1881-4836-B21D-A269398ED4E7}" type="presOf" srcId="{06A4DF89-C148-4CB0-BC1C-719E15C3A380}" destId="{1FD30025-BE06-4C8D-8024-6353A3A86C64}" srcOrd="0" destOrd="0" presId="urn:microsoft.com/office/officeart/2005/8/layout/orgChart1"/>
     <dgm:cxn modelId="{3E0EE4A3-7C9D-4385-92CF-5CA9996AB16B}" type="presOf" srcId="{EFF00522-C837-4800-9089-09C6786FA139}" destId="{15AFF27B-B166-47F4-BEA3-A556EF84A1FE}" srcOrd="1" destOrd="0" presId="urn:microsoft.com/office/officeart/2005/8/layout/orgChart1"/>
     <dgm:cxn modelId="{C36633A6-7AC8-43DF-9EBE-C46C838D14D6}" type="presOf" srcId="{3E7D5DE8-38A7-4D01-B3B1-C41B904AFB24}" destId="{D47F8C64-7351-47DD-ABB9-3A4D5CE04EBC}" srcOrd="1" destOrd="0" presId="urn:microsoft.com/office/officeart/2005/8/layout/orgChart1"/>
+    <dgm:cxn modelId="{8C5C1055-60EE-417A-890C-9263B9B0293C}" type="presOf" srcId="{6BCCACC8-297A-434B-B4C0-CBF55E8A799D}" destId="{8659CC59-2E2C-408C-A138-42297FB1F7FC}" srcOrd="0" destOrd="0" presId="urn:microsoft.com/office/officeart/2005/8/layout/orgChart1"/>
+    <dgm:cxn modelId="{70CBB2C2-0071-4329-9A38-8AD1E841005D}" srcId="{EFF00522-C837-4800-9089-09C6786FA139}" destId="{CFC8A77C-E037-4F39-89BC-7C46B2FFF6C3}" srcOrd="3" destOrd="0" parTransId="{06A4DF89-C148-4CB0-BC1C-719E15C3A380}" sibTransId="{B9E8B3FB-6336-44A0-BB31-6CF9D499134C}"/>
+    <dgm:cxn modelId="{59A13B2B-94E3-4E30-B1C8-D4C19B456A98}" type="presOf" srcId="{6BCCACC8-297A-434B-B4C0-CBF55E8A799D}" destId="{695C9D34-95FC-428F-873D-B6282BE96811}" srcOrd="1" destOrd="0" presId="urn:microsoft.com/office/officeart/2005/8/layout/orgChart1"/>
+    <dgm:cxn modelId="{C104F494-93EC-4C35-9277-88485A6C79D9}" type="presOf" srcId="{AE15057E-D275-4CBA-BBDA-7AFB5273F6D0}" destId="{A3C064E1-EB83-4A90-BC9B-363A4369B1D9}" srcOrd="0" destOrd="0" presId="urn:microsoft.com/office/officeart/2005/8/layout/orgChart1"/>
+    <dgm:cxn modelId="{A4D9362C-6216-407B-A06C-1540E852B2AC}" type="presOf" srcId="{E7C64FD9-0C4A-4F3B-931A-AB7EFC3F18D6}" destId="{67726964-64F7-4568-A550-A3840E89588B}" srcOrd="0" destOrd="0" presId="urn:microsoft.com/office/officeart/2005/8/layout/orgChart1"/>
+    <dgm:cxn modelId="{CC89F41C-EC73-4164-B979-1E34F8EC7992}" type="presOf" srcId="{DEB3A288-72B2-4CE3-BA0E-2385DCEA1166}" destId="{D1586E0D-5339-4871-B373-DE07F6A4B31A}" srcOrd="1" destOrd="0" presId="urn:microsoft.com/office/officeart/2005/8/layout/orgChart1"/>
+    <dgm:cxn modelId="{B854F34B-ADF2-4C85-AA29-7CC262C2ABC0}" type="presOf" srcId="{F147F672-E447-4955-8CC9-5032D36A8B49}" destId="{F67550F7-432C-48D7-8A48-619DCE27301E}" srcOrd="0" destOrd="0" presId="urn:microsoft.com/office/officeart/2005/8/layout/orgChart1"/>
+    <dgm:cxn modelId="{8484E588-3BA2-4A2C-A856-2E9A20948E67}" type="presOf" srcId="{D0D5EBBE-C984-451E-A77C-06635B96115A}" destId="{BB899C3E-7977-48D2-838C-0A0A4E22407E}" srcOrd="0" destOrd="0" presId="urn:microsoft.com/office/officeart/2005/8/layout/orgChart1"/>
+    <dgm:cxn modelId="{1A5C9B95-6306-4971-AEB4-0FB6C60D1920}" type="presOf" srcId="{2401EE30-6FB4-47FC-B5CB-44E93082BA16}" destId="{C79737FA-DA68-4B50-9686-82FBED4993F4}" srcOrd="0" destOrd="0" presId="urn:microsoft.com/office/officeart/2005/8/layout/orgChart1"/>
+    <dgm:cxn modelId="{B6F32367-D4A4-4501-A5C5-198502F93225}" type="presOf" srcId="{CFC8A77C-E037-4F39-89BC-7C46B2FFF6C3}" destId="{B512DCC2-F8AD-4A88-8224-BF794CC14E60}" srcOrd="0" destOrd="0" presId="urn:microsoft.com/office/officeart/2005/8/layout/orgChart1"/>
+    <dgm:cxn modelId="{2BA0192D-E091-446B-9562-8E04E2C7A7A9}" srcId="{EFF00522-C837-4800-9089-09C6786FA139}" destId="{6BCCACC8-297A-434B-B4C0-CBF55E8A799D}" srcOrd="4" destOrd="0" parTransId="{77057196-36D4-4297-8DBE-9DF4DC99769E}" sibTransId="{E17B637D-8F1E-4395-8504-5FF5013E668B}"/>
+    <dgm:cxn modelId="{8C1C42B2-A065-4216-83CB-1050788129D9}" srcId="{EFF00522-C837-4800-9089-09C6786FA139}" destId="{3E7D5DE8-38A7-4D01-B3B1-C41B904AFB24}" srcOrd="2" destOrd="0" parTransId="{1F891C72-4331-4225-9131-EE90A5156BCC}" sibTransId="{2D617AC4-6E9C-47A6-BFAC-93EC82C86111}"/>
+    <dgm:cxn modelId="{F7703852-4B24-419F-8990-8F4642258C5C}" type="presOf" srcId="{DEB3A288-72B2-4CE3-BA0E-2385DCEA1166}" destId="{3DCFB508-F20D-419B-97A2-A0EA8AAE62B8}" srcOrd="0" destOrd="0" presId="urn:microsoft.com/office/officeart/2005/8/layout/orgChart1"/>
+    <dgm:cxn modelId="{F95DC0C1-9339-4066-9285-8FF13264398D}" type="presOf" srcId="{D0D5EBBE-C984-451E-A77C-06635B96115A}" destId="{1E59B1F0-1959-43EF-B4BA-5DE950985F11}" srcOrd="1" destOrd="0" presId="urn:microsoft.com/office/officeart/2005/8/layout/orgChart1"/>
     <dgm:cxn modelId="{67885BAF-5B75-407B-91B2-6F979038E946}" srcId="{F37AA981-A9B4-415F-ADC1-A456EE833205}" destId="{EFF00522-C837-4800-9089-09C6786FA139}" srcOrd="0" destOrd="0" parTransId="{DD3937CD-E1A8-4E5B-BD09-EABAA399CC23}" sibTransId="{719267CB-9490-458C-9394-D74AD204BE1B}"/>
-    <dgm:cxn modelId="{8C1C42B2-A065-4216-83CB-1050788129D9}" srcId="{EFF00522-C837-4800-9089-09C6786FA139}" destId="{3E7D5DE8-38A7-4D01-B3B1-C41B904AFB24}" srcOrd="2" destOrd="0" parTransId="{1F891C72-4331-4225-9131-EE90A5156BCC}" sibTransId="{2D617AC4-6E9C-47A6-BFAC-93EC82C86111}"/>
     <dgm:cxn modelId="{D57EB3B9-813B-4FB0-A76A-7A85A654C29B}" type="presOf" srcId="{E7C64FD9-0C4A-4F3B-931A-AB7EFC3F18D6}" destId="{E7DC8D2E-72AE-4E2C-8784-7C0B34907F59}" srcOrd="1" destOrd="0" presId="urn:microsoft.com/office/officeart/2005/8/layout/orgChart1"/>
-    <dgm:cxn modelId="{F95DC0C1-9339-4066-9285-8FF13264398D}" type="presOf" srcId="{D0D5EBBE-C984-451E-A77C-06635B96115A}" destId="{1E59B1F0-1959-43EF-B4BA-5DE950985F11}" srcOrd="1" destOrd="0" presId="urn:microsoft.com/office/officeart/2005/8/layout/orgChart1"/>
-    <dgm:cxn modelId="{70CBB2C2-0071-4329-9A38-8AD1E841005D}" srcId="{EFF00522-C837-4800-9089-09C6786FA139}" destId="{CFC8A77C-E037-4F39-89BC-7C46B2FFF6C3}" srcOrd="3" destOrd="0" parTransId="{06A4DF89-C148-4CB0-BC1C-719E15C3A380}" sibTransId="{B9E8B3FB-6336-44A0-BB31-6CF9D499134C}"/>
-    <dgm:cxn modelId="{64B522C9-1881-4836-B21D-A269398ED4E7}" type="presOf" srcId="{06A4DF89-C148-4CB0-BC1C-719E15C3A380}" destId="{1FD30025-BE06-4C8D-8024-6353A3A86C64}" srcOrd="0" destOrd="0" presId="urn:microsoft.com/office/officeart/2005/8/layout/orgChart1"/>
+    <dgm:cxn modelId="{19225BF9-14BF-4A05-BAF0-2E64D97CAC44}" type="presOf" srcId="{77057196-36D4-4297-8DBE-9DF4DC99769E}" destId="{87BE5EB3-DB60-4F74-8CAB-579081070155}" srcOrd="0" destOrd="0" presId="urn:microsoft.com/office/officeart/2005/8/layout/orgChart1"/>
     <dgm:cxn modelId="{6751E3DB-7D1C-4DFF-A50D-2E4D2AA1C036}" type="presOf" srcId="{F37AA981-A9B4-415F-ADC1-A456EE833205}" destId="{E4B09FCC-EACC-4121-8E6E-BD64FF803B59}" srcOrd="0" destOrd="0" presId="urn:microsoft.com/office/officeart/2005/8/layout/orgChart1"/>
-    <dgm:cxn modelId="{261826DD-4928-4968-9EE8-8603A4DA75BB}" type="presOf" srcId="{CFC8A77C-E037-4F39-89BC-7C46B2FFF6C3}" destId="{C385DBD7-122C-4C76-95AA-F0EDDD576213}" srcOrd="1" destOrd="0" presId="urn:microsoft.com/office/officeart/2005/8/layout/orgChart1"/>
-    <dgm:cxn modelId="{19225BF9-14BF-4A05-BAF0-2E64D97CAC44}" type="presOf" srcId="{77057196-36D4-4297-8DBE-9DF4DC99769E}" destId="{87BE5EB3-DB60-4F74-8CAB-579081070155}" srcOrd="0" destOrd="0" presId="urn:microsoft.com/office/officeart/2005/8/layout/orgChart1"/>
+    <dgm:cxn modelId="{E75D4180-7278-49C5-A120-3150DE2407B2}" type="presOf" srcId="{1F891C72-4331-4225-9131-EE90A5156BCC}" destId="{075DE7FD-AB6D-45A1-88B5-F6DE55537A5C}" srcOrd="0" destOrd="0" presId="urn:microsoft.com/office/officeart/2005/8/layout/orgChart1"/>
+    <dgm:cxn modelId="{8965F592-C2EF-4A5E-AE72-E3D483E3AC4B}" type="presOf" srcId="{EFF00522-C837-4800-9089-09C6786FA139}" destId="{0A79929F-4539-4070-8896-388E4F787335}" srcOrd="0" destOrd="0" presId="urn:microsoft.com/office/officeart/2005/8/layout/orgChart1"/>
     <dgm:cxn modelId="{007B4A0A-0E4B-42BD-905B-BDF6999023BA}" type="presParOf" srcId="{E4B09FCC-EACC-4121-8E6E-BD64FF803B59}" destId="{C7C3974A-1DF5-4BF7-A22B-7D65EF9D0681}" srcOrd="0" destOrd="0" presId="urn:microsoft.com/office/officeart/2005/8/layout/orgChart1"/>
     <dgm:cxn modelId="{0B8B6F9D-EC93-49D1-AB15-6F71BC6FE182}" type="presParOf" srcId="{C7C3974A-1DF5-4BF7-A22B-7D65EF9D0681}" destId="{D00FF694-389D-4CD3-B5E2-0572615B4DE4}" srcOrd="0" destOrd="0" presId="urn:microsoft.com/office/officeart/2005/8/layout/orgChart1"/>
     <dgm:cxn modelId="{5FC40C6D-C971-40B3-8425-E45FAA9959E4}" type="presParOf" srcId="{D00FF694-389D-4CD3-B5E2-0572615B4DE4}" destId="{0A79929F-4539-4070-8896-388E4F787335}" srcOrd="0" destOrd="0" presId="urn:microsoft.com/office/officeart/2005/8/layout/orgChart1"/>
@@ -2388,11 +2535,11 @@
         <a:lstStyle/>
         <a:p>
           <a:r>
-            <a:rPr lang="en-GB" sz="2000" dirty="0" err="1">
+            <a:rPr lang="en-GB" sz="2000" dirty="0" err="1" smtClean="0">
               <a:latin typeface="Arial" panose="020B0604020202020204" pitchFamily="34" charset="0"/>
               <a:cs typeface="Arial" panose="020B0604020202020204" pitchFamily="34" charset="0"/>
             </a:rPr>
-            <a:t>Inicio</a:t>
+            <a:t>Início</a:t>
           </a:r>
           <a:endParaRPr lang="en-GB" sz="2000" dirty="0">
             <a:latin typeface="Arial" panose="020B0604020202020204" pitchFamily="34" charset="0"/>
@@ -2643,6 +2790,13 @@
         </dgm:presLayoutVars>
       </dgm:prSet>
       <dgm:spPr/>
+      <dgm:t>
+        <a:bodyPr/>
+        <a:lstStyle/>
+        <a:p>
+          <a:endParaRPr lang="pt-PT"/>
+        </a:p>
+      </dgm:t>
     </dgm:pt>
     <dgm:pt modelId="{C7C3974A-1DF5-4BF7-A22B-7D65EF9D0681}" type="pres">
       <dgm:prSet presAssocID="{EFF00522-C837-4800-9089-09C6786FA139}" presName="hierRoot1" presStyleCnt="0">
@@ -2663,10 +2817,24 @@
         </dgm:presLayoutVars>
       </dgm:prSet>
       <dgm:spPr/>
+      <dgm:t>
+        <a:bodyPr/>
+        <a:lstStyle/>
+        <a:p>
+          <a:endParaRPr lang="pt-PT"/>
+        </a:p>
+      </dgm:t>
     </dgm:pt>
     <dgm:pt modelId="{15AFF27B-B166-47F4-BEA3-A556EF84A1FE}" type="pres">
       <dgm:prSet presAssocID="{EFF00522-C837-4800-9089-09C6786FA139}" presName="rootConnector1" presStyleLbl="node1" presStyleIdx="0" presStyleCnt="0"/>
       <dgm:spPr/>
+      <dgm:t>
+        <a:bodyPr/>
+        <a:lstStyle/>
+        <a:p>
+          <a:endParaRPr lang="pt-PT"/>
+        </a:p>
+      </dgm:t>
     </dgm:pt>
     <dgm:pt modelId="{9A71EA88-E86A-4774-A0C2-7A36B7A46C30}" type="pres">
       <dgm:prSet presAssocID="{EFF00522-C837-4800-9089-09C6786FA139}" presName="hierChild2" presStyleCnt="0"/>
@@ -2675,6 +2843,13 @@
     <dgm:pt modelId="{C79737FA-DA68-4B50-9686-82FBED4993F4}" type="pres">
       <dgm:prSet presAssocID="{2401EE30-6FB4-47FC-B5CB-44E93082BA16}" presName="Name37" presStyleLbl="parChTrans1D2" presStyleIdx="0" presStyleCnt="6"/>
       <dgm:spPr/>
+      <dgm:t>
+        <a:bodyPr/>
+        <a:lstStyle/>
+        <a:p>
+          <a:endParaRPr lang="pt-PT"/>
+        </a:p>
+      </dgm:t>
     </dgm:pt>
     <dgm:pt modelId="{3CDACF71-9436-40D9-B554-1B1DAEBD747E}" type="pres">
       <dgm:prSet presAssocID="{D0D5EBBE-C984-451E-A77C-06635B96115A}" presName="hierRoot2" presStyleCnt="0">
@@ -2695,10 +2870,24 @@
         </dgm:presLayoutVars>
       </dgm:prSet>
       <dgm:spPr/>
+      <dgm:t>
+        <a:bodyPr/>
+        <a:lstStyle/>
+        <a:p>
+          <a:endParaRPr lang="pt-PT"/>
+        </a:p>
+      </dgm:t>
     </dgm:pt>
     <dgm:pt modelId="{1E59B1F0-1959-43EF-B4BA-5DE950985F11}" type="pres">
       <dgm:prSet presAssocID="{D0D5EBBE-C984-451E-A77C-06635B96115A}" presName="rootConnector" presStyleLbl="node2" presStyleIdx="0" presStyleCnt="6"/>
       <dgm:spPr/>
+      <dgm:t>
+        <a:bodyPr/>
+        <a:lstStyle/>
+        <a:p>
+          <a:endParaRPr lang="pt-PT"/>
+        </a:p>
+      </dgm:t>
     </dgm:pt>
     <dgm:pt modelId="{1361BC6C-9B0B-4206-827D-3BF0B5B79B98}" type="pres">
       <dgm:prSet presAssocID="{D0D5EBBE-C984-451E-A77C-06635B96115A}" presName="hierChild4" presStyleCnt="0"/>
@@ -2711,6 +2900,13 @@
     <dgm:pt modelId="{A3C064E1-EB83-4A90-BC9B-363A4369B1D9}" type="pres">
       <dgm:prSet presAssocID="{AE15057E-D275-4CBA-BBDA-7AFB5273F6D0}" presName="Name37" presStyleLbl="parChTrans1D2" presStyleIdx="1" presStyleCnt="6"/>
       <dgm:spPr/>
+      <dgm:t>
+        <a:bodyPr/>
+        <a:lstStyle/>
+        <a:p>
+          <a:endParaRPr lang="pt-PT"/>
+        </a:p>
+      </dgm:t>
     </dgm:pt>
     <dgm:pt modelId="{5F49EB11-AF2A-43A7-A5F6-C818A93333A4}" type="pres">
       <dgm:prSet presAssocID="{DEB3A288-72B2-4CE3-BA0E-2385DCEA1166}" presName="hierRoot2" presStyleCnt="0">
@@ -2731,10 +2927,24 @@
         </dgm:presLayoutVars>
       </dgm:prSet>
       <dgm:spPr/>
+      <dgm:t>
+        <a:bodyPr/>
+        <a:lstStyle/>
+        <a:p>
+          <a:endParaRPr lang="pt-PT"/>
+        </a:p>
+      </dgm:t>
     </dgm:pt>
     <dgm:pt modelId="{D1586E0D-5339-4871-B373-DE07F6A4B31A}" type="pres">
       <dgm:prSet presAssocID="{DEB3A288-72B2-4CE3-BA0E-2385DCEA1166}" presName="rootConnector" presStyleLbl="node2" presStyleIdx="1" presStyleCnt="6"/>
       <dgm:spPr/>
+      <dgm:t>
+        <a:bodyPr/>
+        <a:lstStyle/>
+        <a:p>
+          <a:endParaRPr lang="pt-PT"/>
+        </a:p>
+      </dgm:t>
     </dgm:pt>
     <dgm:pt modelId="{1E188EC2-DBC6-4C65-BECE-BD2803FEF22A}" type="pres">
       <dgm:prSet presAssocID="{DEB3A288-72B2-4CE3-BA0E-2385DCEA1166}" presName="hierChild4" presStyleCnt="0"/>
@@ -2747,6 +2957,13 @@
     <dgm:pt modelId="{075DE7FD-AB6D-45A1-88B5-F6DE55537A5C}" type="pres">
       <dgm:prSet presAssocID="{1F891C72-4331-4225-9131-EE90A5156BCC}" presName="Name37" presStyleLbl="parChTrans1D2" presStyleIdx="2" presStyleCnt="6"/>
       <dgm:spPr/>
+      <dgm:t>
+        <a:bodyPr/>
+        <a:lstStyle/>
+        <a:p>
+          <a:endParaRPr lang="pt-PT"/>
+        </a:p>
+      </dgm:t>
     </dgm:pt>
     <dgm:pt modelId="{9D85BD58-234E-4F80-9935-D3C313D0B352}" type="pres">
       <dgm:prSet presAssocID="{3E7D5DE8-38A7-4D01-B3B1-C41B904AFB24}" presName="hierRoot2" presStyleCnt="0">
@@ -2767,10 +2984,24 @@
         </dgm:presLayoutVars>
       </dgm:prSet>
       <dgm:spPr/>
+      <dgm:t>
+        <a:bodyPr/>
+        <a:lstStyle/>
+        <a:p>
+          <a:endParaRPr lang="pt-PT"/>
+        </a:p>
+      </dgm:t>
     </dgm:pt>
     <dgm:pt modelId="{D47F8C64-7351-47DD-ABB9-3A4D5CE04EBC}" type="pres">
       <dgm:prSet presAssocID="{3E7D5DE8-38A7-4D01-B3B1-C41B904AFB24}" presName="rootConnector" presStyleLbl="node2" presStyleIdx="2" presStyleCnt="6"/>
       <dgm:spPr/>
+      <dgm:t>
+        <a:bodyPr/>
+        <a:lstStyle/>
+        <a:p>
+          <a:endParaRPr lang="pt-PT"/>
+        </a:p>
+      </dgm:t>
     </dgm:pt>
     <dgm:pt modelId="{0EB07231-3CA0-42A8-AE42-EFF984FC9A65}" type="pres">
       <dgm:prSet presAssocID="{3E7D5DE8-38A7-4D01-B3B1-C41B904AFB24}" presName="hierChild4" presStyleCnt="0"/>
@@ -2783,6 +3014,13 @@
     <dgm:pt modelId="{1FD30025-BE06-4C8D-8024-6353A3A86C64}" type="pres">
       <dgm:prSet presAssocID="{06A4DF89-C148-4CB0-BC1C-719E15C3A380}" presName="Name37" presStyleLbl="parChTrans1D2" presStyleIdx="3" presStyleCnt="6"/>
       <dgm:spPr/>
+      <dgm:t>
+        <a:bodyPr/>
+        <a:lstStyle/>
+        <a:p>
+          <a:endParaRPr lang="pt-PT"/>
+        </a:p>
+      </dgm:t>
     </dgm:pt>
     <dgm:pt modelId="{031ED071-E8F0-4ADE-BB27-DE25D6F99C8E}" type="pres">
       <dgm:prSet presAssocID="{CFC8A77C-E037-4F39-89BC-7C46B2FFF6C3}" presName="hierRoot2" presStyleCnt="0">
@@ -2803,10 +3041,24 @@
         </dgm:presLayoutVars>
       </dgm:prSet>
       <dgm:spPr/>
+      <dgm:t>
+        <a:bodyPr/>
+        <a:lstStyle/>
+        <a:p>
+          <a:endParaRPr lang="pt-PT"/>
+        </a:p>
+      </dgm:t>
     </dgm:pt>
     <dgm:pt modelId="{C385DBD7-122C-4C76-95AA-F0EDDD576213}" type="pres">
       <dgm:prSet presAssocID="{CFC8A77C-E037-4F39-89BC-7C46B2FFF6C3}" presName="rootConnector" presStyleLbl="node2" presStyleIdx="3" presStyleCnt="6"/>
       <dgm:spPr/>
+      <dgm:t>
+        <a:bodyPr/>
+        <a:lstStyle/>
+        <a:p>
+          <a:endParaRPr lang="pt-PT"/>
+        </a:p>
+      </dgm:t>
     </dgm:pt>
     <dgm:pt modelId="{DE86AFEF-E43B-4AD5-AF14-454FCFC84E45}" type="pres">
       <dgm:prSet presAssocID="{CFC8A77C-E037-4F39-89BC-7C46B2FFF6C3}" presName="hierChild4" presStyleCnt="0"/>
@@ -2819,6 +3071,13 @@
     <dgm:pt modelId="{87BE5EB3-DB60-4F74-8CAB-579081070155}" type="pres">
       <dgm:prSet presAssocID="{77057196-36D4-4297-8DBE-9DF4DC99769E}" presName="Name37" presStyleLbl="parChTrans1D2" presStyleIdx="4" presStyleCnt="6"/>
       <dgm:spPr/>
+      <dgm:t>
+        <a:bodyPr/>
+        <a:lstStyle/>
+        <a:p>
+          <a:endParaRPr lang="pt-PT"/>
+        </a:p>
+      </dgm:t>
     </dgm:pt>
     <dgm:pt modelId="{B70BC062-C551-4FA6-AA0B-24CA90B943F5}" type="pres">
       <dgm:prSet presAssocID="{6BCCACC8-297A-434B-B4C0-CBF55E8A799D}" presName="hierRoot2" presStyleCnt="0">
@@ -2839,10 +3098,24 @@
         </dgm:presLayoutVars>
       </dgm:prSet>
       <dgm:spPr/>
+      <dgm:t>
+        <a:bodyPr/>
+        <a:lstStyle/>
+        <a:p>
+          <a:endParaRPr lang="pt-PT"/>
+        </a:p>
+      </dgm:t>
     </dgm:pt>
     <dgm:pt modelId="{695C9D34-95FC-428F-873D-B6282BE96811}" type="pres">
       <dgm:prSet presAssocID="{6BCCACC8-297A-434B-B4C0-CBF55E8A799D}" presName="rootConnector" presStyleLbl="node2" presStyleIdx="4" presStyleCnt="6"/>
       <dgm:spPr/>
+      <dgm:t>
+        <a:bodyPr/>
+        <a:lstStyle/>
+        <a:p>
+          <a:endParaRPr lang="pt-PT"/>
+        </a:p>
+      </dgm:t>
     </dgm:pt>
     <dgm:pt modelId="{C932BF2B-95E7-43ED-B8E1-90412F9C1BE7}" type="pres">
       <dgm:prSet presAssocID="{6BCCACC8-297A-434B-B4C0-CBF55E8A799D}" presName="hierChild4" presStyleCnt="0"/>
@@ -2855,6 +3128,13 @@
     <dgm:pt modelId="{F67550F7-432C-48D7-8A48-619DCE27301E}" type="pres">
       <dgm:prSet presAssocID="{F147F672-E447-4955-8CC9-5032D36A8B49}" presName="Name37" presStyleLbl="parChTrans1D2" presStyleIdx="5" presStyleCnt="6"/>
       <dgm:spPr/>
+      <dgm:t>
+        <a:bodyPr/>
+        <a:lstStyle/>
+        <a:p>
+          <a:endParaRPr lang="pt-PT"/>
+        </a:p>
+      </dgm:t>
     </dgm:pt>
     <dgm:pt modelId="{5A447CFF-59F3-4408-95EC-27E2E20BD354}" type="pres">
       <dgm:prSet presAssocID="{E7C64FD9-0C4A-4F3B-931A-AB7EFC3F18D6}" presName="hierRoot2" presStyleCnt="0">
@@ -2875,10 +3155,24 @@
         </dgm:presLayoutVars>
       </dgm:prSet>
       <dgm:spPr/>
+      <dgm:t>
+        <a:bodyPr/>
+        <a:lstStyle/>
+        <a:p>
+          <a:endParaRPr lang="pt-PT"/>
+        </a:p>
+      </dgm:t>
     </dgm:pt>
     <dgm:pt modelId="{E7DC8D2E-72AE-4E2C-8784-7C0B34907F59}" type="pres">
       <dgm:prSet presAssocID="{E7C64FD9-0C4A-4F3B-931A-AB7EFC3F18D6}" presName="rootConnector" presStyleLbl="node2" presStyleIdx="5" presStyleCnt="6"/>
       <dgm:spPr/>
+      <dgm:t>
+        <a:bodyPr/>
+        <a:lstStyle/>
+        <a:p>
+          <a:endParaRPr lang="pt-PT"/>
+        </a:p>
+      </dgm:t>
     </dgm:pt>
     <dgm:pt modelId="{7949B886-9FD6-41C3-A2D3-C7783F0882CF}" type="pres">
       <dgm:prSet presAssocID="{E7C64FD9-0C4A-4F3B-931A-AB7EFC3F18D6}" presName="hierChild4" presStyleCnt="0"/>
@@ -2894,34 +3188,34 @@
     </dgm:pt>
   </dgm:ptLst>
   <dgm:cxnLst>
-    <dgm:cxn modelId="{CC89F41C-EC73-4164-B979-1E34F8EC7992}" type="presOf" srcId="{DEB3A288-72B2-4CE3-BA0E-2385DCEA1166}" destId="{D1586E0D-5339-4871-B373-DE07F6A4B31A}" srcOrd="1" destOrd="0" presId="urn:microsoft.com/office/officeart/2005/8/layout/orgChart1"/>
-    <dgm:cxn modelId="{59A13B2B-94E3-4E30-B1C8-D4C19B456A98}" type="presOf" srcId="{6BCCACC8-297A-434B-B4C0-CBF55E8A799D}" destId="{695C9D34-95FC-428F-873D-B6282BE96811}" srcOrd="1" destOrd="0" presId="urn:microsoft.com/office/officeart/2005/8/layout/orgChart1"/>
-    <dgm:cxn modelId="{A4D9362C-6216-407B-A06C-1540E852B2AC}" type="presOf" srcId="{E7C64FD9-0C4A-4F3B-931A-AB7EFC3F18D6}" destId="{67726964-64F7-4568-A550-A3840E89588B}" srcOrd="0" destOrd="0" presId="urn:microsoft.com/office/officeart/2005/8/layout/orgChart1"/>
-    <dgm:cxn modelId="{2BA0192D-E091-446B-9562-8E04E2C7A7A9}" srcId="{EFF00522-C837-4800-9089-09C6786FA139}" destId="{6BCCACC8-297A-434B-B4C0-CBF55E8A799D}" srcOrd="4" destOrd="0" parTransId="{77057196-36D4-4297-8DBE-9DF4DC99769E}" sibTransId="{E17B637D-8F1E-4395-8504-5FF5013E668B}"/>
-    <dgm:cxn modelId="{B6F32367-D4A4-4501-A5C5-198502F93225}" type="presOf" srcId="{CFC8A77C-E037-4F39-89BC-7C46B2FFF6C3}" destId="{B512DCC2-F8AD-4A88-8224-BF794CC14E60}" srcOrd="0" destOrd="0" presId="urn:microsoft.com/office/officeart/2005/8/layout/orgChart1"/>
+    <dgm:cxn modelId="{8C71F597-48DA-42F5-848B-45FBCBBE231C}" srcId="{EFF00522-C837-4800-9089-09C6786FA139}" destId="{DEB3A288-72B2-4CE3-BA0E-2385DCEA1166}" srcOrd="1" destOrd="0" parTransId="{AE15057E-D275-4CBA-BBDA-7AFB5273F6D0}" sibTransId="{A96C3356-79EF-46AD-95D3-4F7717D0E212}"/>
+    <dgm:cxn modelId="{1D58114B-9E7B-4EE9-9BBB-CA2BC1050428}" srcId="{EFF00522-C837-4800-9089-09C6786FA139}" destId="{D0D5EBBE-C984-451E-A77C-06635B96115A}" srcOrd="0" destOrd="0" parTransId="{2401EE30-6FB4-47FC-B5CB-44E93082BA16}" sibTransId="{4794836D-9F6B-4080-8E70-60D729F37A15}"/>
     <dgm:cxn modelId="{76937E49-9A6C-4684-AE0E-E0846D99D250}" type="presOf" srcId="{3E7D5DE8-38A7-4D01-B3B1-C41B904AFB24}" destId="{D0C42A0A-227F-498C-9217-1F2A4E39F4AC}" srcOrd="0" destOrd="0" presId="urn:microsoft.com/office/officeart/2005/8/layout/orgChart1"/>
-    <dgm:cxn modelId="{1D58114B-9E7B-4EE9-9BBB-CA2BC1050428}" srcId="{EFF00522-C837-4800-9089-09C6786FA139}" destId="{D0D5EBBE-C984-451E-A77C-06635B96115A}" srcOrd="0" destOrd="0" parTransId="{2401EE30-6FB4-47FC-B5CB-44E93082BA16}" sibTransId="{4794836D-9F6B-4080-8E70-60D729F37A15}"/>
-    <dgm:cxn modelId="{B854F34B-ADF2-4C85-AA29-7CC262C2ABC0}" type="presOf" srcId="{F147F672-E447-4955-8CC9-5032D36A8B49}" destId="{F67550F7-432C-48D7-8A48-619DCE27301E}" srcOrd="0" destOrd="0" presId="urn:microsoft.com/office/officeart/2005/8/layout/orgChart1"/>
     <dgm:cxn modelId="{5D54394D-4C63-4C8A-838B-C69B4A99A8F4}" srcId="{EFF00522-C837-4800-9089-09C6786FA139}" destId="{E7C64FD9-0C4A-4F3B-931A-AB7EFC3F18D6}" srcOrd="5" destOrd="0" parTransId="{F147F672-E447-4955-8CC9-5032D36A8B49}" sibTransId="{8A6624D5-3F62-41FA-AF5E-FE463F8CEC8D}"/>
-    <dgm:cxn modelId="{F7703852-4B24-419F-8990-8F4642258C5C}" type="presOf" srcId="{DEB3A288-72B2-4CE3-BA0E-2385DCEA1166}" destId="{3DCFB508-F20D-419B-97A2-A0EA8AAE62B8}" srcOrd="0" destOrd="0" presId="urn:microsoft.com/office/officeart/2005/8/layout/orgChart1"/>
-    <dgm:cxn modelId="{8C5C1055-60EE-417A-890C-9263B9B0293C}" type="presOf" srcId="{6BCCACC8-297A-434B-B4C0-CBF55E8A799D}" destId="{8659CC59-2E2C-408C-A138-42297FB1F7FC}" srcOrd="0" destOrd="0" presId="urn:microsoft.com/office/officeart/2005/8/layout/orgChart1"/>
-    <dgm:cxn modelId="{E75D4180-7278-49C5-A120-3150DE2407B2}" type="presOf" srcId="{1F891C72-4331-4225-9131-EE90A5156BCC}" destId="{075DE7FD-AB6D-45A1-88B5-F6DE55537A5C}" srcOrd="0" destOrd="0" presId="urn:microsoft.com/office/officeart/2005/8/layout/orgChart1"/>
-    <dgm:cxn modelId="{8484E588-3BA2-4A2C-A856-2E9A20948E67}" type="presOf" srcId="{D0D5EBBE-C984-451E-A77C-06635B96115A}" destId="{BB899C3E-7977-48D2-838C-0A0A4E22407E}" srcOrd="0" destOrd="0" presId="urn:microsoft.com/office/officeart/2005/8/layout/orgChart1"/>
-    <dgm:cxn modelId="{8965F592-C2EF-4A5E-AE72-E3D483E3AC4B}" type="presOf" srcId="{EFF00522-C837-4800-9089-09C6786FA139}" destId="{0A79929F-4539-4070-8896-388E4F787335}" srcOrd="0" destOrd="0" presId="urn:microsoft.com/office/officeart/2005/8/layout/orgChart1"/>
-    <dgm:cxn modelId="{C104F494-93EC-4C35-9277-88485A6C79D9}" type="presOf" srcId="{AE15057E-D275-4CBA-BBDA-7AFB5273F6D0}" destId="{A3C064E1-EB83-4A90-BC9B-363A4369B1D9}" srcOrd="0" destOrd="0" presId="urn:microsoft.com/office/officeart/2005/8/layout/orgChart1"/>
-    <dgm:cxn modelId="{1A5C9B95-6306-4971-AEB4-0FB6C60D1920}" type="presOf" srcId="{2401EE30-6FB4-47FC-B5CB-44E93082BA16}" destId="{C79737FA-DA68-4B50-9686-82FBED4993F4}" srcOrd="0" destOrd="0" presId="urn:microsoft.com/office/officeart/2005/8/layout/orgChart1"/>
-    <dgm:cxn modelId="{8C71F597-48DA-42F5-848B-45FBCBBE231C}" srcId="{EFF00522-C837-4800-9089-09C6786FA139}" destId="{DEB3A288-72B2-4CE3-BA0E-2385DCEA1166}" srcOrd="1" destOrd="0" parTransId="{AE15057E-D275-4CBA-BBDA-7AFB5273F6D0}" sibTransId="{A96C3356-79EF-46AD-95D3-4F7717D0E212}"/>
+    <dgm:cxn modelId="{261826DD-4928-4968-9EE8-8603A4DA75BB}" type="presOf" srcId="{CFC8A77C-E037-4F39-89BC-7C46B2FFF6C3}" destId="{C385DBD7-122C-4C76-95AA-F0EDDD576213}" srcOrd="1" destOrd="0" presId="urn:microsoft.com/office/officeart/2005/8/layout/orgChart1"/>
+    <dgm:cxn modelId="{64B522C9-1881-4836-B21D-A269398ED4E7}" type="presOf" srcId="{06A4DF89-C148-4CB0-BC1C-719E15C3A380}" destId="{1FD30025-BE06-4C8D-8024-6353A3A86C64}" srcOrd="0" destOrd="0" presId="urn:microsoft.com/office/officeart/2005/8/layout/orgChart1"/>
     <dgm:cxn modelId="{3E0EE4A3-7C9D-4385-92CF-5CA9996AB16B}" type="presOf" srcId="{EFF00522-C837-4800-9089-09C6786FA139}" destId="{15AFF27B-B166-47F4-BEA3-A556EF84A1FE}" srcOrd="1" destOrd="0" presId="urn:microsoft.com/office/officeart/2005/8/layout/orgChart1"/>
     <dgm:cxn modelId="{C36633A6-7AC8-43DF-9EBE-C46C838D14D6}" type="presOf" srcId="{3E7D5DE8-38A7-4D01-B3B1-C41B904AFB24}" destId="{D47F8C64-7351-47DD-ABB9-3A4D5CE04EBC}" srcOrd="1" destOrd="0" presId="urn:microsoft.com/office/officeart/2005/8/layout/orgChart1"/>
+    <dgm:cxn modelId="{8C5C1055-60EE-417A-890C-9263B9B0293C}" type="presOf" srcId="{6BCCACC8-297A-434B-B4C0-CBF55E8A799D}" destId="{8659CC59-2E2C-408C-A138-42297FB1F7FC}" srcOrd="0" destOrd="0" presId="urn:microsoft.com/office/officeart/2005/8/layout/orgChart1"/>
+    <dgm:cxn modelId="{70CBB2C2-0071-4329-9A38-8AD1E841005D}" srcId="{EFF00522-C837-4800-9089-09C6786FA139}" destId="{CFC8A77C-E037-4F39-89BC-7C46B2FFF6C3}" srcOrd="3" destOrd="0" parTransId="{06A4DF89-C148-4CB0-BC1C-719E15C3A380}" sibTransId="{B9E8B3FB-6336-44A0-BB31-6CF9D499134C}"/>
+    <dgm:cxn modelId="{59A13B2B-94E3-4E30-B1C8-D4C19B456A98}" type="presOf" srcId="{6BCCACC8-297A-434B-B4C0-CBF55E8A799D}" destId="{695C9D34-95FC-428F-873D-B6282BE96811}" srcOrd="1" destOrd="0" presId="urn:microsoft.com/office/officeart/2005/8/layout/orgChart1"/>
+    <dgm:cxn modelId="{C104F494-93EC-4C35-9277-88485A6C79D9}" type="presOf" srcId="{AE15057E-D275-4CBA-BBDA-7AFB5273F6D0}" destId="{A3C064E1-EB83-4A90-BC9B-363A4369B1D9}" srcOrd="0" destOrd="0" presId="urn:microsoft.com/office/officeart/2005/8/layout/orgChart1"/>
+    <dgm:cxn modelId="{A4D9362C-6216-407B-A06C-1540E852B2AC}" type="presOf" srcId="{E7C64FD9-0C4A-4F3B-931A-AB7EFC3F18D6}" destId="{67726964-64F7-4568-A550-A3840E89588B}" srcOrd="0" destOrd="0" presId="urn:microsoft.com/office/officeart/2005/8/layout/orgChart1"/>
+    <dgm:cxn modelId="{CC89F41C-EC73-4164-B979-1E34F8EC7992}" type="presOf" srcId="{DEB3A288-72B2-4CE3-BA0E-2385DCEA1166}" destId="{D1586E0D-5339-4871-B373-DE07F6A4B31A}" srcOrd="1" destOrd="0" presId="urn:microsoft.com/office/officeart/2005/8/layout/orgChart1"/>
+    <dgm:cxn modelId="{B854F34B-ADF2-4C85-AA29-7CC262C2ABC0}" type="presOf" srcId="{F147F672-E447-4955-8CC9-5032D36A8B49}" destId="{F67550F7-432C-48D7-8A48-619DCE27301E}" srcOrd="0" destOrd="0" presId="urn:microsoft.com/office/officeart/2005/8/layout/orgChart1"/>
+    <dgm:cxn modelId="{8484E588-3BA2-4A2C-A856-2E9A20948E67}" type="presOf" srcId="{D0D5EBBE-C984-451E-A77C-06635B96115A}" destId="{BB899C3E-7977-48D2-838C-0A0A4E22407E}" srcOrd="0" destOrd="0" presId="urn:microsoft.com/office/officeart/2005/8/layout/orgChart1"/>
+    <dgm:cxn modelId="{1A5C9B95-6306-4971-AEB4-0FB6C60D1920}" type="presOf" srcId="{2401EE30-6FB4-47FC-B5CB-44E93082BA16}" destId="{C79737FA-DA68-4B50-9686-82FBED4993F4}" srcOrd="0" destOrd="0" presId="urn:microsoft.com/office/officeart/2005/8/layout/orgChart1"/>
+    <dgm:cxn modelId="{B6F32367-D4A4-4501-A5C5-198502F93225}" type="presOf" srcId="{CFC8A77C-E037-4F39-89BC-7C46B2FFF6C3}" destId="{B512DCC2-F8AD-4A88-8224-BF794CC14E60}" srcOrd="0" destOrd="0" presId="urn:microsoft.com/office/officeart/2005/8/layout/orgChart1"/>
+    <dgm:cxn modelId="{2BA0192D-E091-446B-9562-8E04E2C7A7A9}" srcId="{EFF00522-C837-4800-9089-09C6786FA139}" destId="{6BCCACC8-297A-434B-B4C0-CBF55E8A799D}" srcOrd="4" destOrd="0" parTransId="{77057196-36D4-4297-8DBE-9DF4DC99769E}" sibTransId="{E17B637D-8F1E-4395-8504-5FF5013E668B}"/>
+    <dgm:cxn modelId="{8C1C42B2-A065-4216-83CB-1050788129D9}" srcId="{EFF00522-C837-4800-9089-09C6786FA139}" destId="{3E7D5DE8-38A7-4D01-B3B1-C41B904AFB24}" srcOrd="2" destOrd="0" parTransId="{1F891C72-4331-4225-9131-EE90A5156BCC}" sibTransId="{2D617AC4-6E9C-47A6-BFAC-93EC82C86111}"/>
+    <dgm:cxn modelId="{F7703852-4B24-419F-8990-8F4642258C5C}" type="presOf" srcId="{DEB3A288-72B2-4CE3-BA0E-2385DCEA1166}" destId="{3DCFB508-F20D-419B-97A2-A0EA8AAE62B8}" srcOrd="0" destOrd="0" presId="urn:microsoft.com/office/officeart/2005/8/layout/orgChart1"/>
+    <dgm:cxn modelId="{F95DC0C1-9339-4066-9285-8FF13264398D}" type="presOf" srcId="{D0D5EBBE-C984-451E-A77C-06635B96115A}" destId="{1E59B1F0-1959-43EF-B4BA-5DE950985F11}" srcOrd="1" destOrd="0" presId="urn:microsoft.com/office/officeart/2005/8/layout/orgChart1"/>
     <dgm:cxn modelId="{67885BAF-5B75-407B-91B2-6F979038E946}" srcId="{F37AA981-A9B4-415F-ADC1-A456EE833205}" destId="{EFF00522-C837-4800-9089-09C6786FA139}" srcOrd="0" destOrd="0" parTransId="{DD3937CD-E1A8-4E5B-BD09-EABAA399CC23}" sibTransId="{719267CB-9490-458C-9394-D74AD204BE1B}"/>
-    <dgm:cxn modelId="{8C1C42B2-A065-4216-83CB-1050788129D9}" srcId="{EFF00522-C837-4800-9089-09C6786FA139}" destId="{3E7D5DE8-38A7-4D01-B3B1-C41B904AFB24}" srcOrd="2" destOrd="0" parTransId="{1F891C72-4331-4225-9131-EE90A5156BCC}" sibTransId="{2D617AC4-6E9C-47A6-BFAC-93EC82C86111}"/>
     <dgm:cxn modelId="{D57EB3B9-813B-4FB0-A76A-7A85A654C29B}" type="presOf" srcId="{E7C64FD9-0C4A-4F3B-931A-AB7EFC3F18D6}" destId="{E7DC8D2E-72AE-4E2C-8784-7C0B34907F59}" srcOrd="1" destOrd="0" presId="urn:microsoft.com/office/officeart/2005/8/layout/orgChart1"/>
-    <dgm:cxn modelId="{F95DC0C1-9339-4066-9285-8FF13264398D}" type="presOf" srcId="{D0D5EBBE-C984-451E-A77C-06635B96115A}" destId="{1E59B1F0-1959-43EF-B4BA-5DE950985F11}" srcOrd="1" destOrd="0" presId="urn:microsoft.com/office/officeart/2005/8/layout/orgChart1"/>
-    <dgm:cxn modelId="{70CBB2C2-0071-4329-9A38-8AD1E841005D}" srcId="{EFF00522-C837-4800-9089-09C6786FA139}" destId="{CFC8A77C-E037-4F39-89BC-7C46B2FFF6C3}" srcOrd="3" destOrd="0" parTransId="{06A4DF89-C148-4CB0-BC1C-719E15C3A380}" sibTransId="{B9E8B3FB-6336-44A0-BB31-6CF9D499134C}"/>
-    <dgm:cxn modelId="{64B522C9-1881-4836-B21D-A269398ED4E7}" type="presOf" srcId="{06A4DF89-C148-4CB0-BC1C-719E15C3A380}" destId="{1FD30025-BE06-4C8D-8024-6353A3A86C64}" srcOrd="0" destOrd="0" presId="urn:microsoft.com/office/officeart/2005/8/layout/orgChart1"/>
+    <dgm:cxn modelId="{19225BF9-14BF-4A05-BAF0-2E64D97CAC44}" type="presOf" srcId="{77057196-36D4-4297-8DBE-9DF4DC99769E}" destId="{87BE5EB3-DB60-4F74-8CAB-579081070155}" srcOrd="0" destOrd="0" presId="urn:microsoft.com/office/officeart/2005/8/layout/orgChart1"/>
     <dgm:cxn modelId="{6751E3DB-7D1C-4DFF-A50D-2E4D2AA1C036}" type="presOf" srcId="{F37AA981-A9B4-415F-ADC1-A456EE833205}" destId="{E4B09FCC-EACC-4121-8E6E-BD64FF803B59}" srcOrd="0" destOrd="0" presId="urn:microsoft.com/office/officeart/2005/8/layout/orgChart1"/>
-    <dgm:cxn modelId="{261826DD-4928-4968-9EE8-8603A4DA75BB}" type="presOf" srcId="{CFC8A77C-E037-4F39-89BC-7C46B2FFF6C3}" destId="{C385DBD7-122C-4C76-95AA-F0EDDD576213}" srcOrd="1" destOrd="0" presId="urn:microsoft.com/office/officeart/2005/8/layout/orgChart1"/>
-    <dgm:cxn modelId="{19225BF9-14BF-4A05-BAF0-2E64D97CAC44}" type="presOf" srcId="{77057196-36D4-4297-8DBE-9DF4DC99769E}" destId="{87BE5EB3-DB60-4F74-8CAB-579081070155}" srcOrd="0" destOrd="0" presId="urn:microsoft.com/office/officeart/2005/8/layout/orgChart1"/>
+    <dgm:cxn modelId="{E75D4180-7278-49C5-A120-3150DE2407B2}" type="presOf" srcId="{1F891C72-4331-4225-9131-EE90A5156BCC}" destId="{075DE7FD-AB6D-45A1-88B5-F6DE55537A5C}" srcOrd="0" destOrd="0" presId="urn:microsoft.com/office/officeart/2005/8/layout/orgChart1"/>
+    <dgm:cxn modelId="{8965F592-C2EF-4A5E-AE72-E3D483E3AC4B}" type="presOf" srcId="{EFF00522-C837-4800-9089-09C6786FA139}" destId="{0A79929F-4539-4070-8896-388E4F787335}" srcOrd="0" destOrd="0" presId="urn:microsoft.com/office/officeart/2005/8/layout/orgChart1"/>
     <dgm:cxn modelId="{007B4A0A-0E4B-42BD-905B-BDF6999023BA}" type="presParOf" srcId="{E4B09FCC-EACC-4121-8E6E-BD64FF803B59}" destId="{C7C3974A-1DF5-4BF7-A22B-7D65EF9D0681}" srcOrd="0" destOrd="0" presId="urn:microsoft.com/office/officeart/2005/8/layout/orgChart1"/>
     <dgm:cxn modelId="{0B8B6F9D-EC93-49D1-AB15-6F71BC6FE182}" type="presParOf" srcId="{C7C3974A-1DF5-4BF7-A22B-7D65EF9D0681}" destId="{D00FF694-389D-4CD3-B5E2-0572615B4DE4}" srcOrd="0" destOrd="0" presId="urn:microsoft.com/office/officeart/2005/8/layout/orgChart1"/>
     <dgm:cxn modelId="{5FC40C6D-C971-40B3-8425-E45FAA9959E4}" type="presParOf" srcId="{D00FF694-389D-4CD3-B5E2-0572615B4DE4}" destId="{0A79929F-4539-4070-8896-388E4F787335}" srcOrd="0" destOrd="0" presId="urn:microsoft.com/office/officeart/2005/8/layout/orgChart1"/>
@@ -2975,7 +3269,7 @@
   <dgm:whole/>
   <dgm:extLst>
     <a:ext uri="http://schemas.microsoft.com/office/drawing/2008/diagram">
-      <dsp:dataModelExt xmlns:dsp="http://schemas.microsoft.com/office/drawing/2008/diagram" relId="rId6" minVer="http://schemas.openxmlformats.org/drawingml/2006/diagram"/>
+      <dsp:dataModelExt xmlns:dsp="http://schemas.microsoft.com/office/drawing/2008/diagram" relId="rId7" minVer="http://schemas.openxmlformats.org/drawingml/2006/diagram"/>
     </a:ext>
   </dgm:extLst>
 </dgm:dataModel>
@@ -3416,7 +3710,7 @@
         </a:bodyPr>
         <a:lstStyle/>
         <a:p>
-          <a:pPr marL="0" lvl="0" indent="0" algn="ctr" defTabSz="889000">
+          <a:pPr lvl="0" algn="ctr" defTabSz="889000">
             <a:lnSpc>
               <a:spcPct val="90000"/>
             </a:lnSpc>
@@ -3426,7 +3720,6 @@
             <a:spcAft>
               <a:spcPct val="35000"/>
             </a:spcAft>
-            <a:buNone/>
           </a:pPr>
           <a:r>
             <a:rPr lang="en-GB" sz="2000" kern="1200" dirty="0" err="1">
@@ -3515,7 +3808,7 @@
         </a:bodyPr>
         <a:lstStyle/>
         <a:p>
-          <a:pPr marL="0" lvl="0" indent="0" algn="ctr" defTabSz="889000">
+          <a:pPr lvl="0" algn="ctr" defTabSz="889000">
             <a:lnSpc>
               <a:spcPct val="90000"/>
             </a:lnSpc>
@@ -3525,14 +3818,13 @@
             <a:spcAft>
               <a:spcPct val="35000"/>
             </a:spcAft>
-            <a:buNone/>
           </a:pPr>
           <a:r>
-            <a:rPr lang="en-GB" sz="2000" kern="1200" dirty="0" err="1">
+            <a:rPr lang="en-GB" sz="2000" kern="1200" dirty="0" err="1" smtClean="0">
               <a:latin typeface="Arial" panose="020B0604020202020204" pitchFamily="34" charset="0"/>
               <a:cs typeface="Arial" panose="020B0604020202020204" pitchFamily="34" charset="0"/>
             </a:rPr>
-            <a:t>Inicio</a:t>
+            <a:t>Início</a:t>
           </a:r>
           <a:endParaRPr lang="en-GB" sz="2000" kern="1200" dirty="0">
             <a:latin typeface="Arial" panose="020B0604020202020204" pitchFamily="34" charset="0"/>
@@ -3600,7 +3892,7 @@
         </a:bodyPr>
         <a:lstStyle/>
         <a:p>
-          <a:pPr marL="0" lvl="0" indent="0" algn="ctr" defTabSz="889000">
+          <a:pPr lvl="0" algn="ctr" defTabSz="889000">
             <a:lnSpc>
               <a:spcPct val="90000"/>
             </a:lnSpc>
@@ -3610,7 +3902,6 @@
             <a:spcAft>
               <a:spcPct val="35000"/>
             </a:spcAft>
-            <a:buNone/>
           </a:pPr>
           <a:r>
             <a:rPr lang="en-GB" sz="2000" kern="1200" dirty="0" err="1">
@@ -3685,7 +3976,7 @@
         </a:bodyPr>
         <a:lstStyle/>
         <a:p>
-          <a:pPr marL="0" lvl="0" indent="0" algn="ctr" defTabSz="889000">
+          <a:pPr lvl="0" algn="ctr" defTabSz="889000">
             <a:lnSpc>
               <a:spcPct val="90000"/>
             </a:lnSpc>
@@ -3695,7 +3986,6 @@
             <a:spcAft>
               <a:spcPct val="35000"/>
             </a:spcAft>
-            <a:buNone/>
           </a:pPr>
           <a:r>
             <a:rPr lang="en-GB" sz="2000" kern="1200" dirty="0" err="1">
@@ -3770,7 +4060,7 @@
         </a:bodyPr>
         <a:lstStyle/>
         <a:p>
-          <a:pPr marL="0" lvl="0" indent="0" algn="ctr" defTabSz="889000">
+          <a:pPr lvl="0" algn="ctr" defTabSz="889000">
             <a:lnSpc>
               <a:spcPct val="90000"/>
             </a:lnSpc>
@@ -3780,7 +4070,6 @@
             <a:spcAft>
               <a:spcPct val="35000"/>
             </a:spcAft>
-            <a:buNone/>
           </a:pPr>
           <a:r>
             <a:rPr lang="en-GB" sz="2000" kern="1200" dirty="0" err="1">
@@ -3855,7 +4144,7 @@
         </a:bodyPr>
         <a:lstStyle/>
         <a:p>
-          <a:pPr marL="0" lvl="0" indent="0" algn="ctr" defTabSz="889000">
+          <a:pPr lvl="0" algn="ctr" defTabSz="889000">
             <a:lnSpc>
               <a:spcPct val="90000"/>
             </a:lnSpc>
@@ -3865,7 +4154,6 @@
             <a:spcAft>
               <a:spcPct val="35000"/>
             </a:spcAft>
-            <a:buNone/>
           </a:pPr>
           <a:r>
             <a:rPr lang="en-GB" sz="2000" kern="1200" dirty="0" err="1">
@@ -3940,7 +4228,7 @@
         </a:bodyPr>
         <a:lstStyle/>
         <a:p>
-          <a:pPr marL="0" lvl="0" indent="0" algn="ctr" defTabSz="889000">
+          <a:pPr lvl="0" algn="ctr" defTabSz="889000">
             <a:lnSpc>
               <a:spcPct val="90000"/>
             </a:lnSpc>
@@ -3950,7 +4238,6 @@
             <a:spcAft>
               <a:spcPct val="35000"/>
             </a:spcAft>
-            <a:buNone/>
           </a:pPr>
           <a:endParaRPr lang="en-GB" sz="2000" kern="1200" dirty="0">
             <a:latin typeface="Arial" panose="020B0604020202020204" pitchFamily="34" charset="0"/>
@@ -4402,7 +4689,7 @@
         </a:bodyPr>
         <a:lstStyle/>
         <a:p>
-          <a:pPr marL="0" lvl="0" indent="0" algn="ctr" defTabSz="889000">
+          <a:pPr lvl="0" algn="ctr" defTabSz="889000">
             <a:lnSpc>
               <a:spcPct val="90000"/>
             </a:lnSpc>
@@ -4412,7 +4699,6 @@
             <a:spcAft>
               <a:spcPct val="35000"/>
             </a:spcAft>
-            <a:buNone/>
           </a:pPr>
           <a:r>
             <a:rPr lang="en-GB" sz="2000" kern="1200" dirty="0" err="1">
@@ -4501,7 +4787,7 @@
         </a:bodyPr>
         <a:lstStyle/>
         <a:p>
-          <a:pPr marL="0" lvl="0" indent="0" algn="ctr" defTabSz="889000">
+          <a:pPr lvl="0" algn="ctr" defTabSz="889000">
             <a:lnSpc>
               <a:spcPct val="90000"/>
             </a:lnSpc>
@@ -4511,14 +4797,13 @@
             <a:spcAft>
               <a:spcPct val="35000"/>
             </a:spcAft>
-            <a:buNone/>
           </a:pPr>
           <a:r>
-            <a:rPr lang="en-GB" sz="2000" kern="1200" dirty="0" err="1">
+            <a:rPr lang="en-GB" sz="2000" kern="1200" dirty="0" err="1" smtClean="0">
               <a:latin typeface="Arial" panose="020B0604020202020204" pitchFamily="34" charset="0"/>
               <a:cs typeface="Arial" panose="020B0604020202020204" pitchFamily="34" charset="0"/>
             </a:rPr>
-            <a:t>Inicio</a:t>
+            <a:t>Início</a:t>
           </a:r>
           <a:endParaRPr lang="en-GB" sz="2000" kern="1200" dirty="0">
             <a:latin typeface="Arial" panose="020B0604020202020204" pitchFamily="34" charset="0"/>
@@ -4586,7 +4871,7 @@
         </a:bodyPr>
         <a:lstStyle/>
         <a:p>
-          <a:pPr marL="0" lvl="0" indent="0" algn="ctr" defTabSz="889000">
+          <a:pPr lvl="0" algn="ctr" defTabSz="889000">
             <a:lnSpc>
               <a:spcPct val="90000"/>
             </a:lnSpc>
@@ -4596,7 +4881,6 @@
             <a:spcAft>
               <a:spcPct val="35000"/>
             </a:spcAft>
-            <a:buNone/>
           </a:pPr>
           <a:r>
             <a:rPr lang="en-GB" sz="2000" kern="1200" dirty="0" err="1">
@@ -4671,7 +4955,7 @@
         </a:bodyPr>
         <a:lstStyle/>
         <a:p>
-          <a:pPr marL="0" lvl="0" indent="0" algn="ctr" defTabSz="889000">
+          <a:pPr lvl="0" algn="ctr" defTabSz="889000">
             <a:lnSpc>
               <a:spcPct val="90000"/>
             </a:lnSpc>
@@ -4681,7 +4965,6 @@
             <a:spcAft>
               <a:spcPct val="35000"/>
             </a:spcAft>
-            <a:buNone/>
           </a:pPr>
           <a:r>
             <a:rPr lang="en-GB" sz="2000" kern="1200" dirty="0" err="1">
@@ -4756,7 +5039,7 @@
         </a:bodyPr>
         <a:lstStyle/>
         <a:p>
-          <a:pPr marL="0" lvl="0" indent="0" algn="ctr" defTabSz="889000">
+          <a:pPr lvl="0" algn="ctr" defTabSz="889000">
             <a:lnSpc>
               <a:spcPct val="90000"/>
             </a:lnSpc>
@@ -4766,7 +5049,6 @@
             <a:spcAft>
               <a:spcPct val="35000"/>
             </a:spcAft>
-            <a:buNone/>
           </a:pPr>
           <a:r>
             <a:rPr lang="en-GB" sz="2000" kern="1200" dirty="0" err="1">
@@ -4841,7 +5123,7 @@
         </a:bodyPr>
         <a:lstStyle/>
         <a:p>
-          <a:pPr marL="0" lvl="0" indent="0" algn="ctr" defTabSz="889000">
+          <a:pPr lvl="0" algn="ctr" defTabSz="889000">
             <a:lnSpc>
               <a:spcPct val="90000"/>
             </a:lnSpc>
@@ -4851,7 +5133,6 @@
             <a:spcAft>
               <a:spcPct val="35000"/>
             </a:spcAft>
-            <a:buNone/>
           </a:pPr>
           <a:r>
             <a:rPr lang="en-GB" sz="2000" kern="1200" dirty="0" err="1">
@@ -4926,7 +5207,7 @@
         </a:bodyPr>
         <a:lstStyle/>
         <a:p>
-          <a:pPr marL="0" lvl="0" indent="0" algn="ctr" defTabSz="889000">
+          <a:pPr lvl="0" algn="ctr" defTabSz="889000">
             <a:lnSpc>
               <a:spcPct val="90000"/>
             </a:lnSpc>
@@ -4936,7 +5217,6 @@
             <a:spcAft>
               <a:spcPct val="35000"/>
             </a:spcAft>
-            <a:buNone/>
           </a:pPr>
           <a:endParaRPr lang="en-GB" sz="2000" kern="1200" dirty="0">
             <a:latin typeface="Arial" panose="020B0604020202020204" pitchFamily="34" charset="0"/>
@@ -9395,7 +9675,7 @@
           <a:p>
             <a:fld id="{FE46BE1C-E5B9-40EB-B480-3B6CCE635393}" type="datetimeFigureOut">
               <a:rPr lang="en-GB" smtClean="0"/>
-              <a:t>06/12/2018</a:t>
+              <a:t>11/12/2018</a:t>
             </a:fld>
             <a:endParaRPr lang="en-GB"/>
           </a:p>
@@ -9970,6 +10250,11 @@
         </p:txBody>
       </p:sp>
     </p:spTree>
+    <p:extLst>
+      <p:ext uri="{BB962C8B-B14F-4D97-AF65-F5344CB8AC3E}">
+        <p14:creationId xmlns:p14="http://schemas.microsoft.com/office/powerpoint/2010/main" val="4002376749"/>
+      </p:ext>
+    </p:extLst>
   </p:cSld>
   <p:clrMapOvr>
     <a:masterClrMapping/>
@@ -10296,6 +10581,120 @@
 </p:notes>
 </file>
 
+<file path=ppt/notesSlides/notesSlide3.xml><?xml version="1.0" encoding="utf-8"?>
+<p:notes xmlns:a="http://schemas.openxmlformats.org/drawingml/2006/main" xmlns:r="http://schemas.openxmlformats.org/officeDocument/2006/relationships" xmlns:p="http://schemas.openxmlformats.org/presentationml/2006/main">
+  <p:cSld>
+    <p:spTree>
+      <p:nvGrpSpPr>
+        <p:cNvPr id="1" name=""/>
+        <p:cNvGrpSpPr/>
+        <p:nvPr/>
+      </p:nvGrpSpPr>
+      <p:grpSpPr>
+        <a:xfrm>
+          <a:off x="0" y="0"/>
+          <a:ext cx="0" cy="0"/>
+          <a:chOff x="0" y="0"/>
+          <a:chExt cx="0" cy="0"/>
+        </a:xfrm>
+      </p:grpSpPr>
+      <p:sp>
+        <p:nvSpPr>
+          <p:cNvPr id="2" name="Marcador de Posição da Imagem do Diapositivo 1"/>
+          <p:cNvSpPr>
+            <a:spLocks noGrp="1" noRot="1" noChangeAspect="1"/>
+          </p:cNvSpPr>
+          <p:nvPr>
+            <p:ph type="sldImg"/>
+          </p:nvPr>
+        </p:nvSpPr>
+        <p:spPr/>
+      </p:sp>
+      <p:sp>
+        <p:nvSpPr>
+          <p:cNvPr id="3" name="Marcador de Posição de Notas 2"/>
+          <p:cNvSpPr>
+            <a:spLocks noGrp="1"/>
+          </p:cNvSpPr>
+          <p:nvPr>
+            <p:ph type="body" idx="1"/>
+          </p:nvPr>
+        </p:nvSpPr>
+        <p:spPr/>
+        <p:txBody>
+          <a:bodyPr/>
+          <a:lstStyle/>
+          <a:p>
+            <a:r>
+              <a:rPr lang="pt-PT" dirty="0" smtClean="0"/>
+              <a:t>https</a:t>
+            </a:r>
+            <a:r>
+              <a:rPr lang="pt-PT" smtClean="0"/>
+              <a:t>://www.timeout.pt/lisboa/pt</a:t>
+            </a:r>
+            <a:r>
+              <a:rPr lang="pt-PT" baseline="0" smtClean="0"/>
+              <a:t>  ;  </a:t>
+            </a:r>
+            <a:r>
+              <a:rPr lang="pt-PT" smtClean="0"/>
+              <a:t>https://www.visitlisboa.com/pt-pt/eventos </a:t>
+            </a:r>
+            <a:r>
+              <a:rPr lang="pt-PT" smtClean="0"/>
+              <a:t>-- Exemplos</a:t>
+            </a:r>
+            <a:r>
+              <a:rPr lang="pt-PT" baseline="0" smtClean="0"/>
+              <a:t> </a:t>
+            </a:r>
+            <a:r>
+              <a:rPr lang="pt-PT" baseline="0" dirty="0" smtClean="0"/>
+              <a:t>para o website</a:t>
+            </a:r>
+          </a:p>
+          <a:p>
+            <a:endParaRPr lang="pt-PT" dirty="0"/>
+          </a:p>
+        </p:txBody>
+      </p:sp>
+      <p:sp>
+        <p:nvSpPr>
+          <p:cNvPr id="4" name="Marcador de Posição do Número do Diapositivo 3"/>
+          <p:cNvSpPr>
+            <a:spLocks noGrp="1"/>
+          </p:cNvSpPr>
+          <p:nvPr>
+            <p:ph type="sldNum" sz="quarter" idx="10"/>
+          </p:nvPr>
+        </p:nvSpPr>
+        <p:spPr/>
+        <p:txBody>
+          <a:bodyPr/>
+          <a:lstStyle/>
+          <a:p>
+            <a:fld id="{3AF131CB-BF3F-4CC3-BE8F-49CE356A2E17}" type="slidenum">
+              <a:rPr lang="en-GB" smtClean="0"/>
+              <a:t>6</a:t>
+            </a:fld>
+            <a:endParaRPr lang="en-GB"/>
+          </a:p>
+        </p:txBody>
+      </p:sp>
+    </p:spTree>
+    <p:extLst>
+      <p:ext uri="{BB962C8B-B14F-4D97-AF65-F5344CB8AC3E}">
+        <p14:creationId xmlns:p14="http://schemas.microsoft.com/office/powerpoint/2010/main" val="2778754668"/>
+      </p:ext>
+    </p:extLst>
+  </p:cSld>
+  <p:clrMapOvr>
+    <a:masterClrMapping/>
+  </p:clrMapOvr>
+</p:notes>
+</file>
+
 <file path=ppt/slideLayouts/slideLayout1.xml><?xml version="1.0" encoding="utf-8"?>
 <p:sldLayout xmlns:a="http://schemas.openxmlformats.org/drawingml/2006/main" xmlns:r="http://schemas.openxmlformats.org/officeDocument/2006/relationships" xmlns:p="http://schemas.openxmlformats.org/presentationml/2006/main" type="title" preserve="1">
   <p:cSld name="Title Slide">
@@ -10427,7 +10826,7 @@
           <a:p>
             <a:fld id="{46E4206C-CDB6-49DB-A49C-1C74FE4EA3F6}" type="datetime1">
               <a:rPr lang="en-GB" smtClean="0"/>
-              <a:t>06/12/2018</a:t>
+              <a:t>11/12/2018</a:t>
             </a:fld>
             <a:endParaRPr lang="en-GB"/>
           </a:p>
@@ -10597,7 +10996,7 @@
           <a:p>
             <a:fld id="{EC42A3EE-7AFB-4F73-B39D-FB9AAAE09D70}" type="datetime1">
               <a:rPr lang="en-GB" smtClean="0"/>
-              <a:t>06/12/2018</a:t>
+              <a:t>11/12/2018</a:t>
             </a:fld>
             <a:endParaRPr lang="en-GB"/>
           </a:p>
@@ -10777,7 +11176,7 @@
           <a:p>
             <a:fld id="{297491F8-B1AD-48C8-B450-A9DE8FC9B4BC}" type="datetime1">
               <a:rPr lang="en-GB" smtClean="0"/>
-              <a:t>06/12/2018</a:t>
+              <a:t>11/12/2018</a:t>
             </a:fld>
             <a:endParaRPr lang="en-GB"/>
           </a:p>
@@ -11679,7 +12078,7 @@
           <a:p>
             <a:fld id="{1241B6BE-13A3-40C5-BAF7-2CC773D00FB0}" type="datetime1">
               <a:rPr lang="en-GB" smtClean="0"/>
-              <a:t>06/12/2018</a:t>
+              <a:t>11/12/2018</a:t>
             </a:fld>
             <a:endParaRPr lang="en-GB"/>
           </a:p>
@@ -11923,7 +12322,7 @@
           <a:p>
             <a:fld id="{30A9CCEB-FEAA-4C72-9118-04BDF5966FFB}" type="datetime1">
               <a:rPr lang="en-GB" smtClean="0"/>
-              <a:t>06/12/2018</a:t>
+              <a:t>11/12/2018</a:t>
             </a:fld>
             <a:endParaRPr lang="en-GB"/>
           </a:p>
@@ -12155,7 +12554,7 @@
           <a:p>
             <a:fld id="{DFAB555E-071C-48B6-AB80-445E4540AC68}" type="datetime1">
               <a:rPr lang="en-GB" smtClean="0"/>
-              <a:t>06/12/2018</a:t>
+              <a:t>11/12/2018</a:t>
             </a:fld>
             <a:endParaRPr lang="en-GB"/>
           </a:p>
@@ -12522,7 +12921,7 @@
           <a:p>
             <a:fld id="{71C8195A-F236-4C56-A7B6-A9E3130AE1F9}" type="datetime1">
               <a:rPr lang="en-GB" smtClean="0"/>
-              <a:t>06/12/2018</a:t>
+              <a:t>11/12/2018</a:t>
             </a:fld>
             <a:endParaRPr lang="en-GB"/>
           </a:p>
@@ -12640,7 +13039,7 @@
           <a:p>
             <a:fld id="{2F2BBF01-7E4A-4B0A-98AA-6A611EFD036E}" type="datetime1">
               <a:rPr lang="en-GB" smtClean="0"/>
-              <a:t>06/12/2018</a:t>
+              <a:t>11/12/2018</a:t>
             </a:fld>
             <a:endParaRPr lang="en-GB"/>
           </a:p>
@@ -12735,7 +13134,7 @@
           <a:p>
             <a:fld id="{6EBF66CE-A945-42FA-B1CB-E96DCD998F84}" type="datetime1">
               <a:rPr lang="en-GB" smtClean="0"/>
-              <a:t>06/12/2018</a:t>
+              <a:t>11/12/2018</a:t>
             </a:fld>
             <a:endParaRPr lang="en-GB"/>
           </a:p>
@@ -13012,7 +13411,7 @@
           <a:p>
             <a:fld id="{8E2C1C88-A111-4B14-B38C-BDD24B4F2065}" type="datetime1">
               <a:rPr lang="en-GB" smtClean="0"/>
-              <a:t>06/12/2018</a:t>
+              <a:t>11/12/2018</a:t>
             </a:fld>
             <a:endParaRPr lang="en-GB"/>
           </a:p>
@@ -13269,7 +13668,7 @@
           <a:p>
             <a:fld id="{A033B5E6-D2E8-4024-8FEA-9A34E9CC2096}" type="datetime1">
               <a:rPr lang="en-GB" smtClean="0"/>
-              <a:t>06/12/2018</a:t>
+              <a:t>11/12/2018</a:t>
             </a:fld>
             <a:endParaRPr lang="en-GB"/>
           </a:p>
@@ -13481,7 +13880,7 @@
           <a:p>
             <a:fld id="{86124722-C52C-4725-B554-5890676B8B27}" type="datetime1">
               <a:rPr lang="en-GB" smtClean="0"/>
-              <a:t>06/12/2018</a:t>
+              <a:t>11/12/2018</a:t>
             </a:fld>
             <a:endParaRPr lang="en-GB"/>
           </a:p>
@@ -14734,7 +15133,7 @@
           <p:cNvPr id="6" name="Content Placeholder 5">
             <a:extLst>
               <a:ext uri="{FF2B5EF4-FFF2-40B4-BE49-F238E27FC236}">
-                <a16:creationId xmlns:a16="http://schemas.microsoft.com/office/drawing/2014/main" id="{D2F8EBE6-665F-4846-A148-9D6DDE6E6817}"/>
+                <a16:creationId xmlns:a16="http://schemas.microsoft.com/office/drawing/2014/main" xmlns="" id="{D2F8EBE6-665F-4846-A148-9D6DDE6E6817}"/>
               </a:ext>
             </a:extLst>
           </p:cNvPr>
@@ -14871,7 +15270,7 @@
           <p:nvPr>
             <p:extLst>
               <p:ext uri="{D42A27DB-BD31-4B8C-83A1-F6EECF244321}">
-                <p14:modId xmlns:p14="http://schemas.microsoft.com/office/powerpoint/2010/main" val="1425979277"/>
+                <p14:modId xmlns:p14="http://schemas.microsoft.com/office/powerpoint/2010/main" val="2420338344"/>
               </p:ext>
             </p:extLst>
           </p:nvPr>
@@ -14947,7 +15346,7 @@
           <p:cNvPr id="7" name="Content Placeholder 6">
             <a:extLst>
               <a:ext uri="{FF2B5EF4-FFF2-40B4-BE49-F238E27FC236}">
-                <a16:creationId xmlns:a16="http://schemas.microsoft.com/office/drawing/2014/main" id="{6A3312CD-3A32-4B92-800D-BCF4662960EA}"/>
+                <a16:creationId xmlns:a16="http://schemas.microsoft.com/office/drawing/2014/main" xmlns="" id="{6A3312CD-3A32-4B92-800D-BCF4662960EA}"/>
               </a:ext>
             </a:extLst>
           </p:cNvPr>
@@ -14985,7 +15384,7 @@
           <p:cNvPr id="4" name="Picture 3">
             <a:extLst>
               <a:ext uri="{FF2B5EF4-FFF2-40B4-BE49-F238E27FC236}">
-                <a16:creationId xmlns:a16="http://schemas.microsoft.com/office/drawing/2014/main" id="{6B77C82E-A7D5-43FA-B0E1-FABD1A26BE05}"/>
+                <a16:creationId xmlns:a16="http://schemas.microsoft.com/office/drawing/2014/main" xmlns="" id="{6B77C82E-A7D5-43FA-B0E1-FABD1A26BE05}"/>
               </a:ext>
             </a:extLst>
           </p:cNvPr>
@@ -15044,7 +15443,7 @@
           <p:cNvPr id="2" name="Title 1">
             <a:extLst>
               <a:ext uri="{FF2B5EF4-FFF2-40B4-BE49-F238E27FC236}">
-                <a16:creationId xmlns:a16="http://schemas.microsoft.com/office/drawing/2014/main" id="{146D3ED9-1C44-49AB-9A69-32D9A044581F}"/>
+                <a16:creationId xmlns:a16="http://schemas.microsoft.com/office/drawing/2014/main" xmlns="" id="{146D3ED9-1C44-49AB-9A69-32D9A044581F}"/>
               </a:ext>
             </a:extLst>
           </p:cNvPr>
@@ -15072,7 +15471,7 @@
           <p:cNvPr id="3" name="Content Placeholder 2">
             <a:extLst>
               <a:ext uri="{FF2B5EF4-FFF2-40B4-BE49-F238E27FC236}">
-                <a16:creationId xmlns:a16="http://schemas.microsoft.com/office/drawing/2014/main" id="{976A4E5C-F24A-4C41-A632-95938F25BA18}"/>
+                <a16:creationId xmlns:a16="http://schemas.microsoft.com/office/drawing/2014/main" xmlns="" id="{976A4E5C-F24A-4C41-A632-95938F25BA18}"/>
               </a:ext>
             </a:extLst>
           </p:cNvPr>
@@ -15142,7 +15541,7 @@
           <p:cNvPr id="4" name="Slide Number Placeholder 3">
             <a:extLst>
               <a:ext uri="{FF2B5EF4-FFF2-40B4-BE49-F238E27FC236}">
-                <a16:creationId xmlns:a16="http://schemas.microsoft.com/office/drawing/2014/main" id="{B255EC2C-DA39-47EF-81AE-82C02C61A452}"/>
+                <a16:creationId xmlns:a16="http://schemas.microsoft.com/office/drawing/2014/main" xmlns="" id="{B255EC2C-DA39-47EF-81AE-82C02C61A452}"/>
               </a:ext>
             </a:extLst>
           </p:cNvPr>
@@ -15201,7 +15600,7 @@
           <p:cNvPr id="2" name="Content Placeholder 1">
             <a:extLst>
               <a:ext uri="{FF2B5EF4-FFF2-40B4-BE49-F238E27FC236}">
-                <a16:creationId xmlns:a16="http://schemas.microsoft.com/office/drawing/2014/main" id="{61284A3C-35C7-47BB-B5EF-3A5AFD39F048}"/>
+                <a16:creationId xmlns:a16="http://schemas.microsoft.com/office/drawing/2014/main" xmlns="" id="{61284A3C-35C7-47BB-B5EF-3A5AFD39F048}"/>
               </a:ext>
             </a:extLst>
           </p:cNvPr>
@@ -15226,7 +15625,7 @@
           <p:cNvPr id="3" name="Content Placeholder 2">
             <a:extLst>
               <a:ext uri="{FF2B5EF4-FFF2-40B4-BE49-F238E27FC236}">
-                <a16:creationId xmlns:a16="http://schemas.microsoft.com/office/drawing/2014/main" id="{75B62007-2099-491F-B9CC-679828859075}"/>
+                <a16:creationId xmlns:a16="http://schemas.microsoft.com/office/drawing/2014/main" xmlns="" id="{75B62007-2099-491F-B9CC-679828859075}"/>
               </a:ext>
             </a:extLst>
           </p:cNvPr>
@@ -15251,7 +15650,7 @@
           <p:cNvPr id="4" name="Content Placeholder 3">
             <a:extLst>
               <a:ext uri="{FF2B5EF4-FFF2-40B4-BE49-F238E27FC236}">
-                <a16:creationId xmlns:a16="http://schemas.microsoft.com/office/drawing/2014/main" id="{B573A8A9-0BDE-4B35-955D-A5C9FAFE6755}"/>
+                <a16:creationId xmlns:a16="http://schemas.microsoft.com/office/drawing/2014/main" xmlns="" id="{B573A8A9-0BDE-4B35-955D-A5C9FAFE6755}"/>
               </a:ext>
             </a:extLst>
           </p:cNvPr>
@@ -15276,7 +15675,7 @@
           <p:cNvPr id="5" name="Content Placeholder 4">
             <a:extLst>
               <a:ext uri="{FF2B5EF4-FFF2-40B4-BE49-F238E27FC236}">
-                <a16:creationId xmlns:a16="http://schemas.microsoft.com/office/drawing/2014/main" id="{03F0B0E7-9DC5-4E64-84FC-E41A42350BE1}"/>
+                <a16:creationId xmlns:a16="http://schemas.microsoft.com/office/drawing/2014/main" xmlns="" id="{03F0B0E7-9DC5-4E64-84FC-E41A42350BE1}"/>
               </a:ext>
             </a:extLst>
           </p:cNvPr>
@@ -15301,7 +15700,7 @@
           <p:cNvPr id="6" name="Content Placeholder 5">
             <a:extLst>
               <a:ext uri="{FF2B5EF4-FFF2-40B4-BE49-F238E27FC236}">
-                <a16:creationId xmlns:a16="http://schemas.microsoft.com/office/drawing/2014/main" id="{AAD76EA7-FFDD-4221-8BFA-2CF2F90A53A9}"/>
+                <a16:creationId xmlns:a16="http://schemas.microsoft.com/office/drawing/2014/main" xmlns="" id="{AAD76EA7-FFDD-4221-8BFA-2CF2F90A53A9}"/>
               </a:ext>
             </a:extLst>
           </p:cNvPr>
@@ -15359,7 +15758,7 @@
           <p:cNvPr id="7" name="Diagram 4">
             <a:extLst>
               <a:ext uri="{FF2B5EF4-FFF2-40B4-BE49-F238E27FC236}">
-                <a16:creationId xmlns:a16="http://schemas.microsoft.com/office/drawing/2014/main" id="{26FDAC6F-257B-4A6D-9996-585B03A417C8}"/>
+                <a16:creationId xmlns:a16="http://schemas.microsoft.com/office/drawing/2014/main" xmlns="" id="{26FDAC6F-257B-4A6D-9996-585B03A417C8}"/>
               </a:ext>
             </a:extLst>
           </p:cNvPr>
@@ -15367,7 +15766,7 @@
           <p:nvPr>
             <p:extLst>
               <p:ext uri="{D42A27DB-BD31-4B8C-83A1-F6EECF244321}">
-                <p14:modId xmlns:p14="http://schemas.microsoft.com/office/powerpoint/2010/main" val="3410787778"/>
+                <p14:modId xmlns:p14="http://schemas.microsoft.com/office/powerpoint/2010/main" val="1697787438"/>
               </p:ext>
             </p:extLst>
           </p:nvPr>
@@ -15378,7 +15777,7 @@
         </p:xfrm>
         <a:graphic>
           <a:graphicData uri="http://schemas.openxmlformats.org/drawingml/2006/diagram">
-            <dgm:relIds xmlns:dgm="http://schemas.openxmlformats.org/drawingml/2006/diagram" xmlns:r="http://schemas.openxmlformats.org/officeDocument/2006/relationships" r:dm="rId2" r:lo="rId3" r:qs="rId4" r:cs="rId5"/>
+            <dgm:relIds xmlns:dgm="http://schemas.openxmlformats.org/drawingml/2006/diagram" xmlns:r="http://schemas.openxmlformats.org/officeDocument/2006/relationships" r:dm="rId3" r:lo="rId4" r:qs="rId5" r:cs="rId6"/>
           </a:graphicData>
         </a:graphic>
       </p:graphicFrame>

--- a/UBI_CompWeb_2018_templates.pptx
+++ b/UBI_CompWeb_2018_templates.pptx
@@ -5,15 +5,23 @@
     <p:sldMasterId id="2147483660" r:id="rId1"/>
   </p:sldMasterIdLst>
   <p:notesMasterIdLst>
-    <p:notesMasterId r:id="rId8"/>
+    <p:notesMasterId r:id="rId16"/>
   </p:notesMasterIdLst>
   <p:sldIdLst>
     <p:sldId id="256" r:id="rId2"/>
     <p:sldId id="257" r:id="rId3"/>
     <p:sldId id="260" r:id="rId4"/>
     <p:sldId id="261" r:id="rId5"/>
-    <p:sldId id="262" r:id="rId6"/>
-    <p:sldId id="263" r:id="rId7"/>
+    <p:sldId id="263" r:id="rId6"/>
+    <p:sldId id="262" r:id="rId7"/>
+    <p:sldId id="264" r:id="rId8"/>
+    <p:sldId id="265" r:id="rId9"/>
+    <p:sldId id="266" r:id="rId10"/>
+    <p:sldId id="267" r:id="rId11"/>
+    <p:sldId id="268" r:id="rId12"/>
+    <p:sldId id="269" r:id="rId13"/>
+    <p:sldId id="270" r:id="rId14"/>
+    <p:sldId id="271" r:id="rId15"/>
   </p:sldIdLst>
   <p:sldSz cx="9144000" cy="6858000" type="screen4x3"/>
   <p:notesSz cx="6858000" cy="9144000"/>
@@ -1710,7 +1718,7 @@
         <a:lstStyle/>
         <a:p>
           <a:r>
-            <a:rPr lang="en-GB" sz="2000" dirty="0" err="1" smtClean="0">
+            <a:rPr lang="en-GB" sz="2000" dirty="0" err="1">
               <a:latin typeface="Arial" panose="020B0604020202020204" pitchFamily="34" charset="0"/>
               <a:cs typeface="Arial" panose="020B0604020202020204" pitchFamily="34" charset="0"/>
             </a:rPr>
@@ -1965,13 +1973,6 @@
         </dgm:presLayoutVars>
       </dgm:prSet>
       <dgm:spPr/>
-      <dgm:t>
-        <a:bodyPr/>
-        <a:lstStyle/>
-        <a:p>
-          <a:endParaRPr lang="pt-PT"/>
-        </a:p>
-      </dgm:t>
     </dgm:pt>
     <dgm:pt modelId="{C7C3974A-1DF5-4BF7-A22B-7D65EF9D0681}" type="pres">
       <dgm:prSet presAssocID="{EFF00522-C837-4800-9089-09C6786FA139}" presName="hierRoot1" presStyleCnt="0">
@@ -1992,24 +1993,10 @@
         </dgm:presLayoutVars>
       </dgm:prSet>
       <dgm:spPr/>
-      <dgm:t>
-        <a:bodyPr/>
-        <a:lstStyle/>
-        <a:p>
-          <a:endParaRPr lang="pt-PT"/>
-        </a:p>
-      </dgm:t>
     </dgm:pt>
     <dgm:pt modelId="{15AFF27B-B166-47F4-BEA3-A556EF84A1FE}" type="pres">
       <dgm:prSet presAssocID="{EFF00522-C837-4800-9089-09C6786FA139}" presName="rootConnector1" presStyleLbl="node1" presStyleIdx="0" presStyleCnt="0"/>
       <dgm:spPr/>
-      <dgm:t>
-        <a:bodyPr/>
-        <a:lstStyle/>
-        <a:p>
-          <a:endParaRPr lang="pt-PT"/>
-        </a:p>
-      </dgm:t>
     </dgm:pt>
     <dgm:pt modelId="{9A71EA88-E86A-4774-A0C2-7A36B7A46C30}" type="pres">
       <dgm:prSet presAssocID="{EFF00522-C837-4800-9089-09C6786FA139}" presName="hierChild2" presStyleCnt="0"/>
@@ -2018,13 +2005,6 @@
     <dgm:pt modelId="{C79737FA-DA68-4B50-9686-82FBED4993F4}" type="pres">
       <dgm:prSet presAssocID="{2401EE30-6FB4-47FC-B5CB-44E93082BA16}" presName="Name37" presStyleLbl="parChTrans1D2" presStyleIdx="0" presStyleCnt="6"/>
       <dgm:spPr/>
-      <dgm:t>
-        <a:bodyPr/>
-        <a:lstStyle/>
-        <a:p>
-          <a:endParaRPr lang="pt-PT"/>
-        </a:p>
-      </dgm:t>
     </dgm:pt>
     <dgm:pt modelId="{3CDACF71-9436-40D9-B554-1B1DAEBD747E}" type="pres">
       <dgm:prSet presAssocID="{D0D5EBBE-C984-451E-A77C-06635B96115A}" presName="hierRoot2" presStyleCnt="0">
@@ -2045,24 +2025,10 @@
         </dgm:presLayoutVars>
       </dgm:prSet>
       <dgm:spPr/>
-      <dgm:t>
-        <a:bodyPr/>
-        <a:lstStyle/>
-        <a:p>
-          <a:endParaRPr lang="pt-PT"/>
-        </a:p>
-      </dgm:t>
     </dgm:pt>
     <dgm:pt modelId="{1E59B1F0-1959-43EF-B4BA-5DE950985F11}" type="pres">
       <dgm:prSet presAssocID="{D0D5EBBE-C984-451E-A77C-06635B96115A}" presName="rootConnector" presStyleLbl="node2" presStyleIdx="0" presStyleCnt="6"/>
       <dgm:spPr/>
-      <dgm:t>
-        <a:bodyPr/>
-        <a:lstStyle/>
-        <a:p>
-          <a:endParaRPr lang="pt-PT"/>
-        </a:p>
-      </dgm:t>
     </dgm:pt>
     <dgm:pt modelId="{1361BC6C-9B0B-4206-827D-3BF0B5B79B98}" type="pres">
       <dgm:prSet presAssocID="{D0D5EBBE-C984-451E-A77C-06635B96115A}" presName="hierChild4" presStyleCnt="0"/>
@@ -2075,13 +2041,6 @@
     <dgm:pt modelId="{A3C064E1-EB83-4A90-BC9B-363A4369B1D9}" type="pres">
       <dgm:prSet presAssocID="{AE15057E-D275-4CBA-BBDA-7AFB5273F6D0}" presName="Name37" presStyleLbl="parChTrans1D2" presStyleIdx="1" presStyleCnt="6"/>
       <dgm:spPr/>
-      <dgm:t>
-        <a:bodyPr/>
-        <a:lstStyle/>
-        <a:p>
-          <a:endParaRPr lang="pt-PT"/>
-        </a:p>
-      </dgm:t>
     </dgm:pt>
     <dgm:pt modelId="{5F49EB11-AF2A-43A7-A5F6-C818A93333A4}" type="pres">
       <dgm:prSet presAssocID="{DEB3A288-72B2-4CE3-BA0E-2385DCEA1166}" presName="hierRoot2" presStyleCnt="0">
@@ -2102,24 +2061,10 @@
         </dgm:presLayoutVars>
       </dgm:prSet>
       <dgm:spPr/>
-      <dgm:t>
-        <a:bodyPr/>
-        <a:lstStyle/>
-        <a:p>
-          <a:endParaRPr lang="pt-PT"/>
-        </a:p>
-      </dgm:t>
     </dgm:pt>
     <dgm:pt modelId="{D1586E0D-5339-4871-B373-DE07F6A4B31A}" type="pres">
       <dgm:prSet presAssocID="{DEB3A288-72B2-4CE3-BA0E-2385DCEA1166}" presName="rootConnector" presStyleLbl="node2" presStyleIdx="1" presStyleCnt="6"/>
       <dgm:spPr/>
-      <dgm:t>
-        <a:bodyPr/>
-        <a:lstStyle/>
-        <a:p>
-          <a:endParaRPr lang="pt-PT"/>
-        </a:p>
-      </dgm:t>
     </dgm:pt>
     <dgm:pt modelId="{1E188EC2-DBC6-4C65-BECE-BD2803FEF22A}" type="pres">
       <dgm:prSet presAssocID="{DEB3A288-72B2-4CE3-BA0E-2385DCEA1166}" presName="hierChild4" presStyleCnt="0"/>
@@ -2132,13 +2077,6 @@
     <dgm:pt modelId="{075DE7FD-AB6D-45A1-88B5-F6DE55537A5C}" type="pres">
       <dgm:prSet presAssocID="{1F891C72-4331-4225-9131-EE90A5156BCC}" presName="Name37" presStyleLbl="parChTrans1D2" presStyleIdx="2" presStyleCnt="6"/>
       <dgm:spPr/>
-      <dgm:t>
-        <a:bodyPr/>
-        <a:lstStyle/>
-        <a:p>
-          <a:endParaRPr lang="pt-PT"/>
-        </a:p>
-      </dgm:t>
     </dgm:pt>
     <dgm:pt modelId="{9D85BD58-234E-4F80-9935-D3C313D0B352}" type="pres">
       <dgm:prSet presAssocID="{3E7D5DE8-38A7-4D01-B3B1-C41B904AFB24}" presName="hierRoot2" presStyleCnt="0">
@@ -2159,24 +2097,10 @@
         </dgm:presLayoutVars>
       </dgm:prSet>
       <dgm:spPr/>
-      <dgm:t>
-        <a:bodyPr/>
-        <a:lstStyle/>
-        <a:p>
-          <a:endParaRPr lang="pt-PT"/>
-        </a:p>
-      </dgm:t>
     </dgm:pt>
     <dgm:pt modelId="{D47F8C64-7351-47DD-ABB9-3A4D5CE04EBC}" type="pres">
       <dgm:prSet presAssocID="{3E7D5DE8-38A7-4D01-B3B1-C41B904AFB24}" presName="rootConnector" presStyleLbl="node2" presStyleIdx="2" presStyleCnt="6"/>
       <dgm:spPr/>
-      <dgm:t>
-        <a:bodyPr/>
-        <a:lstStyle/>
-        <a:p>
-          <a:endParaRPr lang="pt-PT"/>
-        </a:p>
-      </dgm:t>
     </dgm:pt>
     <dgm:pt modelId="{0EB07231-3CA0-42A8-AE42-EFF984FC9A65}" type="pres">
       <dgm:prSet presAssocID="{3E7D5DE8-38A7-4D01-B3B1-C41B904AFB24}" presName="hierChild4" presStyleCnt="0"/>
@@ -2189,13 +2113,6 @@
     <dgm:pt modelId="{1FD30025-BE06-4C8D-8024-6353A3A86C64}" type="pres">
       <dgm:prSet presAssocID="{06A4DF89-C148-4CB0-BC1C-719E15C3A380}" presName="Name37" presStyleLbl="parChTrans1D2" presStyleIdx="3" presStyleCnt="6"/>
       <dgm:spPr/>
-      <dgm:t>
-        <a:bodyPr/>
-        <a:lstStyle/>
-        <a:p>
-          <a:endParaRPr lang="pt-PT"/>
-        </a:p>
-      </dgm:t>
     </dgm:pt>
     <dgm:pt modelId="{031ED071-E8F0-4ADE-BB27-DE25D6F99C8E}" type="pres">
       <dgm:prSet presAssocID="{CFC8A77C-E037-4F39-89BC-7C46B2FFF6C3}" presName="hierRoot2" presStyleCnt="0">
@@ -2216,24 +2133,10 @@
         </dgm:presLayoutVars>
       </dgm:prSet>
       <dgm:spPr/>
-      <dgm:t>
-        <a:bodyPr/>
-        <a:lstStyle/>
-        <a:p>
-          <a:endParaRPr lang="pt-PT"/>
-        </a:p>
-      </dgm:t>
     </dgm:pt>
     <dgm:pt modelId="{C385DBD7-122C-4C76-95AA-F0EDDD576213}" type="pres">
       <dgm:prSet presAssocID="{CFC8A77C-E037-4F39-89BC-7C46B2FFF6C3}" presName="rootConnector" presStyleLbl="node2" presStyleIdx="3" presStyleCnt="6"/>
       <dgm:spPr/>
-      <dgm:t>
-        <a:bodyPr/>
-        <a:lstStyle/>
-        <a:p>
-          <a:endParaRPr lang="pt-PT"/>
-        </a:p>
-      </dgm:t>
     </dgm:pt>
     <dgm:pt modelId="{DE86AFEF-E43B-4AD5-AF14-454FCFC84E45}" type="pres">
       <dgm:prSet presAssocID="{CFC8A77C-E037-4F39-89BC-7C46B2FFF6C3}" presName="hierChild4" presStyleCnt="0"/>
@@ -2246,13 +2149,6 @@
     <dgm:pt modelId="{87BE5EB3-DB60-4F74-8CAB-579081070155}" type="pres">
       <dgm:prSet presAssocID="{77057196-36D4-4297-8DBE-9DF4DC99769E}" presName="Name37" presStyleLbl="parChTrans1D2" presStyleIdx="4" presStyleCnt="6"/>
       <dgm:spPr/>
-      <dgm:t>
-        <a:bodyPr/>
-        <a:lstStyle/>
-        <a:p>
-          <a:endParaRPr lang="pt-PT"/>
-        </a:p>
-      </dgm:t>
     </dgm:pt>
     <dgm:pt modelId="{B70BC062-C551-4FA6-AA0B-24CA90B943F5}" type="pres">
       <dgm:prSet presAssocID="{6BCCACC8-297A-434B-B4C0-CBF55E8A799D}" presName="hierRoot2" presStyleCnt="0">
@@ -2273,24 +2169,10 @@
         </dgm:presLayoutVars>
       </dgm:prSet>
       <dgm:spPr/>
-      <dgm:t>
-        <a:bodyPr/>
-        <a:lstStyle/>
-        <a:p>
-          <a:endParaRPr lang="pt-PT"/>
-        </a:p>
-      </dgm:t>
     </dgm:pt>
     <dgm:pt modelId="{695C9D34-95FC-428F-873D-B6282BE96811}" type="pres">
       <dgm:prSet presAssocID="{6BCCACC8-297A-434B-B4C0-CBF55E8A799D}" presName="rootConnector" presStyleLbl="node2" presStyleIdx="4" presStyleCnt="6"/>
       <dgm:spPr/>
-      <dgm:t>
-        <a:bodyPr/>
-        <a:lstStyle/>
-        <a:p>
-          <a:endParaRPr lang="pt-PT"/>
-        </a:p>
-      </dgm:t>
     </dgm:pt>
     <dgm:pt modelId="{C932BF2B-95E7-43ED-B8E1-90412F9C1BE7}" type="pres">
       <dgm:prSet presAssocID="{6BCCACC8-297A-434B-B4C0-CBF55E8A799D}" presName="hierChild4" presStyleCnt="0"/>
@@ -2303,13 +2185,6 @@
     <dgm:pt modelId="{F67550F7-432C-48D7-8A48-619DCE27301E}" type="pres">
       <dgm:prSet presAssocID="{F147F672-E447-4955-8CC9-5032D36A8B49}" presName="Name37" presStyleLbl="parChTrans1D2" presStyleIdx="5" presStyleCnt="6"/>
       <dgm:spPr/>
-      <dgm:t>
-        <a:bodyPr/>
-        <a:lstStyle/>
-        <a:p>
-          <a:endParaRPr lang="pt-PT"/>
-        </a:p>
-      </dgm:t>
     </dgm:pt>
     <dgm:pt modelId="{5A447CFF-59F3-4408-95EC-27E2E20BD354}" type="pres">
       <dgm:prSet presAssocID="{E7C64FD9-0C4A-4F3B-931A-AB7EFC3F18D6}" presName="hierRoot2" presStyleCnt="0">
@@ -2330,24 +2205,10 @@
         </dgm:presLayoutVars>
       </dgm:prSet>
       <dgm:spPr/>
-      <dgm:t>
-        <a:bodyPr/>
-        <a:lstStyle/>
-        <a:p>
-          <a:endParaRPr lang="pt-PT"/>
-        </a:p>
-      </dgm:t>
     </dgm:pt>
     <dgm:pt modelId="{E7DC8D2E-72AE-4E2C-8784-7C0B34907F59}" type="pres">
       <dgm:prSet presAssocID="{E7C64FD9-0C4A-4F3B-931A-AB7EFC3F18D6}" presName="rootConnector" presStyleLbl="node2" presStyleIdx="5" presStyleCnt="6"/>
       <dgm:spPr/>
-      <dgm:t>
-        <a:bodyPr/>
-        <a:lstStyle/>
-        <a:p>
-          <a:endParaRPr lang="pt-PT"/>
-        </a:p>
-      </dgm:t>
     </dgm:pt>
     <dgm:pt modelId="{7949B886-9FD6-41C3-A2D3-C7783F0882CF}" type="pres">
       <dgm:prSet presAssocID="{E7C64FD9-0C4A-4F3B-931A-AB7EFC3F18D6}" presName="hierChild4" presStyleCnt="0"/>
@@ -2363,34 +2224,34 @@
     </dgm:pt>
   </dgm:ptLst>
   <dgm:cxnLst>
+    <dgm:cxn modelId="{CC89F41C-EC73-4164-B979-1E34F8EC7992}" type="presOf" srcId="{DEB3A288-72B2-4CE3-BA0E-2385DCEA1166}" destId="{D1586E0D-5339-4871-B373-DE07F6A4B31A}" srcOrd="1" destOrd="0" presId="urn:microsoft.com/office/officeart/2005/8/layout/orgChart1"/>
+    <dgm:cxn modelId="{59A13B2B-94E3-4E30-B1C8-D4C19B456A98}" type="presOf" srcId="{6BCCACC8-297A-434B-B4C0-CBF55E8A799D}" destId="{695C9D34-95FC-428F-873D-B6282BE96811}" srcOrd="1" destOrd="0" presId="urn:microsoft.com/office/officeart/2005/8/layout/orgChart1"/>
+    <dgm:cxn modelId="{A4D9362C-6216-407B-A06C-1540E852B2AC}" type="presOf" srcId="{E7C64FD9-0C4A-4F3B-931A-AB7EFC3F18D6}" destId="{67726964-64F7-4568-A550-A3840E89588B}" srcOrd="0" destOrd="0" presId="urn:microsoft.com/office/officeart/2005/8/layout/orgChart1"/>
+    <dgm:cxn modelId="{2BA0192D-E091-446B-9562-8E04E2C7A7A9}" srcId="{EFF00522-C837-4800-9089-09C6786FA139}" destId="{6BCCACC8-297A-434B-B4C0-CBF55E8A799D}" srcOrd="4" destOrd="0" parTransId="{77057196-36D4-4297-8DBE-9DF4DC99769E}" sibTransId="{E17B637D-8F1E-4395-8504-5FF5013E668B}"/>
+    <dgm:cxn modelId="{B6F32367-D4A4-4501-A5C5-198502F93225}" type="presOf" srcId="{CFC8A77C-E037-4F39-89BC-7C46B2FFF6C3}" destId="{B512DCC2-F8AD-4A88-8224-BF794CC14E60}" srcOrd="0" destOrd="0" presId="urn:microsoft.com/office/officeart/2005/8/layout/orgChart1"/>
+    <dgm:cxn modelId="{76937E49-9A6C-4684-AE0E-E0846D99D250}" type="presOf" srcId="{3E7D5DE8-38A7-4D01-B3B1-C41B904AFB24}" destId="{D0C42A0A-227F-498C-9217-1F2A4E39F4AC}" srcOrd="0" destOrd="0" presId="urn:microsoft.com/office/officeart/2005/8/layout/orgChart1"/>
+    <dgm:cxn modelId="{1D58114B-9E7B-4EE9-9BBB-CA2BC1050428}" srcId="{EFF00522-C837-4800-9089-09C6786FA139}" destId="{D0D5EBBE-C984-451E-A77C-06635B96115A}" srcOrd="0" destOrd="0" parTransId="{2401EE30-6FB4-47FC-B5CB-44E93082BA16}" sibTransId="{4794836D-9F6B-4080-8E70-60D729F37A15}"/>
+    <dgm:cxn modelId="{B854F34B-ADF2-4C85-AA29-7CC262C2ABC0}" type="presOf" srcId="{F147F672-E447-4955-8CC9-5032D36A8B49}" destId="{F67550F7-432C-48D7-8A48-619DCE27301E}" srcOrd="0" destOrd="0" presId="urn:microsoft.com/office/officeart/2005/8/layout/orgChart1"/>
+    <dgm:cxn modelId="{5D54394D-4C63-4C8A-838B-C69B4A99A8F4}" srcId="{EFF00522-C837-4800-9089-09C6786FA139}" destId="{E7C64FD9-0C4A-4F3B-931A-AB7EFC3F18D6}" srcOrd="5" destOrd="0" parTransId="{F147F672-E447-4955-8CC9-5032D36A8B49}" sibTransId="{8A6624D5-3F62-41FA-AF5E-FE463F8CEC8D}"/>
+    <dgm:cxn modelId="{F7703852-4B24-419F-8990-8F4642258C5C}" type="presOf" srcId="{DEB3A288-72B2-4CE3-BA0E-2385DCEA1166}" destId="{3DCFB508-F20D-419B-97A2-A0EA8AAE62B8}" srcOrd="0" destOrd="0" presId="urn:microsoft.com/office/officeart/2005/8/layout/orgChart1"/>
+    <dgm:cxn modelId="{8C5C1055-60EE-417A-890C-9263B9B0293C}" type="presOf" srcId="{6BCCACC8-297A-434B-B4C0-CBF55E8A799D}" destId="{8659CC59-2E2C-408C-A138-42297FB1F7FC}" srcOrd="0" destOrd="0" presId="urn:microsoft.com/office/officeart/2005/8/layout/orgChart1"/>
+    <dgm:cxn modelId="{E75D4180-7278-49C5-A120-3150DE2407B2}" type="presOf" srcId="{1F891C72-4331-4225-9131-EE90A5156BCC}" destId="{075DE7FD-AB6D-45A1-88B5-F6DE55537A5C}" srcOrd="0" destOrd="0" presId="urn:microsoft.com/office/officeart/2005/8/layout/orgChart1"/>
+    <dgm:cxn modelId="{8484E588-3BA2-4A2C-A856-2E9A20948E67}" type="presOf" srcId="{D0D5EBBE-C984-451E-A77C-06635B96115A}" destId="{BB899C3E-7977-48D2-838C-0A0A4E22407E}" srcOrd="0" destOrd="0" presId="urn:microsoft.com/office/officeart/2005/8/layout/orgChart1"/>
+    <dgm:cxn modelId="{8965F592-C2EF-4A5E-AE72-E3D483E3AC4B}" type="presOf" srcId="{EFF00522-C837-4800-9089-09C6786FA139}" destId="{0A79929F-4539-4070-8896-388E4F787335}" srcOrd="0" destOrd="0" presId="urn:microsoft.com/office/officeart/2005/8/layout/orgChart1"/>
+    <dgm:cxn modelId="{C104F494-93EC-4C35-9277-88485A6C79D9}" type="presOf" srcId="{AE15057E-D275-4CBA-BBDA-7AFB5273F6D0}" destId="{A3C064E1-EB83-4A90-BC9B-363A4369B1D9}" srcOrd="0" destOrd="0" presId="urn:microsoft.com/office/officeart/2005/8/layout/orgChart1"/>
+    <dgm:cxn modelId="{1A5C9B95-6306-4971-AEB4-0FB6C60D1920}" type="presOf" srcId="{2401EE30-6FB4-47FC-B5CB-44E93082BA16}" destId="{C79737FA-DA68-4B50-9686-82FBED4993F4}" srcOrd="0" destOrd="0" presId="urn:microsoft.com/office/officeart/2005/8/layout/orgChart1"/>
     <dgm:cxn modelId="{8C71F597-48DA-42F5-848B-45FBCBBE231C}" srcId="{EFF00522-C837-4800-9089-09C6786FA139}" destId="{DEB3A288-72B2-4CE3-BA0E-2385DCEA1166}" srcOrd="1" destOrd="0" parTransId="{AE15057E-D275-4CBA-BBDA-7AFB5273F6D0}" sibTransId="{A96C3356-79EF-46AD-95D3-4F7717D0E212}"/>
-    <dgm:cxn modelId="{1D58114B-9E7B-4EE9-9BBB-CA2BC1050428}" srcId="{EFF00522-C837-4800-9089-09C6786FA139}" destId="{D0D5EBBE-C984-451E-A77C-06635B96115A}" srcOrd="0" destOrd="0" parTransId="{2401EE30-6FB4-47FC-B5CB-44E93082BA16}" sibTransId="{4794836D-9F6B-4080-8E70-60D729F37A15}"/>
-    <dgm:cxn modelId="{76937E49-9A6C-4684-AE0E-E0846D99D250}" type="presOf" srcId="{3E7D5DE8-38A7-4D01-B3B1-C41B904AFB24}" destId="{D0C42A0A-227F-498C-9217-1F2A4E39F4AC}" srcOrd="0" destOrd="0" presId="urn:microsoft.com/office/officeart/2005/8/layout/orgChart1"/>
-    <dgm:cxn modelId="{5D54394D-4C63-4C8A-838B-C69B4A99A8F4}" srcId="{EFF00522-C837-4800-9089-09C6786FA139}" destId="{E7C64FD9-0C4A-4F3B-931A-AB7EFC3F18D6}" srcOrd="5" destOrd="0" parTransId="{F147F672-E447-4955-8CC9-5032D36A8B49}" sibTransId="{8A6624D5-3F62-41FA-AF5E-FE463F8CEC8D}"/>
-    <dgm:cxn modelId="{261826DD-4928-4968-9EE8-8603A4DA75BB}" type="presOf" srcId="{CFC8A77C-E037-4F39-89BC-7C46B2FFF6C3}" destId="{C385DBD7-122C-4C76-95AA-F0EDDD576213}" srcOrd="1" destOrd="0" presId="urn:microsoft.com/office/officeart/2005/8/layout/orgChart1"/>
-    <dgm:cxn modelId="{64B522C9-1881-4836-B21D-A269398ED4E7}" type="presOf" srcId="{06A4DF89-C148-4CB0-BC1C-719E15C3A380}" destId="{1FD30025-BE06-4C8D-8024-6353A3A86C64}" srcOrd="0" destOrd="0" presId="urn:microsoft.com/office/officeart/2005/8/layout/orgChart1"/>
     <dgm:cxn modelId="{3E0EE4A3-7C9D-4385-92CF-5CA9996AB16B}" type="presOf" srcId="{EFF00522-C837-4800-9089-09C6786FA139}" destId="{15AFF27B-B166-47F4-BEA3-A556EF84A1FE}" srcOrd="1" destOrd="0" presId="urn:microsoft.com/office/officeart/2005/8/layout/orgChart1"/>
     <dgm:cxn modelId="{C36633A6-7AC8-43DF-9EBE-C46C838D14D6}" type="presOf" srcId="{3E7D5DE8-38A7-4D01-B3B1-C41B904AFB24}" destId="{D47F8C64-7351-47DD-ABB9-3A4D5CE04EBC}" srcOrd="1" destOrd="0" presId="urn:microsoft.com/office/officeart/2005/8/layout/orgChart1"/>
-    <dgm:cxn modelId="{8C5C1055-60EE-417A-890C-9263B9B0293C}" type="presOf" srcId="{6BCCACC8-297A-434B-B4C0-CBF55E8A799D}" destId="{8659CC59-2E2C-408C-A138-42297FB1F7FC}" srcOrd="0" destOrd="0" presId="urn:microsoft.com/office/officeart/2005/8/layout/orgChart1"/>
+    <dgm:cxn modelId="{67885BAF-5B75-407B-91B2-6F979038E946}" srcId="{F37AA981-A9B4-415F-ADC1-A456EE833205}" destId="{EFF00522-C837-4800-9089-09C6786FA139}" srcOrd="0" destOrd="0" parTransId="{DD3937CD-E1A8-4E5B-BD09-EABAA399CC23}" sibTransId="{719267CB-9490-458C-9394-D74AD204BE1B}"/>
+    <dgm:cxn modelId="{8C1C42B2-A065-4216-83CB-1050788129D9}" srcId="{EFF00522-C837-4800-9089-09C6786FA139}" destId="{3E7D5DE8-38A7-4D01-B3B1-C41B904AFB24}" srcOrd="2" destOrd="0" parTransId="{1F891C72-4331-4225-9131-EE90A5156BCC}" sibTransId="{2D617AC4-6E9C-47A6-BFAC-93EC82C86111}"/>
+    <dgm:cxn modelId="{D57EB3B9-813B-4FB0-A76A-7A85A654C29B}" type="presOf" srcId="{E7C64FD9-0C4A-4F3B-931A-AB7EFC3F18D6}" destId="{E7DC8D2E-72AE-4E2C-8784-7C0B34907F59}" srcOrd="1" destOrd="0" presId="urn:microsoft.com/office/officeart/2005/8/layout/orgChart1"/>
+    <dgm:cxn modelId="{F95DC0C1-9339-4066-9285-8FF13264398D}" type="presOf" srcId="{D0D5EBBE-C984-451E-A77C-06635B96115A}" destId="{1E59B1F0-1959-43EF-B4BA-5DE950985F11}" srcOrd="1" destOrd="0" presId="urn:microsoft.com/office/officeart/2005/8/layout/orgChart1"/>
     <dgm:cxn modelId="{70CBB2C2-0071-4329-9A38-8AD1E841005D}" srcId="{EFF00522-C837-4800-9089-09C6786FA139}" destId="{CFC8A77C-E037-4F39-89BC-7C46B2FFF6C3}" srcOrd="3" destOrd="0" parTransId="{06A4DF89-C148-4CB0-BC1C-719E15C3A380}" sibTransId="{B9E8B3FB-6336-44A0-BB31-6CF9D499134C}"/>
-    <dgm:cxn modelId="{59A13B2B-94E3-4E30-B1C8-D4C19B456A98}" type="presOf" srcId="{6BCCACC8-297A-434B-B4C0-CBF55E8A799D}" destId="{695C9D34-95FC-428F-873D-B6282BE96811}" srcOrd="1" destOrd="0" presId="urn:microsoft.com/office/officeart/2005/8/layout/orgChart1"/>
-    <dgm:cxn modelId="{C104F494-93EC-4C35-9277-88485A6C79D9}" type="presOf" srcId="{AE15057E-D275-4CBA-BBDA-7AFB5273F6D0}" destId="{A3C064E1-EB83-4A90-BC9B-363A4369B1D9}" srcOrd="0" destOrd="0" presId="urn:microsoft.com/office/officeart/2005/8/layout/orgChart1"/>
-    <dgm:cxn modelId="{A4D9362C-6216-407B-A06C-1540E852B2AC}" type="presOf" srcId="{E7C64FD9-0C4A-4F3B-931A-AB7EFC3F18D6}" destId="{67726964-64F7-4568-A550-A3840E89588B}" srcOrd="0" destOrd="0" presId="urn:microsoft.com/office/officeart/2005/8/layout/orgChart1"/>
-    <dgm:cxn modelId="{CC89F41C-EC73-4164-B979-1E34F8EC7992}" type="presOf" srcId="{DEB3A288-72B2-4CE3-BA0E-2385DCEA1166}" destId="{D1586E0D-5339-4871-B373-DE07F6A4B31A}" srcOrd="1" destOrd="0" presId="urn:microsoft.com/office/officeart/2005/8/layout/orgChart1"/>
-    <dgm:cxn modelId="{B854F34B-ADF2-4C85-AA29-7CC262C2ABC0}" type="presOf" srcId="{F147F672-E447-4955-8CC9-5032D36A8B49}" destId="{F67550F7-432C-48D7-8A48-619DCE27301E}" srcOrd="0" destOrd="0" presId="urn:microsoft.com/office/officeart/2005/8/layout/orgChart1"/>
-    <dgm:cxn modelId="{8484E588-3BA2-4A2C-A856-2E9A20948E67}" type="presOf" srcId="{D0D5EBBE-C984-451E-A77C-06635B96115A}" destId="{BB899C3E-7977-48D2-838C-0A0A4E22407E}" srcOrd="0" destOrd="0" presId="urn:microsoft.com/office/officeart/2005/8/layout/orgChart1"/>
-    <dgm:cxn modelId="{1A5C9B95-6306-4971-AEB4-0FB6C60D1920}" type="presOf" srcId="{2401EE30-6FB4-47FC-B5CB-44E93082BA16}" destId="{C79737FA-DA68-4B50-9686-82FBED4993F4}" srcOrd="0" destOrd="0" presId="urn:microsoft.com/office/officeart/2005/8/layout/orgChart1"/>
-    <dgm:cxn modelId="{B6F32367-D4A4-4501-A5C5-198502F93225}" type="presOf" srcId="{CFC8A77C-E037-4F39-89BC-7C46B2FFF6C3}" destId="{B512DCC2-F8AD-4A88-8224-BF794CC14E60}" srcOrd="0" destOrd="0" presId="urn:microsoft.com/office/officeart/2005/8/layout/orgChart1"/>
-    <dgm:cxn modelId="{2BA0192D-E091-446B-9562-8E04E2C7A7A9}" srcId="{EFF00522-C837-4800-9089-09C6786FA139}" destId="{6BCCACC8-297A-434B-B4C0-CBF55E8A799D}" srcOrd="4" destOrd="0" parTransId="{77057196-36D4-4297-8DBE-9DF4DC99769E}" sibTransId="{E17B637D-8F1E-4395-8504-5FF5013E668B}"/>
-    <dgm:cxn modelId="{8C1C42B2-A065-4216-83CB-1050788129D9}" srcId="{EFF00522-C837-4800-9089-09C6786FA139}" destId="{3E7D5DE8-38A7-4D01-B3B1-C41B904AFB24}" srcOrd="2" destOrd="0" parTransId="{1F891C72-4331-4225-9131-EE90A5156BCC}" sibTransId="{2D617AC4-6E9C-47A6-BFAC-93EC82C86111}"/>
-    <dgm:cxn modelId="{F7703852-4B24-419F-8990-8F4642258C5C}" type="presOf" srcId="{DEB3A288-72B2-4CE3-BA0E-2385DCEA1166}" destId="{3DCFB508-F20D-419B-97A2-A0EA8AAE62B8}" srcOrd="0" destOrd="0" presId="urn:microsoft.com/office/officeart/2005/8/layout/orgChart1"/>
-    <dgm:cxn modelId="{F95DC0C1-9339-4066-9285-8FF13264398D}" type="presOf" srcId="{D0D5EBBE-C984-451E-A77C-06635B96115A}" destId="{1E59B1F0-1959-43EF-B4BA-5DE950985F11}" srcOrd="1" destOrd="0" presId="urn:microsoft.com/office/officeart/2005/8/layout/orgChart1"/>
-    <dgm:cxn modelId="{67885BAF-5B75-407B-91B2-6F979038E946}" srcId="{F37AA981-A9B4-415F-ADC1-A456EE833205}" destId="{EFF00522-C837-4800-9089-09C6786FA139}" srcOrd="0" destOrd="0" parTransId="{DD3937CD-E1A8-4E5B-BD09-EABAA399CC23}" sibTransId="{719267CB-9490-458C-9394-D74AD204BE1B}"/>
-    <dgm:cxn modelId="{D57EB3B9-813B-4FB0-A76A-7A85A654C29B}" type="presOf" srcId="{E7C64FD9-0C4A-4F3B-931A-AB7EFC3F18D6}" destId="{E7DC8D2E-72AE-4E2C-8784-7C0B34907F59}" srcOrd="1" destOrd="0" presId="urn:microsoft.com/office/officeart/2005/8/layout/orgChart1"/>
+    <dgm:cxn modelId="{64B522C9-1881-4836-B21D-A269398ED4E7}" type="presOf" srcId="{06A4DF89-C148-4CB0-BC1C-719E15C3A380}" destId="{1FD30025-BE06-4C8D-8024-6353A3A86C64}" srcOrd="0" destOrd="0" presId="urn:microsoft.com/office/officeart/2005/8/layout/orgChart1"/>
+    <dgm:cxn modelId="{6751E3DB-7D1C-4DFF-A50D-2E4D2AA1C036}" type="presOf" srcId="{F37AA981-A9B4-415F-ADC1-A456EE833205}" destId="{E4B09FCC-EACC-4121-8E6E-BD64FF803B59}" srcOrd="0" destOrd="0" presId="urn:microsoft.com/office/officeart/2005/8/layout/orgChart1"/>
+    <dgm:cxn modelId="{261826DD-4928-4968-9EE8-8603A4DA75BB}" type="presOf" srcId="{CFC8A77C-E037-4F39-89BC-7C46B2FFF6C3}" destId="{C385DBD7-122C-4C76-95AA-F0EDDD576213}" srcOrd="1" destOrd="0" presId="urn:microsoft.com/office/officeart/2005/8/layout/orgChart1"/>
     <dgm:cxn modelId="{19225BF9-14BF-4A05-BAF0-2E64D97CAC44}" type="presOf" srcId="{77057196-36D4-4297-8DBE-9DF4DC99769E}" destId="{87BE5EB3-DB60-4F74-8CAB-579081070155}" srcOrd="0" destOrd="0" presId="urn:microsoft.com/office/officeart/2005/8/layout/orgChart1"/>
-    <dgm:cxn modelId="{6751E3DB-7D1C-4DFF-A50D-2E4D2AA1C036}" type="presOf" srcId="{F37AA981-A9B4-415F-ADC1-A456EE833205}" destId="{E4B09FCC-EACC-4121-8E6E-BD64FF803B59}" srcOrd="0" destOrd="0" presId="urn:microsoft.com/office/officeart/2005/8/layout/orgChart1"/>
-    <dgm:cxn modelId="{E75D4180-7278-49C5-A120-3150DE2407B2}" type="presOf" srcId="{1F891C72-4331-4225-9131-EE90A5156BCC}" destId="{075DE7FD-AB6D-45A1-88B5-F6DE55537A5C}" srcOrd="0" destOrd="0" presId="urn:microsoft.com/office/officeart/2005/8/layout/orgChart1"/>
-    <dgm:cxn modelId="{8965F592-C2EF-4A5E-AE72-E3D483E3AC4B}" type="presOf" srcId="{EFF00522-C837-4800-9089-09C6786FA139}" destId="{0A79929F-4539-4070-8896-388E4F787335}" srcOrd="0" destOrd="0" presId="urn:microsoft.com/office/officeart/2005/8/layout/orgChart1"/>
     <dgm:cxn modelId="{007B4A0A-0E4B-42BD-905B-BDF6999023BA}" type="presParOf" srcId="{E4B09FCC-EACC-4121-8E6E-BD64FF803B59}" destId="{C7C3974A-1DF5-4BF7-A22B-7D65EF9D0681}" srcOrd="0" destOrd="0" presId="urn:microsoft.com/office/officeart/2005/8/layout/orgChart1"/>
     <dgm:cxn modelId="{0B8B6F9D-EC93-49D1-AB15-6F71BC6FE182}" type="presParOf" srcId="{C7C3974A-1DF5-4BF7-A22B-7D65EF9D0681}" destId="{D00FF694-389D-4CD3-B5E2-0572615B4DE4}" srcOrd="0" destOrd="0" presId="urn:microsoft.com/office/officeart/2005/8/layout/orgChart1"/>
     <dgm:cxn modelId="{5FC40C6D-C971-40B3-8425-E45FAA9959E4}" type="presParOf" srcId="{D00FF694-389D-4CD3-B5E2-0572615B4DE4}" destId="{0A79929F-4539-4070-8896-388E4F787335}" srcOrd="0" destOrd="0" presId="urn:microsoft.com/office/officeart/2005/8/layout/orgChart1"/>
@@ -2472,27 +2333,27 @@
         <a:lstStyle/>
         <a:p>
           <a:r>
-            <a:rPr lang="en-GB" sz="2000" dirty="0" err="1">
+            <a:rPr lang="en-GB" sz="2000" u="none" dirty="0" err="1">
               <a:latin typeface="Arial" panose="020B0604020202020204" pitchFamily="34" charset="0"/>
               <a:cs typeface="Arial" panose="020B0604020202020204" pitchFamily="34" charset="0"/>
             </a:rPr>
             <a:t>Eventos</a:t>
           </a:r>
           <a:r>
-            <a:rPr lang="en-GB" sz="2000" dirty="0">
+            <a:rPr lang="en-GB" sz="2000" u="none" dirty="0">
               <a:latin typeface="Arial" panose="020B0604020202020204" pitchFamily="34" charset="0"/>
               <a:cs typeface="Arial" panose="020B0604020202020204" pitchFamily="34" charset="0"/>
             </a:rPr>
             <a:t> </a:t>
           </a:r>
           <a:r>
-            <a:rPr lang="en-GB" sz="2000" dirty="0" err="1">
+            <a:rPr lang="en-GB" sz="2000" u="none" dirty="0" err="1">
               <a:latin typeface="Arial" panose="020B0604020202020204" pitchFamily="34" charset="0"/>
               <a:cs typeface="Arial" panose="020B0604020202020204" pitchFamily="34" charset="0"/>
             </a:rPr>
             <a:t>Covilhã</a:t>
           </a:r>
-          <a:endParaRPr lang="en-GB" sz="2000" dirty="0">
+          <a:endParaRPr lang="en-GB" sz="2000" u="none" dirty="0">
             <a:latin typeface="Arial" panose="020B0604020202020204" pitchFamily="34" charset="0"/>
             <a:cs typeface="Arial" panose="020B0604020202020204" pitchFamily="34" charset="0"/>
           </a:endParaRPr>
@@ -2506,7 +2367,7 @@
         <a:bodyPr/>
         <a:lstStyle/>
         <a:p>
-          <a:endParaRPr lang="en-GB" sz="700">
+          <a:endParaRPr lang="en-GB" sz="700" u="none">
             <a:latin typeface="Arial" panose="020B0604020202020204" pitchFamily="34" charset="0"/>
             <a:cs typeface="Arial" panose="020B0604020202020204" pitchFamily="34" charset="0"/>
           </a:endParaRPr>
@@ -2520,7 +2381,7 @@
         <a:bodyPr/>
         <a:lstStyle/>
         <a:p>
-          <a:endParaRPr lang="en-GB" sz="700">
+          <a:endParaRPr lang="en-GB" sz="700" u="none">
             <a:latin typeface="Arial" panose="020B0604020202020204" pitchFamily="34" charset="0"/>
             <a:cs typeface="Arial" panose="020B0604020202020204" pitchFamily="34" charset="0"/>
           </a:endParaRPr>
@@ -2535,13 +2396,13 @@
         <a:lstStyle/>
         <a:p>
           <a:r>
-            <a:rPr lang="en-GB" sz="2000" dirty="0" err="1" smtClean="0">
+            <a:rPr lang="en-GB" sz="2000" u="none" dirty="0" err="1">
               <a:latin typeface="Arial" panose="020B0604020202020204" pitchFamily="34" charset="0"/>
               <a:cs typeface="Arial" panose="020B0604020202020204" pitchFamily="34" charset="0"/>
             </a:rPr>
             <a:t>Início</a:t>
           </a:r>
-          <a:endParaRPr lang="en-GB" sz="2000" dirty="0">
+          <a:endParaRPr lang="en-GB" sz="2000" u="none" dirty="0">
             <a:latin typeface="Arial" panose="020B0604020202020204" pitchFamily="34" charset="0"/>
             <a:cs typeface="Arial" panose="020B0604020202020204" pitchFamily="34" charset="0"/>
           </a:endParaRPr>
@@ -2555,7 +2416,7 @@
         <a:bodyPr/>
         <a:lstStyle/>
         <a:p>
-          <a:endParaRPr lang="pt-PT"/>
+          <a:endParaRPr lang="pt-PT" u="none"/>
         </a:p>
       </dgm:t>
     </dgm:pt>
@@ -2566,7 +2427,7 @@
         <a:bodyPr/>
         <a:lstStyle/>
         <a:p>
-          <a:endParaRPr lang="pt-PT"/>
+          <a:endParaRPr lang="pt-PT" u="none"/>
         </a:p>
       </dgm:t>
     </dgm:pt>
@@ -2578,13 +2439,13 @@
         <a:lstStyle/>
         <a:p>
           <a:r>
-            <a:rPr lang="en-GB" sz="2000" dirty="0" err="1">
+            <a:rPr lang="en-GB" sz="2000" u="none" dirty="0" err="1">
               <a:latin typeface="Arial" panose="020B0604020202020204" pitchFamily="34" charset="0"/>
               <a:cs typeface="Arial" panose="020B0604020202020204" pitchFamily="34" charset="0"/>
             </a:rPr>
             <a:t>Calendário</a:t>
           </a:r>
-          <a:endParaRPr lang="en-GB" sz="2000" dirty="0">
+          <a:endParaRPr lang="en-GB" sz="2000" u="none" dirty="0">
             <a:latin typeface="Arial" panose="020B0604020202020204" pitchFamily="34" charset="0"/>
             <a:cs typeface="Arial" panose="020B0604020202020204" pitchFamily="34" charset="0"/>
           </a:endParaRPr>
@@ -2598,7 +2459,7 @@
         <a:bodyPr/>
         <a:lstStyle/>
         <a:p>
-          <a:endParaRPr lang="pt-PT"/>
+          <a:endParaRPr lang="pt-PT" u="none"/>
         </a:p>
       </dgm:t>
     </dgm:pt>
@@ -2609,7 +2470,7 @@
         <a:bodyPr/>
         <a:lstStyle/>
         <a:p>
-          <a:endParaRPr lang="pt-PT"/>
+          <a:endParaRPr lang="pt-PT" u="none"/>
         </a:p>
       </dgm:t>
     </dgm:pt>
@@ -2621,42 +2482,85 @@
         <a:lstStyle/>
         <a:p>
           <a:r>
-            <a:rPr lang="en-GB" sz="2000" dirty="0" err="1">
+            <a:rPr lang="en-GB" sz="2000" u="none" dirty="0" err="1">
+              <a:latin typeface="Arial" panose="020B0604020202020204" pitchFamily="34" charset="0"/>
+              <a:cs typeface="Arial" panose="020B0604020202020204" pitchFamily="34" charset="0"/>
+            </a:rPr>
+            <a:t>Categorias</a:t>
+          </a:r>
+          <a:endParaRPr lang="en-GB" sz="2000" u="none" dirty="0">
+            <a:latin typeface="Arial" panose="020B0604020202020204" pitchFamily="34" charset="0"/>
+            <a:cs typeface="Arial" panose="020B0604020202020204" pitchFamily="34" charset="0"/>
+          </a:endParaRPr>
+        </a:p>
+      </dgm:t>
+    </dgm:pt>
+    <dgm:pt modelId="{2D617AC4-6E9C-47A6-BFAC-93EC82C86111}" type="sibTrans" cxnId="{8C1C42B2-A065-4216-83CB-1050788129D9}">
+      <dgm:prSet/>
+      <dgm:spPr/>
+      <dgm:t>
+        <a:bodyPr/>
+        <a:lstStyle/>
+        <a:p>
+          <a:endParaRPr lang="pt-PT" u="none"/>
+        </a:p>
+      </dgm:t>
+    </dgm:pt>
+    <dgm:pt modelId="{1F891C72-4331-4225-9131-EE90A5156BCC}" type="parTrans" cxnId="{8C1C42B2-A065-4216-83CB-1050788129D9}">
+      <dgm:prSet/>
+      <dgm:spPr/>
+      <dgm:t>
+        <a:bodyPr/>
+        <a:lstStyle/>
+        <a:p>
+          <a:endParaRPr lang="pt-PT" u="none"/>
+        </a:p>
+      </dgm:t>
+    </dgm:pt>
+    <dgm:pt modelId="{CFC8A77C-E037-4F39-89BC-7C46B2FFF6C3}">
+      <dgm:prSet phldrT="[Text]" custT="1"/>
+      <dgm:spPr/>
+      <dgm:t>
+        <a:bodyPr/>
+        <a:lstStyle/>
+        <a:p>
+          <a:r>
+            <a:rPr lang="en-GB" sz="2000" u="none" dirty="0" err="1">
               <a:latin typeface="Arial" panose="020B0604020202020204" pitchFamily="34" charset="0"/>
               <a:cs typeface="Arial" panose="020B0604020202020204" pitchFamily="34" charset="0"/>
             </a:rPr>
             <a:t>Sobre</a:t>
           </a:r>
-          <a:endParaRPr lang="en-GB" sz="2000" dirty="0">
+          <a:endParaRPr lang="en-GB" sz="2000" u="none" dirty="0">
             <a:latin typeface="Arial" panose="020B0604020202020204" pitchFamily="34" charset="0"/>
             <a:cs typeface="Arial" panose="020B0604020202020204" pitchFamily="34" charset="0"/>
           </a:endParaRPr>
         </a:p>
       </dgm:t>
     </dgm:pt>
-    <dgm:pt modelId="{2D617AC4-6E9C-47A6-BFAC-93EC82C86111}" type="sibTrans" cxnId="{8C1C42B2-A065-4216-83CB-1050788129D9}">
+    <dgm:pt modelId="{06A4DF89-C148-4CB0-BC1C-719E15C3A380}" type="parTrans" cxnId="{70CBB2C2-0071-4329-9A38-8AD1E841005D}">
       <dgm:prSet/>
       <dgm:spPr/>
       <dgm:t>
         <a:bodyPr/>
         <a:lstStyle/>
         <a:p>
-          <a:endParaRPr lang="pt-PT"/>
+          <a:endParaRPr lang="pt-PT" u="none"/>
         </a:p>
       </dgm:t>
     </dgm:pt>
-    <dgm:pt modelId="{1F891C72-4331-4225-9131-EE90A5156BCC}" type="parTrans" cxnId="{8C1C42B2-A065-4216-83CB-1050788129D9}">
+    <dgm:pt modelId="{B9E8B3FB-6336-44A0-BB31-6CF9D499134C}" type="sibTrans" cxnId="{70CBB2C2-0071-4329-9A38-8AD1E841005D}">
       <dgm:prSet/>
       <dgm:spPr/>
       <dgm:t>
         <a:bodyPr/>
         <a:lstStyle/>
         <a:p>
-          <a:endParaRPr lang="pt-PT"/>
+          <a:endParaRPr lang="pt-PT" u="none"/>
         </a:p>
       </dgm:t>
     </dgm:pt>
-    <dgm:pt modelId="{CFC8A77C-E037-4F39-89BC-7C46B2FFF6C3}">
+    <dgm:pt modelId="{6BCCACC8-297A-434B-B4C0-CBF55E8A799D}">
       <dgm:prSet phldrT="[Text]" custT="1"/>
       <dgm:spPr/>
       <dgm:t>
@@ -2664,117 +2568,367 @@
         <a:lstStyle/>
         <a:p>
           <a:r>
-            <a:rPr lang="en-GB" sz="2000" dirty="0" err="1">
+            <a:rPr lang="en-GB" sz="2000" u="none" dirty="0" err="1">
               <a:latin typeface="Arial" panose="020B0604020202020204" pitchFamily="34" charset="0"/>
               <a:cs typeface="Arial" panose="020B0604020202020204" pitchFamily="34" charset="0"/>
             </a:rPr>
-            <a:t>Categorias</a:t>
+            <a:t>Contactos</a:t>
           </a:r>
-          <a:endParaRPr lang="en-GB" sz="2000" dirty="0">
+          <a:endParaRPr lang="en-GB" sz="2000" u="none" dirty="0">
             <a:latin typeface="Arial" panose="020B0604020202020204" pitchFamily="34" charset="0"/>
             <a:cs typeface="Arial" panose="020B0604020202020204" pitchFamily="34" charset="0"/>
           </a:endParaRPr>
         </a:p>
       </dgm:t>
     </dgm:pt>
-    <dgm:pt modelId="{06A4DF89-C148-4CB0-BC1C-719E15C3A380}" type="parTrans" cxnId="{70CBB2C2-0071-4329-9A38-8AD1E841005D}">
+    <dgm:pt modelId="{77057196-36D4-4297-8DBE-9DF4DC99769E}" type="parTrans" cxnId="{2BA0192D-E091-446B-9562-8E04E2C7A7A9}">
       <dgm:prSet/>
       <dgm:spPr/>
       <dgm:t>
         <a:bodyPr/>
         <a:lstStyle/>
         <a:p>
-          <a:endParaRPr lang="pt-PT"/>
+          <a:endParaRPr lang="pt-PT" u="none"/>
         </a:p>
       </dgm:t>
     </dgm:pt>
-    <dgm:pt modelId="{B9E8B3FB-6336-44A0-BB31-6CF9D499134C}" type="sibTrans" cxnId="{70CBB2C2-0071-4329-9A38-8AD1E841005D}">
+    <dgm:pt modelId="{E17B637D-8F1E-4395-8504-5FF5013E668B}" type="sibTrans" cxnId="{2BA0192D-E091-446B-9562-8E04E2C7A7A9}">
       <dgm:prSet/>
       <dgm:spPr/>
       <dgm:t>
         <a:bodyPr/>
         <a:lstStyle/>
         <a:p>
-          <a:endParaRPr lang="pt-PT"/>
+          <a:endParaRPr lang="pt-PT" u="none"/>
         </a:p>
       </dgm:t>
     </dgm:pt>
-    <dgm:pt modelId="{6BCCACC8-297A-434B-B4C0-CBF55E8A799D}">
-      <dgm:prSet phldrT="[Text]" custT="1"/>
+    <dgm:pt modelId="{6D859D06-D440-4495-BC38-4B0653417247}">
+      <dgm:prSet custT="1"/>
       <dgm:spPr/>
       <dgm:t>
         <a:bodyPr/>
         <a:lstStyle/>
         <a:p>
           <a:r>
-            <a:rPr lang="en-GB" sz="2000" dirty="0" err="1">
-              <a:latin typeface="Arial" panose="020B0604020202020204" pitchFamily="34" charset="0"/>
-              <a:cs typeface="Arial" panose="020B0604020202020204" pitchFamily="34" charset="0"/>
-            </a:rPr>
-            <a:t>Contactos</a:t>
+            <a:rPr lang="pt-PT" sz="3000" u="none" dirty="0"/>
+            <a:t>Porquê Covilhã</a:t>
           </a:r>
-          <a:endParaRPr lang="en-GB" sz="2000" dirty="0">
-            <a:latin typeface="Arial" panose="020B0604020202020204" pitchFamily="34" charset="0"/>
-            <a:cs typeface="Arial" panose="020B0604020202020204" pitchFamily="34" charset="0"/>
-          </a:endParaRPr>
         </a:p>
       </dgm:t>
     </dgm:pt>
-    <dgm:pt modelId="{77057196-36D4-4297-8DBE-9DF4DC99769E}" type="parTrans" cxnId="{2BA0192D-E091-446B-9562-8E04E2C7A7A9}">
+    <dgm:pt modelId="{7ABF7F75-BA81-498E-8999-139ABA277B4F}" type="parTrans" cxnId="{979B3921-65D4-4C21-A108-2DBE1B0AAAE5}">
       <dgm:prSet/>
       <dgm:spPr/>
       <dgm:t>
         <a:bodyPr/>
         <a:lstStyle/>
         <a:p>
-          <a:endParaRPr lang="pt-PT"/>
+          <a:endParaRPr lang="pt-PT" u="none"/>
         </a:p>
       </dgm:t>
     </dgm:pt>
-    <dgm:pt modelId="{E17B637D-8F1E-4395-8504-5FF5013E668B}" type="sibTrans" cxnId="{2BA0192D-E091-446B-9562-8E04E2C7A7A9}">
+    <dgm:pt modelId="{F0F770A4-A5C9-424C-93C8-86B63DB8FE87}" type="sibTrans" cxnId="{979B3921-65D4-4C21-A108-2DBE1B0AAAE5}">
       <dgm:prSet/>
       <dgm:spPr/>
       <dgm:t>
         <a:bodyPr/>
         <a:lstStyle/>
         <a:p>
-          <a:endParaRPr lang="pt-PT"/>
+          <a:endParaRPr lang="pt-PT" u="none"/>
         </a:p>
       </dgm:t>
     </dgm:pt>
-    <dgm:pt modelId="{E7C64FD9-0C4A-4F3B-931A-AB7EFC3F18D6}">
-      <dgm:prSet phldrT="[Text]" custT="1"/>
+    <dgm:pt modelId="{C4E9236B-D5FB-402F-9C08-8917C5806671}">
+      <dgm:prSet/>
       <dgm:spPr/>
       <dgm:t>
         <a:bodyPr/>
         <a:lstStyle/>
         <a:p>
-          <a:endParaRPr lang="en-GB" sz="2000" dirty="0">
-            <a:latin typeface="Arial" panose="020B0604020202020204" pitchFamily="34" charset="0"/>
-            <a:cs typeface="Arial" panose="020B0604020202020204" pitchFamily="34" charset="0"/>
-          </a:endParaRPr>
+          <a:r>
+            <a:rPr lang="pt-PT" u="none" dirty="0"/>
+            <a:t>Artes</a:t>
+          </a:r>
         </a:p>
       </dgm:t>
     </dgm:pt>
-    <dgm:pt modelId="{F147F672-E447-4955-8CC9-5032D36A8B49}" type="parTrans" cxnId="{5D54394D-4C63-4C8A-838B-C69B4A99A8F4}">
+    <dgm:pt modelId="{5A94BF89-F459-4076-B825-3EF69867B9E6}" type="parTrans" cxnId="{51974BE8-A9E3-4045-8AC0-2BF146D01122}">
       <dgm:prSet/>
       <dgm:spPr/>
       <dgm:t>
         <a:bodyPr/>
         <a:lstStyle/>
         <a:p>
-          <a:endParaRPr lang="pt-PT"/>
+          <a:endParaRPr lang="pt-PT" u="none"/>
         </a:p>
       </dgm:t>
     </dgm:pt>
-    <dgm:pt modelId="{8A6624D5-3F62-41FA-AF5E-FE463F8CEC8D}" type="sibTrans" cxnId="{5D54394D-4C63-4C8A-838B-C69B4A99A8F4}">
+    <dgm:pt modelId="{62DD2125-1C44-478F-B22F-2BED96167201}" type="sibTrans" cxnId="{51974BE8-A9E3-4045-8AC0-2BF146D01122}">
       <dgm:prSet/>
       <dgm:spPr/>
       <dgm:t>
         <a:bodyPr/>
         <a:lstStyle/>
         <a:p>
-          <a:endParaRPr lang="pt-PT"/>
+          <a:endParaRPr lang="pt-PT" u="none"/>
+        </a:p>
+      </dgm:t>
+    </dgm:pt>
+    <dgm:pt modelId="{C5D14313-4718-4BA4-8034-5E4E2ACBCC70}">
+      <dgm:prSet/>
+      <dgm:spPr/>
+      <dgm:t>
+        <a:bodyPr/>
+        <a:lstStyle/>
+        <a:p>
+          <a:r>
+            <a:rPr lang="pt-PT" u="none" dirty="0"/>
+            <a:t>Música</a:t>
+          </a:r>
+        </a:p>
+      </dgm:t>
+    </dgm:pt>
+    <dgm:pt modelId="{04B442D8-6F45-4C79-8A4C-6886FDE02F97}" type="parTrans" cxnId="{12AA3CBF-1033-48B0-A6F8-A20337FED22A}">
+      <dgm:prSet/>
+      <dgm:spPr/>
+      <dgm:t>
+        <a:bodyPr/>
+        <a:lstStyle/>
+        <a:p>
+          <a:endParaRPr lang="pt-PT" u="none"/>
+        </a:p>
+      </dgm:t>
+    </dgm:pt>
+    <dgm:pt modelId="{EA84DB9B-3D31-4D9E-BF2F-E46226EA56AE}" type="sibTrans" cxnId="{12AA3CBF-1033-48B0-A6F8-A20337FED22A}">
+      <dgm:prSet/>
+      <dgm:spPr/>
+      <dgm:t>
+        <a:bodyPr/>
+        <a:lstStyle/>
+        <a:p>
+          <a:endParaRPr lang="pt-PT" u="none"/>
+        </a:p>
+      </dgm:t>
+    </dgm:pt>
+    <dgm:pt modelId="{9CF9D14A-D997-48A5-ACA0-BD0A85F323A1}">
+      <dgm:prSet/>
+      <dgm:spPr/>
+      <dgm:t>
+        <a:bodyPr/>
+        <a:lstStyle/>
+        <a:p>
+          <a:r>
+            <a:rPr lang="pt-PT" u="none" dirty="0"/>
+            <a:t>Noite</a:t>
+          </a:r>
+        </a:p>
+      </dgm:t>
+    </dgm:pt>
+    <dgm:pt modelId="{D81EE60C-1689-4013-8B94-71E45948E61C}" type="parTrans" cxnId="{C4FB8056-6B24-43C9-A2FD-57AF1D92654B}">
+      <dgm:prSet/>
+      <dgm:spPr/>
+      <dgm:t>
+        <a:bodyPr/>
+        <a:lstStyle/>
+        <a:p>
+          <a:endParaRPr lang="pt-PT" u="none"/>
+        </a:p>
+      </dgm:t>
+    </dgm:pt>
+    <dgm:pt modelId="{B3012D63-2D5D-41AB-A6CD-C3EA8612062C}" type="sibTrans" cxnId="{C4FB8056-6B24-43C9-A2FD-57AF1D92654B}">
+      <dgm:prSet/>
+      <dgm:spPr/>
+      <dgm:t>
+        <a:bodyPr/>
+        <a:lstStyle/>
+        <a:p>
+          <a:endParaRPr lang="pt-PT" u="none"/>
+        </a:p>
+      </dgm:t>
+    </dgm:pt>
+    <dgm:pt modelId="{FEF5EF31-1DF3-4F02-8BF5-0FAA9FBF05DF}">
+      <dgm:prSet/>
+      <dgm:spPr/>
+      <dgm:t>
+        <a:bodyPr/>
+        <a:lstStyle/>
+        <a:p>
+          <a:r>
+            <a:rPr lang="pt-PT" u="none" dirty="0"/>
+            <a:t>Cultura</a:t>
+          </a:r>
+        </a:p>
+      </dgm:t>
+    </dgm:pt>
+    <dgm:pt modelId="{C206CBEC-A310-48C5-A1E3-51069AAB7E06}" type="parTrans" cxnId="{820DA17D-D3D3-44FA-8B6F-1B825415906F}">
+      <dgm:prSet/>
+      <dgm:spPr/>
+      <dgm:t>
+        <a:bodyPr/>
+        <a:lstStyle/>
+        <a:p>
+          <a:endParaRPr lang="pt-PT" u="none"/>
+        </a:p>
+      </dgm:t>
+    </dgm:pt>
+    <dgm:pt modelId="{33829A28-8B69-4310-A9EC-72FF2B43FA31}" type="sibTrans" cxnId="{820DA17D-D3D3-44FA-8B6F-1B825415906F}">
+      <dgm:prSet/>
+      <dgm:spPr/>
+      <dgm:t>
+        <a:bodyPr/>
+        <a:lstStyle/>
+        <a:p>
+          <a:endParaRPr lang="pt-PT" u="none"/>
+        </a:p>
+      </dgm:t>
+    </dgm:pt>
+    <dgm:pt modelId="{2FF04469-EC18-4DEF-9211-026033421D7F}">
+      <dgm:prSet/>
+      <dgm:spPr/>
+      <dgm:t>
+        <a:bodyPr/>
+        <a:lstStyle/>
+        <a:p>
+          <a:r>
+            <a:rPr lang="pt-PT" u="none" dirty="0"/>
+            <a:t>Desporto</a:t>
+          </a:r>
+        </a:p>
+      </dgm:t>
+    </dgm:pt>
+    <dgm:pt modelId="{AE6AB92A-B651-446C-B90D-191341024DCA}" type="parTrans" cxnId="{7076539E-84DB-49E1-9601-83A88D214CF8}">
+      <dgm:prSet/>
+      <dgm:spPr/>
+      <dgm:t>
+        <a:bodyPr/>
+        <a:lstStyle/>
+        <a:p>
+          <a:endParaRPr lang="pt-PT" u="none"/>
+        </a:p>
+      </dgm:t>
+    </dgm:pt>
+    <dgm:pt modelId="{0637CF52-D892-464E-A103-0804641290C4}" type="sibTrans" cxnId="{7076539E-84DB-49E1-9601-83A88D214CF8}">
+      <dgm:prSet/>
+      <dgm:spPr/>
+      <dgm:t>
+        <a:bodyPr/>
+        <a:lstStyle/>
+        <a:p>
+          <a:endParaRPr lang="pt-PT" u="none"/>
+        </a:p>
+      </dgm:t>
+    </dgm:pt>
+    <dgm:pt modelId="{210B0EF3-C281-4060-A271-E34BD8547342}">
+      <dgm:prSet/>
+      <dgm:spPr/>
+      <dgm:t>
+        <a:bodyPr/>
+        <a:lstStyle/>
+        <a:p>
+          <a:r>
+            <a:rPr lang="pt-PT" u="none" dirty="0"/>
+            <a:t>Em Destaque</a:t>
+          </a:r>
+        </a:p>
+      </dgm:t>
+    </dgm:pt>
+    <dgm:pt modelId="{ADCBE1B0-B6AB-4350-9FC6-856DD57E9562}" type="parTrans" cxnId="{C7117D46-60C1-4AC4-AC2C-CCA51D022C98}">
+      <dgm:prSet/>
+      <dgm:spPr/>
+      <dgm:t>
+        <a:bodyPr/>
+        <a:lstStyle/>
+        <a:p>
+          <a:endParaRPr lang="pt-PT" u="none"/>
+        </a:p>
+      </dgm:t>
+    </dgm:pt>
+    <dgm:pt modelId="{074E8F6B-D96B-4628-92A9-FFC917EF6C01}" type="sibTrans" cxnId="{C7117D46-60C1-4AC4-AC2C-CCA51D022C98}">
+      <dgm:prSet/>
+      <dgm:spPr/>
+      <dgm:t>
+        <a:bodyPr/>
+        <a:lstStyle/>
+        <a:p>
+          <a:endParaRPr lang="pt-PT" u="none"/>
+        </a:p>
+      </dgm:t>
+    </dgm:pt>
+    <dgm:pt modelId="{AF9FAEE0-D707-4D4A-BC4E-B00284790C09}">
+      <dgm:prSet/>
+      <dgm:spPr/>
+      <dgm:t>
+        <a:bodyPr/>
+        <a:lstStyle/>
+        <a:p>
+          <a:r>
+            <a:rPr lang="pt-PT" u="none" dirty="0"/>
+            <a:t>Chegar à </a:t>
+          </a:r>
+          <a:r>
+            <a:rPr lang="pt-PT" u="none" dirty="0" err="1"/>
+            <a:t>covilhã</a:t>
+          </a:r>
+          <a:endParaRPr lang="pt-PT" u="none" dirty="0"/>
+        </a:p>
+      </dgm:t>
+    </dgm:pt>
+    <dgm:pt modelId="{DF2FF718-F2C1-46BD-B3D2-69C34DDD97AC}" type="parTrans" cxnId="{BA7D9214-91C9-43C5-930D-8662E2D96E9F}">
+      <dgm:prSet/>
+      <dgm:spPr/>
+      <dgm:t>
+        <a:bodyPr/>
+        <a:lstStyle/>
+        <a:p>
+          <a:endParaRPr lang="pt-PT" u="none"/>
+        </a:p>
+      </dgm:t>
+    </dgm:pt>
+    <dgm:pt modelId="{9F96BC34-2F99-4857-9537-755790E34536}" type="sibTrans" cxnId="{BA7D9214-91C9-43C5-930D-8662E2D96E9F}">
+      <dgm:prSet/>
+      <dgm:spPr/>
+      <dgm:t>
+        <a:bodyPr/>
+        <a:lstStyle/>
+        <a:p>
+          <a:endParaRPr lang="pt-PT" u="none"/>
+        </a:p>
+      </dgm:t>
+    </dgm:pt>
+    <dgm:pt modelId="{32A588C2-228D-4B26-9C8B-90CDFD0FC08B}">
+      <dgm:prSet/>
+      <dgm:spPr/>
+      <dgm:t>
+        <a:bodyPr/>
+        <a:lstStyle/>
+        <a:p>
+          <a:r>
+            <a:rPr lang="pt-PT" u="none" dirty="0"/>
+            <a:t>Mapa</a:t>
+          </a:r>
+        </a:p>
+      </dgm:t>
+    </dgm:pt>
+    <dgm:pt modelId="{188D1000-0E2B-4CE9-B4EC-57DF98E5B370}" type="parTrans" cxnId="{50574EE2-B791-402B-8982-5F339D14BC2A}">
+      <dgm:prSet/>
+      <dgm:spPr/>
+      <dgm:t>
+        <a:bodyPr/>
+        <a:lstStyle/>
+        <a:p>
+          <a:endParaRPr lang="pt-PT" u="none"/>
+        </a:p>
+      </dgm:t>
+    </dgm:pt>
+    <dgm:pt modelId="{14B0CDC8-4FDC-419A-B7CE-8BD710F85676}" type="sibTrans" cxnId="{50574EE2-B791-402B-8982-5F339D14BC2A}">
+      <dgm:prSet/>
+      <dgm:spPr/>
+      <dgm:t>
+        <a:bodyPr/>
+        <a:lstStyle/>
+        <a:p>
+          <a:endParaRPr lang="pt-PT" u="none"/>
         </a:p>
       </dgm:t>
     </dgm:pt>
@@ -2790,13 +2944,6 @@
         </dgm:presLayoutVars>
       </dgm:prSet>
       <dgm:spPr/>
-      <dgm:t>
-        <a:bodyPr/>
-        <a:lstStyle/>
-        <a:p>
-          <a:endParaRPr lang="pt-PT"/>
-        </a:p>
-      </dgm:t>
     </dgm:pt>
     <dgm:pt modelId="{C7C3974A-1DF5-4BF7-A22B-7D65EF9D0681}" type="pres">
       <dgm:prSet presAssocID="{EFF00522-C837-4800-9089-09C6786FA139}" presName="hierRoot1" presStyleCnt="0">
@@ -2817,39 +2964,18 @@
         </dgm:presLayoutVars>
       </dgm:prSet>
       <dgm:spPr/>
-      <dgm:t>
-        <a:bodyPr/>
-        <a:lstStyle/>
-        <a:p>
-          <a:endParaRPr lang="pt-PT"/>
-        </a:p>
-      </dgm:t>
     </dgm:pt>
     <dgm:pt modelId="{15AFF27B-B166-47F4-BEA3-A556EF84A1FE}" type="pres">
       <dgm:prSet presAssocID="{EFF00522-C837-4800-9089-09C6786FA139}" presName="rootConnector1" presStyleLbl="node1" presStyleIdx="0" presStyleCnt="0"/>
       <dgm:spPr/>
-      <dgm:t>
-        <a:bodyPr/>
-        <a:lstStyle/>
-        <a:p>
-          <a:endParaRPr lang="pt-PT"/>
-        </a:p>
-      </dgm:t>
     </dgm:pt>
     <dgm:pt modelId="{9A71EA88-E86A-4774-A0C2-7A36B7A46C30}" type="pres">
       <dgm:prSet presAssocID="{EFF00522-C837-4800-9089-09C6786FA139}" presName="hierChild2" presStyleCnt="0"/>
       <dgm:spPr/>
     </dgm:pt>
     <dgm:pt modelId="{C79737FA-DA68-4B50-9686-82FBED4993F4}" type="pres">
-      <dgm:prSet presAssocID="{2401EE30-6FB4-47FC-B5CB-44E93082BA16}" presName="Name37" presStyleLbl="parChTrans1D2" presStyleIdx="0" presStyleCnt="6"/>
-      <dgm:spPr/>
-      <dgm:t>
-        <a:bodyPr/>
-        <a:lstStyle/>
-        <a:p>
-          <a:endParaRPr lang="pt-PT"/>
-        </a:p>
-      </dgm:t>
+      <dgm:prSet presAssocID="{2401EE30-6FB4-47FC-B5CB-44E93082BA16}" presName="Name37" presStyleLbl="parChTrans1D2" presStyleIdx="0" presStyleCnt="5"/>
+      <dgm:spPr/>
     </dgm:pt>
     <dgm:pt modelId="{3CDACF71-9436-40D9-B554-1B1DAEBD747E}" type="pres">
       <dgm:prSet presAssocID="{D0D5EBBE-C984-451E-A77C-06635B96115A}" presName="hierRoot2" presStyleCnt="0">
@@ -2864,49 +2990,136 @@
       <dgm:spPr/>
     </dgm:pt>
     <dgm:pt modelId="{BB899C3E-7977-48D2-838C-0A0A4E22407E}" type="pres">
-      <dgm:prSet presAssocID="{D0D5EBBE-C984-451E-A77C-06635B96115A}" presName="rootText" presStyleLbl="node2" presStyleIdx="0" presStyleCnt="6">
+      <dgm:prSet presAssocID="{D0D5EBBE-C984-451E-A77C-06635B96115A}" presName="rootText" presStyleLbl="node2" presStyleIdx="0" presStyleCnt="5">
         <dgm:presLayoutVars>
           <dgm:chPref val="3"/>
         </dgm:presLayoutVars>
       </dgm:prSet>
       <dgm:spPr/>
-      <dgm:t>
-        <a:bodyPr/>
-        <a:lstStyle/>
-        <a:p>
-          <a:endParaRPr lang="pt-PT"/>
-        </a:p>
-      </dgm:t>
     </dgm:pt>
     <dgm:pt modelId="{1E59B1F0-1959-43EF-B4BA-5DE950985F11}" type="pres">
-      <dgm:prSet presAssocID="{D0D5EBBE-C984-451E-A77C-06635B96115A}" presName="rootConnector" presStyleLbl="node2" presStyleIdx="0" presStyleCnt="6"/>
-      <dgm:spPr/>
-      <dgm:t>
-        <a:bodyPr/>
-        <a:lstStyle/>
-        <a:p>
-          <a:endParaRPr lang="pt-PT"/>
-        </a:p>
-      </dgm:t>
+      <dgm:prSet presAssocID="{D0D5EBBE-C984-451E-A77C-06635B96115A}" presName="rootConnector" presStyleLbl="node2" presStyleIdx="0" presStyleCnt="5"/>
+      <dgm:spPr/>
     </dgm:pt>
     <dgm:pt modelId="{1361BC6C-9B0B-4206-827D-3BF0B5B79B98}" type="pres">
       <dgm:prSet presAssocID="{D0D5EBBE-C984-451E-A77C-06635B96115A}" presName="hierChild4" presStyleCnt="0"/>
       <dgm:spPr/>
     </dgm:pt>
+    <dgm:pt modelId="{BCCB5965-B0E0-45CC-8894-BE1731CC57E2}" type="pres">
+      <dgm:prSet presAssocID="{7ABF7F75-BA81-498E-8999-139ABA277B4F}" presName="Name37" presStyleLbl="parChTrans1D3" presStyleIdx="0" presStyleCnt="9"/>
+      <dgm:spPr/>
+    </dgm:pt>
+    <dgm:pt modelId="{1CD8D106-1B91-496C-B3DB-996AC3AD5822}" type="pres">
+      <dgm:prSet presAssocID="{6D859D06-D440-4495-BC38-4B0653417247}" presName="hierRoot2" presStyleCnt="0">
+        <dgm:presLayoutVars>
+          <dgm:hierBranch val="init"/>
+        </dgm:presLayoutVars>
+      </dgm:prSet>
+      <dgm:spPr/>
+    </dgm:pt>
+    <dgm:pt modelId="{1B9CED18-CF7D-4AF9-975C-1844914138B0}" type="pres">
+      <dgm:prSet presAssocID="{6D859D06-D440-4495-BC38-4B0653417247}" presName="rootComposite" presStyleCnt="0"/>
+      <dgm:spPr/>
+    </dgm:pt>
+    <dgm:pt modelId="{5BD05F6E-C87D-423B-8545-489C3582E9A5}" type="pres">
+      <dgm:prSet presAssocID="{6D859D06-D440-4495-BC38-4B0653417247}" presName="rootText" presStyleLbl="node3" presStyleIdx="0" presStyleCnt="9" custLinFactNeighborX="-11737" custLinFactNeighborY="2608">
+        <dgm:presLayoutVars>
+          <dgm:chPref val="3"/>
+        </dgm:presLayoutVars>
+      </dgm:prSet>
+      <dgm:spPr/>
+    </dgm:pt>
+    <dgm:pt modelId="{257BA37D-C7F9-4FC4-8625-2A044432F45E}" type="pres">
+      <dgm:prSet presAssocID="{6D859D06-D440-4495-BC38-4B0653417247}" presName="rootConnector" presStyleLbl="node3" presStyleIdx="0" presStyleCnt="9"/>
+      <dgm:spPr/>
+    </dgm:pt>
+    <dgm:pt modelId="{21FA8DE6-BE13-427F-B07D-34101809347A}" type="pres">
+      <dgm:prSet presAssocID="{6D859D06-D440-4495-BC38-4B0653417247}" presName="hierChild4" presStyleCnt="0"/>
+      <dgm:spPr/>
+    </dgm:pt>
+    <dgm:pt modelId="{36C55898-F9BD-4CF0-99A2-28DD2F3C66C5}" type="pres">
+      <dgm:prSet presAssocID="{6D859D06-D440-4495-BC38-4B0653417247}" presName="hierChild5" presStyleCnt="0"/>
+      <dgm:spPr/>
+    </dgm:pt>
+    <dgm:pt modelId="{F5935B02-3EAE-43D8-83D7-0568EA754FE3}" type="pres">
+      <dgm:prSet presAssocID="{DF2FF718-F2C1-46BD-B3D2-69C34DDD97AC}" presName="Name37" presStyleLbl="parChTrans1D3" presStyleIdx="1" presStyleCnt="9"/>
+      <dgm:spPr/>
+    </dgm:pt>
+    <dgm:pt modelId="{65098B79-47B8-45AD-84EC-59F788BDFBC1}" type="pres">
+      <dgm:prSet presAssocID="{AF9FAEE0-D707-4D4A-BC4E-B00284790C09}" presName="hierRoot2" presStyleCnt="0">
+        <dgm:presLayoutVars>
+          <dgm:hierBranch val="init"/>
+        </dgm:presLayoutVars>
+      </dgm:prSet>
+      <dgm:spPr/>
+    </dgm:pt>
+    <dgm:pt modelId="{B7D893E0-1D88-4382-B898-4989216383B2}" type="pres">
+      <dgm:prSet presAssocID="{AF9FAEE0-D707-4D4A-BC4E-B00284790C09}" presName="rootComposite" presStyleCnt="0"/>
+      <dgm:spPr/>
+    </dgm:pt>
+    <dgm:pt modelId="{AED2CD70-00FB-4D86-A988-A2B3331A944F}" type="pres">
+      <dgm:prSet presAssocID="{AF9FAEE0-D707-4D4A-BC4E-B00284790C09}" presName="rootText" presStyleLbl="node3" presStyleIdx="1" presStyleCnt="9" custLinFactNeighborX="-11737" custLinFactNeighborY="2608">
+        <dgm:presLayoutVars>
+          <dgm:chPref val="3"/>
+        </dgm:presLayoutVars>
+      </dgm:prSet>
+      <dgm:spPr/>
+    </dgm:pt>
+    <dgm:pt modelId="{7A248573-B914-4159-ACEE-81EFF21A290C}" type="pres">
+      <dgm:prSet presAssocID="{AF9FAEE0-D707-4D4A-BC4E-B00284790C09}" presName="rootConnector" presStyleLbl="node3" presStyleIdx="1" presStyleCnt="9"/>
+      <dgm:spPr/>
+    </dgm:pt>
+    <dgm:pt modelId="{DEA8D9E0-A8CA-48EF-A2A5-7B4EACBDC6EA}" type="pres">
+      <dgm:prSet presAssocID="{AF9FAEE0-D707-4D4A-BC4E-B00284790C09}" presName="hierChild4" presStyleCnt="0"/>
+      <dgm:spPr/>
+    </dgm:pt>
+    <dgm:pt modelId="{601F07B1-5063-4BCA-9450-53D749FA758F}" type="pres">
+      <dgm:prSet presAssocID="{AF9FAEE0-D707-4D4A-BC4E-B00284790C09}" presName="hierChild5" presStyleCnt="0"/>
+      <dgm:spPr/>
+    </dgm:pt>
+    <dgm:pt modelId="{83BFE1B7-4CFE-4414-B2E2-2937D4F9C17F}" type="pres">
+      <dgm:prSet presAssocID="{188D1000-0E2B-4CE9-B4EC-57DF98E5B370}" presName="Name37" presStyleLbl="parChTrans1D3" presStyleIdx="2" presStyleCnt="9"/>
+      <dgm:spPr/>
+    </dgm:pt>
+    <dgm:pt modelId="{459CC44D-C8B1-4635-A6BE-852CC0735C79}" type="pres">
+      <dgm:prSet presAssocID="{32A588C2-228D-4B26-9C8B-90CDFD0FC08B}" presName="hierRoot2" presStyleCnt="0">
+        <dgm:presLayoutVars>
+          <dgm:hierBranch val="init"/>
+        </dgm:presLayoutVars>
+      </dgm:prSet>
+      <dgm:spPr/>
+    </dgm:pt>
+    <dgm:pt modelId="{729F2795-3FC9-482D-A6E8-681E4BBC0F27}" type="pres">
+      <dgm:prSet presAssocID="{32A588C2-228D-4B26-9C8B-90CDFD0FC08B}" presName="rootComposite" presStyleCnt="0"/>
+      <dgm:spPr/>
+    </dgm:pt>
+    <dgm:pt modelId="{9C5E7AE7-E733-492C-8D9D-2B4E12574136}" type="pres">
+      <dgm:prSet presAssocID="{32A588C2-228D-4B26-9C8B-90CDFD0FC08B}" presName="rootText" presStyleLbl="node3" presStyleIdx="2" presStyleCnt="9" custLinFactNeighborX="-11737" custLinFactNeighborY="2608">
+        <dgm:presLayoutVars>
+          <dgm:chPref val="3"/>
+        </dgm:presLayoutVars>
+      </dgm:prSet>
+      <dgm:spPr/>
+    </dgm:pt>
+    <dgm:pt modelId="{6AB2AA11-CB4E-478D-B63B-A0BF5B893B44}" type="pres">
+      <dgm:prSet presAssocID="{32A588C2-228D-4B26-9C8B-90CDFD0FC08B}" presName="rootConnector" presStyleLbl="node3" presStyleIdx="2" presStyleCnt="9"/>
+      <dgm:spPr/>
+    </dgm:pt>
+    <dgm:pt modelId="{CB7BB7FB-F6D9-464D-8147-B1D785A2A656}" type="pres">
+      <dgm:prSet presAssocID="{32A588C2-228D-4B26-9C8B-90CDFD0FC08B}" presName="hierChild4" presStyleCnt="0"/>
+      <dgm:spPr/>
+    </dgm:pt>
+    <dgm:pt modelId="{7D98686E-4B2F-406D-9145-91C4756133B1}" type="pres">
+      <dgm:prSet presAssocID="{32A588C2-228D-4B26-9C8B-90CDFD0FC08B}" presName="hierChild5" presStyleCnt="0"/>
+      <dgm:spPr/>
+    </dgm:pt>
     <dgm:pt modelId="{AFF660C7-7594-4A5C-9B19-EA55042202B5}" type="pres">
       <dgm:prSet presAssocID="{D0D5EBBE-C984-451E-A77C-06635B96115A}" presName="hierChild5" presStyleCnt="0"/>
       <dgm:spPr/>
     </dgm:pt>
     <dgm:pt modelId="{A3C064E1-EB83-4A90-BC9B-363A4369B1D9}" type="pres">
-      <dgm:prSet presAssocID="{AE15057E-D275-4CBA-BBDA-7AFB5273F6D0}" presName="Name37" presStyleLbl="parChTrans1D2" presStyleIdx="1" presStyleCnt="6"/>
-      <dgm:spPr/>
-      <dgm:t>
-        <a:bodyPr/>
-        <a:lstStyle/>
-        <a:p>
-          <a:endParaRPr lang="pt-PT"/>
-        </a:p>
-      </dgm:t>
+      <dgm:prSet presAssocID="{AE15057E-D275-4CBA-BBDA-7AFB5273F6D0}" presName="Name37" presStyleLbl="parChTrans1D2" presStyleIdx="1" presStyleCnt="5"/>
+      <dgm:spPr/>
     </dgm:pt>
     <dgm:pt modelId="{5F49EB11-AF2A-43A7-A5F6-C818A93333A4}" type="pres">
       <dgm:prSet presAssocID="{DEB3A288-72B2-4CE3-BA0E-2385DCEA1166}" presName="hierRoot2" presStyleCnt="0">
@@ -2921,30 +3134,16 @@
       <dgm:spPr/>
     </dgm:pt>
     <dgm:pt modelId="{3DCFB508-F20D-419B-97A2-A0EA8AAE62B8}" type="pres">
-      <dgm:prSet presAssocID="{DEB3A288-72B2-4CE3-BA0E-2385DCEA1166}" presName="rootText" presStyleLbl="node2" presStyleIdx="1" presStyleCnt="6">
+      <dgm:prSet presAssocID="{DEB3A288-72B2-4CE3-BA0E-2385DCEA1166}" presName="rootText" presStyleLbl="node2" presStyleIdx="1" presStyleCnt="5">
         <dgm:presLayoutVars>
           <dgm:chPref val="3"/>
         </dgm:presLayoutVars>
       </dgm:prSet>
       <dgm:spPr/>
-      <dgm:t>
-        <a:bodyPr/>
-        <a:lstStyle/>
-        <a:p>
-          <a:endParaRPr lang="pt-PT"/>
-        </a:p>
-      </dgm:t>
     </dgm:pt>
     <dgm:pt modelId="{D1586E0D-5339-4871-B373-DE07F6A4B31A}" type="pres">
-      <dgm:prSet presAssocID="{DEB3A288-72B2-4CE3-BA0E-2385DCEA1166}" presName="rootConnector" presStyleLbl="node2" presStyleIdx="1" presStyleCnt="6"/>
-      <dgm:spPr/>
-      <dgm:t>
-        <a:bodyPr/>
-        <a:lstStyle/>
-        <a:p>
-          <a:endParaRPr lang="pt-PT"/>
-        </a:p>
-      </dgm:t>
+      <dgm:prSet presAssocID="{DEB3A288-72B2-4CE3-BA0E-2385DCEA1166}" presName="rootConnector" presStyleLbl="node2" presStyleIdx="1" presStyleCnt="5"/>
+      <dgm:spPr/>
     </dgm:pt>
     <dgm:pt modelId="{1E188EC2-DBC6-4C65-BECE-BD2803FEF22A}" type="pres">
       <dgm:prSet presAssocID="{DEB3A288-72B2-4CE3-BA0E-2385DCEA1166}" presName="hierChild4" presStyleCnt="0"/>
@@ -2955,15 +3154,8 @@
       <dgm:spPr/>
     </dgm:pt>
     <dgm:pt modelId="{075DE7FD-AB6D-45A1-88B5-F6DE55537A5C}" type="pres">
-      <dgm:prSet presAssocID="{1F891C72-4331-4225-9131-EE90A5156BCC}" presName="Name37" presStyleLbl="parChTrans1D2" presStyleIdx="2" presStyleCnt="6"/>
-      <dgm:spPr/>
-      <dgm:t>
-        <a:bodyPr/>
-        <a:lstStyle/>
-        <a:p>
-          <a:endParaRPr lang="pt-PT"/>
-        </a:p>
-      </dgm:t>
+      <dgm:prSet presAssocID="{1F891C72-4331-4225-9131-EE90A5156BCC}" presName="Name37" presStyleLbl="parChTrans1D2" presStyleIdx="2" presStyleCnt="5"/>
+      <dgm:spPr/>
     </dgm:pt>
     <dgm:pt modelId="{9D85BD58-234E-4F80-9935-D3C313D0B352}" type="pres">
       <dgm:prSet presAssocID="{3E7D5DE8-38A7-4D01-B3B1-C41B904AFB24}" presName="hierRoot2" presStyleCnt="0">
@@ -2978,49 +3170,244 @@
       <dgm:spPr/>
     </dgm:pt>
     <dgm:pt modelId="{D0C42A0A-227F-498C-9217-1F2A4E39F4AC}" type="pres">
-      <dgm:prSet presAssocID="{3E7D5DE8-38A7-4D01-B3B1-C41B904AFB24}" presName="rootText" presStyleLbl="node2" presStyleIdx="2" presStyleCnt="6">
+      <dgm:prSet presAssocID="{3E7D5DE8-38A7-4D01-B3B1-C41B904AFB24}" presName="rootText" presStyleLbl="node2" presStyleIdx="2" presStyleCnt="5">
         <dgm:presLayoutVars>
           <dgm:chPref val="3"/>
         </dgm:presLayoutVars>
       </dgm:prSet>
       <dgm:spPr/>
-      <dgm:t>
-        <a:bodyPr/>
-        <a:lstStyle/>
-        <a:p>
-          <a:endParaRPr lang="pt-PT"/>
-        </a:p>
-      </dgm:t>
     </dgm:pt>
     <dgm:pt modelId="{D47F8C64-7351-47DD-ABB9-3A4D5CE04EBC}" type="pres">
-      <dgm:prSet presAssocID="{3E7D5DE8-38A7-4D01-B3B1-C41B904AFB24}" presName="rootConnector" presStyleLbl="node2" presStyleIdx="2" presStyleCnt="6"/>
-      <dgm:spPr/>
-      <dgm:t>
-        <a:bodyPr/>
-        <a:lstStyle/>
-        <a:p>
-          <a:endParaRPr lang="pt-PT"/>
-        </a:p>
-      </dgm:t>
+      <dgm:prSet presAssocID="{3E7D5DE8-38A7-4D01-B3B1-C41B904AFB24}" presName="rootConnector" presStyleLbl="node2" presStyleIdx="2" presStyleCnt="5"/>
+      <dgm:spPr/>
     </dgm:pt>
     <dgm:pt modelId="{0EB07231-3CA0-42A8-AE42-EFF984FC9A65}" type="pres">
       <dgm:prSet presAssocID="{3E7D5DE8-38A7-4D01-B3B1-C41B904AFB24}" presName="hierChild4" presStyleCnt="0"/>
       <dgm:spPr/>
     </dgm:pt>
+    <dgm:pt modelId="{A148AF3D-8225-4C90-9973-D39067016BF1}" type="pres">
+      <dgm:prSet presAssocID="{5A94BF89-F459-4076-B825-3EF69867B9E6}" presName="Name37" presStyleLbl="parChTrans1D3" presStyleIdx="3" presStyleCnt="9"/>
+      <dgm:spPr/>
+    </dgm:pt>
+    <dgm:pt modelId="{0ACF801A-7B48-49C3-8A6E-CA4C0C45AF98}" type="pres">
+      <dgm:prSet presAssocID="{C4E9236B-D5FB-402F-9C08-8917C5806671}" presName="hierRoot2" presStyleCnt="0">
+        <dgm:presLayoutVars>
+          <dgm:hierBranch val="init"/>
+        </dgm:presLayoutVars>
+      </dgm:prSet>
+      <dgm:spPr/>
+    </dgm:pt>
+    <dgm:pt modelId="{40E4F4C8-F940-4406-A70A-5688CE993E72}" type="pres">
+      <dgm:prSet presAssocID="{C4E9236B-D5FB-402F-9C08-8917C5806671}" presName="rootComposite" presStyleCnt="0"/>
+      <dgm:spPr/>
+    </dgm:pt>
+    <dgm:pt modelId="{426BD5C4-6298-4765-92B5-5BE6F449DD28}" type="pres">
+      <dgm:prSet presAssocID="{C4E9236B-D5FB-402F-9C08-8917C5806671}" presName="rootText" presStyleLbl="node3" presStyleIdx="3" presStyleCnt="9" custScaleX="82877" custScaleY="56225">
+        <dgm:presLayoutVars>
+          <dgm:chPref val="3"/>
+        </dgm:presLayoutVars>
+      </dgm:prSet>
+      <dgm:spPr/>
+    </dgm:pt>
+    <dgm:pt modelId="{1A4D12E3-2EEF-4745-BCD2-3B9AFD0CBE3F}" type="pres">
+      <dgm:prSet presAssocID="{C4E9236B-D5FB-402F-9C08-8917C5806671}" presName="rootConnector" presStyleLbl="node3" presStyleIdx="3" presStyleCnt="9"/>
+      <dgm:spPr/>
+    </dgm:pt>
+    <dgm:pt modelId="{691979FA-4AA7-499E-96E3-2630F7706F7C}" type="pres">
+      <dgm:prSet presAssocID="{C4E9236B-D5FB-402F-9C08-8917C5806671}" presName="hierChild4" presStyleCnt="0"/>
+      <dgm:spPr/>
+    </dgm:pt>
+    <dgm:pt modelId="{B2195A48-A994-49B7-AD2C-C016D6FF4D55}" type="pres">
+      <dgm:prSet presAssocID="{C4E9236B-D5FB-402F-9C08-8917C5806671}" presName="hierChild5" presStyleCnt="0"/>
+      <dgm:spPr/>
+    </dgm:pt>
+    <dgm:pt modelId="{DE72DF6E-144C-454B-9565-EC52D8FB4D37}" type="pres">
+      <dgm:prSet presAssocID="{04B442D8-6F45-4C79-8A4C-6886FDE02F97}" presName="Name37" presStyleLbl="parChTrans1D3" presStyleIdx="4" presStyleCnt="9"/>
+      <dgm:spPr/>
+    </dgm:pt>
+    <dgm:pt modelId="{BB759B9C-E166-4318-8783-39AF6A31B605}" type="pres">
+      <dgm:prSet presAssocID="{C5D14313-4718-4BA4-8034-5E4E2ACBCC70}" presName="hierRoot2" presStyleCnt="0">
+        <dgm:presLayoutVars>
+          <dgm:hierBranch val="init"/>
+        </dgm:presLayoutVars>
+      </dgm:prSet>
+      <dgm:spPr/>
+    </dgm:pt>
+    <dgm:pt modelId="{BCEFBE32-E840-4B19-88F0-92A0A913E41C}" type="pres">
+      <dgm:prSet presAssocID="{C5D14313-4718-4BA4-8034-5E4E2ACBCC70}" presName="rootComposite" presStyleCnt="0"/>
+      <dgm:spPr/>
+    </dgm:pt>
+    <dgm:pt modelId="{425B22CD-323F-4E0B-BEA0-EC7E00D9ABF2}" type="pres">
+      <dgm:prSet presAssocID="{C5D14313-4718-4BA4-8034-5E4E2ACBCC70}" presName="rootText" presStyleLbl="node3" presStyleIdx="4" presStyleCnt="9" custScaleX="82877" custScaleY="56225">
+        <dgm:presLayoutVars>
+          <dgm:chPref val="3"/>
+        </dgm:presLayoutVars>
+      </dgm:prSet>
+      <dgm:spPr/>
+    </dgm:pt>
+    <dgm:pt modelId="{CFB84857-AF84-4F8B-907E-44B005282350}" type="pres">
+      <dgm:prSet presAssocID="{C5D14313-4718-4BA4-8034-5E4E2ACBCC70}" presName="rootConnector" presStyleLbl="node3" presStyleIdx="4" presStyleCnt="9"/>
+      <dgm:spPr/>
+    </dgm:pt>
+    <dgm:pt modelId="{555F9CE5-6B4F-41EE-A503-E2A482DE4442}" type="pres">
+      <dgm:prSet presAssocID="{C5D14313-4718-4BA4-8034-5E4E2ACBCC70}" presName="hierChild4" presStyleCnt="0"/>
+      <dgm:spPr/>
+    </dgm:pt>
+    <dgm:pt modelId="{C3278657-5DCC-4AAB-B407-739B9E618D69}" type="pres">
+      <dgm:prSet presAssocID="{C5D14313-4718-4BA4-8034-5E4E2ACBCC70}" presName="hierChild5" presStyleCnt="0"/>
+      <dgm:spPr/>
+    </dgm:pt>
+    <dgm:pt modelId="{FB0D67E1-4705-4C5A-A8BE-E373C4C7F8DC}" type="pres">
+      <dgm:prSet presAssocID="{D81EE60C-1689-4013-8B94-71E45948E61C}" presName="Name37" presStyleLbl="parChTrans1D3" presStyleIdx="5" presStyleCnt="9"/>
+      <dgm:spPr/>
+    </dgm:pt>
+    <dgm:pt modelId="{12F69B15-CF2E-40D3-8957-9480010322BC}" type="pres">
+      <dgm:prSet presAssocID="{9CF9D14A-D997-48A5-ACA0-BD0A85F323A1}" presName="hierRoot2" presStyleCnt="0">
+        <dgm:presLayoutVars>
+          <dgm:hierBranch val="init"/>
+        </dgm:presLayoutVars>
+      </dgm:prSet>
+      <dgm:spPr/>
+    </dgm:pt>
+    <dgm:pt modelId="{00B0645B-7068-4CF2-86BC-E71D677EED41}" type="pres">
+      <dgm:prSet presAssocID="{9CF9D14A-D997-48A5-ACA0-BD0A85F323A1}" presName="rootComposite" presStyleCnt="0"/>
+      <dgm:spPr/>
+    </dgm:pt>
+    <dgm:pt modelId="{AB7ECE86-F423-469A-804C-9E0A6711CE75}" type="pres">
+      <dgm:prSet presAssocID="{9CF9D14A-D997-48A5-ACA0-BD0A85F323A1}" presName="rootText" presStyleLbl="node3" presStyleIdx="5" presStyleCnt="9" custScaleX="82877" custScaleY="56225">
+        <dgm:presLayoutVars>
+          <dgm:chPref val="3"/>
+        </dgm:presLayoutVars>
+      </dgm:prSet>
+      <dgm:spPr/>
+    </dgm:pt>
+    <dgm:pt modelId="{37F9F289-47AC-4257-A31F-E2E8F2183DC3}" type="pres">
+      <dgm:prSet presAssocID="{9CF9D14A-D997-48A5-ACA0-BD0A85F323A1}" presName="rootConnector" presStyleLbl="node3" presStyleIdx="5" presStyleCnt="9"/>
+      <dgm:spPr/>
+    </dgm:pt>
+    <dgm:pt modelId="{0756DBE1-0E1B-4509-A40C-2596EFA974BD}" type="pres">
+      <dgm:prSet presAssocID="{9CF9D14A-D997-48A5-ACA0-BD0A85F323A1}" presName="hierChild4" presStyleCnt="0"/>
+      <dgm:spPr/>
+    </dgm:pt>
+    <dgm:pt modelId="{2CC3C5A6-212A-406C-A47B-1E4C5C93C0F1}" type="pres">
+      <dgm:prSet presAssocID="{9CF9D14A-D997-48A5-ACA0-BD0A85F323A1}" presName="hierChild5" presStyleCnt="0"/>
+      <dgm:spPr/>
+    </dgm:pt>
+    <dgm:pt modelId="{6BB70260-FBF6-4FD9-8B99-A7ECE1F53A39}" type="pres">
+      <dgm:prSet presAssocID="{C206CBEC-A310-48C5-A1E3-51069AAB7E06}" presName="Name37" presStyleLbl="parChTrans1D3" presStyleIdx="6" presStyleCnt="9"/>
+      <dgm:spPr/>
+    </dgm:pt>
+    <dgm:pt modelId="{CB8079F8-3BBB-455B-A366-62293B5B4128}" type="pres">
+      <dgm:prSet presAssocID="{FEF5EF31-1DF3-4F02-8BF5-0FAA9FBF05DF}" presName="hierRoot2" presStyleCnt="0">
+        <dgm:presLayoutVars>
+          <dgm:hierBranch val="init"/>
+        </dgm:presLayoutVars>
+      </dgm:prSet>
+      <dgm:spPr/>
+    </dgm:pt>
+    <dgm:pt modelId="{20A941C0-6B5C-4306-BB47-C60AB75805F0}" type="pres">
+      <dgm:prSet presAssocID="{FEF5EF31-1DF3-4F02-8BF5-0FAA9FBF05DF}" presName="rootComposite" presStyleCnt="0"/>
+      <dgm:spPr/>
+    </dgm:pt>
+    <dgm:pt modelId="{51735A62-65C8-4B72-BC21-EC0033831CB7}" type="pres">
+      <dgm:prSet presAssocID="{FEF5EF31-1DF3-4F02-8BF5-0FAA9FBF05DF}" presName="rootText" presStyleLbl="node3" presStyleIdx="6" presStyleCnt="9" custScaleX="82877" custScaleY="56225">
+        <dgm:presLayoutVars>
+          <dgm:chPref val="3"/>
+        </dgm:presLayoutVars>
+      </dgm:prSet>
+      <dgm:spPr/>
+    </dgm:pt>
+    <dgm:pt modelId="{29C82EC9-E8DF-43E5-AE26-7FE69F2FE8E3}" type="pres">
+      <dgm:prSet presAssocID="{FEF5EF31-1DF3-4F02-8BF5-0FAA9FBF05DF}" presName="rootConnector" presStyleLbl="node3" presStyleIdx="6" presStyleCnt="9"/>
+      <dgm:spPr/>
+    </dgm:pt>
+    <dgm:pt modelId="{0226FF58-35DD-44DA-8330-812BB9861BAB}" type="pres">
+      <dgm:prSet presAssocID="{FEF5EF31-1DF3-4F02-8BF5-0FAA9FBF05DF}" presName="hierChild4" presStyleCnt="0"/>
+      <dgm:spPr/>
+    </dgm:pt>
+    <dgm:pt modelId="{A95144A9-7340-441E-82FD-F72E1E4F2FC1}" type="pres">
+      <dgm:prSet presAssocID="{FEF5EF31-1DF3-4F02-8BF5-0FAA9FBF05DF}" presName="hierChild5" presStyleCnt="0"/>
+      <dgm:spPr/>
+    </dgm:pt>
+    <dgm:pt modelId="{1BF37D4C-6B8D-491C-BFA6-EF055187F912}" type="pres">
+      <dgm:prSet presAssocID="{AE6AB92A-B651-446C-B90D-191341024DCA}" presName="Name37" presStyleLbl="parChTrans1D3" presStyleIdx="7" presStyleCnt="9"/>
+      <dgm:spPr/>
+    </dgm:pt>
+    <dgm:pt modelId="{86602689-6C9B-46AE-9978-4661220F57E8}" type="pres">
+      <dgm:prSet presAssocID="{2FF04469-EC18-4DEF-9211-026033421D7F}" presName="hierRoot2" presStyleCnt="0">
+        <dgm:presLayoutVars>
+          <dgm:hierBranch val="init"/>
+        </dgm:presLayoutVars>
+      </dgm:prSet>
+      <dgm:spPr/>
+    </dgm:pt>
+    <dgm:pt modelId="{8113BA05-6646-49AD-88B0-3E36D247C6C9}" type="pres">
+      <dgm:prSet presAssocID="{2FF04469-EC18-4DEF-9211-026033421D7F}" presName="rootComposite" presStyleCnt="0"/>
+      <dgm:spPr/>
+    </dgm:pt>
+    <dgm:pt modelId="{BCC10AE4-DC99-4EA0-B027-3C11C8AFFA0B}" type="pres">
+      <dgm:prSet presAssocID="{2FF04469-EC18-4DEF-9211-026033421D7F}" presName="rootText" presStyleLbl="node3" presStyleIdx="7" presStyleCnt="9" custScaleX="82877" custScaleY="56225">
+        <dgm:presLayoutVars>
+          <dgm:chPref val="3"/>
+        </dgm:presLayoutVars>
+      </dgm:prSet>
+      <dgm:spPr/>
+    </dgm:pt>
+    <dgm:pt modelId="{98EBC135-7D61-4607-8673-88321824B19A}" type="pres">
+      <dgm:prSet presAssocID="{2FF04469-EC18-4DEF-9211-026033421D7F}" presName="rootConnector" presStyleLbl="node3" presStyleIdx="7" presStyleCnt="9"/>
+      <dgm:spPr/>
+    </dgm:pt>
+    <dgm:pt modelId="{39D676ED-D687-45A8-BAE2-452B3A691EB1}" type="pres">
+      <dgm:prSet presAssocID="{2FF04469-EC18-4DEF-9211-026033421D7F}" presName="hierChild4" presStyleCnt="0"/>
+      <dgm:spPr/>
+    </dgm:pt>
+    <dgm:pt modelId="{C7E5117E-BF0C-4A61-8073-5E57B6BE8C3F}" type="pres">
+      <dgm:prSet presAssocID="{2FF04469-EC18-4DEF-9211-026033421D7F}" presName="hierChild5" presStyleCnt="0"/>
+      <dgm:spPr/>
+    </dgm:pt>
+    <dgm:pt modelId="{00416E62-FBAF-4AA7-AE51-74C6003471F9}" type="pres">
+      <dgm:prSet presAssocID="{ADCBE1B0-B6AB-4350-9FC6-856DD57E9562}" presName="Name37" presStyleLbl="parChTrans1D3" presStyleIdx="8" presStyleCnt="9"/>
+      <dgm:spPr/>
+    </dgm:pt>
+    <dgm:pt modelId="{63B03767-680D-4D62-96A6-23F74154861A}" type="pres">
+      <dgm:prSet presAssocID="{210B0EF3-C281-4060-A271-E34BD8547342}" presName="hierRoot2" presStyleCnt="0">
+        <dgm:presLayoutVars>
+          <dgm:hierBranch val="init"/>
+        </dgm:presLayoutVars>
+      </dgm:prSet>
+      <dgm:spPr/>
+    </dgm:pt>
+    <dgm:pt modelId="{49735B28-1F9C-4BE5-847A-BC143641476E}" type="pres">
+      <dgm:prSet presAssocID="{210B0EF3-C281-4060-A271-E34BD8547342}" presName="rootComposite" presStyleCnt="0"/>
+      <dgm:spPr/>
+    </dgm:pt>
+    <dgm:pt modelId="{F75D6229-E722-4C5A-8752-308DFF186597}" type="pres">
+      <dgm:prSet presAssocID="{210B0EF3-C281-4060-A271-E34BD8547342}" presName="rootText" presStyleLbl="node3" presStyleIdx="8" presStyleCnt="9" custScaleX="82877" custScaleY="56225">
+        <dgm:presLayoutVars>
+          <dgm:chPref val="3"/>
+        </dgm:presLayoutVars>
+      </dgm:prSet>
+      <dgm:spPr/>
+    </dgm:pt>
+    <dgm:pt modelId="{D84F31A6-8A16-490F-B798-6B1CCC52D4CD}" type="pres">
+      <dgm:prSet presAssocID="{210B0EF3-C281-4060-A271-E34BD8547342}" presName="rootConnector" presStyleLbl="node3" presStyleIdx="8" presStyleCnt="9"/>
+      <dgm:spPr/>
+    </dgm:pt>
+    <dgm:pt modelId="{B7DCC22D-685E-4B67-91EC-8CA4B10F28F1}" type="pres">
+      <dgm:prSet presAssocID="{210B0EF3-C281-4060-A271-E34BD8547342}" presName="hierChild4" presStyleCnt="0"/>
+      <dgm:spPr/>
+    </dgm:pt>
+    <dgm:pt modelId="{6AF3560C-5408-4952-8A6A-679FB0CCDFD1}" type="pres">
+      <dgm:prSet presAssocID="{210B0EF3-C281-4060-A271-E34BD8547342}" presName="hierChild5" presStyleCnt="0"/>
+      <dgm:spPr/>
+    </dgm:pt>
     <dgm:pt modelId="{9CDF5DD1-7548-4624-9C39-EA2F57F03E6C}" type="pres">
       <dgm:prSet presAssocID="{3E7D5DE8-38A7-4D01-B3B1-C41B904AFB24}" presName="hierChild5" presStyleCnt="0"/>
       <dgm:spPr/>
     </dgm:pt>
     <dgm:pt modelId="{1FD30025-BE06-4C8D-8024-6353A3A86C64}" type="pres">
-      <dgm:prSet presAssocID="{06A4DF89-C148-4CB0-BC1C-719E15C3A380}" presName="Name37" presStyleLbl="parChTrans1D2" presStyleIdx="3" presStyleCnt="6"/>
-      <dgm:spPr/>
-      <dgm:t>
-        <a:bodyPr/>
-        <a:lstStyle/>
-        <a:p>
-          <a:endParaRPr lang="pt-PT"/>
-        </a:p>
-      </dgm:t>
+      <dgm:prSet presAssocID="{06A4DF89-C148-4CB0-BC1C-719E15C3A380}" presName="Name37" presStyleLbl="parChTrans1D2" presStyleIdx="3" presStyleCnt="5"/>
+      <dgm:spPr/>
     </dgm:pt>
     <dgm:pt modelId="{031ED071-E8F0-4ADE-BB27-DE25D6F99C8E}" type="pres">
       <dgm:prSet presAssocID="{CFC8A77C-E037-4F39-89BC-7C46B2FFF6C3}" presName="hierRoot2" presStyleCnt="0">
@@ -3035,30 +3422,16 @@
       <dgm:spPr/>
     </dgm:pt>
     <dgm:pt modelId="{B512DCC2-F8AD-4A88-8224-BF794CC14E60}" type="pres">
-      <dgm:prSet presAssocID="{CFC8A77C-E037-4F39-89BC-7C46B2FFF6C3}" presName="rootText" presStyleLbl="node2" presStyleIdx="3" presStyleCnt="6">
+      <dgm:prSet presAssocID="{CFC8A77C-E037-4F39-89BC-7C46B2FFF6C3}" presName="rootText" presStyleLbl="node2" presStyleIdx="3" presStyleCnt="5">
         <dgm:presLayoutVars>
           <dgm:chPref val="3"/>
         </dgm:presLayoutVars>
       </dgm:prSet>
       <dgm:spPr/>
-      <dgm:t>
-        <a:bodyPr/>
-        <a:lstStyle/>
-        <a:p>
-          <a:endParaRPr lang="pt-PT"/>
-        </a:p>
-      </dgm:t>
     </dgm:pt>
     <dgm:pt modelId="{C385DBD7-122C-4C76-95AA-F0EDDD576213}" type="pres">
-      <dgm:prSet presAssocID="{CFC8A77C-E037-4F39-89BC-7C46B2FFF6C3}" presName="rootConnector" presStyleLbl="node2" presStyleIdx="3" presStyleCnt="6"/>
-      <dgm:spPr/>
-      <dgm:t>
-        <a:bodyPr/>
-        <a:lstStyle/>
-        <a:p>
-          <a:endParaRPr lang="pt-PT"/>
-        </a:p>
-      </dgm:t>
+      <dgm:prSet presAssocID="{CFC8A77C-E037-4F39-89BC-7C46B2FFF6C3}" presName="rootConnector" presStyleLbl="node2" presStyleIdx="3" presStyleCnt="5"/>
+      <dgm:spPr/>
     </dgm:pt>
     <dgm:pt modelId="{DE86AFEF-E43B-4AD5-AF14-454FCFC84E45}" type="pres">
       <dgm:prSet presAssocID="{CFC8A77C-E037-4F39-89BC-7C46B2FFF6C3}" presName="hierChild4" presStyleCnt="0"/>
@@ -3069,15 +3442,8 @@
       <dgm:spPr/>
     </dgm:pt>
     <dgm:pt modelId="{87BE5EB3-DB60-4F74-8CAB-579081070155}" type="pres">
-      <dgm:prSet presAssocID="{77057196-36D4-4297-8DBE-9DF4DC99769E}" presName="Name37" presStyleLbl="parChTrans1D2" presStyleIdx="4" presStyleCnt="6"/>
-      <dgm:spPr/>
-      <dgm:t>
-        <a:bodyPr/>
-        <a:lstStyle/>
-        <a:p>
-          <a:endParaRPr lang="pt-PT"/>
-        </a:p>
-      </dgm:t>
+      <dgm:prSet presAssocID="{77057196-36D4-4297-8DBE-9DF4DC99769E}" presName="Name37" presStyleLbl="parChTrans1D2" presStyleIdx="4" presStyleCnt="5"/>
+      <dgm:spPr/>
     </dgm:pt>
     <dgm:pt modelId="{B70BC062-C551-4FA6-AA0B-24CA90B943F5}" type="pres">
       <dgm:prSet presAssocID="{6BCCACC8-297A-434B-B4C0-CBF55E8A799D}" presName="hierRoot2" presStyleCnt="0">
@@ -3092,30 +3458,16 @@
       <dgm:spPr/>
     </dgm:pt>
     <dgm:pt modelId="{8659CC59-2E2C-408C-A138-42297FB1F7FC}" type="pres">
-      <dgm:prSet presAssocID="{6BCCACC8-297A-434B-B4C0-CBF55E8A799D}" presName="rootText" presStyleLbl="node2" presStyleIdx="4" presStyleCnt="6">
+      <dgm:prSet presAssocID="{6BCCACC8-297A-434B-B4C0-CBF55E8A799D}" presName="rootText" presStyleLbl="node2" presStyleIdx="4" presStyleCnt="5">
         <dgm:presLayoutVars>
           <dgm:chPref val="3"/>
         </dgm:presLayoutVars>
       </dgm:prSet>
       <dgm:spPr/>
-      <dgm:t>
-        <a:bodyPr/>
-        <a:lstStyle/>
-        <a:p>
-          <a:endParaRPr lang="pt-PT"/>
-        </a:p>
-      </dgm:t>
     </dgm:pt>
     <dgm:pt modelId="{695C9D34-95FC-428F-873D-B6282BE96811}" type="pres">
-      <dgm:prSet presAssocID="{6BCCACC8-297A-434B-B4C0-CBF55E8A799D}" presName="rootConnector" presStyleLbl="node2" presStyleIdx="4" presStyleCnt="6"/>
-      <dgm:spPr/>
-      <dgm:t>
-        <a:bodyPr/>
-        <a:lstStyle/>
-        <a:p>
-          <a:endParaRPr lang="pt-PT"/>
-        </a:p>
-      </dgm:t>
+      <dgm:prSet presAssocID="{6BCCACC8-297A-434B-B4C0-CBF55E8A799D}" presName="rootConnector" presStyleLbl="node2" presStyleIdx="4" presStyleCnt="5"/>
+      <dgm:spPr/>
     </dgm:pt>
     <dgm:pt modelId="{C932BF2B-95E7-43ED-B8E1-90412F9C1BE7}" type="pres">
       <dgm:prSet presAssocID="{6BCCACC8-297A-434B-B4C0-CBF55E8A799D}" presName="hierChild4" presStyleCnt="0"/>
@@ -3125,97 +3477,72 @@
       <dgm:prSet presAssocID="{6BCCACC8-297A-434B-B4C0-CBF55E8A799D}" presName="hierChild5" presStyleCnt="0"/>
       <dgm:spPr/>
     </dgm:pt>
-    <dgm:pt modelId="{F67550F7-432C-48D7-8A48-619DCE27301E}" type="pres">
-      <dgm:prSet presAssocID="{F147F672-E447-4955-8CC9-5032D36A8B49}" presName="Name37" presStyleLbl="parChTrans1D2" presStyleIdx="5" presStyleCnt="6"/>
-      <dgm:spPr/>
-      <dgm:t>
-        <a:bodyPr/>
-        <a:lstStyle/>
-        <a:p>
-          <a:endParaRPr lang="pt-PT"/>
-        </a:p>
-      </dgm:t>
-    </dgm:pt>
-    <dgm:pt modelId="{5A447CFF-59F3-4408-95EC-27E2E20BD354}" type="pres">
-      <dgm:prSet presAssocID="{E7C64FD9-0C4A-4F3B-931A-AB7EFC3F18D6}" presName="hierRoot2" presStyleCnt="0">
-        <dgm:presLayoutVars>
-          <dgm:hierBranch val="init"/>
-        </dgm:presLayoutVars>
-      </dgm:prSet>
-      <dgm:spPr/>
-    </dgm:pt>
-    <dgm:pt modelId="{DBDEEE96-7218-4D42-A8BF-95D7ED5E859E}" type="pres">
-      <dgm:prSet presAssocID="{E7C64FD9-0C4A-4F3B-931A-AB7EFC3F18D6}" presName="rootComposite" presStyleCnt="0"/>
-      <dgm:spPr/>
-    </dgm:pt>
-    <dgm:pt modelId="{67726964-64F7-4568-A550-A3840E89588B}" type="pres">
-      <dgm:prSet presAssocID="{E7C64FD9-0C4A-4F3B-931A-AB7EFC3F18D6}" presName="rootText" presStyleLbl="node2" presStyleIdx="5" presStyleCnt="6">
-        <dgm:presLayoutVars>
-          <dgm:chPref val="3"/>
-        </dgm:presLayoutVars>
-      </dgm:prSet>
-      <dgm:spPr/>
-      <dgm:t>
-        <a:bodyPr/>
-        <a:lstStyle/>
-        <a:p>
-          <a:endParaRPr lang="pt-PT"/>
-        </a:p>
-      </dgm:t>
-    </dgm:pt>
-    <dgm:pt modelId="{E7DC8D2E-72AE-4E2C-8784-7C0B34907F59}" type="pres">
-      <dgm:prSet presAssocID="{E7C64FD9-0C4A-4F3B-931A-AB7EFC3F18D6}" presName="rootConnector" presStyleLbl="node2" presStyleIdx="5" presStyleCnt="6"/>
-      <dgm:spPr/>
-      <dgm:t>
-        <a:bodyPr/>
-        <a:lstStyle/>
-        <a:p>
-          <a:endParaRPr lang="pt-PT"/>
-        </a:p>
-      </dgm:t>
-    </dgm:pt>
-    <dgm:pt modelId="{7949B886-9FD6-41C3-A2D3-C7783F0882CF}" type="pres">
-      <dgm:prSet presAssocID="{E7C64FD9-0C4A-4F3B-931A-AB7EFC3F18D6}" presName="hierChild4" presStyleCnt="0"/>
-      <dgm:spPr/>
-    </dgm:pt>
-    <dgm:pt modelId="{B3167347-D14B-4E07-9993-438ED309F15C}" type="pres">
-      <dgm:prSet presAssocID="{E7C64FD9-0C4A-4F3B-931A-AB7EFC3F18D6}" presName="hierChild5" presStyleCnt="0"/>
-      <dgm:spPr/>
-    </dgm:pt>
     <dgm:pt modelId="{3D40944F-8A35-4936-92F9-98E4EA2A46EE}" type="pres">
       <dgm:prSet presAssocID="{EFF00522-C837-4800-9089-09C6786FA139}" presName="hierChild3" presStyleCnt="0"/>
       <dgm:spPr/>
     </dgm:pt>
   </dgm:ptLst>
   <dgm:cxnLst>
+    <dgm:cxn modelId="{40EC0804-C307-4224-887C-7B85E0BC7A88}" type="presOf" srcId="{9CF9D14A-D997-48A5-ACA0-BD0A85F323A1}" destId="{AB7ECE86-F423-469A-804C-9E0A6711CE75}" srcOrd="0" destOrd="0" presId="urn:microsoft.com/office/officeart/2005/8/layout/orgChart1"/>
+    <dgm:cxn modelId="{BA7D9214-91C9-43C5-930D-8662E2D96E9F}" srcId="{D0D5EBBE-C984-451E-A77C-06635B96115A}" destId="{AF9FAEE0-D707-4D4A-BC4E-B00284790C09}" srcOrd="1" destOrd="0" parTransId="{DF2FF718-F2C1-46BD-B3D2-69C34DDD97AC}" sibTransId="{9F96BC34-2F99-4857-9537-755790E34536}"/>
+    <dgm:cxn modelId="{3F49F218-3AFF-4BEE-8EF8-270B7EC43323}" type="presOf" srcId="{32A588C2-228D-4B26-9C8B-90CDFD0FC08B}" destId="{6AB2AA11-CB4E-478D-B63B-A0BF5B893B44}" srcOrd="1" destOrd="0" presId="urn:microsoft.com/office/officeart/2005/8/layout/orgChart1"/>
+    <dgm:cxn modelId="{F198A21A-96EA-4C82-8C87-6F04C547BD34}" type="presOf" srcId="{C206CBEC-A310-48C5-A1E3-51069AAB7E06}" destId="{6BB70260-FBF6-4FD9-8B99-A7ECE1F53A39}" srcOrd="0" destOrd="0" presId="urn:microsoft.com/office/officeart/2005/8/layout/orgChart1"/>
+    <dgm:cxn modelId="{5BE6D81B-EDEC-41FC-9BAD-FD0335C8F068}" type="presOf" srcId="{2FF04469-EC18-4DEF-9211-026033421D7F}" destId="{98EBC135-7D61-4607-8673-88321824B19A}" srcOrd="1" destOrd="0" presId="urn:microsoft.com/office/officeart/2005/8/layout/orgChart1"/>
+    <dgm:cxn modelId="{CC89F41C-EC73-4164-B979-1E34F8EC7992}" type="presOf" srcId="{DEB3A288-72B2-4CE3-BA0E-2385DCEA1166}" destId="{D1586E0D-5339-4871-B373-DE07F6A4B31A}" srcOrd="1" destOrd="0" presId="urn:microsoft.com/office/officeart/2005/8/layout/orgChart1"/>
+    <dgm:cxn modelId="{979B3921-65D4-4C21-A108-2DBE1B0AAAE5}" srcId="{D0D5EBBE-C984-451E-A77C-06635B96115A}" destId="{6D859D06-D440-4495-BC38-4B0653417247}" srcOrd="0" destOrd="0" parTransId="{7ABF7F75-BA81-498E-8999-139ABA277B4F}" sibTransId="{F0F770A4-A5C9-424C-93C8-86B63DB8FE87}"/>
+    <dgm:cxn modelId="{7D433B21-19E9-4289-9578-6A1C2468181D}" type="presOf" srcId="{5A94BF89-F459-4076-B825-3EF69867B9E6}" destId="{A148AF3D-8225-4C90-9973-D39067016BF1}" srcOrd="0" destOrd="0" presId="urn:microsoft.com/office/officeart/2005/8/layout/orgChart1"/>
+    <dgm:cxn modelId="{59A13B2B-94E3-4E30-B1C8-D4C19B456A98}" type="presOf" srcId="{6BCCACC8-297A-434B-B4C0-CBF55E8A799D}" destId="{695C9D34-95FC-428F-873D-B6282BE96811}" srcOrd="1" destOrd="0" presId="urn:microsoft.com/office/officeart/2005/8/layout/orgChart1"/>
+    <dgm:cxn modelId="{2BA0192D-E091-446B-9562-8E04E2C7A7A9}" srcId="{EFF00522-C837-4800-9089-09C6786FA139}" destId="{6BCCACC8-297A-434B-B4C0-CBF55E8A799D}" srcOrd="4" destOrd="0" parTransId="{77057196-36D4-4297-8DBE-9DF4DC99769E}" sibTransId="{E17B637D-8F1E-4395-8504-5FF5013E668B}"/>
+    <dgm:cxn modelId="{B4EA9C2D-7D0F-4B0E-80FC-F0DE89A8BEF8}" type="presOf" srcId="{D81EE60C-1689-4013-8B94-71E45948E61C}" destId="{FB0D67E1-4705-4C5A-A8BE-E373C4C7F8DC}" srcOrd="0" destOrd="0" presId="urn:microsoft.com/office/officeart/2005/8/layout/orgChart1"/>
+    <dgm:cxn modelId="{55C3032E-C596-45B0-B0D9-B039ED4AB0B1}" type="presOf" srcId="{188D1000-0E2B-4CE9-B4EC-57DF98E5B370}" destId="{83BFE1B7-4CFE-4414-B2E2-2937D4F9C17F}" srcOrd="0" destOrd="0" presId="urn:microsoft.com/office/officeart/2005/8/layout/orgChart1"/>
+    <dgm:cxn modelId="{06FBE830-116F-4E6A-84F0-74346010D695}" type="presOf" srcId="{C5D14313-4718-4BA4-8034-5E4E2ACBCC70}" destId="{CFB84857-AF84-4F8B-907E-44B005282350}" srcOrd="1" destOrd="0" presId="urn:microsoft.com/office/officeart/2005/8/layout/orgChart1"/>
+    <dgm:cxn modelId="{56EBC832-43D7-4C7F-AC45-6EAAD364E744}" type="presOf" srcId="{04B442D8-6F45-4C79-8A4C-6886FDE02F97}" destId="{DE72DF6E-144C-454B-9565-EC52D8FB4D37}" srcOrd="0" destOrd="0" presId="urn:microsoft.com/office/officeart/2005/8/layout/orgChart1"/>
+    <dgm:cxn modelId="{32B18C39-6753-4BA1-AF98-111738B3CB5D}" type="presOf" srcId="{210B0EF3-C281-4060-A271-E34BD8547342}" destId="{F75D6229-E722-4C5A-8752-308DFF186597}" srcOrd="0" destOrd="0" presId="urn:microsoft.com/office/officeart/2005/8/layout/orgChart1"/>
+    <dgm:cxn modelId="{8A65483A-2A4E-4DBB-90B6-1A37CACF6180}" type="presOf" srcId="{AF9FAEE0-D707-4D4A-BC4E-B00284790C09}" destId="{AED2CD70-00FB-4D86-A988-A2B3331A944F}" srcOrd="0" destOrd="0" presId="urn:microsoft.com/office/officeart/2005/8/layout/orgChart1"/>
+    <dgm:cxn modelId="{C7117D46-60C1-4AC4-AC2C-CCA51D022C98}" srcId="{3E7D5DE8-38A7-4D01-B3B1-C41B904AFB24}" destId="{210B0EF3-C281-4060-A271-E34BD8547342}" srcOrd="5" destOrd="0" parTransId="{ADCBE1B0-B6AB-4350-9FC6-856DD57E9562}" sibTransId="{074E8F6B-D96B-4628-92A9-FFC917EF6C01}"/>
+    <dgm:cxn modelId="{B6F32367-D4A4-4501-A5C5-198502F93225}" type="presOf" srcId="{CFC8A77C-E037-4F39-89BC-7C46B2FFF6C3}" destId="{B512DCC2-F8AD-4A88-8224-BF794CC14E60}" srcOrd="0" destOrd="0" presId="urn:microsoft.com/office/officeart/2005/8/layout/orgChart1"/>
+    <dgm:cxn modelId="{76937E49-9A6C-4684-AE0E-E0846D99D250}" type="presOf" srcId="{3E7D5DE8-38A7-4D01-B3B1-C41B904AFB24}" destId="{D0C42A0A-227F-498C-9217-1F2A4E39F4AC}" srcOrd="0" destOrd="0" presId="urn:microsoft.com/office/officeart/2005/8/layout/orgChart1"/>
+    <dgm:cxn modelId="{1D58114B-9E7B-4EE9-9BBB-CA2BC1050428}" srcId="{EFF00522-C837-4800-9089-09C6786FA139}" destId="{D0D5EBBE-C984-451E-A77C-06635B96115A}" srcOrd="0" destOrd="0" parTransId="{2401EE30-6FB4-47FC-B5CB-44E93082BA16}" sibTransId="{4794836D-9F6B-4080-8E70-60D729F37A15}"/>
+    <dgm:cxn modelId="{F4B59A6E-7C30-4166-A4BE-C4CD1FDE9241}" type="presOf" srcId="{FEF5EF31-1DF3-4F02-8BF5-0FAA9FBF05DF}" destId="{29C82EC9-E8DF-43E5-AE26-7FE69F2FE8E3}" srcOrd="1" destOrd="0" presId="urn:microsoft.com/office/officeart/2005/8/layout/orgChart1"/>
+    <dgm:cxn modelId="{F7703852-4B24-419F-8990-8F4642258C5C}" type="presOf" srcId="{DEB3A288-72B2-4CE3-BA0E-2385DCEA1166}" destId="{3DCFB508-F20D-419B-97A2-A0EA8AAE62B8}" srcOrd="0" destOrd="0" presId="urn:microsoft.com/office/officeart/2005/8/layout/orgChart1"/>
+    <dgm:cxn modelId="{8C5C1055-60EE-417A-890C-9263B9B0293C}" type="presOf" srcId="{6BCCACC8-297A-434B-B4C0-CBF55E8A799D}" destId="{8659CC59-2E2C-408C-A138-42297FB1F7FC}" srcOrd="0" destOrd="0" presId="urn:microsoft.com/office/officeart/2005/8/layout/orgChart1"/>
+    <dgm:cxn modelId="{C4FB8056-6B24-43C9-A2FD-57AF1D92654B}" srcId="{3E7D5DE8-38A7-4D01-B3B1-C41B904AFB24}" destId="{9CF9D14A-D997-48A5-ACA0-BD0A85F323A1}" srcOrd="2" destOrd="0" parTransId="{D81EE60C-1689-4013-8B94-71E45948E61C}" sibTransId="{B3012D63-2D5D-41AB-A6CD-C3EA8612062C}"/>
+    <dgm:cxn modelId="{3F221A57-9855-4F10-8902-29815A14778C}" type="presOf" srcId="{32A588C2-228D-4B26-9C8B-90CDFD0FC08B}" destId="{9C5E7AE7-E733-492C-8D9D-2B4E12574136}" srcOrd="0" destOrd="0" presId="urn:microsoft.com/office/officeart/2005/8/layout/orgChart1"/>
+    <dgm:cxn modelId="{820DA17D-D3D3-44FA-8B6F-1B825415906F}" srcId="{3E7D5DE8-38A7-4D01-B3B1-C41B904AFB24}" destId="{FEF5EF31-1DF3-4F02-8BF5-0FAA9FBF05DF}" srcOrd="3" destOrd="0" parTransId="{C206CBEC-A310-48C5-A1E3-51069AAB7E06}" sibTransId="{33829A28-8B69-4310-A9EC-72FF2B43FA31}"/>
+    <dgm:cxn modelId="{E75D4180-7278-49C5-A120-3150DE2407B2}" type="presOf" srcId="{1F891C72-4331-4225-9131-EE90A5156BCC}" destId="{075DE7FD-AB6D-45A1-88B5-F6DE55537A5C}" srcOrd="0" destOrd="0" presId="urn:microsoft.com/office/officeart/2005/8/layout/orgChart1"/>
+    <dgm:cxn modelId="{C7D94C82-881B-4380-9D07-44A662C49F66}" type="presOf" srcId="{FEF5EF31-1DF3-4F02-8BF5-0FAA9FBF05DF}" destId="{51735A62-65C8-4B72-BC21-EC0033831CB7}" srcOrd="0" destOrd="0" presId="urn:microsoft.com/office/officeart/2005/8/layout/orgChart1"/>
+    <dgm:cxn modelId="{8484E588-3BA2-4A2C-A856-2E9A20948E67}" type="presOf" srcId="{D0D5EBBE-C984-451E-A77C-06635B96115A}" destId="{BB899C3E-7977-48D2-838C-0A0A4E22407E}" srcOrd="0" destOrd="0" presId="urn:microsoft.com/office/officeart/2005/8/layout/orgChart1"/>
+    <dgm:cxn modelId="{88118B8A-E1E2-49A1-95D3-E9EE1A3BBE5B}" type="presOf" srcId="{DF2FF718-F2C1-46BD-B3D2-69C34DDD97AC}" destId="{F5935B02-3EAE-43D8-83D7-0568EA754FE3}" srcOrd="0" destOrd="0" presId="urn:microsoft.com/office/officeart/2005/8/layout/orgChart1"/>
+    <dgm:cxn modelId="{9DFF448E-6D0C-4B10-A4BB-C20607216AD2}" type="presOf" srcId="{210B0EF3-C281-4060-A271-E34BD8547342}" destId="{D84F31A6-8A16-490F-B798-6B1CCC52D4CD}" srcOrd="1" destOrd="0" presId="urn:microsoft.com/office/officeart/2005/8/layout/orgChart1"/>
+    <dgm:cxn modelId="{8965F592-C2EF-4A5E-AE72-E3D483E3AC4B}" type="presOf" srcId="{EFF00522-C837-4800-9089-09C6786FA139}" destId="{0A79929F-4539-4070-8896-388E4F787335}" srcOrd="0" destOrd="0" presId="urn:microsoft.com/office/officeart/2005/8/layout/orgChart1"/>
+    <dgm:cxn modelId="{C104F494-93EC-4C35-9277-88485A6C79D9}" type="presOf" srcId="{AE15057E-D275-4CBA-BBDA-7AFB5273F6D0}" destId="{A3C064E1-EB83-4A90-BC9B-363A4369B1D9}" srcOrd="0" destOrd="0" presId="urn:microsoft.com/office/officeart/2005/8/layout/orgChart1"/>
+    <dgm:cxn modelId="{1A5C9B95-6306-4971-AEB4-0FB6C60D1920}" type="presOf" srcId="{2401EE30-6FB4-47FC-B5CB-44E93082BA16}" destId="{C79737FA-DA68-4B50-9686-82FBED4993F4}" srcOrd="0" destOrd="0" presId="urn:microsoft.com/office/officeart/2005/8/layout/orgChart1"/>
     <dgm:cxn modelId="{8C71F597-48DA-42F5-848B-45FBCBBE231C}" srcId="{EFF00522-C837-4800-9089-09C6786FA139}" destId="{DEB3A288-72B2-4CE3-BA0E-2385DCEA1166}" srcOrd="1" destOrd="0" parTransId="{AE15057E-D275-4CBA-BBDA-7AFB5273F6D0}" sibTransId="{A96C3356-79EF-46AD-95D3-4F7717D0E212}"/>
-    <dgm:cxn modelId="{1D58114B-9E7B-4EE9-9BBB-CA2BC1050428}" srcId="{EFF00522-C837-4800-9089-09C6786FA139}" destId="{D0D5EBBE-C984-451E-A77C-06635B96115A}" srcOrd="0" destOrd="0" parTransId="{2401EE30-6FB4-47FC-B5CB-44E93082BA16}" sibTransId="{4794836D-9F6B-4080-8E70-60D729F37A15}"/>
-    <dgm:cxn modelId="{76937E49-9A6C-4684-AE0E-E0846D99D250}" type="presOf" srcId="{3E7D5DE8-38A7-4D01-B3B1-C41B904AFB24}" destId="{D0C42A0A-227F-498C-9217-1F2A4E39F4AC}" srcOrd="0" destOrd="0" presId="urn:microsoft.com/office/officeart/2005/8/layout/orgChart1"/>
-    <dgm:cxn modelId="{5D54394D-4C63-4C8A-838B-C69B4A99A8F4}" srcId="{EFF00522-C837-4800-9089-09C6786FA139}" destId="{E7C64FD9-0C4A-4F3B-931A-AB7EFC3F18D6}" srcOrd="5" destOrd="0" parTransId="{F147F672-E447-4955-8CC9-5032D36A8B49}" sibTransId="{8A6624D5-3F62-41FA-AF5E-FE463F8CEC8D}"/>
-    <dgm:cxn modelId="{261826DD-4928-4968-9EE8-8603A4DA75BB}" type="presOf" srcId="{CFC8A77C-E037-4F39-89BC-7C46B2FFF6C3}" destId="{C385DBD7-122C-4C76-95AA-F0EDDD576213}" srcOrd="1" destOrd="0" presId="urn:microsoft.com/office/officeart/2005/8/layout/orgChart1"/>
-    <dgm:cxn modelId="{64B522C9-1881-4836-B21D-A269398ED4E7}" type="presOf" srcId="{06A4DF89-C148-4CB0-BC1C-719E15C3A380}" destId="{1FD30025-BE06-4C8D-8024-6353A3A86C64}" srcOrd="0" destOrd="0" presId="urn:microsoft.com/office/officeart/2005/8/layout/orgChart1"/>
+    <dgm:cxn modelId="{7076539E-84DB-49E1-9601-83A88D214CF8}" srcId="{3E7D5DE8-38A7-4D01-B3B1-C41B904AFB24}" destId="{2FF04469-EC18-4DEF-9211-026033421D7F}" srcOrd="4" destOrd="0" parTransId="{AE6AB92A-B651-446C-B90D-191341024DCA}" sibTransId="{0637CF52-D892-464E-A103-0804641290C4}"/>
     <dgm:cxn modelId="{3E0EE4A3-7C9D-4385-92CF-5CA9996AB16B}" type="presOf" srcId="{EFF00522-C837-4800-9089-09C6786FA139}" destId="{15AFF27B-B166-47F4-BEA3-A556EF84A1FE}" srcOrd="1" destOrd="0" presId="urn:microsoft.com/office/officeart/2005/8/layout/orgChart1"/>
     <dgm:cxn modelId="{C36633A6-7AC8-43DF-9EBE-C46C838D14D6}" type="presOf" srcId="{3E7D5DE8-38A7-4D01-B3B1-C41B904AFB24}" destId="{D47F8C64-7351-47DD-ABB9-3A4D5CE04EBC}" srcOrd="1" destOrd="0" presId="urn:microsoft.com/office/officeart/2005/8/layout/orgChart1"/>
-    <dgm:cxn modelId="{8C5C1055-60EE-417A-890C-9263B9B0293C}" type="presOf" srcId="{6BCCACC8-297A-434B-B4C0-CBF55E8A799D}" destId="{8659CC59-2E2C-408C-A138-42297FB1F7FC}" srcOrd="0" destOrd="0" presId="urn:microsoft.com/office/officeart/2005/8/layout/orgChart1"/>
+    <dgm:cxn modelId="{2BC993A7-1946-496C-9CFE-5831CDB00FFF}" type="presOf" srcId="{7ABF7F75-BA81-498E-8999-139ABA277B4F}" destId="{BCCB5965-B0E0-45CC-8894-BE1731CC57E2}" srcOrd="0" destOrd="0" presId="urn:microsoft.com/office/officeart/2005/8/layout/orgChart1"/>
+    <dgm:cxn modelId="{67885BAF-5B75-407B-91B2-6F979038E946}" srcId="{F37AA981-A9B4-415F-ADC1-A456EE833205}" destId="{EFF00522-C837-4800-9089-09C6786FA139}" srcOrd="0" destOrd="0" parTransId="{DD3937CD-E1A8-4E5B-BD09-EABAA399CC23}" sibTransId="{719267CB-9490-458C-9394-D74AD204BE1B}"/>
+    <dgm:cxn modelId="{8C1C42B2-A065-4216-83CB-1050788129D9}" srcId="{EFF00522-C837-4800-9089-09C6786FA139}" destId="{3E7D5DE8-38A7-4D01-B3B1-C41B904AFB24}" srcOrd="2" destOrd="0" parTransId="{1F891C72-4331-4225-9131-EE90A5156BCC}" sibTransId="{2D617AC4-6E9C-47A6-BFAC-93EC82C86111}"/>
+    <dgm:cxn modelId="{12AA3CBF-1033-48B0-A6F8-A20337FED22A}" srcId="{3E7D5DE8-38A7-4D01-B3B1-C41B904AFB24}" destId="{C5D14313-4718-4BA4-8034-5E4E2ACBCC70}" srcOrd="1" destOrd="0" parTransId="{04B442D8-6F45-4C79-8A4C-6886FDE02F97}" sibTransId="{EA84DB9B-3D31-4D9E-BF2F-E46226EA56AE}"/>
+    <dgm:cxn modelId="{F95DC0C1-9339-4066-9285-8FF13264398D}" type="presOf" srcId="{D0D5EBBE-C984-451E-A77C-06635B96115A}" destId="{1E59B1F0-1959-43EF-B4BA-5DE950985F11}" srcOrd="1" destOrd="0" presId="urn:microsoft.com/office/officeart/2005/8/layout/orgChart1"/>
     <dgm:cxn modelId="{70CBB2C2-0071-4329-9A38-8AD1E841005D}" srcId="{EFF00522-C837-4800-9089-09C6786FA139}" destId="{CFC8A77C-E037-4F39-89BC-7C46B2FFF6C3}" srcOrd="3" destOrd="0" parTransId="{06A4DF89-C148-4CB0-BC1C-719E15C3A380}" sibTransId="{B9E8B3FB-6336-44A0-BB31-6CF9D499134C}"/>
-    <dgm:cxn modelId="{59A13B2B-94E3-4E30-B1C8-D4C19B456A98}" type="presOf" srcId="{6BCCACC8-297A-434B-B4C0-CBF55E8A799D}" destId="{695C9D34-95FC-428F-873D-B6282BE96811}" srcOrd="1" destOrd="0" presId="urn:microsoft.com/office/officeart/2005/8/layout/orgChart1"/>
-    <dgm:cxn modelId="{C104F494-93EC-4C35-9277-88485A6C79D9}" type="presOf" srcId="{AE15057E-D275-4CBA-BBDA-7AFB5273F6D0}" destId="{A3C064E1-EB83-4A90-BC9B-363A4369B1D9}" srcOrd="0" destOrd="0" presId="urn:microsoft.com/office/officeart/2005/8/layout/orgChart1"/>
-    <dgm:cxn modelId="{A4D9362C-6216-407B-A06C-1540E852B2AC}" type="presOf" srcId="{E7C64FD9-0C4A-4F3B-931A-AB7EFC3F18D6}" destId="{67726964-64F7-4568-A550-A3840E89588B}" srcOrd="0" destOrd="0" presId="urn:microsoft.com/office/officeart/2005/8/layout/orgChart1"/>
-    <dgm:cxn modelId="{CC89F41C-EC73-4164-B979-1E34F8EC7992}" type="presOf" srcId="{DEB3A288-72B2-4CE3-BA0E-2385DCEA1166}" destId="{D1586E0D-5339-4871-B373-DE07F6A4B31A}" srcOrd="1" destOrd="0" presId="urn:microsoft.com/office/officeart/2005/8/layout/orgChart1"/>
-    <dgm:cxn modelId="{B854F34B-ADF2-4C85-AA29-7CC262C2ABC0}" type="presOf" srcId="{F147F672-E447-4955-8CC9-5032D36A8B49}" destId="{F67550F7-432C-48D7-8A48-619DCE27301E}" srcOrd="0" destOrd="0" presId="urn:microsoft.com/office/officeart/2005/8/layout/orgChart1"/>
-    <dgm:cxn modelId="{8484E588-3BA2-4A2C-A856-2E9A20948E67}" type="presOf" srcId="{D0D5EBBE-C984-451E-A77C-06635B96115A}" destId="{BB899C3E-7977-48D2-838C-0A0A4E22407E}" srcOrd="0" destOrd="0" presId="urn:microsoft.com/office/officeart/2005/8/layout/orgChart1"/>
-    <dgm:cxn modelId="{1A5C9B95-6306-4971-AEB4-0FB6C60D1920}" type="presOf" srcId="{2401EE30-6FB4-47FC-B5CB-44E93082BA16}" destId="{C79737FA-DA68-4B50-9686-82FBED4993F4}" srcOrd="0" destOrd="0" presId="urn:microsoft.com/office/officeart/2005/8/layout/orgChart1"/>
-    <dgm:cxn modelId="{B6F32367-D4A4-4501-A5C5-198502F93225}" type="presOf" srcId="{CFC8A77C-E037-4F39-89BC-7C46B2FFF6C3}" destId="{B512DCC2-F8AD-4A88-8224-BF794CC14E60}" srcOrd="0" destOrd="0" presId="urn:microsoft.com/office/officeart/2005/8/layout/orgChart1"/>
-    <dgm:cxn modelId="{2BA0192D-E091-446B-9562-8E04E2C7A7A9}" srcId="{EFF00522-C837-4800-9089-09C6786FA139}" destId="{6BCCACC8-297A-434B-B4C0-CBF55E8A799D}" srcOrd="4" destOrd="0" parTransId="{77057196-36D4-4297-8DBE-9DF4DC99769E}" sibTransId="{E17B637D-8F1E-4395-8504-5FF5013E668B}"/>
-    <dgm:cxn modelId="{8C1C42B2-A065-4216-83CB-1050788129D9}" srcId="{EFF00522-C837-4800-9089-09C6786FA139}" destId="{3E7D5DE8-38A7-4D01-B3B1-C41B904AFB24}" srcOrd="2" destOrd="0" parTransId="{1F891C72-4331-4225-9131-EE90A5156BCC}" sibTransId="{2D617AC4-6E9C-47A6-BFAC-93EC82C86111}"/>
-    <dgm:cxn modelId="{F7703852-4B24-419F-8990-8F4642258C5C}" type="presOf" srcId="{DEB3A288-72B2-4CE3-BA0E-2385DCEA1166}" destId="{3DCFB508-F20D-419B-97A2-A0EA8AAE62B8}" srcOrd="0" destOrd="0" presId="urn:microsoft.com/office/officeart/2005/8/layout/orgChart1"/>
-    <dgm:cxn modelId="{F95DC0C1-9339-4066-9285-8FF13264398D}" type="presOf" srcId="{D0D5EBBE-C984-451E-A77C-06635B96115A}" destId="{1E59B1F0-1959-43EF-B4BA-5DE950985F11}" srcOrd="1" destOrd="0" presId="urn:microsoft.com/office/officeart/2005/8/layout/orgChart1"/>
-    <dgm:cxn modelId="{67885BAF-5B75-407B-91B2-6F979038E946}" srcId="{F37AA981-A9B4-415F-ADC1-A456EE833205}" destId="{EFF00522-C837-4800-9089-09C6786FA139}" srcOrd="0" destOrd="0" parTransId="{DD3937CD-E1A8-4E5B-BD09-EABAA399CC23}" sibTransId="{719267CB-9490-458C-9394-D74AD204BE1B}"/>
-    <dgm:cxn modelId="{D57EB3B9-813B-4FB0-A76A-7A85A654C29B}" type="presOf" srcId="{E7C64FD9-0C4A-4F3B-931A-AB7EFC3F18D6}" destId="{E7DC8D2E-72AE-4E2C-8784-7C0B34907F59}" srcOrd="1" destOrd="0" presId="urn:microsoft.com/office/officeart/2005/8/layout/orgChart1"/>
+    <dgm:cxn modelId="{412E2FC4-ADBF-4534-B2F3-8F5B88C8016F}" type="presOf" srcId="{6D859D06-D440-4495-BC38-4B0653417247}" destId="{257BA37D-C7F9-4FC4-8625-2A044432F45E}" srcOrd="1" destOrd="0" presId="urn:microsoft.com/office/officeart/2005/8/layout/orgChart1"/>
+    <dgm:cxn modelId="{64B522C9-1881-4836-B21D-A269398ED4E7}" type="presOf" srcId="{06A4DF89-C148-4CB0-BC1C-719E15C3A380}" destId="{1FD30025-BE06-4C8D-8024-6353A3A86C64}" srcOrd="0" destOrd="0" presId="urn:microsoft.com/office/officeart/2005/8/layout/orgChart1"/>
+    <dgm:cxn modelId="{97B2F3CE-CC70-404B-8D86-D5992F7D55A1}" type="presOf" srcId="{9CF9D14A-D997-48A5-ACA0-BD0A85F323A1}" destId="{37F9F289-47AC-4257-A31F-E2E8F2183DC3}" srcOrd="1" destOrd="0" presId="urn:microsoft.com/office/officeart/2005/8/layout/orgChart1"/>
+    <dgm:cxn modelId="{DDBD15D0-17BD-4B24-A9AF-029F00981379}" type="presOf" srcId="{AE6AB92A-B651-446C-B90D-191341024DCA}" destId="{1BF37D4C-6B8D-491C-BFA6-EF055187F912}" srcOrd="0" destOrd="0" presId="urn:microsoft.com/office/officeart/2005/8/layout/orgChart1"/>
+    <dgm:cxn modelId="{C1915FD1-D65F-4FA9-AE30-83FC60FB964B}" type="presOf" srcId="{C5D14313-4718-4BA4-8034-5E4E2ACBCC70}" destId="{425B22CD-323F-4E0B-BEA0-EC7E00D9ABF2}" srcOrd="0" destOrd="0" presId="urn:microsoft.com/office/officeart/2005/8/layout/orgChart1"/>
+    <dgm:cxn modelId="{08BF06D3-E920-4C30-A863-1EBFD092C556}" type="presOf" srcId="{6D859D06-D440-4495-BC38-4B0653417247}" destId="{5BD05F6E-C87D-423B-8545-489C3582E9A5}" srcOrd="0" destOrd="0" presId="urn:microsoft.com/office/officeart/2005/8/layout/orgChart1"/>
+    <dgm:cxn modelId="{2B7E8BD5-A4C9-447A-8E7F-F81E3739DF41}" type="presOf" srcId="{ADCBE1B0-B6AB-4350-9FC6-856DD57E9562}" destId="{00416E62-FBAF-4AA7-AE51-74C6003471F9}" srcOrd="0" destOrd="0" presId="urn:microsoft.com/office/officeart/2005/8/layout/orgChart1"/>
+    <dgm:cxn modelId="{6751E3DB-7D1C-4DFF-A50D-2E4D2AA1C036}" type="presOf" srcId="{F37AA981-A9B4-415F-ADC1-A456EE833205}" destId="{E4B09FCC-EACC-4121-8E6E-BD64FF803B59}" srcOrd="0" destOrd="0" presId="urn:microsoft.com/office/officeart/2005/8/layout/orgChart1"/>
+    <dgm:cxn modelId="{261826DD-4928-4968-9EE8-8603A4DA75BB}" type="presOf" srcId="{CFC8A77C-E037-4F39-89BC-7C46B2FFF6C3}" destId="{C385DBD7-122C-4C76-95AA-F0EDDD576213}" srcOrd="1" destOrd="0" presId="urn:microsoft.com/office/officeart/2005/8/layout/orgChart1"/>
+    <dgm:cxn modelId="{026BB8DD-D4DF-4C7C-AABD-8C8B76A5849F}" type="presOf" srcId="{AF9FAEE0-D707-4D4A-BC4E-B00284790C09}" destId="{7A248573-B914-4159-ACEE-81EFF21A290C}" srcOrd="1" destOrd="0" presId="urn:microsoft.com/office/officeart/2005/8/layout/orgChart1"/>
+    <dgm:cxn modelId="{AB73DCE0-4F8F-4E33-A446-8B950BE7F085}" type="presOf" srcId="{2FF04469-EC18-4DEF-9211-026033421D7F}" destId="{BCC10AE4-DC99-4EA0-B027-3C11C8AFFA0B}" srcOrd="0" destOrd="0" presId="urn:microsoft.com/office/officeart/2005/8/layout/orgChart1"/>
+    <dgm:cxn modelId="{50574EE2-B791-402B-8982-5F339D14BC2A}" srcId="{D0D5EBBE-C984-451E-A77C-06635B96115A}" destId="{32A588C2-228D-4B26-9C8B-90CDFD0FC08B}" srcOrd="2" destOrd="0" parTransId="{188D1000-0E2B-4CE9-B4EC-57DF98E5B370}" sibTransId="{14B0CDC8-4FDC-419A-B7CE-8BD710F85676}"/>
+    <dgm:cxn modelId="{51974BE8-A9E3-4045-8AC0-2BF146D01122}" srcId="{3E7D5DE8-38A7-4D01-B3B1-C41B904AFB24}" destId="{C4E9236B-D5FB-402F-9C08-8917C5806671}" srcOrd="0" destOrd="0" parTransId="{5A94BF89-F459-4076-B825-3EF69867B9E6}" sibTransId="{62DD2125-1C44-478F-B22F-2BED96167201}"/>
+    <dgm:cxn modelId="{D824B5F1-95EA-4412-A9BE-634ADCAA4D96}" type="presOf" srcId="{C4E9236B-D5FB-402F-9C08-8917C5806671}" destId="{426BD5C4-6298-4765-92B5-5BE6F449DD28}" srcOrd="0" destOrd="0" presId="urn:microsoft.com/office/officeart/2005/8/layout/orgChart1"/>
     <dgm:cxn modelId="{19225BF9-14BF-4A05-BAF0-2E64D97CAC44}" type="presOf" srcId="{77057196-36D4-4297-8DBE-9DF4DC99769E}" destId="{87BE5EB3-DB60-4F74-8CAB-579081070155}" srcOrd="0" destOrd="0" presId="urn:microsoft.com/office/officeart/2005/8/layout/orgChart1"/>
-    <dgm:cxn modelId="{6751E3DB-7D1C-4DFF-A50D-2E4D2AA1C036}" type="presOf" srcId="{F37AA981-A9B4-415F-ADC1-A456EE833205}" destId="{E4B09FCC-EACC-4121-8E6E-BD64FF803B59}" srcOrd="0" destOrd="0" presId="urn:microsoft.com/office/officeart/2005/8/layout/orgChart1"/>
-    <dgm:cxn modelId="{E75D4180-7278-49C5-A120-3150DE2407B2}" type="presOf" srcId="{1F891C72-4331-4225-9131-EE90A5156BCC}" destId="{075DE7FD-AB6D-45A1-88B5-F6DE55537A5C}" srcOrd="0" destOrd="0" presId="urn:microsoft.com/office/officeart/2005/8/layout/orgChart1"/>
-    <dgm:cxn modelId="{8965F592-C2EF-4A5E-AE72-E3D483E3AC4B}" type="presOf" srcId="{EFF00522-C837-4800-9089-09C6786FA139}" destId="{0A79929F-4539-4070-8896-388E4F787335}" srcOrd="0" destOrd="0" presId="urn:microsoft.com/office/officeart/2005/8/layout/orgChart1"/>
+    <dgm:cxn modelId="{297E5AFB-69FF-482E-883D-EAFA86EB866E}" type="presOf" srcId="{C4E9236B-D5FB-402F-9C08-8917C5806671}" destId="{1A4D12E3-2EEF-4745-BCD2-3B9AFD0CBE3F}" srcOrd="1" destOrd="0" presId="urn:microsoft.com/office/officeart/2005/8/layout/orgChart1"/>
     <dgm:cxn modelId="{007B4A0A-0E4B-42BD-905B-BDF6999023BA}" type="presParOf" srcId="{E4B09FCC-EACC-4121-8E6E-BD64FF803B59}" destId="{C7C3974A-1DF5-4BF7-A22B-7D65EF9D0681}" srcOrd="0" destOrd="0" presId="urn:microsoft.com/office/officeart/2005/8/layout/orgChart1"/>
     <dgm:cxn modelId="{0B8B6F9D-EC93-49D1-AB15-6F71BC6FE182}" type="presParOf" srcId="{C7C3974A-1DF5-4BF7-A22B-7D65EF9D0681}" destId="{D00FF694-389D-4CD3-B5E2-0572615B4DE4}" srcOrd="0" destOrd="0" presId="urn:microsoft.com/office/officeart/2005/8/layout/orgChart1"/>
     <dgm:cxn modelId="{5FC40C6D-C971-40B3-8425-E45FAA9959E4}" type="presParOf" srcId="{D00FF694-389D-4CD3-B5E2-0572615B4DE4}" destId="{0A79929F-4539-4070-8896-388E4F787335}" srcOrd="0" destOrd="0" presId="urn:microsoft.com/office/officeart/2005/8/layout/orgChart1"/>
@@ -3227,6 +3554,27 @@
     <dgm:cxn modelId="{7D6360DF-D72C-4D78-A574-2C25F3CE62FA}" type="presParOf" srcId="{734E25C4-053E-4335-B498-733C9B31BD37}" destId="{BB899C3E-7977-48D2-838C-0A0A4E22407E}" srcOrd="0" destOrd="0" presId="urn:microsoft.com/office/officeart/2005/8/layout/orgChart1"/>
     <dgm:cxn modelId="{E2037559-A7C1-4533-A17B-CE18F2A02195}" type="presParOf" srcId="{734E25C4-053E-4335-B498-733C9B31BD37}" destId="{1E59B1F0-1959-43EF-B4BA-5DE950985F11}" srcOrd="1" destOrd="0" presId="urn:microsoft.com/office/officeart/2005/8/layout/orgChart1"/>
     <dgm:cxn modelId="{A67FD4E7-AF0F-4E6D-A577-11481AFA90BE}" type="presParOf" srcId="{3CDACF71-9436-40D9-B554-1B1DAEBD747E}" destId="{1361BC6C-9B0B-4206-827D-3BF0B5B79B98}" srcOrd="1" destOrd="0" presId="urn:microsoft.com/office/officeart/2005/8/layout/orgChart1"/>
+    <dgm:cxn modelId="{CE9BF3B8-8B66-48C0-AE30-BDB345AED0CF}" type="presParOf" srcId="{1361BC6C-9B0B-4206-827D-3BF0B5B79B98}" destId="{BCCB5965-B0E0-45CC-8894-BE1731CC57E2}" srcOrd="0" destOrd="0" presId="urn:microsoft.com/office/officeart/2005/8/layout/orgChart1"/>
+    <dgm:cxn modelId="{D26F35E3-484A-4B8B-BF5F-34093C57CD69}" type="presParOf" srcId="{1361BC6C-9B0B-4206-827D-3BF0B5B79B98}" destId="{1CD8D106-1B91-496C-B3DB-996AC3AD5822}" srcOrd="1" destOrd="0" presId="urn:microsoft.com/office/officeart/2005/8/layout/orgChart1"/>
+    <dgm:cxn modelId="{D45CB8FF-A9AB-4B40-AD36-C5369CFFCE48}" type="presParOf" srcId="{1CD8D106-1B91-496C-B3DB-996AC3AD5822}" destId="{1B9CED18-CF7D-4AF9-975C-1844914138B0}" srcOrd="0" destOrd="0" presId="urn:microsoft.com/office/officeart/2005/8/layout/orgChart1"/>
+    <dgm:cxn modelId="{B008CA72-0AAB-422D-BF29-2CB53FF5E519}" type="presParOf" srcId="{1B9CED18-CF7D-4AF9-975C-1844914138B0}" destId="{5BD05F6E-C87D-423B-8545-489C3582E9A5}" srcOrd="0" destOrd="0" presId="urn:microsoft.com/office/officeart/2005/8/layout/orgChart1"/>
+    <dgm:cxn modelId="{2F4AB609-D9EE-4E26-ADF6-ECBD8E0BA17E}" type="presParOf" srcId="{1B9CED18-CF7D-4AF9-975C-1844914138B0}" destId="{257BA37D-C7F9-4FC4-8625-2A044432F45E}" srcOrd="1" destOrd="0" presId="urn:microsoft.com/office/officeart/2005/8/layout/orgChart1"/>
+    <dgm:cxn modelId="{166805EF-FBD8-4422-A6C7-1AB6A3ABDB7A}" type="presParOf" srcId="{1CD8D106-1B91-496C-B3DB-996AC3AD5822}" destId="{21FA8DE6-BE13-427F-B07D-34101809347A}" srcOrd="1" destOrd="0" presId="urn:microsoft.com/office/officeart/2005/8/layout/orgChart1"/>
+    <dgm:cxn modelId="{52D99B22-6045-4D2E-9DFE-8A18FFBEAD58}" type="presParOf" srcId="{1CD8D106-1B91-496C-B3DB-996AC3AD5822}" destId="{36C55898-F9BD-4CF0-99A2-28DD2F3C66C5}" srcOrd="2" destOrd="0" presId="urn:microsoft.com/office/officeart/2005/8/layout/orgChart1"/>
+    <dgm:cxn modelId="{6499049F-98F3-4AC8-BB29-4FA91F098740}" type="presParOf" srcId="{1361BC6C-9B0B-4206-827D-3BF0B5B79B98}" destId="{F5935B02-3EAE-43D8-83D7-0568EA754FE3}" srcOrd="2" destOrd="0" presId="urn:microsoft.com/office/officeart/2005/8/layout/orgChart1"/>
+    <dgm:cxn modelId="{CE980871-A13F-45A6-A976-53D8EB50388C}" type="presParOf" srcId="{1361BC6C-9B0B-4206-827D-3BF0B5B79B98}" destId="{65098B79-47B8-45AD-84EC-59F788BDFBC1}" srcOrd="3" destOrd="0" presId="urn:microsoft.com/office/officeart/2005/8/layout/orgChart1"/>
+    <dgm:cxn modelId="{DA37DF07-CB3A-4345-BD10-7E159E011E37}" type="presParOf" srcId="{65098B79-47B8-45AD-84EC-59F788BDFBC1}" destId="{B7D893E0-1D88-4382-B898-4989216383B2}" srcOrd="0" destOrd="0" presId="urn:microsoft.com/office/officeart/2005/8/layout/orgChart1"/>
+    <dgm:cxn modelId="{14B75180-A0B7-45E7-AE28-63BE99ED13C5}" type="presParOf" srcId="{B7D893E0-1D88-4382-B898-4989216383B2}" destId="{AED2CD70-00FB-4D86-A988-A2B3331A944F}" srcOrd="0" destOrd="0" presId="urn:microsoft.com/office/officeart/2005/8/layout/orgChart1"/>
+    <dgm:cxn modelId="{71730BA8-72D3-4887-9B71-AE7E2717F8A9}" type="presParOf" srcId="{B7D893E0-1D88-4382-B898-4989216383B2}" destId="{7A248573-B914-4159-ACEE-81EFF21A290C}" srcOrd="1" destOrd="0" presId="urn:microsoft.com/office/officeart/2005/8/layout/orgChart1"/>
+    <dgm:cxn modelId="{4B2F6CB1-D7AE-40E5-9397-B3B6394A1489}" type="presParOf" srcId="{65098B79-47B8-45AD-84EC-59F788BDFBC1}" destId="{DEA8D9E0-A8CA-48EF-A2A5-7B4EACBDC6EA}" srcOrd="1" destOrd="0" presId="urn:microsoft.com/office/officeart/2005/8/layout/orgChart1"/>
+    <dgm:cxn modelId="{0FCC3F55-AA08-440B-9B29-1AA70F0E5222}" type="presParOf" srcId="{65098B79-47B8-45AD-84EC-59F788BDFBC1}" destId="{601F07B1-5063-4BCA-9450-53D749FA758F}" srcOrd="2" destOrd="0" presId="urn:microsoft.com/office/officeart/2005/8/layout/orgChart1"/>
+    <dgm:cxn modelId="{0DE09515-B5E9-4327-AD17-C00373309FCF}" type="presParOf" srcId="{1361BC6C-9B0B-4206-827D-3BF0B5B79B98}" destId="{83BFE1B7-4CFE-4414-B2E2-2937D4F9C17F}" srcOrd="4" destOrd="0" presId="urn:microsoft.com/office/officeart/2005/8/layout/orgChart1"/>
+    <dgm:cxn modelId="{1B67BA67-8C72-4838-8E41-D054935B9D5C}" type="presParOf" srcId="{1361BC6C-9B0B-4206-827D-3BF0B5B79B98}" destId="{459CC44D-C8B1-4635-A6BE-852CC0735C79}" srcOrd="5" destOrd="0" presId="urn:microsoft.com/office/officeart/2005/8/layout/orgChart1"/>
+    <dgm:cxn modelId="{5AE885C0-E5F3-4D8C-B952-6BE0CD17145F}" type="presParOf" srcId="{459CC44D-C8B1-4635-A6BE-852CC0735C79}" destId="{729F2795-3FC9-482D-A6E8-681E4BBC0F27}" srcOrd="0" destOrd="0" presId="urn:microsoft.com/office/officeart/2005/8/layout/orgChart1"/>
+    <dgm:cxn modelId="{E3350AB5-7A26-4274-8FDE-6851FA1D5266}" type="presParOf" srcId="{729F2795-3FC9-482D-A6E8-681E4BBC0F27}" destId="{9C5E7AE7-E733-492C-8D9D-2B4E12574136}" srcOrd="0" destOrd="0" presId="urn:microsoft.com/office/officeart/2005/8/layout/orgChart1"/>
+    <dgm:cxn modelId="{71F77C9E-5D6B-4DDF-B37E-AA5FCCADE462}" type="presParOf" srcId="{729F2795-3FC9-482D-A6E8-681E4BBC0F27}" destId="{6AB2AA11-CB4E-478D-B63B-A0BF5B893B44}" srcOrd="1" destOrd="0" presId="urn:microsoft.com/office/officeart/2005/8/layout/orgChart1"/>
+    <dgm:cxn modelId="{F35088B4-DD34-42E9-AA6D-763B90CDB7F6}" type="presParOf" srcId="{459CC44D-C8B1-4635-A6BE-852CC0735C79}" destId="{CB7BB7FB-F6D9-464D-8147-B1D785A2A656}" srcOrd="1" destOrd="0" presId="urn:microsoft.com/office/officeart/2005/8/layout/orgChart1"/>
+    <dgm:cxn modelId="{6D9C1D11-D4B2-4F4A-A07B-25FE48DD0A5B}" type="presParOf" srcId="{459CC44D-C8B1-4635-A6BE-852CC0735C79}" destId="{7D98686E-4B2F-406D-9145-91C4756133B1}" srcOrd="2" destOrd="0" presId="urn:microsoft.com/office/officeart/2005/8/layout/orgChart1"/>
     <dgm:cxn modelId="{B18CDD17-1833-42ED-B035-047FC65517AA}" type="presParOf" srcId="{3CDACF71-9436-40D9-B554-1B1DAEBD747E}" destId="{AFF660C7-7594-4A5C-9B19-EA55042202B5}" srcOrd="2" destOrd="0" presId="urn:microsoft.com/office/officeart/2005/8/layout/orgChart1"/>
     <dgm:cxn modelId="{BE848EAE-4A9C-408C-8AB0-D574FD68C4BE}" type="presParOf" srcId="{9A71EA88-E86A-4774-A0C2-7A36B7A46C30}" destId="{A3C064E1-EB83-4A90-BC9B-363A4369B1D9}" srcOrd="2" destOrd="0" presId="urn:microsoft.com/office/officeart/2005/8/layout/orgChart1"/>
     <dgm:cxn modelId="{A4546BE2-FF1F-46D3-8652-F2971A86158C}" type="presParOf" srcId="{9A71EA88-E86A-4774-A0C2-7A36B7A46C30}" destId="{5F49EB11-AF2A-43A7-A5F6-C818A93333A4}" srcOrd="3" destOrd="0" presId="urn:microsoft.com/office/officeart/2005/8/layout/orgChart1"/>
@@ -3241,6 +3589,48 @@
     <dgm:cxn modelId="{4A938AC4-C704-4CC3-8078-0D23D571604C}" type="presParOf" srcId="{65E4694B-41D9-4797-84FF-7E0A04BEBBE2}" destId="{D0C42A0A-227F-498C-9217-1F2A4E39F4AC}" srcOrd="0" destOrd="0" presId="urn:microsoft.com/office/officeart/2005/8/layout/orgChart1"/>
     <dgm:cxn modelId="{3D79F545-5B45-4F45-9F59-F37CBA90CE0F}" type="presParOf" srcId="{65E4694B-41D9-4797-84FF-7E0A04BEBBE2}" destId="{D47F8C64-7351-47DD-ABB9-3A4D5CE04EBC}" srcOrd="1" destOrd="0" presId="urn:microsoft.com/office/officeart/2005/8/layout/orgChart1"/>
     <dgm:cxn modelId="{DBE56C7B-2FF5-443B-B9B9-DA0C32052C6E}" type="presParOf" srcId="{9D85BD58-234E-4F80-9935-D3C313D0B352}" destId="{0EB07231-3CA0-42A8-AE42-EFF984FC9A65}" srcOrd="1" destOrd="0" presId="urn:microsoft.com/office/officeart/2005/8/layout/orgChart1"/>
+    <dgm:cxn modelId="{6AF647BB-CB2D-4A66-A3BF-59B374BDE896}" type="presParOf" srcId="{0EB07231-3CA0-42A8-AE42-EFF984FC9A65}" destId="{A148AF3D-8225-4C90-9973-D39067016BF1}" srcOrd="0" destOrd="0" presId="urn:microsoft.com/office/officeart/2005/8/layout/orgChart1"/>
+    <dgm:cxn modelId="{32CC08DF-A9B9-4905-A352-60DA30DA9555}" type="presParOf" srcId="{0EB07231-3CA0-42A8-AE42-EFF984FC9A65}" destId="{0ACF801A-7B48-49C3-8A6E-CA4C0C45AF98}" srcOrd="1" destOrd="0" presId="urn:microsoft.com/office/officeart/2005/8/layout/orgChart1"/>
+    <dgm:cxn modelId="{346D1F91-75F9-4BD7-89FC-95CCBD53321B}" type="presParOf" srcId="{0ACF801A-7B48-49C3-8A6E-CA4C0C45AF98}" destId="{40E4F4C8-F940-4406-A70A-5688CE993E72}" srcOrd="0" destOrd="0" presId="urn:microsoft.com/office/officeart/2005/8/layout/orgChart1"/>
+    <dgm:cxn modelId="{009B046A-86E8-4C90-84B7-391D00BD640A}" type="presParOf" srcId="{40E4F4C8-F940-4406-A70A-5688CE993E72}" destId="{426BD5C4-6298-4765-92B5-5BE6F449DD28}" srcOrd="0" destOrd="0" presId="urn:microsoft.com/office/officeart/2005/8/layout/orgChart1"/>
+    <dgm:cxn modelId="{81845B69-E370-494D-AE21-678E45597254}" type="presParOf" srcId="{40E4F4C8-F940-4406-A70A-5688CE993E72}" destId="{1A4D12E3-2EEF-4745-BCD2-3B9AFD0CBE3F}" srcOrd="1" destOrd="0" presId="urn:microsoft.com/office/officeart/2005/8/layout/orgChart1"/>
+    <dgm:cxn modelId="{CCFA9A58-65E7-495F-88C2-6AF343C2C131}" type="presParOf" srcId="{0ACF801A-7B48-49C3-8A6E-CA4C0C45AF98}" destId="{691979FA-4AA7-499E-96E3-2630F7706F7C}" srcOrd="1" destOrd="0" presId="urn:microsoft.com/office/officeart/2005/8/layout/orgChart1"/>
+    <dgm:cxn modelId="{19B8EB99-B827-4680-9785-E9F3F1BE5F2C}" type="presParOf" srcId="{0ACF801A-7B48-49C3-8A6E-CA4C0C45AF98}" destId="{B2195A48-A994-49B7-AD2C-C016D6FF4D55}" srcOrd="2" destOrd="0" presId="urn:microsoft.com/office/officeart/2005/8/layout/orgChart1"/>
+    <dgm:cxn modelId="{7F34E3D0-68B9-4248-B796-535241347B03}" type="presParOf" srcId="{0EB07231-3CA0-42A8-AE42-EFF984FC9A65}" destId="{DE72DF6E-144C-454B-9565-EC52D8FB4D37}" srcOrd="2" destOrd="0" presId="urn:microsoft.com/office/officeart/2005/8/layout/orgChart1"/>
+    <dgm:cxn modelId="{99D47FA5-45CF-4CA4-AF30-8C0B16E2E021}" type="presParOf" srcId="{0EB07231-3CA0-42A8-AE42-EFF984FC9A65}" destId="{BB759B9C-E166-4318-8783-39AF6A31B605}" srcOrd="3" destOrd="0" presId="urn:microsoft.com/office/officeart/2005/8/layout/orgChart1"/>
+    <dgm:cxn modelId="{5A44DABF-99EE-471C-BEF9-52F54954E1FA}" type="presParOf" srcId="{BB759B9C-E166-4318-8783-39AF6A31B605}" destId="{BCEFBE32-E840-4B19-88F0-92A0A913E41C}" srcOrd="0" destOrd="0" presId="urn:microsoft.com/office/officeart/2005/8/layout/orgChart1"/>
+    <dgm:cxn modelId="{975D4B96-8DF3-4A74-997D-E3141EFA4D16}" type="presParOf" srcId="{BCEFBE32-E840-4B19-88F0-92A0A913E41C}" destId="{425B22CD-323F-4E0B-BEA0-EC7E00D9ABF2}" srcOrd="0" destOrd="0" presId="urn:microsoft.com/office/officeart/2005/8/layout/orgChart1"/>
+    <dgm:cxn modelId="{96491188-1F94-4F49-A479-51CB3E786451}" type="presParOf" srcId="{BCEFBE32-E840-4B19-88F0-92A0A913E41C}" destId="{CFB84857-AF84-4F8B-907E-44B005282350}" srcOrd="1" destOrd="0" presId="urn:microsoft.com/office/officeart/2005/8/layout/orgChart1"/>
+    <dgm:cxn modelId="{046FE67D-F2C3-4924-896D-3ED69DDBB60C}" type="presParOf" srcId="{BB759B9C-E166-4318-8783-39AF6A31B605}" destId="{555F9CE5-6B4F-41EE-A503-E2A482DE4442}" srcOrd="1" destOrd="0" presId="urn:microsoft.com/office/officeart/2005/8/layout/orgChart1"/>
+    <dgm:cxn modelId="{70361C28-9568-4AC4-AFF0-18B142703824}" type="presParOf" srcId="{BB759B9C-E166-4318-8783-39AF6A31B605}" destId="{C3278657-5DCC-4AAB-B407-739B9E618D69}" srcOrd="2" destOrd="0" presId="urn:microsoft.com/office/officeart/2005/8/layout/orgChart1"/>
+    <dgm:cxn modelId="{67C37478-8759-4F21-AF5C-40A67668013A}" type="presParOf" srcId="{0EB07231-3CA0-42A8-AE42-EFF984FC9A65}" destId="{FB0D67E1-4705-4C5A-A8BE-E373C4C7F8DC}" srcOrd="4" destOrd="0" presId="urn:microsoft.com/office/officeart/2005/8/layout/orgChart1"/>
+    <dgm:cxn modelId="{DBD9CFCB-0D18-449D-92A8-BF0C4DCC0C9E}" type="presParOf" srcId="{0EB07231-3CA0-42A8-AE42-EFF984FC9A65}" destId="{12F69B15-CF2E-40D3-8957-9480010322BC}" srcOrd="5" destOrd="0" presId="urn:microsoft.com/office/officeart/2005/8/layout/orgChart1"/>
+    <dgm:cxn modelId="{294D4424-BB62-4D9F-A578-5078BAA19A5E}" type="presParOf" srcId="{12F69B15-CF2E-40D3-8957-9480010322BC}" destId="{00B0645B-7068-4CF2-86BC-E71D677EED41}" srcOrd="0" destOrd="0" presId="urn:microsoft.com/office/officeart/2005/8/layout/orgChart1"/>
+    <dgm:cxn modelId="{5E9E998A-E9C3-4C5B-8341-645178786E0E}" type="presParOf" srcId="{00B0645B-7068-4CF2-86BC-E71D677EED41}" destId="{AB7ECE86-F423-469A-804C-9E0A6711CE75}" srcOrd="0" destOrd="0" presId="urn:microsoft.com/office/officeart/2005/8/layout/orgChart1"/>
+    <dgm:cxn modelId="{B02B5661-5009-4ADC-912F-E34AE98F553B}" type="presParOf" srcId="{00B0645B-7068-4CF2-86BC-E71D677EED41}" destId="{37F9F289-47AC-4257-A31F-E2E8F2183DC3}" srcOrd="1" destOrd="0" presId="urn:microsoft.com/office/officeart/2005/8/layout/orgChart1"/>
+    <dgm:cxn modelId="{6C65141F-DA4A-48DC-8EAE-7D781FB372AA}" type="presParOf" srcId="{12F69B15-CF2E-40D3-8957-9480010322BC}" destId="{0756DBE1-0E1B-4509-A40C-2596EFA974BD}" srcOrd="1" destOrd="0" presId="urn:microsoft.com/office/officeart/2005/8/layout/orgChart1"/>
+    <dgm:cxn modelId="{28565186-9ACD-4A0F-BB2D-C03394042A16}" type="presParOf" srcId="{12F69B15-CF2E-40D3-8957-9480010322BC}" destId="{2CC3C5A6-212A-406C-A47B-1E4C5C93C0F1}" srcOrd="2" destOrd="0" presId="urn:microsoft.com/office/officeart/2005/8/layout/orgChart1"/>
+    <dgm:cxn modelId="{976BD8F1-C27F-40AF-AF18-D0F5400311B1}" type="presParOf" srcId="{0EB07231-3CA0-42A8-AE42-EFF984FC9A65}" destId="{6BB70260-FBF6-4FD9-8B99-A7ECE1F53A39}" srcOrd="6" destOrd="0" presId="urn:microsoft.com/office/officeart/2005/8/layout/orgChart1"/>
+    <dgm:cxn modelId="{32BADEEA-9B5D-4E35-A1EC-892A82D86AD6}" type="presParOf" srcId="{0EB07231-3CA0-42A8-AE42-EFF984FC9A65}" destId="{CB8079F8-3BBB-455B-A366-62293B5B4128}" srcOrd="7" destOrd="0" presId="urn:microsoft.com/office/officeart/2005/8/layout/orgChart1"/>
+    <dgm:cxn modelId="{015113E2-32A4-45CC-BA46-CA84AA4C33CC}" type="presParOf" srcId="{CB8079F8-3BBB-455B-A366-62293B5B4128}" destId="{20A941C0-6B5C-4306-BB47-C60AB75805F0}" srcOrd="0" destOrd="0" presId="urn:microsoft.com/office/officeart/2005/8/layout/orgChart1"/>
+    <dgm:cxn modelId="{FB9C4DDF-2025-4A32-999C-61E1211F9CE2}" type="presParOf" srcId="{20A941C0-6B5C-4306-BB47-C60AB75805F0}" destId="{51735A62-65C8-4B72-BC21-EC0033831CB7}" srcOrd="0" destOrd="0" presId="urn:microsoft.com/office/officeart/2005/8/layout/orgChart1"/>
+    <dgm:cxn modelId="{43D5D859-106D-4CC2-AAC3-5DD11392AD11}" type="presParOf" srcId="{20A941C0-6B5C-4306-BB47-C60AB75805F0}" destId="{29C82EC9-E8DF-43E5-AE26-7FE69F2FE8E3}" srcOrd="1" destOrd="0" presId="urn:microsoft.com/office/officeart/2005/8/layout/orgChart1"/>
+    <dgm:cxn modelId="{E04B6CD8-872F-4FEF-A06C-CD8997B607CA}" type="presParOf" srcId="{CB8079F8-3BBB-455B-A366-62293B5B4128}" destId="{0226FF58-35DD-44DA-8330-812BB9861BAB}" srcOrd="1" destOrd="0" presId="urn:microsoft.com/office/officeart/2005/8/layout/orgChart1"/>
+    <dgm:cxn modelId="{A141FC49-77C8-483A-8CBA-EADC5D7C76BC}" type="presParOf" srcId="{CB8079F8-3BBB-455B-A366-62293B5B4128}" destId="{A95144A9-7340-441E-82FD-F72E1E4F2FC1}" srcOrd="2" destOrd="0" presId="urn:microsoft.com/office/officeart/2005/8/layout/orgChart1"/>
+    <dgm:cxn modelId="{5871DCC8-6F65-4746-B514-74BE9B07DF68}" type="presParOf" srcId="{0EB07231-3CA0-42A8-AE42-EFF984FC9A65}" destId="{1BF37D4C-6B8D-491C-BFA6-EF055187F912}" srcOrd="8" destOrd="0" presId="urn:microsoft.com/office/officeart/2005/8/layout/orgChart1"/>
+    <dgm:cxn modelId="{8DFF5AFA-1CDA-49E8-A79D-C13B62484EA7}" type="presParOf" srcId="{0EB07231-3CA0-42A8-AE42-EFF984FC9A65}" destId="{86602689-6C9B-46AE-9978-4661220F57E8}" srcOrd="9" destOrd="0" presId="urn:microsoft.com/office/officeart/2005/8/layout/orgChart1"/>
+    <dgm:cxn modelId="{EA45EF67-20B3-406B-8A7C-5C245A9C30E0}" type="presParOf" srcId="{86602689-6C9B-46AE-9978-4661220F57E8}" destId="{8113BA05-6646-49AD-88B0-3E36D247C6C9}" srcOrd="0" destOrd="0" presId="urn:microsoft.com/office/officeart/2005/8/layout/orgChart1"/>
+    <dgm:cxn modelId="{4AE5D132-571D-471E-B42D-B0F5BD5E5EB6}" type="presParOf" srcId="{8113BA05-6646-49AD-88B0-3E36D247C6C9}" destId="{BCC10AE4-DC99-4EA0-B027-3C11C8AFFA0B}" srcOrd="0" destOrd="0" presId="urn:microsoft.com/office/officeart/2005/8/layout/orgChart1"/>
+    <dgm:cxn modelId="{E94E57DE-8665-4344-B168-C3C5136E6DC6}" type="presParOf" srcId="{8113BA05-6646-49AD-88B0-3E36D247C6C9}" destId="{98EBC135-7D61-4607-8673-88321824B19A}" srcOrd="1" destOrd="0" presId="urn:microsoft.com/office/officeart/2005/8/layout/orgChart1"/>
+    <dgm:cxn modelId="{D54A7335-AF06-4414-A565-A1140BA0CE01}" type="presParOf" srcId="{86602689-6C9B-46AE-9978-4661220F57E8}" destId="{39D676ED-D687-45A8-BAE2-452B3A691EB1}" srcOrd="1" destOrd="0" presId="urn:microsoft.com/office/officeart/2005/8/layout/orgChart1"/>
+    <dgm:cxn modelId="{3CA1D451-2D49-46BB-B238-2B346F027A21}" type="presParOf" srcId="{86602689-6C9B-46AE-9978-4661220F57E8}" destId="{C7E5117E-BF0C-4A61-8073-5E57B6BE8C3F}" srcOrd="2" destOrd="0" presId="urn:microsoft.com/office/officeart/2005/8/layout/orgChart1"/>
+    <dgm:cxn modelId="{8B06D85A-5E61-46F3-8F93-4FBC2702202A}" type="presParOf" srcId="{0EB07231-3CA0-42A8-AE42-EFF984FC9A65}" destId="{00416E62-FBAF-4AA7-AE51-74C6003471F9}" srcOrd="10" destOrd="0" presId="urn:microsoft.com/office/officeart/2005/8/layout/orgChart1"/>
+    <dgm:cxn modelId="{1E389C20-B119-4C51-9CFE-F941978AE9F3}" type="presParOf" srcId="{0EB07231-3CA0-42A8-AE42-EFF984FC9A65}" destId="{63B03767-680D-4D62-96A6-23F74154861A}" srcOrd="11" destOrd="0" presId="urn:microsoft.com/office/officeart/2005/8/layout/orgChart1"/>
+    <dgm:cxn modelId="{E20250C1-132A-43A8-8A80-0D5E99D56A48}" type="presParOf" srcId="{63B03767-680D-4D62-96A6-23F74154861A}" destId="{49735B28-1F9C-4BE5-847A-BC143641476E}" srcOrd="0" destOrd="0" presId="urn:microsoft.com/office/officeart/2005/8/layout/orgChart1"/>
+    <dgm:cxn modelId="{4E2DD8E2-4155-4DCC-8082-83B47DB01873}" type="presParOf" srcId="{49735B28-1F9C-4BE5-847A-BC143641476E}" destId="{F75D6229-E722-4C5A-8752-308DFF186597}" srcOrd="0" destOrd="0" presId="urn:microsoft.com/office/officeart/2005/8/layout/orgChart1"/>
+    <dgm:cxn modelId="{7DBB7CC1-67CC-4DD3-B538-F9042D6B4F05}" type="presParOf" srcId="{49735B28-1F9C-4BE5-847A-BC143641476E}" destId="{D84F31A6-8A16-490F-B798-6B1CCC52D4CD}" srcOrd="1" destOrd="0" presId="urn:microsoft.com/office/officeart/2005/8/layout/orgChart1"/>
+    <dgm:cxn modelId="{5941FFDE-9264-429F-BA0A-24A024B8F32A}" type="presParOf" srcId="{63B03767-680D-4D62-96A6-23F74154861A}" destId="{B7DCC22D-685E-4B67-91EC-8CA4B10F28F1}" srcOrd="1" destOrd="0" presId="urn:microsoft.com/office/officeart/2005/8/layout/orgChart1"/>
+    <dgm:cxn modelId="{914DE576-63F3-4CE4-A82F-F3910FFE62E9}" type="presParOf" srcId="{63B03767-680D-4D62-96A6-23F74154861A}" destId="{6AF3560C-5408-4952-8A6A-679FB0CCDFD1}" srcOrd="2" destOrd="0" presId="urn:microsoft.com/office/officeart/2005/8/layout/orgChart1"/>
     <dgm:cxn modelId="{D9CF9052-BBB8-4B63-8744-A3463F810755}" type="presParOf" srcId="{9D85BD58-234E-4F80-9935-D3C313D0B352}" destId="{9CDF5DD1-7548-4624-9C39-EA2F57F03E6C}" srcOrd="2" destOrd="0" presId="urn:microsoft.com/office/officeart/2005/8/layout/orgChart1"/>
     <dgm:cxn modelId="{9FAB7D21-D8CF-4CA0-B6D1-5B1537A60C6D}" type="presParOf" srcId="{9A71EA88-E86A-4774-A0C2-7A36B7A46C30}" destId="{1FD30025-BE06-4C8D-8024-6353A3A86C64}" srcOrd="6" destOrd="0" presId="urn:microsoft.com/office/officeart/2005/8/layout/orgChart1"/>
     <dgm:cxn modelId="{79BAE1C7-BB3C-41CC-B5B7-500A983AB71F}" type="presParOf" srcId="{9A71EA88-E86A-4774-A0C2-7A36B7A46C30}" destId="{031ED071-E8F0-4ADE-BB27-DE25D6F99C8E}" srcOrd="7" destOrd="0" presId="urn:microsoft.com/office/officeart/2005/8/layout/orgChart1"/>
@@ -3256,13 +3646,6 @@
     <dgm:cxn modelId="{6C4EC33E-0F69-43FD-B52C-67AB263976FD}" type="presParOf" srcId="{A89E6E14-AB18-41E1-BB47-136AAF17BB47}" destId="{695C9D34-95FC-428F-873D-B6282BE96811}" srcOrd="1" destOrd="0" presId="urn:microsoft.com/office/officeart/2005/8/layout/orgChart1"/>
     <dgm:cxn modelId="{2CE2485B-EF65-4D65-9FB6-8E530EF5C380}" type="presParOf" srcId="{B70BC062-C551-4FA6-AA0B-24CA90B943F5}" destId="{C932BF2B-95E7-43ED-B8E1-90412F9C1BE7}" srcOrd="1" destOrd="0" presId="urn:microsoft.com/office/officeart/2005/8/layout/orgChart1"/>
     <dgm:cxn modelId="{03F736F7-8F22-4583-BD30-FB6C1A49F99E}" type="presParOf" srcId="{B70BC062-C551-4FA6-AA0B-24CA90B943F5}" destId="{84A37CAB-4D2C-4302-B599-182470D820CD}" srcOrd="2" destOrd="0" presId="urn:microsoft.com/office/officeart/2005/8/layout/orgChart1"/>
-    <dgm:cxn modelId="{8B9EA75E-100B-4B81-800A-43EC8AA4BBF5}" type="presParOf" srcId="{9A71EA88-E86A-4774-A0C2-7A36B7A46C30}" destId="{F67550F7-432C-48D7-8A48-619DCE27301E}" srcOrd="10" destOrd="0" presId="urn:microsoft.com/office/officeart/2005/8/layout/orgChart1"/>
-    <dgm:cxn modelId="{742E6A5D-1085-452F-B4CC-6D7C83F0153A}" type="presParOf" srcId="{9A71EA88-E86A-4774-A0C2-7A36B7A46C30}" destId="{5A447CFF-59F3-4408-95EC-27E2E20BD354}" srcOrd="11" destOrd="0" presId="urn:microsoft.com/office/officeart/2005/8/layout/orgChart1"/>
-    <dgm:cxn modelId="{39803C1C-1821-4404-B44C-5E3F3A0E6712}" type="presParOf" srcId="{5A447CFF-59F3-4408-95EC-27E2E20BD354}" destId="{DBDEEE96-7218-4D42-A8BF-95D7ED5E859E}" srcOrd="0" destOrd="0" presId="urn:microsoft.com/office/officeart/2005/8/layout/orgChart1"/>
-    <dgm:cxn modelId="{AAC25778-17EE-49F6-AFBD-FEA1A5B7965A}" type="presParOf" srcId="{DBDEEE96-7218-4D42-A8BF-95D7ED5E859E}" destId="{67726964-64F7-4568-A550-A3840E89588B}" srcOrd="0" destOrd="0" presId="urn:microsoft.com/office/officeart/2005/8/layout/orgChart1"/>
-    <dgm:cxn modelId="{705B7EC4-A27C-4679-A857-4A5A68F83AC8}" type="presParOf" srcId="{DBDEEE96-7218-4D42-A8BF-95D7ED5E859E}" destId="{E7DC8D2E-72AE-4E2C-8784-7C0B34907F59}" srcOrd="1" destOrd="0" presId="urn:microsoft.com/office/officeart/2005/8/layout/orgChart1"/>
-    <dgm:cxn modelId="{575913C6-5CE4-4BFE-ADC6-FDBD081CA919}" type="presParOf" srcId="{5A447CFF-59F3-4408-95EC-27E2E20BD354}" destId="{7949B886-9FD6-41C3-A2D3-C7783F0882CF}" srcOrd="1" destOrd="0" presId="urn:microsoft.com/office/officeart/2005/8/layout/orgChart1"/>
-    <dgm:cxn modelId="{2BB830CA-150C-4AA5-B0CE-5B5EC9C8761B}" type="presParOf" srcId="{5A447CFF-59F3-4408-95EC-27E2E20BD354}" destId="{B3167347-D14B-4E07-9993-438ED309F15C}" srcOrd="2" destOrd="0" presId="urn:microsoft.com/office/officeart/2005/8/layout/orgChart1"/>
     <dgm:cxn modelId="{A5721858-300C-4B61-BE76-BE81D14E1EDB}" type="presParOf" srcId="{C7C3974A-1DF5-4BF7-A22B-7D65EF9D0681}" destId="{3D40944F-8A35-4936-92F9-98E4EA2A46EE}" srcOrd="2" destOrd="0" presId="urn:microsoft.com/office/officeart/2005/8/layout/orgChart1"/>
   </dgm:cxnLst>
   <dgm:bg/>
@@ -3710,7 +4093,7 @@
         </a:bodyPr>
         <a:lstStyle/>
         <a:p>
-          <a:pPr lvl="0" algn="ctr" defTabSz="889000">
+          <a:pPr marL="0" lvl="0" indent="0" algn="ctr" defTabSz="889000">
             <a:lnSpc>
               <a:spcPct val="90000"/>
             </a:lnSpc>
@@ -3720,6 +4103,7 @@
             <a:spcAft>
               <a:spcPct val="35000"/>
             </a:spcAft>
+            <a:buNone/>
           </a:pPr>
           <a:r>
             <a:rPr lang="en-GB" sz="2000" kern="1200" dirty="0" err="1">
@@ -3808,7 +4192,7 @@
         </a:bodyPr>
         <a:lstStyle/>
         <a:p>
-          <a:pPr lvl="0" algn="ctr" defTabSz="889000">
+          <a:pPr marL="0" lvl="0" indent="0" algn="ctr" defTabSz="889000">
             <a:lnSpc>
               <a:spcPct val="90000"/>
             </a:lnSpc>
@@ -3818,9 +4202,10 @@
             <a:spcAft>
               <a:spcPct val="35000"/>
             </a:spcAft>
+            <a:buNone/>
           </a:pPr>
           <a:r>
-            <a:rPr lang="en-GB" sz="2000" kern="1200" dirty="0" err="1" smtClean="0">
+            <a:rPr lang="en-GB" sz="2000" kern="1200" dirty="0" err="1">
               <a:latin typeface="Arial" panose="020B0604020202020204" pitchFamily="34" charset="0"/>
               <a:cs typeface="Arial" panose="020B0604020202020204" pitchFamily="34" charset="0"/>
             </a:rPr>
@@ -3892,7 +4277,7 @@
         </a:bodyPr>
         <a:lstStyle/>
         <a:p>
-          <a:pPr lvl="0" algn="ctr" defTabSz="889000">
+          <a:pPr marL="0" lvl="0" indent="0" algn="ctr" defTabSz="889000">
             <a:lnSpc>
               <a:spcPct val="90000"/>
             </a:lnSpc>
@@ -3902,6 +4287,7 @@
             <a:spcAft>
               <a:spcPct val="35000"/>
             </a:spcAft>
+            <a:buNone/>
           </a:pPr>
           <a:r>
             <a:rPr lang="en-GB" sz="2000" kern="1200" dirty="0" err="1">
@@ -3976,7 +4362,7 @@
         </a:bodyPr>
         <a:lstStyle/>
         <a:p>
-          <a:pPr lvl="0" algn="ctr" defTabSz="889000">
+          <a:pPr marL="0" lvl="0" indent="0" algn="ctr" defTabSz="889000">
             <a:lnSpc>
               <a:spcPct val="90000"/>
             </a:lnSpc>
@@ -3986,6 +4372,7 @@
             <a:spcAft>
               <a:spcPct val="35000"/>
             </a:spcAft>
+            <a:buNone/>
           </a:pPr>
           <a:r>
             <a:rPr lang="en-GB" sz="2000" kern="1200" dirty="0" err="1">
@@ -4060,7 +4447,7 @@
         </a:bodyPr>
         <a:lstStyle/>
         <a:p>
-          <a:pPr lvl="0" algn="ctr" defTabSz="889000">
+          <a:pPr marL="0" lvl="0" indent="0" algn="ctr" defTabSz="889000">
             <a:lnSpc>
               <a:spcPct val="90000"/>
             </a:lnSpc>
@@ -4070,6 +4457,7 @@
             <a:spcAft>
               <a:spcPct val="35000"/>
             </a:spcAft>
+            <a:buNone/>
           </a:pPr>
           <a:r>
             <a:rPr lang="en-GB" sz="2000" kern="1200" dirty="0" err="1">
@@ -4144,7 +4532,7 @@
         </a:bodyPr>
         <a:lstStyle/>
         <a:p>
-          <a:pPr lvl="0" algn="ctr" defTabSz="889000">
+          <a:pPr marL="0" lvl="0" indent="0" algn="ctr" defTabSz="889000">
             <a:lnSpc>
               <a:spcPct val="90000"/>
             </a:lnSpc>
@@ -4154,6 +4542,7 @@
             <a:spcAft>
               <a:spcPct val="35000"/>
             </a:spcAft>
+            <a:buNone/>
           </a:pPr>
           <a:r>
             <a:rPr lang="en-GB" sz="2000" kern="1200" dirty="0" err="1">
@@ -4228,7 +4617,7 @@
         </a:bodyPr>
         <a:lstStyle/>
         <a:p>
-          <a:pPr lvl="0" algn="ctr" defTabSz="889000">
+          <a:pPr marL="0" lvl="0" indent="0" algn="ctr" defTabSz="889000">
             <a:lnSpc>
               <a:spcPct val="90000"/>
             </a:lnSpc>
@@ -4238,6 +4627,7 @@
             <a:spcAft>
               <a:spcPct val="35000"/>
             </a:spcAft>
+            <a:buNone/>
           </a:pPr>
           <a:endParaRPr lang="en-GB" sz="2000" kern="1200" dirty="0">
             <a:latin typeface="Arial" panose="020B0604020202020204" pitchFamily="34" charset="0"/>
@@ -4262,15 +4652,15 @@
       <dsp:cNvGrpSpPr/>
     </dsp:nvGrpSpPr>
     <dsp:grpSpPr/>
-    <dsp:sp modelId="{F67550F7-432C-48D7-8A48-619DCE27301E}">
+    <dsp:sp modelId="{87BE5EB3-DB60-4F74-8CAB-579081070155}">
       <dsp:nvSpPr>
         <dsp:cNvPr id="0" name=""/>
         <dsp:cNvSpPr/>
       </dsp:nvSpPr>
       <dsp:spPr>
         <a:xfrm>
-          <a:off x="4494793" y="3316694"/>
-          <a:ext cx="3774634" cy="244824"/>
+          <a:off x="4503757" y="1047534"/>
+          <a:ext cx="3636629" cy="295686"/>
         </a:xfrm>
         <a:custGeom>
           <a:avLst/>
@@ -4284,75 +4674,13 @@
                 <a:pt x="0" y="0"/>
               </a:moveTo>
               <a:lnTo>
-                <a:pt x="0" y="112305"/>
+                <a:pt x="0" y="135637"/>
               </a:lnTo>
               <a:lnTo>
-                <a:pt x="3774634" y="112305"/>
+                <a:pt x="3636629" y="135637"/>
               </a:lnTo>
               <a:lnTo>
-                <a:pt x="3774634" y="244824"/>
-              </a:lnTo>
-            </a:path>
-          </a:pathLst>
-        </a:custGeom>
-        <a:noFill/>
-        <a:ln w="12700" cap="flat" cmpd="sng" algn="ctr">
-          <a:solidFill>
-            <a:schemeClr val="accent1">
-              <a:shade val="60000"/>
-              <a:hueOff val="0"/>
-              <a:satOff val="0"/>
-              <a:lumOff val="0"/>
-              <a:alphaOff val="0"/>
-            </a:schemeClr>
-          </a:solidFill>
-          <a:prstDash val="solid"/>
-          <a:miter lim="800000"/>
-        </a:ln>
-        <a:effectLst/>
-      </dsp:spPr>
-      <dsp:style>
-        <a:lnRef idx="2">
-          <a:scrgbClr r="0" g="0" b="0"/>
-        </a:lnRef>
-        <a:fillRef idx="0">
-          <a:scrgbClr r="0" g="0" b="0"/>
-        </a:fillRef>
-        <a:effectRef idx="0">
-          <a:scrgbClr r="0" g="0" b="0"/>
-        </a:effectRef>
-        <a:fontRef idx="minor"/>
-      </dsp:style>
-    </dsp:sp>
-    <dsp:sp modelId="{87BE5EB3-DB60-4F74-8CAB-579081070155}">
-      <dsp:nvSpPr>
-        <dsp:cNvPr id="0" name=""/>
-        <dsp:cNvSpPr/>
-      </dsp:nvSpPr>
-      <dsp:spPr>
-        <a:xfrm>
-          <a:off x="4494793" y="3316694"/>
-          <a:ext cx="2247520" cy="244824"/>
-        </a:xfrm>
-        <a:custGeom>
-          <a:avLst/>
-          <a:gdLst/>
-          <a:ahLst/>
-          <a:cxnLst/>
-          <a:rect l="0" t="0" r="0" b="0"/>
-          <a:pathLst>
-            <a:path>
-              <a:moveTo>
-                <a:pt x="0" y="0"/>
-              </a:moveTo>
-              <a:lnTo>
-                <a:pt x="0" y="112305"/>
-              </a:lnTo>
-              <a:lnTo>
-                <a:pt x="2247520" y="112305"/>
-              </a:lnTo>
-              <a:lnTo>
-                <a:pt x="2247520" y="244824"/>
+                <a:pt x="3636629" y="295686"/>
               </a:lnTo>
             </a:path>
           </a:pathLst>
@@ -4393,8 +4721,8 @@
       </dsp:nvSpPr>
       <dsp:spPr>
         <a:xfrm>
-          <a:off x="4494793" y="3316694"/>
-          <a:ext cx="720406" cy="244824"/>
+          <a:off x="4503757" y="1047534"/>
+          <a:ext cx="1792257" cy="295686"/>
         </a:xfrm>
         <a:custGeom>
           <a:avLst/>
@@ -4408,13 +4736,13 @@
                 <a:pt x="0" y="0"/>
               </a:moveTo>
               <a:lnTo>
-                <a:pt x="0" y="112305"/>
+                <a:pt x="0" y="135637"/>
               </a:lnTo>
               <a:lnTo>
-                <a:pt x="720406" y="112305"/>
+                <a:pt x="1792257" y="135637"/>
               </a:lnTo>
               <a:lnTo>
-                <a:pt x="720406" y="244824"/>
+                <a:pt x="1792257" y="295686"/>
               </a:lnTo>
             </a:path>
           </a:pathLst>
@@ -4448,15 +4776,15 @@
         <a:fontRef idx="minor"/>
       </dsp:style>
     </dsp:sp>
-    <dsp:sp modelId="{075DE7FD-AB6D-45A1-88B5-F6DE55537A5C}">
+    <dsp:sp modelId="{00416E62-FBAF-4AA7-AE51-74C6003471F9}">
       <dsp:nvSpPr>
         <dsp:cNvPr id="0" name=""/>
         <dsp:cNvSpPr/>
       </dsp:nvSpPr>
       <dsp:spPr>
         <a:xfrm>
-          <a:off x="3688085" y="3316694"/>
-          <a:ext cx="806707" cy="244824"/>
+          <a:off x="3841933" y="2105357"/>
+          <a:ext cx="228641" cy="4277400"/>
         </a:xfrm>
         <a:custGeom>
           <a:avLst/>
@@ -4467,16 +4795,370 @@
           <a:pathLst>
             <a:path>
               <a:moveTo>
-                <a:pt x="806707" y="0"/>
+                <a:pt x="0" y="0"/>
               </a:moveTo>
               <a:lnTo>
-                <a:pt x="806707" y="112305"/>
+                <a:pt x="0" y="4277400"/>
               </a:lnTo>
               <a:lnTo>
-                <a:pt x="0" y="112305"/>
+                <a:pt x="228641" y="4277400"/>
+              </a:lnTo>
+            </a:path>
+          </a:pathLst>
+        </a:custGeom>
+        <a:noFill/>
+        <a:ln w="12700" cap="flat" cmpd="sng" algn="ctr">
+          <a:solidFill>
+            <a:schemeClr val="accent1">
+              <a:shade val="80000"/>
+              <a:hueOff val="0"/>
+              <a:satOff val="0"/>
+              <a:lumOff val="0"/>
+              <a:alphaOff val="0"/>
+            </a:schemeClr>
+          </a:solidFill>
+          <a:prstDash val="solid"/>
+          <a:miter lim="800000"/>
+        </a:ln>
+        <a:effectLst/>
+      </dsp:spPr>
+      <dsp:style>
+        <a:lnRef idx="2">
+          <a:scrgbClr r="0" g="0" b="0"/>
+        </a:lnRef>
+        <a:fillRef idx="0">
+          <a:scrgbClr r="0" g="0" b="0"/>
+        </a:fillRef>
+        <a:effectRef idx="0">
+          <a:scrgbClr r="0" g="0" b="0"/>
+        </a:effectRef>
+        <a:fontRef idx="minor"/>
+      </dsp:style>
+    </dsp:sp>
+    <dsp:sp modelId="{1BF37D4C-6B8D-491C-BFA6-EF055187F912}">
+      <dsp:nvSpPr>
+        <dsp:cNvPr id="0" name=""/>
+        <dsp:cNvSpPr/>
+      </dsp:nvSpPr>
+      <dsp:spPr>
+        <a:xfrm>
+          <a:off x="3841933" y="2105357"/>
+          <a:ext cx="228641" cy="3528791"/>
+        </a:xfrm>
+        <a:custGeom>
+          <a:avLst/>
+          <a:gdLst/>
+          <a:ahLst/>
+          <a:cxnLst/>
+          <a:rect l="0" t="0" r="0" b="0"/>
+          <a:pathLst>
+            <a:path>
+              <a:moveTo>
+                <a:pt x="0" y="0"/>
+              </a:moveTo>
+              <a:lnTo>
+                <a:pt x="0" y="3528791"/>
               </a:lnTo>
               <a:lnTo>
-                <a:pt x="0" y="244824"/>
+                <a:pt x="228641" y="3528791"/>
+              </a:lnTo>
+            </a:path>
+          </a:pathLst>
+        </a:custGeom>
+        <a:noFill/>
+        <a:ln w="12700" cap="flat" cmpd="sng" algn="ctr">
+          <a:solidFill>
+            <a:schemeClr val="accent1">
+              <a:shade val="80000"/>
+              <a:hueOff val="0"/>
+              <a:satOff val="0"/>
+              <a:lumOff val="0"/>
+              <a:alphaOff val="0"/>
+            </a:schemeClr>
+          </a:solidFill>
+          <a:prstDash val="solid"/>
+          <a:miter lim="800000"/>
+        </a:ln>
+        <a:effectLst/>
+      </dsp:spPr>
+      <dsp:style>
+        <a:lnRef idx="2">
+          <a:scrgbClr r="0" g="0" b="0"/>
+        </a:lnRef>
+        <a:fillRef idx="0">
+          <a:scrgbClr r="0" g="0" b="0"/>
+        </a:fillRef>
+        <a:effectRef idx="0">
+          <a:scrgbClr r="0" g="0" b="0"/>
+        </a:effectRef>
+        <a:fontRef idx="minor"/>
+      </dsp:style>
+    </dsp:sp>
+    <dsp:sp modelId="{6BB70260-FBF6-4FD9-8B99-A7ECE1F53A39}">
+      <dsp:nvSpPr>
+        <dsp:cNvPr id="0" name=""/>
+        <dsp:cNvSpPr/>
+      </dsp:nvSpPr>
+      <dsp:spPr>
+        <a:xfrm>
+          <a:off x="3841933" y="2105357"/>
+          <a:ext cx="228641" cy="2780181"/>
+        </a:xfrm>
+        <a:custGeom>
+          <a:avLst/>
+          <a:gdLst/>
+          <a:ahLst/>
+          <a:cxnLst/>
+          <a:rect l="0" t="0" r="0" b="0"/>
+          <a:pathLst>
+            <a:path>
+              <a:moveTo>
+                <a:pt x="0" y="0"/>
+              </a:moveTo>
+              <a:lnTo>
+                <a:pt x="0" y="2780181"/>
+              </a:lnTo>
+              <a:lnTo>
+                <a:pt x="228641" y="2780181"/>
+              </a:lnTo>
+            </a:path>
+          </a:pathLst>
+        </a:custGeom>
+        <a:noFill/>
+        <a:ln w="12700" cap="flat" cmpd="sng" algn="ctr">
+          <a:solidFill>
+            <a:schemeClr val="accent1">
+              <a:shade val="80000"/>
+              <a:hueOff val="0"/>
+              <a:satOff val="0"/>
+              <a:lumOff val="0"/>
+              <a:alphaOff val="0"/>
+            </a:schemeClr>
+          </a:solidFill>
+          <a:prstDash val="solid"/>
+          <a:miter lim="800000"/>
+        </a:ln>
+        <a:effectLst/>
+      </dsp:spPr>
+      <dsp:style>
+        <a:lnRef idx="2">
+          <a:scrgbClr r="0" g="0" b="0"/>
+        </a:lnRef>
+        <a:fillRef idx="0">
+          <a:scrgbClr r="0" g="0" b="0"/>
+        </a:fillRef>
+        <a:effectRef idx="0">
+          <a:scrgbClr r="0" g="0" b="0"/>
+        </a:effectRef>
+        <a:fontRef idx="minor"/>
+      </dsp:style>
+    </dsp:sp>
+    <dsp:sp modelId="{FB0D67E1-4705-4C5A-A8BE-E373C4C7F8DC}">
+      <dsp:nvSpPr>
+        <dsp:cNvPr id="0" name=""/>
+        <dsp:cNvSpPr/>
+      </dsp:nvSpPr>
+      <dsp:spPr>
+        <a:xfrm>
+          <a:off x="3841933" y="2105357"/>
+          <a:ext cx="228641" cy="2031572"/>
+        </a:xfrm>
+        <a:custGeom>
+          <a:avLst/>
+          <a:gdLst/>
+          <a:ahLst/>
+          <a:cxnLst/>
+          <a:rect l="0" t="0" r="0" b="0"/>
+          <a:pathLst>
+            <a:path>
+              <a:moveTo>
+                <a:pt x="0" y="0"/>
+              </a:moveTo>
+              <a:lnTo>
+                <a:pt x="0" y="2031572"/>
+              </a:lnTo>
+              <a:lnTo>
+                <a:pt x="228641" y="2031572"/>
+              </a:lnTo>
+            </a:path>
+          </a:pathLst>
+        </a:custGeom>
+        <a:noFill/>
+        <a:ln w="12700" cap="flat" cmpd="sng" algn="ctr">
+          <a:solidFill>
+            <a:schemeClr val="accent1">
+              <a:shade val="80000"/>
+              <a:hueOff val="0"/>
+              <a:satOff val="0"/>
+              <a:lumOff val="0"/>
+              <a:alphaOff val="0"/>
+            </a:schemeClr>
+          </a:solidFill>
+          <a:prstDash val="solid"/>
+          <a:miter lim="800000"/>
+        </a:ln>
+        <a:effectLst/>
+      </dsp:spPr>
+      <dsp:style>
+        <a:lnRef idx="2">
+          <a:scrgbClr r="0" g="0" b="0"/>
+        </a:lnRef>
+        <a:fillRef idx="0">
+          <a:scrgbClr r="0" g="0" b="0"/>
+        </a:fillRef>
+        <a:effectRef idx="0">
+          <a:scrgbClr r="0" g="0" b="0"/>
+        </a:effectRef>
+        <a:fontRef idx="minor"/>
+      </dsp:style>
+    </dsp:sp>
+    <dsp:sp modelId="{DE72DF6E-144C-454B-9565-EC52D8FB4D37}">
+      <dsp:nvSpPr>
+        <dsp:cNvPr id="0" name=""/>
+        <dsp:cNvSpPr/>
+      </dsp:nvSpPr>
+      <dsp:spPr>
+        <a:xfrm>
+          <a:off x="3841933" y="2105357"/>
+          <a:ext cx="228641" cy="1282962"/>
+        </a:xfrm>
+        <a:custGeom>
+          <a:avLst/>
+          <a:gdLst/>
+          <a:ahLst/>
+          <a:cxnLst/>
+          <a:rect l="0" t="0" r="0" b="0"/>
+          <a:pathLst>
+            <a:path>
+              <a:moveTo>
+                <a:pt x="0" y="0"/>
+              </a:moveTo>
+              <a:lnTo>
+                <a:pt x="0" y="1282962"/>
+              </a:lnTo>
+              <a:lnTo>
+                <a:pt x="228641" y="1282962"/>
+              </a:lnTo>
+            </a:path>
+          </a:pathLst>
+        </a:custGeom>
+        <a:noFill/>
+        <a:ln w="12700" cap="flat" cmpd="sng" algn="ctr">
+          <a:solidFill>
+            <a:schemeClr val="accent1">
+              <a:shade val="80000"/>
+              <a:hueOff val="0"/>
+              <a:satOff val="0"/>
+              <a:lumOff val="0"/>
+              <a:alphaOff val="0"/>
+            </a:schemeClr>
+          </a:solidFill>
+          <a:prstDash val="solid"/>
+          <a:miter lim="800000"/>
+        </a:ln>
+        <a:effectLst/>
+      </dsp:spPr>
+      <dsp:style>
+        <a:lnRef idx="2">
+          <a:scrgbClr r="0" g="0" b="0"/>
+        </a:lnRef>
+        <a:fillRef idx="0">
+          <a:scrgbClr r="0" g="0" b="0"/>
+        </a:fillRef>
+        <a:effectRef idx="0">
+          <a:scrgbClr r="0" g="0" b="0"/>
+        </a:effectRef>
+        <a:fontRef idx="minor"/>
+      </dsp:style>
+    </dsp:sp>
+    <dsp:sp modelId="{A148AF3D-8225-4C90-9973-D39067016BF1}">
+      <dsp:nvSpPr>
+        <dsp:cNvPr id="0" name=""/>
+        <dsp:cNvSpPr/>
+      </dsp:nvSpPr>
+      <dsp:spPr>
+        <a:xfrm>
+          <a:off x="3841933" y="2105357"/>
+          <a:ext cx="228641" cy="534353"/>
+        </a:xfrm>
+        <a:custGeom>
+          <a:avLst/>
+          <a:gdLst/>
+          <a:ahLst/>
+          <a:cxnLst/>
+          <a:rect l="0" t="0" r="0" b="0"/>
+          <a:pathLst>
+            <a:path>
+              <a:moveTo>
+                <a:pt x="0" y="0"/>
+              </a:moveTo>
+              <a:lnTo>
+                <a:pt x="0" y="534353"/>
+              </a:lnTo>
+              <a:lnTo>
+                <a:pt x="228641" y="534353"/>
+              </a:lnTo>
+            </a:path>
+          </a:pathLst>
+        </a:custGeom>
+        <a:noFill/>
+        <a:ln w="12700" cap="flat" cmpd="sng" algn="ctr">
+          <a:solidFill>
+            <a:schemeClr val="accent1">
+              <a:shade val="80000"/>
+              <a:hueOff val="0"/>
+              <a:satOff val="0"/>
+              <a:lumOff val="0"/>
+              <a:alphaOff val="0"/>
+            </a:schemeClr>
+          </a:solidFill>
+          <a:prstDash val="solid"/>
+          <a:miter lim="800000"/>
+        </a:ln>
+        <a:effectLst/>
+      </dsp:spPr>
+      <dsp:style>
+        <a:lnRef idx="2">
+          <a:scrgbClr r="0" g="0" b="0"/>
+        </a:lnRef>
+        <a:fillRef idx="0">
+          <a:scrgbClr r="0" g="0" b="0"/>
+        </a:fillRef>
+        <a:effectRef idx="0">
+          <a:scrgbClr r="0" g="0" b="0"/>
+        </a:effectRef>
+        <a:fontRef idx="minor"/>
+      </dsp:style>
+    </dsp:sp>
+    <dsp:sp modelId="{075DE7FD-AB6D-45A1-88B5-F6DE55537A5C}">
+      <dsp:nvSpPr>
+        <dsp:cNvPr id="0" name=""/>
+        <dsp:cNvSpPr/>
+      </dsp:nvSpPr>
+      <dsp:spPr>
+        <a:xfrm>
+          <a:off x="4405923" y="1047534"/>
+          <a:ext cx="91440" cy="295686"/>
+        </a:xfrm>
+        <a:custGeom>
+          <a:avLst/>
+          <a:gdLst/>
+          <a:ahLst/>
+          <a:cxnLst/>
+          <a:rect l="0" t="0" r="0" b="0"/>
+          <a:pathLst>
+            <a:path>
+              <a:moveTo>
+                <a:pt x="97834" y="0"/>
+              </a:moveTo>
+              <a:lnTo>
+                <a:pt x="97834" y="135637"/>
+              </a:lnTo>
+              <a:lnTo>
+                <a:pt x="45720" y="135637"/>
+              </a:lnTo>
+              <a:lnTo>
+                <a:pt x="45720" y="295686"/>
               </a:lnTo>
             </a:path>
           </a:pathLst>
@@ -4517,8 +5199,8 @@
       </dsp:nvSpPr>
       <dsp:spPr>
         <a:xfrm>
-          <a:off x="2160971" y="3316694"/>
-          <a:ext cx="2333821" cy="244824"/>
+          <a:off x="2607270" y="1047534"/>
+          <a:ext cx="1896487" cy="295686"/>
         </a:xfrm>
         <a:custGeom>
           <a:avLst/>
@@ -4529,16 +5211,16 @@
           <a:pathLst>
             <a:path>
               <a:moveTo>
-                <a:pt x="2333821" y="0"/>
+                <a:pt x="1896487" y="0"/>
               </a:moveTo>
               <a:lnTo>
-                <a:pt x="2333821" y="112305"/>
+                <a:pt x="1896487" y="135637"/>
               </a:lnTo>
               <a:lnTo>
-                <a:pt x="0" y="112305"/>
+                <a:pt x="0" y="135637"/>
               </a:lnTo>
               <a:lnTo>
-                <a:pt x="0" y="244824"/>
+                <a:pt x="0" y="295686"/>
               </a:lnTo>
             </a:path>
           </a:pathLst>
@@ -4572,15 +5254,15 @@
         <a:fontRef idx="minor"/>
       </dsp:style>
     </dsp:sp>
-    <dsp:sp modelId="{C79737FA-DA68-4B50-9686-82FBED4993F4}">
+    <dsp:sp modelId="{83BFE1B7-4CFE-4414-B2E2-2937D4F9C17F}">
       <dsp:nvSpPr>
         <dsp:cNvPr id="0" name=""/>
         <dsp:cNvSpPr/>
       </dsp:nvSpPr>
       <dsp:spPr>
         <a:xfrm>
-          <a:off x="633857" y="3316694"/>
-          <a:ext cx="3860935" cy="244824"/>
+          <a:off x="107468" y="2105357"/>
+          <a:ext cx="91440" cy="2885513"/>
         </a:xfrm>
         <a:custGeom>
           <a:avLst/>
@@ -4591,16 +5273,193 @@
           <a:pathLst>
             <a:path>
               <a:moveTo>
-                <a:pt x="3860935" y="0"/>
+                <a:pt x="45720" y="0"/>
               </a:moveTo>
               <a:lnTo>
-                <a:pt x="3860935" y="112305"/>
+                <a:pt x="45720" y="2885513"/>
               </a:lnTo>
               <a:lnTo>
-                <a:pt x="0" y="112305"/>
+                <a:pt x="95457" y="2885513"/>
+              </a:lnTo>
+            </a:path>
+          </a:pathLst>
+        </a:custGeom>
+        <a:noFill/>
+        <a:ln w="12700" cap="flat" cmpd="sng" algn="ctr">
+          <a:solidFill>
+            <a:schemeClr val="accent1">
+              <a:shade val="80000"/>
+              <a:hueOff val="0"/>
+              <a:satOff val="0"/>
+              <a:lumOff val="0"/>
+              <a:alphaOff val="0"/>
+            </a:schemeClr>
+          </a:solidFill>
+          <a:prstDash val="solid"/>
+          <a:miter lim="800000"/>
+        </a:ln>
+        <a:effectLst/>
+      </dsp:spPr>
+      <dsp:style>
+        <a:lnRef idx="2">
+          <a:scrgbClr r="0" g="0" b="0"/>
+        </a:lnRef>
+        <a:fillRef idx="0">
+          <a:scrgbClr r="0" g="0" b="0"/>
+        </a:fillRef>
+        <a:effectRef idx="0">
+          <a:scrgbClr r="0" g="0" b="0"/>
+        </a:effectRef>
+        <a:fontRef idx="minor"/>
+      </dsp:style>
+    </dsp:sp>
+    <dsp:sp modelId="{F5935B02-3EAE-43D8-83D7-0568EA754FE3}">
+      <dsp:nvSpPr>
+        <dsp:cNvPr id="0" name=""/>
+        <dsp:cNvSpPr/>
+      </dsp:nvSpPr>
+      <dsp:spPr>
+        <a:xfrm>
+          <a:off x="107468" y="2105357"/>
+          <a:ext cx="91440" cy="1803277"/>
+        </a:xfrm>
+        <a:custGeom>
+          <a:avLst/>
+          <a:gdLst/>
+          <a:ahLst/>
+          <a:cxnLst/>
+          <a:rect l="0" t="0" r="0" b="0"/>
+          <a:pathLst>
+            <a:path>
+              <a:moveTo>
+                <a:pt x="45720" y="0"/>
+              </a:moveTo>
+              <a:lnTo>
+                <a:pt x="45720" y="1803277"/>
               </a:lnTo>
               <a:lnTo>
-                <a:pt x="0" y="244824"/>
+                <a:pt x="95457" y="1803277"/>
+              </a:lnTo>
+            </a:path>
+          </a:pathLst>
+        </a:custGeom>
+        <a:noFill/>
+        <a:ln w="12700" cap="flat" cmpd="sng" algn="ctr">
+          <a:solidFill>
+            <a:schemeClr val="accent1">
+              <a:shade val="80000"/>
+              <a:hueOff val="0"/>
+              <a:satOff val="0"/>
+              <a:lumOff val="0"/>
+              <a:alphaOff val="0"/>
+            </a:schemeClr>
+          </a:solidFill>
+          <a:prstDash val="solid"/>
+          <a:miter lim="800000"/>
+        </a:ln>
+        <a:effectLst/>
+      </dsp:spPr>
+      <dsp:style>
+        <a:lnRef idx="2">
+          <a:scrgbClr r="0" g="0" b="0"/>
+        </a:lnRef>
+        <a:fillRef idx="0">
+          <a:scrgbClr r="0" g="0" b="0"/>
+        </a:fillRef>
+        <a:effectRef idx="0">
+          <a:scrgbClr r="0" g="0" b="0"/>
+        </a:effectRef>
+        <a:fontRef idx="minor"/>
+      </dsp:style>
+    </dsp:sp>
+    <dsp:sp modelId="{BCCB5965-B0E0-45CC-8894-BE1731CC57E2}">
+      <dsp:nvSpPr>
+        <dsp:cNvPr id="0" name=""/>
+        <dsp:cNvSpPr/>
+      </dsp:nvSpPr>
+      <dsp:spPr>
+        <a:xfrm>
+          <a:off x="107468" y="2105357"/>
+          <a:ext cx="91440" cy="721042"/>
+        </a:xfrm>
+        <a:custGeom>
+          <a:avLst/>
+          <a:gdLst/>
+          <a:ahLst/>
+          <a:cxnLst/>
+          <a:rect l="0" t="0" r="0" b="0"/>
+          <a:pathLst>
+            <a:path>
+              <a:moveTo>
+                <a:pt x="45720" y="0"/>
+              </a:moveTo>
+              <a:lnTo>
+                <a:pt x="45720" y="721042"/>
+              </a:lnTo>
+              <a:lnTo>
+                <a:pt x="95457" y="721042"/>
+              </a:lnTo>
+            </a:path>
+          </a:pathLst>
+        </a:custGeom>
+        <a:noFill/>
+        <a:ln w="12700" cap="flat" cmpd="sng" algn="ctr">
+          <a:solidFill>
+            <a:schemeClr val="accent1">
+              <a:shade val="80000"/>
+              <a:hueOff val="0"/>
+              <a:satOff val="0"/>
+              <a:lumOff val="0"/>
+              <a:alphaOff val="0"/>
+            </a:schemeClr>
+          </a:solidFill>
+          <a:prstDash val="solid"/>
+          <a:miter lim="800000"/>
+        </a:ln>
+        <a:effectLst/>
+      </dsp:spPr>
+      <dsp:style>
+        <a:lnRef idx="2">
+          <a:scrgbClr r="0" g="0" b="0"/>
+        </a:lnRef>
+        <a:fillRef idx="0">
+          <a:scrgbClr r="0" g="0" b="0"/>
+        </a:fillRef>
+        <a:effectRef idx="0">
+          <a:scrgbClr r="0" g="0" b="0"/>
+        </a:effectRef>
+        <a:fontRef idx="minor"/>
+      </dsp:style>
+    </dsp:sp>
+    <dsp:sp modelId="{C79737FA-DA68-4B50-9686-82FBED4993F4}">
+      <dsp:nvSpPr>
+        <dsp:cNvPr id="0" name=""/>
+        <dsp:cNvSpPr/>
+      </dsp:nvSpPr>
+      <dsp:spPr>
+        <a:xfrm>
+          <a:off x="762898" y="1047534"/>
+          <a:ext cx="3740859" cy="295686"/>
+        </a:xfrm>
+        <a:custGeom>
+          <a:avLst/>
+          <a:gdLst/>
+          <a:ahLst/>
+          <a:cxnLst/>
+          <a:rect l="0" t="0" r="0" b="0"/>
+          <a:pathLst>
+            <a:path>
+              <a:moveTo>
+                <a:pt x="3740859" y="0"/>
+              </a:moveTo>
+              <a:lnTo>
+                <a:pt x="3740859" y="135637"/>
+              </a:lnTo>
+              <a:lnTo>
+                <a:pt x="0" y="135637"/>
+              </a:lnTo>
+              <a:lnTo>
+                <a:pt x="0" y="295686"/>
               </a:lnTo>
             </a:path>
           </a:pathLst>
@@ -4641,8 +5500,8 @@
       </dsp:nvSpPr>
       <dsp:spPr>
         <a:xfrm>
-          <a:off x="3863754" y="2685655"/>
-          <a:ext cx="1262077" cy="631038"/>
+          <a:off x="3741620" y="285396"/>
+          <a:ext cx="1524274" cy="762137"/>
         </a:xfrm>
         <a:prstGeom prst="rect">
           <a:avLst/>
@@ -4689,7 +5548,7 @@
         </a:bodyPr>
         <a:lstStyle/>
         <a:p>
-          <a:pPr lvl="0" algn="ctr" defTabSz="889000">
+          <a:pPr marL="0" lvl="0" indent="0" algn="ctr" defTabSz="889000">
             <a:lnSpc>
               <a:spcPct val="90000"/>
             </a:lnSpc>
@@ -4699,37 +5558,38 @@
             <a:spcAft>
               <a:spcPct val="35000"/>
             </a:spcAft>
+            <a:buNone/>
           </a:pPr>
           <a:r>
-            <a:rPr lang="en-GB" sz="2000" kern="1200" dirty="0" err="1">
+            <a:rPr lang="en-GB" sz="2000" u="none" kern="1200" dirty="0" err="1">
               <a:latin typeface="Arial" panose="020B0604020202020204" pitchFamily="34" charset="0"/>
               <a:cs typeface="Arial" panose="020B0604020202020204" pitchFamily="34" charset="0"/>
             </a:rPr>
             <a:t>Eventos</a:t>
           </a:r>
           <a:r>
-            <a:rPr lang="en-GB" sz="2000" kern="1200" dirty="0">
+            <a:rPr lang="en-GB" sz="2000" u="none" kern="1200" dirty="0">
               <a:latin typeface="Arial" panose="020B0604020202020204" pitchFamily="34" charset="0"/>
               <a:cs typeface="Arial" panose="020B0604020202020204" pitchFamily="34" charset="0"/>
             </a:rPr>
             <a:t> </a:t>
           </a:r>
           <a:r>
-            <a:rPr lang="en-GB" sz="2000" kern="1200" dirty="0" err="1">
+            <a:rPr lang="en-GB" sz="2000" u="none" kern="1200" dirty="0" err="1">
               <a:latin typeface="Arial" panose="020B0604020202020204" pitchFamily="34" charset="0"/>
               <a:cs typeface="Arial" panose="020B0604020202020204" pitchFamily="34" charset="0"/>
             </a:rPr>
             <a:t>Covilhã</a:t>
           </a:r>
-          <a:endParaRPr lang="en-GB" sz="2000" kern="1200" dirty="0">
+          <a:endParaRPr lang="en-GB" sz="2000" u="none" kern="1200" dirty="0">
             <a:latin typeface="Arial" panose="020B0604020202020204" pitchFamily="34" charset="0"/>
             <a:cs typeface="Arial" panose="020B0604020202020204" pitchFamily="34" charset="0"/>
           </a:endParaRPr>
         </a:p>
       </dsp:txBody>
       <dsp:txXfrm>
-        <a:off x="3863754" y="2685655"/>
-        <a:ext cx="1262077" cy="631038"/>
+        <a:off x="3741620" y="285396"/>
+        <a:ext cx="1524274" cy="762137"/>
       </dsp:txXfrm>
     </dsp:sp>
     <dsp:sp modelId="{BB899C3E-7977-48D2-838C-0A0A4E22407E}">
@@ -4739,8 +5599,8 @@
       </dsp:nvSpPr>
       <dsp:spPr>
         <a:xfrm>
-          <a:off x="2818" y="3561518"/>
-          <a:ext cx="1262077" cy="631038"/>
+          <a:off x="760" y="1343220"/>
+          <a:ext cx="1524274" cy="762137"/>
         </a:xfrm>
         <a:prstGeom prst="rect">
           <a:avLst/>
@@ -4787,7 +5647,7 @@
         </a:bodyPr>
         <a:lstStyle/>
         <a:p>
-          <a:pPr lvl="0" algn="ctr" defTabSz="889000">
+          <a:pPr marL="0" lvl="0" indent="0" algn="ctr" defTabSz="889000">
             <a:lnSpc>
               <a:spcPct val="90000"/>
             </a:lnSpc>
@@ -4797,23 +5657,263 @@
             <a:spcAft>
               <a:spcPct val="35000"/>
             </a:spcAft>
+            <a:buNone/>
           </a:pPr>
           <a:r>
-            <a:rPr lang="en-GB" sz="2000" kern="1200" dirty="0" err="1" smtClean="0">
+            <a:rPr lang="en-GB" sz="2000" u="none" kern="1200" dirty="0" err="1">
               <a:latin typeface="Arial" panose="020B0604020202020204" pitchFamily="34" charset="0"/>
               <a:cs typeface="Arial" panose="020B0604020202020204" pitchFamily="34" charset="0"/>
             </a:rPr>
             <a:t>Início</a:t>
           </a:r>
-          <a:endParaRPr lang="en-GB" sz="2000" kern="1200" dirty="0">
+          <a:endParaRPr lang="en-GB" sz="2000" u="none" kern="1200" dirty="0">
             <a:latin typeface="Arial" panose="020B0604020202020204" pitchFamily="34" charset="0"/>
             <a:cs typeface="Arial" panose="020B0604020202020204" pitchFamily="34" charset="0"/>
           </a:endParaRPr>
         </a:p>
       </dsp:txBody>
       <dsp:txXfrm>
-        <a:off x="2818" y="3561518"/>
-        <a:ext cx="1262077" cy="631038"/>
+        <a:off x="760" y="1343220"/>
+        <a:ext cx="1524274" cy="762137"/>
+      </dsp:txXfrm>
+    </dsp:sp>
+    <dsp:sp modelId="{5BD05F6E-C87D-423B-8545-489C3582E9A5}">
+      <dsp:nvSpPr>
+        <dsp:cNvPr id="0" name=""/>
+        <dsp:cNvSpPr/>
+      </dsp:nvSpPr>
+      <dsp:spPr>
+        <a:xfrm>
+          <a:off x="202925" y="2445332"/>
+          <a:ext cx="1524274" cy="762137"/>
+        </a:xfrm>
+        <a:prstGeom prst="rect">
+          <a:avLst/>
+        </a:prstGeom>
+        <a:solidFill>
+          <a:schemeClr val="accent1">
+            <a:hueOff val="0"/>
+            <a:satOff val="0"/>
+            <a:lumOff val="0"/>
+            <a:alphaOff val="0"/>
+          </a:schemeClr>
+        </a:solidFill>
+        <a:ln w="12700" cap="flat" cmpd="sng" algn="ctr">
+          <a:solidFill>
+            <a:schemeClr val="lt1">
+              <a:hueOff val="0"/>
+              <a:satOff val="0"/>
+              <a:lumOff val="0"/>
+              <a:alphaOff val="0"/>
+            </a:schemeClr>
+          </a:solidFill>
+          <a:prstDash val="solid"/>
+          <a:miter lim="800000"/>
+        </a:ln>
+        <a:effectLst/>
+      </dsp:spPr>
+      <dsp:style>
+        <a:lnRef idx="2">
+          <a:scrgbClr r="0" g="0" b="0"/>
+        </a:lnRef>
+        <a:fillRef idx="1">
+          <a:scrgbClr r="0" g="0" b="0"/>
+        </a:fillRef>
+        <a:effectRef idx="0">
+          <a:scrgbClr r="0" g="0" b="0"/>
+        </a:effectRef>
+        <a:fontRef idx="minor">
+          <a:schemeClr val="lt1"/>
+        </a:fontRef>
+      </dsp:style>
+      <dsp:txBody>
+        <a:bodyPr spcFirstLastPara="0" vert="horz" wrap="square" lIns="19050" tIns="19050" rIns="19050" bIns="19050" numCol="1" spcCol="1270" anchor="ctr" anchorCtr="0">
+          <a:noAutofit/>
+        </a:bodyPr>
+        <a:lstStyle/>
+        <a:p>
+          <a:pPr marL="0" lvl="0" indent="0" algn="ctr" defTabSz="1333500">
+            <a:lnSpc>
+              <a:spcPct val="90000"/>
+            </a:lnSpc>
+            <a:spcBef>
+              <a:spcPct val="0"/>
+            </a:spcBef>
+            <a:spcAft>
+              <a:spcPct val="35000"/>
+            </a:spcAft>
+            <a:buNone/>
+          </a:pPr>
+          <a:r>
+            <a:rPr lang="pt-PT" sz="3000" u="none" kern="1200" dirty="0"/>
+            <a:t>Porquê Covilhã</a:t>
+          </a:r>
+        </a:p>
+      </dsp:txBody>
+      <dsp:txXfrm>
+        <a:off x="202925" y="2445332"/>
+        <a:ext cx="1524274" cy="762137"/>
+      </dsp:txXfrm>
+    </dsp:sp>
+    <dsp:sp modelId="{AED2CD70-00FB-4D86-A988-A2B3331A944F}">
+      <dsp:nvSpPr>
+        <dsp:cNvPr id="0" name=""/>
+        <dsp:cNvSpPr/>
+      </dsp:nvSpPr>
+      <dsp:spPr>
+        <a:xfrm>
+          <a:off x="202925" y="3527567"/>
+          <a:ext cx="1524274" cy="762137"/>
+        </a:xfrm>
+        <a:prstGeom prst="rect">
+          <a:avLst/>
+        </a:prstGeom>
+        <a:solidFill>
+          <a:schemeClr val="accent1">
+            <a:hueOff val="0"/>
+            <a:satOff val="0"/>
+            <a:lumOff val="0"/>
+            <a:alphaOff val="0"/>
+          </a:schemeClr>
+        </a:solidFill>
+        <a:ln w="12700" cap="flat" cmpd="sng" algn="ctr">
+          <a:solidFill>
+            <a:schemeClr val="lt1">
+              <a:hueOff val="0"/>
+              <a:satOff val="0"/>
+              <a:lumOff val="0"/>
+              <a:alphaOff val="0"/>
+            </a:schemeClr>
+          </a:solidFill>
+          <a:prstDash val="solid"/>
+          <a:miter lim="800000"/>
+        </a:ln>
+        <a:effectLst/>
+      </dsp:spPr>
+      <dsp:style>
+        <a:lnRef idx="2">
+          <a:scrgbClr r="0" g="0" b="0"/>
+        </a:lnRef>
+        <a:fillRef idx="1">
+          <a:scrgbClr r="0" g="0" b="0"/>
+        </a:fillRef>
+        <a:effectRef idx="0">
+          <a:scrgbClr r="0" g="0" b="0"/>
+        </a:effectRef>
+        <a:fontRef idx="minor">
+          <a:schemeClr val="lt1"/>
+        </a:fontRef>
+      </dsp:style>
+      <dsp:txBody>
+        <a:bodyPr spcFirstLastPara="0" vert="horz" wrap="square" lIns="11430" tIns="11430" rIns="11430" bIns="11430" numCol="1" spcCol="1270" anchor="ctr" anchorCtr="0">
+          <a:noAutofit/>
+        </a:bodyPr>
+        <a:lstStyle/>
+        <a:p>
+          <a:pPr marL="0" lvl="0" indent="0" algn="ctr" defTabSz="800100">
+            <a:lnSpc>
+              <a:spcPct val="90000"/>
+            </a:lnSpc>
+            <a:spcBef>
+              <a:spcPct val="0"/>
+            </a:spcBef>
+            <a:spcAft>
+              <a:spcPct val="35000"/>
+            </a:spcAft>
+            <a:buNone/>
+          </a:pPr>
+          <a:r>
+            <a:rPr lang="pt-PT" sz="1800" u="none" kern="1200" dirty="0"/>
+            <a:t>Chegar à </a:t>
+          </a:r>
+          <a:r>
+            <a:rPr lang="pt-PT" sz="1800" u="none" kern="1200" dirty="0" err="1"/>
+            <a:t>covilhã</a:t>
+          </a:r>
+          <a:endParaRPr lang="pt-PT" sz="1800" u="none" kern="1200" dirty="0"/>
+        </a:p>
+      </dsp:txBody>
+      <dsp:txXfrm>
+        <a:off x="202925" y="3527567"/>
+        <a:ext cx="1524274" cy="762137"/>
+      </dsp:txXfrm>
+    </dsp:sp>
+    <dsp:sp modelId="{9C5E7AE7-E733-492C-8D9D-2B4E12574136}">
+      <dsp:nvSpPr>
+        <dsp:cNvPr id="0" name=""/>
+        <dsp:cNvSpPr/>
+      </dsp:nvSpPr>
+      <dsp:spPr>
+        <a:xfrm>
+          <a:off x="202925" y="4609802"/>
+          <a:ext cx="1524274" cy="762137"/>
+        </a:xfrm>
+        <a:prstGeom prst="rect">
+          <a:avLst/>
+        </a:prstGeom>
+        <a:solidFill>
+          <a:schemeClr val="accent1">
+            <a:hueOff val="0"/>
+            <a:satOff val="0"/>
+            <a:lumOff val="0"/>
+            <a:alphaOff val="0"/>
+          </a:schemeClr>
+        </a:solidFill>
+        <a:ln w="12700" cap="flat" cmpd="sng" algn="ctr">
+          <a:solidFill>
+            <a:schemeClr val="lt1">
+              <a:hueOff val="0"/>
+              <a:satOff val="0"/>
+              <a:lumOff val="0"/>
+              <a:alphaOff val="0"/>
+            </a:schemeClr>
+          </a:solidFill>
+          <a:prstDash val="solid"/>
+          <a:miter lim="800000"/>
+        </a:ln>
+        <a:effectLst/>
+      </dsp:spPr>
+      <dsp:style>
+        <a:lnRef idx="2">
+          <a:scrgbClr r="0" g="0" b="0"/>
+        </a:lnRef>
+        <a:fillRef idx="1">
+          <a:scrgbClr r="0" g="0" b="0"/>
+        </a:fillRef>
+        <a:effectRef idx="0">
+          <a:scrgbClr r="0" g="0" b="0"/>
+        </a:effectRef>
+        <a:fontRef idx="minor">
+          <a:schemeClr val="lt1"/>
+        </a:fontRef>
+      </dsp:style>
+      <dsp:txBody>
+        <a:bodyPr spcFirstLastPara="0" vert="horz" wrap="square" lIns="11430" tIns="11430" rIns="11430" bIns="11430" numCol="1" spcCol="1270" anchor="ctr" anchorCtr="0">
+          <a:noAutofit/>
+        </a:bodyPr>
+        <a:lstStyle/>
+        <a:p>
+          <a:pPr marL="0" lvl="0" indent="0" algn="ctr" defTabSz="800100">
+            <a:lnSpc>
+              <a:spcPct val="90000"/>
+            </a:lnSpc>
+            <a:spcBef>
+              <a:spcPct val="0"/>
+            </a:spcBef>
+            <a:spcAft>
+              <a:spcPct val="35000"/>
+            </a:spcAft>
+            <a:buNone/>
+          </a:pPr>
+          <a:r>
+            <a:rPr lang="pt-PT" sz="1800" u="none" kern="1200" dirty="0"/>
+            <a:t>Mapa</a:t>
+          </a:r>
+        </a:p>
+      </dsp:txBody>
+      <dsp:txXfrm>
+        <a:off x="202925" y="4609802"/>
+        <a:ext cx="1524274" cy="762137"/>
       </dsp:txXfrm>
     </dsp:sp>
     <dsp:sp modelId="{3DCFB508-F20D-419B-97A2-A0EA8AAE62B8}">
@@ -4823,8 +5923,8 @@
       </dsp:nvSpPr>
       <dsp:spPr>
         <a:xfrm>
-          <a:off x="1529933" y="3561518"/>
-          <a:ext cx="1262077" cy="631038"/>
+          <a:off x="1845133" y="1343220"/>
+          <a:ext cx="1524274" cy="762137"/>
         </a:xfrm>
         <a:prstGeom prst="rect">
           <a:avLst/>
@@ -4871,7 +5971,7 @@
         </a:bodyPr>
         <a:lstStyle/>
         <a:p>
-          <a:pPr lvl="0" algn="ctr" defTabSz="889000">
+          <a:pPr marL="0" lvl="0" indent="0" algn="ctr" defTabSz="889000">
             <a:lnSpc>
               <a:spcPct val="90000"/>
             </a:lnSpc>
@@ -4881,23 +5981,24 @@
             <a:spcAft>
               <a:spcPct val="35000"/>
             </a:spcAft>
+            <a:buNone/>
           </a:pPr>
           <a:r>
-            <a:rPr lang="en-GB" sz="2000" kern="1200" dirty="0" err="1">
+            <a:rPr lang="en-GB" sz="2000" u="none" kern="1200" dirty="0" err="1">
               <a:latin typeface="Arial" panose="020B0604020202020204" pitchFamily="34" charset="0"/>
               <a:cs typeface="Arial" panose="020B0604020202020204" pitchFamily="34" charset="0"/>
             </a:rPr>
             <a:t>Calendário</a:t>
           </a:r>
-          <a:endParaRPr lang="en-GB" sz="2000" kern="1200" dirty="0">
+          <a:endParaRPr lang="en-GB" sz="2000" u="none" kern="1200" dirty="0">
             <a:latin typeface="Arial" panose="020B0604020202020204" pitchFamily="34" charset="0"/>
             <a:cs typeface="Arial" panose="020B0604020202020204" pitchFamily="34" charset="0"/>
           </a:endParaRPr>
         </a:p>
       </dsp:txBody>
       <dsp:txXfrm>
-        <a:off x="1529933" y="3561518"/>
-        <a:ext cx="1262077" cy="631038"/>
+        <a:off x="1845133" y="1343220"/>
+        <a:ext cx="1524274" cy="762137"/>
       </dsp:txXfrm>
     </dsp:sp>
     <dsp:sp modelId="{D0C42A0A-227F-498C-9217-1F2A4E39F4AC}">
@@ -4907,8 +6008,8 @@
       </dsp:nvSpPr>
       <dsp:spPr>
         <a:xfrm>
-          <a:off x="3057047" y="3561518"/>
-          <a:ext cx="1262077" cy="631038"/>
+          <a:off x="3689505" y="1343220"/>
+          <a:ext cx="1524274" cy="762137"/>
         </a:xfrm>
         <a:prstGeom prst="rect">
           <a:avLst/>
@@ -4955,7 +6056,7 @@
         </a:bodyPr>
         <a:lstStyle/>
         <a:p>
-          <a:pPr lvl="0" algn="ctr" defTabSz="889000">
+          <a:pPr marL="0" lvl="0" indent="0" algn="ctr" defTabSz="889000">
             <a:lnSpc>
               <a:spcPct val="90000"/>
             </a:lnSpc>
@@ -4965,23 +6066,492 @@
             <a:spcAft>
               <a:spcPct val="35000"/>
             </a:spcAft>
+            <a:buNone/>
           </a:pPr>
           <a:r>
-            <a:rPr lang="en-GB" sz="2000" kern="1200" dirty="0" err="1">
+            <a:rPr lang="en-GB" sz="2000" u="none" kern="1200" dirty="0" err="1">
               <a:latin typeface="Arial" panose="020B0604020202020204" pitchFamily="34" charset="0"/>
               <a:cs typeface="Arial" panose="020B0604020202020204" pitchFamily="34" charset="0"/>
             </a:rPr>
-            <a:t>Sobre</a:t>
+            <a:t>Categorias</a:t>
           </a:r>
-          <a:endParaRPr lang="en-GB" sz="2000" kern="1200" dirty="0">
+          <a:endParaRPr lang="en-GB" sz="2000" u="none" kern="1200" dirty="0">
             <a:latin typeface="Arial" panose="020B0604020202020204" pitchFamily="34" charset="0"/>
             <a:cs typeface="Arial" panose="020B0604020202020204" pitchFamily="34" charset="0"/>
           </a:endParaRPr>
         </a:p>
       </dsp:txBody>
       <dsp:txXfrm>
-        <a:off x="3057047" y="3561518"/>
-        <a:ext cx="1262077" cy="631038"/>
+        <a:off x="3689505" y="1343220"/>
+        <a:ext cx="1524274" cy="762137"/>
+      </dsp:txXfrm>
+    </dsp:sp>
+    <dsp:sp modelId="{426BD5C4-6298-4765-92B5-5BE6F449DD28}">
+      <dsp:nvSpPr>
+        <dsp:cNvPr id="0" name=""/>
+        <dsp:cNvSpPr/>
+      </dsp:nvSpPr>
+      <dsp:spPr>
+        <a:xfrm>
+          <a:off x="4070574" y="2425455"/>
+          <a:ext cx="1263273" cy="428511"/>
+        </a:xfrm>
+        <a:prstGeom prst="rect">
+          <a:avLst/>
+        </a:prstGeom>
+        <a:solidFill>
+          <a:schemeClr val="accent1">
+            <a:hueOff val="0"/>
+            <a:satOff val="0"/>
+            <a:lumOff val="0"/>
+            <a:alphaOff val="0"/>
+          </a:schemeClr>
+        </a:solidFill>
+        <a:ln w="12700" cap="flat" cmpd="sng" algn="ctr">
+          <a:solidFill>
+            <a:schemeClr val="lt1">
+              <a:hueOff val="0"/>
+              <a:satOff val="0"/>
+              <a:lumOff val="0"/>
+              <a:alphaOff val="0"/>
+            </a:schemeClr>
+          </a:solidFill>
+          <a:prstDash val="solid"/>
+          <a:miter lim="800000"/>
+        </a:ln>
+        <a:effectLst/>
+      </dsp:spPr>
+      <dsp:style>
+        <a:lnRef idx="2">
+          <a:scrgbClr r="0" g="0" b="0"/>
+        </a:lnRef>
+        <a:fillRef idx="1">
+          <a:scrgbClr r="0" g="0" b="0"/>
+        </a:fillRef>
+        <a:effectRef idx="0">
+          <a:scrgbClr r="0" g="0" b="0"/>
+        </a:effectRef>
+        <a:fontRef idx="minor">
+          <a:schemeClr val="lt1"/>
+        </a:fontRef>
+      </dsp:style>
+      <dsp:txBody>
+        <a:bodyPr spcFirstLastPara="0" vert="horz" wrap="square" lIns="11430" tIns="11430" rIns="11430" bIns="11430" numCol="1" spcCol="1270" anchor="ctr" anchorCtr="0">
+          <a:noAutofit/>
+        </a:bodyPr>
+        <a:lstStyle/>
+        <a:p>
+          <a:pPr marL="0" lvl="0" indent="0" algn="ctr" defTabSz="800100">
+            <a:lnSpc>
+              <a:spcPct val="90000"/>
+            </a:lnSpc>
+            <a:spcBef>
+              <a:spcPct val="0"/>
+            </a:spcBef>
+            <a:spcAft>
+              <a:spcPct val="35000"/>
+            </a:spcAft>
+            <a:buNone/>
+          </a:pPr>
+          <a:r>
+            <a:rPr lang="pt-PT" sz="1800" u="none" kern="1200" dirty="0"/>
+            <a:t>Artes</a:t>
+          </a:r>
+        </a:p>
+      </dsp:txBody>
+      <dsp:txXfrm>
+        <a:off x="4070574" y="2425455"/>
+        <a:ext cx="1263273" cy="428511"/>
+      </dsp:txXfrm>
+    </dsp:sp>
+    <dsp:sp modelId="{425B22CD-323F-4E0B-BEA0-EC7E00D9ABF2}">
+      <dsp:nvSpPr>
+        <dsp:cNvPr id="0" name=""/>
+        <dsp:cNvSpPr/>
+      </dsp:nvSpPr>
+      <dsp:spPr>
+        <a:xfrm>
+          <a:off x="4070574" y="3174065"/>
+          <a:ext cx="1263273" cy="428511"/>
+        </a:xfrm>
+        <a:prstGeom prst="rect">
+          <a:avLst/>
+        </a:prstGeom>
+        <a:solidFill>
+          <a:schemeClr val="accent1">
+            <a:hueOff val="0"/>
+            <a:satOff val="0"/>
+            <a:lumOff val="0"/>
+            <a:alphaOff val="0"/>
+          </a:schemeClr>
+        </a:solidFill>
+        <a:ln w="12700" cap="flat" cmpd="sng" algn="ctr">
+          <a:solidFill>
+            <a:schemeClr val="lt1">
+              <a:hueOff val="0"/>
+              <a:satOff val="0"/>
+              <a:lumOff val="0"/>
+              <a:alphaOff val="0"/>
+            </a:schemeClr>
+          </a:solidFill>
+          <a:prstDash val="solid"/>
+          <a:miter lim="800000"/>
+        </a:ln>
+        <a:effectLst/>
+      </dsp:spPr>
+      <dsp:style>
+        <a:lnRef idx="2">
+          <a:scrgbClr r="0" g="0" b="0"/>
+        </a:lnRef>
+        <a:fillRef idx="1">
+          <a:scrgbClr r="0" g="0" b="0"/>
+        </a:fillRef>
+        <a:effectRef idx="0">
+          <a:scrgbClr r="0" g="0" b="0"/>
+        </a:effectRef>
+        <a:fontRef idx="minor">
+          <a:schemeClr val="lt1"/>
+        </a:fontRef>
+      </dsp:style>
+      <dsp:txBody>
+        <a:bodyPr spcFirstLastPara="0" vert="horz" wrap="square" lIns="11430" tIns="11430" rIns="11430" bIns="11430" numCol="1" spcCol="1270" anchor="ctr" anchorCtr="0">
+          <a:noAutofit/>
+        </a:bodyPr>
+        <a:lstStyle/>
+        <a:p>
+          <a:pPr marL="0" lvl="0" indent="0" algn="ctr" defTabSz="800100">
+            <a:lnSpc>
+              <a:spcPct val="90000"/>
+            </a:lnSpc>
+            <a:spcBef>
+              <a:spcPct val="0"/>
+            </a:spcBef>
+            <a:spcAft>
+              <a:spcPct val="35000"/>
+            </a:spcAft>
+            <a:buNone/>
+          </a:pPr>
+          <a:r>
+            <a:rPr lang="pt-PT" sz="1800" u="none" kern="1200" dirty="0"/>
+            <a:t>Música</a:t>
+          </a:r>
+        </a:p>
+      </dsp:txBody>
+      <dsp:txXfrm>
+        <a:off x="4070574" y="3174065"/>
+        <a:ext cx="1263273" cy="428511"/>
+      </dsp:txXfrm>
+    </dsp:sp>
+    <dsp:sp modelId="{AB7ECE86-F423-469A-804C-9E0A6711CE75}">
+      <dsp:nvSpPr>
+        <dsp:cNvPr id="0" name=""/>
+        <dsp:cNvSpPr/>
+      </dsp:nvSpPr>
+      <dsp:spPr>
+        <a:xfrm>
+          <a:off x="4070574" y="3922674"/>
+          <a:ext cx="1263273" cy="428511"/>
+        </a:xfrm>
+        <a:prstGeom prst="rect">
+          <a:avLst/>
+        </a:prstGeom>
+        <a:solidFill>
+          <a:schemeClr val="accent1">
+            <a:hueOff val="0"/>
+            <a:satOff val="0"/>
+            <a:lumOff val="0"/>
+            <a:alphaOff val="0"/>
+          </a:schemeClr>
+        </a:solidFill>
+        <a:ln w="12700" cap="flat" cmpd="sng" algn="ctr">
+          <a:solidFill>
+            <a:schemeClr val="lt1">
+              <a:hueOff val="0"/>
+              <a:satOff val="0"/>
+              <a:lumOff val="0"/>
+              <a:alphaOff val="0"/>
+            </a:schemeClr>
+          </a:solidFill>
+          <a:prstDash val="solid"/>
+          <a:miter lim="800000"/>
+        </a:ln>
+        <a:effectLst/>
+      </dsp:spPr>
+      <dsp:style>
+        <a:lnRef idx="2">
+          <a:scrgbClr r="0" g="0" b="0"/>
+        </a:lnRef>
+        <a:fillRef idx="1">
+          <a:scrgbClr r="0" g="0" b="0"/>
+        </a:fillRef>
+        <a:effectRef idx="0">
+          <a:scrgbClr r="0" g="0" b="0"/>
+        </a:effectRef>
+        <a:fontRef idx="minor">
+          <a:schemeClr val="lt1"/>
+        </a:fontRef>
+      </dsp:style>
+      <dsp:txBody>
+        <a:bodyPr spcFirstLastPara="0" vert="horz" wrap="square" lIns="11430" tIns="11430" rIns="11430" bIns="11430" numCol="1" spcCol="1270" anchor="ctr" anchorCtr="0">
+          <a:noAutofit/>
+        </a:bodyPr>
+        <a:lstStyle/>
+        <a:p>
+          <a:pPr marL="0" lvl="0" indent="0" algn="ctr" defTabSz="800100">
+            <a:lnSpc>
+              <a:spcPct val="90000"/>
+            </a:lnSpc>
+            <a:spcBef>
+              <a:spcPct val="0"/>
+            </a:spcBef>
+            <a:spcAft>
+              <a:spcPct val="35000"/>
+            </a:spcAft>
+            <a:buNone/>
+          </a:pPr>
+          <a:r>
+            <a:rPr lang="pt-PT" sz="1800" u="none" kern="1200" dirty="0"/>
+            <a:t>Noite</a:t>
+          </a:r>
+        </a:p>
+      </dsp:txBody>
+      <dsp:txXfrm>
+        <a:off x="4070574" y="3922674"/>
+        <a:ext cx="1263273" cy="428511"/>
+      </dsp:txXfrm>
+    </dsp:sp>
+    <dsp:sp modelId="{51735A62-65C8-4B72-BC21-EC0033831CB7}">
+      <dsp:nvSpPr>
+        <dsp:cNvPr id="0" name=""/>
+        <dsp:cNvSpPr/>
+      </dsp:nvSpPr>
+      <dsp:spPr>
+        <a:xfrm>
+          <a:off x="4070574" y="4671283"/>
+          <a:ext cx="1263273" cy="428511"/>
+        </a:xfrm>
+        <a:prstGeom prst="rect">
+          <a:avLst/>
+        </a:prstGeom>
+        <a:solidFill>
+          <a:schemeClr val="accent1">
+            <a:hueOff val="0"/>
+            <a:satOff val="0"/>
+            <a:lumOff val="0"/>
+            <a:alphaOff val="0"/>
+          </a:schemeClr>
+        </a:solidFill>
+        <a:ln w="12700" cap="flat" cmpd="sng" algn="ctr">
+          <a:solidFill>
+            <a:schemeClr val="lt1">
+              <a:hueOff val="0"/>
+              <a:satOff val="0"/>
+              <a:lumOff val="0"/>
+              <a:alphaOff val="0"/>
+            </a:schemeClr>
+          </a:solidFill>
+          <a:prstDash val="solid"/>
+          <a:miter lim="800000"/>
+        </a:ln>
+        <a:effectLst/>
+      </dsp:spPr>
+      <dsp:style>
+        <a:lnRef idx="2">
+          <a:scrgbClr r="0" g="0" b="0"/>
+        </a:lnRef>
+        <a:fillRef idx="1">
+          <a:scrgbClr r="0" g="0" b="0"/>
+        </a:fillRef>
+        <a:effectRef idx="0">
+          <a:scrgbClr r="0" g="0" b="0"/>
+        </a:effectRef>
+        <a:fontRef idx="minor">
+          <a:schemeClr val="lt1"/>
+        </a:fontRef>
+      </dsp:style>
+      <dsp:txBody>
+        <a:bodyPr spcFirstLastPara="0" vert="horz" wrap="square" lIns="11430" tIns="11430" rIns="11430" bIns="11430" numCol="1" spcCol="1270" anchor="ctr" anchorCtr="0">
+          <a:noAutofit/>
+        </a:bodyPr>
+        <a:lstStyle/>
+        <a:p>
+          <a:pPr marL="0" lvl="0" indent="0" algn="ctr" defTabSz="800100">
+            <a:lnSpc>
+              <a:spcPct val="90000"/>
+            </a:lnSpc>
+            <a:spcBef>
+              <a:spcPct val="0"/>
+            </a:spcBef>
+            <a:spcAft>
+              <a:spcPct val="35000"/>
+            </a:spcAft>
+            <a:buNone/>
+          </a:pPr>
+          <a:r>
+            <a:rPr lang="pt-PT" sz="1800" u="none" kern="1200" dirty="0"/>
+            <a:t>Cultura</a:t>
+          </a:r>
+        </a:p>
+      </dsp:txBody>
+      <dsp:txXfrm>
+        <a:off x="4070574" y="4671283"/>
+        <a:ext cx="1263273" cy="428511"/>
+      </dsp:txXfrm>
+    </dsp:sp>
+    <dsp:sp modelId="{BCC10AE4-DC99-4EA0-B027-3C11C8AFFA0B}">
+      <dsp:nvSpPr>
+        <dsp:cNvPr id="0" name=""/>
+        <dsp:cNvSpPr/>
+      </dsp:nvSpPr>
+      <dsp:spPr>
+        <a:xfrm>
+          <a:off x="4070574" y="5419893"/>
+          <a:ext cx="1263273" cy="428511"/>
+        </a:xfrm>
+        <a:prstGeom prst="rect">
+          <a:avLst/>
+        </a:prstGeom>
+        <a:solidFill>
+          <a:schemeClr val="accent1">
+            <a:hueOff val="0"/>
+            <a:satOff val="0"/>
+            <a:lumOff val="0"/>
+            <a:alphaOff val="0"/>
+          </a:schemeClr>
+        </a:solidFill>
+        <a:ln w="12700" cap="flat" cmpd="sng" algn="ctr">
+          <a:solidFill>
+            <a:schemeClr val="lt1">
+              <a:hueOff val="0"/>
+              <a:satOff val="0"/>
+              <a:lumOff val="0"/>
+              <a:alphaOff val="0"/>
+            </a:schemeClr>
+          </a:solidFill>
+          <a:prstDash val="solid"/>
+          <a:miter lim="800000"/>
+        </a:ln>
+        <a:effectLst/>
+      </dsp:spPr>
+      <dsp:style>
+        <a:lnRef idx="2">
+          <a:scrgbClr r="0" g="0" b="0"/>
+        </a:lnRef>
+        <a:fillRef idx="1">
+          <a:scrgbClr r="0" g="0" b="0"/>
+        </a:fillRef>
+        <a:effectRef idx="0">
+          <a:scrgbClr r="0" g="0" b="0"/>
+        </a:effectRef>
+        <a:fontRef idx="minor">
+          <a:schemeClr val="lt1"/>
+        </a:fontRef>
+      </dsp:style>
+      <dsp:txBody>
+        <a:bodyPr spcFirstLastPara="0" vert="horz" wrap="square" lIns="11430" tIns="11430" rIns="11430" bIns="11430" numCol="1" spcCol="1270" anchor="ctr" anchorCtr="0">
+          <a:noAutofit/>
+        </a:bodyPr>
+        <a:lstStyle/>
+        <a:p>
+          <a:pPr marL="0" lvl="0" indent="0" algn="ctr" defTabSz="800100">
+            <a:lnSpc>
+              <a:spcPct val="90000"/>
+            </a:lnSpc>
+            <a:spcBef>
+              <a:spcPct val="0"/>
+            </a:spcBef>
+            <a:spcAft>
+              <a:spcPct val="35000"/>
+            </a:spcAft>
+            <a:buNone/>
+          </a:pPr>
+          <a:r>
+            <a:rPr lang="pt-PT" sz="1800" u="none" kern="1200" dirty="0"/>
+            <a:t>Desporto</a:t>
+          </a:r>
+        </a:p>
+      </dsp:txBody>
+      <dsp:txXfrm>
+        <a:off x="4070574" y="5419893"/>
+        <a:ext cx="1263273" cy="428511"/>
+      </dsp:txXfrm>
+    </dsp:sp>
+    <dsp:sp modelId="{F75D6229-E722-4C5A-8752-308DFF186597}">
+      <dsp:nvSpPr>
+        <dsp:cNvPr id="0" name=""/>
+        <dsp:cNvSpPr/>
+      </dsp:nvSpPr>
+      <dsp:spPr>
+        <a:xfrm>
+          <a:off x="4070574" y="6168502"/>
+          <a:ext cx="1263273" cy="428511"/>
+        </a:xfrm>
+        <a:prstGeom prst="rect">
+          <a:avLst/>
+        </a:prstGeom>
+        <a:solidFill>
+          <a:schemeClr val="accent1">
+            <a:hueOff val="0"/>
+            <a:satOff val="0"/>
+            <a:lumOff val="0"/>
+            <a:alphaOff val="0"/>
+          </a:schemeClr>
+        </a:solidFill>
+        <a:ln w="12700" cap="flat" cmpd="sng" algn="ctr">
+          <a:solidFill>
+            <a:schemeClr val="lt1">
+              <a:hueOff val="0"/>
+              <a:satOff val="0"/>
+              <a:lumOff val="0"/>
+              <a:alphaOff val="0"/>
+            </a:schemeClr>
+          </a:solidFill>
+          <a:prstDash val="solid"/>
+          <a:miter lim="800000"/>
+        </a:ln>
+        <a:effectLst/>
+      </dsp:spPr>
+      <dsp:style>
+        <a:lnRef idx="2">
+          <a:scrgbClr r="0" g="0" b="0"/>
+        </a:lnRef>
+        <a:fillRef idx="1">
+          <a:scrgbClr r="0" g="0" b="0"/>
+        </a:fillRef>
+        <a:effectRef idx="0">
+          <a:scrgbClr r="0" g="0" b="0"/>
+        </a:effectRef>
+        <a:fontRef idx="minor">
+          <a:schemeClr val="lt1"/>
+        </a:fontRef>
+      </dsp:style>
+      <dsp:txBody>
+        <a:bodyPr spcFirstLastPara="0" vert="horz" wrap="square" lIns="11430" tIns="11430" rIns="11430" bIns="11430" numCol="1" spcCol="1270" anchor="ctr" anchorCtr="0">
+          <a:noAutofit/>
+        </a:bodyPr>
+        <a:lstStyle/>
+        <a:p>
+          <a:pPr marL="0" lvl="0" indent="0" algn="ctr" defTabSz="800100">
+            <a:lnSpc>
+              <a:spcPct val="90000"/>
+            </a:lnSpc>
+            <a:spcBef>
+              <a:spcPct val="0"/>
+            </a:spcBef>
+            <a:spcAft>
+              <a:spcPct val="35000"/>
+            </a:spcAft>
+            <a:buNone/>
+          </a:pPr>
+          <a:r>
+            <a:rPr lang="pt-PT" sz="1800" u="none" kern="1200" dirty="0"/>
+            <a:t>Em Destaque</a:t>
+          </a:r>
+        </a:p>
+      </dsp:txBody>
+      <dsp:txXfrm>
+        <a:off x="4070574" y="6168502"/>
+        <a:ext cx="1263273" cy="428511"/>
       </dsp:txXfrm>
     </dsp:sp>
     <dsp:sp modelId="{B512DCC2-F8AD-4A88-8224-BF794CC14E60}">
@@ -4991,8 +6561,8 @@
       </dsp:nvSpPr>
       <dsp:spPr>
         <a:xfrm>
-          <a:off x="4584161" y="3561518"/>
-          <a:ext cx="1262077" cy="631038"/>
+          <a:off x="5533878" y="1343220"/>
+          <a:ext cx="1524274" cy="762137"/>
         </a:xfrm>
         <a:prstGeom prst="rect">
           <a:avLst/>
@@ -5039,7 +6609,7 @@
         </a:bodyPr>
         <a:lstStyle/>
         <a:p>
-          <a:pPr lvl="0" algn="ctr" defTabSz="889000">
+          <a:pPr marL="0" lvl="0" indent="0" algn="ctr" defTabSz="889000">
             <a:lnSpc>
               <a:spcPct val="90000"/>
             </a:lnSpc>
@@ -5049,23 +6619,24 @@
             <a:spcAft>
               <a:spcPct val="35000"/>
             </a:spcAft>
+            <a:buNone/>
           </a:pPr>
           <a:r>
-            <a:rPr lang="en-GB" sz="2000" kern="1200" dirty="0" err="1">
+            <a:rPr lang="en-GB" sz="2000" u="none" kern="1200" dirty="0" err="1">
               <a:latin typeface="Arial" panose="020B0604020202020204" pitchFamily="34" charset="0"/>
               <a:cs typeface="Arial" panose="020B0604020202020204" pitchFamily="34" charset="0"/>
             </a:rPr>
-            <a:t>Categorias</a:t>
+            <a:t>Sobre</a:t>
           </a:r>
-          <a:endParaRPr lang="en-GB" sz="2000" kern="1200" dirty="0">
+          <a:endParaRPr lang="en-GB" sz="2000" u="none" kern="1200" dirty="0">
             <a:latin typeface="Arial" panose="020B0604020202020204" pitchFamily="34" charset="0"/>
             <a:cs typeface="Arial" panose="020B0604020202020204" pitchFamily="34" charset="0"/>
           </a:endParaRPr>
         </a:p>
       </dsp:txBody>
       <dsp:txXfrm>
-        <a:off x="4584161" y="3561518"/>
-        <a:ext cx="1262077" cy="631038"/>
+        <a:off x="5533878" y="1343220"/>
+        <a:ext cx="1524274" cy="762137"/>
       </dsp:txXfrm>
     </dsp:sp>
     <dsp:sp modelId="{8659CC59-2E2C-408C-A138-42297FB1F7FC}">
@@ -5075,8 +6646,8 @@
       </dsp:nvSpPr>
       <dsp:spPr>
         <a:xfrm>
-          <a:off x="6111275" y="3561518"/>
-          <a:ext cx="1262077" cy="631038"/>
+          <a:off x="7378250" y="1343220"/>
+          <a:ext cx="1524274" cy="762137"/>
         </a:xfrm>
         <a:prstGeom prst="rect">
           <a:avLst/>
@@ -5123,7 +6694,7 @@
         </a:bodyPr>
         <a:lstStyle/>
         <a:p>
-          <a:pPr lvl="0" algn="ctr" defTabSz="889000">
+          <a:pPr marL="0" lvl="0" indent="0" algn="ctr" defTabSz="889000">
             <a:lnSpc>
               <a:spcPct val="90000"/>
             </a:lnSpc>
@@ -5133,100 +6704,24 @@
             <a:spcAft>
               <a:spcPct val="35000"/>
             </a:spcAft>
+            <a:buNone/>
           </a:pPr>
           <a:r>
-            <a:rPr lang="en-GB" sz="2000" kern="1200" dirty="0" err="1">
+            <a:rPr lang="en-GB" sz="2000" u="none" kern="1200" dirty="0" err="1">
               <a:latin typeface="Arial" panose="020B0604020202020204" pitchFamily="34" charset="0"/>
               <a:cs typeface="Arial" panose="020B0604020202020204" pitchFamily="34" charset="0"/>
             </a:rPr>
             <a:t>Contactos</a:t>
           </a:r>
-          <a:endParaRPr lang="en-GB" sz="2000" kern="1200" dirty="0">
+          <a:endParaRPr lang="en-GB" sz="2000" u="none" kern="1200" dirty="0">
             <a:latin typeface="Arial" panose="020B0604020202020204" pitchFamily="34" charset="0"/>
             <a:cs typeface="Arial" panose="020B0604020202020204" pitchFamily="34" charset="0"/>
           </a:endParaRPr>
         </a:p>
       </dsp:txBody>
       <dsp:txXfrm>
-        <a:off x="6111275" y="3561518"/>
-        <a:ext cx="1262077" cy="631038"/>
-      </dsp:txXfrm>
-    </dsp:sp>
-    <dsp:sp modelId="{67726964-64F7-4568-A550-A3840E89588B}">
-      <dsp:nvSpPr>
-        <dsp:cNvPr id="0" name=""/>
-        <dsp:cNvSpPr/>
-      </dsp:nvSpPr>
-      <dsp:spPr>
-        <a:xfrm>
-          <a:off x="7638389" y="3561518"/>
-          <a:ext cx="1262077" cy="631038"/>
-        </a:xfrm>
-        <a:prstGeom prst="rect">
-          <a:avLst/>
-        </a:prstGeom>
-        <a:solidFill>
-          <a:schemeClr val="accent1">
-            <a:hueOff val="0"/>
-            <a:satOff val="0"/>
-            <a:lumOff val="0"/>
-            <a:alphaOff val="0"/>
-          </a:schemeClr>
-        </a:solidFill>
-        <a:ln w="12700" cap="flat" cmpd="sng" algn="ctr">
-          <a:solidFill>
-            <a:schemeClr val="lt1">
-              <a:hueOff val="0"/>
-              <a:satOff val="0"/>
-              <a:lumOff val="0"/>
-              <a:alphaOff val="0"/>
-            </a:schemeClr>
-          </a:solidFill>
-          <a:prstDash val="solid"/>
-          <a:miter lim="800000"/>
-        </a:ln>
-        <a:effectLst/>
-      </dsp:spPr>
-      <dsp:style>
-        <a:lnRef idx="2">
-          <a:scrgbClr r="0" g="0" b="0"/>
-        </a:lnRef>
-        <a:fillRef idx="1">
-          <a:scrgbClr r="0" g="0" b="0"/>
-        </a:fillRef>
-        <a:effectRef idx="0">
-          <a:scrgbClr r="0" g="0" b="0"/>
-        </a:effectRef>
-        <a:fontRef idx="minor">
-          <a:schemeClr val="lt1"/>
-        </a:fontRef>
-      </dsp:style>
-      <dsp:txBody>
-        <a:bodyPr spcFirstLastPara="0" vert="horz" wrap="square" lIns="12700" tIns="12700" rIns="12700" bIns="12700" numCol="1" spcCol="1270" anchor="ctr" anchorCtr="0">
-          <a:noAutofit/>
-        </a:bodyPr>
-        <a:lstStyle/>
-        <a:p>
-          <a:pPr lvl="0" algn="ctr" defTabSz="889000">
-            <a:lnSpc>
-              <a:spcPct val="90000"/>
-            </a:lnSpc>
-            <a:spcBef>
-              <a:spcPct val="0"/>
-            </a:spcBef>
-            <a:spcAft>
-              <a:spcPct val="35000"/>
-            </a:spcAft>
-          </a:pPr>
-          <a:endParaRPr lang="en-GB" sz="2000" kern="1200" dirty="0">
-            <a:latin typeface="Arial" panose="020B0604020202020204" pitchFamily="34" charset="0"/>
-            <a:cs typeface="Arial" panose="020B0604020202020204" pitchFamily="34" charset="0"/>
-          </a:endParaRPr>
-        </a:p>
-      </dsp:txBody>
-      <dsp:txXfrm>
-        <a:off x="7638389" y="3561518"/>
-        <a:ext cx="1262077" cy="631038"/>
+        <a:off x="7378250" y="1343220"/>
+        <a:ext cx="1524274" cy="762137"/>
       </dsp:txXfrm>
     </dsp:sp>
   </dsp:spTree>
@@ -9675,7 +11170,7 @@
           <a:p>
             <a:fld id="{FE46BE1C-E5B9-40EB-B480-3B6CCE635393}" type="datetimeFigureOut">
               <a:rPr lang="en-GB" smtClean="0"/>
-              <a:t>11/12/2018</a:t>
+              <a:t>12/12/2018</a:t>
             </a:fld>
             <a:endParaRPr lang="en-GB"/>
           </a:p>
@@ -10626,32 +12121,33 @@
           <a:lstStyle/>
           <a:p>
             <a:r>
-              <a:rPr lang="pt-PT" dirty="0" smtClean="0"/>
-              <a:t>https</a:t>
-            </a:r>
-            <a:r>
-              <a:rPr lang="pt-PT" smtClean="0"/>
-              <a:t>://www.timeout.pt/lisboa/pt</a:t>
-            </a:r>
-            <a:r>
-              <a:rPr lang="pt-PT" baseline="0" smtClean="0"/>
+              <a:rPr lang="pt-PT" dirty="0"/>
+              <a:t>https://www.timeout.pt/lisboa/pt</a:t>
+            </a:r>
+            <a:r>
+              <a:rPr lang="pt-PT" baseline="0" dirty="0"/>
               <a:t>  ;  </a:t>
             </a:r>
             <a:r>
-              <a:rPr lang="pt-PT" smtClean="0"/>
-              <a:t>https://www.visitlisboa.com/pt-pt/eventos </a:t>
-            </a:r>
-            <a:r>
-              <a:rPr lang="pt-PT" smtClean="0"/>
-              <a:t>-- Exemplos</a:t>
-            </a:r>
-            <a:r>
-              <a:rPr lang="pt-PT" baseline="0" smtClean="0"/>
-              <a:t> </a:t>
-            </a:r>
-            <a:r>
-              <a:rPr lang="pt-PT" baseline="0" dirty="0" smtClean="0"/>
-              <a:t>para o website</a:t>
+              <a:rPr lang="pt-PT" dirty="0"/>
+              <a:t>https://www.visitlisboa.com/pt-pt/eventos -- Exemplos</a:t>
+            </a:r>
+            <a:r>
+              <a:rPr lang="pt-PT" baseline="0" dirty="0"/>
+              <a:t> para o website</a:t>
+            </a:r>
+            <a:br>
+              <a:rPr lang="pt-PT" baseline="0" dirty="0"/>
+            </a:br>
+            <a:r>
+              <a:rPr lang="pt-PT" baseline="0" dirty="0"/>
+              <a:t>https://www.visitlisboa.com/pt-pt/lisboa/chegar-a-lisboa</a:t>
+            </a:r>
+          </a:p>
+          <a:p>
+            <a:r>
+              <a:rPr lang="pt-PT" baseline="0" dirty="0"/>
+              <a:t>https://observador.pt/2017/09/17/covilha-6-razoes-para-ir-a-serra-mesmo-sem-neve/</a:t>
             </a:r>
           </a:p>
           <a:p>
@@ -10676,7 +12172,7 @@
           <a:p>
             <a:fld id="{3AF131CB-BF3F-4CC3-BE8F-49CE356A2E17}" type="slidenum">
               <a:rPr lang="en-GB" smtClean="0"/>
-              <a:t>6</a:t>
+              <a:t>5</a:t>
             </a:fld>
             <a:endParaRPr lang="en-GB"/>
           </a:p>
@@ -10826,7 +12322,7 @@
           <a:p>
             <a:fld id="{46E4206C-CDB6-49DB-A49C-1C74FE4EA3F6}" type="datetime1">
               <a:rPr lang="en-GB" smtClean="0"/>
-              <a:t>11/12/2018</a:t>
+              <a:t>12/12/2018</a:t>
             </a:fld>
             <a:endParaRPr lang="en-GB"/>
           </a:p>
@@ -10996,7 +12492,7 @@
           <a:p>
             <a:fld id="{EC42A3EE-7AFB-4F73-B39D-FB9AAAE09D70}" type="datetime1">
               <a:rPr lang="en-GB" smtClean="0"/>
-              <a:t>11/12/2018</a:t>
+              <a:t>12/12/2018</a:t>
             </a:fld>
             <a:endParaRPr lang="en-GB"/>
           </a:p>
@@ -11176,7 +12672,7 @@
           <a:p>
             <a:fld id="{297491F8-B1AD-48C8-B450-A9DE8FC9B4BC}" type="datetime1">
               <a:rPr lang="en-GB" smtClean="0"/>
-              <a:t>11/12/2018</a:t>
+              <a:t>12/12/2018</a:t>
             </a:fld>
             <a:endParaRPr lang="en-GB"/>
           </a:p>
@@ -12078,7 +13574,7 @@
           <a:p>
             <a:fld id="{1241B6BE-13A3-40C5-BAF7-2CC773D00FB0}" type="datetime1">
               <a:rPr lang="en-GB" smtClean="0"/>
-              <a:t>11/12/2018</a:t>
+              <a:t>12/12/2018</a:t>
             </a:fld>
             <a:endParaRPr lang="en-GB"/>
           </a:p>
@@ -12322,7 +13818,7 @@
           <a:p>
             <a:fld id="{30A9CCEB-FEAA-4C72-9118-04BDF5966FFB}" type="datetime1">
               <a:rPr lang="en-GB" smtClean="0"/>
-              <a:t>11/12/2018</a:t>
+              <a:t>12/12/2018</a:t>
             </a:fld>
             <a:endParaRPr lang="en-GB"/>
           </a:p>
@@ -12554,7 +14050,7 @@
           <a:p>
             <a:fld id="{DFAB555E-071C-48B6-AB80-445E4540AC68}" type="datetime1">
               <a:rPr lang="en-GB" smtClean="0"/>
-              <a:t>11/12/2018</a:t>
+              <a:t>12/12/2018</a:t>
             </a:fld>
             <a:endParaRPr lang="en-GB"/>
           </a:p>
@@ -12921,7 +14417,7 @@
           <a:p>
             <a:fld id="{71C8195A-F236-4C56-A7B6-A9E3130AE1F9}" type="datetime1">
               <a:rPr lang="en-GB" smtClean="0"/>
-              <a:t>11/12/2018</a:t>
+              <a:t>12/12/2018</a:t>
             </a:fld>
             <a:endParaRPr lang="en-GB"/>
           </a:p>
@@ -13039,7 +14535,7 @@
           <a:p>
             <a:fld id="{2F2BBF01-7E4A-4B0A-98AA-6A611EFD036E}" type="datetime1">
               <a:rPr lang="en-GB" smtClean="0"/>
-              <a:t>11/12/2018</a:t>
+              <a:t>12/12/2018</a:t>
             </a:fld>
             <a:endParaRPr lang="en-GB"/>
           </a:p>
@@ -13134,7 +14630,7 @@
           <a:p>
             <a:fld id="{6EBF66CE-A945-42FA-B1CB-E96DCD998F84}" type="datetime1">
               <a:rPr lang="en-GB" smtClean="0"/>
-              <a:t>11/12/2018</a:t>
+              <a:t>12/12/2018</a:t>
             </a:fld>
             <a:endParaRPr lang="en-GB"/>
           </a:p>
@@ -13411,7 +14907,7 @@
           <a:p>
             <a:fld id="{8E2C1C88-A111-4B14-B38C-BDD24B4F2065}" type="datetime1">
               <a:rPr lang="en-GB" smtClean="0"/>
-              <a:t>11/12/2018</a:t>
+              <a:t>12/12/2018</a:t>
             </a:fld>
             <a:endParaRPr lang="en-GB"/>
           </a:p>
@@ -13668,7 +15164,7 @@
           <a:p>
             <a:fld id="{A033B5E6-D2E8-4024-8FEA-9A34E9CC2096}" type="datetime1">
               <a:rPr lang="en-GB" smtClean="0"/>
-              <a:t>11/12/2018</a:t>
+              <a:t>12/12/2018</a:t>
             </a:fld>
             <a:endParaRPr lang="en-GB"/>
           </a:p>
@@ -13880,7 +15376,7 @@
           <a:p>
             <a:fld id="{86124722-C52C-4725-B554-5890676B8B27}" type="datetime1">
               <a:rPr lang="en-GB" smtClean="0"/>
-              <a:t>11/12/2018</a:t>
+              <a:t>12/12/2018</a:t>
             </a:fld>
             <a:endParaRPr lang="en-GB"/>
           </a:p>
@@ -15085,6 +16581,796 @@
 </p:sld>
 </file>
 
+<file path=ppt/slides/slide10.xml><?xml version="1.0" encoding="utf-8"?>
+<p:sld xmlns:a="http://schemas.openxmlformats.org/drawingml/2006/main" xmlns:r="http://schemas.openxmlformats.org/officeDocument/2006/relationships" xmlns:p="http://schemas.openxmlformats.org/presentationml/2006/main">
+  <p:cSld>
+    <p:spTree>
+      <p:nvGrpSpPr>
+        <p:cNvPr id="1" name=""/>
+        <p:cNvGrpSpPr/>
+        <p:nvPr/>
+      </p:nvGrpSpPr>
+      <p:grpSpPr>
+        <a:xfrm>
+          <a:off x="0" y="0"/>
+          <a:ext cx="0" cy="0"/>
+          <a:chOff x="0" y="0"/>
+          <a:chExt cx="0" cy="0"/>
+        </a:xfrm>
+      </p:grpSpPr>
+      <p:sp>
+        <p:nvSpPr>
+          <p:cNvPr id="2" name="Content Placeholder 1">
+            <a:extLst>
+              <a:ext uri="{FF2B5EF4-FFF2-40B4-BE49-F238E27FC236}">
+                <a16:creationId xmlns:a16="http://schemas.microsoft.com/office/drawing/2014/main" id="{61284A3C-35C7-47BB-B5EF-3A5AFD39F048}"/>
+              </a:ext>
+            </a:extLst>
+          </p:cNvPr>
+          <p:cNvSpPr>
+            <a:spLocks noGrp="1"/>
+          </p:cNvSpPr>
+          <p:nvPr>
+            <p:ph idx="1"/>
+          </p:nvPr>
+        </p:nvSpPr>
+        <p:spPr/>
+        <p:txBody>
+          <a:bodyPr/>
+          <a:lstStyle/>
+          <a:p>
+            <a:endParaRPr lang="pt-PT" dirty="0"/>
+          </a:p>
+        </p:txBody>
+      </p:sp>
+      <p:sp>
+        <p:nvSpPr>
+          <p:cNvPr id="3" name="Content Placeholder 2">
+            <a:extLst>
+              <a:ext uri="{FF2B5EF4-FFF2-40B4-BE49-F238E27FC236}">
+                <a16:creationId xmlns:a16="http://schemas.microsoft.com/office/drawing/2014/main" id="{75B62007-2099-491F-B9CC-679828859075}"/>
+              </a:ext>
+            </a:extLst>
+          </p:cNvPr>
+          <p:cNvSpPr>
+            <a:spLocks noGrp="1"/>
+          </p:cNvSpPr>
+          <p:nvPr>
+            <p:ph idx="10"/>
+          </p:nvPr>
+        </p:nvSpPr>
+        <p:spPr/>
+        <p:txBody>
+          <a:bodyPr/>
+          <a:lstStyle/>
+          <a:p>
+            <a:endParaRPr lang="pt-PT" dirty="0"/>
+          </a:p>
+        </p:txBody>
+      </p:sp>
+      <p:sp>
+        <p:nvSpPr>
+          <p:cNvPr id="4" name="Content Placeholder 3">
+            <a:extLst>
+              <a:ext uri="{FF2B5EF4-FFF2-40B4-BE49-F238E27FC236}">
+                <a16:creationId xmlns:a16="http://schemas.microsoft.com/office/drawing/2014/main" id="{B573A8A9-0BDE-4B35-955D-A5C9FAFE6755}"/>
+              </a:ext>
+            </a:extLst>
+          </p:cNvPr>
+          <p:cNvSpPr>
+            <a:spLocks noGrp="1"/>
+          </p:cNvSpPr>
+          <p:nvPr>
+            <p:ph idx="11"/>
+          </p:nvPr>
+        </p:nvSpPr>
+        <p:spPr/>
+        <p:txBody>
+          <a:bodyPr/>
+          <a:lstStyle/>
+          <a:p>
+            <a:endParaRPr lang="pt-PT" dirty="0"/>
+          </a:p>
+        </p:txBody>
+      </p:sp>
+      <p:sp>
+        <p:nvSpPr>
+          <p:cNvPr id="5" name="Content Placeholder 4">
+            <a:extLst>
+              <a:ext uri="{FF2B5EF4-FFF2-40B4-BE49-F238E27FC236}">
+                <a16:creationId xmlns:a16="http://schemas.microsoft.com/office/drawing/2014/main" id="{03F0B0E7-9DC5-4E64-84FC-E41A42350BE1}"/>
+              </a:ext>
+            </a:extLst>
+          </p:cNvPr>
+          <p:cNvSpPr>
+            <a:spLocks noGrp="1"/>
+          </p:cNvSpPr>
+          <p:nvPr>
+            <p:ph idx="12"/>
+          </p:nvPr>
+        </p:nvSpPr>
+        <p:spPr/>
+        <p:txBody>
+          <a:bodyPr/>
+          <a:lstStyle/>
+          <a:p>
+            <a:endParaRPr lang="pt-PT" dirty="0"/>
+          </a:p>
+        </p:txBody>
+      </p:sp>
+      <p:sp>
+        <p:nvSpPr>
+          <p:cNvPr id="6" name="Content Placeholder 5">
+            <a:extLst>
+              <a:ext uri="{FF2B5EF4-FFF2-40B4-BE49-F238E27FC236}">
+                <a16:creationId xmlns:a16="http://schemas.microsoft.com/office/drawing/2014/main" id="{AAD76EA7-FFDD-4221-8BFA-2CF2F90A53A9}"/>
+              </a:ext>
+            </a:extLst>
+          </p:cNvPr>
+          <p:cNvSpPr>
+            <a:spLocks noGrp="1"/>
+          </p:cNvSpPr>
+          <p:nvPr>
+            <p:ph idx="13"/>
+          </p:nvPr>
+        </p:nvSpPr>
+        <p:spPr/>
+        <p:txBody>
+          <a:bodyPr/>
+          <a:lstStyle/>
+          <a:p>
+            <a:r>
+              <a:rPr lang="pt-PT" dirty="0"/>
+              <a:t>Início</a:t>
+            </a:r>
+          </a:p>
+        </p:txBody>
+      </p:sp>
+    </p:spTree>
+    <p:extLst>
+      <p:ext uri="{BB962C8B-B14F-4D97-AF65-F5344CB8AC3E}">
+        <p14:creationId xmlns:p14="http://schemas.microsoft.com/office/powerpoint/2010/main" val="1324516063"/>
+      </p:ext>
+    </p:extLst>
+  </p:cSld>
+  <p:clrMapOvr>
+    <a:masterClrMapping/>
+  </p:clrMapOvr>
+</p:sld>
+</file>
+
+<file path=ppt/slides/slide11.xml><?xml version="1.0" encoding="utf-8"?>
+<p:sld xmlns:a="http://schemas.openxmlformats.org/drawingml/2006/main" xmlns:r="http://schemas.openxmlformats.org/officeDocument/2006/relationships" xmlns:p="http://schemas.openxmlformats.org/presentationml/2006/main">
+  <p:cSld>
+    <p:spTree>
+      <p:nvGrpSpPr>
+        <p:cNvPr id="1" name=""/>
+        <p:cNvGrpSpPr/>
+        <p:nvPr/>
+      </p:nvGrpSpPr>
+      <p:grpSpPr>
+        <a:xfrm>
+          <a:off x="0" y="0"/>
+          <a:ext cx="0" cy="0"/>
+          <a:chOff x="0" y="0"/>
+          <a:chExt cx="0" cy="0"/>
+        </a:xfrm>
+      </p:grpSpPr>
+      <p:sp>
+        <p:nvSpPr>
+          <p:cNvPr id="2" name="Content Placeholder 1">
+            <a:extLst>
+              <a:ext uri="{FF2B5EF4-FFF2-40B4-BE49-F238E27FC236}">
+                <a16:creationId xmlns:a16="http://schemas.microsoft.com/office/drawing/2014/main" id="{61284A3C-35C7-47BB-B5EF-3A5AFD39F048}"/>
+              </a:ext>
+            </a:extLst>
+          </p:cNvPr>
+          <p:cNvSpPr>
+            <a:spLocks noGrp="1"/>
+          </p:cNvSpPr>
+          <p:nvPr>
+            <p:ph idx="1"/>
+          </p:nvPr>
+        </p:nvSpPr>
+        <p:spPr/>
+        <p:txBody>
+          <a:bodyPr/>
+          <a:lstStyle/>
+          <a:p>
+            <a:endParaRPr lang="pt-PT" dirty="0"/>
+          </a:p>
+        </p:txBody>
+      </p:sp>
+      <p:sp>
+        <p:nvSpPr>
+          <p:cNvPr id="3" name="Content Placeholder 2">
+            <a:extLst>
+              <a:ext uri="{FF2B5EF4-FFF2-40B4-BE49-F238E27FC236}">
+                <a16:creationId xmlns:a16="http://schemas.microsoft.com/office/drawing/2014/main" id="{75B62007-2099-491F-B9CC-679828859075}"/>
+              </a:ext>
+            </a:extLst>
+          </p:cNvPr>
+          <p:cNvSpPr>
+            <a:spLocks noGrp="1"/>
+          </p:cNvSpPr>
+          <p:nvPr>
+            <p:ph idx="10"/>
+          </p:nvPr>
+        </p:nvSpPr>
+        <p:spPr/>
+        <p:txBody>
+          <a:bodyPr/>
+          <a:lstStyle/>
+          <a:p>
+            <a:endParaRPr lang="pt-PT" dirty="0"/>
+          </a:p>
+        </p:txBody>
+      </p:sp>
+      <p:sp>
+        <p:nvSpPr>
+          <p:cNvPr id="4" name="Content Placeholder 3">
+            <a:extLst>
+              <a:ext uri="{FF2B5EF4-FFF2-40B4-BE49-F238E27FC236}">
+                <a16:creationId xmlns:a16="http://schemas.microsoft.com/office/drawing/2014/main" id="{B573A8A9-0BDE-4B35-955D-A5C9FAFE6755}"/>
+              </a:ext>
+            </a:extLst>
+          </p:cNvPr>
+          <p:cNvSpPr>
+            <a:spLocks noGrp="1"/>
+          </p:cNvSpPr>
+          <p:nvPr>
+            <p:ph idx="11"/>
+          </p:nvPr>
+        </p:nvSpPr>
+        <p:spPr/>
+        <p:txBody>
+          <a:bodyPr/>
+          <a:lstStyle/>
+          <a:p>
+            <a:endParaRPr lang="pt-PT" dirty="0"/>
+          </a:p>
+        </p:txBody>
+      </p:sp>
+      <p:sp>
+        <p:nvSpPr>
+          <p:cNvPr id="5" name="Content Placeholder 4">
+            <a:extLst>
+              <a:ext uri="{FF2B5EF4-FFF2-40B4-BE49-F238E27FC236}">
+                <a16:creationId xmlns:a16="http://schemas.microsoft.com/office/drawing/2014/main" id="{03F0B0E7-9DC5-4E64-84FC-E41A42350BE1}"/>
+              </a:ext>
+            </a:extLst>
+          </p:cNvPr>
+          <p:cNvSpPr>
+            <a:spLocks noGrp="1"/>
+          </p:cNvSpPr>
+          <p:nvPr>
+            <p:ph idx="12"/>
+          </p:nvPr>
+        </p:nvSpPr>
+        <p:spPr/>
+        <p:txBody>
+          <a:bodyPr/>
+          <a:lstStyle/>
+          <a:p>
+            <a:endParaRPr lang="pt-PT" dirty="0"/>
+          </a:p>
+        </p:txBody>
+      </p:sp>
+      <p:sp>
+        <p:nvSpPr>
+          <p:cNvPr id="6" name="Content Placeholder 5">
+            <a:extLst>
+              <a:ext uri="{FF2B5EF4-FFF2-40B4-BE49-F238E27FC236}">
+                <a16:creationId xmlns:a16="http://schemas.microsoft.com/office/drawing/2014/main" id="{AAD76EA7-FFDD-4221-8BFA-2CF2F90A53A9}"/>
+              </a:ext>
+            </a:extLst>
+          </p:cNvPr>
+          <p:cNvSpPr>
+            <a:spLocks noGrp="1"/>
+          </p:cNvSpPr>
+          <p:nvPr>
+            <p:ph idx="13"/>
+          </p:nvPr>
+        </p:nvSpPr>
+        <p:spPr/>
+        <p:txBody>
+          <a:bodyPr/>
+          <a:lstStyle/>
+          <a:p>
+            <a:r>
+              <a:rPr lang="pt-PT" dirty="0"/>
+              <a:t>Início</a:t>
+            </a:r>
+          </a:p>
+        </p:txBody>
+      </p:sp>
+    </p:spTree>
+    <p:extLst>
+      <p:ext uri="{BB962C8B-B14F-4D97-AF65-F5344CB8AC3E}">
+        <p14:creationId xmlns:p14="http://schemas.microsoft.com/office/powerpoint/2010/main" val="3402220871"/>
+      </p:ext>
+    </p:extLst>
+  </p:cSld>
+  <p:clrMapOvr>
+    <a:masterClrMapping/>
+  </p:clrMapOvr>
+</p:sld>
+</file>
+
+<file path=ppt/slides/slide12.xml><?xml version="1.0" encoding="utf-8"?>
+<p:sld xmlns:a="http://schemas.openxmlformats.org/drawingml/2006/main" xmlns:r="http://schemas.openxmlformats.org/officeDocument/2006/relationships" xmlns:p="http://schemas.openxmlformats.org/presentationml/2006/main">
+  <p:cSld>
+    <p:spTree>
+      <p:nvGrpSpPr>
+        <p:cNvPr id="1" name=""/>
+        <p:cNvGrpSpPr/>
+        <p:nvPr/>
+      </p:nvGrpSpPr>
+      <p:grpSpPr>
+        <a:xfrm>
+          <a:off x="0" y="0"/>
+          <a:ext cx="0" cy="0"/>
+          <a:chOff x="0" y="0"/>
+          <a:chExt cx="0" cy="0"/>
+        </a:xfrm>
+      </p:grpSpPr>
+      <p:sp>
+        <p:nvSpPr>
+          <p:cNvPr id="2" name="Content Placeholder 1">
+            <a:extLst>
+              <a:ext uri="{FF2B5EF4-FFF2-40B4-BE49-F238E27FC236}">
+                <a16:creationId xmlns:a16="http://schemas.microsoft.com/office/drawing/2014/main" id="{61284A3C-35C7-47BB-B5EF-3A5AFD39F048}"/>
+              </a:ext>
+            </a:extLst>
+          </p:cNvPr>
+          <p:cNvSpPr>
+            <a:spLocks noGrp="1"/>
+          </p:cNvSpPr>
+          <p:nvPr>
+            <p:ph idx="1"/>
+          </p:nvPr>
+        </p:nvSpPr>
+        <p:spPr/>
+        <p:txBody>
+          <a:bodyPr/>
+          <a:lstStyle/>
+          <a:p>
+            <a:endParaRPr lang="pt-PT" dirty="0"/>
+          </a:p>
+        </p:txBody>
+      </p:sp>
+      <p:sp>
+        <p:nvSpPr>
+          <p:cNvPr id="3" name="Content Placeholder 2">
+            <a:extLst>
+              <a:ext uri="{FF2B5EF4-FFF2-40B4-BE49-F238E27FC236}">
+                <a16:creationId xmlns:a16="http://schemas.microsoft.com/office/drawing/2014/main" id="{75B62007-2099-491F-B9CC-679828859075}"/>
+              </a:ext>
+            </a:extLst>
+          </p:cNvPr>
+          <p:cNvSpPr>
+            <a:spLocks noGrp="1"/>
+          </p:cNvSpPr>
+          <p:nvPr>
+            <p:ph idx="10"/>
+          </p:nvPr>
+        </p:nvSpPr>
+        <p:spPr/>
+        <p:txBody>
+          <a:bodyPr/>
+          <a:lstStyle/>
+          <a:p>
+            <a:endParaRPr lang="pt-PT" dirty="0"/>
+          </a:p>
+        </p:txBody>
+      </p:sp>
+      <p:sp>
+        <p:nvSpPr>
+          <p:cNvPr id="4" name="Content Placeholder 3">
+            <a:extLst>
+              <a:ext uri="{FF2B5EF4-FFF2-40B4-BE49-F238E27FC236}">
+                <a16:creationId xmlns:a16="http://schemas.microsoft.com/office/drawing/2014/main" id="{B573A8A9-0BDE-4B35-955D-A5C9FAFE6755}"/>
+              </a:ext>
+            </a:extLst>
+          </p:cNvPr>
+          <p:cNvSpPr>
+            <a:spLocks noGrp="1"/>
+          </p:cNvSpPr>
+          <p:nvPr>
+            <p:ph idx="11"/>
+          </p:nvPr>
+        </p:nvSpPr>
+        <p:spPr/>
+        <p:txBody>
+          <a:bodyPr/>
+          <a:lstStyle/>
+          <a:p>
+            <a:endParaRPr lang="pt-PT" dirty="0"/>
+          </a:p>
+        </p:txBody>
+      </p:sp>
+      <p:sp>
+        <p:nvSpPr>
+          <p:cNvPr id="5" name="Content Placeholder 4">
+            <a:extLst>
+              <a:ext uri="{FF2B5EF4-FFF2-40B4-BE49-F238E27FC236}">
+                <a16:creationId xmlns:a16="http://schemas.microsoft.com/office/drawing/2014/main" id="{03F0B0E7-9DC5-4E64-84FC-E41A42350BE1}"/>
+              </a:ext>
+            </a:extLst>
+          </p:cNvPr>
+          <p:cNvSpPr>
+            <a:spLocks noGrp="1"/>
+          </p:cNvSpPr>
+          <p:nvPr>
+            <p:ph idx="12"/>
+          </p:nvPr>
+        </p:nvSpPr>
+        <p:spPr/>
+        <p:txBody>
+          <a:bodyPr/>
+          <a:lstStyle/>
+          <a:p>
+            <a:endParaRPr lang="pt-PT" dirty="0"/>
+          </a:p>
+        </p:txBody>
+      </p:sp>
+      <p:sp>
+        <p:nvSpPr>
+          <p:cNvPr id="6" name="Content Placeholder 5">
+            <a:extLst>
+              <a:ext uri="{FF2B5EF4-FFF2-40B4-BE49-F238E27FC236}">
+                <a16:creationId xmlns:a16="http://schemas.microsoft.com/office/drawing/2014/main" id="{AAD76EA7-FFDD-4221-8BFA-2CF2F90A53A9}"/>
+              </a:ext>
+            </a:extLst>
+          </p:cNvPr>
+          <p:cNvSpPr>
+            <a:spLocks noGrp="1"/>
+          </p:cNvSpPr>
+          <p:nvPr>
+            <p:ph idx="13"/>
+          </p:nvPr>
+        </p:nvSpPr>
+        <p:spPr/>
+        <p:txBody>
+          <a:bodyPr/>
+          <a:lstStyle/>
+          <a:p>
+            <a:r>
+              <a:rPr lang="pt-PT" dirty="0"/>
+              <a:t>Início</a:t>
+            </a:r>
+          </a:p>
+        </p:txBody>
+      </p:sp>
+    </p:spTree>
+    <p:extLst>
+      <p:ext uri="{BB962C8B-B14F-4D97-AF65-F5344CB8AC3E}">
+        <p14:creationId xmlns:p14="http://schemas.microsoft.com/office/powerpoint/2010/main" val="4011758723"/>
+      </p:ext>
+    </p:extLst>
+  </p:cSld>
+  <p:clrMapOvr>
+    <a:masterClrMapping/>
+  </p:clrMapOvr>
+</p:sld>
+</file>
+
+<file path=ppt/slides/slide13.xml><?xml version="1.0" encoding="utf-8"?>
+<p:sld xmlns:a="http://schemas.openxmlformats.org/drawingml/2006/main" xmlns:r="http://schemas.openxmlformats.org/officeDocument/2006/relationships" xmlns:p="http://schemas.openxmlformats.org/presentationml/2006/main">
+  <p:cSld>
+    <p:spTree>
+      <p:nvGrpSpPr>
+        <p:cNvPr id="1" name=""/>
+        <p:cNvGrpSpPr/>
+        <p:nvPr/>
+      </p:nvGrpSpPr>
+      <p:grpSpPr>
+        <a:xfrm>
+          <a:off x="0" y="0"/>
+          <a:ext cx="0" cy="0"/>
+          <a:chOff x="0" y="0"/>
+          <a:chExt cx="0" cy="0"/>
+        </a:xfrm>
+      </p:grpSpPr>
+      <p:sp>
+        <p:nvSpPr>
+          <p:cNvPr id="2" name="Content Placeholder 1">
+            <a:extLst>
+              <a:ext uri="{FF2B5EF4-FFF2-40B4-BE49-F238E27FC236}">
+                <a16:creationId xmlns:a16="http://schemas.microsoft.com/office/drawing/2014/main" id="{61284A3C-35C7-47BB-B5EF-3A5AFD39F048}"/>
+              </a:ext>
+            </a:extLst>
+          </p:cNvPr>
+          <p:cNvSpPr>
+            <a:spLocks noGrp="1"/>
+          </p:cNvSpPr>
+          <p:nvPr>
+            <p:ph idx="1"/>
+          </p:nvPr>
+        </p:nvSpPr>
+        <p:spPr/>
+        <p:txBody>
+          <a:bodyPr/>
+          <a:lstStyle/>
+          <a:p>
+            <a:endParaRPr lang="pt-PT" dirty="0"/>
+          </a:p>
+        </p:txBody>
+      </p:sp>
+      <p:sp>
+        <p:nvSpPr>
+          <p:cNvPr id="3" name="Content Placeholder 2">
+            <a:extLst>
+              <a:ext uri="{FF2B5EF4-FFF2-40B4-BE49-F238E27FC236}">
+                <a16:creationId xmlns:a16="http://schemas.microsoft.com/office/drawing/2014/main" id="{75B62007-2099-491F-B9CC-679828859075}"/>
+              </a:ext>
+            </a:extLst>
+          </p:cNvPr>
+          <p:cNvSpPr>
+            <a:spLocks noGrp="1"/>
+          </p:cNvSpPr>
+          <p:nvPr>
+            <p:ph idx="10"/>
+          </p:nvPr>
+        </p:nvSpPr>
+        <p:spPr/>
+        <p:txBody>
+          <a:bodyPr/>
+          <a:lstStyle/>
+          <a:p>
+            <a:endParaRPr lang="pt-PT" dirty="0"/>
+          </a:p>
+        </p:txBody>
+      </p:sp>
+      <p:sp>
+        <p:nvSpPr>
+          <p:cNvPr id="4" name="Content Placeholder 3">
+            <a:extLst>
+              <a:ext uri="{FF2B5EF4-FFF2-40B4-BE49-F238E27FC236}">
+                <a16:creationId xmlns:a16="http://schemas.microsoft.com/office/drawing/2014/main" id="{B573A8A9-0BDE-4B35-955D-A5C9FAFE6755}"/>
+              </a:ext>
+            </a:extLst>
+          </p:cNvPr>
+          <p:cNvSpPr>
+            <a:spLocks noGrp="1"/>
+          </p:cNvSpPr>
+          <p:nvPr>
+            <p:ph idx="11"/>
+          </p:nvPr>
+        </p:nvSpPr>
+        <p:spPr/>
+        <p:txBody>
+          <a:bodyPr/>
+          <a:lstStyle/>
+          <a:p>
+            <a:endParaRPr lang="pt-PT" dirty="0"/>
+          </a:p>
+        </p:txBody>
+      </p:sp>
+      <p:sp>
+        <p:nvSpPr>
+          <p:cNvPr id="5" name="Content Placeholder 4">
+            <a:extLst>
+              <a:ext uri="{FF2B5EF4-FFF2-40B4-BE49-F238E27FC236}">
+                <a16:creationId xmlns:a16="http://schemas.microsoft.com/office/drawing/2014/main" id="{03F0B0E7-9DC5-4E64-84FC-E41A42350BE1}"/>
+              </a:ext>
+            </a:extLst>
+          </p:cNvPr>
+          <p:cNvSpPr>
+            <a:spLocks noGrp="1"/>
+          </p:cNvSpPr>
+          <p:nvPr>
+            <p:ph idx="12"/>
+          </p:nvPr>
+        </p:nvSpPr>
+        <p:spPr/>
+        <p:txBody>
+          <a:bodyPr/>
+          <a:lstStyle/>
+          <a:p>
+            <a:endParaRPr lang="pt-PT" dirty="0"/>
+          </a:p>
+        </p:txBody>
+      </p:sp>
+      <p:sp>
+        <p:nvSpPr>
+          <p:cNvPr id="6" name="Content Placeholder 5">
+            <a:extLst>
+              <a:ext uri="{FF2B5EF4-FFF2-40B4-BE49-F238E27FC236}">
+                <a16:creationId xmlns:a16="http://schemas.microsoft.com/office/drawing/2014/main" id="{AAD76EA7-FFDD-4221-8BFA-2CF2F90A53A9}"/>
+              </a:ext>
+            </a:extLst>
+          </p:cNvPr>
+          <p:cNvSpPr>
+            <a:spLocks noGrp="1"/>
+          </p:cNvSpPr>
+          <p:nvPr>
+            <p:ph idx="13"/>
+          </p:nvPr>
+        </p:nvSpPr>
+        <p:spPr/>
+        <p:txBody>
+          <a:bodyPr/>
+          <a:lstStyle/>
+          <a:p>
+            <a:r>
+              <a:rPr lang="pt-PT" dirty="0"/>
+              <a:t>Início</a:t>
+            </a:r>
+          </a:p>
+        </p:txBody>
+      </p:sp>
+    </p:spTree>
+    <p:extLst>
+      <p:ext uri="{BB962C8B-B14F-4D97-AF65-F5344CB8AC3E}">
+        <p14:creationId xmlns:p14="http://schemas.microsoft.com/office/powerpoint/2010/main" val="3944840309"/>
+      </p:ext>
+    </p:extLst>
+  </p:cSld>
+  <p:clrMapOvr>
+    <a:masterClrMapping/>
+  </p:clrMapOvr>
+</p:sld>
+</file>
+
+<file path=ppt/slides/slide14.xml><?xml version="1.0" encoding="utf-8"?>
+<p:sld xmlns:a="http://schemas.openxmlformats.org/drawingml/2006/main" xmlns:r="http://schemas.openxmlformats.org/officeDocument/2006/relationships" xmlns:p="http://schemas.openxmlformats.org/presentationml/2006/main">
+  <p:cSld>
+    <p:spTree>
+      <p:nvGrpSpPr>
+        <p:cNvPr id="1" name=""/>
+        <p:cNvGrpSpPr/>
+        <p:nvPr/>
+      </p:nvGrpSpPr>
+      <p:grpSpPr>
+        <a:xfrm>
+          <a:off x="0" y="0"/>
+          <a:ext cx="0" cy="0"/>
+          <a:chOff x="0" y="0"/>
+          <a:chExt cx="0" cy="0"/>
+        </a:xfrm>
+      </p:grpSpPr>
+      <p:sp>
+        <p:nvSpPr>
+          <p:cNvPr id="2" name="Content Placeholder 1">
+            <a:extLst>
+              <a:ext uri="{FF2B5EF4-FFF2-40B4-BE49-F238E27FC236}">
+                <a16:creationId xmlns:a16="http://schemas.microsoft.com/office/drawing/2014/main" id="{61284A3C-35C7-47BB-B5EF-3A5AFD39F048}"/>
+              </a:ext>
+            </a:extLst>
+          </p:cNvPr>
+          <p:cNvSpPr>
+            <a:spLocks noGrp="1"/>
+          </p:cNvSpPr>
+          <p:nvPr>
+            <p:ph idx="1"/>
+          </p:nvPr>
+        </p:nvSpPr>
+        <p:spPr/>
+        <p:txBody>
+          <a:bodyPr/>
+          <a:lstStyle/>
+          <a:p>
+            <a:endParaRPr lang="pt-PT" dirty="0"/>
+          </a:p>
+        </p:txBody>
+      </p:sp>
+      <p:sp>
+        <p:nvSpPr>
+          <p:cNvPr id="3" name="Content Placeholder 2">
+            <a:extLst>
+              <a:ext uri="{FF2B5EF4-FFF2-40B4-BE49-F238E27FC236}">
+                <a16:creationId xmlns:a16="http://schemas.microsoft.com/office/drawing/2014/main" id="{75B62007-2099-491F-B9CC-679828859075}"/>
+              </a:ext>
+            </a:extLst>
+          </p:cNvPr>
+          <p:cNvSpPr>
+            <a:spLocks noGrp="1"/>
+          </p:cNvSpPr>
+          <p:nvPr>
+            <p:ph idx="10"/>
+          </p:nvPr>
+        </p:nvSpPr>
+        <p:spPr/>
+        <p:txBody>
+          <a:bodyPr/>
+          <a:lstStyle/>
+          <a:p>
+            <a:endParaRPr lang="pt-PT" dirty="0"/>
+          </a:p>
+        </p:txBody>
+      </p:sp>
+      <p:sp>
+        <p:nvSpPr>
+          <p:cNvPr id="4" name="Content Placeholder 3">
+            <a:extLst>
+              <a:ext uri="{FF2B5EF4-FFF2-40B4-BE49-F238E27FC236}">
+                <a16:creationId xmlns:a16="http://schemas.microsoft.com/office/drawing/2014/main" id="{B573A8A9-0BDE-4B35-955D-A5C9FAFE6755}"/>
+              </a:ext>
+            </a:extLst>
+          </p:cNvPr>
+          <p:cNvSpPr>
+            <a:spLocks noGrp="1"/>
+          </p:cNvSpPr>
+          <p:nvPr>
+            <p:ph idx="11"/>
+          </p:nvPr>
+        </p:nvSpPr>
+        <p:spPr/>
+        <p:txBody>
+          <a:bodyPr/>
+          <a:lstStyle/>
+          <a:p>
+            <a:endParaRPr lang="pt-PT" dirty="0"/>
+          </a:p>
+        </p:txBody>
+      </p:sp>
+      <p:sp>
+        <p:nvSpPr>
+          <p:cNvPr id="5" name="Content Placeholder 4">
+            <a:extLst>
+              <a:ext uri="{FF2B5EF4-FFF2-40B4-BE49-F238E27FC236}">
+                <a16:creationId xmlns:a16="http://schemas.microsoft.com/office/drawing/2014/main" id="{03F0B0E7-9DC5-4E64-84FC-E41A42350BE1}"/>
+              </a:ext>
+            </a:extLst>
+          </p:cNvPr>
+          <p:cNvSpPr>
+            <a:spLocks noGrp="1"/>
+          </p:cNvSpPr>
+          <p:nvPr>
+            <p:ph idx="12"/>
+          </p:nvPr>
+        </p:nvSpPr>
+        <p:spPr/>
+        <p:txBody>
+          <a:bodyPr/>
+          <a:lstStyle/>
+          <a:p>
+            <a:endParaRPr lang="pt-PT" dirty="0"/>
+          </a:p>
+        </p:txBody>
+      </p:sp>
+      <p:sp>
+        <p:nvSpPr>
+          <p:cNvPr id="6" name="Content Placeholder 5">
+            <a:extLst>
+              <a:ext uri="{FF2B5EF4-FFF2-40B4-BE49-F238E27FC236}">
+                <a16:creationId xmlns:a16="http://schemas.microsoft.com/office/drawing/2014/main" id="{AAD76EA7-FFDD-4221-8BFA-2CF2F90A53A9}"/>
+              </a:ext>
+            </a:extLst>
+          </p:cNvPr>
+          <p:cNvSpPr>
+            <a:spLocks noGrp="1"/>
+          </p:cNvSpPr>
+          <p:nvPr>
+            <p:ph idx="13"/>
+          </p:nvPr>
+        </p:nvSpPr>
+        <p:spPr/>
+        <p:txBody>
+          <a:bodyPr/>
+          <a:lstStyle/>
+          <a:p>
+            <a:r>
+              <a:rPr lang="pt-PT" dirty="0"/>
+              <a:t>Início</a:t>
+            </a:r>
+          </a:p>
+        </p:txBody>
+      </p:sp>
+    </p:spTree>
+    <p:extLst>
+      <p:ext uri="{BB962C8B-B14F-4D97-AF65-F5344CB8AC3E}">
+        <p14:creationId xmlns:p14="http://schemas.microsoft.com/office/powerpoint/2010/main" val="3201941665"/>
+      </p:ext>
+    </p:extLst>
+  </p:cSld>
+  <p:clrMapOvr>
+    <a:masterClrMapping/>
+  </p:clrMapOvr>
+</p:sld>
+</file>
+
 <file path=ppt/slides/slide2.xml><?xml version="1.0" encoding="utf-8"?>
 <p:sld xmlns:a="http://schemas.openxmlformats.org/drawingml/2006/main" xmlns:r="http://schemas.openxmlformats.org/officeDocument/2006/relationships" xmlns:p="http://schemas.openxmlformats.org/presentationml/2006/main">
   <p:cSld>
@@ -15133,7 +17419,7 @@
           <p:cNvPr id="6" name="Content Placeholder 5">
             <a:extLst>
               <a:ext uri="{FF2B5EF4-FFF2-40B4-BE49-F238E27FC236}">
-                <a16:creationId xmlns:a16="http://schemas.microsoft.com/office/drawing/2014/main" xmlns="" id="{D2F8EBE6-665F-4846-A148-9D6DDE6E6817}"/>
+                <a16:creationId xmlns:a16="http://schemas.microsoft.com/office/drawing/2014/main" id="{D2F8EBE6-665F-4846-A148-9D6DDE6E6817}"/>
               </a:ext>
             </a:extLst>
           </p:cNvPr>
@@ -15346,7 +17632,7 @@
           <p:cNvPr id="7" name="Content Placeholder 6">
             <a:extLst>
               <a:ext uri="{FF2B5EF4-FFF2-40B4-BE49-F238E27FC236}">
-                <a16:creationId xmlns:a16="http://schemas.microsoft.com/office/drawing/2014/main" xmlns="" id="{6A3312CD-3A32-4B92-800D-BCF4662960EA}"/>
+                <a16:creationId xmlns:a16="http://schemas.microsoft.com/office/drawing/2014/main" id="{6A3312CD-3A32-4B92-800D-BCF4662960EA}"/>
               </a:ext>
             </a:extLst>
           </p:cNvPr>
@@ -15384,7 +17670,7 @@
           <p:cNvPr id="4" name="Picture 3">
             <a:extLst>
               <a:ext uri="{FF2B5EF4-FFF2-40B4-BE49-F238E27FC236}">
-                <a16:creationId xmlns:a16="http://schemas.microsoft.com/office/drawing/2014/main" xmlns="" id="{6B77C82E-A7D5-43FA-B0E1-FABD1A26BE05}"/>
+                <a16:creationId xmlns:a16="http://schemas.microsoft.com/office/drawing/2014/main" id="{6B77C82E-A7D5-43FA-B0E1-FABD1A26BE05}"/>
               </a:ext>
             </a:extLst>
           </p:cNvPr>
@@ -15443,7 +17729,7 @@
           <p:cNvPr id="2" name="Title 1">
             <a:extLst>
               <a:ext uri="{FF2B5EF4-FFF2-40B4-BE49-F238E27FC236}">
-                <a16:creationId xmlns:a16="http://schemas.microsoft.com/office/drawing/2014/main" xmlns="" id="{146D3ED9-1C44-49AB-9A69-32D9A044581F}"/>
+                <a16:creationId xmlns:a16="http://schemas.microsoft.com/office/drawing/2014/main" id="{146D3ED9-1C44-49AB-9A69-32D9A044581F}"/>
               </a:ext>
             </a:extLst>
           </p:cNvPr>
@@ -15471,7 +17757,7 @@
           <p:cNvPr id="3" name="Content Placeholder 2">
             <a:extLst>
               <a:ext uri="{FF2B5EF4-FFF2-40B4-BE49-F238E27FC236}">
-                <a16:creationId xmlns:a16="http://schemas.microsoft.com/office/drawing/2014/main" xmlns="" id="{976A4E5C-F24A-4C41-A632-95938F25BA18}"/>
+                <a16:creationId xmlns:a16="http://schemas.microsoft.com/office/drawing/2014/main" id="{976A4E5C-F24A-4C41-A632-95938F25BA18}"/>
               </a:ext>
             </a:extLst>
           </p:cNvPr>
@@ -15541,7 +17827,7 @@
           <p:cNvPr id="4" name="Slide Number Placeholder 3">
             <a:extLst>
               <a:ext uri="{FF2B5EF4-FFF2-40B4-BE49-F238E27FC236}">
-                <a16:creationId xmlns:a16="http://schemas.microsoft.com/office/drawing/2014/main" xmlns="" id="{B255EC2C-DA39-47EF-81AE-82C02C61A452}"/>
+                <a16:creationId xmlns:a16="http://schemas.microsoft.com/office/drawing/2014/main" id="{B255EC2C-DA39-47EF-81AE-82C02C61A452}"/>
               </a:ext>
             </a:extLst>
           </p:cNvPr>
@@ -15595,138 +17881,38 @@
           <a:chExt cx="0" cy="0"/>
         </a:xfrm>
       </p:grpSpPr>
-      <p:sp>
-        <p:nvSpPr>
-          <p:cNvPr id="2" name="Content Placeholder 1">
+      <p:graphicFrame>
+        <p:nvGraphicFramePr>
+          <p:cNvPr id="7" name="Diagram 4">
             <a:extLst>
               <a:ext uri="{FF2B5EF4-FFF2-40B4-BE49-F238E27FC236}">
-                <a16:creationId xmlns:a16="http://schemas.microsoft.com/office/drawing/2014/main" xmlns="" id="{61284A3C-35C7-47BB-B5EF-3A5AFD39F048}"/>
+                <a16:creationId xmlns:a16="http://schemas.microsoft.com/office/drawing/2014/main" id="{26FDAC6F-257B-4A6D-9996-585B03A417C8}"/>
               </a:ext>
             </a:extLst>
           </p:cNvPr>
-          <p:cNvSpPr>
-            <a:spLocks noGrp="1"/>
-          </p:cNvSpPr>
+          <p:cNvGraphicFramePr/>
           <p:nvPr>
-            <p:ph idx="1"/>
+            <p:extLst>
+              <p:ext uri="{D42A27DB-BD31-4B8C-83A1-F6EECF244321}">
+                <p14:modId xmlns:p14="http://schemas.microsoft.com/office/powerpoint/2010/main" val="1970065881"/>
+              </p:ext>
+            </p:extLst>
           </p:nvPr>
-        </p:nvSpPr>
-        <p:spPr/>
-        <p:txBody>
-          <a:bodyPr/>
-          <a:lstStyle/>
-          <a:p>
-            <a:endParaRPr lang="pt-PT" dirty="0"/>
-          </a:p>
-        </p:txBody>
-      </p:sp>
-      <p:sp>
-        <p:nvSpPr>
-          <p:cNvPr id="3" name="Content Placeholder 2">
-            <a:extLst>
-              <a:ext uri="{FF2B5EF4-FFF2-40B4-BE49-F238E27FC236}">
-                <a16:creationId xmlns:a16="http://schemas.microsoft.com/office/drawing/2014/main" xmlns="" id="{75B62007-2099-491F-B9CC-679828859075}"/>
-              </a:ext>
-            </a:extLst>
-          </p:cNvPr>
-          <p:cNvSpPr>
-            <a:spLocks noGrp="1"/>
-          </p:cNvSpPr>
-          <p:nvPr>
-            <p:ph idx="10"/>
-          </p:nvPr>
-        </p:nvSpPr>
-        <p:spPr/>
-        <p:txBody>
-          <a:bodyPr/>
-          <a:lstStyle/>
-          <a:p>
-            <a:endParaRPr lang="pt-PT" dirty="0"/>
-          </a:p>
-        </p:txBody>
-      </p:sp>
-      <p:sp>
-        <p:nvSpPr>
-          <p:cNvPr id="4" name="Content Placeholder 3">
-            <a:extLst>
-              <a:ext uri="{FF2B5EF4-FFF2-40B4-BE49-F238E27FC236}">
-                <a16:creationId xmlns:a16="http://schemas.microsoft.com/office/drawing/2014/main" xmlns="" id="{B573A8A9-0BDE-4B35-955D-A5C9FAFE6755}"/>
-              </a:ext>
-            </a:extLst>
-          </p:cNvPr>
-          <p:cNvSpPr>
-            <a:spLocks noGrp="1"/>
-          </p:cNvSpPr>
-          <p:nvPr>
-            <p:ph idx="11"/>
-          </p:nvPr>
-        </p:nvSpPr>
-        <p:spPr/>
-        <p:txBody>
-          <a:bodyPr/>
-          <a:lstStyle/>
-          <a:p>
-            <a:endParaRPr lang="pt-PT" dirty="0"/>
-          </a:p>
-        </p:txBody>
-      </p:sp>
-      <p:sp>
-        <p:nvSpPr>
-          <p:cNvPr id="5" name="Content Placeholder 4">
-            <a:extLst>
-              <a:ext uri="{FF2B5EF4-FFF2-40B4-BE49-F238E27FC236}">
-                <a16:creationId xmlns:a16="http://schemas.microsoft.com/office/drawing/2014/main" xmlns="" id="{03F0B0E7-9DC5-4E64-84FC-E41A42350BE1}"/>
-              </a:ext>
-            </a:extLst>
-          </p:cNvPr>
-          <p:cNvSpPr>
-            <a:spLocks noGrp="1"/>
-          </p:cNvSpPr>
-          <p:nvPr>
-            <p:ph idx="12"/>
-          </p:nvPr>
-        </p:nvSpPr>
-        <p:spPr/>
-        <p:txBody>
-          <a:bodyPr/>
-          <a:lstStyle/>
-          <a:p>
-            <a:endParaRPr lang="pt-PT" dirty="0"/>
-          </a:p>
-        </p:txBody>
-      </p:sp>
-      <p:sp>
-        <p:nvSpPr>
-          <p:cNvPr id="6" name="Content Placeholder 5">
-            <a:extLst>
-              <a:ext uri="{FF2B5EF4-FFF2-40B4-BE49-F238E27FC236}">
-                <a16:creationId xmlns:a16="http://schemas.microsoft.com/office/drawing/2014/main" xmlns="" id="{AAD76EA7-FFDD-4221-8BFA-2CF2F90A53A9}"/>
-              </a:ext>
-            </a:extLst>
-          </p:cNvPr>
-          <p:cNvSpPr>
-            <a:spLocks noGrp="1"/>
-          </p:cNvSpPr>
-          <p:nvPr>
-            <p:ph idx="13"/>
-          </p:nvPr>
-        </p:nvSpPr>
-        <p:spPr/>
-        <p:txBody>
-          <a:bodyPr/>
-          <a:lstStyle/>
-          <a:p>
-            <a:r>
-              <a:rPr lang="pt-PT" dirty="0"/>
-              <a:t>Início</a:t>
-            </a:r>
-          </a:p>
-        </p:txBody>
-      </p:sp>
+        </p:nvGraphicFramePr>
+        <p:xfrm>
+          <a:off x="240714" y="0"/>
+          <a:ext cx="8903286" cy="6858000"/>
+        </p:xfrm>
+        <a:graphic>
+          <a:graphicData uri="http://schemas.openxmlformats.org/drawingml/2006/diagram">
+            <dgm:relIds xmlns:dgm="http://schemas.openxmlformats.org/drawingml/2006/diagram" xmlns:r="http://schemas.openxmlformats.org/officeDocument/2006/relationships" r:dm="rId3" r:lo="rId4" r:qs="rId5" r:cs="rId6"/>
+          </a:graphicData>
+        </a:graphic>
+      </p:graphicFrame>
     </p:spTree>
     <p:extLst>
       <p:ext uri="{BB962C8B-B14F-4D97-AF65-F5344CB8AC3E}">
-        <p14:creationId xmlns:p14="http://schemas.microsoft.com/office/powerpoint/2010/main" val="1417018605"/>
+        <p14:creationId xmlns:p14="http://schemas.microsoft.com/office/powerpoint/2010/main" val="3659045818"/>
       </p:ext>
     </p:extLst>
   </p:cSld>
@@ -15753,38 +17939,612 @@
           <a:chExt cx="0" cy="0"/>
         </a:xfrm>
       </p:grpSpPr>
-      <p:graphicFrame>
-        <p:nvGraphicFramePr>
-          <p:cNvPr id="7" name="Diagram 4">
+      <p:sp>
+        <p:nvSpPr>
+          <p:cNvPr id="2" name="Content Placeholder 1">
             <a:extLst>
               <a:ext uri="{FF2B5EF4-FFF2-40B4-BE49-F238E27FC236}">
-                <a16:creationId xmlns:a16="http://schemas.microsoft.com/office/drawing/2014/main" xmlns="" id="{26FDAC6F-257B-4A6D-9996-585B03A417C8}"/>
+                <a16:creationId xmlns:a16="http://schemas.microsoft.com/office/drawing/2014/main" id="{61284A3C-35C7-47BB-B5EF-3A5AFD39F048}"/>
               </a:ext>
             </a:extLst>
           </p:cNvPr>
-          <p:cNvGraphicFramePr/>
+          <p:cNvSpPr>
+            <a:spLocks noGrp="1"/>
+          </p:cNvSpPr>
           <p:nvPr>
-            <p:extLst>
-              <p:ext uri="{D42A27DB-BD31-4B8C-83A1-F6EECF244321}">
-                <p14:modId xmlns:p14="http://schemas.microsoft.com/office/powerpoint/2010/main" val="1697787438"/>
-              </p:ext>
-            </p:extLst>
+            <p:ph idx="1"/>
           </p:nvPr>
-        </p:nvGraphicFramePr>
-        <p:xfrm>
-          <a:off x="240714" y="0"/>
-          <a:ext cx="8903286" cy="6858000"/>
-        </p:xfrm>
-        <a:graphic>
-          <a:graphicData uri="http://schemas.openxmlformats.org/drawingml/2006/diagram">
-            <dgm:relIds xmlns:dgm="http://schemas.openxmlformats.org/drawingml/2006/diagram" xmlns:r="http://schemas.openxmlformats.org/officeDocument/2006/relationships" r:dm="rId3" r:lo="rId4" r:qs="rId5" r:cs="rId6"/>
-          </a:graphicData>
-        </a:graphic>
-      </p:graphicFrame>
+        </p:nvSpPr>
+        <p:spPr/>
+        <p:txBody>
+          <a:bodyPr/>
+          <a:lstStyle/>
+          <a:p>
+            <a:endParaRPr lang="pt-PT" dirty="0"/>
+          </a:p>
+        </p:txBody>
+      </p:sp>
+      <p:sp>
+        <p:nvSpPr>
+          <p:cNvPr id="3" name="Content Placeholder 2">
+            <a:extLst>
+              <a:ext uri="{FF2B5EF4-FFF2-40B4-BE49-F238E27FC236}">
+                <a16:creationId xmlns:a16="http://schemas.microsoft.com/office/drawing/2014/main" id="{75B62007-2099-491F-B9CC-679828859075}"/>
+              </a:ext>
+            </a:extLst>
+          </p:cNvPr>
+          <p:cNvSpPr>
+            <a:spLocks noGrp="1"/>
+          </p:cNvSpPr>
+          <p:nvPr>
+            <p:ph idx="10"/>
+          </p:nvPr>
+        </p:nvSpPr>
+        <p:spPr/>
+        <p:txBody>
+          <a:bodyPr/>
+          <a:lstStyle/>
+          <a:p>
+            <a:endParaRPr lang="pt-PT" dirty="0"/>
+          </a:p>
+        </p:txBody>
+      </p:sp>
+      <p:sp>
+        <p:nvSpPr>
+          <p:cNvPr id="4" name="Content Placeholder 3">
+            <a:extLst>
+              <a:ext uri="{FF2B5EF4-FFF2-40B4-BE49-F238E27FC236}">
+                <a16:creationId xmlns:a16="http://schemas.microsoft.com/office/drawing/2014/main" id="{B573A8A9-0BDE-4B35-955D-A5C9FAFE6755}"/>
+              </a:ext>
+            </a:extLst>
+          </p:cNvPr>
+          <p:cNvSpPr>
+            <a:spLocks noGrp="1"/>
+          </p:cNvSpPr>
+          <p:nvPr>
+            <p:ph idx="11"/>
+          </p:nvPr>
+        </p:nvSpPr>
+        <p:spPr/>
+        <p:txBody>
+          <a:bodyPr/>
+          <a:lstStyle/>
+          <a:p>
+            <a:endParaRPr lang="pt-PT" dirty="0"/>
+          </a:p>
+        </p:txBody>
+      </p:sp>
+      <p:sp>
+        <p:nvSpPr>
+          <p:cNvPr id="5" name="Content Placeholder 4">
+            <a:extLst>
+              <a:ext uri="{FF2B5EF4-FFF2-40B4-BE49-F238E27FC236}">
+                <a16:creationId xmlns:a16="http://schemas.microsoft.com/office/drawing/2014/main" id="{03F0B0E7-9DC5-4E64-84FC-E41A42350BE1}"/>
+              </a:ext>
+            </a:extLst>
+          </p:cNvPr>
+          <p:cNvSpPr>
+            <a:spLocks noGrp="1"/>
+          </p:cNvSpPr>
+          <p:nvPr>
+            <p:ph idx="12"/>
+          </p:nvPr>
+        </p:nvSpPr>
+        <p:spPr/>
+        <p:txBody>
+          <a:bodyPr/>
+          <a:lstStyle/>
+          <a:p>
+            <a:endParaRPr lang="pt-PT" dirty="0"/>
+          </a:p>
+        </p:txBody>
+      </p:sp>
+      <p:sp>
+        <p:nvSpPr>
+          <p:cNvPr id="6" name="Content Placeholder 5">
+            <a:extLst>
+              <a:ext uri="{FF2B5EF4-FFF2-40B4-BE49-F238E27FC236}">
+                <a16:creationId xmlns:a16="http://schemas.microsoft.com/office/drawing/2014/main" id="{AAD76EA7-FFDD-4221-8BFA-2CF2F90A53A9}"/>
+              </a:ext>
+            </a:extLst>
+          </p:cNvPr>
+          <p:cNvSpPr>
+            <a:spLocks noGrp="1"/>
+          </p:cNvSpPr>
+          <p:nvPr>
+            <p:ph idx="13"/>
+          </p:nvPr>
+        </p:nvSpPr>
+        <p:spPr/>
+        <p:txBody>
+          <a:bodyPr/>
+          <a:lstStyle/>
+          <a:p>
+            <a:r>
+              <a:rPr lang="pt-PT" dirty="0"/>
+              <a:t>Início</a:t>
+            </a:r>
+          </a:p>
+        </p:txBody>
+      </p:sp>
     </p:spTree>
     <p:extLst>
       <p:ext uri="{BB962C8B-B14F-4D97-AF65-F5344CB8AC3E}">
-        <p14:creationId xmlns:p14="http://schemas.microsoft.com/office/powerpoint/2010/main" val="3659045818"/>
+        <p14:creationId xmlns:p14="http://schemas.microsoft.com/office/powerpoint/2010/main" val="1417018605"/>
+      </p:ext>
+    </p:extLst>
+  </p:cSld>
+  <p:clrMapOvr>
+    <a:masterClrMapping/>
+  </p:clrMapOvr>
+</p:sld>
+</file>
+
+<file path=ppt/slides/slide7.xml><?xml version="1.0" encoding="utf-8"?>
+<p:sld xmlns:a="http://schemas.openxmlformats.org/drawingml/2006/main" xmlns:r="http://schemas.openxmlformats.org/officeDocument/2006/relationships" xmlns:p="http://schemas.openxmlformats.org/presentationml/2006/main">
+  <p:cSld>
+    <p:spTree>
+      <p:nvGrpSpPr>
+        <p:cNvPr id="1" name=""/>
+        <p:cNvGrpSpPr/>
+        <p:nvPr/>
+      </p:nvGrpSpPr>
+      <p:grpSpPr>
+        <a:xfrm>
+          <a:off x="0" y="0"/>
+          <a:ext cx="0" cy="0"/>
+          <a:chOff x="0" y="0"/>
+          <a:chExt cx="0" cy="0"/>
+        </a:xfrm>
+      </p:grpSpPr>
+      <p:sp>
+        <p:nvSpPr>
+          <p:cNvPr id="2" name="Content Placeholder 1">
+            <a:extLst>
+              <a:ext uri="{FF2B5EF4-FFF2-40B4-BE49-F238E27FC236}">
+                <a16:creationId xmlns:a16="http://schemas.microsoft.com/office/drawing/2014/main" id="{61284A3C-35C7-47BB-B5EF-3A5AFD39F048}"/>
+              </a:ext>
+            </a:extLst>
+          </p:cNvPr>
+          <p:cNvSpPr>
+            <a:spLocks noGrp="1"/>
+          </p:cNvSpPr>
+          <p:nvPr>
+            <p:ph idx="1"/>
+          </p:nvPr>
+        </p:nvSpPr>
+        <p:spPr/>
+        <p:txBody>
+          <a:bodyPr/>
+          <a:lstStyle/>
+          <a:p>
+            <a:endParaRPr lang="pt-PT" dirty="0"/>
+          </a:p>
+        </p:txBody>
+      </p:sp>
+      <p:sp>
+        <p:nvSpPr>
+          <p:cNvPr id="3" name="Content Placeholder 2">
+            <a:extLst>
+              <a:ext uri="{FF2B5EF4-FFF2-40B4-BE49-F238E27FC236}">
+                <a16:creationId xmlns:a16="http://schemas.microsoft.com/office/drawing/2014/main" id="{75B62007-2099-491F-B9CC-679828859075}"/>
+              </a:ext>
+            </a:extLst>
+          </p:cNvPr>
+          <p:cNvSpPr>
+            <a:spLocks noGrp="1"/>
+          </p:cNvSpPr>
+          <p:nvPr>
+            <p:ph idx="10"/>
+          </p:nvPr>
+        </p:nvSpPr>
+        <p:spPr/>
+        <p:txBody>
+          <a:bodyPr/>
+          <a:lstStyle/>
+          <a:p>
+            <a:endParaRPr lang="pt-PT" dirty="0"/>
+          </a:p>
+        </p:txBody>
+      </p:sp>
+      <p:sp>
+        <p:nvSpPr>
+          <p:cNvPr id="4" name="Content Placeholder 3">
+            <a:extLst>
+              <a:ext uri="{FF2B5EF4-FFF2-40B4-BE49-F238E27FC236}">
+                <a16:creationId xmlns:a16="http://schemas.microsoft.com/office/drawing/2014/main" id="{B573A8A9-0BDE-4B35-955D-A5C9FAFE6755}"/>
+              </a:ext>
+            </a:extLst>
+          </p:cNvPr>
+          <p:cNvSpPr>
+            <a:spLocks noGrp="1"/>
+          </p:cNvSpPr>
+          <p:nvPr>
+            <p:ph idx="11"/>
+          </p:nvPr>
+        </p:nvSpPr>
+        <p:spPr/>
+        <p:txBody>
+          <a:bodyPr/>
+          <a:lstStyle/>
+          <a:p>
+            <a:endParaRPr lang="pt-PT" dirty="0"/>
+          </a:p>
+        </p:txBody>
+      </p:sp>
+      <p:sp>
+        <p:nvSpPr>
+          <p:cNvPr id="5" name="Content Placeholder 4">
+            <a:extLst>
+              <a:ext uri="{FF2B5EF4-FFF2-40B4-BE49-F238E27FC236}">
+                <a16:creationId xmlns:a16="http://schemas.microsoft.com/office/drawing/2014/main" id="{03F0B0E7-9DC5-4E64-84FC-E41A42350BE1}"/>
+              </a:ext>
+            </a:extLst>
+          </p:cNvPr>
+          <p:cNvSpPr>
+            <a:spLocks noGrp="1"/>
+          </p:cNvSpPr>
+          <p:nvPr>
+            <p:ph idx="12"/>
+          </p:nvPr>
+        </p:nvSpPr>
+        <p:spPr/>
+        <p:txBody>
+          <a:bodyPr/>
+          <a:lstStyle/>
+          <a:p>
+            <a:endParaRPr lang="pt-PT" dirty="0"/>
+          </a:p>
+        </p:txBody>
+      </p:sp>
+      <p:sp>
+        <p:nvSpPr>
+          <p:cNvPr id="6" name="Content Placeholder 5">
+            <a:extLst>
+              <a:ext uri="{FF2B5EF4-FFF2-40B4-BE49-F238E27FC236}">
+                <a16:creationId xmlns:a16="http://schemas.microsoft.com/office/drawing/2014/main" id="{AAD76EA7-FFDD-4221-8BFA-2CF2F90A53A9}"/>
+              </a:ext>
+            </a:extLst>
+          </p:cNvPr>
+          <p:cNvSpPr>
+            <a:spLocks noGrp="1"/>
+          </p:cNvSpPr>
+          <p:nvPr>
+            <p:ph idx="13"/>
+          </p:nvPr>
+        </p:nvSpPr>
+        <p:spPr/>
+        <p:txBody>
+          <a:bodyPr/>
+          <a:lstStyle/>
+          <a:p>
+            <a:r>
+              <a:rPr lang="pt-PT" dirty="0"/>
+              <a:t>Porquê Covilhã</a:t>
+            </a:r>
+          </a:p>
+        </p:txBody>
+      </p:sp>
+    </p:spTree>
+    <p:extLst>
+      <p:ext uri="{BB962C8B-B14F-4D97-AF65-F5344CB8AC3E}">
+        <p14:creationId xmlns:p14="http://schemas.microsoft.com/office/powerpoint/2010/main" val="2316728216"/>
+      </p:ext>
+    </p:extLst>
+  </p:cSld>
+  <p:clrMapOvr>
+    <a:masterClrMapping/>
+  </p:clrMapOvr>
+</p:sld>
+</file>
+
+<file path=ppt/slides/slide8.xml><?xml version="1.0" encoding="utf-8"?>
+<p:sld xmlns:a="http://schemas.openxmlformats.org/drawingml/2006/main" xmlns:r="http://schemas.openxmlformats.org/officeDocument/2006/relationships" xmlns:p="http://schemas.openxmlformats.org/presentationml/2006/main">
+  <p:cSld>
+    <p:spTree>
+      <p:nvGrpSpPr>
+        <p:cNvPr id="1" name=""/>
+        <p:cNvGrpSpPr/>
+        <p:nvPr/>
+      </p:nvGrpSpPr>
+      <p:grpSpPr>
+        <a:xfrm>
+          <a:off x="0" y="0"/>
+          <a:ext cx="0" cy="0"/>
+          <a:chOff x="0" y="0"/>
+          <a:chExt cx="0" cy="0"/>
+        </a:xfrm>
+      </p:grpSpPr>
+      <p:sp>
+        <p:nvSpPr>
+          <p:cNvPr id="2" name="Content Placeholder 1">
+            <a:extLst>
+              <a:ext uri="{FF2B5EF4-FFF2-40B4-BE49-F238E27FC236}">
+                <a16:creationId xmlns:a16="http://schemas.microsoft.com/office/drawing/2014/main" id="{61284A3C-35C7-47BB-B5EF-3A5AFD39F048}"/>
+              </a:ext>
+            </a:extLst>
+          </p:cNvPr>
+          <p:cNvSpPr>
+            <a:spLocks noGrp="1"/>
+          </p:cNvSpPr>
+          <p:nvPr>
+            <p:ph idx="1"/>
+          </p:nvPr>
+        </p:nvSpPr>
+        <p:spPr/>
+        <p:txBody>
+          <a:bodyPr/>
+          <a:lstStyle/>
+          <a:p>
+            <a:endParaRPr lang="pt-PT" dirty="0"/>
+          </a:p>
+        </p:txBody>
+      </p:sp>
+      <p:sp>
+        <p:nvSpPr>
+          <p:cNvPr id="3" name="Content Placeholder 2">
+            <a:extLst>
+              <a:ext uri="{FF2B5EF4-FFF2-40B4-BE49-F238E27FC236}">
+                <a16:creationId xmlns:a16="http://schemas.microsoft.com/office/drawing/2014/main" id="{75B62007-2099-491F-B9CC-679828859075}"/>
+              </a:ext>
+            </a:extLst>
+          </p:cNvPr>
+          <p:cNvSpPr>
+            <a:spLocks noGrp="1"/>
+          </p:cNvSpPr>
+          <p:nvPr>
+            <p:ph idx="10"/>
+          </p:nvPr>
+        </p:nvSpPr>
+        <p:spPr/>
+        <p:txBody>
+          <a:bodyPr/>
+          <a:lstStyle/>
+          <a:p>
+            <a:endParaRPr lang="pt-PT" dirty="0"/>
+          </a:p>
+        </p:txBody>
+      </p:sp>
+      <p:sp>
+        <p:nvSpPr>
+          <p:cNvPr id="4" name="Content Placeholder 3">
+            <a:extLst>
+              <a:ext uri="{FF2B5EF4-FFF2-40B4-BE49-F238E27FC236}">
+                <a16:creationId xmlns:a16="http://schemas.microsoft.com/office/drawing/2014/main" id="{B573A8A9-0BDE-4B35-955D-A5C9FAFE6755}"/>
+              </a:ext>
+            </a:extLst>
+          </p:cNvPr>
+          <p:cNvSpPr>
+            <a:spLocks noGrp="1"/>
+          </p:cNvSpPr>
+          <p:nvPr>
+            <p:ph idx="11"/>
+          </p:nvPr>
+        </p:nvSpPr>
+        <p:spPr/>
+        <p:txBody>
+          <a:bodyPr/>
+          <a:lstStyle/>
+          <a:p>
+            <a:endParaRPr lang="pt-PT" dirty="0"/>
+          </a:p>
+        </p:txBody>
+      </p:sp>
+      <p:sp>
+        <p:nvSpPr>
+          <p:cNvPr id="5" name="Content Placeholder 4">
+            <a:extLst>
+              <a:ext uri="{FF2B5EF4-FFF2-40B4-BE49-F238E27FC236}">
+                <a16:creationId xmlns:a16="http://schemas.microsoft.com/office/drawing/2014/main" id="{03F0B0E7-9DC5-4E64-84FC-E41A42350BE1}"/>
+              </a:ext>
+            </a:extLst>
+          </p:cNvPr>
+          <p:cNvSpPr>
+            <a:spLocks noGrp="1"/>
+          </p:cNvSpPr>
+          <p:nvPr>
+            <p:ph idx="12"/>
+          </p:nvPr>
+        </p:nvSpPr>
+        <p:spPr/>
+        <p:txBody>
+          <a:bodyPr/>
+          <a:lstStyle/>
+          <a:p>
+            <a:endParaRPr lang="pt-PT" dirty="0"/>
+          </a:p>
+        </p:txBody>
+      </p:sp>
+      <p:sp>
+        <p:nvSpPr>
+          <p:cNvPr id="6" name="Content Placeholder 5">
+            <a:extLst>
+              <a:ext uri="{FF2B5EF4-FFF2-40B4-BE49-F238E27FC236}">
+                <a16:creationId xmlns:a16="http://schemas.microsoft.com/office/drawing/2014/main" id="{AAD76EA7-FFDD-4221-8BFA-2CF2F90A53A9}"/>
+              </a:ext>
+            </a:extLst>
+          </p:cNvPr>
+          <p:cNvSpPr>
+            <a:spLocks noGrp="1"/>
+          </p:cNvSpPr>
+          <p:nvPr>
+            <p:ph idx="13"/>
+          </p:nvPr>
+        </p:nvSpPr>
+        <p:spPr/>
+        <p:txBody>
+          <a:bodyPr/>
+          <a:lstStyle/>
+          <a:p>
+            <a:r>
+              <a:rPr lang="pt-PT" dirty="0"/>
+              <a:t>Início</a:t>
+            </a:r>
+          </a:p>
+        </p:txBody>
+      </p:sp>
+    </p:spTree>
+    <p:extLst>
+      <p:ext uri="{BB962C8B-B14F-4D97-AF65-F5344CB8AC3E}">
+        <p14:creationId xmlns:p14="http://schemas.microsoft.com/office/powerpoint/2010/main" val="452397108"/>
+      </p:ext>
+    </p:extLst>
+  </p:cSld>
+  <p:clrMapOvr>
+    <a:masterClrMapping/>
+  </p:clrMapOvr>
+</p:sld>
+</file>
+
+<file path=ppt/slides/slide9.xml><?xml version="1.0" encoding="utf-8"?>
+<p:sld xmlns:a="http://schemas.openxmlformats.org/drawingml/2006/main" xmlns:r="http://schemas.openxmlformats.org/officeDocument/2006/relationships" xmlns:p="http://schemas.openxmlformats.org/presentationml/2006/main">
+  <p:cSld>
+    <p:spTree>
+      <p:nvGrpSpPr>
+        <p:cNvPr id="1" name=""/>
+        <p:cNvGrpSpPr/>
+        <p:nvPr/>
+      </p:nvGrpSpPr>
+      <p:grpSpPr>
+        <a:xfrm>
+          <a:off x="0" y="0"/>
+          <a:ext cx="0" cy="0"/>
+          <a:chOff x="0" y="0"/>
+          <a:chExt cx="0" cy="0"/>
+        </a:xfrm>
+      </p:grpSpPr>
+      <p:sp>
+        <p:nvSpPr>
+          <p:cNvPr id="2" name="Content Placeholder 1">
+            <a:extLst>
+              <a:ext uri="{FF2B5EF4-FFF2-40B4-BE49-F238E27FC236}">
+                <a16:creationId xmlns:a16="http://schemas.microsoft.com/office/drawing/2014/main" id="{61284A3C-35C7-47BB-B5EF-3A5AFD39F048}"/>
+              </a:ext>
+            </a:extLst>
+          </p:cNvPr>
+          <p:cNvSpPr>
+            <a:spLocks noGrp="1"/>
+          </p:cNvSpPr>
+          <p:nvPr>
+            <p:ph idx="1"/>
+          </p:nvPr>
+        </p:nvSpPr>
+        <p:spPr/>
+        <p:txBody>
+          <a:bodyPr/>
+          <a:lstStyle/>
+          <a:p>
+            <a:endParaRPr lang="pt-PT" dirty="0"/>
+          </a:p>
+        </p:txBody>
+      </p:sp>
+      <p:sp>
+        <p:nvSpPr>
+          <p:cNvPr id="3" name="Content Placeholder 2">
+            <a:extLst>
+              <a:ext uri="{FF2B5EF4-FFF2-40B4-BE49-F238E27FC236}">
+                <a16:creationId xmlns:a16="http://schemas.microsoft.com/office/drawing/2014/main" id="{75B62007-2099-491F-B9CC-679828859075}"/>
+              </a:ext>
+            </a:extLst>
+          </p:cNvPr>
+          <p:cNvSpPr>
+            <a:spLocks noGrp="1"/>
+          </p:cNvSpPr>
+          <p:nvPr>
+            <p:ph idx="10"/>
+          </p:nvPr>
+        </p:nvSpPr>
+        <p:spPr/>
+        <p:txBody>
+          <a:bodyPr/>
+          <a:lstStyle/>
+          <a:p>
+            <a:endParaRPr lang="pt-PT" dirty="0"/>
+          </a:p>
+        </p:txBody>
+      </p:sp>
+      <p:sp>
+        <p:nvSpPr>
+          <p:cNvPr id="4" name="Content Placeholder 3">
+            <a:extLst>
+              <a:ext uri="{FF2B5EF4-FFF2-40B4-BE49-F238E27FC236}">
+                <a16:creationId xmlns:a16="http://schemas.microsoft.com/office/drawing/2014/main" id="{B573A8A9-0BDE-4B35-955D-A5C9FAFE6755}"/>
+              </a:ext>
+            </a:extLst>
+          </p:cNvPr>
+          <p:cNvSpPr>
+            <a:spLocks noGrp="1"/>
+          </p:cNvSpPr>
+          <p:nvPr>
+            <p:ph idx="11"/>
+          </p:nvPr>
+        </p:nvSpPr>
+        <p:spPr/>
+        <p:txBody>
+          <a:bodyPr/>
+          <a:lstStyle/>
+          <a:p>
+            <a:endParaRPr lang="pt-PT" dirty="0"/>
+          </a:p>
+        </p:txBody>
+      </p:sp>
+      <p:sp>
+        <p:nvSpPr>
+          <p:cNvPr id="5" name="Content Placeholder 4">
+            <a:extLst>
+              <a:ext uri="{FF2B5EF4-FFF2-40B4-BE49-F238E27FC236}">
+                <a16:creationId xmlns:a16="http://schemas.microsoft.com/office/drawing/2014/main" id="{03F0B0E7-9DC5-4E64-84FC-E41A42350BE1}"/>
+              </a:ext>
+            </a:extLst>
+          </p:cNvPr>
+          <p:cNvSpPr>
+            <a:spLocks noGrp="1"/>
+          </p:cNvSpPr>
+          <p:nvPr>
+            <p:ph idx="12"/>
+          </p:nvPr>
+        </p:nvSpPr>
+        <p:spPr/>
+        <p:txBody>
+          <a:bodyPr/>
+          <a:lstStyle/>
+          <a:p>
+            <a:endParaRPr lang="pt-PT" dirty="0"/>
+          </a:p>
+        </p:txBody>
+      </p:sp>
+      <p:sp>
+        <p:nvSpPr>
+          <p:cNvPr id="6" name="Content Placeholder 5">
+            <a:extLst>
+              <a:ext uri="{FF2B5EF4-FFF2-40B4-BE49-F238E27FC236}">
+                <a16:creationId xmlns:a16="http://schemas.microsoft.com/office/drawing/2014/main" id="{AAD76EA7-FFDD-4221-8BFA-2CF2F90A53A9}"/>
+              </a:ext>
+            </a:extLst>
+          </p:cNvPr>
+          <p:cNvSpPr>
+            <a:spLocks noGrp="1"/>
+          </p:cNvSpPr>
+          <p:nvPr>
+            <p:ph idx="13"/>
+          </p:nvPr>
+        </p:nvSpPr>
+        <p:spPr/>
+        <p:txBody>
+          <a:bodyPr/>
+          <a:lstStyle/>
+          <a:p>
+            <a:r>
+              <a:rPr lang="pt-PT" dirty="0"/>
+              <a:t>Início</a:t>
+            </a:r>
+          </a:p>
+        </p:txBody>
+      </p:sp>
+    </p:spTree>
+    <p:extLst>
+      <p:ext uri="{BB962C8B-B14F-4D97-AF65-F5344CB8AC3E}">
+        <p14:creationId xmlns:p14="http://schemas.microsoft.com/office/powerpoint/2010/main" val="2701093968"/>
       </p:ext>
     </p:extLst>
   </p:cSld>

--- a/UBI_CompWeb_2018_templates.pptx
+++ b/UBI_CompWeb_2018_templates.pptx
@@ -5,7 +5,7 @@
     <p:sldMasterId id="2147483660" r:id="rId1"/>
   </p:sldMasterIdLst>
   <p:notesMasterIdLst>
-    <p:notesMasterId r:id="rId16"/>
+    <p:notesMasterId r:id="rId18"/>
   </p:notesMasterIdLst>
   <p:sldIdLst>
     <p:sldId id="256" r:id="rId2"/>
@@ -20,8 +20,10 @@
     <p:sldId id="267" r:id="rId11"/>
     <p:sldId id="268" r:id="rId12"/>
     <p:sldId id="269" r:id="rId13"/>
-    <p:sldId id="270" r:id="rId14"/>
-    <p:sldId id="271" r:id="rId15"/>
+    <p:sldId id="272" r:id="rId14"/>
+    <p:sldId id="270" r:id="rId15"/>
+    <p:sldId id="271" r:id="rId16"/>
+    <p:sldId id="273" r:id="rId17"/>
   </p:sldIdLst>
   <p:sldSz cx="9144000" cy="6858000" type="screen4x3"/>
   <p:notesSz cx="6858000" cy="9144000"/>
@@ -1973,6 +1975,13 @@
         </dgm:presLayoutVars>
       </dgm:prSet>
       <dgm:spPr/>
+      <dgm:t>
+        <a:bodyPr/>
+        <a:lstStyle/>
+        <a:p>
+          <a:endParaRPr lang="pt-PT"/>
+        </a:p>
+      </dgm:t>
     </dgm:pt>
     <dgm:pt modelId="{C7C3974A-1DF5-4BF7-A22B-7D65EF9D0681}" type="pres">
       <dgm:prSet presAssocID="{EFF00522-C837-4800-9089-09C6786FA139}" presName="hierRoot1" presStyleCnt="0">
@@ -1993,10 +2002,24 @@
         </dgm:presLayoutVars>
       </dgm:prSet>
       <dgm:spPr/>
+      <dgm:t>
+        <a:bodyPr/>
+        <a:lstStyle/>
+        <a:p>
+          <a:endParaRPr lang="pt-PT"/>
+        </a:p>
+      </dgm:t>
     </dgm:pt>
     <dgm:pt modelId="{15AFF27B-B166-47F4-BEA3-A556EF84A1FE}" type="pres">
       <dgm:prSet presAssocID="{EFF00522-C837-4800-9089-09C6786FA139}" presName="rootConnector1" presStyleLbl="node1" presStyleIdx="0" presStyleCnt="0"/>
       <dgm:spPr/>
+      <dgm:t>
+        <a:bodyPr/>
+        <a:lstStyle/>
+        <a:p>
+          <a:endParaRPr lang="pt-PT"/>
+        </a:p>
+      </dgm:t>
     </dgm:pt>
     <dgm:pt modelId="{9A71EA88-E86A-4774-A0C2-7A36B7A46C30}" type="pres">
       <dgm:prSet presAssocID="{EFF00522-C837-4800-9089-09C6786FA139}" presName="hierChild2" presStyleCnt="0"/>
@@ -2005,6 +2028,13 @@
     <dgm:pt modelId="{C79737FA-DA68-4B50-9686-82FBED4993F4}" type="pres">
       <dgm:prSet presAssocID="{2401EE30-6FB4-47FC-B5CB-44E93082BA16}" presName="Name37" presStyleLbl="parChTrans1D2" presStyleIdx="0" presStyleCnt="6"/>
       <dgm:spPr/>
+      <dgm:t>
+        <a:bodyPr/>
+        <a:lstStyle/>
+        <a:p>
+          <a:endParaRPr lang="pt-PT"/>
+        </a:p>
+      </dgm:t>
     </dgm:pt>
     <dgm:pt modelId="{3CDACF71-9436-40D9-B554-1B1DAEBD747E}" type="pres">
       <dgm:prSet presAssocID="{D0D5EBBE-C984-451E-A77C-06635B96115A}" presName="hierRoot2" presStyleCnt="0">
@@ -2025,10 +2055,24 @@
         </dgm:presLayoutVars>
       </dgm:prSet>
       <dgm:spPr/>
+      <dgm:t>
+        <a:bodyPr/>
+        <a:lstStyle/>
+        <a:p>
+          <a:endParaRPr lang="pt-PT"/>
+        </a:p>
+      </dgm:t>
     </dgm:pt>
     <dgm:pt modelId="{1E59B1F0-1959-43EF-B4BA-5DE950985F11}" type="pres">
       <dgm:prSet presAssocID="{D0D5EBBE-C984-451E-A77C-06635B96115A}" presName="rootConnector" presStyleLbl="node2" presStyleIdx="0" presStyleCnt="6"/>
       <dgm:spPr/>
+      <dgm:t>
+        <a:bodyPr/>
+        <a:lstStyle/>
+        <a:p>
+          <a:endParaRPr lang="pt-PT"/>
+        </a:p>
+      </dgm:t>
     </dgm:pt>
     <dgm:pt modelId="{1361BC6C-9B0B-4206-827D-3BF0B5B79B98}" type="pres">
       <dgm:prSet presAssocID="{D0D5EBBE-C984-451E-A77C-06635B96115A}" presName="hierChild4" presStyleCnt="0"/>
@@ -2041,6 +2085,13 @@
     <dgm:pt modelId="{A3C064E1-EB83-4A90-BC9B-363A4369B1D9}" type="pres">
       <dgm:prSet presAssocID="{AE15057E-D275-4CBA-BBDA-7AFB5273F6D0}" presName="Name37" presStyleLbl="parChTrans1D2" presStyleIdx="1" presStyleCnt="6"/>
       <dgm:spPr/>
+      <dgm:t>
+        <a:bodyPr/>
+        <a:lstStyle/>
+        <a:p>
+          <a:endParaRPr lang="pt-PT"/>
+        </a:p>
+      </dgm:t>
     </dgm:pt>
     <dgm:pt modelId="{5F49EB11-AF2A-43A7-A5F6-C818A93333A4}" type="pres">
       <dgm:prSet presAssocID="{DEB3A288-72B2-4CE3-BA0E-2385DCEA1166}" presName="hierRoot2" presStyleCnt="0">
@@ -2061,10 +2112,24 @@
         </dgm:presLayoutVars>
       </dgm:prSet>
       <dgm:spPr/>
+      <dgm:t>
+        <a:bodyPr/>
+        <a:lstStyle/>
+        <a:p>
+          <a:endParaRPr lang="pt-PT"/>
+        </a:p>
+      </dgm:t>
     </dgm:pt>
     <dgm:pt modelId="{D1586E0D-5339-4871-B373-DE07F6A4B31A}" type="pres">
       <dgm:prSet presAssocID="{DEB3A288-72B2-4CE3-BA0E-2385DCEA1166}" presName="rootConnector" presStyleLbl="node2" presStyleIdx="1" presStyleCnt="6"/>
       <dgm:spPr/>
+      <dgm:t>
+        <a:bodyPr/>
+        <a:lstStyle/>
+        <a:p>
+          <a:endParaRPr lang="pt-PT"/>
+        </a:p>
+      </dgm:t>
     </dgm:pt>
     <dgm:pt modelId="{1E188EC2-DBC6-4C65-BECE-BD2803FEF22A}" type="pres">
       <dgm:prSet presAssocID="{DEB3A288-72B2-4CE3-BA0E-2385DCEA1166}" presName="hierChild4" presStyleCnt="0"/>
@@ -2077,6 +2142,13 @@
     <dgm:pt modelId="{075DE7FD-AB6D-45A1-88B5-F6DE55537A5C}" type="pres">
       <dgm:prSet presAssocID="{1F891C72-4331-4225-9131-EE90A5156BCC}" presName="Name37" presStyleLbl="parChTrans1D2" presStyleIdx="2" presStyleCnt="6"/>
       <dgm:spPr/>
+      <dgm:t>
+        <a:bodyPr/>
+        <a:lstStyle/>
+        <a:p>
+          <a:endParaRPr lang="pt-PT"/>
+        </a:p>
+      </dgm:t>
     </dgm:pt>
     <dgm:pt modelId="{9D85BD58-234E-4F80-9935-D3C313D0B352}" type="pres">
       <dgm:prSet presAssocID="{3E7D5DE8-38A7-4D01-B3B1-C41B904AFB24}" presName="hierRoot2" presStyleCnt="0">
@@ -2097,10 +2169,24 @@
         </dgm:presLayoutVars>
       </dgm:prSet>
       <dgm:spPr/>
+      <dgm:t>
+        <a:bodyPr/>
+        <a:lstStyle/>
+        <a:p>
+          <a:endParaRPr lang="pt-PT"/>
+        </a:p>
+      </dgm:t>
     </dgm:pt>
     <dgm:pt modelId="{D47F8C64-7351-47DD-ABB9-3A4D5CE04EBC}" type="pres">
       <dgm:prSet presAssocID="{3E7D5DE8-38A7-4D01-B3B1-C41B904AFB24}" presName="rootConnector" presStyleLbl="node2" presStyleIdx="2" presStyleCnt="6"/>
       <dgm:spPr/>
+      <dgm:t>
+        <a:bodyPr/>
+        <a:lstStyle/>
+        <a:p>
+          <a:endParaRPr lang="pt-PT"/>
+        </a:p>
+      </dgm:t>
     </dgm:pt>
     <dgm:pt modelId="{0EB07231-3CA0-42A8-AE42-EFF984FC9A65}" type="pres">
       <dgm:prSet presAssocID="{3E7D5DE8-38A7-4D01-B3B1-C41B904AFB24}" presName="hierChild4" presStyleCnt="0"/>
@@ -2113,6 +2199,13 @@
     <dgm:pt modelId="{1FD30025-BE06-4C8D-8024-6353A3A86C64}" type="pres">
       <dgm:prSet presAssocID="{06A4DF89-C148-4CB0-BC1C-719E15C3A380}" presName="Name37" presStyleLbl="parChTrans1D2" presStyleIdx="3" presStyleCnt="6"/>
       <dgm:spPr/>
+      <dgm:t>
+        <a:bodyPr/>
+        <a:lstStyle/>
+        <a:p>
+          <a:endParaRPr lang="pt-PT"/>
+        </a:p>
+      </dgm:t>
     </dgm:pt>
     <dgm:pt modelId="{031ED071-E8F0-4ADE-BB27-DE25D6F99C8E}" type="pres">
       <dgm:prSet presAssocID="{CFC8A77C-E037-4F39-89BC-7C46B2FFF6C3}" presName="hierRoot2" presStyleCnt="0">
@@ -2133,10 +2226,24 @@
         </dgm:presLayoutVars>
       </dgm:prSet>
       <dgm:spPr/>
+      <dgm:t>
+        <a:bodyPr/>
+        <a:lstStyle/>
+        <a:p>
+          <a:endParaRPr lang="pt-PT"/>
+        </a:p>
+      </dgm:t>
     </dgm:pt>
     <dgm:pt modelId="{C385DBD7-122C-4C76-95AA-F0EDDD576213}" type="pres">
       <dgm:prSet presAssocID="{CFC8A77C-E037-4F39-89BC-7C46B2FFF6C3}" presName="rootConnector" presStyleLbl="node2" presStyleIdx="3" presStyleCnt="6"/>
       <dgm:spPr/>
+      <dgm:t>
+        <a:bodyPr/>
+        <a:lstStyle/>
+        <a:p>
+          <a:endParaRPr lang="pt-PT"/>
+        </a:p>
+      </dgm:t>
     </dgm:pt>
     <dgm:pt modelId="{DE86AFEF-E43B-4AD5-AF14-454FCFC84E45}" type="pres">
       <dgm:prSet presAssocID="{CFC8A77C-E037-4F39-89BC-7C46B2FFF6C3}" presName="hierChild4" presStyleCnt="0"/>
@@ -2149,6 +2256,13 @@
     <dgm:pt modelId="{87BE5EB3-DB60-4F74-8CAB-579081070155}" type="pres">
       <dgm:prSet presAssocID="{77057196-36D4-4297-8DBE-9DF4DC99769E}" presName="Name37" presStyleLbl="parChTrans1D2" presStyleIdx="4" presStyleCnt="6"/>
       <dgm:spPr/>
+      <dgm:t>
+        <a:bodyPr/>
+        <a:lstStyle/>
+        <a:p>
+          <a:endParaRPr lang="pt-PT"/>
+        </a:p>
+      </dgm:t>
     </dgm:pt>
     <dgm:pt modelId="{B70BC062-C551-4FA6-AA0B-24CA90B943F5}" type="pres">
       <dgm:prSet presAssocID="{6BCCACC8-297A-434B-B4C0-CBF55E8A799D}" presName="hierRoot2" presStyleCnt="0">
@@ -2169,10 +2283,24 @@
         </dgm:presLayoutVars>
       </dgm:prSet>
       <dgm:spPr/>
+      <dgm:t>
+        <a:bodyPr/>
+        <a:lstStyle/>
+        <a:p>
+          <a:endParaRPr lang="pt-PT"/>
+        </a:p>
+      </dgm:t>
     </dgm:pt>
     <dgm:pt modelId="{695C9D34-95FC-428F-873D-B6282BE96811}" type="pres">
       <dgm:prSet presAssocID="{6BCCACC8-297A-434B-B4C0-CBF55E8A799D}" presName="rootConnector" presStyleLbl="node2" presStyleIdx="4" presStyleCnt="6"/>
       <dgm:spPr/>
+      <dgm:t>
+        <a:bodyPr/>
+        <a:lstStyle/>
+        <a:p>
+          <a:endParaRPr lang="pt-PT"/>
+        </a:p>
+      </dgm:t>
     </dgm:pt>
     <dgm:pt modelId="{C932BF2B-95E7-43ED-B8E1-90412F9C1BE7}" type="pres">
       <dgm:prSet presAssocID="{6BCCACC8-297A-434B-B4C0-CBF55E8A799D}" presName="hierChild4" presStyleCnt="0"/>
@@ -2185,6 +2313,13 @@
     <dgm:pt modelId="{F67550F7-432C-48D7-8A48-619DCE27301E}" type="pres">
       <dgm:prSet presAssocID="{F147F672-E447-4955-8CC9-5032D36A8B49}" presName="Name37" presStyleLbl="parChTrans1D2" presStyleIdx="5" presStyleCnt="6"/>
       <dgm:spPr/>
+      <dgm:t>
+        <a:bodyPr/>
+        <a:lstStyle/>
+        <a:p>
+          <a:endParaRPr lang="pt-PT"/>
+        </a:p>
+      </dgm:t>
     </dgm:pt>
     <dgm:pt modelId="{5A447CFF-59F3-4408-95EC-27E2E20BD354}" type="pres">
       <dgm:prSet presAssocID="{E7C64FD9-0C4A-4F3B-931A-AB7EFC3F18D6}" presName="hierRoot2" presStyleCnt="0">
@@ -2205,10 +2340,24 @@
         </dgm:presLayoutVars>
       </dgm:prSet>
       <dgm:spPr/>
+      <dgm:t>
+        <a:bodyPr/>
+        <a:lstStyle/>
+        <a:p>
+          <a:endParaRPr lang="pt-PT"/>
+        </a:p>
+      </dgm:t>
     </dgm:pt>
     <dgm:pt modelId="{E7DC8D2E-72AE-4E2C-8784-7C0B34907F59}" type="pres">
       <dgm:prSet presAssocID="{E7C64FD9-0C4A-4F3B-931A-AB7EFC3F18D6}" presName="rootConnector" presStyleLbl="node2" presStyleIdx="5" presStyleCnt="6"/>
       <dgm:spPr/>
+      <dgm:t>
+        <a:bodyPr/>
+        <a:lstStyle/>
+        <a:p>
+          <a:endParaRPr lang="pt-PT"/>
+        </a:p>
+      </dgm:t>
     </dgm:pt>
     <dgm:pt modelId="{7949B886-9FD6-41C3-A2D3-C7783F0882CF}" type="pres">
       <dgm:prSet presAssocID="{E7C64FD9-0C4A-4F3B-931A-AB7EFC3F18D6}" presName="hierChild4" presStyleCnt="0"/>
@@ -2224,34 +2373,34 @@
     </dgm:pt>
   </dgm:ptLst>
   <dgm:cxnLst>
-    <dgm:cxn modelId="{CC89F41C-EC73-4164-B979-1E34F8EC7992}" type="presOf" srcId="{DEB3A288-72B2-4CE3-BA0E-2385DCEA1166}" destId="{D1586E0D-5339-4871-B373-DE07F6A4B31A}" srcOrd="1" destOrd="0" presId="urn:microsoft.com/office/officeart/2005/8/layout/orgChart1"/>
-    <dgm:cxn modelId="{59A13B2B-94E3-4E30-B1C8-D4C19B456A98}" type="presOf" srcId="{6BCCACC8-297A-434B-B4C0-CBF55E8A799D}" destId="{695C9D34-95FC-428F-873D-B6282BE96811}" srcOrd="1" destOrd="0" presId="urn:microsoft.com/office/officeart/2005/8/layout/orgChart1"/>
-    <dgm:cxn modelId="{A4D9362C-6216-407B-A06C-1540E852B2AC}" type="presOf" srcId="{E7C64FD9-0C4A-4F3B-931A-AB7EFC3F18D6}" destId="{67726964-64F7-4568-A550-A3840E89588B}" srcOrd="0" destOrd="0" presId="urn:microsoft.com/office/officeart/2005/8/layout/orgChart1"/>
-    <dgm:cxn modelId="{2BA0192D-E091-446B-9562-8E04E2C7A7A9}" srcId="{EFF00522-C837-4800-9089-09C6786FA139}" destId="{6BCCACC8-297A-434B-B4C0-CBF55E8A799D}" srcOrd="4" destOrd="0" parTransId="{77057196-36D4-4297-8DBE-9DF4DC99769E}" sibTransId="{E17B637D-8F1E-4395-8504-5FF5013E668B}"/>
-    <dgm:cxn modelId="{B6F32367-D4A4-4501-A5C5-198502F93225}" type="presOf" srcId="{CFC8A77C-E037-4F39-89BC-7C46B2FFF6C3}" destId="{B512DCC2-F8AD-4A88-8224-BF794CC14E60}" srcOrd="0" destOrd="0" presId="urn:microsoft.com/office/officeart/2005/8/layout/orgChart1"/>
+    <dgm:cxn modelId="{8C71F597-48DA-42F5-848B-45FBCBBE231C}" srcId="{EFF00522-C837-4800-9089-09C6786FA139}" destId="{DEB3A288-72B2-4CE3-BA0E-2385DCEA1166}" srcOrd="1" destOrd="0" parTransId="{AE15057E-D275-4CBA-BBDA-7AFB5273F6D0}" sibTransId="{A96C3356-79EF-46AD-95D3-4F7717D0E212}"/>
+    <dgm:cxn modelId="{1D58114B-9E7B-4EE9-9BBB-CA2BC1050428}" srcId="{EFF00522-C837-4800-9089-09C6786FA139}" destId="{D0D5EBBE-C984-451E-A77C-06635B96115A}" srcOrd="0" destOrd="0" parTransId="{2401EE30-6FB4-47FC-B5CB-44E93082BA16}" sibTransId="{4794836D-9F6B-4080-8E70-60D729F37A15}"/>
     <dgm:cxn modelId="{76937E49-9A6C-4684-AE0E-E0846D99D250}" type="presOf" srcId="{3E7D5DE8-38A7-4D01-B3B1-C41B904AFB24}" destId="{D0C42A0A-227F-498C-9217-1F2A4E39F4AC}" srcOrd="0" destOrd="0" presId="urn:microsoft.com/office/officeart/2005/8/layout/orgChart1"/>
-    <dgm:cxn modelId="{1D58114B-9E7B-4EE9-9BBB-CA2BC1050428}" srcId="{EFF00522-C837-4800-9089-09C6786FA139}" destId="{D0D5EBBE-C984-451E-A77C-06635B96115A}" srcOrd="0" destOrd="0" parTransId="{2401EE30-6FB4-47FC-B5CB-44E93082BA16}" sibTransId="{4794836D-9F6B-4080-8E70-60D729F37A15}"/>
-    <dgm:cxn modelId="{B854F34B-ADF2-4C85-AA29-7CC262C2ABC0}" type="presOf" srcId="{F147F672-E447-4955-8CC9-5032D36A8B49}" destId="{F67550F7-432C-48D7-8A48-619DCE27301E}" srcOrd="0" destOrd="0" presId="urn:microsoft.com/office/officeart/2005/8/layout/orgChart1"/>
     <dgm:cxn modelId="{5D54394D-4C63-4C8A-838B-C69B4A99A8F4}" srcId="{EFF00522-C837-4800-9089-09C6786FA139}" destId="{E7C64FD9-0C4A-4F3B-931A-AB7EFC3F18D6}" srcOrd="5" destOrd="0" parTransId="{F147F672-E447-4955-8CC9-5032D36A8B49}" sibTransId="{8A6624D5-3F62-41FA-AF5E-FE463F8CEC8D}"/>
-    <dgm:cxn modelId="{F7703852-4B24-419F-8990-8F4642258C5C}" type="presOf" srcId="{DEB3A288-72B2-4CE3-BA0E-2385DCEA1166}" destId="{3DCFB508-F20D-419B-97A2-A0EA8AAE62B8}" srcOrd="0" destOrd="0" presId="urn:microsoft.com/office/officeart/2005/8/layout/orgChart1"/>
-    <dgm:cxn modelId="{8C5C1055-60EE-417A-890C-9263B9B0293C}" type="presOf" srcId="{6BCCACC8-297A-434B-B4C0-CBF55E8A799D}" destId="{8659CC59-2E2C-408C-A138-42297FB1F7FC}" srcOrd="0" destOrd="0" presId="urn:microsoft.com/office/officeart/2005/8/layout/orgChart1"/>
-    <dgm:cxn modelId="{E75D4180-7278-49C5-A120-3150DE2407B2}" type="presOf" srcId="{1F891C72-4331-4225-9131-EE90A5156BCC}" destId="{075DE7FD-AB6D-45A1-88B5-F6DE55537A5C}" srcOrd="0" destOrd="0" presId="urn:microsoft.com/office/officeart/2005/8/layout/orgChart1"/>
-    <dgm:cxn modelId="{8484E588-3BA2-4A2C-A856-2E9A20948E67}" type="presOf" srcId="{D0D5EBBE-C984-451E-A77C-06635B96115A}" destId="{BB899C3E-7977-48D2-838C-0A0A4E22407E}" srcOrd="0" destOrd="0" presId="urn:microsoft.com/office/officeart/2005/8/layout/orgChart1"/>
-    <dgm:cxn modelId="{8965F592-C2EF-4A5E-AE72-E3D483E3AC4B}" type="presOf" srcId="{EFF00522-C837-4800-9089-09C6786FA139}" destId="{0A79929F-4539-4070-8896-388E4F787335}" srcOrd="0" destOrd="0" presId="urn:microsoft.com/office/officeart/2005/8/layout/orgChart1"/>
-    <dgm:cxn modelId="{C104F494-93EC-4C35-9277-88485A6C79D9}" type="presOf" srcId="{AE15057E-D275-4CBA-BBDA-7AFB5273F6D0}" destId="{A3C064E1-EB83-4A90-BC9B-363A4369B1D9}" srcOrd="0" destOrd="0" presId="urn:microsoft.com/office/officeart/2005/8/layout/orgChart1"/>
-    <dgm:cxn modelId="{1A5C9B95-6306-4971-AEB4-0FB6C60D1920}" type="presOf" srcId="{2401EE30-6FB4-47FC-B5CB-44E93082BA16}" destId="{C79737FA-DA68-4B50-9686-82FBED4993F4}" srcOrd="0" destOrd="0" presId="urn:microsoft.com/office/officeart/2005/8/layout/orgChart1"/>
-    <dgm:cxn modelId="{8C71F597-48DA-42F5-848B-45FBCBBE231C}" srcId="{EFF00522-C837-4800-9089-09C6786FA139}" destId="{DEB3A288-72B2-4CE3-BA0E-2385DCEA1166}" srcOrd="1" destOrd="0" parTransId="{AE15057E-D275-4CBA-BBDA-7AFB5273F6D0}" sibTransId="{A96C3356-79EF-46AD-95D3-4F7717D0E212}"/>
+    <dgm:cxn modelId="{261826DD-4928-4968-9EE8-8603A4DA75BB}" type="presOf" srcId="{CFC8A77C-E037-4F39-89BC-7C46B2FFF6C3}" destId="{C385DBD7-122C-4C76-95AA-F0EDDD576213}" srcOrd="1" destOrd="0" presId="urn:microsoft.com/office/officeart/2005/8/layout/orgChart1"/>
+    <dgm:cxn modelId="{64B522C9-1881-4836-B21D-A269398ED4E7}" type="presOf" srcId="{06A4DF89-C148-4CB0-BC1C-719E15C3A380}" destId="{1FD30025-BE06-4C8D-8024-6353A3A86C64}" srcOrd="0" destOrd="0" presId="urn:microsoft.com/office/officeart/2005/8/layout/orgChart1"/>
     <dgm:cxn modelId="{3E0EE4A3-7C9D-4385-92CF-5CA9996AB16B}" type="presOf" srcId="{EFF00522-C837-4800-9089-09C6786FA139}" destId="{15AFF27B-B166-47F4-BEA3-A556EF84A1FE}" srcOrd="1" destOrd="0" presId="urn:microsoft.com/office/officeart/2005/8/layout/orgChart1"/>
     <dgm:cxn modelId="{C36633A6-7AC8-43DF-9EBE-C46C838D14D6}" type="presOf" srcId="{3E7D5DE8-38A7-4D01-B3B1-C41B904AFB24}" destId="{D47F8C64-7351-47DD-ABB9-3A4D5CE04EBC}" srcOrd="1" destOrd="0" presId="urn:microsoft.com/office/officeart/2005/8/layout/orgChart1"/>
+    <dgm:cxn modelId="{8C5C1055-60EE-417A-890C-9263B9B0293C}" type="presOf" srcId="{6BCCACC8-297A-434B-B4C0-CBF55E8A799D}" destId="{8659CC59-2E2C-408C-A138-42297FB1F7FC}" srcOrd="0" destOrd="0" presId="urn:microsoft.com/office/officeart/2005/8/layout/orgChart1"/>
+    <dgm:cxn modelId="{70CBB2C2-0071-4329-9A38-8AD1E841005D}" srcId="{EFF00522-C837-4800-9089-09C6786FA139}" destId="{CFC8A77C-E037-4F39-89BC-7C46B2FFF6C3}" srcOrd="3" destOrd="0" parTransId="{06A4DF89-C148-4CB0-BC1C-719E15C3A380}" sibTransId="{B9E8B3FB-6336-44A0-BB31-6CF9D499134C}"/>
+    <dgm:cxn modelId="{59A13B2B-94E3-4E30-B1C8-D4C19B456A98}" type="presOf" srcId="{6BCCACC8-297A-434B-B4C0-CBF55E8A799D}" destId="{695C9D34-95FC-428F-873D-B6282BE96811}" srcOrd="1" destOrd="0" presId="urn:microsoft.com/office/officeart/2005/8/layout/orgChart1"/>
+    <dgm:cxn modelId="{C104F494-93EC-4C35-9277-88485A6C79D9}" type="presOf" srcId="{AE15057E-D275-4CBA-BBDA-7AFB5273F6D0}" destId="{A3C064E1-EB83-4A90-BC9B-363A4369B1D9}" srcOrd="0" destOrd="0" presId="urn:microsoft.com/office/officeart/2005/8/layout/orgChart1"/>
+    <dgm:cxn modelId="{A4D9362C-6216-407B-A06C-1540E852B2AC}" type="presOf" srcId="{E7C64FD9-0C4A-4F3B-931A-AB7EFC3F18D6}" destId="{67726964-64F7-4568-A550-A3840E89588B}" srcOrd="0" destOrd="0" presId="urn:microsoft.com/office/officeart/2005/8/layout/orgChart1"/>
+    <dgm:cxn modelId="{CC89F41C-EC73-4164-B979-1E34F8EC7992}" type="presOf" srcId="{DEB3A288-72B2-4CE3-BA0E-2385DCEA1166}" destId="{D1586E0D-5339-4871-B373-DE07F6A4B31A}" srcOrd="1" destOrd="0" presId="urn:microsoft.com/office/officeart/2005/8/layout/orgChart1"/>
+    <dgm:cxn modelId="{B854F34B-ADF2-4C85-AA29-7CC262C2ABC0}" type="presOf" srcId="{F147F672-E447-4955-8CC9-5032D36A8B49}" destId="{F67550F7-432C-48D7-8A48-619DCE27301E}" srcOrd="0" destOrd="0" presId="urn:microsoft.com/office/officeart/2005/8/layout/orgChart1"/>
+    <dgm:cxn modelId="{8484E588-3BA2-4A2C-A856-2E9A20948E67}" type="presOf" srcId="{D0D5EBBE-C984-451E-A77C-06635B96115A}" destId="{BB899C3E-7977-48D2-838C-0A0A4E22407E}" srcOrd="0" destOrd="0" presId="urn:microsoft.com/office/officeart/2005/8/layout/orgChart1"/>
+    <dgm:cxn modelId="{1A5C9B95-6306-4971-AEB4-0FB6C60D1920}" type="presOf" srcId="{2401EE30-6FB4-47FC-B5CB-44E93082BA16}" destId="{C79737FA-DA68-4B50-9686-82FBED4993F4}" srcOrd="0" destOrd="0" presId="urn:microsoft.com/office/officeart/2005/8/layout/orgChart1"/>
+    <dgm:cxn modelId="{B6F32367-D4A4-4501-A5C5-198502F93225}" type="presOf" srcId="{CFC8A77C-E037-4F39-89BC-7C46B2FFF6C3}" destId="{B512DCC2-F8AD-4A88-8224-BF794CC14E60}" srcOrd="0" destOrd="0" presId="urn:microsoft.com/office/officeart/2005/8/layout/orgChart1"/>
+    <dgm:cxn modelId="{2BA0192D-E091-446B-9562-8E04E2C7A7A9}" srcId="{EFF00522-C837-4800-9089-09C6786FA139}" destId="{6BCCACC8-297A-434B-B4C0-CBF55E8A799D}" srcOrd="4" destOrd="0" parTransId="{77057196-36D4-4297-8DBE-9DF4DC99769E}" sibTransId="{E17B637D-8F1E-4395-8504-5FF5013E668B}"/>
+    <dgm:cxn modelId="{8C1C42B2-A065-4216-83CB-1050788129D9}" srcId="{EFF00522-C837-4800-9089-09C6786FA139}" destId="{3E7D5DE8-38A7-4D01-B3B1-C41B904AFB24}" srcOrd="2" destOrd="0" parTransId="{1F891C72-4331-4225-9131-EE90A5156BCC}" sibTransId="{2D617AC4-6E9C-47A6-BFAC-93EC82C86111}"/>
+    <dgm:cxn modelId="{F7703852-4B24-419F-8990-8F4642258C5C}" type="presOf" srcId="{DEB3A288-72B2-4CE3-BA0E-2385DCEA1166}" destId="{3DCFB508-F20D-419B-97A2-A0EA8AAE62B8}" srcOrd="0" destOrd="0" presId="urn:microsoft.com/office/officeart/2005/8/layout/orgChart1"/>
+    <dgm:cxn modelId="{F95DC0C1-9339-4066-9285-8FF13264398D}" type="presOf" srcId="{D0D5EBBE-C984-451E-A77C-06635B96115A}" destId="{1E59B1F0-1959-43EF-B4BA-5DE950985F11}" srcOrd="1" destOrd="0" presId="urn:microsoft.com/office/officeart/2005/8/layout/orgChart1"/>
     <dgm:cxn modelId="{67885BAF-5B75-407B-91B2-6F979038E946}" srcId="{F37AA981-A9B4-415F-ADC1-A456EE833205}" destId="{EFF00522-C837-4800-9089-09C6786FA139}" srcOrd="0" destOrd="0" parTransId="{DD3937CD-E1A8-4E5B-BD09-EABAA399CC23}" sibTransId="{719267CB-9490-458C-9394-D74AD204BE1B}"/>
-    <dgm:cxn modelId="{8C1C42B2-A065-4216-83CB-1050788129D9}" srcId="{EFF00522-C837-4800-9089-09C6786FA139}" destId="{3E7D5DE8-38A7-4D01-B3B1-C41B904AFB24}" srcOrd="2" destOrd="0" parTransId="{1F891C72-4331-4225-9131-EE90A5156BCC}" sibTransId="{2D617AC4-6E9C-47A6-BFAC-93EC82C86111}"/>
     <dgm:cxn modelId="{D57EB3B9-813B-4FB0-A76A-7A85A654C29B}" type="presOf" srcId="{E7C64FD9-0C4A-4F3B-931A-AB7EFC3F18D6}" destId="{E7DC8D2E-72AE-4E2C-8784-7C0B34907F59}" srcOrd="1" destOrd="0" presId="urn:microsoft.com/office/officeart/2005/8/layout/orgChart1"/>
-    <dgm:cxn modelId="{F95DC0C1-9339-4066-9285-8FF13264398D}" type="presOf" srcId="{D0D5EBBE-C984-451E-A77C-06635B96115A}" destId="{1E59B1F0-1959-43EF-B4BA-5DE950985F11}" srcOrd="1" destOrd="0" presId="urn:microsoft.com/office/officeart/2005/8/layout/orgChart1"/>
-    <dgm:cxn modelId="{70CBB2C2-0071-4329-9A38-8AD1E841005D}" srcId="{EFF00522-C837-4800-9089-09C6786FA139}" destId="{CFC8A77C-E037-4F39-89BC-7C46B2FFF6C3}" srcOrd="3" destOrd="0" parTransId="{06A4DF89-C148-4CB0-BC1C-719E15C3A380}" sibTransId="{B9E8B3FB-6336-44A0-BB31-6CF9D499134C}"/>
-    <dgm:cxn modelId="{64B522C9-1881-4836-B21D-A269398ED4E7}" type="presOf" srcId="{06A4DF89-C148-4CB0-BC1C-719E15C3A380}" destId="{1FD30025-BE06-4C8D-8024-6353A3A86C64}" srcOrd="0" destOrd="0" presId="urn:microsoft.com/office/officeart/2005/8/layout/orgChart1"/>
+    <dgm:cxn modelId="{19225BF9-14BF-4A05-BAF0-2E64D97CAC44}" type="presOf" srcId="{77057196-36D4-4297-8DBE-9DF4DC99769E}" destId="{87BE5EB3-DB60-4F74-8CAB-579081070155}" srcOrd="0" destOrd="0" presId="urn:microsoft.com/office/officeart/2005/8/layout/orgChart1"/>
     <dgm:cxn modelId="{6751E3DB-7D1C-4DFF-A50D-2E4D2AA1C036}" type="presOf" srcId="{F37AA981-A9B4-415F-ADC1-A456EE833205}" destId="{E4B09FCC-EACC-4121-8E6E-BD64FF803B59}" srcOrd="0" destOrd="0" presId="urn:microsoft.com/office/officeart/2005/8/layout/orgChart1"/>
-    <dgm:cxn modelId="{261826DD-4928-4968-9EE8-8603A4DA75BB}" type="presOf" srcId="{CFC8A77C-E037-4F39-89BC-7C46B2FFF6C3}" destId="{C385DBD7-122C-4C76-95AA-F0EDDD576213}" srcOrd="1" destOrd="0" presId="urn:microsoft.com/office/officeart/2005/8/layout/orgChart1"/>
-    <dgm:cxn modelId="{19225BF9-14BF-4A05-BAF0-2E64D97CAC44}" type="presOf" srcId="{77057196-36D4-4297-8DBE-9DF4DC99769E}" destId="{87BE5EB3-DB60-4F74-8CAB-579081070155}" srcOrd="0" destOrd="0" presId="urn:microsoft.com/office/officeart/2005/8/layout/orgChart1"/>
+    <dgm:cxn modelId="{E75D4180-7278-49C5-A120-3150DE2407B2}" type="presOf" srcId="{1F891C72-4331-4225-9131-EE90A5156BCC}" destId="{075DE7FD-AB6D-45A1-88B5-F6DE55537A5C}" srcOrd="0" destOrd="0" presId="urn:microsoft.com/office/officeart/2005/8/layout/orgChart1"/>
+    <dgm:cxn modelId="{8965F592-C2EF-4A5E-AE72-E3D483E3AC4B}" type="presOf" srcId="{EFF00522-C837-4800-9089-09C6786FA139}" destId="{0A79929F-4539-4070-8896-388E4F787335}" srcOrd="0" destOrd="0" presId="urn:microsoft.com/office/officeart/2005/8/layout/orgChart1"/>
     <dgm:cxn modelId="{007B4A0A-0E4B-42BD-905B-BDF6999023BA}" type="presParOf" srcId="{E4B09FCC-EACC-4121-8E6E-BD64FF803B59}" destId="{C7C3974A-1DF5-4BF7-A22B-7D65EF9D0681}" srcOrd="0" destOrd="0" presId="urn:microsoft.com/office/officeart/2005/8/layout/orgChart1"/>
     <dgm:cxn modelId="{0B8B6F9D-EC93-49D1-AB15-6F71BC6FE182}" type="presParOf" srcId="{C7C3974A-1DF5-4BF7-A22B-7D65EF9D0681}" destId="{D00FF694-389D-4CD3-B5E2-0572615B4DE4}" srcOrd="0" destOrd="0" presId="urn:microsoft.com/office/officeart/2005/8/layout/orgChart1"/>
     <dgm:cxn modelId="{5FC40C6D-C971-40B3-8425-E45FAA9959E4}" type="presParOf" srcId="{D00FF694-389D-4CD3-B5E2-0572615B4DE4}" destId="{0A79929F-4539-4070-8896-388E4F787335}" srcOrd="0" destOrd="0" presId="urn:microsoft.com/office/officeart/2005/8/layout/orgChart1"/>
@@ -2333,18 +2482,18 @@
         <a:lstStyle/>
         <a:p>
           <a:r>
-            <a:rPr lang="en-GB" sz="2000" u="none" dirty="0" err="1">
+            <a:rPr lang="en-GB" sz="2000" u="none" dirty="0" err="1" smtClean="0">
               <a:latin typeface="Arial" panose="020B0604020202020204" pitchFamily="34" charset="0"/>
               <a:cs typeface="Arial" panose="020B0604020202020204" pitchFamily="34" charset="0"/>
             </a:rPr>
             <a:t>Eventos</a:t>
           </a:r>
           <a:r>
-            <a:rPr lang="en-GB" sz="2000" u="none" dirty="0">
+            <a:rPr lang="en-GB" sz="2000" u="none" dirty="0" smtClean="0">
               <a:latin typeface="Arial" panose="020B0604020202020204" pitchFamily="34" charset="0"/>
               <a:cs typeface="Arial" panose="020B0604020202020204" pitchFamily="34" charset="0"/>
             </a:rPr>
-            <a:t> </a:t>
+            <a:t>- </a:t>
           </a:r>
           <a:r>
             <a:rPr lang="en-GB" sz="2000" u="none" dirty="0" err="1">
@@ -2612,8 +2761,13 @@
         <a:p>
           <a:r>
             <a:rPr lang="pt-PT" sz="3000" u="none" dirty="0"/>
-            <a:t>Porquê Covilhã</a:t>
+            <a:t>Porquê </a:t>
           </a:r>
+          <a:r>
+            <a:rPr lang="pt-PT" sz="3000" u="none" dirty="0" smtClean="0"/>
+            <a:t>Covilhã?</a:t>
+          </a:r>
+          <a:endParaRPr lang="pt-PT" sz="3000" u="none" dirty="0"/>
         </a:p>
       </dgm:t>
     </dgm:pt>
@@ -2867,8 +3021,8 @@
             <a:t>Chegar à </a:t>
           </a:r>
           <a:r>
-            <a:rPr lang="pt-PT" u="none" dirty="0" err="1"/>
-            <a:t>covilhã</a:t>
+            <a:rPr lang="pt-PT" u="none" dirty="0" smtClean="0"/>
+            <a:t>Covilhã</a:t>
           </a:r>
           <a:endParaRPr lang="pt-PT" u="none" dirty="0"/>
         </a:p>
@@ -2944,6 +3098,13 @@
         </dgm:presLayoutVars>
       </dgm:prSet>
       <dgm:spPr/>
+      <dgm:t>
+        <a:bodyPr/>
+        <a:lstStyle/>
+        <a:p>
+          <a:endParaRPr lang="pt-PT"/>
+        </a:p>
+      </dgm:t>
     </dgm:pt>
     <dgm:pt modelId="{C7C3974A-1DF5-4BF7-A22B-7D65EF9D0681}" type="pres">
       <dgm:prSet presAssocID="{EFF00522-C837-4800-9089-09C6786FA139}" presName="hierRoot1" presStyleCnt="0">
@@ -2964,10 +3125,24 @@
         </dgm:presLayoutVars>
       </dgm:prSet>
       <dgm:spPr/>
+      <dgm:t>
+        <a:bodyPr/>
+        <a:lstStyle/>
+        <a:p>
+          <a:endParaRPr lang="pt-PT"/>
+        </a:p>
+      </dgm:t>
     </dgm:pt>
     <dgm:pt modelId="{15AFF27B-B166-47F4-BEA3-A556EF84A1FE}" type="pres">
       <dgm:prSet presAssocID="{EFF00522-C837-4800-9089-09C6786FA139}" presName="rootConnector1" presStyleLbl="node1" presStyleIdx="0" presStyleCnt="0"/>
       <dgm:spPr/>
+      <dgm:t>
+        <a:bodyPr/>
+        <a:lstStyle/>
+        <a:p>
+          <a:endParaRPr lang="pt-PT"/>
+        </a:p>
+      </dgm:t>
     </dgm:pt>
     <dgm:pt modelId="{9A71EA88-E86A-4774-A0C2-7A36B7A46C30}" type="pres">
       <dgm:prSet presAssocID="{EFF00522-C837-4800-9089-09C6786FA139}" presName="hierChild2" presStyleCnt="0"/>
@@ -2976,6 +3151,13 @@
     <dgm:pt modelId="{C79737FA-DA68-4B50-9686-82FBED4993F4}" type="pres">
       <dgm:prSet presAssocID="{2401EE30-6FB4-47FC-B5CB-44E93082BA16}" presName="Name37" presStyleLbl="parChTrans1D2" presStyleIdx="0" presStyleCnt="5"/>
       <dgm:spPr/>
+      <dgm:t>
+        <a:bodyPr/>
+        <a:lstStyle/>
+        <a:p>
+          <a:endParaRPr lang="pt-PT"/>
+        </a:p>
+      </dgm:t>
     </dgm:pt>
     <dgm:pt modelId="{3CDACF71-9436-40D9-B554-1B1DAEBD747E}" type="pres">
       <dgm:prSet presAssocID="{D0D5EBBE-C984-451E-A77C-06635B96115A}" presName="hierRoot2" presStyleCnt="0">
@@ -2996,10 +3178,24 @@
         </dgm:presLayoutVars>
       </dgm:prSet>
       <dgm:spPr/>
+      <dgm:t>
+        <a:bodyPr/>
+        <a:lstStyle/>
+        <a:p>
+          <a:endParaRPr lang="pt-PT"/>
+        </a:p>
+      </dgm:t>
     </dgm:pt>
     <dgm:pt modelId="{1E59B1F0-1959-43EF-B4BA-5DE950985F11}" type="pres">
       <dgm:prSet presAssocID="{D0D5EBBE-C984-451E-A77C-06635B96115A}" presName="rootConnector" presStyleLbl="node2" presStyleIdx="0" presStyleCnt="5"/>
       <dgm:spPr/>
+      <dgm:t>
+        <a:bodyPr/>
+        <a:lstStyle/>
+        <a:p>
+          <a:endParaRPr lang="pt-PT"/>
+        </a:p>
+      </dgm:t>
     </dgm:pt>
     <dgm:pt modelId="{1361BC6C-9B0B-4206-827D-3BF0B5B79B98}" type="pres">
       <dgm:prSet presAssocID="{D0D5EBBE-C984-451E-A77C-06635B96115A}" presName="hierChild4" presStyleCnt="0"/>
@@ -3008,6 +3204,13 @@
     <dgm:pt modelId="{BCCB5965-B0E0-45CC-8894-BE1731CC57E2}" type="pres">
       <dgm:prSet presAssocID="{7ABF7F75-BA81-498E-8999-139ABA277B4F}" presName="Name37" presStyleLbl="parChTrans1D3" presStyleIdx="0" presStyleCnt="9"/>
       <dgm:spPr/>
+      <dgm:t>
+        <a:bodyPr/>
+        <a:lstStyle/>
+        <a:p>
+          <a:endParaRPr lang="pt-PT"/>
+        </a:p>
+      </dgm:t>
     </dgm:pt>
     <dgm:pt modelId="{1CD8D106-1B91-496C-B3DB-996AC3AD5822}" type="pres">
       <dgm:prSet presAssocID="{6D859D06-D440-4495-BC38-4B0653417247}" presName="hierRoot2" presStyleCnt="0">
@@ -3028,10 +3231,24 @@
         </dgm:presLayoutVars>
       </dgm:prSet>
       <dgm:spPr/>
+      <dgm:t>
+        <a:bodyPr/>
+        <a:lstStyle/>
+        <a:p>
+          <a:endParaRPr lang="pt-PT"/>
+        </a:p>
+      </dgm:t>
     </dgm:pt>
     <dgm:pt modelId="{257BA37D-C7F9-4FC4-8625-2A044432F45E}" type="pres">
       <dgm:prSet presAssocID="{6D859D06-D440-4495-BC38-4B0653417247}" presName="rootConnector" presStyleLbl="node3" presStyleIdx="0" presStyleCnt="9"/>
       <dgm:spPr/>
+      <dgm:t>
+        <a:bodyPr/>
+        <a:lstStyle/>
+        <a:p>
+          <a:endParaRPr lang="pt-PT"/>
+        </a:p>
+      </dgm:t>
     </dgm:pt>
     <dgm:pt modelId="{21FA8DE6-BE13-427F-B07D-34101809347A}" type="pres">
       <dgm:prSet presAssocID="{6D859D06-D440-4495-BC38-4B0653417247}" presName="hierChild4" presStyleCnt="0"/>
@@ -3044,6 +3261,13 @@
     <dgm:pt modelId="{F5935B02-3EAE-43D8-83D7-0568EA754FE3}" type="pres">
       <dgm:prSet presAssocID="{DF2FF718-F2C1-46BD-B3D2-69C34DDD97AC}" presName="Name37" presStyleLbl="parChTrans1D3" presStyleIdx="1" presStyleCnt="9"/>
       <dgm:spPr/>
+      <dgm:t>
+        <a:bodyPr/>
+        <a:lstStyle/>
+        <a:p>
+          <a:endParaRPr lang="pt-PT"/>
+        </a:p>
+      </dgm:t>
     </dgm:pt>
     <dgm:pt modelId="{65098B79-47B8-45AD-84EC-59F788BDFBC1}" type="pres">
       <dgm:prSet presAssocID="{AF9FAEE0-D707-4D4A-BC4E-B00284790C09}" presName="hierRoot2" presStyleCnt="0">
@@ -3064,10 +3288,24 @@
         </dgm:presLayoutVars>
       </dgm:prSet>
       <dgm:spPr/>
+      <dgm:t>
+        <a:bodyPr/>
+        <a:lstStyle/>
+        <a:p>
+          <a:endParaRPr lang="pt-PT"/>
+        </a:p>
+      </dgm:t>
     </dgm:pt>
     <dgm:pt modelId="{7A248573-B914-4159-ACEE-81EFF21A290C}" type="pres">
       <dgm:prSet presAssocID="{AF9FAEE0-D707-4D4A-BC4E-B00284790C09}" presName="rootConnector" presStyleLbl="node3" presStyleIdx="1" presStyleCnt="9"/>
       <dgm:spPr/>
+      <dgm:t>
+        <a:bodyPr/>
+        <a:lstStyle/>
+        <a:p>
+          <a:endParaRPr lang="pt-PT"/>
+        </a:p>
+      </dgm:t>
     </dgm:pt>
     <dgm:pt modelId="{DEA8D9E0-A8CA-48EF-A2A5-7B4EACBDC6EA}" type="pres">
       <dgm:prSet presAssocID="{AF9FAEE0-D707-4D4A-BC4E-B00284790C09}" presName="hierChild4" presStyleCnt="0"/>
@@ -3080,6 +3318,13 @@
     <dgm:pt modelId="{83BFE1B7-4CFE-4414-B2E2-2937D4F9C17F}" type="pres">
       <dgm:prSet presAssocID="{188D1000-0E2B-4CE9-B4EC-57DF98E5B370}" presName="Name37" presStyleLbl="parChTrans1D3" presStyleIdx="2" presStyleCnt="9"/>
       <dgm:spPr/>
+      <dgm:t>
+        <a:bodyPr/>
+        <a:lstStyle/>
+        <a:p>
+          <a:endParaRPr lang="pt-PT"/>
+        </a:p>
+      </dgm:t>
     </dgm:pt>
     <dgm:pt modelId="{459CC44D-C8B1-4635-A6BE-852CC0735C79}" type="pres">
       <dgm:prSet presAssocID="{32A588C2-228D-4B26-9C8B-90CDFD0FC08B}" presName="hierRoot2" presStyleCnt="0">
@@ -3100,10 +3345,24 @@
         </dgm:presLayoutVars>
       </dgm:prSet>
       <dgm:spPr/>
+      <dgm:t>
+        <a:bodyPr/>
+        <a:lstStyle/>
+        <a:p>
+          <a:endParaRPr lang="pt-PT"/>
+        </a:p>
+      </dgm:t>
     </dgm:pt>
     <dgm:pt modelId="{6AB2AA11-CB4E-478D-B63B-A0BF5B893B44}" type="pres">
       <dgm:prSet presAssocID="{32A588C2-228D-4B26-9C8B-90CDFD0FC08B}" presName="rootConnector" presStyleLbl="node3" presStyleIdx="2" presStyleCnt="9"/>
       <dgm:spPr/>
+      <dgm:t>
+        <a:bodyPr/>
+        <a:lstStyle/>
+        <a:p>
+          <a:endParaRPr lang="pt-PT"/>
+        </a:p>
+      </dgm:t>
     </dgm:pt>
     <dgm:pt modelId="{CB7BB7FB-F6D9-464D-8147-B1D785A2A656}" type="pres">
       <dgm:prSet presAssocID="{32A588C2-228D-4B26-9C8B-90CDFD0FC08B}" presName="hierChild4" presStyleCnt="0"/>
@@ -3120,6 +3379,13 @@
     <dgm:pt modelId="{A3C064E1-EB83-4A90-BC9B-363A4369B1D9}" type="pres">
       <dgm:prSet presAssocID="{AE15057E-D275-4CBA-BBDA-7AFB5273F6D0}" presName="Name37" presStyleLbl="parChTrans1D2" presStyleIdx="1" presStyleCnt="5"/>
       <dgm:spPr/>
+      <dgm:t>
+        <a:bodyPr/>
+        <a:lstStyle/>
+        <a:p>
+          <a:endParaRPr lang="pt-PT"/>
+        </a:p>
+      </dgm:t>
     </dgm:pt>
     <dgm:pt modelId="{5F49EB11-AF2A-43A7-A5F6-C818A93333A4}" type="pres">
       <dgm:prSet presAssocID="{DEB3A288-72B2-4CE3-BA0E-2385DCEA1166}" presName="hierRoot2" presStyleCnt="0">
@@ -3140,10 +3406,24 @@
         </dgm:presLayoutVars>
       </dgm:prSet>
       <dgm:spPr/>
+      <dgm:t>
+        <a:bodyPr/>
+        <a:lstStyle/>
+        <a:p>
+          <a:endParaRPr lang="pt-PT"/>
+        </a:p>
+      </dgm:t>
     </dgm:pt>
     <dgm:pt modelId="{D1586E0D-5339-4871-B373-DE07F6A4B31A}" type="pres">
       <dgm:prSet presAssocID="{DEB3A288-72B2-4CE3-BA0E-2385DCEA1166}" presName="rootConnector" presStyleLbl="node2" presStyleIdx="1" presStyleCnt="5"/>
       <dgm:spPr/>
+      <dgm:t>
+        <a:bodyPr/>
+        <a:lstStyle/>
+        <a:p>
+          <a:endParaRPr lang="pt-PT"/>
+        </a:p>
+      </dgm:t>
     </dgm:pt>
     <dgm:pt modelId="{1E188EC2-DBC6-4C65-BECE-BD2803FEF22A}" type="pres">
       <dgm:prSet presAssocID="{DEB3A288-72B2-4CE3-BA0E-2385DCEA1166}" presName="hierChild4" presStyleCnt="0"/>
@@ -3156,6 +3436,13 @@
     <dgm:pt modelId="{075DE7FD-AB6D-45A1-88B5-F6DE55537A5C}" type="pres">
       <dgm:prSet presAssocID="{1F891C72-4331-4225-9131-EE90A5156BCC}" presName="Name37" presStyleLbl="parChTrans1D2" presStyleIdx="2" presStyleCnt="5"/>
       <dgm:spPr/>
+      <dgm:t>
+        <a:bodyPr/>
+        <a:lstStyle/>
+        <a:p>
+          <a:endParaRPr lang="pt-PT"/>
+        </a:p>
+      </dgm:t>
     </dgm:pt>
     <dgm:pt modelId="{9D85BD58-234E-4F80-9935-D3C313D0B352}" type="pres">
       <dgm:prSet presAssocID="{3E7D5DE8-38A7-4D01-B3B1-C41B904AFB24}" presName="hierRoot2" presStyleCnt="0">
@@ -3176,10 +3463,24 @@
         </dgm:presLayoutVars>
       </dgm:prSet>
       <dgm:spPr/>
+      <dgm:t>
+        <a:bodyPr/>
+        <a:lstStyle/>
+        <a:p>
+          <a:endParaRPr lang="pt-PT"/>
+        </a:p>
+      </dgm:t>
     </dgm:pt>
     <dgm:pt modelId="{D47F8C64-7351-47DD-ABB9-3A4D5CE04EBC}" type="pres">
       <dgm:prSet presAssocID="{3E7D5DE8-38A7-4D01-B3B1-C41B904AFB24}" presName="rootConnector" presStyleLbl="node2" presStyleIdx="2" presStyleCnt="5"/>
       <dgm:spPr/>
+      <dgm:t>
+        <a:bodyPr/>
+        <a:lstStyle/>
+        <a:p>
+          <a:endParaRPr lang="pt-PT"/>
+        </a:p>
+      </dgm:t>
     </dgm:pt>
     <dgm:pt modelId="{0EB07231-3CA0-42A8-AE42-EFF984FC9A65}" type="pres">
       <dgm:prSet presAssocID="{3E7D5DE8-38A7-4D01-B3B1-C41B904AFB24}" presName="hierChild4" presStyleCnt="0"/>
@@ -3188,6 +3489,13 @@
     <dgm:pt modelId="{A148AF3D-8225-4C90-9973-D39067016BF1}" type="pres">
       <dgm:prSet presAssocID="{5A94BF89-F459-4076-B825-3EF69867B9E6}" presName="Name37" presStyleLbl="parChTrans1D3" presStyleIdx="3" presStyleCnt="9"/>
       <dgm:spPr/>
+      <dgm:t>
+        <a:bodyPr/>
+        <a:lstStyle/>
+        <a:p>
+          <a:endParaRPr lang="pt-PT"/>
+        </a:p>
+      </dgm:t>
     </dgm:pt>
     <dgm:pt modelId="{0ACF801A-7B48-49C3-8A6E-CA4C0C45AF98}" type="pres">
       <dgm:prSet presAssocID="{C4E9236B-D5FB-402F-9C08-8917C5806671}" presName="hierRoot2" presStyleCnt="0">
@@ -3208,10 +3516,24 @@
         </dgm:presLayoutVars>
       </dgm:prSet>
       <dgm:spPr/>
+      <dgm:t>
+        <a:bodyPr/>
+        <a:lstStyle/>
+        <a:p>
+          <a:endParaRPr lang="pt-PT"/>
+        </a:p>
+      </dgm:t>
     </dgm:pt>
     <dgm:pt modelId="{1A4D12E3-2EEF-4745-BCD2-3B9AFD0CBE3F}" type="pres">
       <dgm:prSet presAssocID="{C4E9236B-D5FB-402F-9C08-8917C5806671}" presName="rootConnector" presStyleLbl="node3" presStyleIdx="3" presStyleCnt="9"/>
       <dgm:spPr/>
+      <dgm:t>
+        <a:bodyPr/>
+        <a:lstStyle/>
+        <a:p>
+          <a:endParaRPr lang="pt-PT"/>
+        </a:p>
+      </dgm:t>
     </dgm:pt>
     <dgm:pt modelId="{691979FA-4AA7-499E-96E3-2630F7706F7C}" type="pres">
       <dgm:prSet presAssocID="{C4E9236B-D5FB-402F-9C08-8917C5806671}" presName="hierChild4" presStyleCnt="0"/>
@@ -3224,6 +3546,13 @@
     <dgm:pt modelId="{DE72DF6E-144C-454B-9565-EC52D8FB4D37}" type="pres">
       <dgm:prSet presAssocID="{04B442D8-6F45-4C79-8A4C-6886FDE02F97}" presName="Name37" presStyleLbl="parChTrans1D3" presStyleIdx="4" presStyleCnt="9"/>
       <dgm:spPr/>
+      <dgm:t>
+        <a:bodyPr/>
+        <a:lstStyle/>
+        <a:p>
+          <a:endParaRPr lang="pt-PT"/>
+        </a:p>
+      </dgm:t>
     </dgm:pt>
     <dgm:pt modelId="{BB759B9C-E166-4318-8783-39AF6A31B605}" type="pres">
       <dgm:prSet presAssocID="{C5D14313-4718-4BA4-8034-5E4E2ACBCC70}" presName="hierRoot2" presStyleCnt="0">
@@ -3244,10 +3573,24 @@
         </dgm:presLayoutVars>
       </dgm:prSet>
       <dgm:spPr/>
+      <dgm:t>
+        <a:bodyPr/>
+        <a:lstStyle/>
+        <a:p>
+          <a:endParaRPr lang="pt-PT"/>
+        </a:p>
+      </dgm:t>
     </dgm:pt>
     <dgm:pt modelId="{CFB84857-AF84-4F8B-907E-44B005282350}" type="pres">
       <dgm:prSet presAssocID="{C5D14313-4718-4BA4-8034-5E4E2ACBCC70}" presName="rootConnector" presStyleLbl="node3" presStyleIdx="4" presStyleCnt="9"/>
       <dgm:spPr/>
+      <dgm:t>
+        <a:bodyPr/>
+        <a:lstStyle/>
+        <a:p>
+          <a:endParaRPr lang="pt-PT"/>
+        </a:p>
+      </dgm:t>
     </dgm:pt>
     <dgm:pt modelId="{555F9CE5-6B4F-41EE-A503-E2A482DE4442}" type="pres">
       <dgm:prSet presAssocID="{C5D14313-4718-4BA4-8034-5E4E2ACBCC70}" presName="hierChild4" presStyleCnt="0"/>
@@ -3260,6 +3603,13 @@
     <dgm:pt modelId="{FB0D67E1-4705-4C5A-A8BE-E373C4C7F8DC}" type="pres">
       <dgm:prSet presAssocID="{D81EE60C-1689-4013-8B94-71E45948E61C}" presName="Name37" presStyleLbl="parChTrans1D3" presStyleIdx="5" presStyleCnt="9"/>
       <dgm:spPr/>
+      <dgm:t>
+        <a:bodyPr/>
+        <a:lstStyle/>
+        <a:p>
+          <a:endParaRPr lang="pt-PT"/>
+        </a:p>
+      </dgm:t>
     </dgm:pt>
     <dgm:pt modelId="{12F69B15-CF2E-40D3-8957-9480010322BC}" type="pres">
       <dgm:prSet presAssocID="{9CF9D14A-D997-48A5-ACA0-BD0A85F323A1}" presName="hierRoot2" presStyleCnt="0">
@@ -3280,10 +3630,24 @@
         </dgm:presLayoutVars>
       </dgm:prSet>
       <dgm:spPr/>
+      <dgm:t>
+        <a:bodyPr/>
+        <a:lstStyle/>
+        <a:p>
+          <a:endParaRPr lang="pt-PT"/>
+        </a:p>
+      </dgm:t>
     </dgm:pt>
     <dgm:pt modelId="{37F9F289-47AC-4257-A31F-E2E8F2183DC3}" type="pres">
       <dgm:prSet presAssocID="{9CF9D14A-D997-48A5-ACA0-BD0A85F323A1}" presName="rootConnector" presStyleLbl="node3" presStyleIdx="5" presStyleCnt="9"/>
       <dgm:spPr/>
+      <dgm:t>
+        <a:bodyPr/>
+        <a:lstStyle/>
+        <a:p>
+          <a:endParaRPr lang="pt-PT"/>
+        </a:p>
+      </dgm:t>
     </dgm:pt>
     <dgm:pt modelId="{0756DBE1-0E1B-4509-A40C-2596EFA974BD}" type="pres">
       <dgm:prSet presAssocID="{9CF9D14A-D997-48A5-ACA0-BD0A85F323A1}" presName="hierChild4" presStyleCnt="0"/>
@@ -3296,6 +3660,13 @@
     <dgm:pt modelId="{6BB70260-FBF6-4FD9-8B99-A7ECE1F53A39}" type="pres">
       <dgm:prSet presAssocID="{C206CBEC-A310-48C5-A1E3-51069AAB7E06}" presName="Name37" presStyleLbl="parChTrans1D3" presStyleIdx="6" presStyleCnt="9"/>
       <dgm:spPr/>
+      <dgm:t>
+        <a:bodyPr/>
+        <a:lstStyle/>
+        <a:p>
+          <a:endParaRPr lang="pt-PT"/>
+        </a:p>
+      </dgm:t>
     </dgm:pt>
     <dgm:pt modelId="{CB8079F8-3BBB-455B-A366-62293B5B4128}" type="pres">
       <dgm:prSet presAssocID="{FEF5EF31-1DF3-4F02-8BF5-0FAA9FBF05DF}" presName="hierRoot2" presStyleCnt="0">
@@ -3316,10 +3687,24 @@
         </dgm:presLayoutVars>
       </dgm:prSet>
       <dgm:spPr/>
+      <dgm:t>
+        <a:bodyPr/>
+        <a:lstStyle/>
+        <a:p>
+          <a:endParaRPr lang="pt-PT"/>
+        </a:p>
+      </dgm:t>
     </dgm:pt>
     <dgm:pt modelId="{29C82EC9-E8DF-43E5-AE26-7FE69F2FE8E3}" type="pres">
       <dgm:prSet presAssocID="{FEF5EF31-1DF3-4F02-8BF5-0FAA9FBF05DF}" presName="rootConnector" presStyleLbl="node3" presStyleIdx="6" presStyleCnt="9"/>
       <dgm:spPr/>
+      <dgm:t>
+        <a:bodyPr/>
+        <a:lstStyle/>
+        <a:p>
+          <a:endParaRPr lang="pt-PT"/>
+        </a:p>
+      </dgm:t>
     </dgm:pt>
     <dgm:pt modelId="{0226FF58-35DD-44DA-8330-812BB9861BAB}" type="pres">
       <dgm:prSet presAssocID="{FEF5EF31-1DF3-4F02-8BF5-0FAA9FBF05DF}" presName="hierChild4" presStyleCnt="0"/>
@@ -3332,6 +3717,13 @@
     <dgm:pt modelId="{1BF37D4C-6B8D-491C-BFA6-EF055187F912}" type="pres">
       <dgm:prSet presAssocID="{AE6AB92A-B651-446C-B90D-191341024DCA}" presName="Name37" presStyleLbl="parChTrans1D3" presStyleIdx="7" presStyleCnt="9"/>
       <dgm:spPr/>
+      <dgm:t>
+        <a:bodyPr/>
+        <a:lstStyle/>
+        <a:p>
+          <a:endParaRPr lang="pt-PT"/>
+        </a:p>
+      </dgm:t>
     </dgm:pt>
     <dgm:pt modelId="{86602689-6C9B-46AE-9978-4661220F57E8}" type="pres">
       <dgm:prSet presAssocID="{2FF04469-EC18-4DEF-9211-026033421D7F}" presName="hierRoot2" presStyleCnt="0">
@@ -3352,10 +3744,24 @@
         </dgm:presLayoutVars>
       </dgm:prSet>
       <dgm:spPr/>
+      <dgm:t>
+        <a:bodyPr/>
+        <a:lstStyle/>
+        <a:p>
+          <a:endParaRPr lang="pt-PT"/>
+        </a:p>
+      </dgm:t>
     </dgm:pt>
     <dgm:pt modelId="{98EBC135-7D61-4607-8673-88321824B19A}" type="pres">
       <dgm:prSet presAssocID="{2FF04469-EC18-4DEF-9211-026033421D7F}" presName="rootConnector" presStyleLbl="node3" presStyleIdx="7" presStyleCnt="9"/>
       <dgm:spPr/>
+      <dgm:t>
+        <a:bodyPr/>
+        <a:lstStyle/>
+        <a:p>
+          <a:endParaRPr lang="pt-PT"/>
+        </a:p>
+      </dgm:t>
     </dgm:pt>
     <dgm:pt modelId="{39D676ED-D687-45A8-BAE2-452B3A691EB1}" type="pres">
       <dgm:prSet presAssocID="{2FF04469-EC18-4DEF-9211-026033421D7F}" presName="hierChild4" presStyleCnt="0"/>
@@ -3368,6 +3774,13 @@
     <dgm:pt modelId="{00416E62-FBAF-4AA7-AE51-74C6003471F9}" type="pres">
       <dgm:prSet presAssocID="{ADCBE1B0-B6AB-4350-9FC6-856DD57E9562}" presName="Name37" presStyleLbl="parChTrans1D3" presStyleIdx="8" presStyleCnt="9"/>
       <dgm:spPr/>
+      <dgm:t>
+        <a:bodyPr/>
+        <a:lstStyle/>
+        <a:p>
+          <a:endParaRPr lang="pt-PT"/>
+        </a:p>
+      </dgm:t>
     </dgm:pt>
     <dgm:pt modelId="{63B03767-680D-4D62-96A6-23F74154861A}" type="pres">
       <dgm:prSet presAssocID="{210B0EF3-C281-4060-A271-E34BD8547342}" presName="hierRoot2" presStyleCnt="0">
@@ -3388,10 +3801,24 @@
         </dgm:presLayoutVars>
       </dgm:prSet>
       <dgm:spPr/>
+      <dgm:t>
+        <a:bodyPr/>
+        <a:lstStyle/>
+        <a:p>
+          <a:endParaRPr lang="pt-PT"/>
+        </a:p>
+      </dgm:t>
     </dgm:pt>
     <dgm:pt modelId="{D84F31A6-8A16-490F-B798-6B1CCC52D4CD}" type="pres">
       <dgm:prSet presAssocID="{210B0EF3-C281-4060-A271-E34BD8547342}" presName="rootConnector" presStyleLbl="node3" presStyleIdx="8" presStyleCnt="9"/>
       <dgm:spPr/>
+      <dgm:t>
+        <a:bodyPr/>
+        <a:lstStyle/>
+        <a:p>
+          <a:endParaRPr lang="pt-PT"/>
+        </a:p>
+      </dgm:t>
     </dgm:pt>
     <dgm:pt modelId="{B7DCC22D-685E-4B67-91EC-8CA4B10F28F1}" type="pres">
       <dgm:prSet presAssocID="{210B0EF3-C281-4060-A271-E34BD8547342}" presName="hierChild4" presStyleCnt="0"/>
@@ -3408,6 +3835,13 @@
     <dgm:pt modelId="{1FD30025-BE06-4C8D-8024-6353A3A86C64}" type="pres">
       <dgm:prSet presAssocID="{06A4DF89-C148-4CB0-BC1C-719E15C3A380}" presName="Name37" presStyleLbl="parChTrans1D2" presStyleIdx="3" presStyleCnt="5"/>
       <dgm:spPr/>
+      <dgm:t>
+        <a:bodyPr/>
+        <a:lstStyle/>
+        <a:p>
+          <a:endParaRPr lang="pt-PT"/>
+        </a:p>
+      </dgm:t>
     </dgm:pt>
     <dgm:pt modelId="{031ED071-E8F0-4ADE-BB27-DE25D6F99C8E}" type="pres">
       <dgm:prSet presAssocID="{CFC8A77C-E037-4F39-89BC-7C46B2FFF6C3}" presName="hierRoot2" presStyleCnt="0">
@@ -3428,10 +3862,24 @@
         </dgm:presLayoutVars>
       </dgm:prSet>
       <dgm:spPr/>
+      <dgm:t>
+        <a:bodyPr/>
+        <a:lstStyle/>
+        <a:p>
+          <a:endParaRPr lang="pt-PT"/>
+        </a:p>
+      </dgm:t>
     </dgm:pt>
     <dgm:pt modelId="{C385DBD7-122C-4C76-95AA-F0EDDD576213}" type="pres">
       <dgm:prSet presAssocID="{CFC8A77C-E037-4F39-89BC-7C46B2FFF6C3}" presName="rootConnector" presStyleLbl="node2" presStyleIdx="3" presStyleCnt="5"/>
       <dgm:spPr/>
+      <dgm:t>
+        <a:bodyPr/>
+        <a:lstStyle/>
+        <a:p>
+          <a:endParaRPr lang="pt-PT"/>
+        </a:p>
+      </dgm:t>
     </dgm:pt>
     <dgm:pt modelId="{DE86AFEF-E43B-4AD5-AF14-454FCFC84E45}" type="pres">
       <dgm:prSet presAssocID="{CFC8A77C-E037-4F39-89BC-7C46B2FFF6C3}" presName="hierChild4" presStyleCnt="0"/>
@@ -3444,6 +3892,13 @@
     <dgm:pt modelId="{87BE5EB3-DB60-4F74-8CAB-579081070155}" type="pres">
       <dgm:prSet presAssocID="{77057196-36D4-4297-8DBE-9DF4DC99769E}" presName="Name37" presStyleLbl="parChTrans1D2" presStyleIdx="4" presStyleCnt="5"/>
       <dgm:spPr/>
+      <dgm:t>
+        <a:bodyPr/>
+        <a:lstStyle/>
+        <a:p>
+          <a:endParaRPr lang="pt-PT"/>
+        </a:p>
+      </dgm:t>
     </dgm:pt>
     <dgm:pt modelId="{B70BC062-C551-4FA6-AA0B-24CA90B943F5}" type="pres">
       <dgm:prSet presAssocID="{6BCCACC8-297A-434B-B4C0-CBF55E8A799D}" presName="hierRoot2" presStyleCnt="0">
@@ -3464,10 +3919,24 @@
         </dgm:presLayoutVars>
       </dgm:prSet>
       <dgm:spPr/>
+      <dgm:t>
+        <a:bodyPr/>
+        <a:lstStyle/>
+        <a:p>
+          <a:endParaRPr lang="pt-PT"/>
+        </a:p>
+      </dgm:t>
     </dgm:pt>
     <dgm:pt modelId="{695C9D34-95FC-428F-873D-B6282BE96811}" type="pres">
       <dgm:prSet presAssocID="{6BCCACC8-297A-434B-B4C0-CBF55E8A799D}" presName="rootConnector" presStyleLbl="node2" presStyleIdx="4" presStyleCnt="5"/>
       <dgm:spPr/>
+      <dgm:t>
+        <a:bodyPr/>
+        <a:lstStyle/>
+        <a:p>
+          <a:endParaRPr lang="pt-PT"/>
+        </a:p>
+      </dgm:t>
     </dgm:pt>
     <dgm:pt modelId="{C932BF2B-95E7-43ED-B8E1-90412F9C1BE7}" type="pres">
       <dgm:prSet presAssocID="{6BCCACC8-297A-434B-B4C0-CBF55E8A799D}" presName="hierChild4" presStyleCnt="0"/>
@@ -3483,66 +3952,66 @@
     </dgm:pt>
   </dgm:ptLst>
   <dgm:cxnLst>
+    <dgm:cxn modelId="{297E5AFB-69FF-482E-883D-EAFA86EB866E}" type="presOf" srcId="{C4E9236B-D5FB-402F-9C08-8917C5806671}" destId="{1A4D12E3-2EEF-4745-BCD2-3B9AFD0CBE3F}" srcOrd="1" destOrd="0" presId="urn:microsoft.com/office/officeart/2005/8/layout/orgChart1"/>
+    <dgm:cxn modelId="{3F49F218-3AFF-4BEE-8EF8-270B7EC43323}" type="presOf" srcId="{32A588C2-228D-4B26-9C8B-90CDFD0FC08B}" destId="{6AB2AA11-CB4E-478D-B63B-A0BF5B893B44}" srcOrd="1" destOrd="0" presId="urn:microsoft.com/office/officeart/2005/8/layout/orgChart1"/>
+    <dgm:cxn modelId="{1D58114B-9E7B-4EE9-9BBB-CA2BC1050428}" srcId="{EFF00522-C837-4800-9089-09C6786FA139}" destId="{D0D5EBBE-C984-451E-A77C-06635B96115A}" srcOrd="0" destOrd="0" parTransId="{2401EE30-6FB4-47FC-B5CB-44E93082BA16}" sibTransId="{4794836D-9F6B-4080-8E70-60D729F37A15}"/>
+    <dgm:cxn modelId="{8965F592-C2EF-4A5E-AE72-E3D483E3AC4B}" type="presOf" srcId="{EFF00522-C837-4800-9089-09C6786FA139}" destId="{0A79929F-4539-4070-8896-388E4F787335}" srcOrd="0" destOrd="0" presId="urn:microsoft.com/office/officeart/2005/8/layout/orgChart1"/>
+    <dgm:cxn modelId="{026BB8DD-D4DF-4C7C-AABD-8C8B76A5849F}" type="presOf" srcId="{AF9FAEE0-D707-4D4A-BC4E-B00284790C09}" destId="{7A248573-B914-4159-ACEE-81EFF21A290C}" srcOrd="1" destOrd="0" presId="urn:microsoft.com/office/officeart/2005/8/layout/orgChart1"/>
+    <dgm:cxn modelId="{B6F32367-D4A4-4501-A5C5-198502F93225}" type="presOf" srcId="{CFC8A77C-E037-4F39-89BC-7C46B2FFF6C3}" destId="{B512DCC2-F8AD-4A88-8224-BF794CC14E60}" srcOrd="0" destOrd="0" presId="urn:microsoft.com/office/officeart/2005/8/layout/orgChart1"/>
+    <dgm:cxn modelId="{64B522C9-1881-4836-B21D-A269398ED4E7}" type="presOf" srcId="{06A4DF89-C148-4CB0-BC1C-719E15C3A380}" destId="{1FD30025-BE06-4C8D-8024-6353A3A86C64}" srcOrd="0" destOrd="0" presId="urn:microsoft.com/office/officeart/2005/8/layout/orgChart1"/>
+    <dgm:cxn modelId="{67885BAF-5B75-407B-91B2-6F979038E946}" srcId="{F37AA981-A9B4-415F-ADC1-A456EE833205}" destId="{EFF00522-C837-4800-9089-09C6786FA139}" srcOrd="0" destOrd="0" parTransId="{DD3937CD-E1A8-4E5B-BD09-EABAA399CC23}" sibTransId="{719267CB-9490-458C-9394-D74AD204BE1B}"/>
+    <dgm:cxn modelId="{8C71F597-48DA-42F5-848B-45FBCBBE231C}" srcId="{EFF00522-C837-4800-9089-09C6786FA139}" destId="{DEB3A288-72B2-4CE3-BA0E-2385DCEA1166}" srcOrd="1" destOrd="0" parTransId="{AE15057E-D275-4CBA-BBDA-7AFB5273F6D0}" sibTransId="{A96C3356-79EF-46AD-95D3-4F7717D0E212}"/>
+    <dgm:cxn modelId="{F198A21A-96EA-4C82-8C87-6F04C547BD34}" type="presOf" srcId="{C206CBEC-A310-48C5-A1E3-51069AAB7E06}" destId="{6BB70260-FBF6-4FD9-8B99-A7ECE1F53A39}" srcOrd="0" destOrd="0" presId="urn:microsoft.com/office/officeart/2005/8/layout/orgChart1"/>
+    <dgm:cxn modelId="{7D433B21-19E9-4289-9578-6A1C2468181D}" type="presOf" srcId="{5A94BF89-F459-4076-B825-3EF69867B9E6}" destId="{A148AF3D-8225-4C90-9973-D39067016BF1}" srcOrd="0" destOrd="0" presId="urn:microsoft.com/office/officeart/2005/8/layout/orgChart1"/>
+    <dgm:cxn modelId="{C36633A6-7AC8-43DF-9EBE-C46C838D14D6}" type="presOf" srcId="{3E7D5DE8-38A7-4D01-B3B1-C41B904AFB24}" destId="{D47F8C64-7351-47DD-ABB9-3A4D5CE04EBC}" srcOrd="1" destOrd="0" presId="urn:microsoft.com/office/officeart/2005/8/layout/orgChart1"/>
+    <dgm:cxn modelId="{5BE6D81B-EDEC-41FC-9BAD-FD0335C8F068}" type="presOf" srcId="{2FF04469-EC18-4DEF-9211-026033421D7F}" destId="{98EBC135-7D61-4607-8673-88321824B19A}" srcOrd="1" destOrd="0" presId="urn:microsoft.com/office/officeart/2005/8/layout/orgChart1"/>
+    <dgm:cxn modelId="{97B2F3CE-CC70-404B-8D86-D5992F7D55A1}" type="presOf" srcId="{9CF9D14A-D997-48A5-ACA0-BD0A85F323A1}" destId="{37F9F289-47AC-4257-A31F-E2E8F2183DC3}" srcOrd="1" destOrd="0" presId="urn:microsoft.com/office/officeart/2005/8/layout/orgChart1"/>
+    <dgm:cxn modelId="{C7117D46-60C1-4AC4-AC2C-CCA51D022C98}" srcId="{3E7D5DE8-38A7-4D01-B3B1-C41B904AFB24}" destId="{210B0EF3-C281-4060-A271-E34BD8547342}" srcOrd="5" destOrd="0" parTransId="{ADCBE1B0-B6AB-4350-9FC6-856DD57E9562}" sibTransId="{074E8F6B-D96B-4628-92A9-FFC917EF6C01}"/>
+    <dgm:cxn modelId="{8A65483A-2A4E-4DBB-90B6-1A37CACF6180}" type="presOf" srcId="{AF9FAEE0-D707-4D4A-BC4E-B00284790C09}" destId="{AED2CD70-00FB-4D86-A988-A2B3331A944F}" srcOrd="0" destOrd="0" presId="urn:microsoft.com/office/officeart/2005/8/layout/orgChart1"/>
+    <dgm:cxn modelId="{06FBE830-116F-4E6A-84F0-74346010D695}" type="presOf" srcId="{C5D14313-4718-4BA4-8034-5E4E2ACBCC70}" destId="{CFB84857-AF84-4F8B-907E-44B005282350}" srcOrd="1" destOrd="0" presId="urn:microsoft.com/office/officeart/2005/8/layout/orgChart1"/>
+    <dgm:cxn modelId="{AB73DCE0-4F8F-4E33-A446-8B950BE7F085}" type="presOf" srcId="{2FF04469-EC18-4DEF-9211-026033421D7F}" destId="{BCC10AE4-DC99-4EA0-B027-3C11C8AFFA0B}" srcOrd="0" destOrd="0" presId="urn:microsoft.com/office/officeart/2005/8/layout/orgChart1"/>
+    <dgm:cxn modelId="{8484E588-3BA2-4A2C-A856-2E9A20948E67}" type="presOf" srcId="{D0D5EBBE-C984-451E-A77C-06635B96115A}" destId="{BB899C3E-7977-48D2-838C-0A0A4E22407E}" srcOrd="0" destOrd="0" presId="urn:microsoft.com/office/officeart/2005/8/layout/orgChart1"/>
+    <dgm:cxn modelId="{F7703852-4B24-419F-8990-8F4642258C5C}" type="presOf" srcId="{DEB3A288-72B2-4CE3-BA0E-2385DCEA1166}" destId="{3DCFB508-F20D-419B-97A2-A0EA8AAE62B8}" srcOrd="0" destOrd="0" presId="urn:microsoft.com/office/officeart/2005/8/layout/orgChart1"/>
+    <dgm:cxn modelId="{3E0EE4A3-7C9D-4385-92CF-5CA9996AB16B}" type="presOf" srcId="{EFF00522-C837-4800-9089-09C6786FA139}" destId="{15AFF27B-B166-47F4-BEA3-A556EF84A1FE}" srcOrd="1" destOrd="0" presId="urn:microsoft.com/office/officeart/2005/8/layout/orgChart1"/>
+    <dgm:cxn modelId="{7076539E-84DB-49E1-9601-83A88D214CF8}" srcId="{3E7D5DE8-38A7-4D01-B3B1-C41B904AFB24}" destId="{2FF04469-EC18-4DEF-9211-026033421D7F}" srcOrd="4" destOrd="0" parTransId="{AE6AB92A-B651-446C-B90D-191341024DCA}" sibTransId="{0637CF52-D892-464E-A103-0804641290C4}"/>
+    <dgm:cxn modelId="{CC89F41C-EC73-4164-B979-1E34F8EC7992}" type="presOf" srcId="{DEB3A288-72B2-4CE3-BA0E-2385DCEA1166}" destId="{D1586E0D-5339-4871-B373-DE07F6A4B31A}" srcOrd="1" destOrd="0" presId="urn:microsoft.com/office/officeart/2005/8/layout/orgChart1"/>
+    <dgm:cxn modelId="{8C5C1055-60EE-417A-890C-9263B9B0293C}" type="presOf" srcId="{6BCCACC8-297A-434B-B4C0-CBF55E8A799D}" destId="{8659CC59-2E2C-408C-A138-42297FB1F7FC}" srcOrd="0" destOrd="0" presId="urn:microsoft.com/office/officeart/2005/8/layout/orgChart1"/>
+    <dgm:cxn modelId="{F4B59A6E-7C30-4166-A4BE-C4CD1FDE9241}" type="presOf" srcId="{FEF5EF31-1DF3-4F02-8BF5-0FAA9FBF05DF}" destId="{29C82EC9-E8DF-43E5-AE26-7FE69F2FE8E3}" srcOrd="1" destOrd="0" presId="urn:microsoft.com/office/officeart/2005/8/layout/orgChart1"/>
+    <dgm:cxn modelId="{412E2FC4-ADBF-4534-B2F3-8F5B88C8016F}" type="presOf" srcId="{6D859D06-D440-4495-BC38-4B0653417247}" destId="{257BA37D-C7F9-4FC4-8625-2A044432F45E}" srcOrd="1" destOrd="0" presId="urn:microsoft.com/office/officeart/2005/8/layout/orgChart1"/>
+    <dgm:cxn modelId="{2B7E8BD5-A4C9-447A-8E7F-F81E3739DF41}" type="presOf" srcId="{ADCBE1B0-B6AB-4350-9FC6-856DD57E9562}" destId="{00416E62-FBAF-4AA7-AE51-74C6003471F9}" srcOrd="0" destOrd="0" presId="urn:microsoft.com/office/officeart/2005/8/layout/orgChart1"/>
+    <dgm:cxn modelId="{F95DC0C1-9339-4066-9285-8FF13264398D}" type="presOf" srcId="{D0D5EBBE-C984-451E-A77C-06635B96115A}" destId="{1E59B1F0-1959-43EF-B4BA-5DE950985F11}" srcOrd="1" destOrd="0" presId="urn:microsoft.com/office/officeart/2005/8/layout/orgChart1"/>
+    <dgm:cxn modelId="{19225BF9-14BF-4A05-BAF0-2E64D97CAC44}" type="presOf" srcId="{77057196-36D4-4297-8DBE-9DF4DC99769E}" destId="{87BE5EB3-DB60-4F74-8CAB-579081070155}" srcOrd="0" destOrd="0" presId="urn:microsoft.com/office/officeart/2005/8/layout/orgChart1"/>
     <dgm:cxn modelId="{40EC0804-C307-4224-887C-7B85E0BC7A88}" type="presOf" srcId="{9CF9D14A-D997-48A5-ACA0-BD0A85F323A1}" destId="{AB7ECE86-F423-469A-804C-9E0A6711CE75}" srcOrd="0" destOrd="0" presId="urn:microsoft.com/office/officeart/2005/8/layout/orgChart1"/>
+    <dgm:cxn modelId="{B4EA9C2D-7D0F-4B0E-80FC-F0DE89A8BEF8}" type="presOf" srcId="{D81EE60C-1689-4013-8B94-71E45948E61C}" destId="{FB0D67E1-4705-4C5A-A8BE-E373C4C7F8DC}" srcOrd="0" destOrd="0" presId="urn:microsoft.com/office/officeart/2005/8/layout/orgChart1"/>
     <dgm:cxn modelId="{BA7D9214-91C9-43C5-930D-8662E2D96E9F}" srcId="{D0D5EBBE-C984-451E-A77C-06635B96115A}" destId="{AF9FAEE0-D707-4D4A-BC4E-B00284790C09}" srcOrd="1" destOrd="0" parTransId="{DF2FF718-F2C1-46BD-B3D2-69C34DDD97AC}" sibTransId="{9F96BC34-2F99-4857-9537-755790E34536}"/>
-    <dgm:cxn modelId="{3F49F218-3AFF-4BEE-8EF8-270B7EC43323}" type="presOf" srcId="{32A588C2-228D-4B26-9C8B-90CDFD0FC08B}" destId="{6AB2AA11-CB4E-478D-B63B-A0BF5B893B44}" srcOrd="1" destOrd="0" presId="urn:microsoft.com/office/officeart/2005/8/layout/orgChart1"/>
-    <dgm:cxn modelId="{F198A21A-96EA-4C82-8C87-6F04C547BD34}" type="presOf" srcId="{C206CBEC-A310-48C5-A1E3-51069AAB7E06}" destId="{6BB70260-FBF6-4FD9-8B99-A7ECE1F53A39}" srcOrd="0" destOrd="0" presId="urn:microsoft.com/office/officeart/2005/8/layout/orgChart1"/>
-    <dgm:cxn modelId="{5BE6D81B-EDEC-41FC-9BAD-FD0335C8F068}" type="presOf" srcId="{2FF04469-EC18-4DEF-9211-026033421D7F}" destId="{98EBC135-7D61-4607-8673-88321824B19A}" srcOrd="1" destOrd="0" presId="urn:microsoft.com/office/officeart/2005/8/layout/orgChart1"/>
-    <dgm:cxn modelId="{CC89F41C-EC73-4164-B979-1E34F8EC7992}" type="presOf" srcId="{DEB3A288-72B2-4CE3-BA0E-2385DCEA1166}" destId="{D1586E0D-5339-4871-B373-DE07F6A4B31A}" srcOrd="1" destOrd="0" presId="urn:microsoft.com/office/officeart/2005/8/layout/orgChart1"/>
+    <dgm:cxn modelId="{C1915FD1-D65F-4FA9-AE30-83FC60FB964B}" type="presOf" srcId="{C5D14313-4718-4BA4-8034-5E4E2ACBCC70}" destId="{425B22CD-323F-4E0B-BEA0-EC7E00D9ABF2}" srcOrd="0" destOrd="0" presId="urn:microsoft.com/office/officeart/2005/8/layout/orgChart1"/>
+    <dgm:cxn modelId="{56EBC832-43D7-4C7F-AC45-6EAAD364E744}" type="presOf" srcId="{04B442D8-6F45-4C79-8A4C-6886FDE02F97}" destId="{DE72DF6E-144C-454B-9565-EC52D8FB4D37}" srcOrd="0" destOrd="0" presId="urn:microsoft.com/office/officeart/2005/8/layout/orgChart1"/>
     <dgm:cxn modelId="{979B3921-65D4-4C21-A108-2DBE1B0AAAE5}" srcId="{D0D5EBBE-C984-451E-A77C-06635B96115A}" destId="{6D859D06-D440-4495-BC38-4B0653417247}" srcOrd="0" destOrd="0" parTransId="{7ABF7F75-BA81-498E-8999-139ABA277B4F}" sibTransId="{F0F770A4-A5C9-424C-93C8-86B63DB8FE87}"/>
-    <dgm:cxn modelId="{7D433B21-19E9-4289-9578-6A1C2468181D}" type="presOf" srcId="{5A94BF89-F459-4076-B825-3EF69867B9E6}" destId="{A148AF3D-8225-4C90-9973-D39067016BF1}" srcOrd="0" destOrd="0" presId="urn:microsoft.com/office/officeart/2005/8/layout/orgChart1"/>
-    <dgm:cxn modelId="{59A13B2B-94E3-4E30-B1C8-D4C19B456A98}" type="presOf" srcId="{6BCCACC8-297A-434B-B4C0-CBF55E8A799D}" destId="{695C9D34-95FC-428F-873D-B6282BE96811}" srcOrd="1" destOrd="0" presId="urn:microsoft.com/office/officeart/2005/8/layout/orgChart1"/>
-    <dgm:cxn modelId="{2BA0192D-E091-446B-9562-8E04E2C7A7A9}" srcId="{EFF00522-C837-4800-9089-09C6786FA139}" destId="{6BCCACC8-297A-434B-B4C0-CBF55E8A799D}" srcOrd="4" destOrd="0" parTransId="{77057196-36D4-4297-8DBE-9DF4DC99769E}" sibTransId="{E17B637D-8F1E-4395-8504-5FF5013E668B}"/>
-    <dgm:cxn modelId="{B4EA9C2D-7D0F-4B0E-80FC-F0DE89A8BEF8}" type="presOf" srcId="{D81EE60C-1689-4013-8B94-71E45948E61C}" destId="{FB0D67E1-4705-4C5A-A8BE-E373C4C7F8DC}" srcOrd="0" destOrd="0" presId="urn:microsoft.com/office/officeart/2005/8/layout/orgChart1"/>
-    <dgm:cxn modelId="{55C3032E-C596-45B0-B0D9-B039ED4AB0B1}" type="presOf" srcId="{188D1000-0E2B-4CE9-B4EC-57DF98E5B370}" destId="{83BFE1B7-4CFE-4414-B2E2-2937D4F9C17F}" srcOrd="0" destOrd="0" presId="urn:microsoft.com/office/officeart/2005/8/layout/orgChart1"/>
-    <dgm:cxn modelId="{06FBE830-116F-4E6A-84F0-74346010D695}" type="presOf" srcId="{C5D14313-4718-4BA4-8034-5E4E2ACBCC70}" destId="{CFB84857-AF84-4F8B-907E-44B005282350}" srcOrd="1" destOrd="0" presId="urn:microsoft.com/office/officeart/2005/8/layout/orgChart1"/>
-    <dgm:cxn modelId="{56EBC832-43D7-4C7F-AC45-6EAAD364E744}" type="presOf" srcId="{04B442D8-6F45-4C79-8A4C-6886FDE02F97}" destId="{DE72DF6E-144C-454B-9565-EC52D8FB4D37}" srcOrd="0" destOrd="0" presId="urn:microsoft.com/office/officeart/2005/8/layout/orgChart1"/>
-    <dgm:cxn modelId="{32B18C39-6753-4BA1-AF98-111738B3CB5D}" type="presOf" srcId="{210B0EF3-C281-4060-A271-E34BD8547342}" destId="{F75D6229-E722-4C5A-8752-308DFF186597}" srcOrd="0" destOrd="0" presId="urn:microsoft.com/office/officeart/2005/8/layout/orgChart1"/>
-    <dgm:cxn modelId="{8A65483A-2A4E-4DBB-90B6-1A37CACF6180}" type="presOf" srcId="{AF9FAEE0-D707-4D4A-BC4E-B00284790C09}" destId="{AED2CD70-00FB-4D86-A988-A2B3331A944F}" srcOrd="0" destOrd="0" presId="urn:microsoft.com/office/officeart/2005/8/layout/orgChart1"/>
-    <dgm:cxn modelId="{C7117D46-60C1-4AC4-AC2C-CCA51D022C98}" srcId="{3E7D5DE8-38A7-4D01-B3B1-C41B904AFB24}" destId="{210B0EF3-C281-4060-A271-E34BD8547342}" srcOrd="5" destOrd="0" parTransId="{ADCBE1B0-B6AB-4350-9FC6-856DD57E9562}" sibTransId="{074E8F6B-D96B-4628-92A9-FFC917EF6C01}"/>
-    <dgm:cxn modelId="{B6F32367-D4A4-4501-A5C5-198502F93225}" type="presOf" srcId="{CFC8A77C-E037-4F39-89BC-7C46B2FFF6C3}" destId="{B512DCC2-F8AD-4A88-8224-BF794CC14E60}" srcOrd="0" destOrd="0" presId="urn:microsoft.com/office/officeart/2005/8/layout/orgChart1"/>
-    <dgm:cxn modelId="{76937E49-9A6C-4684-AE0E-E0846D99D250}" type="presOf" srcId="{3E7D5DE8-38A7-4D01-B3B1-C41B904AFB24}" destId="{D0C42A0A-227F-498C-9217-1F2A4E39F4AC}" srcOrd="0" destOrd="0" presId="urn:microsoft.com/office/officeart/2005/8/layout/orgChart1"/>
-    <dgm:cxn modelId="{1D58114B-9E7B-4EE9-9BBB-CA2BC1050428}" srcId="{EFF00522-C837-4800-9089-09C6786FA139}" destId="{D0D5EBBE-C984-451E-A77C-06635B96115A}" srcOrd="0" destOrd="0" parTransId="{2401EE30-6FB4-47FC-B5CB-44E93082BA16}" sibTransId="{4794836D-9F6B-4080-8E70-60D729F37A15}"/>
-    <dgm:cxn modelId="{F4B59A6E-7C30-4166-A4BE-C4CD1FDE9241}" type="presOf" srcId="{FEF5EF31-1DF3-4F02-8BF5-0FAA9FBF05DF}" destId="{29C82EC9-E8DF-43E5-AE26-7FE69F2FE8E3}" srcOrd="1" destOrd="0" presId="urn:microsoft.com/office/officeart/2005/8/layout/orgChart1"/>
-    <dgm:cxn modelId="{F7703852-4B24-419F-8990-8F4642258C5C}" type="presOf" srcId="{DEB3A288-72B2-4CE3-BA0E-2385DCEA1166}" destId="{3DCFB508-F20D-419B-97A2-A0EA8AAE62B8}" srcOrd="0" destOrd="0" presId="urn:microsoft.com/office/officeart/2005/8/layout/orgChart1"/>
-    <dgm:cxn modelId="{8C5C1055-60EE-417A-890C-9263B9B0293C}" type="presOf" srcId="{6BCCACC8-297A-434B-B4C0-CBF55E8A799D}" destId="{8659CC59-2E2C-408C-A138-42297FB1F7FC}" srcOrd="0" destOrd="0" presId="urn:microsoft.com/office/officeart/2005/8/layout/orgChart1"/>
-    <dgm:cxn modelId="{C4FB8056-6B24-43C9-A2FD-57AF1D92654B}" srcId="{3E7D5DE8-38A7-4D01-B3B1-C41B904AFB24}" destId="{9CF9D14A-D997-48A5-ACA0-BD0A85F323A1}" srcOrd="2" destOrd="0" parTransId="{D81EE60C-1689-4013-8B94-71E45948E61C}" sibTransId="{B3012D63-2D5D-41AB-A6CD-C3EA8612062C}"/>
-    <dgm:cxn modelId="{3F221A57-9855-4F10-8902-29815A14778C}" type="presOf" srcId="{32A588C2-228D-4B26-9C8B-90CDFD0FC08B}" destId="{9C5E7AE7-E733-492C-8D9D-2B4E12574136}" srcOrd="0" destOrd="0" presId="urn:microsoft.com/office/officeart/2005/8/layout/orgChart1"/>
-    <dgm:cxn modelId="{820DA17D-D3D3-44FA-8B6F-1B825415906F}" srcId="{3E7D5DE8-38A7-4D01-B3B1-C41B904AFB24}" destId="{FEF5EF31-1DF3-4F02-8BF5-0FAA9FBF05DF}" srcOrd="3" destOrd="0" parTransId="{C206CBEC-A310-48C5-A1E3-51069AAB7E06}" sibTransId="{33829A28-8B69-4310-A9EC-72FF2B43FA31}"/>
     <dgm:cxn modelId="{E75D4180-7278-49C5-A120-3150DE2407B2}" type="presOf" srcId="{1F891C72-4331-4225-9131-EE90A5156BCC}" destId="{075DE7FD-AB6D-45A1-88B5-F6DE55537A5C}" srcOrd="0" destOrd="0" presId="urn:microsoft.com/office/officeart/2005/8/layout/orgChart1"/>
-    <dgm:cxn modelId="{C7D94C82-881B-4380-9D07-44A662C49F66}" type="presOf" srcId="{FEF5EF31-1DF3-4F02-8BF5-0FAA9FBF05DF}" destId="{51735A62-65C8-4B72-BC21-EC0033831CB7}" srcOrd="0" destOrd="0" presId="urn:microsoft.com/office/officeart/2005/8/layout/orgChart1"/>
-    <dgm:cxn modelId="{8484E588-3BA2-4A2C-A856-2E9A20948E67}" type="presOf" srcId="{D0D5EBBE-C984-451E-A77C-06635B96115A}" destId="{BB899C3E-7977-48D2-838C-0A0A4E22407E}" srcOrd="0" destOrd="0" presId="urn:microsoft.com/office/officeart/2005/8/layout/orgChart1"/>
-    <dgm:cxn modelId="{88118B8A-E1E2-49A1-95D3-E9EE1A3BBE5B}" type="presOf" srcId="{DF2FF718-F2C1-46BD-B3D2-69C34DDD97AC}" destId="{F5935B02-3EAE-43D8-83D7-0568EA754FE3}" srcOrd="0" destOrd="0" presId="urn:microsoft.com/office/officeart/2005/8/layout/orgChart1"/>
-    <dgm:cxn modelId="{9DFF448E-6D0C-4B10-A4BB-C20607216AD2}" type="presOf" srcId="{210B0EF3-C281-4060-A271-E34BD8547342}" destId="{D84F31A6-8A16-490F-B798-6B1CCC52D4CD}" srcOrd="1" destOrd="0" presId="urn:microsoft.com/office/officeart/2005/8/layout/orgChart1"/>
-    <dgm:cxn modelId="{8965F592-C2EF-4A5E-AE72-E3D483E3AC4B}" type="presOf" srcId="{EFF00522-C837-4800-9089-09C6786FA139}" destId="{0A79929F-4539-4070-8896-388E4F787335}" srcOrd="0" destOrd="0" presId="urn:microsoft.com/office/officeart/2005/8/layout/orgChart1"/>
-    <dgm:cxn modelId="{C104F494-93EC-4C35-9277-88485A6C79D9}" type="presOf" srcId="{AE15057E-D275-4CBA-BBDA-7AFB5273F6D0}" destId="{A3C064E1-EB83-4A90-BC9B-363A4369B1D9}" srcOrd="0" destOrd="0" presId="urn:microsoft.com/office/officeart/2005/8/layout/orgChart1"/>
-    <dgm:cxn modelId="{1A5C9B95-6306-4971-AEB4-0FB6C60D1920}" type="presOf" srcId="{2401EE30-6FB4-47FC-B5CB-44E93082BA16}" destId="{C79737FA-DA68-4B50-9686-82FBED4993F4}" srcOrd="0" destOrd="0" presId="urn:microsoft.com/office/officeart/2005/8/layout/orgChart1"/>
-    <dgm:cxn modelId="{8C71F597-48DA-42F5-848B-45FBCBBE231C}" srcId="{EFF00522-C837-4800-9089-09C6786FA139}" destId="{DEB3A288-72B2-4CE3-BA0E-2385DCEA1166}" srcOrd="1" destOrd="0" parTransId="{AE15057E-D275-4CBA-BBDA-7AFB5273F6D0}" sibTransId="{A96C3356-79EF-46AD-95D3-4F7717D0E212}"/>
-    <dgm:cxn modelId="{7076539E-84DB-49E1-9601-83A88D214CF8}" srcId="{3E7D5DE8-38A7-4D01-B3B1-C41B904AFB24}" destId="{2FF04469-EC18-4DEF-9211-026033421D7F}" srcOrd="4" destOrd="0" parTransId="{AE6AB92A-B651-446C-B90D-191341024DCA}" sibTransId="{0637CF52-D892-464E-A103-0804641290C4}"/>
-    <dgm:cxn modelId="{3E0EE4A3-7C9D-4385-92CF-5CA9996AB16B}" type="presOf" srcId="{EFF00522-C837-4800-9089-09C6786FA139}" destId="{15AFF27B-B166-47F4-BEA3-A556EF84A1FE}" srcOrd="1" destOrd="0" presId="urn:microsoft.com/office/officeart/2005/8/layout/orgChart1"/>
-    <dgm:cxn modelId="{C36633A6-7AC8-43DF-9EBE-C46C838D14D6}" type="presOf" srcId="{3E7D5DE8-38A7-4D01-B3B1-C41B904AFB24}" destId="{D47F8C64-7351-47DD-ABB9-3A4D5CE04EBC}" srcOrd="1" destOrd="0" presId="urn:microsoft.com/office/officeart/2005/8/layout/orgChart1"/>
+    <dgm:cxn modelId="{D824B5F1-95EA-4412-A9BE-634ADCAA4D96}" type="presOf" srcId="{C4E9236B-D5FB-402F-9C08-8917C5806671}" destId="{426BD5C4-6298-4765-92B5-5BE6F449DD28}" srcOrd="0" destOrd="0" presId="urn:microsoft.com/office/officeart/2005/8/layout/orgChart1"/>
+    <dgm:cxn modelId="{261826DD-4928-4968-9EE8-8603A4DA75BB}" type="presOf" srcId="{CFC8A77C-E037-4F39-89BC-7C46B2FFF6C3}" destId="{C385DBD7-122C-4C76-95AA-F0EDDD576213}" srcOrd="1" destOrd="0" presId="urn:microsoft.com/office/officeart/2005/8/layout/orgChart1"/>
+    <dgm:cxn modelId="{50574EE2-B791-402B-8982-5F339D14BC2A}" srcId="{D0D5EBBE-C984-451E-A77C-06635B96115A}" destId="{32A588C2-228D-4B26-9C8B-90CDFD0FC08B}" srcOrd="2" destOrd="0" parTransId="{188D1000-0E2B-4CE9-B4EC-57DF98E5B370}" sibTransId="{14B0CDC8-4FDC-419A-B7CE-8BD710F85676}"/>
+    <dgm:cxn modelId="{70CBB2C2-0071-4329-9A38-8AD1E841005D}" srcId="{EFF00522-C837-4800-9089-09C6786FA139}" destId="{CFC8A77C-E037-4F39-89BC-7C46B2FFF6C3}" srcOrd="3" destOrd="0" parTransId="{06A4DF89-C148-4CB0-BC1C-719E15C3A380}" sibTransId="{B9E8B3FB-6336-44A0-BB31-6CF9D499134C}"/>
     <dgm:cxn modelId="{2BC993A7-1946-496C-9CFE-5831CDB00FFF}" type="presOf" srcId="{7ABF7F75-BA81-498E-8999-139ABA277B4F}" destId="{BCCB5965-B0E0-45CC-8894-BE1731CC57E2}" srcOrd="0" destOrd="0" presId="urn:microsoft.com/office/officeart/2005/8/layout/orgChart1"/>
-    <dgm:cxn modelId="{67885BAF-5B75-407B-91B2-6F979038E946}" srcId="{F37AA981-A9B4-415F-ADC1-A456EE833205}" destId="{EFF00522-C837-4800-9089-09C6786FA139}" srcOrd="0" destOrd="0" parTransId="{DD3937CD-E1A8-4E5B-BD09-EABAA399CC23}" sibTransId="{719267CB-9490-458C-9394-D74AD204BE1B}"/>
     <dgm:cxn modelId="{8C1C42B2-A065-4216-83CB-1050788129D9}" srcId="{EFF00522-C837-4800-9089-09C6786FA139}" destId="{3E7D5DE8-38A7-4D01-B3B1-C41B904AFB24}" srcOrd="2" destOrd="0" parTransId="{1F891C72-4331-4225-9131-EE90A5156BCC}" sibTransId="{2D617AC4-6E9C-47A6-BFAC-93EC82C86111}"/>
     <dgm:cxn modelId="{12AA3CBF-1033-48B0-A6F8-A20337FED22A}" srcId="{3E7D5DE8-38A7-4D01-B3B1-C41B904AFB24}" destId="{C5D14313-4718-4BA4-8034-5E4E2ACBCC70}" srcOrd="1" destOrd="0" parTransId="{04B442D8-6F45-4C79-8A4C-6886FDE02F97}" sibTransId="{EA84DB9B-3D31-4D9E-BF2F-E46226EA56AE}"/>
-    <dgm:cxn modelId="{F95DC0C1-9339-4066-9285-8FF13264398D}" type="presOf" srcId="{D0D5EBBE-C984-451E-A77C-06635B96115A}" destId="{1E59B1F0-1959-43EF-B4BA-5DE950985F11}" srcOrd="1" destOrd="0" presId="urn:microsoft.com/office/officeart/2005/8/layout/orgChart1"/>
-    <dgm:cxn modelId="{70CBB2C2-0071-4329-9A38-8AD1E841005D}" srcId="{EFF00522-C837-4800-9089-09C6786FA139}" destId="{CFC8A77C-E037-4F39-89BC-7C46B2FFF6C3}" srcOrd="3" destOrd="0" parTransId="{06A4DF89-C148-4CB0-BC1C-719E15C3A380}" sibTransId="{B9E8B3FB-6336-44A0-BB31-6CF9D499134C}"/>
-    <dgm:cxn modelId="{412E2FC4-ADBF-4534-B2F3-8F5B88C8016F}" type="presOf" srcId="{6D859D06-D440-4495-BC38-4B0653417247}" destId="{257BA37D-C7F9-4FC4-8625-2A044432F45E}" srcOrd="1" destOrd="0" presId="urn:microsoft.com/office/officeart/2005/8/layout/orgChart1"/>
-    <dgm:cxn modelId="{64B522C9-1881-4836-B21D-A269398ED4E7}" type="presOf" srcId="{06A4DF89-C148-4CB0-BC1C-719E15C3A380}" destId="{1FD30025-BE06-4C8D-8024-6353A3A86C64}" srcOrd="0" destOrd="0" presId="urn:microsoft.com/office/officeart/2005/8/layout/orgChart1"/>
-    <dgm:cxn modelId="{97B2F3CE-CC70-404B-8D86-D5992F7D55A1}" type="presOf" srcId="{9CF9D14A-D997-48A5-ACA0-BD0A85F323A1}" destId="{37F9F289-47AC-4257-A31F-E2E8F2183DC3}" srcOrd="1" destOrd="0" presId="urn:microsoft.com/office/officeart/2005/8/layout/orgChart1"/>
+    <dgm:cxn modelId="{820DA17D-D3D3-44FA-8B6F-1B825415906F}" srcId="{3E7D5DE8-38A7-4D01-B3B1-C41B904AFB24}" destId="{FEF5EF31-1DF3-4F02-8BF5-0FAA9FBF05DF}" srcOrd="3" destOrd="0" parTransId="{C206CBEC-A310-48C5-A1E3-51069AAB7E06}" sibTransId="{33829A28-8B69-4310-A9EC-72FF2B43FA31}"/>
     <dgm:cxn modelId="{DDBD15D0-17BD-4B24-A9AF-029F00981379}" type="presOf" srcId="{AE6AB92A-B651-446C-B90D-191341024DCA}" destId="{1BF37D4C-6B8D-491C-BFA6-EF055187F912}" srcOrd="0" destOrd="0" presId="urn:microsoft.com/office/officeart/2005/8/layout/orgChart1"/>
-    <dgm:cxn modelId="{C1915FD1-D65F-4FA9-AE30-83FC60FB964B}" type="presOf" srcId="{C5D14313-4718-4BA4-8034-5E4E2ACBCC70}" destId="{425B22CD-323F-4E0B-BEA0-EC7E00D9ABF2}" srcOrd="0" destOrd="0" presId="urn:microsoft.com/office/officeart/2005/8/layout/orgChart1"/>
+    <dgm:cxn modelId="{59A13B2B-94E3-4E30-B1C8-D4C19B456A98}" type="presOf" srcId="{6BCCACC8-297A-434B-B4C0-CBF55E8A799D}" destId="{695C9D34-95FC-428F-873D-B6282BE96811}" srcOrd="1" destOrd="0" presId="urn:microsoft.com/office/officeart/2005/8/layout/orgChart1"/>
+    <dgm:cxn modelId="{C104F494-93EC-4C35-9277-88485A6C79D9}" type="presOf" srcId="{AE15057E-D275-4CBA-BBDA-7AFB5273F6D0}" destId="{A3C064E1-EB83-4A90-BC9B-363A4369B1D9}" srcOrd="0" destOrd="0" presId="urn:microsoft.com/office/officeart/2005/8/layout/orgChart1"/>
     <dgm:cxn modelId="{08BF06D3-E920-4C30-A863-1EBFD092C556}" type="presOf" srcId="{6D859D06-D440-4495-BC38-4B0653417247}" destId="{5BD05F6E-C87D-423B-8545-489C3582E9A5}" srcOrd="0" destOrd="0" presId="urn:microsoft.com/office/officeart/2005/8/layout/orgChart1"/>
-    <dgm:cxn modelId="{2B7E8BD5-A4C9-447A-8E7F-F81E3739DF41}" type="presOf" srcId="{ADCBE1B0-B6AB-4350-9FC6-856DD57E9562}" destId="{00416E62-FBAF-4AA7-AE51-74C6003471F9}" srcOrd="0" destOrd="0" presId="urn:microsoft.com/office/officeart/2005/8/layout/orgChart1"/>
+    <dgm:cxn modelId="{2BA0192D-E091-446B-9562-8E04E2C7A7A9}" srcId="{EFF00522-C837-4800-9089-09C6786FA139}" destId="{6BCCACC8-297A-434B-B4C0-CBF55E8A799D}" srcOrd="4" destOrd="0" parTransId="{77057196-36D4-4297-8DBE-9DF4DC99769E}" sibTransId="{E17B637D-8F1E-4395-8504-5FF5013E668B}"/>
+    <dgm:cxn modelId="{76937E49-9A6C-4684-AE0E-E0846D99D250}" type="presOf" srcId="{3E7D5DE8-38A7-4D01-B3B1-C41B904AFB24}" destId="{D0C42A0A-227F-498C-9217-1F2A4E39F4AC}" srcOrd="0" destOrd="0" presId="urn:microsoft.com/office/officeart/2005/8/layout/orgChart1"/>
     <dgm:cxn modelId="{6751E3DB-7D1C-4DFF-A50D-2E4D2AA1C036}" type="presOf" srcId="{F37AA981-A9B4-415F-ADC1-A456EE833205}" destId="{E4B09FCC-EACC-4121-8E6E-BD64FF803B59}" srcOrd="0" destOrd="0" presId="urn:microsoft.com/office/officeart/2005/8/layout/orgChart1"/>
-    <dgm:cxn modelId="{261826DD-4928-4968-9EE8-8603A4DA75BB}" type="presOf" srcId="{CFC8A77C-E037-4F39-89BC-7C46B2FFF6C3}" destId="{C385DBD7-122C-4C76-95AA-F0EDDD576213}" srcOrd="1" destOrd="0" presId="urn:microsoft.com/office/officeart/2005/8/layout/orgChart1"/>
-    <dgm:cxn modelId="{026BB8DD-D4DF-4C7C-AABD-8C8B76A5849F}" type="presOf" srcId="{AF9FAEE0-D707-4D4A-BC4E-B00284790C09}" destId="{7A248573-B914-4159-ACEE-81EFF21A290C}" srcOrd="1" destOrd="0" presId="urn:microsoft.com/office/officeart/2005/8/layout/orgChart1"/>
-    <dgm:cxn modelId="{AB73DCE0-4F8F-4E33-A446-8B950BE7F085}" type="presOf" srcId="{2FF04469-EC18-4DEF-9211-026033421D7F}" destId="{BCC10AE4-DC99-4EA0-B027-3C11C8AFFA0B}" srcOrd="0" destOrd="0" presId="urn:microsoft.com/office/officeart/2005/8/layout/orgChart1"/>
-    <dgm:cxn modelId="{50574EE2-B791-402B-8982-5F339D14BC2A}" srcId="{D0D5EBBE-C984-451E-A77C-06635B96115A}" destId="{32A588C2-228D-4B26-9C8B-90CDFD0FC08B}" srcOrd="2" destOrd="0" parTransId="{188D1000-0E2B-4CE9-B4EC-57DF98E5B370}" sibTransId="{14B0CDC8-4FDC-419A-B7CE-8BD710F85676}"/>
+    <dgm:cxn modelId="{1A5C9B95-6306-4971-AEB4-0FB6C60D1920}" type="presOf" srcId="{2401EE30-6FB4-47FC-B5CB-44E93082BA16}" destId="{C79737FA-DA68-4B50-9686-82FBED4993F4}" srcOrd="0" destOrd="0" presId="urn:microsoft.com/office/officeart/2005/8/layout/orgChart1"/>
+    <dgm:cxn modelId="{C7D94C82-881B-4380-9D07-44A662C49F66}" type="presOf" srcId="{FEF5EF31-1DF3-4F02-8BF5-0FAA9FBF05DF}" destId="{51735A62-65C8-4B72-BC21-EC0033831CB7}" srcOrd="0" destOrd="0" presId="urn:microsoft.com/office/officeart/2005/8/layout/orgChart1"/>
+    <dgm:cxn modelId="{55C3032E-C596-45B0-B0D9-B039ED4AB0B1}" type="presOf" srcId="{188D1000-0E2B-4CE9-B4EC-57DF98E5B370}" destId="{83BFE1B7-4CFE-4414-B2E2-2937D4F9C17F}" srcOrd="0" destOrd="0" presId="urn:microsoft.com/office/officeart/2005/8/layout/orgChart1"/>
+    <dgm:cxn modelId="{3F221A57-9855-4F10-8902-29815A14778C}" type="presOf" srcId="{32A588C2-228D-4B26-9C8B-90CDFD0FC08B}" destId="{9C5E7AE7-E733-492C-8D9D-2B4E12574136}" srcOrd="0" destOrd="0" presId="urn:microsoft.com/office/officeart/2005/8/layout/orgChart1"/>
     <dgm:cxn modelId="{51974BE8-A9E3-4045-8AC0-2BF146D01122}" srcId="{3E7D5DE8-38A7-4D01-B3B1-C41B904AFB24}" destId="{C4E9236B-D5FB-402F-9C08-8917C5806671}" srcOrd="0" destOrd="0" parTransId="{5A94BF89-F459-4076-B825-3EF69867B9E6}" sibTransId="{62DD2125-1C44-478F-B22F-2BED96167201}"/>
-    <dgm:cxn modelId="{D824B5F1-95EA-4412-A9BE-634ADCAA4D96}" type="presOf" srcId="{C4E9236B-D5FB-402F-9C08-8917C5806671}" destId="{426BD5C4-6298-4765-92B5-5BE6F449DD28}" srcOrd="0" destOrd="0" presId="urn:microsoft.com/office/officeart/2005/8/layout/orgChart1"/>
-    <dgm:cxn modelId="{19225BF9-14BF-4A05-BAF0-2E64D97CAC44}" type="presOf" srcId="{77057196-36D4-4297-8DBE-9DF4DC99769E}" destId="{87BE5EB3-DB60-4F74-8CAB-579081070155}" srcOrd="0" destOrd="0" presId="urn:microsoft.com/office/officeart/2005/8/layout/orgChart1"/>
-    <dgm:cxn modelId="{297E5AFB-69FF-482E-883D-EAFA86EB866E}" type="presOf" srcId="{C4E9236B-D5FB-402F-9C08-8917C5806671}" destId="{1A4D12E3-2EEF-4745-BCD2-3B9AFD0CBE3F}" srcOrd="1" destOrd="0" presId="urn:microsoft.com/office/officeart/2005/8/layout/orgChart1"/>
+    <dgm:cxn modelId="{9DFF448E-6D0C-4B10-A4BB-C20607216AD2}" type="presOf" srcId="{210B0EF3-C281-4060-A271-E34BD8547342}" destId="{D84F31A6-8A16-490F-B798-6B1CCC52D4CD}" srcOrd="1" destOrd="0" presId="urn:microsoft.com/office/officeart/2005/8/layout/orgChart1"/>
+    <dgm:cxn modelId="{88118B8A-E1E2-49A1-95D3-E9EE1A3BBE5B}" type="presOf" srcId="{DF2FF718-F2C1-46BD-B3D2-69C34DDD97AC}" destId="{F5935B02-3EAE-43D8-83D7-0568EA754FE3}" srcOrd="0" destOrd="0" presId="urn:microsoft.com/office/officeart/2005/8/layout/orgChart1"/>
+    <dgm:cxn modelId="{C4FB8056-6B24-43C9-A2FD-57AF1D92654B}" srcId="{3E7D5DE8-38A7-4D01-B3B1-C41B904AFB24}" destId="{9CF9D14A-D997-48A5-ACA0-BD0A85F323A1}" srcOrd="2" destOrd="0" parTransId="{D81EE60C-1689-4013-8B94-71E45948E61C}" sibTransId="{B3012D63-2D5D-41AB-A6CD-C3EA8612062C}"/>
+    <dgm:cxn modelId="{32B18C39-6753-4BA1-AF98-111738B3CB5D}" type="presOf" srcId="{210B0EF3-C281-4060-A271-E34BD8547342}" destId="{F75D6229-E722-4C5A-8752-308DFF186597}" srcOrd="0" destOrd="0" presId="urn:microsoft.com/office/officeart/2005/8/layout/orgChart1"/>
     <dgm:cxn modelId="{007B4A0A-0E4B-42BD-905B-BDF6999023BA}" type="presParOf" srcId="{E4B09FCC-EACC-4121-8E6E-BD64FF803B59}" destId="{C7C3974A-1DF5-4BF7-A22B-7D65EF9D0681}" srcOrd="0" destOrd="0" presId="urn:microsoft.com/office/officeart/2005/8/layout/orgChart1"/>
     <dgm:cxn modelId="{0B8B6F9D-EC93-49D1-AB15-6F71BC6FE182}" type="presParOf" srcId="{C7C3974A-1DF5-4BF7-A22B-7D65EF9D0681}" destId="{D00FF694-389D-4CD3-B5E2-0572615B4DE4}" srcOrd="0" destOrd="0" presId="urn:microsoft.com/office/officeart/2005/8/layout/orgChart1"/>
     <dgm:cxn modelId="{5FC40C6D-C971-40B3-8425-E45FAA9959E4}" type="presParOf" srcId="{D00FF694-389D-4CD3-B5E2-0572615B4DE4}" destId="{0A79929F-4539-4070-8896-388E4F787335}" srcOrd="0" destOrd="0" presId="urn:microsoft.com/office/officeart/2005/8/layout/orgChart1"/>
@@ -3666,980 +4135,6 @@
       <dsp:cNvGrpSpPr/>
     </dsp:nvGrpSpPr>
     <dsp:grpSpPr/>
-    <dsp:sp modelId="{F67550F7-432C-48D7-8A48-619DCE27301E}">
-      <dsp:nvSpPr>
-        <dsp:cNvPr id="0" name=""/>
-        <dsp:cNvSpPr/>
-      </dsp:nvSpPr>
-      <dsp:spPr>
-        <a:xfrm>
-          <a:off x="4494793" y="1982648"/>
-          <a:ext cx="3774634" cy="244824"/>
-        </a:xfrm>
-        <a:custGeom>
-          <a:avLst/>
-          <a:gdLst/>
-          <a:ahLst/>
-          <a:cxnLst/>
-          <a:rect l="0" t="0" r="0" b="0"/>
-          <a:pathLst>
-            <a:path>
-              <a:moveTo>
-                <a:pt x="0" y="0"/>
-              </a:moveTo>
-              <a:lnTo>
-                <a:pt x="0" y="112305"/>
-              </a:lnTo>
-              <a:lnTo>
-                <a:pt x="3774634" y="112305"/>
-              </a:lnTo>
-              <a:lnTo>
-                <a:pt x="3774634" y="244824"/>
-              </a:lnTo>
-            </a:path>
-          </a:pathLst>
-        </a:custGeom>
-        <a:noFill/>
-        <a:ln w="12700" cap="flat" cmpd="sng" algn="ctr">
-          <a:solidFill>
-            <a:schemeClr val="accent1">
-              <a:shade val="60000"/>
-              <a:hueOff val="0"/>
-              <a:satOff val="0"/>
-              <a:lumOff val="0"/>
-              <a:alphaOff val="0"/>
-            </a:schemeClr>
-          </a:solidFill>
-          <a:prstDash val="solid"/>
-          <a:miter lim="800000"/>
-        </a:ln>
-        <a:effectLst/>
-      </dsp:spPr>
-      <dsp:style>
-        <a:lnRef idx="2">
-          <a:scrgbClr r="0" g="0" b="0"/>
-        </a:lnRef>
-        <a:fillRef idx="0">
-          <a:scrgbClr r="0" g="0" b="0"/>
-        </a:fillRef>
-        <a:effectRef idx="0">
-          <a:scrgbClr r="0" g="0" b="0"/>
-        </a:effectRef>
-        <a:fontRef idx="minor"/>
-      </dsp:style>
-    </dsp:sp>
-    <dsp:sp modelId="{87BE5EB3-DB60-4F74-8CAB-579081070155}">
-      <dsp:nvSpPr>
-        <dsp:cNvPr id="0" name=""/>
-        <dsp:cNvSpPr/>
-      </dsp:nvSpPr>
-      <dsp:spPr>
-        <a:xfrm>
-          <a:off x="4494793" y="1982648"/>
-          <a:ext cx="2247520" cy="244824"/>
-        </a:xfrm>
-        <a:custGeom>
-          <a:avLst/>
-          <a:gdLst/>
-          <a:ahLst/>
-          <a:cxnLst/>
-          <a:rect l="0" t="0" r="0" b="0"/>
-          <a:pathLst>
-            <a:path>
-              <a:moveTo>
-                <a:pt x="0" y="0"/>
-              </a:moveTo>
-              <a:lnTo>
-                <a:pt x="0" y="112305"/>
-              </a:lnTo>
-              <a:lnTo>
-                <a:pt x="2247520" y="112305"/>
-              </a:lnTo>
-              <a:lnTo>
-                <a:pt x="2247520" y="244824"/>
-              </a:lnTo>
-            </a:path>
-          </a:pathLst>
-        </a:custGeom>
-        <a:noFill/>
-        <a:ln w="12700" cap="flat" cmpd="sng" algn="ctr">
-          <a:solidFill>
-            <a:schemeClr val="accent1">
-              <a:shade val="60000"/>
-              <a:hueOff val="0"/>
-              <a:satOff val="0"/>
-              <a:lumOff val="0"/>
-              <a:alphaOff val="0"/>
-            </a:schemeClr>
-          </a:solidFill>
-          <a:prstDash val="solid"/>
-          <a:miter lim="800000"/>
-        </a:ln>
-        <a:effectLst/>
-      </dsp:spPr>
-      <dsp:style>
-        <a:lnRef idx="2">
-          <a:scrgbClr r="0" g="0" b="0"/>
-        </a:lnRef>
-        <a:fillRef idx="0">
-          <a:scrgbClr r="0" g="0" b="0"/>
-        </a:fillRef>
-        <a:effectRef idx="0">
-          <a:scrgbClr r="0" g="0" b="0"/>
-        </a:effectRef>
-        <a:fontRef idx="minor"/>
-      </dsp:style>
-    </dsp:sp>
-    <dsp:sp modelId="{1FD30025-BE06-4C8D-8024-6353A3A86C64}">
-      <dsp:nvSpPr>
-        <dsp:cNvPr id="0" name=""/>
-        <dsp:cNvSpPr/>
-      </dsp:nvSpPr>
-      <dsp:spPr>
-        <a:xfrm>
-          <a:off x="4494793" y="1982648"/>
-          <a:ext cx="720406" cy="244824"/>
-        </a:xfrm>
-        <a:custGeom>
-          <a:avLst/>
-          <a:gdLst/>
-          <a:ahLst/>
-          <a:cxnLst/>
-          <a:rect l="0" t="0" r="0" b="0"/>
-          <a:pathLst>
-            <a:path>
-              <a:moveTo>
-                <a:pt x="0" y="0"/>
-              </a:moveTo>
-              <a:lnTo>
-                <a:pt x="0" y="112305"/>
-              </a:lnTo>
-              <a:lnTo>
-                <a:pt x="720406" y="112305"/>
-              </a:lnTo>
-              <a:lnTo>
-                <a:pt x="720406" y="244824"/>
-              </a:lnTo>
-            </a:path>
-          </a:pathLst>
-        </a:custGeom>
-        <a:noFill/>
-        <a:ln w="12700" cap="flat" cmpd="sng" algn="ctr">
-          <a:solidFill>
-            <a:schemeClr val="accent1">
-              <a:shade val="60000"/>
-              <a:hueOff val="0"/>
-              <a:satOff val="0"/>
-              <a:lumOff val="0"/>
-              <a:alphaOff val="0"/>
-            </a:schemeClr>
-          </a:solidFill>
-          <a:prstDash val="solid"/>
-          <a:miter lim="800000"/>
-        </a:ln>
-        <a:effectLst/>
-      </dsp:spPr>
-      <dsp:style>
-        <a:lnRef idx="2">
-          <a:scrgbClr r="0" g="0" b="0"/>
-        </a:lnRef>
-        <a:fillRef idx="0">
-          <a:scrgbClr r="0" g="0" b="0"/>
-        </a:fillRef>
-        <a:effectRef idx="0">
-          <a:scrgbClr r="0" g="0" b="0"/>
-        </a:effectRef>
-        <a:fontRef idx="minor"/>
-      </dsp:style>
-    </dsp:sp>
-    <dsp:sp modelId="{075DE7FD-AB6D-45A1-88B5-F6DE55537A5C}">
-      <dsp:nvSpPr>
-        <dsp:cNvPr id="0" name=""/>
-        <dsp:cNvSpPr/>
-      </dsp:nvSpPr>
-      <dsp:spPr>
-        <a:xfrm>
-          <a:off x="3688085" y="1982648"/>
-          <a:ext cx="806707" cy="244824"/>
-        </a:xfrm>
-        <a:custGeom>
-          <a:avLst/>
-          <a:gdLst/>
-          <a:ahLst/>
-          <a:cxnLst/>
-          <a:rect l="0" t="0" r="0" b="0"/>
-          <a:pathLst>
-            <a:path>
-              <a:moveTo>
-                <a:pt x="806707" y="0"/>
-              </a:moveTo>
-              <a:lnTo>
-                <a:pt x="806707" y="112305"/>
-              </a:lnTo>
-              <a:lnTo>
-                <a:pt x="0" y="112305"/>
-              </a:lnTo>
-              <a:lnTo>
-                <a:pt x="0" y="244824"/>
-              </a:lnTo>
-            </a:path>
-          </a:pathLst>
-        </a:custGeom>
-        <a:noFill/>
-        <a:ln w="12700" cap="flat" cmpd="sng" algn="ctr">
-          <a:solidFill>
-            <a:schemeClr val="accent1">
-              <a:shade val="60000"/>
-              <a:hueOff val="0"/>
-              <a:satOff val="0"/>
-              <a:lumOff val="0"/>
-              <a:alphaOff val="0"/>
-            </a:schemeClr>
-          </a:solidFill>
-          <a:prstDash val="solid"/>
-          <a:miter lim="800000"/>
-        </a:ln>
-        <a:effectLst/>
-      </dsp:spPr>
-      <dsp:style>
-        <a:lnRef idx="2">
-          <a:scrgbClr r="0" g="0" b="0"/>
-        </a:lnRef>
-        <a:fillRef idx="0">
-          <a:scrgbClr r="0" g="0" b="0"/>
-        </a:fillRef>
-        <a:effectRef idx="0">
-          <a:scrgbClr r="0" g="0" b="0"/>
-        </a:effectRef>
-        <a:fontRef idx="minor"/>
-      </dsp:style>
-    </dsp:sp>
-    <dsp:sp modelId="{A3C064E1-EB83-4A90-BC9B-363A4369B1D9}">
-      <dsp:nvSpPr>
-        <dsp:cNvPr id="0" name=""/>
-        <dsp:cNvSpPr/>
-      </dsp:nvSpPr>
-      <dsp:spPr>
-        <a:xfrm>
-          <a:off x="2160971" y="1982648"/>
-          <a:ext cx="2333821" cy="244824"/>
-        </a:xfrm>
-        <a:custGeom>
-          <a:avLst/>
-          <a:gdLst/>
-          <a:ahLst/>
-          <a:cxnLst/>
-          <a:rect l="0" t="0" r="0" b="0"/>
-          <a:pathLst>
-            <a:path>
-              <a:moveTo>
-                <a:pt x="2333821" y="0"/>
-              </a:moveTo>
-              <a:lnTo>
-                <a:pt x="2333821" y="112305"/>
-              </a:lnTo>
-              <a:lnTo>
-                <a:pt x="0" y="112305"/>
-              </a:lnTo>
-              <a:lnTo>
-                <a:pt x="0" y="244824"/>
-              </a:lnTo>
-            </a:path>
-          </a:pathLst>
-        </a:custGeom>
-        <a:noFill/>
-        <a:ln w="12700" cap="flat" cmpd="sng" algn="ctr">
-          <a:solidFill>
-            <a:schemeClr val="accent1">
-              <a:shade val="60000"/>
-              <a:hueOff val="0"/>
-              <a:satOff val="0"/>
-              <a:lumOff val="0"/>
-              <a:alphaOff val="0"/>
-            </a:schemeClr>
-          </a:solidFill>
-          <a:prstDash val="solid"/>
-          <a:miter lim="800000"/>
-        </a:ln>
-        <a:effectLst/>
-      </dsp:spPr>
-      <dsp:style>
-        <a:lnRef idx="2">
-          <a:scrgbClr r="0" g="0" b="0"/>
-        </a:lnRef>
-        <a:fillRef idx="0">
-          <a:scrgbClr r="0" g="0" b="0"/>
-        </a:fillRef>
-        <a:effectRef idx="0">
-          <a:scrgbClr r="0" g="0" b="0"/>
-        </a:effectRef>
-        <a:fontRef idx="minor"/>
-      </dsp:style>
-    </dsp:sp>
-    <dsp:sp modelId="{C79737FA-DA68-4B50-9686-82FBED4993F4}">
-      <dsp:nvSpPr>
-        <dsp:cNvPr id="0" name=""/>
-        <dsp:cNvSpPr/>
-      </dsp:nvSpPr>
-      <dsp:spPr>
-        <a:xfrm>
-          <a:off x="633857" y="1982648"/>
-          <a:ext cx="3860935" cy="244824"/>
-        </a:xfrm>
-        <a:custGeom>
-          <a:avLst/>
-          <a:gdLst/>
-          <a:ahLst/>
-          <a:cxnLst/>
-          <a:rect l="0" t="0" r="0" b="0"/>
-          <a:pathLst>
-            <a:path>
-              <a:moveTo>
-                <a:pt x="3860935" y="0"/>
-              </a:moveTo>
-              <a:lnTo>
-                <a:pt x="3860935" y="112305"/>
-              </a:lnTo>
-              <a:lnTo>
-                <a:pt x="0" y="112305"/>
-              </a:lnTo>
-              <a:lnTo>
-                <a:pt x="0" y="244824"/>
-              </a:lnTo>
-            </a:path>
-          </a:pathLst>
-        </a:custGeom>
-        <a:noFill/>
-        <a:ln w="12700" cap="flat" cmpd="sng" algn="ctr">
-          <a:solidFill>
-            <a:schemeClr val="accent1">
-              <a:shade val="60000"/>
-              <a:hueOff val="0"/>
-              <a:satOff val="0"/>
-              <a:lumOff val="0"/>
-              <a:alphaOff val="0"/>
-            </a:schemeClr>
-          </a:solidFill>
-          <a:prstDash val="solid"/>
-          <a:miter lim="800000"/>
-        </a:ln>
-        <a:effectLst/>
-      </dsp:spPr>
-      <dsp:style>
-        <a:lnRef idx="2">
-          <a:scrgbClr r="0" g="0" b="0"/>
-        </a:lnRef>
-        <a:fillRef idx="0">
-          <a:scrgbClr r="0" g="0" b="0"/>
-        </a:fillRef>
-        <a:effectRef idx="0">
-          <a:scrgbClr r="0" g="0" b="0"/>
-        </a:effectRef>
-        <a:fontRef idx="minor"/>
-      </dsp:style>
-    </dsp:sp>
-    <dsp:sp modelId="{0A79929F-4539-4070-8896-388E4F787335}">
-      <dsp:nvSpPr>
-        <dsp:cNvPr id="0" name=""/>
-        <dsp:cNvSpPr/>
-      </dsp:nvSpPr>
-      <dsp:spPr>
-        <a:xfrm>
-          <a:off x="3863754" y="1351609"/>
-          <a:ext cx="1262077" cy="631038"/>
-        </a:xfrm>
-        <a:prstGeom prst="rect">
-          <a:avLst/>
-        </a:prstGeom>
-        <a:solidFill>
-          <a:schemeClr val="accent1">
-            <a:hueOff val="0"/>
-            <a:satOff val="0"/>
-            <a:lumOff val="0"/>
-            <a:alphaOff val="0"/>
-          </a:schemeClr>
-        </a:solidFill>
-        <a:ln w="12700" cap="flat" cmpd="sng" algn="ctr">
-          <a:solidFill>
-            <a:schemeClr val="lt1">
-              <a:hueOff val="0"/>
-              <a:satOff val="0"/>
-              <a:lumOff val="0"/>
-              <a:alphaOff val="0"/>
-            </a:schemeClr>
-          </a:solidFill>
-          <a:prstDash val="solid"/>
-          <a:miter lim="800000"/>
-        </a:ln>
-        <a:effectLst/>
-      </dsp:spPr>
-      <dsp:style>
-        <a:lnRef idx="2">
-          <a:scrgbClr r="0" g="0" b="0"/>
-        </a:lnRef>
-        <a:fillRef idx="1">
-          <a:scrgbClr r="0" g="0" b="0"/>
-        </a:fillRef>
-        <a:effectRef idx="0">
-          <a:scrgbClr r="0" g="0" b="0"/>
-        </a:effectRef>
-        <a:fontRef idx="minor">
-          <a:schemeClr val="lt1"/>
-        </a:fontRef>
-      </dsp:style>
-      <dsp:txBody>
-        <a:bodyPr spcFirstLastPara="0" vert="horz" wrap="square" lIns="12700" tIns="12700" rIns="12700" bIns="12700" numCol="1" spcCol="1270" anchor="ctr" anchorCtr="0">
-          <a:noAutofit/>
-        </a:bodyPr>
-        <a:lstStyle/>
-        <a:p>
-          <a:pPr marL="0" lvl="0" indent="0" algn="ctr" defTabSz="889000">
-            <a:lnSpc>
-              <a:spcPct val="90000"/>
-            </a:lnSpc>
-            <a:spcBef>
-              <a:spcPct val="0"/>
-            </a:spcBef>
-            <a:spcAft>
-              <a:spcPct val="35000"/>
-            </a:spcAft>
-            <a:buNone/>
-          </a:pPr>
-          <a:r>
-            <a:rPr lang="en-GB" sz="2000" kern="1200" dirty="0" err="1">
-              <a:latin typeface="Arial" panose="020B0604020202020204" pitchFamily="34" charset="0"/>
-              <a:cs typeface="Arial" panose="020B0604020202020204" pitchFamily="34" charset="0"/>
-            </a:rPr>
-            <a:t>Eventos</a:t>
-          </a:r>
-          <a:r>
-            <a:rPr lang="en-GB" sz="2000" kern="1200" dirty="0">
-              <a:latin typeface="Arial" panose="020B0604020202020204" pitchFamily="34" charset="0"/>
-              <a:cs typeface="Arial" panose="020B0604020202020204" pitchFamily="34" charset="0"/>
-            </a:rPr>
-            <a:t> </a:t>
-          </a:r>
-          <a:r>
-            <a:rPr lang="en-GB" sz="2000" kern="1200" dirty="0" err="1">
-              <a:latin typeface="Arial" panose="020B0604020202020204" pitchFamily="34" charset="0"/>
-              <a:cs typeface="Arial" panose="020B0604020202020204" pitchFamily="34" charset="0"/>
-            </a:rPr>
-            <a:t>Covilhã</a:t>
-          </a:r>
-          <a:endParaRPr lang="en-GB" sz="2000" kern="1200" dirty="0">
-            <a:latin typeface="Arial" panose="020B0604020202020204" pitchFamily="34" charset="0"/>
-            <a:cs typeface="Arial" panose="020B0604020202020204" pitchFamily="34" charset="0"/>
-          </a:endParaRPr>
-        </a:p>
-      </dsp:txBody>
-      <dsp:txXfrm>
-        <a:off x="3863754" y="1351609"/>
-        <a:ext cx="1262077" cy="631038"/>
-      </dsp:txXfrm>
-    </dsp:sp>
-    <dsp:sp modelId="{BB899C3E-7977-48D2-838C-0A0A4E22407E}">
-      <dsp:nvSpPr>
-        <dsp:cNvPr id="0" name=""/>
-        <dsp:cNvSpPr/>
-      </dsp:nvSpPr>
-      <dsp:spPr>
-        <a:xfrm>
-          <a:off x="2818" y="2227472"/>
-          <a:ext cx="1262077" cy="631038"/>
-        </a:xfrm>
-        <a:prstGeom prst="rect">
-          <a:avLst/>
-        </a:prstGeom>
-        <a:solidFill>
-          <a:schemeClr val="accent1">
-            <a:hueOff val="0"/>
-            <a:satOff val="0"/>
-            <a:lumOff val="0"/>
-            <a:alphaOff val="0"/>
-          </a:schemeClr>
-        </a:solidFill>
-        <a:ln w="12700" cap="flat" cmpd="sng" algn="ctr">
-          <a:solidFill>
-            <a:schemeClr val="lt1">
-              <a:hueOff val="0"/>
-              <a:satOff val="0"/>
-              <a:lumOff val="0"/>
-              <a:alphaOff val="0"/>
-            </a:schemeClr>
-          </a:solidFill>
-          <a:prstDash val="solid"/>
-          <a:miter lim="800000"/>
-        </a:ln>
-        <a:effectLst/>
-      </dsp:spPr>
-      <dsp:style>
-        <a:lnRef idx="2">
-          <a:scrgbClr r="0" g="0" b="0"/>
-        </a:lnRef>
-        <a:fillRef idx="1">
-          <a:scrgbClr r="0" g="0" b="0"/>
-        </a:fillRef>
-        <a:effectRef idx="0">
-          <a:scrgbClr r="0" g="0" b="0"/>
-        </a:effectRef>
-        <a:fontRef idx="minor">
-          <a:schemeClr val="lt1"/>
-        </a:fontRef>
-      </dsp:style>
-      <dsp:txBody>
-        <a:bodyPr spcFirstLastPara="0" vert="horz" wrap="square" lIns="12700" tIns="12700" rIns="12700" bIns="12700" numCol="1" spcCol="1270" anchor="ctr" anchorCtr="0">
-          <a:noAutofit/>
-        </a:bodyPr>
-        <a:lstStyle/>
-        <a:p>
-          <a:pPr marL="0" lvl="0" indent="0" algn="ctr" defTabSz="889000">
-            <a:lnSpc>
-              <a:spcPct val="90000"/>
-            </a:lnSpc>
-            <a:spcBef>
-              <a:spcPct val="0"/>
-            </a:spcBef>
-            <a:spcAft>
-              <a:spcPct val="35000"/>
-            </a:spcAft>
-            <a:buNone/>
-          </a:pPr>
-          <a:r>
-            <a:rPr lang="en-GB" sz="2000" kern="1200" dirty="0" err="1">
-              <a:latin typeface="Arial" panose="020B0604020202020204" pitchFamily="34" charset="0"/>
-              <a:cs typeface="Arial" panose="020B0604020202020204" pitchFamily="34" charset="0"/>
-            </a:rPr>
-            <a:t>Início</a:t>
-          </a:r>
-          <a:endParaRPr lang="en-GB" sz="2000" kern="1200" dirty="0">
-            <a:latin typeface="Arial" panose="020B0604020202020204" pitchFamily="34" charset="0"/>
-            <a:cs typeface="Arial" panose="020B0604020202020204" pitchFamily="34" charset="0"/>
-          </a:endParaRPr>
-        </a:p>
-      </dsp:txBody>
-      <dsp:txXfrm>
-        <a:off x="2818" y="2227472"/>
-        <a:ext cx="1262077" cy="631038"/>
-      </dsp:txXfrm>
-    </dsp:sp>
-    <dsp:sp modelId="{3DCFB508-F20D-419B-97A2-A0EA8AAE62B8}">
-      <dsp:nvSpPr>
-        <dsp:cNvPr id="0" name=""/>
-        <dsp:cNvSpPr/>
-      </dsp:nvSpPr>
-      <dsp:spPr>
-        <a:xfrm>
-          <a:off x="1529933" y="2227472"/>
-          <a:ext cx="1262077" cy="631038"/>
-        </a:xfrm>
-        <a:prstGeom prst="rect">
-          <a:avLst/>
-        </a:prstGeom>
-        <a:solidFill>
-          <a:schemeClr val="accent1">
-            <a:hueOff val="0"/>
-            <a:satOff val="0"/>
-            <a:lumOff val="0"/>
-            <a:alphaOff val="0"/>
-          </a:schemeClr>
-        </a:solidFill>
-        <a:ln w="12700" cap="flat" cmpd="sng" algn="ctr">
-          <a:solidFill>
-            <a:schemeClr val="lt1">
-              <a:hueOff val="0"/>
-              <a:satOff val="0"/>
-              <a:lumOff val="0"/>
-              <a:alphaOff val="0"/>
-            </a:schemeClr>
-          </a:solidFill>
-          <a:prstDash val="solid"/>
-          <a:miter lim="800000"/>
-        </a:ln>
-        <a:effectLst/>
-      </dsp:spPr>
-      <dsp:style>
-        <a:lnRef idx="2">
-          <a:scrgbClr r="0" g="0" b="0"/>
-        </a:lnRef>
-        <a:fillRef idx="1">
-          <a:scrgbClr r="0" g="0" b="0"/>
-        </a:fillRef>
-        <a:effectRef idx="0">
-          <a:scrgbClr r="0" g="0" b="0"/>
-        </a:effectRef>
-        <a:fontRef idx="minor">
-          <a:schemeClr val="lt1"/>
-        </a:fontRef>
-      </dsp:style>
-      <dsp:txBody>
-        <a:bodyPr spcFirstLastPara="0" vert="horz" wrap="square" lIns="12700" tIns="12700" rIns="12700" bIns="12700" numCol="1" spcCol="1270" anchor="ctr" anchorCtr="0">
-          <a:noAutofit/>
-        </a:bodyPr>
-        <a:lstStyle/>
-        <a:p>
-          <a:pPr marL="0" lvl="0" indent="0" algn="ctr" defTabSz="889000">
-            <a:lnSpc>
-              <a:spcPct val="90000"/>
-            </a:lnSpc>
-            <a:spcBef>
-              <a:spcPct val="0"/>
-            </a:spcBef>
-            <a:spcAft>
-              <a:spcPct val="35000"/>
-            </a:spcAft>
-            <a:buNone/>
-          </a:pPr>
-          <a:r>
-            <a:rPr lang="en-GB" sz="2000" kern="1200" dirty="0" err="1">
-              <a:latin typeface="Arial" panose="020B0604020202020204" pitchFamily="34" charset="0"/>
-              <a:cs typeface="Arial" panose="020B0604020202020204" pitchFamily="34" charset="0"/>
-            </a:rPr>
-            <a:t>Calendário</a:t>
-          </a:r>
-          <a:endParaRPr lang="en-GB" sz="2000" kern="1200" dirty="0">
-            <a:latin typeface="Arial" panose="020B0604020202020204" pitchFamily="34" charset="0"/>
-            <a:cs typeface="Arial" panose="020B0604020202020204" pitchFamily="34" charset="0"/>
-          </a:endParaRPr>
-        </a:p>
-      </dsp:txBody>
-      <dsp:txXfrm>
-        <a:off x="1529933" y="2227472"/>
-        <a:ext cx="1262077" cy="631038"/>
-      </dsp:txXfrm>
-    </dsp:sp>
-    <dsp:sp modelId="{D0C42A0A-227F-498C-9217-1F2A4E39F4AC}">
-      <dsp:nvSpPr>
-        <dsp:cNvPr id="0" name=""/>
-        <dsp:cNvSpPr/>
-      </dsp:nvSpPr>
-      <dsp:spPr>
-        <a:xfrm>
-          <a:off x="3057047" y="2227472"/>
-          <a:ext cx="1262077" cy="631038"/>
-        </a:xfrm>
-        <a:prstGeom prst="rect">
-          <a:avLst/>
-        </a:prstGeom>
-        <a:solidFill>
-          <a:schemeClr val="accent1">
-            <a:hueOff val="0"/>
-            <a:satOff val="0"/>
-            <a:lumOff val="0"/>
-            <a:alphaOff val="0"/>
-          </a:schemeClr>
-        </a:solidFill>
-        <a:ln w="12700" cap="flat" cmpd="sng" algn="ctr">
-          <a:solidFill>
-            <a:schemeClr val="lt1">
-              <a:hueOff val="0"/>
-              <a:satOff val="0"/>
-              <a:lumOff val="0"/>
-              <a:alphaOff val="0"/>
-            </a:schemeClr>
-          </a:solidFill>
-          <a:prstDash val="solid"/>
-          <a:miter lim="800000"/>
-        </a:ln>
-        <a:effectLst/>
-      </dsp:spPr>
-      <dsp:style>
-        <a:lnRef idx="2">
-          <a:scrgbClr r="0" g="0" b="0"/>
-        </a:lnRef>
-        <a:fillRef idx="1">
-          <a:scrgbClr r="0" g="0" b="0"/>
-        </a:fillRef>
-        <a:effectRef idx="0">
-          <a:scrgbClr r="0" g="0" b="0"/>
-        </a:effectRef>
-        <a:fontRef idx="minor">
-          <a:schemeClr val="lt1"/>
-        </a:fontRef>
-      </dsp:style>
-      <dsp:txBody>
-        <a:bodyPr spcFirstLastPara="0" vert="horz" wrap="square" lIns="12700" tIns="12700" rIns="12700" bIns="12700" numCol="1" spcCol="1270" anchor="ctr" anchorCtr="0">
-          <a:noAutofit/>
-        </a:bodyPr>
-        <a:lstStyle/>
-        <a:p>
-          <a:pPr marL="0" lvl="0" indent="0" algn="ctr" defTabSz="889000">
-            <a:lnSpc>
-              <a:spcPct val="90000"/>
-            </a:lnSpc>
-            <a:spcBef>
-              <a:spcPct val="0"/>
-            </a:spcBef>
-            <a:spcAft>
-              <a:spcPct val="35000"/>
-            </a:spcAft>
-            <a:buNone/>
-          </a:pPr>
-          <a:r>
-            <a:rPr lang="en-GB" sz="2000" kern="1200" dirty="0" err="1">
-              <a:latin typeface="Arial" panose="020B0604020202020204" pitchFamily="34" charset="0"/>
-              <a:cs typeface="Arial" panose="020B0604020202020204" pitchFamily="34" charset="0"/>
-            </a:rPr>
-            <a:t>Sobre</a:t>
-          </a:r>
-          <a:endParaRPr lang="en-GB" sz="2000" kern="1200" dirty="0">
-            <a:latin typeface="Arial" panose="020B0604020202020204" pitchFamily="34" charset="0"/>
-            <a:cs typeface="Arial" panose="020B0604020202020204" pitchFamily="34" charset="0"/>
-          </a:endParaRPr>
-        </a:p>
-      </dsp:txBody>
-      <dsp:txXfrm>
-        <a:off x="3057047" y="2227472"/>
-        <a:ext cx="1262077" cy="631038"/>
-      </dsp:txXfrm>
-    </dsp:sp>
-    <dsp:sp modelId="{B512DCC2-F8AD-4A88-8224-BF794CC14E60}">
-      <dsp:nvSpPr>
-        <dsp:cNvPr id="0" name=""/>
-        <dsp:cNvSpPr/>
-      </dsp:nvSpPr>
-      <dsp:spPr>
-        <a:xfrm>
-          <a:off x="4584161" y="2227472"/>
-          <a:ext cx="1262077" cy="631038"/>
-        </a:xfrm>
-        <a:prstGeom prst="rect">
-          <a:avLst/>
-        </a:prstGeom>
-        <a:solidFill>
-          <a:schemeClr val="accent1">
-            <a:hueOff val="0"/>
-            <a:satOff val="0"/>
-            <a:lumOff val="0"/>
-            <a:alphaOff val="0"/>
-          </a:schemeClr>
-        </a:solidFill>
-        <a:ln w="12700" cap="flat" cmpd="sng" algn="ctr">
-          <a:solidFill>
-            <a:schemeClr val="lt1">
-              <a:hueOff val="0"/>
-              <a:satOff val="0"/>
-              <a:lumOff val="0"/>
-              <a:alphaOff val="0"/>
-            </a:schemeClr>
-          </a:solidFill>
-          <a:prstDash val="solid"/>
-          <a:miter lim="800000"/>
-        </a:ln>
-        <a:effectLst/>
-      </dsp:spPr>
-      <dsp:style>
-        <a:lnRef idx="2">
-          <a:scrgbClr r="0" g="0" b="0"/>
-        </a:lnRef>
-        <a:fillRef idx="1">
-          <a:scrgbClr r="0" g="0" b="0"/>
-        </a:fillRef>
-        <a:effectRef idx="0">
-          <a:scrgbClr r="0" g="0" b="0"/>
-        </a:effectRef>
-        <a:fontRef idx="minor">
-          <a:schemeClr val="lt1"/>
-        </a:fontRef>
-      </dsp:style>
-      <dsp:txBody>
-        <a:bodyPr spcFirstLastPara="0" vert="horz" wrap="square" lIns="12700" tIns="12700" rIns="12700" bIns="12700" numCol="1" spcCol="1270" anchor="ctr" anchorCtr="0">
-          <a:noAutofit/>
-        </a:bodyPr>
-        <a:lstStyle/>
-        <a:p>
-          <a:pPr marL="0" lvl="0" indent="0" algn="ctr" defTabSz="889000">
-            <a:lnSpc>
-              <a:spcPct val="90000"/>
-            </a:lnSpc>
-            <a:spcBef>
-              <a:spcPct val="0"/>
-            </a:spcBef>
-            <a:spcAft>
-              <a:spcPct val="35000"/>
-            </a:spcAft>
-            <a:buNone/>
-          </a:pPr>
-          <a:r>
-            <a:rPr lang="en-GB" sz="2000" kern="1200" dirty="0" err="1">
-              <a:latin typeface="Arial" panose="020B0604020202020204" pitchFamily="34" charset="0"/>
-              <a:cs typeface="Arial" panose="020B0604020202020204" pitchFamily="34" charset="0"/>
-            </a:rPr>
-            <a:t>Categorias</a:t>
-          </a:r>
-          <a:endParaRPr lang="en-GB" sz="2000" kern="1200" dirty="0">
-            <a:latin typeface="Arial" panose="020B0604020202020204" pitchFamily="34" charset="0"/>
-            <a:cs typeface="Arial" panose="020B0604020202020204" pitchFamily="34" charset="0"/>
-          </a:endParaRPr>
-        </a:p>
-      </dsp:txBody>
-      <dsp:txXfrm>
-        <a:off x="4584161" y="2227472"/>
-        <a:ext cx="1262077" cy="631038"/>
-      </dsp:txXfrm>
-    </dsp:sp>
-    <dsp:sp modelId="{8659CC59-2E2C-408C-A138-42297FB1F7FC}">
-      <dsp:nvSpPr>
-        <dsp:cNvPr id="0" name=""/>
-        <dsp:cNvSpPr/>
-      </dsp:nvSpPr>
-      <dsp:spPr>
-        <a:xfrm>
-          <a:off x="6111275" y="2227472"/>
-          <a:ext cx="1262077" cy="631038"/>
-        </a:xfrm>
-        <a:prstGeom prst="rect">
-          <a:avLst/>
-        </a:prstGeom>
-        <a:solidFill>
-          <a:schemeClr val="accent1">
-            <a:hueOff val="0"/>
-            <a:satOff val="0"/>
-            <a:lumOff val="0"/>
-            <a:alphaOff val="0"/>
-          </a:schemeClr>
-        </a:solidFill>
-        <a:ln w="12700" cap="flat" cmpd="sng" algn="ctr">
-          <a:solidFill>
-            <a:schemeClr val="lt1">
-              <a:hueOff val="0"/>
-              <a:satOff val="0"/>
-              <a:lumOff val="0"/>
-              <a:alphaOff val="0"/>
-            </a:schemeClr>
-          </a:solidFill>
-          <a:prstDash val="solid"/>
-          <a:miter lim="800000"/>
-        </a:ln>
-        <a:effectLst/>
-      </dsp:spPr>
-      <dsp:style>
-        <a:lnRef idx="2">
-          <a:scrgbClr r="0" g="0" b="0"/>
-        </a:lnRef>
-        <a:fillRef idx="1">
-          <a:scrgbClr r="0" g="0" b="0"/>
-        </a:fillRef>
-        <a:effectRef idx="0">
-          <a:scrgbClr r="0" g="0" b="0"/>
-        </a:effectRef>
-        <a:fontRef idx="minor">
-          <a:schemeClr val="lt1"/>
-        </a:fontRef>
-      </dsp:style>
-      <dsp:txBody>
-        <a:bodyPr spcFirstLastPara="0" vert="horz" wrap="square" lIns="12700" tIns="12700" rIns="12700" bIns="12700" numCol="1" spcCol="1270" anchor="ctr" anchorCtr="0">
-          <a:noAutofit/>
-        </a:bodyPr>
-        <a:lstStyle/>
-        <a:p>
-          <a:pPr marL="0" lvl="0" indent="0" algn="ctr" defTabSz="889000">
-            <a:lnSpc>
-              <a:spcPct val="90000"/>
-            </a:lnSpc>
-            <a:spcBef>
-              <a:spcPct val="0"/>
-            </a:spcBef>
-            <a:spcAft>
-              <a:spcPct val="35000"/>
-            </a:spcAft>
-            <a:buNone/>
-          </a:pPr>
-          <a:r>
-            <a:rPr lang="en-GB" sz="2000" kern="1200" dirty="0" err="1">
-              <a:latin typeface="Arial" panose="020B0604020202020204" pitchFamily="34" charset="0"/>
-              <a:cs typeface="Arial" panose="020B0604020202020204" pitchFamily="34" charset="0"/>
-            </a:rPr>
-            <a:t>Contactos</a:t>
-          </a:r>
-          <a:endParaRPr lang="en-GB" sz="2000" kern="1200" dirty="0">
-            <a:latin typeface="Arial" panose="020B0604020202020204" pitchFamily="34" charset="0"/>
-            <a:cs typeface="Arial" panose="020B0604020202020204" pitchFamily="34" charset="0"/>
-          </a:endParaRPr>
-        </a:p>
-      </dsp:txBody>
-      <dsp:txXfrm>
-        <a:off x="6111275" y="2227472"/>
-        <a:ext cx="1262077" cy="631038"/>
-      </dsp:txXfrm>
-    </dsp:sp>
-    <dsp:sp modelId="{67726964-64F7-4568-A550-A3840E89588B}">
-      <dsp:nvSpPr>
-        <dsp:cNvPr id="0" name=""/>
-        <dsp:cNvSpPr/>
-      </dsp:nvSpPr>
-      <dsp:spPr>
-        <a:xfrm>
-          <a:off x="7638389" y="2227472"/>
-          <a:ext cx="1262077" cy="631038"/>
-        </a:xfrm>
-        <a:prstGeom prst="rect">
-          <a:avLst/>
-        </a:prstGeom>
-        <a:solidFill>
-          <a:schemeClr val="accent1">
-            <a:hueOff val="0"/>
-            <a:satOff val="0"/>
-            <a:lumOff val="0"/>
-            <a:alphaOff val="0"/>
-          </a:schemeClr>
-        </a:solidFill>
-        <a:ln w="12700" cap="flat" cmpd="sng" algn="ctr">
-          <a:solidFill>
-            <a:schemeClr val="lt1">
-              <a:hueOff val="0"/>
-              <a:satOff val="0"/>
-              <a:lumOff val="0"/>
-              <a:alphaOff val="0"/>
-            </a:schemeClr>
-          </a:solidFill>
-          <a:prstDash val="solid"/>
-          <a:miter lim="800000"/>
-        </a:ln>
-        <a:effectLst/>
-      </dsp:spPr>
-      <dsp:style>
-        <a:lnRef idx="2">
-          <a:scrgbClr r="0" g="0" b="0"/>
-        </a:lnRef>
-        <a:fillRef idx="1">
-          <a:scrgbClr r="0" g="0" b="0"/>
-        </a:fillRef>
-        <a:effectRef idx="0">
-          <a:scrgbClr r="0" g="0" b="0"/>
-        </a:effectRef>
-        <a:fontRef idx="minor">
-          <a:schemeClr val="lt1"/>
-        </a:fontRef>
-      </dsp:style>
-      <dsp:txBody>
-        <a:bodyPr spcFirstLastPara="0" vert="horz" wrap="square" lIns="12700" tIns="12700" rIns="12700" bIns="12700" numCol="1" spcCol="1270" anchor="ctr" anchorCtr="0">
-          <a:noAutofit/>
-        </a:bodyPr>
-        <a:lstStyle/>
-        <a:p>
-          <a:pPr marL="0" lvl="0" indent="0" algn="ctr" defTabSz="889000">
-            <a:lnSpc>
-              <a:spcPct val="90000"/>
-            </a:lnSpc>
-            <a:spcBef>
-              <a:spcPct val="0"/>
-            </a:spcBef>
-            <a:spcAft>
-              <a:spcPct val="35000"/>
-            </a:spcAft>
-            <a:buNone/>
-          </a:pPr>
-          <a:endParaRPr lang="en-GB" sz="2000" kern="1200" dirty="0">
-            <a:latin typeface="Arial" panose="020B0604020202020204" pitchFamily="34" charset="0"/>
-            <a:cs typeface="Arial" panose="020B0604020202020204" pitchFamily="34" charset="0"/>
-          </a:endParaRPr>
-        </a:p>
-      </dsp:txBody>
-      <dsp:txXfrm>
-        <a:off x="7638389" y="2227472"/>
-        <a:ext cx="1262077" cy="631038"/>
-      </dsp:txXfrm>
-    </dsp:sp>
   </dsp:spTree>
 </dsp:drawing>
 </file>
@@ -5548,7 +5043,7 @@
         </a:bodyPr>
         <a:lstStyle/>
         <a:p>
-          <a:pPr marL="0" lvl="0" indent="0" algn="ctr" defTabSz="889000">
+          <a:pPr lvl="0" algn="ctr" defTabSz="889000">
             <a:lnSpc>
               <a:spcPct val="90000"/>
             </a:lnSpc>
@@ -5558,21 +5053,20 @@
             <a:spcAft>
               <a:spcPct val="35000"/>
             </a:spcAft>
-            <a:buNone/>
           </a:pPr>
           <a:r>
-            <a:rPr lang="en-GB" sz="2000" u="none" kern="1200" dirty="0" err="1">
+            <a:rPr lang="en-GB" sz="2000" u="none" kern="1200" dirty="0" err="1" smtClean="0">
               <a:latin typeface="Arial" panose="020B0604020202020204" pitchFamily="34" charset="0"/>
               <a:cs typeface="Arial" panose="020B0604020202020204" pitchFamily="34" charset="0"/>
             </a:rPr>
             <a:t>Eventos</a:t>
           </a:r>
           <a:r>
-            <a:rPr lang="en-GB" sz="2000" u="none" kern="1200" dirty="0">
+            <a:rPr lang="en-GB" sz="2000" u="none" kern="1200" dirty="0" smtClean="0">
               <a:latin typeface="Arial" panose="020B0604020202020204" pitchFamily="34" charset="0"/>
               <a:cs typeface="Arial" panose="020B0604020202020204" pitchFamily="34" charset="0"/>
             </a:rPr>
-            <a:t> </a:t>
+            <a:t>- </a:t>
           </a:r>
           <a:r>
             <a:rPr lang="en-GB" sz="2000" u="none" kern="1200" dirty="0" err="1">
@@ -5647,7 +5141,7 @@
         </a:bodyPr>
         <a:lstStyle/>
         <a:p>
-          <a:pPr marL="0" lvl="0" indent="0" algn="ctr" defTabSz="889000">
+          <a:pPr lvl="0" algn="ctr" defTabSz="889000">
             <a:lnSpc>
               <a:spcPct val="90000"/>
             </a:lnSpc>
@@ -5657,7 +5151,6 @@
             <a:spcAft>
               <a:spcPct val="35000"/>
             </a:spcAft>
-            <a:buNone/>
           </a:pPr>
           <a:r>
             <a:rPr lang="en-GB" sz="2000" u="none" kern="1200" dirty="0" err="1">
@@ -5732,7 +5225,7 @@
         </a:bodyPr>
         <a:lstStyle/>
         <a:p>
-          <a:pPr marL="0" lvl="0" indent="0" algn="ctr" defTabSz="1333500">
+          <a:pPr lvl="0" algn="ctr" defTabSz="1333500">
             <a:lnSpc>
               <a:spcPct val="90000"/>
             </a:lnSpc>
@@ -5742,12 +5235,16 @@
             <a:spcAft>
               <a:spcPct val="35000"/>
             </a:spcAft>
-            <a:buNone/>
           </a:pPr>
           <a:r>
             <a:rPr lang="pt-PT" sz="3000" u="none" kern="1200" dirty="0"/>
-            <a:t>Porquê Covilhã</a:t>
+            <a:t>Porquê </a:t>
           </a:r>
+          <a:r>
+            <a:rPr lang="pt-PT" sz="3000" u="none" kern="1200" dirty="0" smtClean="0"/>
+            <a:t>Covilhã?</a:t>
+          </a:r>
+          <a:endParaRPr lang="pt-PT" sz="3000" u="none" kern="1200" dirty="0"/>
         </a:p>
       </dsp:txBody>
       <dsp:txXfrm>
@@ -5810,7 +5307,7 @@
         </a:bodyPr>
         <a:lstStyle/>
         <a:p>
-          <a:pPr marL="0" lvl="0" indent="0" algn="ctr" defTabSz="800100">
+          <a:pPr lvl="0" algn="ctr" defTabSz="800100">
             <a:lnSpc>
               <a:spcPct val="90000"/>
             </a:lnSpc>
@@ -5820,15 +5317,14 @@
             <a:spcAft>
               <a:spcPct val="35000"/>
             </a:spcAft>
-            <a:buNone/>
           </a:pPr>
           <a:r>
             <a:rPr lang="pt-PT" sz="1800" u="none" kern="1200" dirty="0"/>
             <a:t>Chegar à </a:t>
           </a:r>
           <a:r>
-            <a:rPr lang="pt-PT" sz="1800" u="none" kern="1200" dirty="0" err="1"/>
-            <a:t>covilhã</a:t>
+            <a:rPr lang="pt-PT" sz="1800" u="none" kern="1200" dirty="0" smtClean="0"/>
+            <a:t>Covilhã</a:t>
           </a:r>
           <a:endParaRPr lang="pt-PT" sz="1800" u="none" kern="1200" dirty="0"/>
         </a:p>
@@ -5893,7 +5389,7 @@
         </a:bodyPr>
         <a:lstStyle/>
         <a:p>
-          <a:pPr marL="0" lvl="0" indent="0" algn="ctr" defTabSz="800100">
+          <a:pPr lvl="0" algn="ctr" defTabSz="800100">
             <a:lnSpc>
               <a:spcPct val="90000"/>
             </a:lnSpc>
@@ -5903,7 +5399,6 @@
             <a:spcAft>
               <a:spcPct val="35000"/>
             </a:spcAft>
-            <a:buNone/>
           </a:pPr>
           <a:r>
             <a:rPr lang="pt-PT" sz="1800" u="none" kern="1200" dirty="0"/>
@@ -5971,7 +5466,7 @@
         </a:bodyPr>
         <a:lstStyle/>
         <a:p>
-          <a:pPr marL="0" lvl="0" indent="0" algn="ctr" defTabSz="889000">
+          <a:pPr lvl="0" algn="ctr" defTabSz="889000">
             <a:lnSpc>
               <a:spcPct val="90000"/>
             </a:lnSpc>
@@ -5981,7 +5476,6 @@
             <a:spcAft>
               <a:spcPct val="35000"/>
             </a:spcAft>
-            <a:buNone/>
           </a:pPr>
           <a:r>
             <a:rPr lang="en-GB" sz="2000" u="none" kern="1200" dirty="0" err="1">
@@ -6056,7 +5550,7 @@
         </a:bodyPr>
         <a:lstStyle/>
         <a:p>
-          <a:pPr marL="0" lvl="0" indent="0" algn="ctr" defTabSz="889000">
+          <a:pPr lvl="0" algn="ctr" defTabSz="889000">
             <a:lnSpc>
               <a:spcPct val="90000"/>
             </a:lnSpc>
@@ -6066,7 +5560,6 @@
             <a:spcAft>
               <a:spcPct val="35000"/>
             </a:spcAft>
-            <a:buNone/>
           </a:pPr>
           <a:r>
             <a:rPr lang="en-GB" sz="2000" u="none" kern="1200" dirty="0" err="1">
@@ -6141,7 +5634,7 @@
         </a:bodyPr>
         <a:lstStyle/>
         <a:p>
-          <a:pPr marL="0" lvl="0" indent="0" algn="ctr" defTabSz="800100">
+          <a:pPr lvl="0" algn="ctr" defTabSz="800100">
             <a:lnSpc>
               <a:spcPct val="90000"/>
             </a:lnSpc>
@@ -6151,7 +5644,6 @@
             <a:spcAft>
               <a:spcPct val="35000"/>
             </a:spcAft>
-            <a:buNone/>
           </a:pPr>
           <a:r>
             <a:rPr lang="pt-PT" sz="1800" u="none" kern="1200" dirty="0"/>
@@ -6219,7 +5711,7 @@
         </a:bodyPr>
         <a:lstStyle/>
         <a:p>
-          <a:pPr marL="0" lvl="0" indent="0" algn="ctr" defTabSz="800100">
+          <a:pPr lvl="0" algn="ctr" defTabSz="800100">
             <a:lnSpc>
               <a:spcPct val="90000"/>
             </a:lnSpc>
@@ -6229,7 +5721,6 @@
             <a:spcAft>
               <a:spcPct val="35000"/>
             </a:spcAft>
-            <a:buNone/>
           </a:pPr>
           <a:r>
             <a:rPr lang="pt-PT" sz="1800" u="none" kern="1200" dirty="0"/>
@@ -6297,7 +5788,7 @@
         </a:bodyPr>
         <a:lstStyle/>
         <a:p>
-          <a:pPr marL="0" lvl="0" indent="0" algn="ctr" defTabSz="800100">
+          <a:pPr lvl="0" algn="ctr" defTabSz="800100">
             <a:lnSpc>
               <a:spcPct val="90000"/>
             </a:lnSpc>
@@ -6307,7 +5798,6 @@
             <a:spcAft>
               <a:spcPct val="35000"/>
             </a:spcAft>
-            <a:buNone/>
           </a:pPr>
           <a:r>
             <a:rPr lang="pt-PT" sz="1800" u="none" kern="1200" dirty="0"/>
@@ -6375,7 +5865,7 @@
         </a:bodyPr>
         <a:lstStyle/>
         <a:p>
-          <a:pPr marL="0" lvl="0" indent="0" algn="ctr" defTabSz="800100">
+          <a:pPr lvl="0" algn="ctr" defTabSz="800100">
             <a:lnSpc>
               <a:spcPct val="90000"/>
             </a:lnSpc>
@@ -6385,7 +5875,6 @@
             <a:spcAft>
               <a:spcPct val="35000"/>
             </a:spcAft>
-            <a:buNone/>
           </a:pPr>
           <a:r>
             <a:rPr lang="pt-PT" sz="1800" u="none" kern="1200" dirty="0"/>
@@ -6453,7 +5942,7 @@
         </a:bodyPr>
         <a:lstStyle/>
         <a:p>
-          <a:pPr marL="0" lvl="0" indent="0" algn="ctr" defTabSz="800100">
+          <a:pPr lvl="0" algn="ctr" defTabSz="800100">
             <a:lnSpc>
               <a:spcPct val="90000"/>
             </a:lnSpc>
@@ -6463,7 +5952,6 @@
             <a:spcAft>
               <a:spcPct val="35000"/>
             </a:spcAft>
-            <a:buNone/>
           </a:pPr>
           <a:r>
             <a:rPr lang="pt-PT" sz="1800" u="none" kern="1200" dirty="0"/>
@@ -6531,7 +6019,7 @@
         </a:bodyPr>
         <a:lstStyle/>
         <a:p>
-          <a:pPr marL="0" lvl="0" indent="0" algn="ctr" defTabSz="800100">
+          <a:pPr lvl="0" algn="ctr" defTabSz="800100">
             <a:lnSpc>
               <a:spcPct val="90000"/>
             </a:lnSpc>
@@ -6541,7 +6029,6 @@
             <a:spcAft>
               <a:spcPct val="35000"/>
             </a:spcAft>
-            <a:buNone/>
           </a:pPr>
           <a:r>
             <a:rPr lang="pt-PT" sz="1800" u="none" kern="1200" dirty="0"/>
@@ -6609,7 +6096,7 @@
         </a:bodyPr>
         <a:lstStyle/>
         <a:p>
-          <a:pPr marL="0" lvl="0" indent="0" algn="ctr" defTabSz="889000">
+          <a:pPr lvl="0" algn="ctr" defTabSz="889000">
             <a:lnSpc>
               <a:spcPct val="90000"/>
             </a:lnSpc>
@@ -6619,7 +6106,6 @@
             <a:spcAft>
               <a:spcPct val="35000"/>
             </a:spcAft>
-            <a:buNone/>
           </a:pPr>
           <a:r>
             <a:rPr lang="en-GB" sz="2000" u="none" kern="1200" dirty="0" err="1">
@@ -6694,7 +6180,7 @@
         </a:bodyPr>
         <a:lstStyle/>
         <a:p>
-          <a:pPr marL="0" lvl="0" indent="0" algn="ctr" defTabSz="889000">
+          <a:pPr lvl="0" algn="ctr" defTabSz="889000">
             <a:lnSpc>
               <a:spcPct val="90000"/>
             </a:lnSpc>
@@ -6704,7 +6190,6 @@
             <a:spcAft>
               <a:spcPct val="35000"/>
             </a:spcAft>
-            <a:buNone/>
           </a:pPr>
           <a:r>
             <a:rPr lang="en-GB" sz="2000" u="none" kern="1200" dirty="0" err="1">
@@ -11170,7 +10655,7 @@
           <a:p>
             <a:fld id="{FE46BE1C-E5B9-40EB-B480-3B6CCE635393}" type="datetimeFigureOut">
               <a:rPr lang="en-GB" smtClean="0"/>
-              <a:t>12/12/2018</a:t>
+              <a:t>18/12/2018</a:t>
             </a:fld>
             <a:endParaRPr lang="en-GB"/>
           </a:p>
@@ -12322,7 +11807,7 @@
           <a:p>
             <a:fld id="{46E4206C-CDB6-49DB-A49C-1C74FE4EA3F6}" type="datetime1">
               <a:rPr lang="en-GB" smtClean="0"/>
-              <a:t>12/12/2018</a:t>
+              <a:t>18/12/2018</a:t>
             </a:fld>
             <a:endParaRPr lang="en-GB"/>
           </a:p>
@@ -12492,7 +11977,7 @@
           <a:p>
             <a:fld id="{EC42A3EE-7AFB-4F73-B39D-FB9AAAE09D70}" type="datetime1">
               <a:rPr lang="en-GB" smtClean="0"/>
-              <a:t>12/12/2018</a:t>
+              <a:t>18/12/2018</a:t>
             </a:fld>
             <a:endParaRPr lang="en-GB"/>
           </a:p>
@@ -12672,7 +12157,7 @@
           <a:p>
             <a:fld id="{297491F8-B1AD-48C8-B450-A9DE8FC9B4BC}" type="datetime1">
               <a:rPr lang="en-GB" smtClean="0"/>
-              <a:t>12/12/2018</a:t>
+              <a:t>18/12/2018</a:t>
             </a:fld>
             <a:endParaRPr lang="en-GB"/>
           </a:p>
@@ -13574,7 +13059,7 @@
           <a:p>
             <a:fld id="{1241B6BE-13A3-40C5-BAF7-2CC773D00FB0}" type="datetime1">
               <a:rPr lang="en-GB" smtClean="0"/>
-              <a:t>12/12/2018</a:t>
+              <a:t>18/12/2018</a:t>
             </a:fld>
             <a:endParaRPr lang="en-GB"/>
           </a:p>
@@ -13818,7 +13303,7 @@
           <a:p>
             <a:fld id="{30A9CCEB-FEAA-4C72-9118-04BDF5966FFB}" type="datetime1">
               <a:rPr lang="en-GB" smtClean="0"/>
-              <a:t>12/12/2018</a:t>
+              <a:t>18/12/2018</a:t>
             </a:fld>
             <a:endParaRPr lang="en-GB"/>
           </a:p>
@@ -14050,7 +13535,7 @@
           <a:p>
             <a:fld id="{DFAB555E-071C-48B6-AB80-445E4540AC68}" type="datetime1">
               <a:rPr lang="en-GB" smtClean="0"/>
-              <a:t>12/12/2018</a:t>
+              <a:t>18/12/2018</a:t>
             </a:fld>
             <a:endParaRPr lang="en-GB"/>
           </a:p>
@@ -14417,7 +13902,7 @@
           <a:p>
             <a:fld id="{71C8195A-F236-4C56-A7B6-A9E3130AE1F9}" type="datetime1">
               <a:rPr lang="en-GB" smtClean="0"/>
-              <a:t>12/12/2018</a:t>
+              <a:t>18/12/2018</a:t>
             </a:fld>
             <a:endParaRPr lang="en-GB"/>
           </a:p>
@@ -14535,7 +14020,7 @@
           <a:p>
             <a:fld id="{2F2BBF01-7E4A-4B0A-98AA-6A611EFD036E}" type="datetime1">
               <a:rPr lang="en-GB" smtClean="0"/>
-              <a:t>12/12/2018</a:t>
+              <a:t>18/12/2018</a:t>
             </a:fld>
             <a:endParaRPr lang="en-GB"/>
           </a:p>
@@ -14630,7 +14115,7 @@
           <a:p>
             <a:fld id="{6EBF66CE-A945-42FA-B1CB-E96DCD998F84}" type="datetime1">
               <a:rPr lang="en-GB" smtClean="0"/>
-              <a:t>12/12/2018</a:t>
+              <a:t>18/12/2018</a:t>
             </a:fld>
             <a:endParaRPr lang="en-GB"/>
           </a:p>
@@ -14907,7 +14392,7 @@
           <a:p>
             <a:fld id="{8E2C1C88-A111-4B14-B38C-BDD24B4F2065}" type="datetime1">
               <a:rPr lang="en-GB" smtClean="0"/>
-              <a:t>12/12/2018</a:t>
+              <a:t>18/12/2018</a:t>
             </a:fld>
             <a:endParaRPr lang="en-GB"/>
           </a:p>
@@ -15164,7 +14649,7 @@
           <a:p>
             <a:fld id="{A033B5E6-D2E8-4024-8FEA-9A34E9CC2096}" type="datetime1">
               <a:rPr lang="en-GB" smtClean="0"/>
-              <a:t>12/12/2018</a:t>
+              <a:t>18/12/2018</a:t>
             </a:fld>
             <a:endParaRPr lang="en-GB"/>
           </a:p>
@@ -15376,7 +14861,7 @@
           <a:p>
             <a:fld id="{86124722-C52C-4725-B554-5890676B8B27}" type="datetime1">
               <a:rPr lang="en-GB" smtClean="0"/>
-              <a:t>12/12/2018</a:t>
+              <a:t>18/12/2018</a:t>
             </a:fld>
             <a:endParaRPr lang="en-GB"/>
           </a:p>
@@ -16603,7 +16088,7 @@
           <p:cNvPr id="2" name="Content Placeholder 1">
             <a:extLst>
               <a:ext uri="{FF2B5EF4-FFF2-40B4-BE49-F238E27FC236}">
-                <a16:creationId xmlns:a16="http://schemas.microsoft.com/office/drawing/2014/main" id="{61284A3C-35C7-47BB-B5EF-3A5AFD39F048}"/>
+                <a16:creationId xmlns:a16="http://schemas.microsoft.com/office/drawing/2014/main" xmlns="" id="{61284A3C-35C7-47BB-B5EF-3A5AFD39F048}"/>
               </a:ext>
             </a:extLst>
           </p:cNvPr>
@@ -16628,7 +16113,7 @@
           <p:cNvPr id="3" name="Content Placeholder 2">
             <a:extLst>
               <a:ext uri="{FF2B5EF4-FFF2-40B4-BE49-F238E27FC236}">
-                <a16:creationId xmlns:a16="http://schemas.microsoft.com/office/drawing/2014/main" id="{75B62007-2099-491F-B9CC-679828859075}"/>
+                <a16:creationId xmlns:a16="http://schemas.microsoft.com/office/drawing/2014/main" xmlns="" id="{75B62007-2099-491F-B9CC-679828859075}"/>
               </a:ext>
             </a:extLst>
           </p:cNvPr>
@@ -16653,7 +16138,7 @@
           <p:cNvPr id="4" name="Content Placeholder 3">
             <a:extLst>
               <a:ext uri="{FF2B5EF4-FFF2-40B4-BE49-F238E27FC236}">
-                <a16:creationId xmlns:a16="http://schemas.microsoft.com/office/drawing/2014/main" id="{B573A8A9-0BDE-4B35-955D-A5C9FAFE6755}"/>
+                <a16:creationId xmlns:a16="http://schemas.microsoft.com/office/drawing/2014/main" xmlns="" id="{B573A8A9-0BDE-4B35-955D-A5C9FAFE6755}"/>
               </a:ext>
             </a:extLst>
           </p:cNvPr>
@@ -16678,7 +16163,7 @@
           <p:cNvPr id="5" name="Content Placeholder 4">
             <a:extLst>
               <a:ext uri="{FF2B5EF4-FFF2-40B4-BE49-F238E27FC236}">
-                <a16:creationId xmlns:a16="http://schemas.microsoft.com/office/drawing/2014/main" id="{03F0B0E7-9DC5-4E64-84FC-E41A42350BE1}"/>
+                <a16:creationId xmlns:a16="http://schemas.microsoft.com/office/drawing/2014/main" xmlns="" id="{03F0B0E7-9DC5-4E64-84FC-E41A42350BE1}"/>
               </a:ext>
             </a:extLst>
           </p:cNvPr>
@@ -16703,7 +16188,7 @@
           <p:cNvPr id="6" name="Content Placeholder 5">
             <a:extLst>
               <a:ext uri="{FF2B5EF4-FFF2-40B4-BE49-F238E27FC236}">
-                <a16:creationId xmlns:a16="http://schemas.microsoft.com/office/drawing/2014/main" id="{AAD76EA7-FFDD-4221-8BFA-2CF2F90A53A9}"/>
+                <a16:creationId xmlns:a16="http://schemas.microsoft.com/office/drawing/2014/main" xmlns="" id="{AAD76EA7-FFDD-4221-8BFA-2CF2F90A53A9}"/>
               </a:ext>
             </a:extLst>
           </p:cNvPr>
@@ -16720,9 +16205,10 @@
           <a:lstStyle/>
           <a:p>
             <a:r>
-              <a:rPr lang="pt-PT" dirty="0"/>
-              <a:t>Início</a:t>
-            </a:r>
+              <a:rPr lang="pt-PT" dirty="0" smtClean="0"/>
+              <a:t>Calendário</a:t>
+            </a:r>
+            <a:endParaRPr lang="pt-PT" dirty="0"/>
           </a:p>
         </p:txBody>
       </p:sp>
@@ -16761,7 +16247,7 @@
           <p:cNvPr id="2" name="Content Placeholder 1">
             <a:extLst>
               <a:ext uri="{FF2B5EF4-FFF2-40B4-BE49-F238E27FC236}">
-                <a16:creationId xmlns:a16="http://schemas.microsoft.com/office/drawing/2014/main" id="{61284A3C-35C7-47BB-B5EF-3A5AFD39F048}"/>
+                <a16:creationId xmlns:a16="http://schemas.microsoft.com/office/drawing/2014/main" xmlns="" id="{61284A3C-35C7-47BB-B5EF-3A5AFD39F048}"/>
               </a:ext>
             </a:extLst>
           </p:cNvPr>
@@ -16786,7 +16272,7 @@
           <p:cNvPr id="3" name="Content Placeholder 2">
             <a:extLst>
               <a:ext uri="{FF2B5EF4-FFF2-40B4-BE49-F238E27FC236}">
-                <a16:creationId xmlns:a16="http://schemas.microsoft.com/office/drawing/2014/main" id="{75B62007-2099-491F-B9CC-679828859075}"/>
+                <a16:creationId xmlns:a16="http://schemas.microsoft.com/office/drawing/2014/main" xmlns="" id="{75B62007-2099-491F-B9CC-679828859075}"/>
               </a:ext>
             </a:extLst>
           </p:cNvPr>
@@ -16811,7 +16297,7 @@
           <p:cNvPr id="4" name="Content Placeholder 3">
             <a:extLst>
               <a:ext uri="{FF2B5EF4-FFF2-40B4-BE49-F238E27FC236}">
-                <a16:creationId xmlns:a16="http://schemas.microsoft.com/office/drawing/2014/main" id="{B573A8A9-0BDE-4B35-955D-A5C9FAFE6755}"/>
+                <a16:creationId xmlns:a16="http://schemas.microsoft.com/office/drawing/2014/main" xmlns="" id="{B573A8A9-0BDE-4B35-955D-A5C9FAFE6755}"/>
               </a:ext>
             </a:extLst>
           </p:cNvPr>
@@ -16836,7 +16322,7 @@
           <p:cNvPr id="5" name="Content Placeholder 4">
             <a:extLst>
               <a:ext uri="{FF2B5EF4-FFF2-40B4-BE49-F238E27FC236}">
-                <a16:creationId xmlns:a16="http://schemas.microsoft.com/office/drawing/2014/main" id="{03F0B0E7-9DC5-4E64-84FC-E41A42350BE1}"/>
+                <a16:creationId xmlns:a16="http://schemas.microsoft.com/office/drawing/2014/main" xmlns="" id="{03F0B0E7-9DC5-4E64-84FC-E41A42350BE1}"/>
               </a:ext>
             </a:extLst>
           </p:cNvPr>
@@ -16861,7 +16347,7 @@
           <p:cNvPr id="6" name="Content Placeholder 5">
             <a:extLst>
               <a:ext uri="{FF2B5EF4-FFF2-40B4-BE49-F238E27FC236}">
-                <a16:creationId xmlns:a16="http://schemas.microsoft.com/office/drawing/2014/main" id="{AAD76EA7-FFDD-4221-8BFA-2CF2F90A53A9}"/>
+                <a16:creationId xmlns:a16="http://schemas.microsoft.com/office/drawing/2014/main" xmlns="" id="{AAD76EA7-FFDD-4221-8BFA-2CF2F90A53A9}"/>
               </a:ext>
             </a:extLst>
           </p:cNvPr>
@@ -16878,9 +16364,10 @@
           <a:lstStyle/>
           <a:p>
             <a:r>
-              <a:rPr lang="pt-PT" dirty="0"/>
-              <a:t>Início</a:t>
-            </a:r>
+              <a:rPr lang="pt-PT" dirty="0" smtClean="0"/>
+              <a:t>Artes</a:t>
+            </a:r>
+            <a:endParaRPr lang="pt-PT" dirty="0"/>
           </a:p>
         </p:txBody>
       </p:sp>
@@ -16919,7 +16406,7 @@
           <p:cNvPr id="2" name="Content Placeholder 1">
             <a:extLst>
               <a:ext uri="{FF2B5EF4-FFF2-40B4-BE49-F238E27FC236}">
-                <a16:creationId xmlns:a16="http://schemas.microsoft.com/office/drawing/2014/main" id="{61284A3C-35C7-47BB-B5EF-3A5AFD39F048}"/>
+                <a16:creationId xmlns:a16="http://schemas.microsoft.com/office/drawing/2014/main" xmlns="" id="{61284A3C-35C7-47BB-B5EF-3A5AFD39F048}"/>
               </a:ext>
             </a:extLst>
           </p:cNvPr>
@@ -16944,7 +16431,7 @@
           <p:cNvPr id="3" name="Content Placeholder 2">
             <a:extLst>
               <a:ext uri="{FF2B5EF4-FFF2-40B4-BE49-F238E27FC236}">
-                <a16:creationId xmlns:a16="http://schemas.microsoft.com/office/drawing/2014/main" id="{75B62007-2099-491F-B9CC-679828859075}"/>
+                <a16:creationId xmlns:a16="http://schemas.microsoft.com/office/drawing/2014/main" xmlns="" id="{75B62007-2099-491F-B9CC-679828859075}"/>
               </a:ext>
             </a:extLst>
           </p:cNvPr>
@@ -16969,7 +16456,7 @@
           <p:cNvPr id="4" name="Content Placeholder 3">
             <a:extLst>
               <a:ext uri="{FF2B5EF4-FFF2-40B4-BE49-F238E27FC236}">
-                <a16:creationId xmlns:a16="http://schemas.microsoft.com/office/drawing/2014/main" id="{B573A8A9-0BDE-4B35-955D-A5C9FAFE6755}"/>
+                <a16:creationId xmlns:a16="http://schemas.microsoft.com/office/drawing/2014/main" xmlns="" id="{B573A8A9-0BDE-4B35-955D-A5C9FAFE6755}"/>
               </a:ext>
             </a:extLst>
           </p:cNvPr>
@@ -16994,7 +16481,7 @@
           <p:cNvPr id="5" name="Content Placeholder 4">
             <a:extLst>
               <a:ext uri="{FF2B5EF4-FFF2-40B4-BE49-F238E27FC236}">
-                <a16:creationId xmlns:a16="http://schemas.microsoft.com/office/drawing/2014/main" id="{03F0B0E7-9DC5-4E64-84FC-E41A42350BE1}"/>
+                <a16:creationId xmlns:a16="http://schemas.microsoft.com/office/drawing/2014/main" xmlns="" id="{03F0B0E7-9DC5-4E64-84FC-E41A42350BE1}"/>
               </a:ext>
             </a:extLst>
           </p:cNvPr>
@@ -17019,7 +16506,7 @@
           <p:cNvPr id="6" name="Content Placeholder 5">
             <a:extLst>
               <a:ext uri="{FF2B5EF4-FFF2-40B4-BE49-F238E27FC236}">
-                <a16:creationId xmlns:a16="http://schemas.microsoft.com/office/drawing/2014/main" id="{AAD76EA7-FFDD-4221-8BFA-2CF2F90A53A9}"/>
+                <a16:creationId xmlns:a16="http://schemas.microsoft.com/office/drawing/2014/main" xmlns="" id="{AAD76EA7-FFDD-4221-8BFA-2CF2F90A53A9}"/>
               </a:ext>
             </a:extLst>
           </p:cNvPr>
@@ -17036,9 +16523,10 @@
           <a:lstStyle/>
           <a:p>
             <a:r>
-              <a:rPr lang="pt-PT" dirty="0"/>
-              <a:t>Início</a:t>
-            </a:r>
+              <a:rPr lang="pt-PT" dirty="0" smtClean="0"/>
+              <a:t>Música</a:t>
+            </a:r>
+            <a:endParaRPr lang="pt-PT" dirty="0"/>
           </a:p>
         </p:txBody>
       </p:sp>
@@ -17074,13 +16562,7 @@
       </p:grpSpPr>
       <p:sp>
         <p:nvSpPr>
-          <p:cNvPr id="2" name="Content Placeholder 1">
-            <a:extLst>
-              <a:ext uri="{FF2B5EF4-FFF2-40B4-BE49-F238E27FC236}">
-                <a16:creationId xmlns:a16="http://schemas.microsoft.com/office/drawing/2014/main" id="{61284A3C-35C7-47BB-B5EF-3A5AFD39F048}"/>
-              </a:ext>
-            </a:extLst>
-          </p:cNvPr>
+          <p:cNvPr id="2" name="Marcador de Posição de Conteúdo 1"/>
           <p:cNvSpPr>
             <a:spLocks noGrp="1"/>
           </p:cNvSpPr>
@@ -17093,19 +16575,13 @@
           <a:bodyPr/>
           <a:lstStyle/>
           <a:p>
-            <a:endParaRPr lang="pt-PT" dirty="0"/>
+            <a:endParaRPr lang="pt-PT"/>
           </a:p>
         </p:txBody>
       </p:sp>
       <p:sp>
         <p:nvSpPr>
-          <p:cNvPr id="3" name="Content Placeholder 2">
-            <a:extLst>
-              <a:ext uri="{FF2B5EF4-FFF2-40B4-BE49-F238E27FC236}">
-                <a16:creationId xmlns:a16="http://schemas.microsoft.com/office/drawing/2014/main" id="{75B62007-2099-491F-B9CC-679828859075}"/>
-              </a:ext>
-            </a:extLst>
-          </p:cNvPr>
+          <p:cNvPr id="3" name="Marcador de Posição de Conteúdo 2"/>
           <p:cNvSpPr>
             <a:spLocks noGrp="1"/>
           </p:cNvSpPr>
@@ -17118,19 +16594,13 @@
           <a:bodyPr/>
           <a:lstStyle/>
           <a:p>
-            <a:endParaRPr lang="pt-PT" dirty="0"/>
+            <a:endParaRPr lang="pt-PT"/>
           </a:p>
         </p:txBody>
       </p:sp>
       <p:sp>
         <p:nvSpPr>
-          <p:cNvPr id="4" name="Content Placeholder 3">
-            <a:extLst>
-              <a:ext uri="{FF2B5EF4-FFF2-40B4-BE49-F238E27FC236}">
-                <a16:creationId xmlns:a16="http://schemas.microsoft.com/office/drawing/2014/main" id="{B573A8A9-0BDE-4B35-955D-A5C9FAFE6755}"/>
-              </a:ext>
-            </a:extLst>
-          </p:cNvPr>
+          <p:cNvPr id="4" name="Marcador de Posição de Conteúdo 3"/>
           <p:cNvSpPr>
             <a:spLocks noGrp="1"/>
           </p:cNvSpPr>
@@ -17143,19 +16613,13 @@
           <a:bodyPr/>
           <a:lstStyle/>
           <a:p>
-            <a:endParaRPr lang="pt-PT" dirty="0"/>
+            <a:endParaRPr lang="pt-PT"/>
           </a:p>
         </p:txBody>
       </p:sp>
       <p:sp>
         <p:nvSpPr>
-          <p:cNvPr id="5" name="Content Placeholder 4">
-            <a:extLst>
-              <a:ext uri="{FF2B5EF4-FFF2-40B4-BE49-F238E27FC236}">
-                <a16:creationId xmlns:a16="http://schemas.microsoft.com/office/drawing/2014/main" id="{03F0B0E7-9DC5-4E64-84FC-E41A42350BE1}"/>
-              </a:ext>
-            </a:extLst>
-          </p:cNvPr>
+          <p:cNvPr id="5" name="Marcador de Posição de Conteúdo 4"/>
           <p:cNvSpPr>
             <a:spLocks noGrp="1"/>
           </p:cNvSpPr>
@@ -17168,19 +16632,13 @@
           <a:bodyPr/>
           <a:lstStyle/>
           <a:p>
-            <a:endParaRPr lang="pt-PT" dirty="0"/>
+            <a:endParaRPr lang="pt-PT"/>
           </a:p>
         </p:txBody>
       </p:sp>
       <p:sp>
         <p:nvSpPr>
-          <p:cNvPr id="6" name="Content Placeholder 5">
-            <a:extLst>
-              <a:ext uri="{FF2B5EF4-FFF2-40B4-BE49-F238E27FC236}">
-                <a16:creationId xmlns:a16="http://schemas.microsoft.com/office/drawing/2014/main" id="{AAD76EA7-FFDD-4221-8BFA-2CF2F90A53A9}"/>
-              </a:ext>
-            </a:extLst>
-          </p:cNvPr>
+          <p:cNvPr id="6" name="Marcador de Posição de Conteúdo 5"/>
           <p:cNvSpPr>
             <a:spLocks noGrp="1"/>
           </p:cNvSpPr>
@@ -17194,16 +16652,17 @@
           <a:lstStyle/>
           <a:p>
             <a:r>
-              <a:rPr lang="pt-PT" dirty="0"/>
-              <a:t>Início</a:t>
-            </a:r>
+              <a:rPr lang="pt-PT" dirty="0" smtClean="0"/>
+              <a:t>Noite</a:t>
+            </a:r>
+            <a:endParaRPr lang="pt-PT" dirty="0"/>
           </a:p>
         </p:txBody>
       </p:sp>
     </p:spTree>
     <p:extLst>
       <p:ext uri="{BB962C8B-B14F-4D97-AF65-F5344CB8AC3E}">
-        <p14:creationId xmlns:p14="http://schemas.microsoft.com/office/powerpoint/2010/main" val="3944840309"/>
+        <p14:creationId xmlns:p14="http://schemas.microsoft.com/office/powerpoint/2010/main" val="145047405"/>
       </p:ext>
     </p:extLst>
   </p:cSld>
@@ -17235,7 +16694,7 @@
           <p:cNvPr id="2" name="Content Placeholder 1">
             <a:extLst>
               <a:ext uri="{FF2B5EF4-FFF2-40B4-BE49-F238E27FC236}">
-                <a16:creationId xmlns:a16="http://schemas.microsoft.com/office/drawing/2014/main" id="{61284A3C-35C7-47BB-B5EF-3A5AFD39F048}"/>
+                <a16:creationId xmlns:a16="http://schemas.microsoft.com/office/drawing/2014/main" xmlns="" id="{61284A3C-35C7-47BB-B5EF-3A5AFD39F048}"/>
               </a:ext>
             </a:extLst>
           </p:cNvPr>
@@ -17260,7 +16719,7 @@
           <p:cNvPr id="3" name="Content Placeholder 2">
             <a:extLst>
               <a:ext uri="{FF2B5EF4-FFF2-40B4-BE49-F238E27FC236}">
-                <a16:creationId xmlns:a16="http://schemas.microsoft.com/office/drawing/2014/main" id="{75B62007-2099-491F-B9CC-679828859075}"/>
+                <a16:creationId xmlns:a16="http://schemas.microsoft.com/office/drawing/2014/main" xmlns="" id="{75B62007-2099-491F-B9CC-679828859075}"/>
               </a:ext>
             </a:extLst>
           </p:cNvPr>
@@ -17285,7 +16744,7 @@
           <p:cNvPr id="4" name="Content Placeholder 3">
             <a:extLst>
               <a:ext uri="{FF2B5EF4-FFF2-40B4-BE49-F238E27FC236}">
-                <a16:creationId xmlns:a16="http://schemas.microsoft.com/office/drawing/2014/main" id="{B573A8A9-0BDE-4B35-955D-A5C9FAFE6755}"/>
+                <a16:creationId xmlns:a16="http://schemas.microsoft.com/office/drawing/2014/main" xmlns="" id="{B573A8A9-0BDE-4B35-955D-A5C9FAFE6755}"/>
               </a:ext>
             </a:extLst>
           </p:cNvPr>
@@ -17310,7 +16769,7 @@
           <p:cNvPr id="5" name="Content Placeholder 4">
             <a:extLst>
               <a:ext uri="{FF2B5EF4-FFF2-40B4-BE49-F238E27FC236}">
-                <a16:creationId xmlns:a16="http://schemas.microsoft.com/office/drawing/2014/main" id="{03F0B0E7-9DC5-4E64-84FC-E41A42350BE1}"/>
+                <a16:creationId xmlns:a16="http://schemas.microsoft.com/office/drawing/2014/main" xmlns="" id="{03F0B0E7-9DC5-4E64-84FC-E41A42350BE1}"/>
               </a:ext>
             </a:extLst>
           </p:cNvPr>
@@ -17335,7 +16794,7 @@
           <p:cNvPr id="6" name="Content Placeholder 5">
             <a:extLst>
               <a:ext uri="{FF2B5EF4-FFF2-40B4-BE49-F238E27FC236}">
-                <a16:creationId xmlns:a16="http://schemas.microsoft.com/office/drawing/2014/main" id="{AAD76EA7-FFDD-4221-8BFA-2CF2F90A53A9}"/>
+                <a16:creationId xmlns:a16="http://schemas.microsoft.com/office/drawing/2014/main" xmlns="" id="{AAD76EA7-FFDD-4221-8BFA-2CF2F90A53A9}"/>
               </a:ext>
             </a:extLst>
           </p:cNvPr>
@@ -17352,9 +16811,169 @@
           <a:lstStyle/>
           <a:p>
             <a:r>
-              <a:rPr lang="pt-PT" dirty="0"/>
-              <a:t>Início</a:t>
-            </a:r>
+              <a:rPr lang="pt-PT" dirty="0" smtClean="0"/>
+              <a:t>Cultura</a:t>
+            </a:r>
+            <a:endParaRPr lang="pt-PT" dirty="0"/>
+          </a:p>
+        </p:txBody>
+      </p:sp>
+    </p:spTree>
+    <p:extLst>
+      <p:ext uri="{BB962C8B-B14F-4D97-AF65-F5344CB8AC3E}">
+        <p14:creationId xmlns:p14="http://schemas.microsoft.com/office/powerpoint/2010/main" val="3944840309"/>
+      </p:ext>
+    </p:extLst>
+  </p:cSld>
+  <p:clrMapOvr>
+    <a:masterClrMapping/>
+  </p:clrMapOvr>
+</p:sld>
+</file>
+
+<file path=ppt/slides/slide15.xml><?xml version="1.0" encoding="utf-8"?>
+<p:sld xmlns:a="http://schemas.openxmlformats.org/drawingml/2006/main" xmlns:r="http://schemas.openxmlformats.org/officeDocument/2006/relationships" xmlns:p="http://schemas.openxmlformats.org/presentationml/2006/main">
+  <p:cSld>
+    <p:spTree>
+      <p:nvGrpSpPr>
+        <p:cNvPr id="1" name=""/>
+        <p:cNvGrpSpPr/>
+        <p:nvPr/>
+      </p:nvGrpSpPr>
+      <p:grpSpPr>
+        <a:xfrm>
+          <a:off x="0" y="0"/>
+          <a:ext cx="0" cy="0"/>
+          <a:chOff x="0" y="0"/>
+          <a:chExt cx="0" cy="0"/>
+        </a:xfrm>
+      </p:grpSpPr>
+      <p:sp>
+        <p:nvSpPr>
+          <p:cNvPr id="2" name="Content Placeholder 1">
+            <a:extLst>
+              <a:ext uri="{FF2B5EF4-FFF2-40B4-BE49-F238E27FC236}">
+                <a16:creationId xmlns:a16="http://schemas.microsoft.com/office/drawing/2014/main" xmlns="" id="{61284A3C-35C7-47BB-B5EF-3A5AFD39F048}"/>
+              </a:ext>
+            </a:extLst>
+          </p:cNvPr>
+          <p:cNvSpPr>
+            <a:spLocks noGrp="1"/>
+          </p:cNvSpPr>
+          <p:nvPr>
+            <p:ph idx="1"/>
+          </p:nvPr>
+        </p:nvSpPr>
+        <p:spPr/>
+        <p:txBody>
+          <a:bodyPr/>
+          <a:lstStyle/>
+          <a:p>
+            <a:endParaRPr lang="pt-PT" dirty="0"/>
+          </a:p>
+        </p:txBody>
+      </p:sp>
+      <p:sp>
+        <p:nvSpPr>
+          <p:cNvPr id="3" name="Content Placeholder 2">
+            <a:extLst>
+              <a:ext uri="{FF2B5EF4-FFF2-40B4-BE49-F238E27FC236}">
+                <a16:creationId xmlns:a16="http://schemas.microsoft.com/office/drawing/2014/main" xmlns="" id="{75B62007-2099-491F-B9CC-679828859075}"/>
+              </a:ext>
+            </a:extLst>
+          </p:cNvPr>
+          <p:cNvSpPr>
+            <a:spLocks noGrp="1"/>
+          </p:cNvSpPr>
+          <p:nvPr>
+            <p:ph idx="10"/>
+          </p:nvPr>
+        </p:nvSpPr>
+        <p:spPr/>
+        <p:txBody>
+          <a:bodyPr/>
+          <a:lstStyle/>
+          <a:p>
+            <a:endParaRPr lang="pt-PT" dirty="0"/>
+          </a:p>
+        </p:txBody>
+      </p:sp>
+      <p:sp>
+        <p:nvSpPr>
+          <p:cNvPr id="4" name="Content Placeholder 3">
+            <a:extLst>
+              <a:ext uri="{FF2B5EF4-FFF2-40B4-BE49-F238E27FC236}">
+                <a16:creationId xmlns:a16="http://schemas.microsoft.com/office/drawing/2014/main" xmlns="" id="{B573A8A9-0BDE-4B35-955D-A5C9FAFE6755}"/>
+              </a:ext>
+            </a:extLst>
+          </p:cNvPr>
+          <p:cNvSpPr>
+            <a:spLocks noGrp="1"/>
+          </p:cNvSpPr>
+          <p:nvPr>
+            <p:ph idx="11"/>
+          </p:nvPr>
+        </p:nvSpPr>
+        <p:spPr/>
+        <p:txBody>
+          <a:bodyPr/>
+          <a:lstStyle/>
+          <a:p>
+            <a:endParaRPr lang="pt-PT" dirty="0"/>
+          </a:p>
+        </p:txBody>
+      </p:sp>
+      <p:sp>
+        <p:nvSpPr>
+          <p:cNvPr id="5" name="Content Placeholder 4">
+            <a:extLst>
+              <a:ext uri="{FF2B5EF4-FFF2-40B4-BE49-F238E27FC236}">
+                <a16:creationId xmlns:a16="http://schemas.microsoft.com/office/drawing/2014/main" xmlns="" id="{03F0B0E7-9DC5-4E64-84FC-E41A42350BE1}"/>
+              </a:ext>
+            </a:extLst>
+          </p:cNvPr>
+          <p:cNvSpPr>
+            <a:spLocks noGrp="1"/>
+          </p:cNvSpPr>
+          <p:nvPr>
+            <p:ph idx="12"/>
+          </p:nvPr>
+        </p:nvSpPr>
+        <p:spPr/>
+        <p:txBody>
+          <a:bodyPr/>
+          <a:lstStyle/>
+          <a:p>
+            <a:endParaRPr lang="pt-PT" dirty="0"/>
+          </a:p>
+        </p:txBody>
+      </p:sp>
+      <p:sp>
+        <p:nvSpPr>
+          <p:cNvPr id="6" name="Content Placeholder 5">
+            <a:extLst>
+              <a:ext uri="{FF2B5EF4-FFF2-40B4-BE49-F238E27FC236}">
+                <a16:creationId xmlns:a16="http://schemas.microsoft.com/office/drawing/2014/main" xmlns="" id="{AAD76EA7-FFDD-4221-8BFA-2CF2F90A53A9}"/>
+              </a:ext>
+            </a:extLst>
+          </p:cNvPr>
+          <p:cNvSpPr>
+            <a:spLocks noGrp="1"/>
+          </p:cNvSpPr>
+          <p:nvPr>
+            <p:ph idx="13"/>
+          </p:nvPr>
+        </p:nvSpPr>
+        <p:spPr/>
+        <p:txBody>
+          <a:bodyPr/>
+          <a:lstStyle/>
+          <a:p>
+            <a:r>
+              <a:rPr lang="pt-PT" dirty="0" smtClean="0"/>
+              <a:t>Desporto </a:t>
+            </a:r>
+            <a:endParaRPr lang="pt-PT" dirty="0"/>
           </a:p>
         </p:txBody>
       </p:sp>
@@ -17362,6 +16981,135 @@
     <p:extLst>
       <p:ext uri="{BB962C8B-B14F-4D97-AF65-F5344CB8AC3E}">
         <p14:creationId xmlns:p14="http://schemas.microsoft.com/office/powerpoint/2010/main" val="3201941665"/>
+      </p:ext>
+    </p:extLst>
+  </p:cSld>
+  <p:clrMapOvr>
+    <a:masterClrMapping/>
+  </p:clrMapOvr>
+</p:sld>
+</file>
+
+<file path=ppt/slides/slide16.xml><?xml version="1.0" encoding="utf-8"?>
+<p:sld xmlns:a="http://schemas.openxmlformats.org/drawingml/2006/main" xmlns:r="http://schemas.openxmlformats.org/officeDocument/2006/relationships" xmlns:p="http://schemas.openxmlformats.org/presentationml/2006/main">
+  <p:cSld>
+    <p:spTree>
+      <p:nvGrpSpPr>
+        <p:cNvPr id="1" name=""/>
+        <p:cNvGrpSpPr/>
+        <p:nvPr/>
+      </p:nvGrpSpPr>
+      <p:grpSpPr>
+        <a:xfrm>
+          <a:off x="0" y="0"/>
+          <a:ext cx="0" cy="0"/>
+          <a:chOff x="0" y="0"/>
+          <a:chExt cx="0" cy="0"/>
+        </a:xfrm>
+      </p:grpSpPr>
+      <p:sp>
+        <p:nvSpPr>
+          <p:cNvPr id="2" name="Marcador de Posição de Conteúdo 1"/>
+          <p:cNvSpPr>
+            <a:spLocks noGrp="1"/>
+          </p:cNvSpPr>
+          <p:nvPr>
+            <p:ph idx="1"/>
+          </p:nvPr>
+        </p:nvSpPr>
+        <p:spPr/>
+        <p:txBody>
+          <a:bodyPr/>
+          <a:lstStyle/>
+          <a:p>
+            <a:endParaRPr lang="pt-PT"/>
+          </a:p>
+        </p:txBody>
+      </p:sp>
+      <p:sp>
+        <p:nvSpPr>
+          <p:cNvPr id="3" name="Marcador de Posição de Conteúdo 2"/>
+          <p:cNvSpPr>
+            <a:spLocks noGrp="1"/>
+          </p:cNvSpPr>
+          <p:nvPr>
+            <p:ph idx="10"/>
+          </p:nvPr>
+        </p:nvSpPr>
+        <p:spPr/>
+        <p:txBody>
+          <a:bodyPr/>
+          <a:lstStyle/>
+          <a:p>
+            <a:endParaRPr lang="pt-PT"/>
+          </a:p>
+        </p:txBody>
+      </p:sp>
+      <p:sp>
+        <p:nvSpPr>
+          <p:cNvPr id="4" name="Marcador de Posição de Conteúdo 3"/>
+          <p:cNvSpPr>
+            <a:spLocks noGrp="1"/>
+          </p:cNvSpPr>
+          <p:nvPr>
+            <p:ph idx="11"/>
+          </p:nvPr>
+        </p:nvSpPr>
+        <p:spPr/>
+        <p:txBody>
+          <a:bodyPr/>
+          <a:lstStyle/>
+          <a:p>
+            <a:endParaRPr lang="pt-PT"/>
+          </a:p>
+        </p:txBody>
+      </p:sp>
+      <p:sp>
+        <p:nvSpPr>
+          <p:cNvPr id="5" name="Marcador de Posição de Conteúdo 4"/>
+          <p:cNvSpPr>
+            <a:spLocks noGrp="1"/>
+          </p:cNvSpPr>
+          <p:nvPr>
+            <p:ph idx="12"/>
+          </p:nvPr>
+        </p:nvSpPr>
+        <p:spPr/>
+        <p:txBody>
+          <a:bodyPr/>
+          <a:lstStyle/>
+          <a:p>
+            <a:endParaRPr lang="pt-PT"/>
+          </a:p>
+        </p:txBody>
+      </p:sp>
+      <p:sp>
+        <p:nvSpPr>
+          <p:cNvPr id="6" name="Marcador de Posição de Conteúdo 5"/>
+          <p:cNvSpPr>
+            <a:spLocks noGrp="1"/>
+          </p:cNvSpPr>
+          <p:nvPr>
+            <p:ph idx="13"/>
+          </p:nvPr>
+        </p:nvSpPr>
+        <p:spPr/>
+        <p:txBody>
+          <a:bodyPr/>
+          <a:lstStyle/>
+          <a:p>
+            <a:r>
+              <a:rPr lang="pt-PT" dirty="0" smtClean="0"/>
+              <a:t>Em destaque</a:t>
+            </a:r>
+            <a:endParaRPr lang="pt-PT" dirty="0"/>
+          </a:p>
+        </p:txBody>
+      </p:sp>
+    </p:spTree>
+    <p:extLst>
+      <p:ext uri="{BB962C8B-B14F-4D97-AF65-F5344CB8AC3E}">
+        <p14:creationId xmlns:p14="http://schemas.microsoft.com/office/powerpoint/2010/main" val="1369871826"/>
       </p:ext>
     </p:extLst>
   </p:cSld>
@@ -17419,7 +17167,7 @@
           <p:cNvPr id="6" name="Content Placeholder 5">
             <a:extLst>
               <a:ext uri="{FF2B5EF4-FFF2-40B4-BE49-F238E27FC236}">
-                <a16:creationId xmlns:a16="http://schemas.microsoft.com/office/drawing/2014/main" id="{D2F8EBE6-665F-4846-A148-9D6DDE6E6817}"/>
+                <a16:creationId xmlns:a16="http://schemas.microsoft.com/office/drawing/2014/main" xmlns="" id="{D2F8EBE6-665F-4846-A148-9D6DDE6E6817}"/>
               </a:ext>
             </a:extLst>
           </p:cNvPr>
@@ -17632,7 +17380,7 @@
           <p:cNvPr id="7" name="Content Placeholder 6">
             <a:extLst>
               <a:ext uri="{FF2B5EF4-FFF2-40B4-BE49-F238E27FC236}">
-                <a16:creationId xmlns:a16="http://schemas.microsoft.com/office/drawing/2014/main" id="{6A3312CD-3A32-4B92-800D-BCF4662960EA}"/>
+                <a16:creationId xmlns:a16="http://schemas.microsoft.com/office/drawing/2014/main" xmlns="" id="{6A3312CD-3A32-4B92-800D-BCF4662960EA}"/>
               </a:ext>
             </a:extLst>
           </p:cNvPr>
@@ -17670,7 +17418,7 @@
           <p:cNvPr id="4" name="Picture 3">
             <a:extLst>
               <a:ext uri="{FF2B5EF4-FFF2-40B4-BE49-F238E27FC236}">
-                <a16:creationId xmlns:a16="http://schemas.microsoft.com/office/drawing/2014/main" id="{6B77C82E-A7D5-43FA-B0E1-FABD1A26BE05}"/>
+                <a16:creationId xmlns:a16="http://schemas.microsoft.com/office/drawing/2014/main" xmlns="" id="{6B77C82E-A7D5-43FA-B0E1-FABD1A26BE05}"/>
               </a:ext>
             </a:extLst>
           </p:cNvPr>
@@ -17729,7 +17477,7 @@
           <p:cNvPr id="2" name="Title 1">
             <a:extLst>
               <a:ext uri="{FF2B5EF4-FFF2-40B4-BE49-F238E27FC236}">
-                <a16:creationId xmlns:a16="http://schemas.microsoft.com/office/drawing/2014/main" id="{146D3ED9-1C44-49AB-9A69-32D9A044581F}"/>
+                <a16:creationId xmlns:a16="http://schemas.microsoft.com/office/drawing/2014/main" xmlns="" id="{146D3ED9-1C44-49AB-9A69-32D9A044581F}"/>
               </a:ext>
             </a:extLst>
           </p:cNvPr>
@@ -17757,7 +17505,7 @@
           <p:cNvPr id="3" name="Content Placeholder 2">
             <a:extLst>
               <a:ext uri="{FF2B5EF4-FFF2-40B4-BE49-F238E27FC236}">
-                <a16:creationId xmlns:a16="http://schemas.microsoft.com/office/drawing/2014/main" id="{976A4E5C-F24A-4C41-A632-95938F25BA18}"/>
+                <a16:creationId xmlns:a16="http://schemas.microsoft.com/office/drawing/2014/main" xmlns="" id="{976A4E5C-F24A-4C41-A632-95938F25BA18}"/>
               </a:ext>
             </a:extLst>
           </p:cNvPr>
@@ -17827,7 +17575,7 @@
           <p:cNvPr id="4" name="Slide Number Placeholder 3">
             <a:extLst>
               <a:ext uri="{FF2B5EF4-FFF2-40B4-BE49-F238E27FC236}">
-                <a16:creationId xmlns:a16="http://schemas.microsoft.com/office/drawing/2014/main" id="{B255EC2C-DA39-47EF-81AE-82C02C61A452}"/>
+                <a16:creationId xmlns:a16="http://schemas.microsoft.com/office/drawing/2014/main" xmlns="" id="{B255EC2C-DA39-47EF-81AE-82C02C61A452}"/>
               </a:ext>
             </a:extLst>
           </p:cNvPr>
@@ -17886,7 +17634,7 @@
           <p:cNvPr id="7" name="Diagram 4">
             <a:extLst>
               <a:ext uri="{FF2B5EF4-FFF2-40B4-BE49-F238E27FC236}">
-                <a16:creationId xmlns:a16="http://schemas.microsoft.com/office/drawing/2014/main" id="{26FDAC6F-257B-4A6D-9996-585B03A417C8}"/>
+                <a16:creationId xmlns:a16="http://schemas.microsoft.com/office/drawing/2014/main" xmlns="" id="{26FDAC6F-257B-4A6D-9996-585B03A417C8}"/>
               </a:ext>
             </a:extLst>
           </p:cNvPr>
@@ -17894,7 +17642,7 @@
           <p:nvPr>
             <p:extLst>
               <p:ext uri="{D42A27DB-BD31-4B8C-83A1-F6EECF244321}">
-                <p14:modId xmlns:p14="http://schemas.microsoft.com/office/powerpoint/2010/main" val="1970065881"/>
+                <p14:modId xmlns:p14="http://schemas.microsoft.com/office/powerpoint/2010/main" val="272399959"/>
               </p:ext>
             </p:extLst>
           </p:nvPr>
@@ -17944,7 +17692,7 @@
           <p:cNvPr id="2" name="Content Placeholder 1">
             <a:extLst>
               <a:ext uri="{FF2B5EF4-FFF2-40B4-BE49-F238E27FC236}">
-                <a16:creationId xmlns:a16="http://schemas.microsoft.com/office/drawing/2014/main" id="{61284A3C-35C7-47BB-B5EF-3A5AFD39F048}"/>
+                <a16:creationId xmlns:a16="http://schemas.microsoft.com/office/drawing/2014/main" xmlns="" id="{61284A3C-35C7-47BB-B5EF-3A5AFD39F048}"/>
               </a:ext>
             </a:extLst>
           </p:cNvPr>
@@ -17960,7 +17708,70 @@
           <a:bodyPr/>
           <a:lstStyle/>
           <a:p>
-            <a:endParaRPr lang="pt-PT" dirty="0"/>
+            <a:r>
+              <a:rPr lang="pt-PT" dirty="0">
+                <a:hlinkClick r:id="rId2"/>
+              </a:rPr>
+              <a:t>https://</a:t>
+            </a:r>
+            <a:r>
+              <a:rPr lang="pt-PT" dirty="0" smtClean="0">
+                <a:hlinkClick r:id="rId2"/>
+              </a:rPr>
+              <a:t>pt.wikipedia.org/wiki/Castelo_Branco</a:t>
+            </a:r>
+            <a:endParaRPr lang="pt-PT" dirty="0" smtClean="0"/>
+          </a:p>
+          <a:p>
+            <a:r>
+              <a:rPr lang="pt-PT" dirty="0">
+                <a:hlinkClick r:id="rId3"/>
+              </a:rPr>
+              <a:t>https://turismodocentro.pt/artigo-regiao/serra-da-estrela</a:t>
+            </a:r>
+            <a:r>
+              <a:rPr lang="pt-PT" dirty="0" smtClean="0">
+                <a:hlinkClick r:id="rId3"/>
+              </a:rPr>
+              <a:t>/</a:t>
+            </a:r>
+            <a:endParaRPr lang="pt-PT" dirty="0" smtClean="0"/>
+          </a:p>
+          <a:p>
+            <a:r>
+              <a:rPr lang="pt-PT" dirty="0">
+                <a:hlinkClick r:id="rId4"/>
+              </a:rPr>
+              <a:t>http://www.anil.pt/?</a:t>
+            </a:r>
+            <a:r>
+              <a:rPr lang="pt-PT" dirty="0" smtClean="0">
+                <a:hlinkClick r:id="rId4"/>
+              </a:rPr>
+              <a:t>cix=883</a:t>
+            </a:r>
+            <a:endParaRPr lang="pt-PT" dirty="0" smtClean="0"/>
+          </a:p>
+          <a:p>
+            <a:r>
+              <a:rPr lang="pt-PT" dirty="0" smtClean="0">
+                <a:hlinkClick r:id="rId5"/>
+              </a:rPr>
+              <a:t>https</a:t>
+            </a:r>
+            <a:r>
+              <a:rPr lang="pt-PT" dirty="0">
+                <a:hlinkClick r:id="rId5"/>
+              </a:rPr>
+              <a:t>://www.ubi.pt</a:t>
+            </a:r>
+            <a:r>
+              <a:rPr lang="pt-PT" dirty="0" smtClean="0">
+                <a:hlinkClick r:id="rId5"/>
+              </a:rPr>
+              <a:t>/</a:t>
+            </a:r>
+            <a:endParaRPr lang="pt-PT" dirty="0" smtClean="0"/>
           </a:p>
         </p:txBody>
       </p:sp>
@@ -17969,7 +17780,7 @@
           <p:cNvPr id="3" name="Content Placeholder 2">
             <a:extLst>
               <a:ext uri="{FF2B5EF4-FFF2-40B4-BE49-F238E27FC236}">
-                <a16:creationId xmlns:a16="http://schemas.microsoft.com/office/drawing/2014/main" id="{75B62007-2099-491F-B9CC-679828859075}"/>
+                <a16:creationId xmlns:a16="http://schemas.microsoft.com/office/drawing/2014/main" xmlns="" id="{75B62007-2099-491F-B9CC-679828859075}"/>
               </a:ext>
             </a:extLst>
           </p:cNvPr>
@@ -17994,7 +17805,7 @@
           <p:cNvPr id="4" name="Content Placeholder 3">
             <a:extLst>
               <a:ext uri="{FF2B5EF4-FFF2-40B4-BE49-F238E27FC236}">
-                <a16:creationId xmlns:a16="http://schemas.microsoft.com/office/drawing/2014/main" id="{B573A8A9-0BDE-4B35-955D-A5C9FAFE6755}"/>
+                <a16:creationId xmlns:a16="http://schemas.microsoft.com/office/drawing/2014/main" xmlns="" id="{B573A8A9-0BDE-4B35-955D-A5C9FAFE6755}"/>
               </a:ext>
             </a:extLst>
           </p:cNvPr>
@@ -18019,7 +17830,7 @@
           <p:cNvPr id="5" name="Content Placeholder 4">
             <a:extLst>
               <a:ext uri="{FF2B5EF4-FFF2-40B4-BE49-F238E27FC236}">
-                <a16:creationId xmlns:a16="http://schemas.microsoft.com/office/drawing/2014/main" id="{03F0B0E7-9DC5-4E64-84FC-E41A42350BE1}"/>
+                <a16:creationId xmlns:a16="http://schemas.microsoft.com/office/drawing/2014/main" xmlns="" id="{03F0B0E7-9DC5-4E64-84FC-E41A42350BE1}"/>
               </a:ext>
             </a:extLst>
           </p:cNvPr>
@@ -18032,8 +17843,32 @@
         </p:nvSpPr>
         <p:spPr/>
         <p:txBody>
-          <a:bodyPr/>
+          <a:bodyPr>
+            <a:normAutofit lnSpcReduction="10000"/>
+          </a:bodyPr>
           <a:lstStyle/>
+          <a:p>
+            <a:r>
+              <a:rPr lang="pt-PT" sz="1400" dirty="0"/>
+              <a:t>A Covilhã, exemplo bastante original de uma “cidade de montanha” pertence ao distrito de Castelo Branco e é conhecida como a porta de entrada na Serra da </a:t>
+            </a:r>
+            <a:r>
+              <a:rPr lang="pt-PT" sz="1400" dirty="0" smtClean="0"/>
+              <a:t>Estrela. </a:t>
+            </a:r>
+            <a:r>
+              <a:rPr lang="pt-PT" sz="1400" dirty="0"/>
+              <a:t>Chegar à </a:t>
+            </a:r>
+            <a:r>
+              <a:rPr lang="pt-PT" sz="1400" dirty="0" smtClean="0"/>
+              <a:t>Covilhã </a:t>
+            </a:r>
+            <a:r>
+              <a:rPr lang="pt-PT" sz="1400" dirty="0"/>
+              <a:t>traduz-se em conhecer a indústria de lanifícios e praticar atividades ao ar livre em plena Serra da Estrela. A demografia da cidade afirmou-se desde tempos antigos e a Covilhã teve logo na sua indústria de lanifícios uma das suas principais referências. A gastronomia da região destaca-se pelo célebre queijo da Serra. No centro histórico da cidade podemos comtemplar pinturas e esculturas de arte urbana realizadas por alguns nomes consagrados. A diversidade de atividades de lazer e a universidade cativam os jovens a conhecer melhor o que esta cidade tem para oferecer.</a:t>
+            </a:r>
+          </a:p>
           <a:p>
             <a:endParaRPr lang="pt-PT" dirty="0"/>
           </a:p>
@@ -18044,7 +17879,7 @@
           <p:cNvPr id="6" name="Content Placeholder 5">
             <a:extLst>
               <a:ext uri="{FF2B5EF4-FFF2-40B4-BE49-F238E27FC236}">
-                <a16:creationId xmlns:a16="http://schemas.microsoft.com/office/drawing/2014/main" id="{AAD76EA7-FFDD-4221-8BFA-2CF2F90A53A9}"/>
+                <a16:creationId xmlns:a16="http://schemas.microsoft.com/office/drawing/2014/main" xmlns="" id="{AAD76EA7-FFDD-4221-8BFA-2CF2F90A53A9}"/>
               </a:ext>
             </a:extLst>
           </p:cNvPr>
@@ -18102,7 +17937,7 @@
           <p:cNvPr id="2" name="Content Placeholder 1">
             <a:extLst>
               <a:ext uri="{FF2B5EF4-FFF2-40B4-BE49-F238E27FC236}">
-                <a16:creationId xmlns:a16="http://schemas.microsoft.com/office/drawing/2014/main" id="{61284A3C-35C7-47BB-B5EF-3A5AFD39F048}"/>
+                <a16:creationId xmlns:a16="http://schemas.microsoft.com/office/drawing/2014/main" xmlns="" id="{61284A3C-35C7-47BB-B5EF-3A5AFD39F048}"/>
               </a:ext>
             </a:extLst>
           </p:cNvPr>
@@ -18118,6 +17953,30 @@
           <a:bodyPr/>
           <a:lstStyle/>
           <a:p>
+            <a:r>
+              <a:rPr lang="pt-PT" dirty="0">
+                <a:hlinkClick r:id="rId2"/>
+              </a:rPr>
+              <a:t>http://www.lisbonne-idee.pt/p4820-wool-fest-covilha-descentralizacao-artistica.html</a:t>
+            </a:r>
+            <a:endParaRPr lang="pt-PT" dirty="0"/>
+          </a:p>
+          <a:p>
+            <a:r>
+              <a:rPr lang="pt-PT" dirty="0">
+                <a:hlinkClick r:id="rId3"/>
+              </a:rPr>
+              <a:t>https://</a:t>
+            </a:r>
+            <a:r>
+              <a:rPr lang="pt-PT" dirty="0" smtClean="0">
+                <a:hlinkClick r:id="rId3"/>
+              </a:rPr>
+              <a:t>www.tripadvisor.pt/Attractions-g189145-Activities-c47-Covilha_Castelo_Branco_District_Central_Portugal.html</a:t>
+            </a:r>
+            <a:endParaRPr lang="pt-PT" dirty="0" smtClean="0"/>
+          </a:p>
+          <a:p>
             <a:endParaRPr lang="pt-PT" dirty="0"/>
           </a:p>
         </p:txBody>
@@ -18127,7 +17986,7 @@
           <p:cNvPr id="3" name="Content Placeholder 2">
             <a:extLst>
               <a:ext uri="{FF2B5EF4-FFF2-40B4-BE49-F238E27FC236}">
-                <a16:creationId xmlns:a16="http://schemas.microsoft.com/office/drawing/2014/main" id="{75B62007-2099-491F-B9CC-679828859075}"/>
+                <a16:creationId xmlns:a16="http://schemas.microsoft.com/office/drawing/2014/main" xmlns="" id="{75B62007-2099-491F-B9CC-679828859075}"/>
               </a:ext>
             </a:extLst>
           </p:cNvPr>
@@ -18152,7 +18011,7 @@
           <p:cNvPr id="4" name="Content Placeholder 3">
             <a:extLst>
               <a:ext uri="{FF2B5EF4-FFF2-40B4-BE49-F238E27FC236}">
-                <a16:creationId xmlns:a16="http://schemas.microsoft.com/office/drawing/2014/main" id="{B573A8A9-0BDE-4B35-955D-A5C9FAFE6755}"/>
+                <a16:creationId xmlns:a16="http://schemas.microsoft.com/office/drawing/2014/main" xmlns="" id="{B573A8A9-0BDE-4B35-955D-A5C9FAFE6755}"/>
               </a:ext>
             </a:extLst>
           </p:cNvPr>
@@ -18177,7 +18036,7 @@
           <p:cNvPr id="5" name="Content Placeholder 4">
             <a:extLst>
               <a:ext uri="{FF2B5EF4-FFF2-40B4-BE49-F238E27FC236}">
-                <a16:creationId xmlns:a16="http://schemas.microsoft.com/office/drawing/2014/main" id="{03F0B0E7-9DC5-4E64-84FC-E41A42350BE1}"/>
+                <a16:creationId xmlns:a16="http://schemas.microsoft.com/office/drawing/2014/main" xmlns="" id="{03F0B0E7-9DC5-4E64-84FC-E41A42350BE1}"/>
               </a:ext>
             </a:extLst>
           </p:cNvPr>
@@ -18190,10 +18049,15 @@
         </p:nvSpPr>
         <p:spPr/>
         <p:txBody>
-          <a:bodyPr/>
+          <a:bodyPr>
+            <a:normAutofit/>
+          </a:bodyPr>
           <a:lstStyle/>
           <a:p>
-            <a:endParaRPr lang="pt-PT" dirty="0"/>
+            <a:r>
+              <a:rPr lang="pt-PT" sz="1400" dirty="0"/>
+              <a:t>Na Covilhã e nas proximidades tem oportunidade de conhecer os Castelos, a arte urbana, a Universidade, as Aldeias Históricas, a Rota da Lã e das Antigas Judiarias e fazendo um dos percursos que lhe dão a conhecer o património cultural desta região. Para além disso a o Parque Natural da Serra da Estrela providencia o turismo de montanha, mas na verdade há muito para fazer na Covilhã para além da neve. </a:t>
+            </a:r>
           </a:p>
         </p:txBody>
       </p:sp>
@@ -18202,7 +18066,7 @@
           <p:cNvPr id="6" name="Content Placeholder 5">
             <a:extLst>
               <a:ext uri="{FF2B5EF4-FFF2-40B4-BE49-F238E27FC236}">
-                <a16:creationId xmlns:a16="http://schemas.microsoft.com/office/drawing/2014/main" id="{AAD76EA7-FFDD-4221-8BFA-2CF2F90A53A9}"/>
+                <a16:creationId xmlns:a16="http://schemas.microsoft.com/office/drawing/2014/main" xmlns="" id="{AAD76EA7-FFDD-4221-8BFA-2CF2F90A53A9}"/>
               </a:ext>
             </a:extLst>
           </p:cNvPr>
@@ -18220,8 +18084,13 @@
           <a:p>
             <a:r>
               <a:rPr lang="pt-PT" dirty="0"/>
-              <a:t>Porquê Covilhã</a:t>
-            </a:r>
+              <a:t>Porquê </a:t>
+            </a:r>
+            <a:r>
+              <a:rPr lang="pt-PT" dirty="0" smtClean="0"/>
+              <a:t>Covilhã?</a:t>
+            </a:r>
+            <a:endParaRPr lang="pt-PT" dirty="0"/>
           </a:p>
         </p:txBody>
       </p:sp>
@@ -18260,7 +18129,7 @@
           <p:cNvPr id="2" name="Content Placeholder 1">
             <a:extLst>
               <a:ext uri="{FF2B5EF4-FFF2-40B4-BE49-F238E27FC236}">
-                <a16:creationId xmlns:a16="http://schemas.microsoft.com/office/drawing/2014/main" id="{61284A3C-35C7-47BB-B5EF-3A5AFD39F048}"/>
+                <a16:creationId xmlns:a16="http://schemas.microsoft.com/office/drawing/2014/main" xmlns="" id="{61284A3C-35C7-47BB-B5EF-3A5AFD39F048}"/>
               </a:ext>
             </a:extLst>
           </p:cNvPr>
@@ -18276,6 +18145,24 @@
           <a:bodyPr/>
           <a:lstStyle/>
           <a:p>
+            <a:r>
+              <a:rPr lang="pt-PT" dirty="0">
+                <a:hlinkClick r:id="rId2"/>
+              </a:rPr>
+              <a:t>https://turismodocentro.pt</a:t>
+            </a:r>
+            <a:r>
+              <a:rPr lang="pt-PT" dirty="0" smtClean="0">
+                <a:hlinkClick r:id="rId2"/>
+              </a:rPr>
+              <a:t>/</a:t>
+            </a:r>
+            <a:endParaRPr lang="pt-PT" dirty="0" smtClean="0"/>
+          </a:p>
+          <a:p>
+            <a:pPr marL="0" indent="0">
+              <a:buNone/>
+            </a:pPr>
             <a:endParaRPr lang="pt-PT" dirty="0"/>
           </a:p>
         </p:txBody>
@@ -18285,7 +18172,7 @@
           <p:cNvPr id="3" name="Content Placeholder 2">
             <a:extLst>
               <a:ext uri="{FF2B5EF4-FFF2-40B4-BE49-F238E27FC236}">
-                <a16:creationId xmlns:a16="http://schemas.microsoft.com/office/drawing/2014/main" id="{75B62007-2099-491F-B9CC-679828859075}"/>
+                <a16:creationId xmlns:a16="http://schemas.microsoft.com/office/drawing/2014/main" xmlns="" id="{75B62007-2099-491F-B9CC-679828859075}"/>
               </a:ext>
             </a:extLst>
           </p:cNvPr>
@@ -18310,7 +18197,7 @@
           <p:cNvPr id="4" name="Content Placeholder 3">
             <a:extLst>
               <a:ext uri="{FF2B5EF4-FFF2-40B4-BE49-F238E27FC236}">
-                <a16:creationId xmlns:a16="http://schemas.microsoft.com/office/drawing/2014/main" id="{B573A8A9-0BDE-4B35-955D-A5C9FAFE6755}"/>
+                <a16:creationId xmlns:a16="http://schemas.microsoft.com/office/drawing/2014/main" xmlns="" id="{B573A8A9-0BDE-4B35-955D-A5C9FAFE6755}"/>
               </a:ext>
             </a:extLst>
           </p:cNvPr>
@@ -18335,7 +18222,7 @@
           <p:cNvPr id="5" name="Content Placeholder 4">
             <a:extLst>
               <a:ext uri="{FF2B5EF4-FFF2-40B4-BE49-F238E27FC236}">
-                <a16:creationId xmlns:a16="http://schemas.microsoft.com/office/drawing/2014/main" id="{03F0B0E7-9DC5-4E64-84FC-E41A42350BE1}"/>
+                <a16:creationId xmlns:a16="http://schemas.microsoft.com/office/drawing/2014/main" xmlns="" id="{03F0B0E7-9DC5-4E64-84FC-E41A42350BE1}"/>
               </a:ext>
             </a:extLst>
           </p:cNvPr>
@@ -18351,7 +18238,34 @@
           <a:bodyPr/>
           <a:lstStyle/>
           <a:p>
-            <a:endParaRPr lang="pt-PT" dirty="0"/>
+            <a:r>
+              <a:rPr lang="pt-PT" sz="1400" dirty="0"/>
+              <a:t>A cidade da Covilhã é uma cidade da região Centro do País, de fácil acesso graças à vasta rede de autoestradas.</a:t>
+            </a:r>
+          </a:p>
+          <a:p>
+            <a:r>
+              <a:rPr lang="pt-PT" sz="1400" dirty="0"/>
+              <a:t>Vindo do Norte deve seguir a A1 em direção a Lisboa, saindo na A25 em direção à Guarda, e por fim na A23 até à Covilhã.</a:t>
+            </a:r>
+          </a:p>
+          <a:p>
+            <a:r>
+              <a:rPr lang="pt-PT" sz="1400" dirty="0"/>
+              <a:t>Rumando do Sul deve seguir a A1 em direção ao Norte e depois sair na A23 até à Covilhã.</a:t>
+            </a:r>
+          </a:p>
+          <a:p>
+            <a:r>
+              <a:rPr lang="pt-PT" sz="1400" dirty="0"/>
+              <a:t>Se se encontra no Centro, o IP3 poderá levá-lo à cidade de Viseu, para de seguida sair para a A25 em direção à Guarda e por fim para a A23 até à Covilhã.</a:t>
+            </a:r>
+          </a:p>
+          <a:p>
+            <a:pPr marL="0" indent="0">
+              <a:buNone/>
+            </a:pPr>
+            <a:endParaRPr lang="pt-PT" sz="1400" dirty="0"/>
           </a:p>
         </p:txBody>
       </p:sp>
@@ -18360,7 +18274,7 @@
           <p:cNvPr id="6" name="Content Placeholder 5">
             <a:extLst>
               <a:ext uri="{FF2B5EF4-FFF2-40B4-BE49-F238E27FC236}">
-                <a16:creationId xmlns:a16="http://schemas.microsoft.com/office/drawing/2014/main" id="{AAD76EA7-FFDD-4221-8BFA-2CF2F90A53A9}"/>
+                <a16:creationId xmlns:a16="http://schemas.microsoft.com/office/drawing/2014/main" xmlns="" id="{AAD76EA7-FFDD-4221-8BFA-2CF2F90A53A9}"/>
               </a:ext>
             </a:extLst>
           </p:cNvPr>
@@ -18377,9 +18291,10 @@
           <a:lstStyle/>
           <a:p>
             <a:r>
-              <a:rPr lang="pt-PT" dirty="0"/>
-              <a:t>Início</a:t>
-            </a:r>
+              <a:rPr lang="pt-PT" dirty="0" smtClean="0"/>
+              <a:t>Chegar à Covilhã</a:t>
+            </a:r>
+            <a:endParaRPr lang="pt-PT" dirty="0"/>
           </a:p>
         </p:txBody>
       </p:sp>
@@ -18418,7 +18333,7 @@
           <p:cNvPr id="2" name="Content Placeholder 1">
             <a:extLst>
               <a:ext uri="{FF2B5EF4-FFF2-40B4-BE49-F238E27FC236}">
-                <a16:creationId xmlns:a16="http://schemas.microsoft.com/office/drawing/2014/main" id="{61284A3C-35C7-47BB-B5EF-3A5AFD39F048}"/>
+                <a16:creationId xmlns:a16="http://schemas.microsoft.com/office/drawing/2014/main" xmlns="" id="{61284A3C-35C7-47BB-B5EF-3A5AFD39F048}"/>
               </a:ext>
             </a:extLst>
           </p:cNvPr>
@@ -18443,7 +18358,7 @@
           <p:cNvPr id="3" name="Content Placeholder 2">
             <a:extLst>
               <a:ext uri="{FF2B5EF4-FFF2-40B4-BE49-F238E27FC236}">
-                <a16:creationId xmlns:a16="http://schemas.microsoft.com/office/drawing/2014/main" id="{75B62007-2099-491F-B9CC-679828859075}"/>
+                <a16:creationId xmlns:a16="http://schemas.microsoft.com/office/drawing/2014/main" xmlns="" id="{75B62007-2099-491F-B9CC-679828859075}"/>
               </a:ext>
             </a:extLst>
           </p:cNvPr>
@@ -18468,7 +18383,7 @@
           <p:cNvPr id="4" name="Content Placeholder 3">
             <a:extLst>
               <a:ext uri="{FF2B5EF4-FFF2-40B4-BE49-F238E27FC236}">
-                <a16:creationId xmlns:a16="http://schemas.microsoft.com/office/drawing/2014/main" id="{B573A8A9-0BDE-4B35-955D-A5C9FAFE6755}"/>
+                <a16:creationId xmlns:a16="http://schemas.microsoft.com/office/drawing/2014/main" xmlns="" id="{B573A8A9-0BDE-4B35-955D-A5C9FAFE6755}"/>
               </a:ext>
             </a:extLst>
           </p:cNvPr>
@@ -18493,7 +18408,7 @@
           <p:cNvPr id="5" name="Content Placeholder 4">
             <a:extLst>
               <a:ext uri="{FF2B5EF4-FFF2-40B4-BE49-F238E27FC236}">
-                <a16:creationId xmlns:a16="http://schemas.microsoft.com/office/drawing/2014/main" id="{03F0B0E7-9DC5-4E64-84FC-E41A42350BE1}"/>
+                <a16:creationId xmlns:a16="http://schemas.microsoft.com/office/drawing/2014/main" xmlns="" id="{03F0B0E7-9DC5-4E64-84FC-E41A42350BE1}"/>
               </a:ext>
             </a:extLst>
           </p:cNvPr>
@@ -18518,7 +18433,7 @@
           <p:cNvPr id="6" name="Content Placeholder 5">
             <a:extLst>
               <a:ext uri="{FF2B5EF4-FFF2-40B4-BE49-F238E27FC236}">
-                <a16:creationId xmlns:a16="http://schemas.microsoft.com/office/drawing/2014/main" id="{AAD76EA7-FFDD-4221-8BFA-2CF2F90A53A9}"/>
+                <a16:creationId xmlns:a16="http://schemas.microsoft.com/office/drawing/2014/main" xmlns="" id="{AAD76EA7-FFDD-4221-8BFA-2CF2F90A53A9}"/>
               </a:ext>
             </a:extLst>
           </p:cNvPr>
@@ -18535,9 +18450,10 @@
           <a:lstStyle/>
           <a:p>
             <a:r>
-              <a:rPr lang="pt-PT" dirty="0"/>
-              <a:t>Início</a:t>
-            </a:r>
+              <a:rPr lang="pt-PT" dirty="0" smtClean="0"/>
+              <a:t>Mapa</a:t>
+            </a:r>
+            <a:endParaRPr lang="pt-PT" dirty="0"/>
           </a:p>
         </p:txBody>
       </p:sp>

--- a/UBI_CompWeb_2018_templates.pptx
+++ b/UBI_CompWeb_2018_templates.pptx
@@ -5,7 +5,7 @@
     <p:sldMasterId id="2147483660" r:id="rId1"/>
   </p:sldMasterIdLst>
   <p:notesMasterIdLst>
-    <p:notesMasterId r:id="rId16"/>
+    <p:notesMasterId r:id="rId12"/>
   </p:notesMasterIdLst>
   <p:sldIdLst>
     <p:sldId id="256" r:id="rId2"/>
@@ -14,14 +14,10 @@
     <p:sldId id="261" r:id="rId5"/>
     <p:sldId id="263" r:id="rId6"/>
     <p:sldId id="262" r:id="rId7"/>
-    <p:sldId id="264" r:id="rId8"/>
-    <p:sldId id="265" r:id="rId9"/>
-    <p:sldId id="266" r:id="rId10"/>
-    <p:sldId id="267" r:id="rId11"/>
-    <p:sldId id="268" r:id="rId12"/>
-    <p:sldId id="269" r:id="rId13"/>
-    <p:sldId id="270" r:id="rId14"/>
-    <p:sldId id="271" r:id="rId15"/>
+    <p:sldId id="265" r:id="rId8"/>
+    <p:sldId id="266" r:id="rId9"/>
+    <p:sldId id="267" r:id="rId10"/>
+    <p:sldId id="268" r:id="rId11"/>
   </p:sldIdLst>
   <p:sldSz cx="9144000" cy="6858000" type="screen4x3"/>
   <p:notesSz cx="6858000" cy="9144000"/>
@@ -11170,7 +11166,7 @@
           <a:p>
             <a:fld id="{FE46BE1C-E5B9-40EB-B480-3B6CCE635393}" type="datetimeFigureOut">
               <a:rPr lang="en-GB" smtClean="0"/>
-              <a:t>12/12/2018</a:t>
+              <a:t>29/12/2018</a:t>
             </a:fld>
             <a:endParaRPr lang="en-GB"/>
           </a:p>
@@ -12322,7 +12318,7 @@
           <a:p>
             <a:fld id="{46E4206C-CDB6-49DB-A49C-1C74FE4EA3F6}" type="datetime1">
               <a:rPr lang="en-GB" smtClean="0"/>
-              <a:t>12/12/2018</a:t>
+              <a:t>29/12/2018</a:t>
             </a:fld>
             <a:endParaRPr lang="en-GB"/>
           </a:p>
@@ -12492,7 +12488,7 @@
           <a:p>
             <a:fld id="{EC42A3EE-7AFB-4F73-B39D-FB9AAAE09D70}" type="datetime1">
               <a:rPr lang="en-GB" smtClean="0"/>
-              <a:t>12/12/2018</a:t>
+              <a:t>29/12/2018</a:t>
             </a:fld>
             <a:endParaRPr lang="en-GB"/>
           </a:p>
@@ -12672,7 +12668,7 @@
           <a:p>
             <a:fld id="{297491F8-B1AD-48C8-B450-A9DE8FC9B4BC}" type="datetime1">
               <a:rPr lang="en-GB" smtClean="0"/>
-              <a:t>12/12/2018</a:t>
+              <a:t>29/12/2018</a:t>
             </a:fld>
             <a:endParaRPr lang="en-GB"/>
           </a:p>
@@ -13574,7 +13570,7 @@
           <a:p>
             <a:fld id="{1241B6BE-13A3-40C5-BAF7-2CC773D00FB0}" type="datetime1">
               <a:rPr lang="en-GB" smtClean="0"/>
-              <a:t>12/12/2018</a:t>
+              <a:t>29/12/2018</a:t>
             </a:fld>
             <a:endParaRPr lang="en-GB"/>
           </a:p>
@@ -13818,7 +13814,7 @@
           <a:p>
             <a:fld id="{30A9CCEB-FEAA-4C72-9118-04BDF5966FFB}" type="datetime1">
               <a:rPr lang="en-GB" smtClean="0"/>
-              <a:t>12/12/2018</a:t>
+              <a:t>29/12/2018</a:t>
             </a:fld>
             <a:endParaRPr lang="en-GB"/>
           </a:p>
@@ -14050,7 +14046,7 @@
           <a:p>
             <a:fld id="{DFAB555E-071C-48B6-AB80-445E4540AC68}" type="datetime1">
               <a:rPr lang="en-GB" smtClean="0"/>
-              <a:t>12/12/2018</a:t>
+              <a:t>29/12/2018</a:t>
             </a:fld>
             <a:endParaRPr lang="en-GB"/>
           </a:p>
@@ -14417,7 +14413,7 @@
           <a:p>
             <a:fld id="{71C8195A-F236-4C56-A7B6-A9E3130AE1F9}" type="datetime1">
               <a:rPr lang="en-GB" smtClean="0"/>
-              <a:t>12/12/2018</a:t>
+              <a:t>29/12/2018</a:t>
             </a:fld>
             <a:endParaRPr lang="en-GB"/>
           </a:p>
@@ -14535,7 +14531,7 @@
           <a:p>
             <a:fld id="{2F2BBF01-7E4A-4B0A-98AA-6A611EFD036E}" type="datetime1">
               <a:rPr lang="en-GB" smtClean="0"/>
-              <a:t>12/12/2018</a:t>
+              <a:t>29/12/2018</a:t>
             </a:fld>
             <a:endParaRPr lang="en-GB"/>
           </a:p>
@@ -14630,7 +14626,7 @@
           <a:p>
             <a:fld id="{6EBF66CE-A945-42FA-B1CB-E96DCD998F84}" type="datetime1">
               <a:rPr lang="en-GB" smtClean="0"/>
-              <a:t>12/12/2018</a:t>
+              <a:t>29/12/2018</a:t>
             </a:fld>
             <a:endParaRPr lang="en-GB"/>
           </a:p>
@@ -14907,7 +14903,7 @@
           <a:p>
             <a:fld id="{8E2C1C88-A111-4B14-B38C-BDD24B4F2065}" type="datetime1">
               <a:rPr lang="en-GB" smtClean="0"/>
-              <a:t>12/12/2018</a:t>
+              <a:t>29/12/2018</a:t>
             </a:fld>
             <a:endParaRPr lang="en-GB"/>
           </a:p>
@@ -15164,7 +15160,7 @@
           <a:p>
             <a:fld id="{A033B5E6-D2E8-4024-8FEA-9A34E9CC2096}" type="datetime1">
               <a:rPr lang="en-GB" smtClean="0"/>
-              <a:t>12/12/2018</a:t>
+              <a:t>29/12/2018</a:t>
             </a:fld>
             <a:endParaRPr lang="en-GB"/>
           </a:p>
@@ -15376,7 +15372,7 @@
           <a:p>
             <a:fld id="{86124722-C52C-4725-B554-5890676B8B27}" type="datetime1">
               <a:rPr lang="en-GB" smtClean="0"/>
-              <a:t>12/12/2018</a:t>
+              <a:t>29/12/2018</a:t>
             </a:fld>
             <a:endParaRPr lang="en-GB"/>
           </a:p>
@@ -16648,31 +16644,41 @@
           </a:p>
         </p:txBody>
       </p:sp>
-      <p:sp>
-        <p:nvSpPr>
-          <p:cNvPr id="4" name="Content Placeholder 3">
+      <p:pic>
+        <p:nvPicPr>
+          <p:cNvPr id="8" name="Marcador de Posição de Conteúdo 7">
             <a:extLst>
               <a:ext uri="{FF2B5EF4-FFF2-40B4-BE49-F238E27FC236}">
-                <a16:creationId xmlns:a16="http://schemas.microsoft.com/office/drawing/2014/main" id="{B573A8A9-0BDE-4B35-955D-A5C9FAFE6755}"/>
+                <a16:creationId xmlns:a16="http://schemas.microsoft.com/office/drawing/2014/main" id="{D57307F2-761F-454D-9762-EAF356FCC061}"/>
               </a:ext>
             </a:extLst>
           </p:cNvPr>
-          <p:cNvSpPr>
-            <a:spLocks noGrp="1"/>
-          </p:cNvSpPr>
+          <p:cNvPicPr>
+            <a:picLocks noGrp="1" noChangeAspect="1"/>
+          </p:cNvPicPr>
           <p:nvPr>
             <p:ph idx="11"/>
           </p:nvPr>
-        </p:nvSpPr>
-        <p:spPr/>
-        <p:txBody>
-          <a:bodyPr/>
-          <a:lstStyle/>
-          <a:p>
-            <a:endParaRPr lang="pt-PT" dirty="0"/>
-          </a:p>
-        </p:txBody>
-      </p:sp>
+        </p:nvPicPr>
+        <p:blipFill>
+          <a:blip r:embed="rId2">
+            <a:extLst>
+              <a:ext uri="{28A0092B-C50C-407E-A947-70E740481C1C}">
+                <a14:useLocalDpi xmlns:a14="http://schemas.microsoft.com/office/drawing/2010/main" val="0"/>
+              </a:ext>
+            </a:extLst>
+          </a:blip>
+          <a:stretch>
+            <a:fillRect/>
+          </a:stretch>
+        </p:blipFill>
+        <p:spPr>
+          <a:xfrm>
+            <a:off x="1967430" y="684213"/>
+            <a:ext cx="3367639" cy="3194050"/>
+          </a:xfrm>
+        </p:spPr>
+      </p:pic>
       <p:sp>
         <p:nvSpPr>
           <p:cNvPr id="5" name="Content Placeholder 4">
@@ -16721,166 +16727,14 @@
           <a:p>
             <a:r>
               <a:rPr lang="pt-PT" dirty="0"/>
-              <a:t>Início</a:t>
+              <a:t>Contactos</a:t>
             </a:r>
           </a:p>
-        </p:txBody>
-      </p:sp>
-    </p:spTree>
-    <p:extLst>
-      <p:ext uri="{BB962C8B-B14F-4D97-AF65-F5344CB8AC3E}">
-        <p14:creationId xmlns:p14="http://schemas.microsoft.com/office/powerpoint/2010/main" val="1324516063"/>
-      </p:ext>
-    </p:extLst>
-  </p:cSld>
-  <p:clrMapOvr>
-    <a:masterClrMapping/>
-  </p:clrMapOvr>
-</p:sld>
-</file>
-
-<file path=ppt/slides/slide11.xml><?xml version="1.0" encoding="utf-8"?>
-<p:sld xmlns:a="http://schemas.openxmlformats.org/drawingml/2006/main" xmlns:r="http://schemas.openxmlformats.org/officeDocument/2006/relationships" xmlns:p="http://schemas.openxmlformats.org/presentationml/2006/main">
-  <p:cSld>
-    <p:spTree>
-      <p:nvGrpSpPr>
-        <p:cNvPr id="1" name=""/>
-        <p:cNvGrpSpPr/>
-        <p:nvPr/>
-      </p:nvGrpSpPr>
-      <p:grpSpPr>
-        <a:xfrm>
-          <a:off x="0" y="0"/>
-          <a:ext cx="0" cy="0"/>
-          <a:chOff x="0" y="0"/>
-          <a:chExt cx="0" cy="0"/>
-        </a:xfrm>
-      </p:grpSpPr>
-      <p:sp>
-        <p:nvSpPr>
-          <p:cNvPr id="2" name="Content Placeholder 1">
-            <a:extLst>
-              <a:ext uri="{FF2B5EF4-FFF2-40B4-BE49-F238E27FC236}">
-                <a16:creationId xmlns:a16="http://schemas.microsoft.com/office/drawing/2014/main" id="{61284A3C-35C7-47BB-B5EF-3A5AFD39F048}"/>
-              </a:ext>
-            </a:extLst>
-          </p:cNvPr>
-          <p:cNvSpPr>
-            <a:spLocks noGrp="1"/>
-          </p:cNvSpPr>
-          <p:nvPr>
-            <p:ph idx="1"/>
-          </p:nvPr>
-        </p:nvSpPr>
-        <p:spPr/>
-        <p:txBody>
-          <a:bodyPr/>
-          <a:lstStyle/>
           <a:p>
+            <a:pPr marL="0" indent="0">
+              <a:buNone/>
+            </a:pPr>
             <a:endParaRPr lang="pt-PT" dirty="0"/>
-          </a:p>
-        </p:txBody>
-      </p:sp>
-      <p:sp>
-        <p:nvSpPr>
-          <p:cNvPr id="3" name="Content Placeholder 2">
-            <a:extLst>
-              <a:ext uri="{FF2B5EF4-FFF2-40B4-BE49-F238E27FC236}">
-                <a16:creationId xmlns:a16="http://schemas.microsoft.com/office/drawing/2014/main" id="{75B62007-2099-491F-B9CC-679828859075}"/>
-              </a:ext>
-            </a:extLst>
-          </p:cNvPr>
-          <p:cNvSpPr>
-            <a:spLocks noGrp="1"/>
-          </p:cNvSpPr>
-          <p:nvPr>
-            <p:ph idx="10"/>
-          </p:nvPr>
-        </p:nvSpPr>
-        <p:spPr/>
-        <p:txBody>
-          <a:bodyPr/>
-          <a:lstStyle/>
-          <a:p>
-            <a:endParaRPr lang="pt-PT" dirty="0"/>
-          </a:p>
-        </p:txBody>
-      </p:sp>
-      <p:sp>
-        <p:nvSpPr>
-          <p:cNvPr id="4" name="Content Placeholder 3">
-            <a:extLst>
-              <a:ext uri="{FF2B5EF4-FFF2-40B4-BE49-F238E27FC236}">
-                <a16:creationId xmlns:a16="http://schemas.microsoft.com/office/drawing/2014/main" id="{B573A8A9-0BDE-4B35-955D-A5C9FAFE6755}"/>
-              </a:ext>
-            </a:extLst>
-          </p:cNvPr>
-          <p:cNvSpPr>
-            <a:spLocks noGrp="1"/>
-          </p:cNvSpPr>
-          <p:nvPr>
-            <p:ph idx="11"/>
-          </p:nvPr>
-        </p:nvSpPr>
-        <p:spPr/>
-        <p:txBody>
-          <a:bodyPr/>
-          <a:lstStyle/>
-          <a:p>
-            <a:endParaRPr lang="pt-PT" dirty="0"/>
-          </a:p>
-        </p:txBody>
-      </p:sp>
-      <p:sp>
-        <p:nvSpPr>
-          <p:cNvPr id="5" name="Content Placeholder 4">
-            <a:extLst>
-              <a:ext uri="{FF2B5EF4-FFF2-40B4-BE49-F238E27FC236}">
-                <a16:creationId xmlns:a16="http://schemas.microsoft.com/office/drawing/2014/main" id="{03F0B0E7-9DC5-4E64-84FC-E41A42350BE1}"/>
-              </a:ext>
-            </a:extLst>
-          </p:cNvPr>
-          <p:cNvSpPr>
-            <a:spLocks noGrp="1"/>
-          </p:cNvSpPr>
-          <p:nvPr>
-            <p:ph idx="12"/>
-          </p:nvPr>
-        </p:nvSpPr>
-        <p:spPr/>
-        <p:txBody>
-          <a:bodyPr/>
-          <a:lstStyle/>
-          <a:p>
-            <a:endParaRPr lang="pt-PT" dirty="0"/>
-          </a:p>
-        </p:txBody>
-      </p:sp>
-      <p:sp>
-        <p:nvSpPr>
-          <p:cNvPr id="6" name="Content Placeholder 5">
-            <a:extLst>
-              <a:ext uri="{FF2B5EF4-FFF2-40B4-BE49-F238E27FC236}">
-                <a16:creationId xmlns:a16="http://schemas.microsoft.com/office/drawing/2014/main" id="{AAD76EA7-FFDD-4221-8BFA-2CF2F90A53A9}"/>
-              </a:ext>
-            </a:extLst>
-          </p:cNvPr>
-          <p:cNvSpPr>
-            <a:spLocks noGrp="1"/>
-          </p:cNvSpPr>
-          <p:nvPr>
-            <p:ph idx="13"/>
-          </p:nvPr>
-        </p:nvSpPr>
-        <p:spPr/>
-        <p:txBody>
-          <a:bodyPr/>
-          <a:lstStyle/>
-          <a:p>
-            <a:r>
-              <a:rPr lang="pt-PT" dirty="0"/>
-              <a:t>Início</a:t>
-            </a:r>
           </a:p>
         </p:txBody>
       </p:sp>
@@ -16888,480 +16742,6 @@
     <p:extLst>
       <p:ext uri="{BB962C8B-B14F-4D97-AF65-F5344CB8AC3E}">
         <p14:creationId xmlns:p14="http://schemas.microsoft.com/office/powerpoint/2010/main" val="3402220871"/>
-      </p:ext>
-    </p:extLst>
-  </p:cSld>
-  <p:clrMapOvr>
-    <a:masterClrMapping/>
-  </p:clrMapOvr>
-</p:sld>
-</file>
-
-<file path=ppt/slides/slide12.xml><?xml version="1.0" encoding="utf-8"?>
-<p:sld xmlns:a="http://schemas.openxmlformats.org/drawingml/2006/main" xmlns:r="http://schemas.openxmlformats.org/officeDocument/2006/relationships" xmlns:p="http://schemas.openxmlformats.org/presentationml/2006/main">
-  <p:cSld>
-    <p:spTree>
-      <p:nvGrpSpPr>
-        <p:cNvPr id="1" name=""/>
-        <p:cNvGrpSpPr/>
-        <p:nvPr/>
-      </p:nvGrpSpPr>
-      <p:grpSpPr>
-        <a:xfrm>
-          <a:off x="0" y="0"/>
-          <a:ext cx="0" cy="0"/>
-          <a:chOff x="0" y="0"/>
-          <a:chExt cx="0" cy="0"/>
-        </a:xfrm>
-      </p:grpSpPr>
-      <p:sp>
-        <p:nvSpPr>
-          <p:cNvPr id="2" name="Content Placeholder 1">
-            <a:extLst>
-              <a:ext uri="{FF2B5EF4-FFF2-40B4-BE49-F238E27FC236}">
-                <a16:creationId xmlns:a16="http://schemas.microsoft.com/office/drawing/2014/main" id="{61284A3C-35C7-47BB-B5EF-3A5AFD39F048}"/>
-              </a:ext>
-            </a:extLst>
-          </p:cNvPr>
-          <p:cNvSpPr>
-            <a:spLocks noGrp="1"/>
-          </p:cNvSpPr>
-          <p:nvPr>
-            <p:ph idx="1"/>
-          </p:nvPr>
-        </p:nvSpPr>
-        <p:spPr/>
-        <p:txBody>
-          <a:bodyPr/>
-          <a:lstStyle/>
-          <a:p>
-            <a:endParaRPr lang="pt-PT" dirty="0"/>
-          </a:p>
-        </p:txBody>
-      </p:sp>
-      <p:sp>
-        <p:nvSpPr>
-          <p:cNvPr id="3" name="Content Placeholder 2">
-            <a:extLst>
-              <a:ext uri="{FF2B5EF4-FFF2-40B4-BE49-F238E27FC236}">
-                <a16:creationId xmlns:a16="http://schemas.microsoft.com/office/drawing/2014/main" id="{75B62007-2099-491F-B9CC-679828859075}"/>
-              </a:ext>
-            </a:extLst>
-          </p:cNvPr>
-          <p:cNvSpPr>
-            <a:spLocks noGrp="1"/>
-          </p:cNvSpPr>
-          <p:nvPr>
-            <p:ph idx="10"/>
-          </p:nvPr>
-        </p:nvSpPr>
-        <p:spPr/>
-        <p:txBody>
-          <a:bodyPr/>
-          <a:lstStyle/>
-          <a:p>
-            <a:endParaRPr lang="pt-PT" dirty="0"/>
-          </a:p>
-        </p:txBody>
-      </p:sp>
-      <p:sp>
-        <p:nvSpPr>
-          <p:cNvPr id="4" name="Content Placeholder 3">
-            <a:extLst>
-              <a:ext uri="{FF2B5EF4-FFF2-40B4-BE49-F238E27FC236}">
-                <a16:creationId xmlns:a16="http://schemas.microsoft.com/office/drawing/2014/main" id="{B573A8A9-0BDE-4B35-955D-A5C9FAFE6755}"/>
-              </a:ext>
-            </a:extLst>
-          </p:cNvPr>
-          <p:cNvSpPr>
-            <a:spLocks noGrp="1"/>
-          </p:cNvSpPr>
-          <p:nvPr>
-            <p:ph idx="11"/>
-          </p:nvPr>
-        </p:nvSpPr>
-        <p:spPr/>
-        <p:txBody>
-          <a:bodyPr/>
-          <a:lstStyle/>
-          <a:p>
-            <a:endParaRPr lang="pt-PT" dirty="0"/>
-          </a:p>
-        </p:txBody>
-      </p:sp>
-      <p:sp>
-        <p:nvSpPr>
-          <p:cNvPr id="5" name="Content Placeholder 4">
-            <a:extLst>
-              <a:ext uri="{FF2B5EF4-FFF2-40B4-BE49-F238E27FC236}">
-                <a16:creationId xmlns:a16="http://schemas.microsoft.com/office/drawing/2014/main" id="{03F0B0E7-9DC5-4E64-84FC-E41A42350BE1}"/>
-              </a:ext>
-            </a:extLst>
-          </p:cNvPr>
-          <p:cNvSpPr>
-            <a:spLocks noGrp="1"/>
-          </p:cNvSpPr>
-          <p:nvPr>
-            <p:ph idx="12"/>
-          </p:nvPr>
-        </p:nvSpPr>
-        <p:spPr/>
-        <p:txBody>
-          <a:bodyPr/>
-          <a:lstStyle/>
-          <a:p>
-            <a:endParaRPr lang="pt-PT" dirty="0"/>
-          </a:p>
-        </p:txBody>
-      </p:sp>
-      <p:sp>
-        <p:nvSpPr>
-          <p:cNvPr id="6" name="Content Placeholder 5">
-            <a:extLst>
-              <a:ext uri="{FF2B5EF4-FFF2-40B4-BE49-F238E27FC236}">
-                <a16:creationId xmlns:a16="http://schemas.microsoft.com/office/drawing/2014/main" id="{AAD76EA7-FFDD-4221-8BFA-2CF2F90A53A9}"/>
-              </a:ext>
-            </a:extLst>
-          </p:cNvPr>
-          <p:cNvSpPr>
-            <a:spLocks noGrp="1"/>
-          </p:cNvSpPr>
-          <p:nvPr>
-            <p:ph idx="13"/>
-          </p:nvPr>
-        </p:nvSpPr>
-        <p:spPr/>
-        <p:txBody>
-          <a:bodyPr/>
-          <a:lstStyle/>
-          <a:p>
-            <a:r>
-              <a:rPr lang="pt-PT" dirty="0"/>
-              <a:t>Início</a:t>
-            </a:r>
-          </a:p>
-        </p:txBody>
-      </p:sp>
-    </p:spTree>
-    <p:extLst>
-      <p:ext uri="{BB962C8B-B14F-4D97-AF65-F5344CB8AC3E}">
-        <p14:creationId xmlns:p14="http://schemas.microsoft.com/office/powerpoint/2010/main" val="4011758723"/>
-      </p:ext>
-    </p:extLst>
-  </p:cSld>
-  <p:clrMapOvr>
-    <a:masterClrMapping/>
-  </p:clrMapOvr>
-</p:sld>
-</file>
-
-<file path=ppt/slides/slide13.xml><?xml version="1.0" encoding="utf-8"?>
-<p:sld xmlns:a="http://schemas.openxmlformats.org/drawingml/2006/main" xmlns:r="http://schemas.openxmlformats.org/officeDocument/2006/relationships" xmlns:p="http://schemas.openxmlformats.org/presentationml/2006/main">
-  <p:cSld>
-    <p:spTree>
-      <p:nvGrpSpPr>
-        <p:cNvPr id="1" name=""/>
-        <p:cNvGrpSpPr/>
-        <p:nvPr/>
-      </p:nvGrpSpPr>
-      <p:grpSpPr>
-        <a:xfrm>
-          <a:off x="0" y="0"/>
-          <a:ext cx="0" cy="0"/>
-          <a:chOff x="0" y="0"/>
-          <a:chExt cx="0" cy="0"/>
-        </a:xfrm>
-      </p:grpSpPr>
-      <p:sp>
-        <p:nvSpPr>
-          <p:cNvPr id="2" name="Content Placeholder 1">
-            <a:extLst>
-              <a:ext uri="{FF2B5EF4-FFF2-40B4-BE49-F238E27FC236}">
-                <a16:creationId xmlns:a16="http://schemas.microsoft.com/office/drawing/2014/main" id="{61284A3C-35C7-47BB-B5EF-3A5AFD39F048}"/>
-              </a:ext>
-            </a:extLst>
-          </p:cNvPr>
-          <p:cNvSpPr>
-            <a:spLocks noGrp="1"/>
-          </p:cNvSpPr>
-          <p:nvPr>
-            <p:ph idx="1"/>
-          </p:nvPr>
-        </p:nvSpPr>
-        <p:spPr/>
-        <p:txBody>
-          <a:bodyPr/>
-          <a:lstStyle/>
-          <a:p>
-            <a:endParaRPr lang="pt-PT" dirty="0"/>
-          </a:p>
-        </p:txBody>
-      </p:sp>
-      <p:sp>
-        <p:nvSpPr>
-          <p:cNvPr id="3" name="Content Placeholder 2">
-            <a:extLst>
-              <a:ext uri="{FF2B5EF4-FFF2-40B4-BE49-F238E27FC236}">
-                <a16:creationId xmlns:a16="http://schemas.microsoft.com/office/drawing/2014/main" id="{75B62007-2099-491F-B9CC-679828859075}"/>
-              </a:ext>
-            </a:extLst>
-          </p:cNvPr>
-          <p:cNvSpPr>
-            <a:spLocks noGrp="1"/>
-          </p:cNvSpPr>
-          <p:nvPr>
-            <p:ph idx="10"/>
-          </p:nvPr>
-        </p:nvSpPr>
-        <p:spPr/>
-        <p:txBody>
-          <a:bodyPr/>
-          <a:lstStyle/>
-          <a:p>
-            <a:endParaRPr lang="pt-PT" dirty="0"/>
-          </a:p>
-        </p:txBody>
-      </p:sp>
-      <p:sp>
-        <p:nvSpPr>
-          <p:cNvPr id="4" name="Content Placeholder 3">
-            <a:extLst>
-              <a:ext uri="{FF2B5EF4-FFF2-40B4-BE49-F238E27FC236}">
-                <a16:creationId xmlns:a16="http://schemas.microsoft.com/office/drawing/2014/main" id="{B573A8A9-0BDE-4B35-955D-A5C9FAFE6755}"/>
-              </a:ext>
-            </a:extLst>
-          </p:cNvPr>
-          <p:cNvSpPr>
-            <a:spLocks noGrp="1"/>
-          </p:cNvSpPr>
-          <p:nvPr>
-            <p:ph idx="11"/>
-          </p:nvPr>
-        </p:nvSpPr>
-        <p:spPr/>
-        <p:txBody>
-          <a:bodyPr/>
-          <a:lstStyle/>
-          <a:p>
-            <a:endParaRPr lang="pt-PT" dirty="0"/>
-          </a:p>
-        </p:txBody>
-      </p:sp>
-      <p:sp>
-        <p:nvSpPr>
-          <p:cNvPr id="5" name="Content Placeholder 4">
-            <a:extLst>
-              <a:ext uri="{FF2B5EF4-FFF2-40B4-BE49-F238E27FC236}">
-                <a16:creationId xmlns:a16="http://schemas.microsoft.com/office/drawing/2014/main" id="{03F0B0E7-9DC5-4E64-84FC-E41A42350BE1}"/>
-              </a:ext>
-            </a:extLst>
-          </p:cNvPr>
-          <p:cNvSpPr>
-            <a:spLocks noGrp="1"/>
-          </p:cNvSpPr>
-          <p:nvPr>
-            <p:ph idx="12"/>
-          </p:nvPr>
-        </p:nvSpPr>
-        <p:spPr/>
-        <p:txBody>
-          <a:bodyPr/>
-          <a:lstStyle/>
-          <a:p>
-            <a:endParaRPr lang="pt-PT" dirty="0"/>
-          </a:p>
-        </p:txBody>
-      </p:sp>
-      <p:sp>
-        <p:nvSpPr>
-          <p:cNvPr id="6" name="Content Placeholder 5">
-            <a:extLst>
-              <a:ext uri="{FF2B5EF4-FFF2-40B4-BE49-F238E27FC236}">
-                <a16:creationId xmlns:a16="http://schemas.microsoft.com/office/drawing/2014/main" id="{AAD76EA7-FFDD-4221-8BFA-2CF2F90A53A9}"/>
-              </a:ext>
-            </a:extLst>
-          </p:cNvPr>
-          <p:cNvSpPr>
-            <a:spLocks noGrp="1"/>
-          </p:cNvSpPr>
-          <p:nvPr>
-            <p:ph idx="13"/>
-          </p:nvPr>
-        </p:nvSpPr>
-        <p:spPr/>
-        <p:txBody>
-          <a:bodyPr/>
-          <a:lstStyle/>
-          <a:p>
-            <a:r>
-              <a:rPr lang="pt-PT" dirty="0"/>
-              <a:t>Início</a:t>
-            </a:r>
-          </a:p>
-        </p:txBody>
-      </p:sp>
-    </p:spTree>
-    <p:extLst>
-      <p:ext uri="{BB962C8B-B14F-4D97-AF65-F5344CB8AC3E}">
-        <p14:creationId xmlns:p14="http://schemas.microsoft.com/office/powerpoint/2010/main" val="3944840309"/>
-      </p:ext>
-    </p:extLst>
-  </p:cSld>
-  <p:clrMapOvr>
-    <a:masterClrMapping/>
-  </p:clrMapOvr>
-</p:sld>
-</file>
-
-<file path=ppt/slides/slide14.xml><?xml version="1.0" encoding="utf-8"?>
-<p:sld xmlns:a="http://schemas.openxmlformats.org/drawingml/2006/main" xmlns:r="http://schemas.openxmlformats.org/officeDocument/2006/relationships" xmlns:p="http://schemas.openxmlformats.org/presentationml/2006/main">
-  <p:cSld>
-    <p:spTree>
-      <p:nvGrpSpPr>
-        <p:cNvPr id="1" name=""/>
-        <p:cNvGrpSpPr/>
-        <p:nvPr/>
-      </p:nvGrpSpPr>
-      <p:grpSpPr>
-        <a:xfrm>
-          <a:off x="0" y="0"/>
-          <a:ext cx="0" cy="0"/>
-          <a:chOff x="0" y="0"/>
-          <a:chExt cx="0" cy="0"/>
-        </a:xfrm>
-      </p:grpSpPr>
-      <p:sp>
-        <p:nvSpPr>
-          <p:cNvPr id="2" name="Content Placeholder 1">
-            <a:extLst>
-              <a:ext uri="{FF2B5EF4-FFF2-40B4-BE49-F238E27FC236}">
-                <a16:creationId xmlns:a16="http://schemas.microsoft.com/office/drawing/2014/main" id="{61284A3C-35C7-47BB-B5EF-3A5AFD39F048}"/>
-              </a:ext>
-            </a:extLst>
-          </p:cNvPr>
-          <p:cNvSpPr>
-            <a:spLocks noGrp="1"/>
-          </p:cNvSpPr>
-          <p:nvPr>
-            <p:ph idx="1"/>
-          </p:nvPr>
-        </p:nvSpPr>
-        <p:spPr/>
-        <p:txBody>
-          <a:bodyPr/>
-          <a:lstStyle/>
-          <a:p>
-            <a:endParaRPr lang="pt-PT" dirty="0"/>
-          </a:p>
-        </p:txBody>
-      </p:sp>
-      <p:sp>
-        <p:nvSpPr>
-          <p:cNvPr id="3" name="Content Placeholder 2">
-            <a:extLst>
-              <a:ext uri="{FF2B5EF4-FFF2-40B4-BE49-F238E27FC236}">
-                <a16:creationId xmlns:a16="http://schemas.microsoft.com/office/drawing/2014/main" id="{75B62007-2099-491F-B9CC-679828859075}"/>
-              </a:ext>
-            </a:extLst>
-          </p:cNvPr>
-          <p:cNvSpPr>
-            <a:spLocks noGrp="1"/>
-          </p:cNvSpPr>
-          <p:nvPr>
-            <p:ph idx="10"/>
-          </p:nvPr>
-        </p:nvSpPr>
-        <p:spPr/>
-        <p:txBody>
-          <a:bodyPr/>
-          <a:lstStyle/>
-          <a:p>
-            <a:endParaRPr lang="pt-PT" dirty="0"/>
-          </a:p>
-        </p:txBody>
-      </p:sp>
-      <p:sp>
-        <p:nvSpPr>
-          <p:cNvPr id="4" name="Content Placeholder 3">
-            <a:extLst>
-              <a:ext uri="{FF2B5EF4-FFF2-40B4-BE49-F238E27FC236}">
-                <a16:creationId xmlns:a16="http://schemas.microsoft.com/office/drawing/2014/main" id="{B573A8A9-0BDE-4B35-955D-A5C9FAFE6755}"/>
-              </a:ext>
-            </a:extLst>
-          </p:cNvPr>
-          <p:cNvSpPr>
-            <a:spLocks noGrp="1"/>
-          </p:cNvSpPr>
-          <p:nvPr>
-            <p:ph idx="11"/>
-          </p:nvPr>
-        </p:nvSpPr>
-        <p:spPr/>
-        <p:txBody>
-          <a:bodyPr/>
-          <a:lstStyle/>
-          <a:p>
-            <a:endParaRPr lang="pt-PT" dirty="0"/>
-          </a:p>
-        </p:txBody>
-      </p:sp>
-      <p:sp>
-        <p:nvSpPr>
-          <p:cNvPr id="5" name="Content Placeholder 4">
-            <a:extLst>
-              <a:ext uri="{FF2B5EF4-FFF2-40B4-BE49-F238E27FC236}">
-                <a16:creationId xmlns:a16="http://schemas.microsoft.com/office/drawing/2014/main" id="{03F0B0E7-9DC5-4E64-84FC-E41A42350BE1}"/>
-              </a:ext>
-            </a:extLst>
-          </p:cNvPr>
-          <p:cNvSpPr>
-            <a:spLocks noGrp="1"/>
-          </p:cNvSpPr>
-          <p:nvPr>
-            <p:ph idx="12"/>
-          </p:nvPr>
-        </p:nvSpPr>
-        <p:spPr/>
-        <p:txBody>
-          <a:bodyPr/>
-          <a:lstStyle/>
-          <a:p>
-            <a:endParaRPr lang="pt-PT" dirty="0"/>
-          </a:p>
-        </p:txBody>
-      </p:sp>
-      <p:sp>
-        <p:nvSpPr>
-          <p:cNvPr id="6" name="Content Placeholder 5">
-            <a:extLst>
-              <a:ext uri="{FF2B5EF4-FFF2-40B4-BE49-F238E27FC236}">
-                <a16:creationId xmlns:a16="http://schemas.microsoft.com/office/drawing/2014/main" id="{AAD76EA7-FFDD-4221-8BFA-2CF2F90A53A9}"/>
-              </a:ext>
-            </a:extLst>
-          </p:cNvPr>
-          <p:cNvSpPr>
-            <a:spLocks noGrp="1"/>
-          </p:cNvSpPr>
-          <p:nvPr>
-            <p:ph idx="13"/>
-          </p:nvPr>
-        </p:nvSpPr>
-        <p:spPr/>
-        <p:txBody>
-          <a:bodyPr/>
-          <a:lstStyle/>
-          <a:p>
-            <a:r>
-              <a:rPr lang="pt-PT" dirty="0"/>
-              <a:t>Início</a:t>
-            </a:r>
-          </a:p>
-        </p:txBody>
-      </p:sp>
-    </p:spTree>
-    <p:extLst>
-      <p:ext uri="{BB962C8B-B14F-4D97-AF65-F5344CB8AC3E}">
-        <p14:creationId xmlns:p14="http://schemas.microsoft.com/office/powerpoint/2010/main" val="3201941665"/>
       </p:ext>
     </p:extLst>
   </p:cSld>
@@ -17989,31 +17369,41 @@
           </a:p>
         </p:txBody>
       </p:sp>
-      <p:sp>
-        <p:nvSpPr>
-          <p:cNvPr id="4" name="Content Placeholder 3">
+      <p:pic>
+        <p:nvPicPr>
+          <p:cNvPr id="8" name="Marcador de Posição de Conteúdo 7">
             <a:extLst>
               <a:ext uri="{FF2B5EF4-FFF2-40B4-BE49-F238E27FC236}">
-                <a16:creationId xmlns:a16="http://schemas.microsoft.com/office/drawing/2014/main" id="{B573A8A9-0BDE-4B35-955D-A5C9FAFE6755}"/>
+                <a16:creationId xmlns:a16="http://schemas.microsoft.com/office/drawing/2014/main" id="{91622725-0EBF-4314-A3C3-2DE18C5E2496}"/>
               </a:ext>
             </a:extLst>
           </p:cNvPr>
-          <p:cNvSpPr>
-            <a:spLocks noGrp="1"/>
-          </p:cNvSpPr>
+          <p:cNvPicPr>
+            <a:picLocks noGrp="1" noChangeAspect="1"/>
+          </p:cNvPicPr>
           <p:nvPr>
             <p:ph idx="11"/>
           </p:nvPr>
-        </p:nvSpPr>
-        <p:spPr/>
-        <p:txBody>
-          <a:bodyPr/>
-          <a:lstStyle/>
-          <a:p>
-            <a:endParaRPr lang="pt-PT" dirty="0"/>
-          </a:p>
-        </p:txBody>
-      </p:sp>
+        </p:nvPicPr>
+        <p:blipFill>
+          <a:blip r:embed="rId2" cstate="print">
+            <a:extLst>
+              <a:ext uri="{28A0092B-C50C-407E-A947-70E740481C1C}">
+                <a14:useLocalDpi xmlns:a14="http://schemas.microsoft.com/office/drawing/2010/main" val="0"/>
+              </a:ext>
+            </a:extLst>
+          </a:blip>
+          <a:stretch>
+            <a:fillRect/>
+          </a:stretch>
+        </p:blipFill>
+        <p:spPr>
+          <a:xfrm>
+            <a:off x="2703833" y="684213"/>
+            <a:ext cx="1894834" cy="3194050"/>
+          </a:xfrm>
+        </p:spPr>
+      </p:pic>
       <p:sp>
         <p:nvSpPr>
           <p:cNvPr id="5" name="Content Placeholder 4">
@@ -18147,31 +17537,41 @@
           </a:p>
         </p:txBody>
       </p:sp>
-      <p:sp>
-        <p:nvSpPr>
-          <p:cNvPr id="4" name="Content Placeholder 3">
+      <p:pic>
+        <p:nvPicPr>
+          <p:cNvPr id="8" name="Marcador de Posição de Conteúdo 7">
             <a:extLst>
               <a:ext uri="{FF2B5EF4-FFF2-40B4-BE49-F238E27FC236}">
-                <a16:creationId xmlns:a16="http://schemas.microsoft.com/office/drawing/2014/main" id="{B573A8A9-0BDE-4B35-955D-A5C9FAFE6755}"/>
+                <a16:creationId xmlns:a16="http://schemas.microsoft.com/office/drawing/2014/main" id="{22D9AB50-3517-4BC0-8EFE-4945CB2E2349}"/>
               </a:ext>
             </a:extLst>
           </p:cNvPr>
-          <p:cNvSpPr>
-            <a:spLocks noGrp="1"/>
-          </p:cNvSpPr>
+          <p:cNvPicPr>
+            <a:picLocks noGrp="1" noChangeAspect="1"/>
+          </p:cNvPicPr>
           <p:nvPr>
             <p:ph idx="11"/>
           </p:nvPr>
-        </p:nvSpPr>
-        <p:spPr/>
-        <p:txBody>
-          <a:bodyPr/>
-          <a:lstStyle/>
-          <a:p>
-            <a:endParaRPr lang="pt-PT" dirty="0"/>
-          </a:p>
-        </p:txBody>
-      </p:sp>
+        </p:nvPicPr>
+        <p:blipFill>
+          <a:blip r:embed="rId2">
+            <a:extLst>
+              <a:ext uri="{28A0092B-C50C-407E-A947-70E740481C1C}">
+                <a14:useLocalDpi xmlns:a14="http://schemas.microsoft.com/office/drawing/2010/main" val="0"/>
+              </a:ext>
+            </a:extLst>
+          </a:blip>
+          <a:stretch>
+            <a:fillRect/>
+          </a:stretch>
+        </p:blipFill>
+        <p:spPr>
+          <a:xfrm>
+            <a:off x="1969910" y="684213"/>
+            <a:ext cx="3362679" cy="3194050"/>
+          </a:xfrm>
+        </p:spPr>
+      </p:pic>
       <p:sp>
         <p:nvSpPr>
           <p:cNvPr id="5" name="Content Placeholder 4">
@@ -18220,15 +17620,21 @@
           <a:p>
             <a:r>
               <a:rPr lang="pt-PT" dirty="0"/>
-              <a:t>Porquê Covilhã</a:t>
-            </a:r>
+              <a:t>Calendário</a:t>
+            </a:r>
+          </a:p>
+          <a:p>
+            <a:pPr marL="0" indent="0">
+              <a:buNone/>
+            </a:pPr>
+            <a:endParaRPr lang="pt-PT" dirty="0"/>
           </a:p>
         </p:txBody>
       </p:sp>
     </p:spTree>
     <p:extLst>
       <p:ext uri="{BB962C8B-B14F-4D97-AF65-F5344CB8AC3E}">
-        <p14:creationId xmlns:p14="http://schemas.microsoft.com/office/powerpoint/2010/main" val="2316728216"/>
+        <p14:creationId xmlns:p14="http://schemas.microsoft.com/office/powerpoint/2010/main" val="452397108"/>
       </p:ext>
     </p:extLst>
   </p:cSld>
@@ -18305,31 +17711,41 @@
           </a:p>
         </p:txBody>
       </p:sp>
-      <p:sp>
-        <p:nvSpPr>
-          <p:cNvPr id="4" name="Content Placeholder 3">
+      <p:pic>
+        <p:nvPicPr>
+          <p:cNvPr id="8" name="Marcador de Posição de Conteúdo 7">
             <a:extLst>
               <a:ext uri="{FF2B5EF4-FFF2-40B4-BE49-F238E27FC236}">
-                <a16:creationId xmlns:a16="http://schemas.microsoft.com/office/drawing/2014/main" id="{B573A8A9-0BDE-4B35-955D-A5C9FAFE6755}"/>
+                <a16:creationId xmlns:a16="http://schemas.microsoft.com/office/drawing/2014/main" id="{F43A5508-6070-4E5E-8921-EAFC2FB51964}"/>
               </a:ext>
             </a:extLst>
           </p:cNvPr>
-          <p:cNvSpPr>
-            <a:spLocks noGrp="1"/>
-          </p:cNvSpPr>
+          <p:cNvPicPr>
+            <a:picLocks noGrp="1" noChangeAspect="1"/>
+          </p:cNvPicPr>
           <p:nvPr>
             <p:ph idx="11"/>
           </p:nvPr>
-        </p:nvSpPr>
-        <p:spPr/>
-        <p:txBody>
-          <a:bodyPr/>
-          <a:lstStyle/>
-          <a:p>
-            <a:endParaRPr lang="pt-PT" dirty="0"/>
-          </a:p>
-        </p:txBody>
-      </p:sp>
+        </p:nvPicPr>
+        <p:blipFill>
+          <a:blip r:embed="rId2">
+            <a:extLst>
+              <a:ext uri="{28A0092B-C50C-407E-A947-70E740481C1C}">
+                <a14:useLocalDpi xmlns:a14="http://schemas.microsoft.com/office/drawing/2010/main" val="0"/>
+              </a:ext>
+            </a:extLst>
+          </a:blip>
+          <a:stretch>
+            <a:fillRect/>
+          </a:stretch>
+        </p:blipFill>
+        <p:spPr>
+          <a:xfrm>
+            <a:off x="1967430" y="684213"/>
+            <a:ext cx="3367639" cy="3194050"/>
+          </a:xfrm>
+        </p:spPr>
+      </p:pic>
       <p:sp>
         <p:nvSpPr>
           <p:cNvPr id="5" name="Content Placeholder 4">
@@ -18378,7 +17794,7 @@
           <a:p>
             <a:r>
               <a:rPr lang="pt-PT" dirty="0"/>
-              <a:t>Início</a:t>
+              <a:t>Categorias</a:t>
             </a:r>
           </a:p>
         </p:txBody>
@@ -18386,7 +17802,7 @@
     </p:spTree>
     <p:extLst>
       <p:ext uri="{BB962C8B-B14F-4D97-AF65-F5344CB8AC3E}">
-        <p14:creationId xmlns:p14="http://schemas.microsoft.com/office/powerpoint/2010/main" val="452397108"/>
+        <p14:creationId xmlns:p14="http://schemas.microsoft.com/office/powerpoint/2010/main" val="2701093968"/>
       </p:ext>
     </p:extLst>
   </p:cSld>
@@ -18463,31 +17879,41 @@
           </a:p>
         </p:txBody>
       </p:sp>
-      <p:sp>
-        <p:nvSpPr>
-          <p:cNvPr id="4" name="Content Placeholder 3">
+      <p:pic>
+        <p:nvPicPr>
+          <p:cNvPr id="8" name="Marcador de Posição de Conteúdo 7">
             <a:extLst>
               <a:ext uri="{FF2B5EF4-FFF2-40B4-BE49-F238E27FC236}">
-                <a16:creationId xmlns:a16="http://schemas.microsoft.com/office/drawing/2014/main" id="{B573A8A9-0BDE-4B35-955D-A5C9FAFE6755}"/>
+                <a16:creationId xmlns:a16="http://schemas.microsoft.com/office/drawing/2014/main" id="{321413A4-3E2B-48AD-9C12-CBD60B3A8759}"/>
               </a:ext>
             </a:extLst>
           </p:cNvPr>
-          <p:cNvSpPr>
-            <a:spLocks noGrp="1"/>
-          </p:cNvSpPr>
+          <p:cNvPicPr>
+            <a:picLocks noGrp="1" noChangeAspect="1"/>
+          </p:cNvPicPr>
           <p:nvPr>
             <p:ph idx="11"/>
           </p:nvPr>
-        </p:nvSpPr>
-        <p:spPr/>
-        <p:txBody>
-          <a:bodyPr/>
-          <a:lstStyle/>
-          <a:p>
-            <a:endParaRPr lang="pt-PT" dirty="0"/>
-          </a:p>
-        </p:txBody>
-      </p:sp>
+        </p:nvPicPr>
+        <p:blipFill>
+          <a:blip r:embed="rId2">
+            <a:extLst>
+              <a:ext uri="{28A0092B-C50C-407E-A947-70E740481C1C}">
+                <a14:useLocalDpi xmlns:a14="http://schemas.microsoft.com/office/drawing/2010/main" val="0"/>
+              </a:ext>
+            </a:extLst>
+          </a:blip>
+          <a:stretch>
+            <a:fillRect/>
+          </a:stretch>
+        </p:blipFill>
+        <p:spPr>
+          <a:xfrm>
+            <a:off x="1967430" y="684213"/>
+            <a:ext cx="3367639" cy="3194050"/>
+          </a:xfrm>
+        </p:spPr>
+      </p:pic>
       <p:sp>
         <p:nvSpPr>
           <p:cNvPr id="5" name="Content Placeholder 4">
@@ -18531,20 +17957,28 @@
         </p:nvSpPr>
         <p:spPr/>
         <p:txBody>
-          <a:bodyPr/>
+          <a:bodyPr>
+            <a:normAutofit/>
+          </a:bodyPr>
           <a:lstStyle/>
           <a:p>
             <a:r>
               <a:rPr lang="pt-PT" dirty="0"/>
-              <a:t>Início</a:t>
-            </a:r>
+              <a:t>Sobre</a:t>
+            </a:r>
+          </a:p>
+          <a:p>
+            <a:pPr marL="0" indent="0">
+              <a:buNone/>
+            </a:pPr>
+            <a:endParaRPr lang="pt-PT" dirty="0"/>
           </a:p>
         </p:txBody>
       </p:sp>
     </p:spTree>
     <p:extLst>
       <p:ext uri="{BB962C8B-B14F-4D97-AF65-F5344CB8AC3E}">
-        <p14:creationId xmlns:p14="http://schemas.microsoft.com/office/powerpoint/2010/main" val="2701093968"/>
+        <p14:creationId xmlns:p14="http://schemas.microsoft.com/office/powerpoint/2010/main" val="1324516063"/>
       </p:ext>
     </p:extLst>
   </p:cSld>

--- a/UBI_CompWeb_2018_templates.pptx
+++ b/UBI_CompWeb_2018_templates.pptx
@@ -5,7 +5,7 @@
     <p:sldMasterId id="2147483660" r:id="rId1"/>
   </p:sldMasterIdLst>
   <p:notesMasterIdLst>
-    <p:notesMasterId r:id="rId12"/>
+    <p:notesMasterId r:id="rId18"/>
   </p:notesMasterIdLst>
   <p:sldIdLst>
     <p:sldId id="256" r:id="rId2"/>
@@ -14,10 +14,16 @@
     <p:sldId id="261" r:id="rId5"/>
     <p:sldId id="263" r:id="rId6"/>
     <p:sldId id="262" r:id="rId7"/>
-    <p:sldId id="265" r:id="rId8"/>
-    <p:sldId id="266" r:id="rId9"/>
-    <p:sldId id="267" r:id="rId10"/>
-    <p:sldId id="268" r:id="rId11"/>
+    <p:sldId id="264" r:id="rId8"/>
+    <p:sldId id="265" r:id="rId9"/>
+    <p:sldId id="266" r:id="rId10"/>
+    <p:sldId id="267" r:id="rId11"/>
+    <p:sldId id="268" r:id="rId12"/>
+    <p:sldId id="269" r:id="rId13"/>
+    <p:sldId id="272" r:id="rId14"/>
+    <p:sldId id="270" r:id="rId15"/>
+    <p:sldId id="271" r:id="rId16"/>
+    <p:sldId id="273" r:id="rId17"/>
   </p:sldIdLst>
   <p:sldSz cx="9144000" cy="6858000" type="screen4x3"/>
   <p:notesSz cx="6858000" cy="9144000"/>
@@ -1969,6 +1975,13 @@
         </dgm:presLayoutVars>
       </dgm:prSet>
       <dgm:spPr/>
+      <dgm:t>
+        <a:bodyPr/>
+        <a:lstStyle/>
+        <a:p>
+          <a:endParaRPr lang="pt-PT"/>
+        </a:p>
+      </dgm:t>
     </dgm:pt>
     <dgm:pt modelId="{C7C3974A-1DF5-4BF7-A22B-7D65EF9D0681}" type="pres">
       <dgm:prSet presAssocID="{EFF00522-C837-4800-9089-09C6786FA139}" presName="hierRoot1" presStyleCnt="0">
@@ -1989,10 +2002,24 @@
         </dgm:presLayoutVars>
       </dgm:prSet>
       <dgm:spPr/>
+      <dgm:t>
+        <a:bodyPr/>
+        <a:lstStyle/>
+        <a:p>
+          <a:endParaRPr lang="pt-PT"/>
+        </a:p>
+      </dgm:t>
     </dgm:pt>
     <dgm:pt modelId="{15AFF27B-B166-47F4-BEA3-A556EF84A1FE}" type="pres">
       <dgm:prSet presAssocID="{EFF00522-C837-4800-9089-09C6786FA139}" presName="rootConnector1" presStyleLbl="node1" presStyleIdx="0" presStyleCnt="0"/>
       <dgm:spPr/>
+      <dgm:t>
+        <a:bodyPr/>
+        <a:lstStyle/>
+        <a:p>
+          <a:endParaRPr lang="pt-PT"/>
+        </a:p>
+      </dgm:t>
     </dgm:pt>
     <dgm:pt modelId="{9A71EA88-E86A-4774-A0C2-7A36B7A46C30}" type="pres">
       <dgm:prSet presAssocID="{EFF00522-C837-4800-9089-09C6786FA139}" presName="hierChild2" presStyleCnt="0"/>
@@ -2001,6 +2028,13 @@
     <dgm:pt modelId="{C79737FA-DA68-4B50-9686-82FBED4993F4}" type="pres">
       <dgm:prSet presAssocID="{2401EE30-6FB4-47FC-B5CB-44E93082BA16}" presName="Name37" presStyleLbl="parChTrans1D2" presStyleIdx="0" presStyleCnt="6"/>
       <dgm:spPr/>
+      <dgm:t>
+        <a:bodyPr/>
+        <a:lstStyle/>
+        <a:p>
+          <a:endParaRPr lang="pt-PT"/>
+        </a:p>
+      </dgm:t>
     </dgm:pt>
     <dgm:pt modelId="{3CDACF71-9436-40D9-B554-1B1DAEBD747E}" type="pres">
       <dgm:prSet presAssocID="{D0D5EBBE-C984-451E-A77C-06635B96115A}" presName="hierRoot2" presStyleCnt="0">
@@ -2021,10 +2055,24 @@
         </dgm:presLayoutVars>
       </dgm:prSet>
       <dgm:spPr/>
+      <dgm:t>
+        <a:bodyPr/>
+        <a:lstStyle/>
+        <a:p>
+          <a:endParaRPr lang="pt-PT"/>
+        </a:p>
+      </dgm:t>
     </dgm:pt>
     <dgm:pt modelId="{1E59B1F0-1959-43EF-B4BA-5DE950985F11}" type="pres">
       <dgm:prSet presAssocID="{D0D5EBBE-C984-451E-A77C-06635B96115A}" presName="rootConnector" presStyleLbl="node2" presStyleIdx="0" presStyleCnt="6"/>
       <dgm:spPr/>
+      <dgm:t>
+        <a:bodyPr/>
+        <a:lstStyle/>
+        <a:p>
+          <a:endParaRPr lang="pt-PT"/>
+        </a:p>
+      </dgm:t>
     </dgm:pt>
     <dgm:pt modelId="{1361BC6C-9B0B-4206-827D-3BF0B5B79B98}" type="pres">
       <dgm:prSet presAssocID="{D0D5EBBE-C984-451E-A77C-06635B96115A}" presName="hierChild4" presStyleCnt="0"/>
@@ -2037,6 +2085,13 @@
     <dgm:pt modelId="{A3C064E1-EB83-4A90-BC9B-363A4369B1D9}" type="pres">
       <dgm:prSet presAssocID="{AE15057E-D275-4CBA-BBDA-7AFB5273F6D0}" presName="Name37" presStyleLbl="parChTrans1D2" presStyleIdx="1" presStyleCnt="6"/>
       <dgm:spPr/>
+      <dgm:t>
+        <a:bodyPr/>
+        <a:lstStyle/>
+        <a:p>
+          <a:endParaRPr lang="pt-PT"/>
+        </a:p>
+      </dgm:t>
     </dgm:pt>
     <dgm:pt modelId="{5F49EB11-AF2A-43A7-A5F6-C818A93333A4}" type="pres">
       <dgm:prSet presAssocID="{DEB3A288-72B2-4CE3-BA0E-2385DCEA1166}" presName="hierRoot2" presStyleCnt="0">
@@ -2057,10 +2112,24 @@
         </dgm:presLayoutVars>
       </dgm:prSet>
       <dgm:spPr/>
+      <dgm:t>
+        <a:bodyPr/>
+        <a:lstStyle/>
+        <a:p>
+          <a:endParaRPr lang="pt-PT"/>
+        </a:p>
+      </dgm:t>
     </dgm:pt>
     <dgm:pt modelId="{D1586E0D-5339-4871-B373-DE07F6A4B31A}" type="pres">
       <dgm:prSet presAssocID="{DEB3A288-72B2-4CE3-BA0E-2385DCEA1166}" presName="rootConnector" presStyleLbl="node2" presStyleIdx="1" presStyleCnt="6"/>
       <dgm:spPr/>
+      <dgm:t>
+        <a:bodyPr/>
+        <a:lstStyle/>
+        <a:p>
+          <a:endParaRPr lang="pt-PT"/>
+        </a:p>
+      </dgm:t>
     </dgm:pt>
     <dgm:pt modelId="{1E188EC2-DBC6-4C65-BECE-BD2803FEF22A}" type="pres">
       <dgm:prSet presAssocID="{DEB3A288-72B2-4CE3-BA0E-2385DCEA1166}" presName="hierChild4" presStyleCnt="0"/>
@@ -2073,6 +2142,13 @@
     <dgm:pt modelId="{075DE7FD-AB6D-45A1-88B5-F6DE55537A5C}" type="pres">
       <dgm:prSet presAssocID="{1F891C72-4331-4225-9131-EE90A5156BCC}" presName="Name37" presStyleLbl="parChTrans1D2" presStyleIdx="2" presStyleCnt="6"/>
       <dgm:spPr/>
+      <dgm:t>
+        <a:bodyPr/>
+        <a:lstStyle/>
+        <a:p>
+          <a:endParaRPr lang="pt-PT"/>
+        </a:p>
+      </dgm:t>
     </dgm:pt>
     <dgm:pt modelId="{9D85BD58-234E-4F80-9935-D3C313D0B352}" type="pres">
       <dgm:prSet presAssocID="{3E7D5DE8-38A7-4D01-B3B1-C41B904AFB24}" presName="hierRoot2" presStyleCnt="0">
@@ -2093,10 +2169,24 @@
         </dgm:presLayoutVars>
       </dgm:prSet>
       <dgm:spPr/>
+      <dgm:t>
+        <a:bodyPr/>
+        <a:lstStyle/>
+        <a:p>
+          <a:endParaRPr lang="pt-PT"/>
+        </a:p>
+      </dgm:t>
     </dgm:pt>
     <dgm:pt modelId="{D47F8C64-7351-47DD-ABB9-3A4D5CE04EBC}" type="pres">
       <dgm:prSet presAssocID="{3E7D5DE8-38A7-4D01-B3B1-C41B904AFB24}" presName="rootConnector" presStyleLbl="node2" presStyleIdx="2" presStyleCnt="6"/>
       <dgm:spPr/>
+      <dgm:t>
+        <a:bodyPr/>
+        <a:lstStyle/>
+        <a:p>
+          <a:endParaRPr lang="pt-PT"/>
+        </a:p>
+      </dgm:t>
     </dgm:pt>
     <dgm:pt modelId="{0EB07231-3CA0-42A8-AE42-EFF984FC9A65}" type="pres">
       <dgm:prSet presAssocID="{3E7D5DE8-38A7-4D01-B3B1-C41B904AFB24}" presName="hierChild4" presStyleCnt="0"/>
@@ -2109,6 +2199,13 @@
     <dgm:pt modelId="{1FD30025-BE06-4C8D-8024-6353A3A86C64}" type="pres">
       <dgm:prSet presAssocID="{06A4DF89-C148-4CB0-BC1C-719E15C3A380}" presName="Name37" presStyleLbl="parChTrans1D2" presStyleIdx="3" presStyleCnt="6"/>
       <dgm:spPr/>
+      <dgm:t>
+        <a:bodyPr/>
+        <a:lstStyle/>
+        <a:p>
+          <a:endParaRPr lang="pt-PT"/>
+        </a:p>
+      </dgm:t>
     </dgm:pt>
     <dgm:pt modelId="{031ED071-E8F0-4ADE-BB27-DE25D6F99C8E}" type="pres">
       <dgm:prSet presAssocID="{CFC8A77C-E037-4F39-89BC-7C46B2FFF6C3}" presName="hierRoot2" presStyleCnt="0">
@@ -2129,10 +2226,24 @@
         </dgm:presLayoutVars>
       </dgm:prSet>
       <dgm:spPr/>
+      <dgm:t>
+        <a:bodyPr/>
+        <a:lstStyle/>
+        <a:p>
+          <a:endParaRPr lang="pt-PT"/>
+        </a:p>
+      </dgm:t>
     </dgm:pt>
     <dgm:pt modelId="{C385DBD7-122C-4C76-95AA-F0EDDD576213}" type="pres">
       <dgm:prSet presAssocID="{CFC8A77C-E037-4F39-89BC-7C46B2FFF6C3}" presName="rootConnector" presStyleLbl="node2" presStyleIdx="3" presStyleCnt="6"/>
       <dgm:spPr/>
+      <dgm:t>
+        <a:bodyPr/>
+        <a:lstStyle/>
+        <a:p>
+          <a:endParaRPr lang="pt-PT"/>
+        </a:p>
+      </dgm:t>
     </dgm:pt>
     <dgm:pt modelId="{DE86AFEF-E43B-4AD5-AF14-454FCFC84E45}" type="pres">
       <dgm:prSet presAssocID="{CFC8A77C-E037-4F39-89BC-7C46B2FFF6C3}" presName="hierChild4" presStyleCnt="0"/>
@@ -2145,6 +2256,13 @@
     <dgm:pt modelId="{87BE5EB3-DB60-4F74-8CAB-579081070155}" type="pres">
       <dgm:prSet presAssocID="{77057196-36D4-4297-8DBE-9DF4DC99769E}" presName="Name37" presStyleLbl="parChTrans1D2" presStyleIdx="4" presStyleCnt="6"/>
       <dgm:spPr/>
+      <dgm:t>
+        <a:bodyPr/>
+        <a:lstStyle/>
+        <a:p>
+          <a:endParaRPr lang="pt-PT"/>
+        </a:p>
+      </dgm:t>
     </dgm:pt>
     <dgm:pt modelId="{B70BC062-C551-4FA6-AA0B-24CA90B943F5}" type="pres">
       <dgm:prSet presAssocID="{6BCCACC8-297A-434B-B4C0-CBF55E8A799D}" presName="hierRoot2" presStyleCnt="0">
@@ -2165,10 +2283,24 @@
         </dgm:presLayoutVars>
       </dgm:prSet>
       <dgm:spPr/>
+      <dgm:t>
+        <a:bodyPr/>
+        <a:lstStyle/>
+        <a:p>
+          <a:endParaRPr lang="pt-PT"/>
+        </a:p>
+      </dgm:t>
     </dgm:pt>
     <dgm:pt modelId="{695C9D34-95FC-428F-873D-B6282BE96811}" type="pres">
       <dgm:prSet presAssocID="{6BCCACC8-297A-434B-B4C0-CBF55E8A799D}" presName="rootConnector" presStyleLbl="node2" presStyleIdx="4" presStyleCnt="6"/>
       <dgm:spPr/>
+      <dgm:t>
+        <a:bodyPr/>
+        <a:lstStyle/>
+        <a:p>
+          <a:endParaRPr lang="pt-PT"/>
+        </a:p>
+      </dgm:t>
     </dgm:pt>
     <dgm:pt modelId="{C932BF2B-95E7-43ED-B8E1-90412F9C1BE7}" type="pres">
       <dgm:prSet presAssocID="{6BCCACC8-297A-434B-B4C0-CBF55E8A799D}" presName="hierChild4" presStyleCnt="0"/>
@@ -2181,6 +2313,13 @@
     <dgm:pt modelId="{F67550F7-432C-48D7-8A48-619DCE27301E}" type="pres">
       <dgm:prSet presAssocID="{F147F672-E447-4955-8CC9-5032D36A8B49}" presName="Name37" presStyleLbl="parChTrans1D2" presStyleIdx="5" presStyleCnt="6"/>
       <dgm:spPr/>
+      <dgm:t>
+        <a:bodyPr/>
+        <a:lstStyle/>
+        <a:p>
+          <a:endParaRPr lang="pt-PT"/>
+        </a:p>
+      </dgm:t>
     </dgm:pt>
     <dgm:pt modelId="{5A447CFF-59F3-4408-95EC-27E2E20BD354}" type="pres">
       <dgm:prSet presAssocID="{E7C64FD9-0C4A-4F3B-931A-AB7EFC3F18D6}" presName="hierRoot2" presStyleCnt="0">
@@ -2201,10 +2340,24 @@
         </dgm:presLayoutVars>
       </dgm:prSet>
       <dgm:spPr/>
+      <dgm:t>
+        <a:bodyPr/>
+        <a:lstStyle/>
+        <a:p>
+          <a:endParaRPr lang="pt-PT"/>
+        </a:p>
+      </dgm:t>
     </dgm:pt>
     <dgm:pt modelId="{E7DC8D2E-72AE-4E2C-8784-7C0B34907F59}" type="pres">
       <dgm:prSet presAssocID="{E7C64FD9-0C4A-4F3B-931A-AB7EFC3F18D6}" presName="rootConnector" presStyleLbl="node2" presStyleIdx="5" presStyleCnt="6"/>
       <dgm:spPr/>
+      <dgm:t>
+        <a:bodyPr/>
+        <a:lstStyle/>
+        <a:p>
+          <a:endParaRPr lang="pt-PT"/>
+        </a:p>
+      </dgm:t>
     </dgm:pt>
     <dgm:pt modelId="{7949B886-9FD6-41C3-A2D3-C7783F0882CF}" type="pres">
       <dgm:prSet presAssocID="{E7C64FD9-0C4A-4F3B-931A-AB7EFC3F18D6}" presName="hierChild4" presStyleCnt="0"/>
@@ -2220,34 +2373,34 @@
     </dgm:pt>
   </dgm:ptLst>
   <dgm:cxnLst>
-    <dgm:cxn modelId="{CC89F41C-EC73-4164-B979-1E34F8EC7992}" type="presOf" srcId="{DEB3A288-72B2-4CE3-BA0E-2385DCEA1166}" destId="{D1586E0D-5339-4871-B373-DE07F6A4B31A}" srcOrd="1" destOrd="0" presId="urn:microsoft.com/office/officeart/2005/8/layout/orgChart1"/>
-    <dgm:cxn modelId="{59A13B2B-94E3-4E30-B1C8-D4C19B456A98}" type="presOf" srcId="{6BCCACC8-297A-434B-B4C0-CBF55E8A799D}" destId="{695C9D34-95FC-428F-873D-B6282BE96811}" srcOrd="1" destOrd="0" presId="urn:microsoft.com/office/officeart/2005/8/layout/orgChart1"/>
-    <dgm:cxn modelId="{A4D9362C-6216-407B-A06C-1540E852B2AC}" type="presOf" srcId="{E7C64FD9-0C4A-4F3B-931A-AB7EFC3F18D6}" destId="{67726964-64F7-4568-A550-A3840E89588B}" srcOrd="0" destOrd="0" presId="urn:microsoft.com/office/officeart/2005/8/layout/orgChart1"/>
-    <dgm:cxn modelId="{2BA0192D-E091-446B-9562-8E04E2C7A7A9}" srcId="{EFF00522-C837-4800-9089-09C6786FA139}" destId="{6BCCACC8-297A-434B-B4C0-CBF55E8A799D}" srcOrd="4" destOrd="0" parTransId="{77057196-36D4-4297-8DBE-9DF4DC99769E}" sibTransId="{E17B637D-8F1E-4395-8504-5FF5013E668B}"/>
-    <dgm:cxn modelId="{B6F32367-D4A4-4501-A5C5-198502F93225}" type="presOf" srcId="{CFC8A77C-E037-4F39-89BC-7C46B2FFF6C3}" destId="{B512DCC2-F8AD-4A88-8224-BF794CC14E60}" srcOrd="0" destOrd="0" presId="urn:microsoft.com/office/officeart/2005/8/layout/orgChart1"/>
+    <dgm:cxn modelId="{8C71F597-48DA-42F5-848B-45FBCBBE231C}" srcId="{EFF00522-C837-4800-9089-09C6786FA139}" destId="{DEB3A288-72B2-4CE3-BA0E-2385DCEA1166}" srcOrd="1" destOrd="0" parTransId="{AE15057E-D275-4CBA-BBDA-7AFB5273F6D0}" sibTransId="{A96C3356-79EF-46AD-95D3-4F7717D0E212}"/>
+    <dgm:cxn modelId="{1D58114B-9E7B-4EE9-9BBB-CA2BC1050428}" srcId="{EFF00522-C837-4800-9089-09C6786FA139}" destId="{D0D5EBBE-C984-451E-A77C-06635B96115A}" srcOrd="0" destOrd="0" parTransId="{2401EE30-6FB4-47FC-B5CB-44E93082BA16}" sibTransId="{4794836D-9F6B-4080-8E70-60D729F37A15}"/>
     <dgm:cxn modelId="{76937E49-9A6C-4684-AE0E-E0846D99D250}" type="presOf" srcId="{3E7D5DE8-38A7-4D01-B3B1-C41B904AFB24}" destId="{D0C42A0A-227F-498C-9217-1F2A4E39F4AC}" srcOrd="0" destOrd="0" presId="urn:microsoft.com/office/officeart/2005/8/layout/orgChart1"/>
-    <dgm:cxn modelId="{1D58114B-9E7B-4EE9-9BBB-CA2BC1050428}" srcId="{EFF00522-C837-4800-9089-09C6786FA139}" destId="{D0D5EBBE-C984-451E-A77C-06635B96115A}" srcOrd="0" destOrd="0" parTransId="{2401EE30-6FB4-47FC-B5CB-44E93082BA16}" sibTransId="{4794836D-9F6B-4080-8E70-60D729F37A15}"/>
-    <dgm:cxn modelId="{B854F34B-ADF2-4C85-AA29-7CC262C2ABC0}" type="presOf" srcId="{F147F672-E447-4955-8CC9-5032D36A8B49}" destId="{F67550F7-432C-48D7-8A48-619DCE27301E}" srcOrd="0" destOrd="0" presId="urn:microsoft.com/office/officeart/2005/8/layout/orgChart1"/>
     <dgm:cxn modelId="{5D54394D-4C63-4C8A-838B-C69B4A99A8F4}" srcId="{EFF00522-C837-4800-9089-09C6786FA139}" destId="{E7C64FD9-0C4A-4F3B-931A-AB7EFC3F18D6}" srcOrd="5" destOrd="0" parTransId="{F147F672-E447-4955-8CC9-5032D36A8B49}" sibTransId="{8A6624D5-3F62-41FA-AF5E-FE463F8CEC8D}"/>
-    <dgm:cxn modelId="{F7703852-4B24-419F-8990-8F4642258C5C}" type="presOf" srcId="{DEB3A288-72B2-4CE3-BA0E-2385DCEA1166}" destId="{3DCFB508-F20D-419B-97A2-A0EA8AAE62B8}" srcOrd="0" destOrd="0" presId="urn:microsoft.com/office/officeart/2005/8/layout/orgChart1"/>
-    <dgm:cxn modelId="{8C5C1055-60EE-417A-890C-9263B9B0293C}" type="presOf" srcId="{6BCCACC8-297A-434B-B4C0-CBF55E8A799D}" destId="{8659CC59-2E2C-408C-A138-42297FB1F7FC}" srcOrd="0" destOrd="0" presId="urn:microsoft.com/office/officeart/2005/8/layout/orgChart1"/>
-    <dgm:cxn modelId="{E75D4180-7278-49C5-A120-3150DE2407B2}" type="presOf" srcId="{1F891C72-4331-4225-9131-EE90A5156BCC}" destId="{075DE7FD-AB6D-45A1-88B5-F6DE55537A5C}" srcOrd="0" destOrd="0" presId="urn:microsoft.com/office/officeart/2005/8/layout/orgChart1"/>
-    <dgm:cxn modelId="{8484E588-3BA2-4A2C-A856-2E9A20948E67}" type="presOf" srcId="{D0D5EBBE-C984-451E-A77C-06635B96115A}" destId="{BB899C3E-7977-48D2-838C-0A0A4E22407E}" srcOrd="0" destOrd="0" presId="urn:microsoft.com/office/officeart/2005/8/layout/orgChart1"/>
-    <dgm:cxn modelId="{8965F592-C2EF-4A5E-AE72-E3D483E3AC4B}" type="presOf" srcId="{EFF00522-C837-4800-9089-09C6786FA139}" destId="{0A79929F-4539-4070-8896-388E4F787335}" srcOrd="0" destOrd="0" presId="urn:microsoft.com/office/officeart/2005/8/layout/orgChart1"/>
-    <dgm:cxn modelId="{C104F494-93EC-4C35-9277-88485A6C79D9}" type="presOf" srcId="{AE15057E-D275-4CBA-BBDA-7AFB5273F6D0}" destId="{A3C064E1-EB83-4A90-BC9B-363A4369B1D9}" srcOrd="0" destOrd="0" presId="urn:microsoft.com/office/officeart/2005/8/layout/orgChart1"/>
-    <dgm:cxn modelId="{1A5C9B95-6306-4971-AEB4-0FB6C60D1920}" type="presOf" srcId="{2401EE30-6FB4-47FC-B5CB-44E93082BA16}" destId="{C79737FA-DA68-4B50-9686-82FBED4993F4}" srcOrd="0" destOrd="0" presId="urn:microsoft.com/office/officeart/2005/8/layout/orgChart1"/>
-    <dgm:cxn modelId="{8C71F597-48DA-42F5-848B-45FBCBBE231C}" srcId="{EFF00522-C837-4800-9089-09C6786FA139}" destId="{DEB3A288-72B2-4CE3-BA0E-2385DCEA1166}" srcOrd="1" destOrd="0" parTransId="{AE15057E-D275-4CBA-BBDA-7AFB5273F6D0}" sibTransId="{A96C3356-79EF-46AD-95D3-4F7717D0E212}"/>
+    <dgm:cxn modelId="{261826DD-4928-4968-9EE8-8603A4DA75BB}" type="presOf" srcId="{CFC8A77C-E037-4F39-89BC-7C46B2FFF6C3}" destId="{C385DBD7-122C-4C76-95AA-F0EDDD576213}" srcOrd="1" destOrd="0" presId="urn:microsoft.com/office/officeart/2005/8/layout/orgChart1"/>
+    <dgm:cxn modelId="{64B522C9-1881-4836-B21D-A269398ED4E7}" type="presOf" srcId="{06A4DF89-C148-4CB0-BC1C-719E15C3A380}" destId="{1FD30025-BE06-4C8D-8024-6353A3A86C64}" srcOrd="0" destOrd="0" presId="urn:microsoft.com/office/officeart/2005/8/layout/orgChart1"/>
     <dgm:cxn modelId="{3E0EE4A3-7C9D-4385-92CF-5CA9996AB16B}" type="presOf" srcId="{EFF00522-C837-4800-9089-09C6786FA139}" destId="{15AFF27B-B166-47F4-BEA3-A556EF84A1FE}" srcOrd="1" destOrd="0" presId="urn:microsoft.com/office/officeart/2005/8/layout/orgChart1"/>
     <dgm:cxn modelId="{C36633A6-7AC8-43DF-9EBE-C46C838D14D6}" type="presOf" srcId="{3E7D5DE8-38A7-4D01-B3B1-C41B904AFB24}" destId="{D47F8C64-7351-47DD-ABB9-3A4D5CE04EBC}" srcOrd="1" destOrd="0" presId="urn:microsoft.com/office/officeart/2005/8/layout/orgChart1"/>
+    <dgm:cxn modelId="{8C5C1055-60EE-417A-890C-9263B9B0293C}" type="presOf" srcId="{6BCCACC8-297A-434B-B4C0-CBF55E8A799D}" destId="{8659CC59-2E2C-408C-A138-42297FB1F7FC}" srcOrd="0" destOrd="0" presId="urn:microsoft.com/office/officeart/2005/8/layout/orgChart1"/>
+    <dgm:cxn modelId="{70CBB2C2-0071-4329-9A38-8AD1E841005D}" srcId="{EFF00522-C837-4800-9089-09C6786FA139}" destId="{CFC8A77C-E037-4F39-89BC-7C46B2FFF6C3}" srcOrd="3" destOrd="0" parTransId="{06A4DF89-C148-4CB0-BC1C-719E15C3A380}" sibTransId="{B9E8B3FB-6336-44A0-BB31-6CF9D499134C}"/>
+    <dgm:cxn modelId="{59A13B2B-94E3-4E30-B1C8-D4C19B456A98}" type="presOf" srcId="{6BCCACC8-297A-434B-B4C0-CBF55E8A799D}" destId="{695C9D34-95FC-428F-873D-B6282BE96811}" srcOrd="1" destOrd="0" presId="urn:microsoft.com/office/officeart/2005/8/layout/orgChart1"/>
+    <dgm:cxn modelId="{C104F494-93EC-4C35-9277-88485A6C79D9}" type="presOf" srcId="{AE15057E-D275-4CBA-BBDA-7AFB5273F6D0}" destId="{A3C064E1-EB83-4A90-BC9B-363A4369B1D9}" srcOrd="0" destOrd="0" presId="urn:microsoft.com/office/officeart/2005/8/layout/orgChart1"/>
+    <dgm:cxn modelId="{A4D9362C-6216-407B-A06C-1540E852B2AC}" type="presOf" srcId="{E7C64FD9-0C4A-4F3B-931A-AB7EFC3F18D6}" destId="{67726964-64F7-4568-A550-A3840E89588B}" srcOrd="0" destOrd="0" presId="urn:microsoft.com/office/officeart/2005/8/layout/orgChart1"/>
+    <dgm:cxn modelId="{CC89F41C-EC73-4164-B979-1E34F8EC7992}" type="presOf" srcId="{DEB3A288-72B2-4CE3-BA0E-2385DCEA1166}" destId="{D1586E0D-5339-4871-B373-DE07F6A4B31A}" srcOrd="1" destOrd="0" presId="urn:microsoft.com/office/officeart/2005/8/layout/orgChart1"/>
+    <dgm:cxn modelId="{B854F34B-ADF2-4C85-AA29-7CC262C2ABC0}" type="presOf" srcId="{F147F672-E447-4955-8CC9-5032D36A8B49}" destId="{F67550F7-432C-48D7-8A48-619DCE27301E}" srcOrd="0" destOrd="0" presId="urn:microsoft.com/office/officeart/2005/8/layout/orgChart1"/>
+    <dgm:cxn modelId="{8484E588-3BA2-4A2C-A856-2E9A20948E67}" type="presOf" srcId="{D0D5EBBE-C984-451E-A77C-06635B96115A}" destId="{BB899C3E-7977-48D2-838C-0A0A4E22407E}" srcOrd="0" destOrd="0" presId="urn:microsoft.com/office/officeart/2005/8/layout/orgChart1"/>
+    <dgm:cxn modelId="{1A5C9B95-6306-4971-AEB4-0FB6C60D1920}" type="presOf" srcId="{2401EE30-6FB4-47FC-B5CB-44E93082BA16}" destId="{C79737FA-DA68-4B50-9686-82FBED4993F4}" srcOrd="0" destOrd="0" presId="urn:microsoft.com/office/officeart/2005/8/layout/orgChart1"/>
+    <dgm:cxn modelId="{B6F32367-D4A4-4501-A5C5-198502F93225}" type="presOf" srcId="{CFC8A77C-E037-4F39-89BC-7C46B2FFF6C3}" destId="{B512DCC2-F8AD-4A88-8224-BF794CC14E60}" srcOrd="0" destOrd="0" presId="urn:microsoft.com/office/officeart/2005/8/layout/orgChart1"/>
+    <dgm:cxn modelId="{2BA0192D-E091-446B-9562-8E04E2C7A7A9}" srcId="{EFF00522-C837-4800-9089-09C6786FA139}" destId="{6BCCACC8-297A-434B-B4C0-CBF55E8A799D}" srcOrd="4" destOrd="0" parTransId="{77057196-36D4-4297-8DBE-9DF4DC99769E}" sibTransId="{E17B637D-8F1E-4395-8504-5FF5013E668B}"/>
+    <dgm:cxn modelId="{8C1C42B2-A065-4216-83CB-1050788129D9}" srcId="{EFF00522-C837-4800-9089-09C6786FA139}" destId="{3E7D5DE8-38A7-4D01-B3B1-C41B904AFB24}" srcOrd="2" destOrd="0" parTransId="{1F891C72-4331-4225-9131-EE90A5156BCC}" sibTransId="{2D617AC4-6E9C-47A6-BFAC-93EC82C86111}"/>
+    <dgm:cxn modelId="{F7703852-4B24-419F-8990-8F4642258C5C}" type="presOf" srcId="{DEB3A288-72B2-4CE3-BA0E-2385DCEA1166}" destId="{3DCFB508-F20D-419B-97A2-A0EA8AAE62B8}" srcOrd="0" destOrd="0" presId="urn:microsoft.com/office/officeart/2005/8/layout/orgChart1"/>
+    <dgm:cxn modelId="{F95DC0C1-9339-4066-9285-8FF13264398D}" type="presOf" srcId="{D0D5EBBE-C984-451E-A77C-06635B96115A}" destId="{1E59B1F0-1959-43EF-B4BA-5DE950985F11}" srcOrd="1" destOrd="0" presId="urn:microsoft.com/office/officeart/2005/8/layout/orgChart1"/>
     <dgm:cxn modelId="{67885BAF-5B75-407B-91B2-6F979038E946}" srcId="{F37AA981-A9B4-415F-ADC1-A456EE833205}" destId="{EFF00522-C837-4800-9089-09C6786FA139}" srcOrd="0" destOrd="0" parTransId="{DD3937CD-E1A8-4E5B-BD09-EABAA399CC23}" sibTransId="{719267CB-9490-458C-9394-D74AD204BE1B}"/>
-    <dgm:cxn modelId="{8C1C42B2-A065-4216-83CB-1050788129D9}" srcId="{EFF00522-C837-4800-9089-09C6786FA139}" destId="{3E7D5DE8-38A7-4D01-B3B1-C41B904AFB24}" srcOrd="2" destOrd="0" parTransId="{1F891C72-4331-4225-9131-EE90A5156BCC}" sibTransId="{2D617AC4-6E9C-47A6-BFAC-93EC82C86111}"/>
     <dgm:cxn modelId="{D57EB3B9-813B-4FB0-A76A-7A85A654C29B}" type="presOf" srcId="{E7C64FD9-0C4A-4F3B-931A-AB7EFC3F18D6}" destId="{E7DC8D2E-72AE-4E2C-8784-7C0B34907F59}" srcOrd="1" destOrd="0" presId="urn:microsoft.com/office/officeart/2005/8/layout/orgChart1"/>
-    <dgm:cxn modelId="{F95DC0C1-9339-4066-9285-8FF13264398D}" type="presOf" srcId="{D0D5EBBE-C984-451E-A77C-06635B96115A}" destId="{1E59B1F0-1959-43EF-B4BA-5DE950985F11}" srcOrd="1" destOrd="0" presId="urn:microsoft.com/office/officeart/2005/8/layout/orgChart1"/>
-    <dgm:cxn modelId="{70CBB2C2-0071-4329-9A38-8AD1E841005D}" srcId="{EFF00522-C837-4800-9089-09C6786FA139}" destId="{CFC8A77C-E037-4F39-89BC-7C46B2FFF6C3}" srcOrd="3" destOrd="0" parTransId="{06A4DF89-C148-4CB0-BC1C-719E15C3A380}" sibTransId="{B9E8B3FB-6336-44A0-BB31-6CF9D499134C}"/>
-    <dgm:cxn modelId="{64B522C9-1881-4836-B21D-A269398ED4E7}" type="presOf" srcId="{06A4DF89-C148-4CB0-BC1C-719E15C3A380}" destId="{1FD30025-BE06-4C8D-8024-6353A3A86C64}" srcOrd="0" destOrd="0" presId="urn:microsoft.com/office/officeart/2005/8/layout/orgChart1"/>
+    <dgm:cxn modelId="{19225BF9-14BF-4A05-BAF0-2E64D97CAC44}" type="presOf" srcId="{77057196-36D4-4297-8DBE-9DF4DC99769E}" destId="{87BE5EB3-DB60-4F74-8CAB-579081070155}" srcOrd="0" destOrd="0" presId="urn:microsoft.com/office/officeart/2005/8/layout/orgChart1"/>
     <dgm:cxn modelId="{6751E3DB-7D1C-4DFF-A50D-2E4D2AA1C036}" type="presOf" srcId="{F37AA981-A9B4-415F-ADC1-A456EE833205}" destId="{E4B09FCC-EACC-4121-8E6E-BD64FF803B59}" srcOrd="0" destOrd="0" presId="urn:microsoft.com/office/officeart/2005/8/layout/orgChart1"/>
-    <dgm:cxn modelId="{261826DD-4928-4968-9EE8-8603A4DA75BB}" type="presOf" srcId="{CFC8A77C-E037-4F39-89BC-7C46B2FFF6C3}" destId="{C385DBD7-122C-4C76-95AA-F0EDDD576213}" srcOrd="1" destOrd="0" presId="urn:microsoft.com/office/officeart/2005/8/layout/orgChart1"/>
-    <dgm:cxn modelId="{19225BF9-14BF-4A05-BAF0-2E64D97CAC44}" type="presOf" srcId="{77057196-36D4-4297-8DBE-9DF4DC99769E}" destId="{87BE5EB3-DB60-4F74-8CAB-579081070155}" srcOrd="0" destOrd="0" presId="urn:microsoft.com/office/officeart/2005/8/layout/orgChart1"/>
+    <dgm:cxn modelId="{E75D4180-7278-49C5-A120-3150DE2407B2}" type="presOf" srcId="{1F891C72-4331-4225-9131-EE90A5156BCC}" destId="{075DE7FD-AB6D-45A1-88B5-F6DE55537A5C}" srcOrd="0" destOrd="0" presId="urn:microsoft.com/office/officeart/2005/8/layout/orgChart1"/>
+    <dgm:cxn modelId="{8965F592-C2EF-4A5E-AE72-E3D483E3AC4B}" type="presOf" srcId="{EFF00522-C837-4800-9089-09C6786FA139}" destId="{0A79929F-4539-4070-8896-388E4F787335}" srcOrd="0" destOrd="0" presId="urn:microsoft.com/office/officeart/2005/8/layout/orgChart1"/>
     <dgm:cxn modelId="{007B4A0A-0E4B-42BD-905B-BDF6999023BA}" type="presParOf" srcId="{E4B09FCC-EACC-4121-8E6E-BD64FF803B59}" destId="{C7C3974A-1DF5-4BF7-A22B-7D65EF9D0681}" srcOrd="0" destOrd="0" presId="urn:microsoft.com/office/officeart/2005/8/layout/orgChart1"/>
     <dgm:cxn modelId="{0B8B6F9D-EC93-49D1-AB15-6F71BC6FE182}" type="presParOf" srcId="{C7C3974A-1DF5-4BF7-A22B-7D65EF9D0681}" destId="{D00FF694-389D-4CD3-B5E2-0572615B4DE4}" srcOrd="0" destOrd="0" presId="urn:microsoft.com/office/officeart/2005/8/layout/orgChart1"/>
     <dgm:cxn modelId="{5FC40C6D-C971-40B3-8425-E45FAA9959E4}" type="presParOf" srcId="{D00FF694-389D-4CD3-B5E2-0572615B4DE4}" destId="{0A79929F-4539-4070-8896-388E4F787335}" srcOrd="0" destOrd="0" presId="urn:microsoft.com/office/officeart/2005/8/layout/orgChart1"/>
@@ -2329,18 +2482,18 @@
         <a:lstStyle/>
         <a:p>
           <a:r>
-            <a:rPr lang="en-GB" sz="2000" u="none" dirty="0" err="1">
+            <a:rPr lang="en-GB" sz="2000" u="none" dirty="0" err="1" smtClean="0">
               <a:latin typeface="Arial" panose="020B0604020202020204" pitchFamily="34" charset="0"/>
               <a:cs typeface="Arial" panose="020B0604020202020204" pitchFamily="34" charset="0"/>
             </a:rPr>
             <a:t>Eventos</a:t>
           </a:r>
           <a:r>
-            <a:rPr lang="en-GB" sz="2000" u="none" dirty="0">
+            <a:rPr lang="en-GB" sz="2000" u="none" dirty="0" smtClean="0">
               <a:latin typeface="Arial" panose="020B0604020202020204" pitchFamily="34" charset="0"/>
               <a:cs typeface="Arial" panose="020B0604020202020204" pitchFamily="34" charset="0"/>
             </a:rPr>
-            <a:t> </a:t>
+            <a:t>- </a:t>
           </a:r>
           <a:r>
             <a:rPr lang="en-GB" sz="2000" u="none" dirty="0" err="1">
@@ -2608,8 +2761,13 @@
         <a:p>
           <a:r>
             <a:rPr lang="pt-PT" sz="3000" u="none" dirty="0"/>
-            <a:t>Porquê Covilhã</a:t>
+            <a:t>Porquê </a:t>
           </a:r>
+          <a:r>
+            <a:rPr lang="pt-PT" sz="3000" u="none" dirty="0" smtClean="0"/>
+            <a:t>Covilhã?</a:t>
+          </a:r>
+          <a:endParaRPr lang="pt-PT" sz="3000" u="none" dirty="0"/>
         </a:p>
       </dgm:t>
     </dgm:pt>
@@ -2863,8 +3021,8 @@
             <a:t>Chegar à </a:t>
           </a:r>
           <a:r>
-            <a:rPr lang="pt-PT" u="none" dirty="0" err="1"/>
-            <a:t>covilhã</a:t>
+            <a:rPr lang="pt-PT" u="none" dirty="0" smtClean="0"/>
+            <a:t>Covilhã</a:t>
           </a:r>
           <a:endParaRPr lang="pt-PT" u="none" dirty="0"/>
         </a:p>
@@ -2940,6 +3098,13 @@
         </dgm:presLayoutVars>
       </dgm:prSet>
       <dgm:spPr/>
+      <dgm:t>
+        <a:bodyPr/>
+        <a:lstStyle/>
+        <a:p>
+          <a:endParaRPr lang="pt-PT"/>
+        </a:p>
+      </dgm:t>
     </dgm:pt>
     <dgm:pt modelId="{C7C3974A-1DF5-4BF7-A22B-7D65EF9D0681}" type="pres">
       <dgm:prSet presAssocID="{EFF00522-C837-4800-9089-09C6786FA139}" presName="hierRoot1" presStyleCnt="0">
@@ -2960,10 +3125,24 @@
         </dgm:presLayoutVars>
       </dgm:prSet>
       <dgm:spPr/>
+      <dgm:t>
+        <a:bodyPr/>
+        <a:lstStyle/>
+        <a:p>
+          <a:endParaRPr lang="pt-PT"/>
+        </a:p>
+      </dgm:t>
     </dgm:pt>
     <dgm:pt modelId="{15AFF27B-B166-47F4-BEA3-A556EF84A1FE}" type="pres">
       <dgm:prSet presAssocID="{EFF00522-C837-4800-9089-09C6786FA139}" presName="rootConnector1" presStyleLbl="node1" presStyleIdx="0" presStyleCnt="0"/>
       <dgm:spPr/>
+      <dgm:t>
+        <a:bodyPr/>
+        <a:lstStyle/>
+        <a:p>
+          <a:endParaRPr lang="pt-PT"/>
+        </a:p>
+      </dgm:t>
     </dgm:pt>
     <dgm:pt modelId="{9A71EA88-E86A-4774-A0C2-7A36B7A46C30}" type="pres">
       <dgm:prSet presAssocID="{EFF00522-C837-4800-9089-09C6786FA139}" presName="hierChild2" presStyleCnt="0"/>
@@ -2972,6 +3151,13 @@
     <dgm:pt modelId="{C79737FA-DA68-4B50-9686-82FBED4993F4}" type="pres">
       <dgm:prSet presAssocID="{2401EE30-6FB4-47FC-B5CB-44E93082BA16}" presName="Name37" presStyleLbl="parChTrans1D2" presStyleIdx="0" presStyleCnt="5"/>
       <dgm:spPr/>
+      <dgm:t>
+        <a:bodyPr/>
+        <a:lstStyle/>
+        <a:p>
+          <a:endParaRPr lang="pt-PT"/>
+        </a:p>
+      </dgm:t>
     </dgm:pt>
     <dgm:pt modelId="{3CDACF71-9436-40D9-B554-1B1DAEBD747E}" type="pres">
       <dgm:prSet presAssocID="{D0D5EBBE-C984-451E-A77C-06635B96115A}" presName="hierRoot2" presStyleCnt="0">
@@ -2992,10 +3178,24 @@
         </dgm:presLayoutVars>
       </dgm:prSet>
       <dgm:spPr/>
+      <dgm:t>
+        <a:bodyPr/>
+        <a:lstStyle/>
+        <a:p>
+          <a:endParaRPr lang="pt-PT"/>
+        </a:p>
+      </dgm:t>
     </dgm:pt>
     <dgm:pt modelId="{1E59B1F0-1959-43EF-B4BA-5DE950985F11}" type="pres">
       <dgm:prSet presAssocID="{D0D5EBBE-C984-451E-A77C-06635B96115A}" presName="rootConnector" presStyleLbl="node2" presStyleIdx="0" presStyleCnt="5"/>
       <dgm:spPr/>
+      <dgm:t>
+        <a:bodyPr/>
+        <a:lstStyle/>
+        <a:p>
+          <a:endParaRPr lang="pt-PT"/>
+        </a:p>
+      </dgm:t>
     </dgm:pt>
     <dgm:pt modelId="{1361BC6C-9B0B-4206-827D-3BF0B5B79B98}" type="pres">
       <dgm:prSet presAssocID="{D0D5EBBE-C984-451E-A77C-06635B96115A}" presName="hierChild4" presStyleCnt="0"/>
@@ -3004,6 +3204,13 @@
     <dgm:pt modelId="{BCCB5965-B0E0-45CC-8894-BE1731CC57E2}" type="pres">
       <dgm:prSet presAssocID="{7ABF7F75-BA81-498E-8999-139ABA277B4F}" presName="Name37" presStyleLbl="parChTrans1D3" presStyleIdx="0" presStyleCnt="9"/>
       <dgm:spPr/>
+      <dgm:t>
+        <a:bodyPr/>
+        <a:lstStyle/>
+        <a:p>
+          <a:endParaRPr lang="pt-PT"/>
+        </a:p>
+      </dgm:t>
     </dgm:pt>
     <dgm:pt modelId="{1CD8D106-1B91-496C-B3DB-996AC3AD5822}" type="pres">
       <dgm:prSet presAssocID="{6D859D06-D440-4495-BC38-4B0653417247}" presName="hierRoot2" presStyleCnt="0">
@@ -3024,10 +3231,24 @@
         </dgm:presLayoutVars>
       </dgm:prSet>
       <dgm:spPr/>
+      <dgm:t>
+        <a:bodyPr/>
+        <a:lstStyle/>
+        <a:p>
+          <a:endParaRPr lang="pt-PT"/>
+        </a:p>
+      </dgm:t>
     </dgm:pt>
     <dgm:pt modelId="{257BA37D-C7F9-4FC4-8625-2A044432F45E}" type="pres">
       <dgm:prSet presAssocID="{6D859D06-D440-4495-BC38-4B0653417247}" presName="rootConnector" presStyleLbl="node3" presStyleIdx="0" presStyleCnt="9"/>
       <dgm:spPr/>
+      <dgm:t>
+        <a:bodyPr/>
+        <a:lstStyle/>
+        <a:p>
+          <a:endParaRPr lang="pt-PT"/>
+        </a:p>
+      </dgm:t>
     </dgm:pt>
     <dgm:pt modelId="{21FA8DE6-BE13-427F-B07D-34101809347A}" type="pres">
       <dgm:prSet presAssocID="{6D859D06-D440-4495-BC38-4B0653417247}" presName="hierChild4" presStyleCnt="0"/>
@@ -3040,6 +3261,13 @@
     <dgm:pt modelId="{F5935B02-3EAE-43D8-83D7-0568EA754FE3}" type="pres">
       <dgm:prSet presAssocID="{DF2FF718-F2C1-46BD-B3D2-69C34DDD97AC}" presName="Name37" presStyleLbl="parChTrans1D3" presStyleIdx="1" presStyleCnt="9"/>
       <dgm:spPr/>
+      <dgm:t>
+        <a:bodyPr/>
+        <a:lstStyle/>
+        <a:p>
+          <a:endParaRPr lang="pt-PT"/>
+        </a:p>
+      </dgm:t>
     </dgm:pt>
     <dgm:pt modelId="{65098B79-47B8-45AD-84EC-59F788BDFBC1}" type="pres">
       <dgm:prSet presAssocID="{AF9FAEE0-D707-4D4A-BC4E-B00284790C09}" presName="hierRoot2" presStyleCnt="0">
@@ -3060,10 +3288,24 @@
         </dgm:presLayoutVars>
       </dgm:prSet>
       <dgm:spPr/>
+      <dgm:t>
+        <a:bodyPr/>
+        <a:lstStyle/>
+        <a:p>
+          <a:endParaRPr lang="pt-PT"/>
+        </a:p>
+      </dgm:t>
     </dgm:pt>
     <dgm:pt modelId="{7A248573-B914-4159-ACEE-81EFF21A290C}" type="pres">
       <dgm:prSet presAssocID="{AF9FAEE0-D707-4D4A-BC4E-B00284790C09}" presName="rootConnector" presStyleLbl="node3" presStyleIdx="1" presStyleCnt="9"/>
       <dgm:spPr/>
+      <dgm:t>
+        <a:bodyPr/>
+        <a:lstStyle/>
+        <a:p>
+          <a:endParaRPr lang="pt-PT"/>
+        </a:p>
+      </dgm:t>
     </dgm:pt>
     <dgm:pt modelId="{DEA8D9E0-A8CA-48EF-A2A5-7B4EACBDC6EA}" type="pres">
       <dgm:prSet presAssocID="{AF9FAEE0-D707-4D4A-BC4E-B00284790C09}" presName="hierChild4" presStyleCnt="0"/>
@@ -3076,6 +3318,13 @@
     <dgm:pt modelId="{83BFE1B7-4CFE-4414-B2E2-2937D4F9C17F}" type="pres">
       <dgm:prSet presAssocID="{188D1000-0E2B-4CE9-B4EC-57DF98E5B370}" presName="Name37" presStyleLbl="parChTrans1D3" presStyleIdx="2" presStyleCnt="9"/>
       <dgm:spPr/>
+      <dgm:t>
+        <a:bodyPr/>
+        <a:lstStyle/>
+        <a:p>
+          <a:endParaRPr lang="pt-PT"/>
+        </a:p>
+      </dgm:t>
     </dgm:pt>
     <dgm:pt modelId="{459CC44D-C8B1-4635-A6BE-852CC0735C79}" type="pres">
       <dgm:prSet presAssocID="{32A588C2-228D-4B26-9C8B-90CDFD0FC08B}" presName="hierRoot2" presStyleCnt="0">
@@ -3096,10 +3345,24 @@
         </dgm:presLayoutVars>
       </dgm:prSet>
       <dgm:spPr/>
+      <dgm:t>
+        <a:bodyPr/>
+        <a:lstStyle/>
+        <a:p>
+          <a:endParaRPr lang="pt-PT"/>
+        </a:p>
+      </dgm:t>
     </dgm:pt>
     <dgm:pt modelId="{6AB2AA11-CB4E-478D-B63B-A0BF5B893B44}" type="pres">
       <dgm:prSet presAssocID="{32A588C2-228D-4B26-9C8B-90CDFD0FC08B}" presName="rootConnector" presStyleLbl="node3" presStyleIdx="2" presStyleCnt="9"/>
       <dgm:spPr/>
+      <dgm:t>
+        <a:bodyPr/>
+        <a:lstStyle/>
+        <a:p>
+          <a:endParaRPr lang="pt-PT"/>
+        </a:p>
+      </dgm:t>
     </dgm:pt>
     <dgm:pt modelId="{CB7BB7FB-F6D9-464D-8147-B1D785A2A656}" type="pres">
       <dgm:prSet presAssocID="{32A588C2-228D-4B26-9C8B-90CDFD0FC08B}" presName="hierChild4" presStyleCnt="0"/>
@@ -3116,6 +3379,13 @@
     <dgm:pt modelId="{A3C064E1-EB83-4A90-BC9B-363A4369B1D9}" type="pres">
       <dgm:prSet presAssocID="{AE15057E-D275-4CBA-BBDA-7AFB5273F6D0}" presName="Name37" presStyleLbl="parChTrans1D2" presStyleIdx="1" presStyleCnt="5"/>
       <dgm:spPr/>
+      <dgm:t>
+        <a:bodyPr/>
+        <a:lstStyle/>
+        <a:p>
+          <a:endParaRPr lang="pt-PT"/>
+        </a:p>
+      </dgm:t>
     </dgm:pt>
     <dgm:pt modelId="{5F49EB11-AF2A-43A7-A5F6-C818A93333A4}" type="pres">
       <dgm:prSet presAssocID="{DEB3A288-72B2-4CE3-BA0E-2385DCEA1166}" presName="hierRoot2" presStyleCnt="0">
@@ -3136,10 +3406,24 @@
         </dgm:presLayoutVars>
       </dgm:prSet>
       <dgm:spPr/>
+      <dgm:t>
+        <a:bodyPr/>
+        <a:lstStyle/>
+        <a:p>
+          <a:endParaRPr lang="pt-PT"/>
+        </a:p>
+      </dgm:t>
     </dgm:pt>
     <dgm:pt modelId="{D1586E0D-5339-4871-B373-DE07F6A4B31A}" type="pres">
       <dgm:prSet presAssocID="{DEB3A288-72B2-4CE3-BA0E-2385DCEA1166}" presName="rootConnector" presStyleLbl="node2" presStyleIdx="1" presStyleCnt="5"/>
       <dgm:spPr/>
+      <dgm:t>
+        <a:bodyPr/>
+        <a:lstStyle/>
+        <a:p>
+          <a:endParaRPr lang="pt-PT"/>
+        </a:p>
+      </dgm:t>
     </dgm:pt>
     <dgm:pt modelId="{1E188EC2-DBC6-4C65-BECE-BD2803FEF22A}" type="pres">
       <dgm:prSet presAssocID="{DEB3A288-72B2-4CE3-BA0E-2385DCEA1166}" presName="hierChild4" presStyleCnt="0"/>
@@ -3152,6 +3436,13 @@
     <dgm:pt modelId="{075DE7FD-AB6D-45A1-88B5-F6DE55537A5C}" type="pres">
       <dgm:prSet presAssocID="{1F891C72-4331-4225-9131-EE90A5156BCC}" presName="Name37" presStyleLbl="parChTrans1D2" presStyleIdx="2" presStyleCnt="5"/>
       <dgm:spPr/>
+      <dgm:t>
+        <a:bodyPr/>
+        <a:lstStyle/>
+        <a:p>
+          <a:endParaRPr lang="pt-PT"/>
+        </a:p>
+      </dgm:t>
     </dgm:pt>
     <dgm:pt modelId="{9D85BD58-234E-4F80-9935-D3C313D0B352}" type="pres">
       <dgm:prSet presAssocID="{3E7D5DE8-38A7-4D01-B3B1-C41B904AFB24}" presName="hierRoot2" presStyleCnt="0">
@@ -3172,10 +3463,24 @@
         </dgm:presLayoutVars>
       </dgm:prSet>
       <dgm:spPr/>
+      <dgm:t>
+        <a:bodyPr/>
+        <a:lstStyle/>
+        <a:p>
+          <a:endParaRPr lang="pt-PT"/>
+        </a:p>
+      </dgm:t>
     </dgm:pt>
     <dgm:pt modelId="{D47F8C64-7351-47DD-ABB9-3A4D5CE04EBC}" type="pres">
       <dgm:prSet presAssocID="{3E7D5DE8-38A7-4D01-B3B1-C41B904AFB24}" presName="rootConnector" presStyleLbl="node2" presStyleIdx="2" presStyleCnt="5"/>
       <dgm:spPr/>
+      <dgm:t>
+        <a:bodyPr/>
+        <a:lstStyle/>
+        <a:p>
+          <a:endParaRPr lang="pt-PT"/>
+        </a:p>
+      </dgm:t>
     </dgm:pt>
     <dgm:pt modelId="{0EB07231-3CA0-42A8-AE42-EFF984FC9A65}" type="pres">
       <dgm:prSet presAssocID="{3E7D5DE8-38A7-4D01-B3B1-C41B904AFB24}" presName="hierChild4" presStyleCnt="0"/>
@@ -3184,6 +3489,13 @@
     <dgm:pt modelId="{A148AF3D-8225-4C90-9973-D39067016BF1}" type="pres">
       <dgm:prSet presAssocID="{5A94BF89-F459-4076-B825-3EF69867B9E6}" presName="Name37" presStyleLbl="parChTrans1D3" presStyleIdx="3" presStyleCnt="9"/>
       <dgm:spPr/>
+      <dgm:t>
+        <a:bodyPr/>
+        <a:lstStyle/>
+        <a:p>
+          <a:endParaRPr lang="pt-PT"/>
+        </a:p>
+      </dgm:t>
     </dgm:pt>
     <dgm:pt modelId="{0ACF801A-7B48-49C3-8A6E-CA4C0C45AF98}" type="pres">
       <dgm:prSet presAssocID="{C4E9236B-D5FB-402F-9C08-8917C5806671}" presName="hierRoot2" presStyleCnt="0">
@@ -3204,10 +3516,24 @@
         </dgm:presLayoutVars>
       </dgm:prSet>
       <dgm:spPr/>
+      <dgm:t>
+        <a:bodyPr/>
+        <a:lstStyle/>
+        <a:p>
+          <a:endParaRPr lang="pt-PT"/>
+        </a:p>
+      </dgm:t>
     </dgm:pt>
     <dgm:pt modelId="{1A4D12E3-2EEF-4745-BCD2-3B9AFD0CBE3F}" type="pres">
       <dgm:prSet presAssocID="{C4E9236B-D5FB-402F-9C08-8917C5806671}" presName="rootConnector" presStyleLbl="node3" presStyleIdx="3" presStyleCnt="9"/>
       <dgm:spPr/>
+      <dgm:t>
+        <a:bodyPr/>
+        <a:lstStyle/>
+        <a:p>
+          <a:endParaRPr lang="pt-PT"/>
+        </a:p>
+      </dgm:t>
     </dgm:pt>
     <dgm:pt modelId="{691979FA-4AA7-499E-96E3-2630F7706F7C}" type="pres">
       <dgm:prSet presAssocID="{C4E9236B-D5FB-402F-9C08-8917C5806671}" presName="hierChild4" presStyleCnt="0"/>
@@ -3220,6 +3546,13 @@
     <dgm:pt modelId="{DE72DF6E-144C-454B-9565-EC52D8FB4D37}" type="pres">
       <dgm:prSet presAssocID="{04B442D8-6F45-4C79-8A4C-6886FDE02F97}" presName="Name37" presStyleLbl="parChTrans1D3" presStyleIdx="4" presStyleCnt="9"/>
       <dgm:spPr/>
+      <dgm:t>
+        <a:bodyPr/>
+        <a:lstStyle/>
+        <a:p>
+          <a:endParaRPr lang="pt-PT"/>
+        </a:p>
+      </dgm:t>
     </dgm:pt>
     <dgm:pt modelId="{BB759B9C-E166-4318-8783-39AF6A31B605}" type="pres">
       <dgm:prSet presAssocID="{C5D14313-4718-4BA4-8034-5E4E2ACBCC70}" presName="hierRoot2" presStyleCnt="0">
@@ -3240,10 +3573,24 @@
         </dgm:presLayoutVars>
       </dgm:prSet>
       <dgm:spPr/>
+      <dgm:t>
+        <a:bodyPr/>
+        <a:lstStyle/>
+        <a:p>
+          <a:endParaRPr lang="pt-PT"/>
+        </a:p>
+      </dgm:t>
     </dgm:pt>
     <dgm:pt modelId="{CFB84857-AF84-4F8B-907E-44B005282350}" type="pres">
       <dgm:prSet presAssocID="{C5D14313-4718-4BA4-8034-5E4E2ACBCC70}" presName="rootConnector" presStyleLbl="node3" presStyleIdx="4" presStyleCnt="9"/>
       <dgm:spPr/>
+      <dgm:t>
+        <a:bodyPr/>
+        <a:lstStyle/>
+        <a:p>
+          <a:endParaRPr lang="pt-PT"/>
+        </a:p>
+      </dgm:t>
     </dgm:pt>
     <dgm:pt modelId="{555F9CE5-6B4F-41EE-A503-E2A482DE4442}" type="pres">
       <dgm:prSet presAssocID="{C5D14313-4718-4BA4-8034-5E4E2ACBCC70}" presName="hierChild4" presStyleCnt="0"/>
@@ -3256,6 +3603,13 @@
     <dgm:pt modelId="{FB0D67E1-4705-4C5A-A8BE-E373C4C7F8DC}" type="pres">
       <dgm:prSet presAssocID="{D81EE60C-1689-4013-8B94-71E45948E61C}" presName="Name37" presStyleLbl="parChTrans1D3" presStyleIdx="5" presStyleCnt="9"/>
       <dgm:spPr/>
+      <dgm:t>
+        <a:bodyPr/>
+        <a:lstStyle/>
+        <a:p>
+          <a:endParaRPr lang="pt-PT"/>
+        </a:p>
+      </dgm:t>
     </dgm:pt>
     <dgm:pt modelId="{12F69B15-CF2E-40D3-8957-9480010322BC}" type="pres">
       <dgm:prSet presAssocID="{9CF9D14A-D997-48A5-ACA0-BD0A85F323A1}" presName="hierRoot2" presStyleCnt="0">
@@ -3276,10 +3630,24 @@
         </dgm:presLayoutVars>
       </dgm:prSet>
       <dgm:spPr/>
+      <dgm:t>
+        <a:bodyPr/>
+        <a:lstStyle/>
+        <a:p>
+          <a:endParaRPr lang="pt-PT"/>
+        </a:p>
+      </dgm:t>
     </dgm:pt>
     <dgm:pt modelId="{37F9F289-47AC-4257-A31F-E2E8F2183DC3}" type="pres">
       <dgm:prSet presAssocID="{9CF9D14A-D997-48A5-ACA0-BD0A85F323A1}" presName="rootConnector" presStyleLbl="node3" presStyleIdx="5" presStyleCnt="9"/>
       <dgm:spPr/>
+      <dgm:t>
+        <a:bodyPr/>
+        <a:lstStyle/>
+        <a:p>
+          <a:endParaRPr lang="pt-PT"/>
+        </a:p>
+      </dgm:t>
     </dgm:pt>
     <dgm:pt modelId="{0756DBE1-0E1B-4509-A40C-2596EFA974BD}" type="pres">
       <dgm:prSet presAssocID="{9CF9D14A-D997-48A5-ACA0-BD0A85F323A1}" presName="hierChild4" presStyleCnt="0"/>
@@ -3292,6 +3660,13 @@
     <dgm:pt modelId="{6BB70260-FBF6-4FD9-8B99-A7ECE1F53A39}" type="pres">
       <dgm:prSet presAssocID="{C206CBEC-A310-48C5-A1E3-51069AAB7E06}" presName="Name37" presStyleLbl="parChTrans1D3" presStyleIdx="6" presStyleCnt="9"/>
       <dgm:spPr/>
+      <dgm:t>
+        <a:bodyPr/>
+        <a:lstStyle/>
+        <a:p>
+          <a:endParaRPr lang="pt-PT"/>
+        </a:p>
+      </dgm:t>
     </dgm:pt>
     <dgm:pt modelId="{CB8079F8-3BBB-455B-A366-62293B5B4128}" type="pres">
       <dgm:prSet presAssocID="{FEF5EF31-1DF3-4F02-8BF5-0FAA9FBF05DF}" presName="hierRoot2" presStyleCnt="0">
@@ -3312,10 +3687,24 @@
         </dgm:presLayoutVars>
       </dgm:prSet>
       <dgm:spPr/>
+      <dgm:t>
+        <a:bodyPr/>
+        <a:lstStyle/>
+        <a:p>
+          <a:endParaRPr lang="pt-PT"/>
+        </a:p>
+      </dgm:t>
     </dgm:pt>
     <dgm:pt modelId="{29C82EC9-E8DF-43E5-AE26-7FE69F2FE8E3}" type="pres">
       <dgm:prSet presAssocID="{FEF5EF31-1DF3-4F02-8BF5-0FAA9FBF05DF}" presName="rootConnector" presStyleLbl="node3" presStyleIdx="6" presStyleCnt="9"/>
       <dgm:spPr/>
+      <dgm:t>
+        <a:bodyPr/>
+        <a:lstStyle/>
+        <a:p>
+          <a:endParaRPr lang="pt-PT"/>
+        </a:p>
+      </dgm:t>
     </dgm:pt>
     <dgm:pt modelId="{0226FF58-35DD-44DA-8330-812BB9861BAB}" type="pres">
       <dgm:prSet presAssocID="{FEF5EF31-1DF3-4F02-8BF5-0FAA9FBF05DF}" presName="hierChild4" presStyleCnt="0"/>
@@ -3328,6 +3717,13 @@
     <dgm:pt modelId="{1BF37D4C-6B8D-491C-BFA6-EF055187F912}" type="pres">
       <dgm:prSet presAssocID="{AE6AB92A-B651-446C-B90D-191341024DCA}" presName="Name37" presStyleLbl="parChTrans1D3" presStyleIdx="7" presStyleCnt="9"/>
       <dgm:spPr/>
+      <dgm:t>
+        <a:bodyPr/>
+        <a:lstStyle/>
+        <a:p>
+          <a:endParaRPr lang="pt-PT"/>
+        </a:p>
+      </dgm:t>
     </dgm:pt>
     <dgm:pt modelId="{86602689-6C9B-46AE-9978-4661220F57E8}" type="pres">
       <dgm:prSet presAssocID="{2FF04469-EC18-4DEF-9211-026033421D7F}" presName="hierRoot2" presStyleCnt="0">
@@ -3348,10 +3744,24 @@
         </dgm:presLayoutVars>
       </dgm:prSet>
       <dgm:spPr/>
+      <dgm:t>
+        <a:bodyPr/>
+        <a:lstStyle/>
+        <a:p>
+          <a:endParaRPr lang="pt-PT"/>
+        </a:p>
+      </dgm:t>
     </dgm:pt>
     <dgm:pt modelId="{98EBC135-7D61-4607-8673-88321824B19A}" type="pres">
       <dgm:prSet presAssocID="{2FF04469-EC18-4DEF-9211-026033421D7F}" presName="rootConnector" presStyleLbl="node3" presStyleIdx="7" presStyleCnt="9"/>
       <dgm:spPr/>
+      <dgm:t>
+        <a:bodyPr/>
+        <a:lstStyle/>
+        <a:p>
+          <a:endParaRPr lang="pt-PT"/>
+        </a:p>
+      </dgm:t>
     </dgm:pt>
     <dgm:pt modelId="{39D676ED-D687-45A8-BAE2-452B3A691EB1}" type="pres">
       <dgm:prSet presAssocID="{2FF04469-EC18-4DEF-9211-026033421D7F}" presName="hierChild4" presStyleCnt="0"/>
@@ -3364,6 +3774,13 @@
     <dgm:pt modelId="{00416E62-FBAF-4AA7-AE51-74C6003471F9}" type="pres">
       <dgm:prSet presAssocID="{ADCBE1B0-B6AB-4350-9FC6-856DD57E9562}" presName="Name37" presStyleLbl="parChTrans1D3" presStyleIdx="8" presStyleCnt="9"/>
       <dgm:spPr/>
+      <dgm:t>
+        <a:bodyPr/>
+        <a:lstStyle/>
+        <a:p>
+          <a:endParaRPr lang="pt-PT"/>
+        </a:p>
+      </dgm:t>
     </dgm:pt>
     <dgm:pt modelId="{63B03767-680D-4D62-96A6-23F74154861A}" type="pres">
       <dgm:prSet presAssocID="{210B0EF3-C281-4060-A271-E34BD8547342}" presName="hierRoot2" presStyleCnt="0">
@@ -3384,10 +3801,24 @@
         </dgm:presLayoutVars>
       </dgm:prSet>
       <dgm:spPr/>
+      <dgm:t>
+        <a:bodyPr/>
+        <a:lstStyle/>
+        <a:p>
+          <a:endParaRPr lang="pt-PT"/>
+        </a:p>
+      </dgm:t>
     </dgm:pt>
     <dgm:pt modelId="{D84F31A6-8A16-490F-B798-6B1CCC52D4CD}" type="pres">
       <dgm:prSet presAssocID="{210B0EF3-C281-4060-A271-E34BD8547342}" presName="rootConnector" presStyleLbl="node3" presStyleIdx="8" presStyleCnt="9"/>
       <dgm:spPr/>
+      <dgm:t>
+        <a:bodyPr/>
+        <a:lstStyle/>
+        <a:p>
+          <a:endParaRPr lang="pt-PT"/>
+        </a:p>
+      </dgm:t>
     </dgm:pt>
     <dgm:pt modelId="{B7DCC22D-685E-4B67-91EC-8CA4B10F28F1}" type="pres">
       <dgm:prSet presAssocID="{210B0EF3-C281-4060-A271-E34BD8547342}" presName="hierChild4" presStyleCnt="0"/>
@@ -3404,6 +3835,13 @@
     <dgm:pt modelId="{1FD30025-BE06-4C8D-8024-6353A3A86C64}" type="pres">
       <dgm:prSet presAssocID="{06A4DF89-C148-4CB0-BC1C-719E15C3A380}" presName="Name37" presStyleLbl="parChTrans1D2" presStyleIdx="3" presStyleCnt="5"/>
       <dgm:spPr/>
+      <dgm:t>
+        <a:bodyPr/>
+        <a:lstStyle/>
+        <a:p>
+          <a:endParaRPr lang="pt-PT"/>
+        </a:p>
+      </dgm:t>
     </dgm:pt>
     <dgm:pt modelId="{031ED071-E8F0-4ADE-BB27-DE25D6F99C8E}" type="pres">
       <dgm:prSet presAssocID="{CFC8A77C-E037-4F39-89BC-7C46B2FFF6C3}" presName="hierRoot2" presStyleCnt="0">
@@ -3424,10 +3862,24 @@
         </dgm:presLayoutVars>
       </dgm:prSet>
       <dgm:spPr/>
+      <dgm:t>
+        <a:bodyPr/>
+        <a:lstStyle/>
+        <a:p>
+          <a:endParaRPr lang="pt-PT"/>
+        </a:p>
+      </dgm:t>
     </dgm:pt>
     <dgm:pt modelId="{C385DBD7-122C-4C76-95AA-F0EDDD576213}" type="pres">
       <dgm:prSet presAssocID="{CFC8A77C-E037-4F39-89BC-7C46B2FFF6C3}" presName="rootConnector" presStyleLbl="node2" presStyleIdx="3" presStyleCnt="5"/>
       <dgm:spPr/>
+      <dgm:t>
+        <a:bodyPr/>
+        <a:lstStyle/>
+        <a:p>
+          <a:endParaRPr lang="pt-PT"/>
+        </a:p>
+      </dgm:t>
     </dgm:pt>
     <dgm:pt modelId="{DE86AFEF-E43B-4AD5-AF14-454FCFC84E45}" type="pres">
       <dgm:prSet presAssocID="{CFC8A77C-E037-4F39-89BC-7C46B2FFF6C3}" presName="hierChild4" presStyleCnt="0"/>
@@ -3440,6 +3892,13 @@
     <dgm:pt modelId="{87BE5EB3-DB60-4F74-8CAB-579081070155}" type="pres">
       <dgm:prSet presAssocID="{77057196-36D4-4297-8DBE-9DF4DC99769E}" presName="Name37" presStyleLbl="parChTrans1D2" presStyleIdx="4" presStyleCnt="5"/>
       <dgm:spPr/>
+      <dgm:t>
+        <a:bodyPr/>
+        <a:lstStyle/>
+        <a:p>
+          <a:endParaRPr lang="pt-PT"/>
+        </a:p>
+      </dgm:t>
     </dgm:pt>
     <dgm:pt modelId="{B70BC062-C551-4FA6-AA0B-24CA90B943F5}" type="pres">
       <dgm:prSet presAssocID="{6BCCACC8-297A-434B-B4C0-CBF55E8A799D}" presName="hierRoot2" presStyleCnt="0">
@@ -3460,10 +3919,24 @@
         </dgm:presLayoutVars>
       </dgm:prSet>
       <dgm:spPr/>
+      <dgm:t>
+        <a:bodyPr/>
+        <a:lstStyle/>
+        <a:p>
+          <a:endParaRPr lang="pt-PT"/>
+        </a:p>
+      </dgm:t>
     </dgm:pt>
     <dgm:pt modelId="{695C9D34-95FC-428F-873D-B6282BE96811}" type="pres">
       <dgm:prSet presAssocID="{6BCCACC8-297A-434B-B4C0-CBF55E8A799D}" presName="rootConnector" presStyleLbl="node2" presStyleIdx="4" presStyleCnt="5"/>
       <dgm:spPr/>
+      <dgm:t>
+        <a:bodyPr/>
+        <a:lstStyle/>
+        <a:p>
+          <a:endParaRPr lang="pt-PT"/>
+        </a:p>
+      </dgm:t>
     </dgm:pt>
     <dgm:pt modelId="{C932BF2B-95E7-43ED-B8E1-90412F9C1BE7}" type="pres">
       <dgm:prSet presAssocID="{6BCCACC8-297A-434B-B4C0-CBF55E8A799D}" presName="hierChild4" presStyleCnt="0"/>
@@ -3479,66 +3952,66 @@
     </dgm:pt>
   </dgm:ptLst>
   <dgm:cxnLst>
+    <dgm:cxn modelId="{297E5AFB-69FF-482E-883D-EAFA86EB866E}" type="presOf" srcId="{C4E9236B-D5FB-402F-9C08-8917C5806671}" destId="{1A4D12E3-2EEF-4745-BCD2-3B9AFD0CBE3F}" srcOrd="1" destOrd="0" presId="urn:microsoft.com/office/officeart/2005/8/layout/orgChart1"/>
+    <dgm:cxn modelId="{3F49F218-3AFF-4BEE-8EF8-270B7EC43323}" type="presOf" srcId="{32A588C2-228D-4B26-9C8B-90CDFD0FC08B}" destId="{6AB2AA11-CB4E-478D-B63B-A0BF5B893B44}" srcOrd="1" destOrd="0" presId="urn:microsoft.com/office/officeart/2005/8/layout/orgChart1"/>
+    <dgm:cxn modelId="{1D58114B-9E7B-4EE9-9BBB-CA2BC1050428}" srcId="{EFF00522-C837-4800-9089-09C6786FA139}" destId="{D0D5EBBE-C984-451E-A77C-06635B96115A}" srcOrd="0" destOrd="0" parTransId="{2401EE30-6FB4-47FC-B5CB-44E93082BA16}" sibTransId="{4794836D-9F6B-4080-8E70-60D729F37A15}"/>
+    <dgm:cxn modelId="{8965F592-C2EF-4A5E-AE72-E3D483E3AC4B}" type="presOf" srcId="{EFF00522-C837-4800-9089-09C6786FA139}" destId="{0A79929F-4539-4070-8896-388E4F787335}" srcOrd="0" destOrd="0" presId="urn:microsoft.com/office/officeart/2005/8/layout/orgChart1"/>
+    <dgm:cxn modelId="{026BB8DD-D4DF-4C7C-AABD-8C8B76A5849F}" type="presOf" srcId="{AF9FAEE0-D707-4D4A-BC4E-B00284790C09}" destId="{7A248573-B914-4159-ACEE-81EFF21A290C}" srcOrd="1" destOrd="0" presId="urn:microsoft.com/office/officeart/2005/8/layout/orgChart1"/>
+    <dgm:cxn modelId="{B6F32367-D4A4-4501-A5C5-198502F93225}" type="presOf" srcId="{CFC8A77C-E037-4F39-89BC-7C46B2FFF6C3}" destId="{B512DCC2-F8AD-4A88-8224-BF794CC14E60}" srcOrd="0" destOrd="0" presId="urn:microsoft.com/office/officeart/2005/8/layout/orgChart1"/>
+    <dgm:cxn modelId="{64B522C9-1881-4836-B21D-A269398ED4E7}" type="presOf" srcId="{06A4DF89-C148-4CB0-BC1C-719E15C3A380}" destId="{1FD30025-BE06-4C8D-8024-6353A3A86C64}" srcOrd="0" destOrd="0" presId="urn:microsoft.com/office/officeart/2005/8/layout/orgChart1"/>
+    <dgm:cxn modelId="{67885BAF-5B75-407B-91B2-6F979038E946}" srcId="{F37AA981-A9B4-415F-ADC1-A456EE833205}" destId="{EFF00522-C837-4800-9089-09C6786FA139}" srcOrd="0" destOrd="0" parTransId="{DD3937CD-E1A8-4E5B-BD09-EABAA399CC23}" sibTransId="{719267CB-9490-458C-9394-D74AD204BE1B}"/>
+    <dgm:cxn modelId="{8C71F597-48DA-42F5-848B-45FBCBBE231C}" srcId="{EFF00522-C837-4800-9089-09C6786FA139}" destId="{DEB3A288-72B2-4CE3-BA0E-2385DCEA1166}" srcOrd="1" destOrd="0" parTransId="{AE15057E-D275-4CBA-BBDA-7AFB5273F6D0}" sibTransId="{A96C3356-79EF-46AD-95D3-4F7717D0E212}"/>
+    <dgm:cxn modelId="{F198A21A-96EA-4C82-8C87-6F04C547BD34}" type="presOf" srcId="{C206CBEC-A310-48C5-A1E3-51069AAB7E06}" destId="{6BB70260-FBF6-4FD9-8B99-A7ECE1F53A39}" srcOrd="0" destOrd="0" presId="urn:microsoft.com/office/officeart/2005/8/layout/orgChart1"/>
+    <dgm:cxn modelId="{7D433B21-19E9-4289-9578-6A1C2468181D}" type="presOf" srcId="{5A94BF89-F459-4076-B825-3EF69867B9E6}" destId="{A148AF3D-8225-4C90-9973-D39067016BF1}" srcOrd="0" destOrd="0" presId="urn:microsoft.com/office/officeart/2005/8/layout/orgChart1"/>
+    <dgm:cxn modelId="{C36633A6-7AC8-43DF-9EBE-C46C838D14D6}" type="presOf" srcId="{3E7D5DE8-38A7-4D01-B3B1-C41B904AFB24}" destId="{D47F8C64-7351-47DD-ABB9-3A4D5CE04EBC}" srcOrd="1" destOrd="0" presId="urn:microsoft.com/office/officeart/2005/8/layout/orgChart1"/>
+    <dgm:cxn modelId="{5BE6D81B-EDEC-41FC-9BAD-FD0335C8F068}" type="presOf" srcId="{2FF04469-EC18-4DEF-9211-026033421D7F}" destId="{98EBC135-7D61-4607-8673-88321824B19A}" srcOrd="1" destOrd="0" presId="urn:microsoft.com/office/officeart/2005/8/layout/orgChart1"/>
+    <dgm:cxn modelId="{97B2F3CE-CC70-404B-8D86-D5992F7D55A1}" type="presOf" srcId="{9CF9D14A-D997-48A5-ACA0-BD0A85F323A1}" destId="{37F9F289-47AC-4257-A31F-E2E8F2183DC3}" srcOrd="1" destOrd="0" presId="urn:microsoft.com/office/officeart/2005/8/layout/orgChart1"/>
+    <dgm:cxn modelId="{C7117D46-60C1-4AC4-AC2C-CCA51D022C98}" srcId="{3E7D5DE8-38A7-4D01-B3B1-C41B904AFB24}" destId="{210B0EF3-C281-4060-A271-E34BD8547342}" srcOrd="5" destOrd="0" parTransId="{ADCBE1B0-B6AB-4350-9FC6-856DD57E9562}" sibTransId="{074E8F6B-D96B-4628-92A9-FFC917EF6C01}"/>
+    <dgm:cxn modelId="{8A65483A-2A4E-4DBB-90B6-1A37CACF6180}" type="presOf" srcId="{AF9FAEE0-D707-4D4A-BC4E-B00284790C09}" destId="{AED2CD70-00FB-4D86-A988-A2B3331A944F}" srcOrd="0" destOrd="0" presId="urn:microsoft.com/office/officeart/2005/8/layout/orgChart1"/>
+    <dgm:cxn modelId="{06FBE830-116F-4E6A-84F0-74346010D695}" type="presOf" srcId="{C5D14313-4718-4BA4-8034-5E4E2ACBCC70}" destId="{CFB84857-AF84-4F8B-907E-44B005282350}" srcOrd="1" destOrd="0" presId="urn:microsoft.com/office/officeart/2005/8/layout/orgChart1"/>
+    <dgm:cxn modelId="{AB73DCE0-4F8F-4E33-A446-8B950BE7F085}" type="presOf" srcId="{2FF04469-EC18-4DEF-9211-026033421D7F}" destId="{BCC10AE4-DC99-4EA0-B027-3C11C8AFFA0B}" srcOrd="0" destOrd="0" presId="urn:microsoft.com/office/officeart/2005/8/layout/orgChart1"/>
+    <dgm:cxn modelId="{8484E588-3BA2-4A2C-A856-2E9A20948E67}" type="presOf" srcId="{D0D5EBBE-C984-451E-A77C-06635B96115A}" destId="{BB899C3E-7977-48D2-838C-0A0A4E22407E}" srcOrd="0" destOrd="0" presId="urn:microsoft.com/office/officeart/2005/8/layout/orgChart1"/>
+    <dgm:cxn modelId="{F7703852-4B24-419F-8990-8F4642258C5C}" type="presOf" srcId="{DEB3A288-72B2-4CE3-BA0E-2385DCEA1166}" destId="{3DCFB508-F20D-419B-97A2-A0EA8AAE62B8}" srcOrd="0" destOrd="0" presId="urn:microsoft.com/office/officeart/2005/8/layout/orgChart1"/>
+    <dgm:cxn modelId="{3E0EE4A3-7C9D-4385-92CF-5CA9996AB16B}" type="presOf" srcId="{EFF00522-C837-4800-9089-09C6786FA139}" destId="{15AFF27B-B166-47F4-BEA3-A556EF84A1FE}" srcOrd="1" destOrd="0" presId="urn:microsoft.com/office/officeart/2005/8/layout/orgChart1"/>
+    <dgm:cxn modelId="{7076539E-84DB-49E1-9601-83A88D214CF8}" srcId="{3E7D5DE8-38A7-4D01-B3B1-C41B904AFB24}" destId="{2FF04469-EC18-4DEF-9211-026033421D7F}" srcOrd="4" destOrd="0" parTransId="{AE6AB92A-B651-446C-B90D-191341024DCA}" sibTransId="{0637CF52-D892-464E-A103-0804641290C4}"/>
+    <dgm:cxn modelId="{CC89F41C-EC73-4164-B979-1E34F8EC7992}" type="presOf" srcId="{DEB3A288-72B2-4CE3-BA0E-2385DCEA1166}" destId="{D1586E0D-5339-4871-B373-DE07F6A4B31A}" srcOrd="1" destOrd="0" presId="urn:microsoft.com/office/officeart/2005/8/layout/orgChart1"/>
+    <dgm:cxn modelId="{8C5C1055-60EE-417A-890C-9263B9B0293C}" type="presOf" srcId="{6BCCACC8-297A-434B-B4C0-CBF55E8A799D}" destId="{8659CC59-2E2C-408C-A138-42297FB1F7FC}" srcOrd="0" destOrd="0" presId="urn:microsoft.com/office/officeart/2005/8/layout/orgChart1"/>
+    <dgm:cxn modelId="{F4B59A6E-7C30-4166-A4BE-C4CD1FDE9241}" type="presOf" srcId="{FEF5EF31-1DF3-4F02-8BF5-0FAA9FBF05DF}" destId="{29C82EC9-E8DF-43E5-AE26-7FE69F2FE8E3}" srcOrd="1" destOrd="0" presId="urn:microsoft.com/office/officeart/2005/8/layout/orgChart1"/>
+    <dgm:cxn modelId="{412E2FC4-ADBF-4534-B2F3-8F5B88C8016F}" type="presOf" srcId="{6D859D06-D440-4495-BC38-4B0653417247}" destId="{257BA37D-C7F9-4FC4-8625-2A044432F45E}" srcOrd="1" destOrd="0" presId="urn:microsoft.com/office/officeart/2005/8/layout/orgChart1"/>
+    <dgm:cxn modelId="{2B7E8BD5-A4C9-447A-8E7F-F81E3739DF41}" type="presOf" srcId="{ADCBE1B0-B6AB-4350-9FC6-856DD57E9562}" destId="{00416E62-FBAF-4AA7-AE51-74C6003471F9}" srcOrd="0" destOrd="0" presId="urn:microsoft.com/office/officeart/2005/8/layout/orgChart1"/>
+    <dgm:cxn modelId="{F95DC0C1-9339-4066-9285-8FF13264398D}" type="presOf" srcId="{D0D5EBBE-C984-451E-A77C-06635B96115A}" destId="{1E59B1F0-1959-43EF-B4BA-5DE950985F11}" srcOrd="1" destOrd="0" presId="urn:microsoft.com/office/officeart/2005/8/layout/orgChart1"/>
+    <dgm:cxn modelId="{19225BF9-14BF-4A05-BAF0-2E64D97CAC44}" type="presOf" srcId="{77057196-36D4-4297-8DBE-9DF4DC99769E}" destId="{87BE5EB3-DB60-4F74-8CAB-579081070155}" srcOrd="0" destOrd="0" presId="urn:microsoft.com/office/officeart/2005/8/layout/orgChart1"/>
     <dgm:cxn modelId="{40EC0804-C307-4224-887C-7B85E0BC7A88}" type="presOf" srcId="{9CF9D14A-D997-48A5-ACA0-BD0A85F323A1}" destId="{AB7ECE86-F423-469A-804C-9E0A6711CE75}" srcOrd="0" destOrd="0" presId="urn:microsoft.com/office/officeart/2005/8/layout/orgChart1"/>
+    <dgm:cxn modelId="{B4EA9C2D-7D0F-4B0E-80FC-F0DE89A8BEF8}" type="presOf" srcId="{D81EE60C-1689-4013-8B94-71E45948E61C}" destId="{FB0D67E1-4705-4C5A-A8BE-E373C4C7F8DC}" srcOrd="0" destOrd="0" presId="urn:microsoft.com/office/officeart/2005/8/layout/orgChart1"/>
     <dgm:cxn modelId="{BA7D9214-91C9-43C5-930D-8662E2D96E9F}" srcId="{D0D5EBBE-C984-451E-A77C-06635B96115A}" destId="{AF9FAEE0-D707-4D4A-BC4E-B00284790C09}" srcOrd="1" destOrd="0" parTransId="{DF2FF718-F2C1-46BD-B3D2-69C34DDD97AC}" sibTransId="{9F96BC34-2F99-4857-9537-755790E34536}"/>
-    <dgm:cxn modelId="{3F49F218-3AFF-4BEE-8EF8-270B7EC43323}" type="presOf" srcId="{32A588C2-228D-4B26-9C8B-90CDFD0FC08B}" destId="{6AB2AA11-CB4E-478D-B63B-A0BF5B893B44}" srcOrd="1" destOrd="0" presId="urn:microsoft.com/office/officeart/2005/8/layout/orgChart1"/>
-    <dgm:cxn modelId="{F198A21A-96EA-4C82-8C87-6F04C547BD34}" type="presOf" srcId="{C206CBEC-A310-48C5-A1E3-51069AAB7E06}" destId="{6BB70260-FBF6-4FD9-8B99-A7ECE1F53A39}" srcOrd="0" destOrd="0" presId="urn:microsoft.com/office/officeart/2005/8/layout/orgChart1"/>
-    <dgm:cxn modelId="{5BE6D81B-EDEC-41FC-9BAD-FD0335C8F068}" type="presOf" srcId="{2FF04469-EC18-4DEF-9211-026033421D7F}" destId="{98EBC135-7D61-4607-8673-88321824B19A}" srcOrd="1" destOrd="0" presId="urn:microsoft.com/office/officeart/2005/8/layout/orgChart1"/>
-    <dgm:cxn modelId="{CC89F41C-EC73-4164-B979-1E34F8EC7992}" type="presOf" srcId="{DEB3A288-72B2-4CE3-BA0E-2385DCEA1166}" destId="{D1586E0D-5339-4871-B373-DE07F6A4B31A}" srcOrd="1" destOrd="0" presId="urn:microsoft.com/office/officeart/2005/8/layout/orgChart1"/>
+    <dgm:cxn modelId="{C1915FD1-D65F-4FA9-AE30-83FC60FB964B}" type="presOf" srcId="{C5D14313-4718-4BA4-8034-5E4E2ACBCC70}" destId="{425B22CD-323F-4E0B-BEA0-EC7E00D9ABF2}" srcOrd="0" destOrd="0" presId="urn:microsoft.com/office/officeart/2005/8/layout/orgChart1"/>
+    <dgm:cxn modelId="{56EBC832-43D7-4C7F-AC45-6EAAD364E744}" type="presOf" srcId="{04B442D8-6F45-4C79-8A4C-6886FDE02F97}" destId="{DE72DF6E-144C-454B-9565-EC52D8FB4D37}" srcOrd="0" destOrd="0" presId="urn:microsoft.com/office/officeart/2005/8/layout/orgChart1"/>
     <dgm:cxn modelId="{979B3921-65D4-4C21-A108-2DBE1B0AAAE5}" srcId="{D0D5EBBE-C984-451E-A77C-06635B96115A}" destId="{6D859D06-D440-4495-BC38-4B0653417247}" srcOrd="0" destOrd="0" parTransId="{7ABF7F75-BA81-498E-8999-139ABA277B4F}" sibTransId="{F0F770A4-A5C9-424C-93C8-86B63DB8FE87}"/>
-    <dgm:cxn modelId="{7D433B21-19E9-4289-9578-6A1C2468181D}" type="presOf" srcId="{5A94BF89-F459-4076-B825-3EF69867B9E6}" destId="{A148AF3D-8225-4C90-9973-D39067016BF1}" srcOrd="0" destOrd="0" presId="urn:microsoft.com/office/officeart/2005/8/layout/orgChart1"/>
-    <dgm:cxn modelId="{59A13B2B-94E3-4E30-B1C8-D4C19B456A98}" type="presOf" srcId="{6BCCACC8-297A-434B-B4C0-CBF55E8A799D}" destId="{695C9D34-95FC-428F-873D-B6282BE96811}" srcOrd="1" destOrd="0" presId="urn:microsoft.com/office/officeart/2005/8/layout/orgChart1"/>
-    <dgm:cxn modelId="{2BA0192D-E091-446B-9562-8E04E2C7A7A9}" srcId="{EFF00522-C837-4800-9089-09C6786FA139}" destId="{6BCCACC8-297A-434B-B4C0-CBF55E8A799D}" srcOrd="4" destOrd="0" parTransId="{77057196-36D4-4297-8DBE-9DF4DC99769E}" sibTransId="{E17B637D-8F1E-4395-8504-5FF5013E668B}"/>
-    <dgm:cxn modelId="{B4EA9C2D-7D0F-4B0E-80FC-F0DE89A8BEF8}" type="presOf" srcId="{D81EE60C-1689-4013-8B94-71E45948E61C}" destId="{FB0D67E1-4705-4C5A-A8BE-E373C4C7F8DC}" srcOrd="0" destOrd="0" presId="urn:microsoft.com/office/officeart/2005/8/layout/orgChart1"/>
-    <dgm:cxn modelId="{55C3032E-C596-45B0-B0D9-B039ED4AB0B1}" type="presOf" srcId="{188D1000-0E2B-4CE9-B4EC-57DF98E5B370}" destId="{83BFE1B7-4CFE-4414-B2E2-2937D4F9C17F}" srcOrd="0" destOrd="0" presId="urn:microsoft.com/office/officeart/2005/8/layout/orgChart1"/>
-    <dgm:cxn modelId="{06FBE830-116F-4E6A-84F0-74346010D695}" type="presOf" srcId="{C5D14313-4718-4BA4-8034-5E4E2ACBCC70}" destId="{CFB84857-AF84-4F8B-907E-44B005282350}" srcOrd="1" destOrd="0" presId="urn:microsoft.com/office/officeart/2005/8/layout/orgChart1"/>
-    <dgm:cxn modelId="{56EBC832-43D7-4C7F-AC45-6EAAD364E744}" type="presOf" srcId="{04B442D8-6F45-4C79-8A4C-6886FDE02F97}" destId="{DE72DF6E-144C-454B-9565-EC52D8FB4D37}" srcOrd="0" destOrd="0" presId="urn:microsoft.com/office/officeart/2005/8/layout/orgChart1"/>
-    <dgm:cxn modelId="{32B18C39-6753-4BA1-AF98-111738B3CB5D}" type="presOf" srcId="{210B0EF3-C281-4060-A271-E34BD8547342}" destId="{F75D6229-E722-4C5A-8752-308DFF186597}" srcOrd="0" destOrd="0" presId="urn:microsoft.com/office/officeart/2005/8/layout/orgChart1"/>
-    <dgm:cxn modelId="{8A65483A-2A4E-4DBB-90B6-1A37CACF6180}" type="presOf" srcId="{AF9FAEE0-D707-4D4A-BC4E-B00284790C09}" destId="{AED2CD70-00FB-4D86-A988-A2B3331A944F}" srcOrd="0" destOrd="0" presId="urn:microsoft.com/office/officeart/2005/8/layout/orgChart1"/>
-    <dgm:cxn modelId="{C7117D46-60C1-4AC4-AC2C-CCA51D022C98}" srcId="{3E7D5DE8-38A7-4D01-B3B1-C41B904AFB24}" destId="{210B0EF3-C281-4060-A271-E34BD8547342}" srcOrd="5" destOrd="0" parTransId="{ADCBE1B0-B6AB-4350-9FC6-856DD57E9562}" sibTransId="{074E8F6B-D96B-4628-92A9-FFC917EF6C01}"/>
-    <dgm:cxn modelId="{B6F32367-D4A4-4501-A5C5-198502F93225}" type="presOf" srcId="{CFC8A77C-E037-4F39-89BC-7C46B2FFF6C3}" destId="{B512DCC2-F8AD-4A88-8224-BF794CC14E60}" srcOrd="0" destOrd="0" presId="urn:microsoft.com/office/officeart/2005/8/layout/orgChart1"/>
-    <dgm:cxn modelId="{76937E49-9A6C-4684-AE0E-E0846D99D250}" type="presOf" srcId="{3E7D5DE8-38A7-4D01-B3B1-C41B904AFB24}" destId="{D0C42A0A-227F-498C-9217-1F2A4E39F4AC}" srcOrd="0" destOrd="0" presId="urn:microsoft.com/office/officeart/2005/8/layout/orgChart1"/>
-    <dgm:cxn modelId="{1D58114B-9E7B-4EE9-9BBB-CA2BC1050428}" srcId="{EFF00522-C837-4800-9089-09C6786FA139}" destId="{D0D5EBBE-C984-451E-A77C-06635B96115A}" srcOrd="0" destOrd="0" parTransId="{2401EE30-6FB4-47FC-B5CB-44E93082BA16}" sibTransId="{4794836D-9F6B-4080-8E70-60D729F37A15}"/>
-    <dgm:cxn modelId="{F4B59A6E-7C30-4166-A4BE-C4CD1FDE9241}" type="presOf" srcId="{FEF5EF31-1DF3-4F02-8BF5-0FAA9FBF05DF}" destId="{29C82EC9-E8DF-43E5-AE26-7FE69F2FE8E3}" srcOrd="1" destOrd="0" presId="urn:microsoft.com/office/officeart/2005/8/layout/orgChart1"/>
-    <dgm:cxn modelId="{F7703852-4B24-419F-8990-8F4642258C5C}" type="presOf" srcId="{DEB3A288-72B2-4CE3-BA0E-2385DCEA1166}" destId="{3DCFB508-F20D-419B-97A2-A0EA8AAE62B8}" srcOrd="0" destOrd="0" presId="urn:microsoft.com/office/officeart/2005/8/layout/orgChart1"/>
-    <dgm:cxn modelId="{8C5C1055-60EE-417A-890C-9263B9B0293C}" type="presOf" srcId="{6BCCACC8-297A-434B-B4C0-CBF55E8A799D}" destId="{8659CC59-2E2C-408C-A138-42297FB1F7FC}" srcOrd="0" destOrd="0" presId="urn:microsoft.com/office/officeart/2005/8/layout/orgChart1"/>
-    <dgm:cxn modelId="{C4FB8056-6B24-43C9-A2FD-57AF1D92654B}" srcId="{3E7D5DE8-38A7-4D01-B3B1-C41B904AFB24}" destId="{9CF9D14A-D997-48A5-ACA0-BD0A85F323A1}" srcOrd="2" destOrd="0" parTransId="{D81EE60C-1689-4013-8B94-71E45948E61C}" sibTransId="{B3012D63-2D5D-41AB-A6CD-C3EA8612062C}"/>
-    <dgm:cxn modelId="{3F221A57-9855-4F10-8902-29815A14778C}" type="presOf" srcId="{32A588C2-228D-4B26-9C8B-90CDFD0FC08B}" destId="{9C5E7AE7-E733-492C-8D9D-2B4E12574136}" srcOrd="0" destOrd="0" presId="urn:microsoft.com/office/officeart/2005/8/layout/orgChart1"/>
-    <dgm:cxn modelId="{820DA17D-D3D3-44FA-8B6F-1B825415906F}" srcId="{3E7D5DE8-38A7-4D01-B3B1-C41B904AFB24}" destId="{FEF5EF31-1DF3-4F02-8BF5-0FAA9FBF05DF}" srcOrd="3" destOrd="0" parTransId="{C206CBEC-A310-48C5-A1E3-51069AAB7E06}" sibTransId="{33829A28-8B69-4310-A9EC-72FF2B43FA31}"/>
     <dgm:cxn modelId="{E75D4180-7278-49C5-A120-3150DE2407B2}" type="presOf" srcId="{1F891C72-4331-4225-9131-EE90A5156BCC}" destId="{075DE7FD-AB6D-45A1-88B5-F6DE55537A5C}" srcOrd="0" destOrd="0" presId="urn:microsoft.com/office/officeart/2005/8/layout/orgChart1"/>
-    <dgm:cxn modelId="{C7D94C82-881B-4380-9D07-44A662C49F66}" type="presOf" srcId="{FEF5EF31-1DF3-4F02-8BF5-0FAA9FBF05DF}" destId="{51735A62-65C8-4B72-BC21-EC0033831CB7}" srcOrd="0" destOrd="0" presId="urn:microsoft.com/office/officeart/2005/8/layout/orgChart1"/>
-    <dgm:cxn modelId="{8484E588-3BA2-4A2C-A856-2E9A20948E67}" type="presOf" srcId="{D0D5EBBE-C984-451E-A77C-06635B96115A}" destId="{BB899C3E-7977-48D2-838C-0A0A4E22407E}" srcOrd="0" destOrd="0" presId="urn:microsoft.com/office/officeart/2005/8/layout/orgChart1"/>
-    <dgm:cxn modelId="{88118B8A-E1E2-49A1-95D3-E9EE1A3BBE5B}" type="presOf" srcId="{DF2FF718-F2C1-46BD-B3D2-69C34DDD97AC}" destId="{F5935B02-3EAE-43D8-83D7-0568EA754FE3}" srcOrd="0" destOrd="0" presId="urn:microsoft.com/office/officeart/2005/8/layout/orgChart1"/>
-    <dgm:cxn modelId="{9DFF448E-6D0C-4B10-A4BB-C20607216AD2}" type="presOf" srcId="{210B0EF3-C281-4060-A271-E34BD8547342}" destId="{D84F31A6-8A16-490F-B798-6B1CCC52D4CD}" srcOrd="1" destOrd="0" presId="urn:microsoft.com/office/officeart/2005/8/layout/orgChart1"/>
-    <dgm:cxn modelId="{8965F592-C2EF-4A5E-AE72-E3D483E3AC4B}" type="presOf" srcId="{EFF00522-C837-4800-9089-09C6786FA139}" destId="{0A79929F-4539-4070-8896-388E4F787335}" srcOrd="0" destOrd="0" presId="urn:microsoft.com/office/officeart/2005/8/layout/orgChart1"/>
-    <dgm:cxn modelId="{C104F494-93EC-4C35-9277-88485A6C79D9}" type="presOf" srcId="{AE15057E-D275-4CBA-BBDA-7AFB5273F6D0}" destId="{A3C064E1-EB83-4A90-BC9B-363A4369B1D9}" srcOrd="0" destOrd="0" presId="urn:microsoft.com/office/officeart/2005/8/layout/orgChart1"/>
-    <dgm:cxn modelId="{1A5C9B95-6306-4971-AEB4-0FB6C60D1920}" type="presOf" srcId="{2401EE30-6FB4-47FC-B5CB-44E93082BA16}" destId="{C79737FA-DA68-4B50-9686-82FBED4993F4}" srcOrd="0" destOrd="0" presId="urn:microsoft.com/office/officeart/2005/8/layout/orgChart1"/>
-    <dgm:cxn modelId="{8C71F597-48DA-42F5-848B-45FBCBBE231C}" srcId="{EFF00522-C837-4800-9089-09C6786FA139}" destId="{DEB3A288-72B2-4CE3-BA0E-2385DCEA1166}" srcOrd="1" destOrd="0" parTransId="{AE15057E-D275-4CBA-BBDA-7AFB5273F6D0}" sibTransId="{A96C3356-79EF-46AD-95D3-4F7717D0E212}"/>
-    <dgm:cxn modelId="{7076539E-84DB-49E1-9601-83A88D214CF8}" srcId="{3E7D5DE8-38A7-4D01-B3B1-C41B904AFB24}" destId="{2FF04469-EC18-4DEF-9211-026033421D7F}" srcOrd="4" destOrd="0" parTransId="{AE6AB92A-B651-446C-B90D-191341024DCA}" sibTransId="{0637CF52-D892-464E-A103-0804641290C4}"/>
-    <dgm:cxn modelId="{3E0EE4A3-7C9D-4385-92CF-5CA9996AB16B}" type="presOf" srcId="{EFF00522-C837-4800-9089-09C6786FA139}" destId="{15AFF27B-B166-47F4-BEA3-A556EF84A1FE}" srcOrd="1" destOrd="0" presId="urn:microsoft.com/office/officeart/2005/8/layout/orgChart1"/>
-    <dgm:cxn modelId="{C36633A6-7AC8-43DF-9EBE-C46C838D14D6}" type="presOf" srcId="{3E7D5DE8-38A7-4D01-B3B1-C41B904AFB24}" destId="{D47F8C64-7351-47DD-ABB9-3A4D5CE04EBC}" srcOrd="1" destOrd="0" presId="urn:microsoft.com/office/officeart/2005/8/layout/orgChart1"/>
+    <dgm:cxn modelId="{D824B5F1-95EA-4412-A9BE-634ADCAA4D96}" type="presOf" srcId="{C4E9236B-D5FB-402F-9C08-8917C5806671}" destId="{426BD5C4-6298-4765-92B5-5BE6F449DD28}" srcOrd="0" destOrd="0" presId="urn:microsoft.com/office/officeart/2005/8/layout/orgChart1"/>
+    <dgm:cxn modelId="{261826DD-4928-4968-9EE8-8603A4DA75BB}" type="presOf" srcId="{CFC8A77C-E037-4F39-89BC-7C46B2FFF6C3}" destId="{C385DBD7-122C-4C76-95AA-F0EDDD576213}" srcOrd="1" destOrd="0" presId="urn:microsoft.com/office/officeart/2005/8/layout/orgChart1"/>
+    <dgm:cxn modelId="{50574EE2-B791-402B-8982-5F339D14BC2A}" srcId="{D0D5EBBE-C984-451E-A77C-06635B96115A}" destId="{32A588C2-228D-4B26-9C8B-90CDFD0FC08B}" srcOrd="2" destOrd="0" parTransId="{188D1000-0E2B-4CE9-B4EC-57DF98E5B370}" sibTransId="{14B0CDC8-4FDC-419A-B7CE-8BD710F85676}"/>
+    <dgm:cxn modelId="{70CBB2C2-0071-4329-9A38-8AD1E841005D}" srcId="{EFF00522-C837-4800-9089-09C6786FA139}" destId="{CFC8A77C-E037-4F39-89BC-7C46B2FFF6C3}" srcOrd="3" destOrd="0" parTransId="{06A4DF89-C148-4CB0-BC1C-719E15C3A380}" sibTransId="{B9E8B3FB-6336-44A0-BB31-6CF9D499134C}"/>
     <dgm:cxn modelId="{2BC993A7-1946-496C-9CFE-5831CDB00FFF}" type="presOf" srcId="{7ABF7F75-BA81-498E-8999-139ABA277B4F}" destId="{BCCB5965-B0E0-45CC-8894-BE1731CC57E2}" srcOrd="0" destOrd="0" presId="urn:microsoft.com/office/officeart/2005/8/layout/orgChart1"/>
-    <dgm:cxn modelId="{67885BAF-5B75-407B-91B2-6F979038E946}" srcId="{F37AA981-A9B4-415F-ADC1-A456EE833205}" destId="{EFF00522-C837-4800-9089-09C6786FA139}" srcOrd="0" destOrd="0" parTransId="{DD3937CD-E1A8-4E5B-BD09-EABAA399CC23}" sibTransId="{719267CB-9490-458C-9394-D74AD204BE1B}"/>
     <dgm:cxn modelId="{8C1C42B2-A065-4216-83CB-1050788129D9}" srcId="{EFF00522-C837-4800-9089-09C6786FA139}" destId="{3E7D5DE8-38A7-4D01-B3B1-C41B904AFB24}" srcOrd="2" destOrd="0" parTransId="{1F891C72-4331-4225-9131-EE90A5156BCC}" sibTransId="{2D617AC4-6E9C-47A6-BFAC-93EC82C86111}"/>
     <dgm:cxn modelId="{12AA3CBF-1033-48B0-A6F8-A20337FED22A}" srcId="{3E7D5DE8-38A7-4D01-B3B1-C41B904AFB24}" destId="{C5D14313-4718-4BA4-8034-5E4E2ACBCC70}" srcOrd="1" destOrd="0" parTransId="{04B442D8-6F45-4C79-8A4C-6886FDE02F97}" sibTransId="{EA84DB9B-3D31-4D9E-BF2F-E46226EA56AE}"/>
-    <dgm:cxn modelId="{F95DC0C1-9339-4066-9285-8FF13264398D}" type="presOf" srcId="{D0D5EBBE-C984-451E-A77C-06635B96115A}" destId="{1E59B1F0-1959-43EF-B4BA-5DE950985F11}" srcOrd="1" destOrd="0" presId="urn:microsoft.com/office/officeart/2005/8/layout/orgChart1"/>
-    <dgm:cxn modelId="{70CBB2C2-0071-4329-9A38-8AD1E841005D}" srcId="{EFF00522-C837-4800-9089-09C6786FA139}" destId="{CFC8A77C-E037-4F39-89BC-7C46B2FFF6C3}" srcOrd="3" destOrd="0" parTransId="{06A4DF89-C148-4CB0-BC1C-719E15C3A380}" sibTransId="{B9E8B3FB-6336-44A0-BB31-6CF9D499134C}"/>
-    <dgm:cxn modelId="{412E2FC4-ADBF-4534-B2F3-8F5B88C8016F}" type="presOf" srcId="{6D859D06-D440-4495-BC38-4B0653417247}" destId="{257BA37D-C7F9-4FC4-8625-2A044432F45E}" srcOrd="1" destOrd="0" presId="urn:microsoft.com/office/officeart/2005/8/layout/orgChart1"/>
-    <dgm:cxn modelId="{64B522C9-1881-4836-B21D-A269398ED4E7}" type="presOf" srcId="{06A4DF89-C148-4CB0-BC1C-719E15C3A380}" destId="{1FD30025-BE06-4C8D-8024-6353A3A86C64}" srcOrd="0" destOrd="0" presId="urn:microsoft.com/office/officeart/2005/8/layout/orgChart1"/>
-    <dgm:cxn modelId="{97B2F3CE-CC70-404B-8D86-D5992F7D55A1}" type="presOf" srcId="{9CF9D14A-D997-48A5-ACA0-BD0A85F323A1}" destId="{37F9F289-47AC-4257-A31F-E2E8F2183DC3}" srcOrd="1" destOrd="0" presId="urn:microsoft.com/office/officeart/2005/8/layout/orgChart1"/>
+    <dgm:cxn modelId="{820DA17D-D3D3-44FA-8B6F-1B825415906F}" srcId="{3E7D5DE8-38A7-4D01-B3B1-C41B904AFB24}" destId="{FEF5EF31-1DF3-4F02-8BF5-0FAA9FBF05DF}" srcOrd="3" destOrd="0" parTransId="{C206CBEC-A310-48C5-A1E3-51069AAB7E06}" sibTransId="{33829A28-8B69-4310-A9EC-72FF2B43FA31}"/>
     <dgm:cxn modelId="{DDBD15D0-17BD-4B24-A9AF-029F00981379}" type="presOf" srcId="{AE6AB92A-B651-446C-B90D-191341024DCA}" destId="{1BF37D4C-6B8D-491C-BFA6-EF055187F912}" srcOrd="0" destOrd="0" presId="urn:microsoft.com/office/officeart/2005/8/layout/orgChart1"/>
-    <dgm:cxn modelId="{C1915FD1-D65F-4FA9-AE30-83FC60FB964B}" type="presOf" srcId="{C5D14313-4718-4BA4-8034-5E4E2ACBCC70}" destId="{425B22CD-323F-4E0B-BEA0-EC7E00D9ABF2}" srcOrd="0" destOrd="0" presId="urn:microsoft.com/office/officeart/2005/8/layout/orgChart1"/>
+    <dgm:cxn modelId="{59A13B2B-94E3-4E30-B1C8-D4C19B456A98}" type="presOf" srcId="{6BCCACC8-297A-434B-B4C0-CBF55E8A799D}" destId="{695C9D34-95FC-428F-873D-B6282BE96811}" srcOrd="1" destOrd="0" presId="urn:microsoft.com/office/officeart/2005/8/layout/orgChart1"/>
+    <dgm:cxn modelId="{C104F494-93EC-4C35-9277-88485A6C79D9}" type="presOf" srcId="{AE15057E-D275-4CBA-BBDA-7AFB5273F6D0}" destId="{A3C064E1-EB83-4A90-BC9B-363A4369B1D9}" srcOrd="0" destOrd="0" presId="urn:microsoft.com/office/officeart/2005/8/layout/orgChart1"/>
     <dgm:cxn modelId="{08BF06D3-E920-4C30-A863-1EBFD092C556}" type="presOf" srcId="{6D859D06-D440-4495-BC38-4B0653417247}" destId="{5BD05F6E-C87D-423B-8545-489C3582E9A5}" srcOrd="0" destOrd="0" presId="urn:microsoft.com/office/officeart/2005/8/layout/orgChart1"/>
-    <dgm:cxn modelId="{2B7E8BD5-A4C9-447A-8E7F-F81E3739DF41}" type="presOf" srcId="{ADCBE1B0-B6AB-4350-9FC6-856DD57E9562}" destId="{00416E62-FBAF-4AA7-AE51-74C6003471F9}" srcOrd="0" destOrd="0" presId="urn:microsoft.com/office/officeart/2005/8/layout/orgChart1"/>
+    <dgm:cxn modelId="{2BA0192D-E091-446B-9562-8E04E2C7A7A9}" srcId="{EFF00522-C837-4800-9089-09C6786FA139}" destId="{6BCCACC8-297A-434B-B4C0-CBF55E8A799D}" srcOrd="4" destOrd="0" parTransId="{77057196-36D4-4297-8DBE-9DF4DC99769E}" sibTransId="{E17B637D-8F1E-4395-8504-5FF5013E668B}"/>
+    <dgm:cxn modelId="{76937E49-9A6C-4684-AE0E-E0846D99D250}" type="presOf" srcId="{3E7D5DE8-38A7-4D01-B3B1-C41B904AFB24}" destId="{D0C42A0A-227F-498C-9217-1F2A4E39F4AC}" srcOrd="0" destOrd="0" presId="urn:microsoft.com/office/officeart/2005/8/layout/orgChart1"/>
     <dgm:cxn modelId="{6751E3DB-7D1C-4DFF-A50D-2E4D2AA1C036}" type="presOf" srcId="{F37AA981-A9B4-415F-ADC1-A456EE833205}" destId="{E4B09FCC-EACC-4121-8E6E-BD64FF803B59}" srcOrd="0" destOrd="0" presId="urn:microsoft.com/office/officeart/2005/8/layout/orgChart1"/>
-    <dgm:cxn modelId="{261826DD-4928-4968-9EE8-8603A4DA75BB}" type="presOf" srcId="{CFC8A77C-E037-4F39-89BC-7C46B2FFF6C3}" destId="{C385DBD7-122C-4C76-95AA-F0EDDD576213}" srcOrd="1" destOrd="0" presId="urn:microsoft.com/office/officeart/2005/8/layout/orgChart1"/>
-    <dgm:cxn modelId="{026BB8DD-D4DF-4C7C-AABD-8C8B76A5849F}" type="presOf" srcId="{AF9FAEE0-D707-4D4A-BC4E-B00284790C09}" destId="{7A248573-B914-4159-ACEE-81EFF21A290C}" srcOrd="1" destOrd="0" presId="urn:microsoft.com/office/officeart/2005/8/layout/orgChart1"/>
-    <dgm:cxn modelId="{AB73DCE0-4F8F-4E33-A446-8B950BE7F085}" type="presOf" srcId="{2FF04469-EC18-4DEF-9211-026033421D7F}" destId="{BCC10AE4-DC99-4EA0-B027-3C11C8AFFA0B}" srcOrd="0" destOrd="0" presId="urn:microsoft.com/office/officeart/2005/8/layout/orgChart1"/>
-    <dgm:cxn modelId="{50574EE2-B791-402B-8982-5F339D14BC2A}" srcId="{D0D5EBBE-C984-451E-A77C-06635B96115A}" destId="{32A588C2-228D-4B26-9C8B-90CDFD0FC08B}" srcOrd="2" destOrd="0" parTransId="{188D1000-0E2B-4CE9-B4EC-57DF98E5B370}" sibTransId="{14B0CDC8-4FDC-419A-B7CE-8BD710F85676}"/>
+    <dgm:cxn modelId="{1A5C9B95-6306-4971-AEB4-0FB6C60D1920}" type="presOf" srcId="{2401EE30-6FB4-47FC-B5CB-44E93082BA16}" destId="{C79737FA-DA68-4B50-9686-82FBED4993F4}" srcOrd="0" destOrd="0" presId="urn:microsoft.com/office/officeart/2005/8/layout/orgChart1"/>
+    <dgm:cxn modelId="{C7D94C82-881B-4380-9D07-44A662C49F66}" type="presOf" srcId="{FEF5EF31-1DF3-4F02-8BF5-0FAA9FBF05DF}" destId="{51735A62-65C8-4B72-BC21-EC0033831CB7}" srcOrd="0" destOrd="0" presId="urn:microsoft.com/office/officeart/2005/8/layout/orgChart1"/>
+    <dgm:cxn modelId="{55C3032E-C596-45B0-B0D9-B039ED4AB0B1}" type="presOf" srcId="{188D1000-0E2B-4CE9-B4EC-57DF98E5B370}" destId="{83BFE1B7-4CFE-4414-B2E2-2937D4F9C17F}" srcOrd="0" destOrd="0" presId="urn:microsoft.com/office/officeart/2005/8/layout/orgChart1"/>
+    <dgm:cxn modelId="{3F221A57-9855-4F10-8902-29815A14778C}" type="presOf" srcId="{32A588C2-228D-4B26-9C8B-90CDFD0FC08B}" destId="{9C5E7AE7-E733-492C-8D9D-2B4E12574136}" srcOrd="0" destOrd="0" presId="urn:microsoft.com/office/officeart/2005/8/layout/orgChart1"/>
     <dgm:cxn modelId="{51974BE8-A9E3-4045-8AC0-2BF146D01122}" srcId="{3E7D5DE8-38A7-4D01-B3B1-C41B904AFB24}" destId="{C4E9236B-D5FB-402F-9C08-8917C5806671}" srcOrd="0" destOrd="0" parTransId="{5A94BF89-F459-4076-B825-3EF69867B9E6}" sibTransId="{62DD2125-1C44-478F-B22F-2BED96167201}"/>
-    <dgm:cxn modelId="{D824B5F1-95EA-4412-A9BE-634ADCAA4D96}" type="presOf" srcId="{C4E9236B-D5FB-402F-9C08-8917C5806671}" destId="{426BD5C4-6298-4765-92B5-5BE6F449DD28}" srcOrd="0" destOrd="0" presId="urn:microsoft.com/office/officeart/2005/8/layout/orgChart1"/>
-    <dgm:cxn modelId="{19225BF9-14BF-4A05-BAF0-2E64D97CAC44}" type="presOf" srcId="{77057196-36D4-4297-8DBE-9DF4DC99769E}" destId="{87BE5EB3-DB60-4F74-8CAB-579081070155}" srcOrd="0" destOrd="0" presId="urn:microsoft.com/office/officeart/2005/8/layout/orgChart1"/>
-    <dgm:cxn modelId="{297E5AFB-69FF-482E-883D-EAFA86EB866E}" type="presOf" srcId="{C4E9236B-D5FB-402F-9C08-8917C5806671}" destId="{1A4D12E3-2EEF-4745-BCD2-3B9AFD0CBE3F}" srcOrd="1" destOrd="0" presId="urn:microsoft.com/office/officeart/2005/8/layout/orgChart1"/>
+    <dgm:cxn modelId="{9DFF448E-6D0C-4B10-A4BB-C20607216AD2}" type="presOf" srcId="{210B0EF3-C281-4060-A271-E34BD8547342}" destId="{D84F31A6-8A16-490F-B798-6B1CCC52D4CD}" srcOrd="1" destOrd="0" presId="urn:microsoft.com/office/officeart/2005/8/layout/orgChart1"/>
+    <dgm:cxn modelId="{88118B8A-E1E2-49A1-95D3-E9EE1A3BBE5B}" type="presOf" srcId="{DF2FF718-F2C1-46BD-B3D2-69C34DDD97AC}" destId="{F5935B02-3EAE-43D8-83D7-0568EA754FE3}" srcOrd="0" destOrd="0" presId="urn:microsoft.com/office/officeart/2005/8/layout/orgChart1"/>
+    <dgm:cxn modelId="{C4FB8056-6B24-43C9-A2FD-57AF1D92654B}" srcId="{3E7D5DE8-38A7-4D01-B3B1-C41B904AFB24}" destId="{9CF9D14A-D997-48A5-ACA0-BD0A85F323A1}" srcOrd="2" destOrd="0" parTransId="{D81EE60C-1689-4013-8B94-71E45948E61C}" sibTransId="{B3012D63-2D5D-41AB-A6CD-C3EA8612062C}"/>
+    <dgm:cxn modelId="{32B18C39-6753-4BA1-AF98-111738B3CB5D}" type="presOf" srcId="{210B0EF3-C281-4060-A271-E34BD8547342}" destId="{F75D6229-E722-4C5A-8752-308DFF186597}" srcOrd="0" destOrd="0" presId="urn:microsoft.com/office/officeart/2005/8/layout/orgChart1"/>
     <dgm:cxn modelId="{007B4A0A-0E4B-42BD-905B-BDF6999023BA}" type="presParOf" srcId="{E4B09FCC-EACC-4121-8E6E-BD64FF803B59}" destId="{C7C3974A-1DF5-4BF7-A22B-7D65EF9D0681}" srcOrd="0" destOrd="0" presId="urn:microsoft.com/office/officeart/2005/8/layout/orgChart1"/>
     <dgm:cxn modelId="{0B8B6F9D-EC93-49D1-AB15-6F71BC6FE182}" type="presParOf" srcId="{C7C3974A-1DF5-4BF7-A22B-7D65EF9D0681}" destId="{D00FF694-389D-4CD3-B5E2-0572615B4DE4}" srcOrd="0" destOrd="0" presId="urn:microsoft.com/office/officeart/2005/8/layout/orgChart1"/>
     <dgm:cxn modelId="{5FC40C6D-C971-40B3-8425-E45FAA9959E4}" type="presParOf" srcId="{D00FF694-389D-4CD3-B5E2-0572615B4DE4}" destId="{0A79929F-4539-4070-8896-388E4F787335}" srcOrd="0" destOrd="0" presId="urn:microsoft.com/office/officeart/2005/8/layout/orgChart1"/>
@@ -3662,980 +4135,6 @@
       <dsp:cNvGrpSpPr/>
     </dsp:nvGrpSpPr>
     <dsp:grpSpPr/>
-    <dsp:sp modelId="{F67550F7-432C-48D7-8A48-619DCE27301E}">
-      <dsp:nvSpPr>
-        <dsp:cNvPr id="0" name=""/>
-        <dsp:cNvSpPr/>
-      </dsp:nvSpPr>
-      <dsp:spPr>
-        <a:xfrm>
-          <a:off x="4494793" y="1982648"/>
-          <a:ext cx="3774634" cy="244824"/>
-        </a:xfrm>
-        <a:custGeom>
-          <a:avLst/>
-          <a:gdLst/>
-          <a:ahLst/>
-          <a:cxnLst/>
-          <a:rect l="0" t="0" r="0" b="0"/>
-          <a:pathLst>
-            <a:path>
-              <a:moveTo>
-                <a:pt x="0" y="0"/>
-              </a:moveTo>
-              <a:lnTo>
-                <a:pt x="0" y="112305"/>
-              </a:lnTo>
-              <a:lnTo>
-                <a:pt x="3774634" y="112305"/>
-              </a:lnTo>
-              <a:lnTo>
-                <a:pt x="3774634" y="244824"/>
-              </a:lnTo>
-            </a:path>
-          </a:pathLst>
-        </a:custGeom>
-        <a:noFill/>
-        <a:ln w="12700" cap="flat" cmpd="sng" algn="ctr">
-          <a:solidFill>
-            <a:schemeClr val="accent1">
-              <a:shade val="60000"/>
-              <a:hueOff val="0"/>
-              <a:satOff val="0"/>
-              <a:lumOff val="0"/>
-              <a:alphaOff val="0"/>
-            </a:schemeClr>
-          </a:solidFill>
-          <a:prstDash val="solid"/>
-          <a:miter lim="800000"/>
-        </a:ln>
-        <a:effectLst/>
-      </dsp:spPr>
-      <dsp:style>
-        <a:lnRef idx="2">
-          <a:scrgbClr r="0" g="0" b="0"/>
-        </a:lnRef>
-        <a:fillRef idx="0">
-          <a:scrgbClr r="0" g="0" b="0"/>
-        </a:fillRef>
-        <a:effectRef idx="0">
-          <a:scrgbClr r="0" g="0" b="0"/>
-        </a:effectRef>
-        <a:fontRef idx="minor"/>
-      </dsp:style>
-    </dsp:sp>
-    <dsp:sp modelId="{87BE5EB3-DB60-4F74-8CAB-579081070155}">
-      <dsp:nvSpPr>
-        <dsp:cNvPr id="0" name=""/>
-        <dsp:cNvSpPr/>
-      </dsp:nvSpPr>
-      <dsp:spPr>
-        <a:xfrm>
-          <a:off x="4494793" y="1982648"/>
-          <a:ext cx="2247520" cy="244824"/>
-        </a:xfrm>
-        <a:custGeom>
-          <a:avLst/>
-          <a:gdLst/>
-          <a:ahLst/>
-          <a:cxnLst/>
-          <a:rect l="0" t="0" r="0" b="0"/>
-          <a:pathLst>
-            <a:path>
-              <a:moveTo>
-                <a:pt x="0" y="0"/>
-              </a:moveTo>
-              <a:lnTo>
-                <a:pt x="0" y="112305"/>
-              </a:lnTo>
-              <a:lnTo>
-                <a:pt x="2247520" y="112305"/>
-              </a:lnTo>
-              <a:lnTo>
-                <a:pt x="2247520" y="244824"/>
-              </a:lnTo>
-            </a:path>
-          </a:pathLst>
-        </a:custGeom>
-        <a:noFill/>
-        <a:ln w="12700" cap="flat" cmpd="sng" algn="ctr">
-          <a:solidFill>
-            <a:schemeClr val="accent1">
-              <a:shade val="60000"/>
-              <a:hueOff val="0"/>
-              <a:satOff val="0"/>
-              <a:lumOff val="0"/>
-              <a:alphaOff val="0"/>
-            </a:schemeClr>
-          </a:solidFill>
-          <a:prstDash val="solid"/>
-          <a:miter lim="800000"/>
-        </a:ln>
-        <a:effectLst/>
-      </dsp:spPr>
-      <dsp:style>
-        <a:lnRef idx="2">
-          <a:scrgbClr r="0" g="0" b="0"/>
-        </a:lnRef>
-        <a:fillRef idx="0">
-          <a:scrgbClr r="0" g="0" b="0"/>
-        </a:fillRef>
-        <a:effectRef idx="0">
-          <a:scrgbClr r="0" g="0" b="0"/>
-        </a:effectRef>
-        <a:fontRef idx="minor"/>
-      </dsp:style>
-    </dsp:sp>
-    <dsp:sp modelId="{1FD30025-BE06-4C8D-8024-6353A3A86C64}">
-      <dsp:nvSpPr>
-        <dsp:cNvPr id="0" name=""/>
-        <dsp:cNvSpPr/>
-      </dsp:nvSpPr>
-      <dsp:spPr>
-        <a:xfrm>
-          <a:off x="4494793" y="1982648"/>
-          <a:ext cx="720406" cy="244824"/>
-        </a:xfrm>
-        <a:custGeom>
-          <a:avLst/>
-          <a:gdLst/>
-          <a:ahLst/>
-          <a:cxnLst/>
-          <a:rect l="0" t="0" r="0" b="0"/>
-          <a:pathLst>
-            <a:path>
-              <a:moveTo>
-                <a:pt x="0" y="0"/>
-              </a:moveTo>
-              <a:lnTo>
-                <a:pt x="0" y="112305"/>
-              </a:lnTo>
-              <a:lnTo>
-                <a:pt x="720406" y="112305"/>
-              </a:lnTo>
-              <a:lnTo>
-                <a:pt x="720406" y="244824"/>
-              </a:lnTo>
-            </a:path>
-          </a:pathLst>
-        </a:custGeom>
-        <a:noFill/>
-        <a:ln w="12700" cap="flat" cmpd="sng" algn="ctr">
-          <a:solidFill>
-            <a:schemeClr val="accent1">
-              <a:shade val="60000"/>
-              <a:hueOff val="0"/>
-              <a:satOff val="0"/>
-              <a:lumOff val="0"/>
-              <a:alphaOff val="0"/>
-            </a:schemeClr>
-          </a:solidFill>
-          <a:prstDash val="solid"/>
-          <a:miter lim="800000"/>
-        </a:ln>
-        <a:effectLst/>
-      </dsp:spPr>
-      <dsp:style>
-        <a:lnRef idx="2">
-          <a:scrgbClr r="0" g="0" b="0"/>
-        </a:lnRef>
-        <a:fillRef idx="0">
-          <a:scrgbClr r="0" g="0" b="0"/>
-        </a:fillRef>
-        <a:effectRef idx="0">
-          <a:scrgbClr r="0" g="0" b="0"/>
-        </a:effectRef>
-        <a:fontRef idx="minor"/>
-      </dsp:style>
-    </dsp:sp>
-    <dsp:sp modelId="{075DE7FD-AB6D-45A1-88B5-F6DE55537A5C}">
-      <dsp:nvSpPr>
-        <dsp:cNvPr id="0" name=""/>
-        <dsp:cNvSpPr/>
-      </dsp:nvSpPr>
-      <dsp:spPr>
-        <a:xfrm>
-          <a:off x="3688085" y="1982648"/>
-          <a:ext cx="806707" cy="244824"/>
-        </a:xfrm>
-        <a:custGeom>
-          <a:avLst/>
-          <a:gdLst/>
-          <a:ahLst/>
-          <a:cxnLst/>
-          <a:rect l="0" t="0" r="0" b="0"/>
-          <a:pathLst>
-            <a:path>
-              <a:moveTo>
-                <a:pt x="806707" y="0"/>
-              </a:moveTo>
-              <a:lnTo>
-                <a:pt x="806707" y="112305"/>
-              </a:lnTo>
-              <a:lnTo>
-                <a:pt x="0" y="112305"/>
-              </a:lnTo>
-              <a:lnTo>
-                <a:pt x="0" y="244824"/>
-              </a:lnTo>
-            </a:path>
-          </a:pathLst>
-        </a:custGeom>
-        <a:noFill/>
-        <a:ln w="12700" cap="flat" cmpd="sng" algn="ctr">
-          <a:solidFill>
-            <a:schemeClr val="accent1">
-              <a:shade val="60000"/>
-              <a:hueOff val="0"/>
-              <a:satOff val="0"/>
-              <a:lumOff val="0"/>
-              <a:alphaOff val="0"/>
-            </a:schemeClr>
-          </a:solidFill>
-          <a:prstDash val="solid"/>
-          <a:miter lim="800000"/>
-        </a:ln>
-        <a:effectLst/>
-      </dsp:spPr>
-      <dsp:style>
-        <a:lnRef idx="2">
-          <a:scrgbClr r="0" g="0" b="0"/>
-        </a:lnRef>
-        <a:fillRef idx="0">
-          <a:scrgbClr r="0" g="0" b="0"/>
-        </a:fillRef>
-        <a:effectRef idx="0">
-          <a:scrgbClr r="0" g="0" b="0"/>
-        </a:effectRef>
-        <a:fontRef idx="minor"/>
-      </dsp:style>
-    </dsp:sp>
-    <dsp:sp modelId="{A3C064E1-EB83-4A90-BC9B-363A4369B1D9}">
-      <dsp:nvSpPr>
-        <dsp:cNvPr id="0" name=""/>
-        <dsp:cNvSpPr/>
-      </dsp:nvSpPr>
-      <dsp:spPr>
-        <a:xfrm>
-          <a:off x="2160971" y="1982648"/>
-          <a:ext cx="2333821" cy="244824"/>
-        </a:xfrm>
-        <a:custGeom>
-          <a:avLst/>
-          <a:gdLst/>
-          <a:ahLst/>
-          <a:cxnLst/>
-          <a:rect l="0" t="0" r="0" b="0"/>
-          <a:pathLst>
-            <a:path>
-              <a:moveTo>
-                <a:pt x="2333821" y="0"/>
-              </a:moveTo>
-              <a:lnTo>
-                <a:pt x="2333821" y="112305"/>
-              </a:lnTo>
-              <a:lnTo>
-                <a:pt x="0" y="112305"/>
-              </a:lnTo>
-              <a:lnTo>
-                <a:pt x="0" y="244824"/>
-              </a:lnTo>
-            </a:path>
-          </a:pathLst>
-        </a:custGeom>
-        <a:noFill/>
-        <a:ln w="12700" cap="flat" cmpd="sng" algn="ctr">
-          <a:solidFill>
-            <a:schemeClr val="accent1">
-              <a:shade val="60000"/>
-              <a:hueOff val="0"/>
-              <a:satOff val="0"/>
-              <a:lumOff val="0"/>
-              <a:alphaOff val="0"/>
-            </a:schemeClr>
-          </a:solidFill>
-          <a:prstDash val="solid"/>
-          <a:miter lim="800000"/>
-        </a:ln>
-        <a:effectLst/>
-      </dsp:spPr>
-      <dsp:style>
-        <a:lnRef idx="2">
-          <a:scrgbClr r="0" g="0" b="0"/>
-        </a:lnRef>
-        <a:fillRef idx="0">
-          <a:scrgbClr r="0" g="0" b="0"/>
-        </a:fillRef>
-        <a:effectRef idx="0">
-          <a:scrgbClr r="0" g="0" b="0"/>
-        </a:effectRef>
-        <a:fontRef idx="minor"/>
-      </dsp:style>
-    </dsp:sp>
-    <dsp:sp modelId="{C79737FA-DA68-4B50-9686-82FBED4993F4}">
-      <dsp:nvSpPr>
-        <dsp:cNvPr id="0" name=""/>
-        <dsp:cNvSpPr/>
-      </dsp:nvSpPr>
-      <dsp:spPr>
-        <a:xfrm>
-          <a:off x="633857" y="1982648"/>
-          <a:ext cx="3860935" cy="244824"/>
-        </a:xfrm>
-        <a:custGeom>
-          <a:avLst/>
-          <a:gdLst/>
-          <a:ahLst/>
-          <a:cxnLst/>
-          <a:rect l="0" t="0" r="0" b="0"/>
-          <a:pathLst>
-            <a:path>
-              <a:moveTo>
-                <a:pt x="3860935" y="0"/>
-              </a:moveTo>
-              <a:lnTo>
-                <a:pt x="3860935" y="112305"/>
-              </a:lnTo>
-              <a:lnTo>
-                <a:pt x="0" y="112305"/>
-              </a:lnTo>
-              <a:lnTo>
-                <a:pt x="0" y="244824"/>
-              </a:lnTo>
-            </a:path>
-          </a:pathLst>
-        </a:custGeom>
-        <a:noFill/>
-        <a:ln w="12700" cap="flat" cmpd="sng" algn="ctr">
-          <a:solidFill>
-            <a:schemeClr val="accent1">
-              <a:shade val="60000"/>
-              <a:hueOff val="0"/>
-              <a:satOff val="0"/>
-              <a:lumOff val="0"/>
-              <a:alphaOff val="0"/>
-            </a:schemeClr>
-          </a:solidFill>
-          <a:prstDash val="solid"/>
-          <a:miter lim="800000"/>
-        </a:ln>
-        <a:effectLst/>
-      </dsp:spPr>
-      <dsp:style>
-        <a:lnRef idx="2">
-          <a:scrgbClr r="0" g="0" b="0"/>
-        </a:lnRef>
-        <a:fillRef idx="0">
-          <a:scrgbClr r="0" g="0" b="0"/>
-        </a:fillRef>
-        <a:effectRef idx="0">
-          <a:scrgbClr r="0" g="0" b="0"/>
-        </a:effectRef>
-        <a:fontRef idx="minor"/>
-      </dsp:style>
-    </dsp:sp>
-    <dsp:sp modelId="{0A79929F-4539-4070-8896-388E4F787335}">
-      <dsp:nvSpPr>
-        <dsp:cNvPr id="0" name=""/>
-        <dsp:cNvSpPr/>
-      </dsp:nvSpPr>
-      <dsp:spPr>
-        <a:xfrm>
-          <a:off x="3863754" y="1351609"/>
-          <a:ext cx="1262077" cy="631038"/>
-        </a:xfrm>
-        <a:prstGeom prst="rect">
-          <a:avLst/>
-        </a:prstGeom>
-        <a:solidFill>
-          <a:schemeClr val="accent1">
-            <a:hueOff val="0"/>
-            <a:satOff val="0"/>
-            <a:lumOff val="0"/>
-            <a:alphaOff val="0"/>
-          </a:schemeClr>
-        </a:solidFill>
-        <a:ln w="12700" cap="flat" cmpd="sng" algn="ctr">
-          <a:solidFill>
-            <a:schemeClr val="lt1">
-              <a:hueOff val="0"/>
-              <a:satOff val="0"/>
-              <a:lumOff val="0"/>
-              <a:alphaOff val="0"/>
-            </a:schemeClr>
-          </a:solidFill>
-          <a:prstDash val="solid"/>
-          <a:miter lim="800000"/>
-        </a:ln>
-        <a:effectLst/>
-      </dsp:spPr>
-      <dsp:style>
-        <a:lnRef idx="2">
-          <a:scrgbClr r="0" g="0" b="0"/>
-        </a:lnRef>
-        <a:fillRef idx="1">
-          <a:scrgbClr r="0" g="0" b="0"/>
-        </a:fillRef>
-        <a:effectRef idx="0">
-          <a:scrgbClr r="0" g="0" b="0"/>
-        </a:effectRef>
-        <a:fontRef idx="minor">
-          <a:schemeClr val="lt1"/>
-        </a:fontRef>
-      </dsp:style>
-      <dsp:txBody>
-        <a:bodyPr spcFirstLastPara="0" vert="horz" wrap="square" lIns="12700" tIns="12700" rIns="12700" bIns="12700" numCol="1" spcCol="1270" anchor="ctr" anchorCtr="0">
-          <a:noAutofit/>
-        </a:bodyPr>
-        <a:lstStyle/>
-        <a:p>
-          <a:pPr marL="0" lvl="0" indent="0" algn="ctr" defTabSz="889000">
-            <a:lnSpc>
-              <a:spcPct val="90000"/>
-            </a:lnSpc>
-            <a:spcBef>
-              <a:spcPct val="0"/>
-            </a:spcBef>
-            <a:spcAft>
-              <a:spcPct val="35000"/>
-            </a:spcAft>
-            <a:buNone/>
-          </a:pPr>
-          <a:r>
-            <a:rPr lang="en-GB" sz="2000" kern="1200" dirty="0" err="1">
-              <a:latin typeface="Arial" panose="020B0604020202020204" pitchFamily="34" charset="0"/>
-              <a:cs typeface="Arial" panose="020B0604020202020204" pitchFamily="34" charset="0"/>
-            </a:rPr>
-            <a:t>Eventos</a:t>
-          </a:r>
-          <a:r>
-            <a:rPr lang="en-GB" sz="2000" kern="1200" dirty="0">
-              <a:latin typeface="Arial" panose="020B0604020202020204" pitchFamily="34" charset="0"/>
-              <a:cs typeface="Arial" panose="020B0604020202020204" pitchFamily="34" charset="0"/>
-            </a:rPr>
-            <a:t> </a:t>
-          </a:r>
-          <a:r>
-            <a:rPr lang="en-GB" sz="2000" kern="1200" dirty="0" err="1">
-              <a:latin typeface="Arial" panose="020B0604020202020204" pitchFamily="34" charset="0"/>
-              <a:cs typeface="Arial" panose="020B0604020202020204" pitchFamily="34" charset="0"/>
-            </a:rPr>
-            <a:t>Covilhã</a:t>
-          </a:r>
-          <a:endParaRPr lang="en-GB" sz="2000" kern="1200" dirty="0">
-            <a:latin typeface="Arial" panose="020B0604020202020204" pitchFamily="34" charset="0"/>
-            <a:cs typeface="Arial" panose="020B0604020202020204" pitchFamily="34" charset="0"/>
-          </a:endParaRPr>
-        </a:p>
-      </dsp:txBody>
-      <dsp:txXfrm>
-        <a:off x="3863754" y="1351609"/>
-        <a:ext cx="1262077" cy="631038"/>
-      </dsp:txXfrm>
-    </dsp:sp>
-    <dsp:sp modelId="{BB899C3E-7977-48D2-838C-0A0A4E22407E}">
-      <dsp:nvSpPr>
-        <dsp:cNvPr id="0" name=""/>
-        <dsp:cNvSpPr/>
-      </dsp:nvSpPr>
-      <dsp:spPr>
-        <a:xfrm>
-          <a:off x="2818" y="2227472"/>
-          <a:ext cx="1262077" cy="631038"/>
-        </a:xfrm>
-        <a:prstGeom prst="rect">
-          <a:avLst/>
-        </a:prstGeom>
-        <a:solidFill>
-          <a:schemeClr val="accent1">
-            <a:hueOff val="0"/>
-            <a:satOff val="0"/>
-            <a:lumOff val="0"/>
-            <a:alphaOff val="0"/>
-          </a:schemeClr>
-        </a:solidFill>
-        <a:ln w="12700" cap="flat" cmpd="sng" algn="ctr">
-          <a:solidFill>
-            <a:schemeClr val="lt1">
-              <a:hueOff val="0"/>
-              <a:satOff val="0"/>
-              <a:lumOff val="0"/>
-              <a:alphaOff val="0"/>
-            </a:schemeClr>
-          </a:solidFill>
-          <a:prstDash val="solid"/>
-          <a:miter lim="800000"/>
-        </a:ln>
-        <a:effectLst/>
-      </dsp:spPr>
-      <dsp:style>
-        <a:lnRef idx="2">
-          <a:scrgbClr r="0" g="0" b="0"/>
-        </a:lnRef>
-        <a:fillRef idx="1">
-          <a:scrgbClr r="0" g="0" b="0"/>
-        </a:fillRef>
-        <a:effectRef idx="0">
-          <a:scrgbClr r="0" g="0" b="0"/>
-        </a:effectRef>
-        <a:fontRef idx="minor">
-          <a:schemeClr val="lt1"/>
-        </a:fontRef>
-      </dsp:style>
-      <dsp:txBody>
-        <a:bodyPr spcFirstLastPara="0" vert="horz" wrap="square" lIns="12700" tIns="12700" rIns="12700" bIns="12700" numCol="1" spcCol="1270" anchor="ctr" anchorCtr="0">
-          <a:noAutofit/>
-        </a:bodyPr>
-        <a:lstStyle/>
-        <a:p>
-          <a:pPr marL="0" lvl="0" indent="0" algn="ctr" defTabSz="889000">
-            <a:lnSpc>
-              <a:spcPct val="90000"/>
-            </a:lnSpc>
-            <a:spcBef>
-              <a:spcPct val="0"/>
-            </a:spcBef>
-            <a:spcAft>
-              <a:spcPct val="35000"/>
-            </a:spcAft>
-            <a:buNone/>
-          </a:pPr>
-          <a:r>
-            <a:rPr lang="en-GB" sz="2000" kern="1200" dirty="0" err="1">
-              <a:latin typeface="Arial" panose="020B0604020202020204" pitchFamily="34" charset="0"/>
-              <a:cs typeface="Arial" panose="020B0604020202020204" pitchFamily="34" charset="0"/>
-            </a:rPr>
-            <a:t>Início</a:t>
-          </a:r>
-          <a:endParaRPr lang="en-GB" sz="2000" kern="1200" dirty="0">
-            <a:latin typeface="Arial" panose="020B0604020202020204" pitchFamily="34" charset="0"/>
-            <a:cs typeface="Arial" panose="020B0604020202020204" pitchFamily="34" charset="0"/>
-          </a:endParaRPr>
-        </a:p>
-      </dsp:txBody>
-      <dsp:txXfrm>
-        <a:off x="2818" y="2227472"/>
-        <a:ext cx="1262077" cy="631038"/>
-      </dsp:txXfrm>
-    </dsp:sp>
-    <dsp:sp modelId="{3DCFB508-F20D-419B-97A2-A0EA8AAE62B8}">
-      <dsp:nvSpPr>
-        <dsp:cNvPr id="0" name=""/>
-        <dsp:cNvSpPr/>
-      </dsp:nvSpPr>
-      <dsp:spPr>
-        <a:xfrm>
-          <a:off x="1529933" y="2227472"/>
-          <a:ext cx="1262077" cy="631038"/>
-        </a:xfrm>
-        <a:prstGeom prst="rect">
-          <a:avLst/>
-        </a:prstGeom>
-        <a:solidFill>
-          <a:schemeClr val="accent1">
-            <a:hueOff val="0"/>
-            <a:satOff val="0"/>
-            <a:lumOff val="0"/>
-            <a:alphaOff val="0"/>
-          </a:schemeClr>
-        </a:solidFill>
-        <a:ln w="12700" cap="flat" cmpd="sng" algn="ctr">
-          <a:solidFill>
-            <a:schemeClr val="lt1">
-              <a:hueOff val="0"/>
-              <a:satOff val="0"/>
-              <a:lumOff val="0"/>
-              <a:alphaOff val="0"/>
-            </a:schemeClr>
-          </a:solidFill>
-          <a:prstDash val="solid"/>
-          <a:miter lim="800000"/>
-        </a:ln>
-        <a:effectLst/>
-      </dsp:spPr>
-      <dsp:style>
-        <a:lnRef idx="2">
-          <a:scrgbClr r="0" g="0" b="0"/>
-        </a:lnRef>
-        <a:fillRef idx="1">
-          <a:scrgbClr r="0" g="0" b="0"/>
-        </a:fillRef>
-        <a:effectRef idx="0">
-          <a:scrgbClr r="0" g="0" b="0"/>
-        </a:effectRef>
-        <a:fontRef idx="minor">
-          <a:schemeClr val="lt1"/>
-        </a:fontRef>
-      </dsp:style>
-      <dsp:txBody>
-        <a:bodyPr spcFirstLastPara="0" vert="horz" wrap="square" lIns="12700" tIns="12700" rIns="12700" bIns="12700" numCol="1" spcCol="1270" anchor="ctr" anchorCtr="0">
-          <a:noAutofit/>
-        </a:bodyPr>
-        <a:lstStyle/>
-        <a:p>
-          <a:pPr marL="0" lvl="0" indent="0" algn="ctr" defTabSz="889000">
-            <a:lnSpc>
-              <a:spcPct val="90000"/>
-            </a:lnSpc>
-            <a:spcBef>
-              <a:spcPct val="0"/>
-            </a:spcBef>
-            <a:spcAft>
-              <a:spcPct val="35000"/>
-            </a:spcAft>
-            <a:buNone/>
-          </a:pPr>
-          <a:r>
-            <a:rPr lang="en-GB" sz="2000" kern="1200" dirty="0" err="1">
-              <a:latin typeface="Arial" panose="020B0604020202020204" pitchFamily="34" charset="0"/>
-              <a:cs typeface="Arial" panose="020B0604020202020204" pitchFamily="34" charset="0"/>
-            </a:rPr>
-            <a:t>Calendário</a:t>
-          </a:r>
-          <a:endParaRPr lang="en-GB" sz="2000" kern="1200" dirty="0">
-            <a:latin typeface="Arial" panose="020B0604020202020204" pitchFamily="34" charset="0"/>
-            <a:cs typeface="Arial" panose="020B0604020202020204" pitchFamily="34" charset="0"/>
-          </a:endParaRPr>
-        </a:p>
-      </dsp:txBody>
-      <dsp:txXfrm>
-        <a:off x="1529933" y="2227472"/>
-        <a:ext cx="1262077" cy="631038"/>
-      </dsp:txXfrm>
-    </dsp:sp>
-    <dsp:sp modelId="{D0C42A0A-227F-498C-9217-1F2A4E39F4AC}">
-      <dsp:nvSpPr>
-        <dsp:cNvPr id="0" name=""/>
-        <dsp:cNvSpPr/>
-      </dsp:nvSpPr>
-      <dsp:spPr>
-        <a:xfrm>
-          <a:off x="3057047" y="2227472"/>
-          <a:ext cx="1262077" cy="631038"/>
-        </a:xfrm>
-        <a:prstGeom prst="rect">
-          <a:avLst/>
-        </a:prstGeom>
-        <a:solidFill>
-          <a:schemeClr val="accent1">
-            <a:hueOff val="0"/>
-            <a:satOff val="0"/>
-            <a:lumOff val="0"/>
-            <a:alphaOff val="0"/>
-          </a:schemeClr>
-        </a:solidFill>
-        <a:ln w="12700" cap="flat" cmpd="sng" algn="ctr">
-          <a:solidFill>
-            <a:schemeClr val="lt1">
-              <a:hueOff val="0"/>
-              <a:satOff val="0"/>
-              <a:lumOff val="0"/>
-              <a:alphaOff val="0"/>
-            </a:schemeClr>
-          </a:solidFill>
-          <a:prstDash val="solid"/>
-          <a:miter lim="800000"/>
-        </a:ln>
-        <a:effectLst/>
-      </dsp:spPr>
-      <dsp:style>
-        <a:lnRef idx="2">
-          <a:scrgbClr r="0" g="0" b="0"/>
-        </a:lnRef>
-        <a:fillRef idx="1">
-          <a:scrgbClr r="0" g="0" b="0"/>
-        </a:fillRef>
-        <a:effectRef idx="0">
-          <a:scrgbClr r="0" g="0" b="0"/>
-        </a:effectRef>
-        <a:fontRef idx="minor">
-          <a:schemeClr val="lt1"/>
-        </a:fontRef>
-      </dsp:style>
-      <dsp:txBody>
-        <a:bodyPr spcFirstLastPara="0" vert="horz" wrap="square" lIns="12700" tIns="12700" rIns="12700" bIns="12700" numCol="1" spcCol="1270" anchor="ctr" anchorCtr="0">
-          <a:noAutofit/>
-        </a:bodyPr>
-        <a:lstStyle/>
-        <a:p>
-          <a:pPr marL="0" lvl="0" indent="0" algn="ctr" defTabSz="889000">
-            <a:lnSpc>
-              <a:spcPct val="90000"/>
-            </a:lnSpc>
-            <a:spcBef>
-              <a:spcPct val="0"/>
-            </a:spcBef>
-            <a:spcAft>
-              <a:spcPct val="35000"/>
-            </a:spcAft>
-            <a:buNone/>
-          </a:pPr>
-          <a:r>
-            <a:rPr lang="en-GB" sz="2000" kern="1200" dirty="0" err="1">
-              <a:latin typeface="Arial" panose="020B0604020202020204" pitchFamily="34" charset="0"/>
-              <a:cs typeface="Arial" panose="020B0604020202020204" pitchFamily="34" charset="0"/>
-            </a:rPr>
-            <a:t>Sobre</a:t>
-          </a:r>
-          <a:endParaRPr lang="en-GB" sz="2000" kern="1200" dirty="0">
-            <a:latin typeface="Arial" panose="020B0604020202020204" pitchFamily="34" charset="0"/>
-            <a:cs typeface="Arial" panose="020B0604020202020204" pitchFamily="34" charset="0"/>
-          </a:endParaRPr>
-        </a:p>
-      </dsp:txBody>
-      <dsp:txXfrm>
-        <a:off x="3057047" y="2227472"/>
-        <a:ext cx="1262077" cy="631038"/>
-      </dsp:txXfrm>
-    </dsp:sp>
-    <dsp:sp modelId="{B512DCC2-F8AD-4A88-8224-BF794CC14E60}">
-      <dsp:nvSpPr>
-        <dsp:cNvPr id="0" name=""/>
-        <dsp:cNvSpPr/>
-      </dsp:nvSpPr>
-      <dsp:spPr>
-        <a:xfrm>
-          <a:off x="4584161" y="2227472"/>
-          <a:ext cx="1262077" cy="631038"/>
-        </a:xfrm>
-        <a:prstGeom prst="rect">
-          <a:avLst/>
-        </a:prstGeom>
-        <a:solidFill>
-          <a:schemeClr val="accent1">
-            <a:hueOff val="0"/>
-            <a:satOff val="0"/>
-            <a:lumOff val="0"/>
-            <a:alphaOff val="0"/>
-          </a:schemeClr>
-        </a:solidFill>
-        <a:ln w="12700" cap="flat" cmpd="sng" algn="ctr">
-          <a:solidFill>
-            <a:schemeClr val="lt1">
-              <a:hueOff val="0"/>
-              <a:satOff val="0"/>
-              <a:lumOff val="0"/>
-              <a:alphaOff val="0"/>
-            </a:schemeClr>
-          </a:solidFill>
-          <a:prstDash val="solid"/>
-          <a:miter lim="800000"/>
-        </a:ln>
-        <a:effectLst/>
-      </dsp:spPr>
-      <dsp:style>
-        <a:lnRef idx="2">
-          <a:scrgbClr r="0" g="0" b="0"/>
-        </a:lnRef>
-        <a:fillRef idx="1">
-          <a:scrgbClr r="0" g="0" b="0"/>
-        </a:fillRef>
-        <a:effectRef idx="0">
-          <a:scrgbClr r="0" g="0" b="0"/>
-        </a:effectRef>
-        <a:fontRef idx="minor">
-          <a:schemeClr val="lt1"/>
-        </a:fontRef>
-      </dsp:style>
-      <dsp:txBody>
-        <a:bodyPr spcFirstLastPara="0" vert="horz" wrap="square" lIns="12700" tIns="12700" rIns="12700" bIns="12700" numCol="1" spcCol="1270" anchor="ctr" anchorCtr="0">
-          <a:noAutofit/>
-        </a:bodyPr>
-        <a:lstStyle/>
-        <a:p>
-          <a:pPr marL="0" lvl="0" indent="0" algn="ctr" defTabSz="889000">
-            <a:lnSpc>
-              <a:spcPct val="90000"/>
-            </a:lnSpc>
-            <a:spcBef>
-              <a:spcPct val="0"/>
-            </a:spcBef>
-            <a:spcAft>
-              <a:spcPct val="35000"/>
-            </a:spcAft>
-            <a:buNone/>
-          </a:pPr>
-          <a:r>
-            <a:rPr lang="en-GB" sz="2000" kern="1200" dirty="0" err="1">
-              <a:latin typeface="Arial" panose="020B0604020202020204" pitchFamily="34" charset="0"/>
-              <a:cs typeface="Arial" panose="020B0604020202020204" pitchFamily="34" charset="0"/>
-            </a:rPr>
-            <a:t>Categorias</a:t>
-          </a:r>
-          <a:endParaRPr lang="en-GB" sz="2000" kern="1200" dirty="0">
-            <a:latin typeface="Arial" panose="020B0604020202020204" pitchFamily="34" charset="0"/>
-            <a:cs typeface="Arial" panose="020B0604020202020204" pitchFamily="34" charset="0"/>
-          </a:endParaRPr>
-        </a:p>
-      </dsp:txBody>
-      <dsp:txXfrm>
-        <a:off x="4584161" y="2227472"/>
-        <a:ext cx="1262077" cy="631038"/>
-      </dsp:txXfrm>
-    </dsp:sp>
-    <dsp:sp modelId="{8659CC59-2E2C-408C-A138-42297FB1F7FC}">
-      <dsp:nvSpPr>
-        <dsp:cNvPr id="0" name=""/>
-        <dsp:cNvSpPr/>
-      </dsp:nvSpPr>
-      <dsp:spPr>
-        <a:xfrm>
-          <a:off x="6111275" y="2227472"/>
-          <a:ext cx="1262077" cy="631038"/>
-        </a:xfrm>
-        <a:prstGeom prst="rect">
-          <a:avLst/>
-        </a:prstGeom>
-        <a:solidFill>
-          <a:schemeClr val="accent1">
-            <a:hueOff val="0"/>
-            <a:satOff val="0"/>
-            <a:lumOff val="0"/>
-            <a:alphaOff val="0"/>
-          </a:schemeClr>
-        </a:solidFill>
-        <a:ln w="12700" cap="flat" cmpd="sng" algn="ctr">
-          <a:solidFill>
-            <a:schemeClr val="lt1">
-              <a:hueOff val="0"/>
-              <a:satOff val="0"/>
-              <a:lumOff val="0"/>
-              <a:alphaOff val="0"/>
-            </a:schemeClr>
-          </a:solidFill>
-          <a:prstDash val="solid"/>
-          <a:miter lim="800000"/>
-        </a:ln>
-        <a:effectLst/>
-      </dsp:spPr>
-      <dsp:style>
-        <a:lnRef idx="2">
-          <a:scrgbClr r="0" g="0" b="0"/>
-        </a:lnRef>
-        <a:fillRef idx="1">
-          <a:scrgbClr r="0" g="0" b="0"/>
-        </a:fillRef>
-        <a:effectRef idx="0">
-          <a:scrgbClr r="0" g="0" b="0"/>
-        </a:effectRef>
-        <a:fontRef idx="minor">
-          <a:schemeClr val="lt1"/>
-        </a:fontRef>
-      </dsp:style>
-      <dsp:txBody>
-        <a:bodyPr spcFirstLastPara="0" vert="horz" wrap="square" lIns="12700" tIns="12700" rIns="12700" bIns="12700" numCol="1" spcCol="1270" anchor="ctr" anchorCtr="0">
-          <a:noAutofit/>
-        </a:bodyPr>
-        <a:lstStyle/>
-        <a:p>
-          <a:pPr marL="0" lvl="0" indent="0" algn="ctr" defTabSz="889000">
-            <a:lnSpc>
-              <a:spcPct val="90000"/>
-            </a:lnSpc>
-            <a:spcBef>
-              <a:spcPct val="0"/>
-            </a:spcBef>
-            <a:spcAft>
-              <a:spcPct val="35000"/>
-            </a:spcAft>
-            <a:buNone/>
-          </a:pPr>
-          <a:r>
-            <a:rPr lang="en-GB" sz="2000" kern="1200" dirty="0" err="1">
-              <a:latin typeface="Arial" panose="020B0604020202020204" pitchFamily="34" charset="0"/>
-              <a:cs typeface="Arial" panose="020B0604020202020204" pitchFamily="34" charset="0"/>
-            </a:rPr>
-            <a:t>Contactos</a:t>
-          </a:r>
-          <a:endParaRPr lang="en-GB" sz="2000" kern="1200" dirty="0">
-            <a:latin typeface="Arial" panose="020B0604020202020204" pitchFamily="34" charset="0"/>
-            <a:cs typeface="Arial" panose="020B0604020202020204" pitchFamily="34" charset="0"/>
-          </a:endParaRPr>
-        </a:p>
-      </dsp:txBody>
-      <dsp:txXfrm>
-        <a:off x="6111275" y="2227472"/>
-        <a:ext cx="1262077" cy="631038"/>
-      </dsp:txXfrm>
-    </dsp:sp>
-    <dsp:sp modelId="{67726964-64F7-4568-A550-A3840E89588B}">
-      <dsp:nvSpPr>
-        <dsp:cNvPr id="0" name=""/>
-        <dsp:cNvSpPr/>
-      </dsp:nvSpPr>
-      <dsp:spPr>
-        <a:xfrm>
-          <a:off x="7638389" y="2227472"/>
-          <a:ext cx="1262077" cy="631038"/>
-        </a:xfrm>
-        <a:prstGeom prst="rect">
-          <a:avLst/>
-        </a:prstGeom>
-        <a:solidFill>
-          <a:schemeClr val="accent1">
-            <a:hueOff val="0"/>
-            <a:satOff val="0"/>
-            <a:lumOff val="0"/>
-            <a:alphaOff val="0"/>
-          </a:schemeClr>
-        </a:solidFill>
-        <a:ln w="12700" cap="flat" cmpd="sng" algn="ctr">
-          <a:solidFill>
-            <a:schemeClr val="lt1">
-              <a:hueOff val="0"/>
-              <a:satOff val="0"/>
-              <a:lumOff val="0"/>
-              <a:alphaOff val="0"/>
-            </a:schemeClr>
-          </a:solidFill>
-          <a:prstDash val="solid"/>
-          <a:miter lim="800000"/>
-        </a:ln>
-        <a:effectLst/>
-      </dsp:spPr>
-      <dsp:style>
-        <a:lnRef idx="2">
-          <a:scrgbClr r="0" g="0" b="0"/>
-        </a:lnRef>
-        <a:fillRef idx="1">
-          <a:scrgbClr r="0" g="0" b="0"/>
-        </a:fillRef>
-        <a:effectRef idx="0">
-          <a:scrgbClr r="0" g="0" b="0"/>
-        </a:effectRef>
-        <a:fontRef idx="minor">
-          <a:schemeClr val="lt1"/>
-        </a:fontRef>
-      </dsp:style>
-      <dsp:txBody>
-        <a:bodyPr spcFirstLastPara="0" vert="horz" wrap="square" lIns="12700" tIns="12700" rIns="12700" bIns="12700" numCol="1" spcCol="1270" anchor="ctr" anchorCtr="0">
-          <a:noAutofit/>
-        </a:bodyPr>
-        <a:lstStyle/>
-        <a:p>
-          <a:pPr marL="0" lvl="0" indent="0" algn="ctr" defTabSz="889000">
-            <a:lnSpc>
-              <a:spcPct val="90000"/>
-            </a:lnSpc>
-            <a:spcBef>
-              <a:spcPct val="0"/>
-            </a:spcBef>
-            <a:spcAft>
-              <a:spcPct val="35000"/>
-            </a:spcAft>
-            <a:buNone/>
-          </a:pPr>
-          <a:endParaRPr lang="en-GB" sz="2000" kern="1200" dirty="0">
-            <a:latin typeface="Arial" panose="020B0604020202020204" pitchFamily="34" charset="0"/>
-            <a:cs typeface="Arial" panose="020B0604020202020204" pitchFamily="34" charset="0"/>
-          </a:endParaRPr>
-        </a:p>
-      </dsp:txBody>
-      <dsp:txXfrm>
-        <a:off x="7638389" y="2227472"/>
-        <a:ext cx="1262077" cy="631038"/>
-      </dsp:txXfrm>
-    </dsp:sp>
   </dsp:spTree>
 </dsp:drawing>
 </file>
@@ -5544,7 +5043,7 @@
         </a:bodyPr>
         <a:lstStyle/>
         <a:p>
-          <a:pPr marL="0" lvl="0" indent="0" algn="ctr" defTabSz="889000">
+          <a:pPr lvl="0" algn="ctr" defTabSz="889000">
             <a:lnSpc>
               <a:spcPct val="90000"/>
             </a:lnSpc>
@@ -5554,21 +5053,20 @@
             <a:spcAft>
               <a:spcPct val="35000"/>
             </a:spcAft>
-            <a:buNone/>
           </a:pPr>
           <a:r>
-            <a:rPr lang="en-GB" sz="2000" u="none" kern="1200" dirty="0" err="1">
+            <a:rPr lang="en-GB" sz="2000" u="none" kern="1200" dirty="0" err="1" smtClean="0">
               <a:latin typeface="Arial" panose="020B0604020202020204" pitchFamily="34" charset="0"/>
               <a:cs typeface="Arial" panose="020B0604020202020204" pitchFamily="34" charset="0"/>
             </a:rPr>
             <a:t>Eventos</a:t>
           </a:r>
           <a:r>
-            <a:rPr lang="en-GB" sz="2000" u="none" kern="1200" dirty="0">
+            <a:rPr lang="en-GB" sz="2000" u="none" kern="1200" dirty="0" smtClean="0">
               <a:latin typeface="Arial" panose="020B0604020202020204" pitchFamily="34" charset="0"/>
               <a:cs typeface="Arial" panose="020B0604020202020204" pitchFamily="34" charset="0"/>
             </a:rPr>
-            <a:t> </a:t>
+            <a:t>- </a:t>
           </a:r>
           <a:r>
             <a:rPr lang="en-GB" sz="2000" u="none" kern="1200" dirty="0" err="1">
@@ -5643,7 +5141,7 @@
         </a:bodyPr>
         <a:lstStyle/>
         <a:p>
-          <a:pPr marL="0" lvl="0" indent="0" algn="ctr" defTabSz="889000">
+          <a:pPr lvl="0" algn="ctr" defTabSz="889000">
             <a:lnSpc>
               <a:spcPct val="90000"/>
             </a:lnSpc>
@@ -5653,7 +5151,6 @@
             <a:spcAft>
               <a:spcPct val="35000"/>
             </a:spcAft>
-            <a:buNone/>
           </a:pPr>
           <a:r>
             <a:rPr lang="en-GB" sz="2000" u="none" kern="1200" dirty="0" err="1">
@@ -5728,7 +5225,7 @@
         </a:bodyPr>
         <a:lstStyle/>
         <a:p>
-          <a:pPr marL="0" lvl="0" indent="0" algn="ctr" defTabSz="1333500">
+          <a:pPr lvl="0" algn="ctr" defTabSz="1333500">
             <a:lnSpc>
               <a:spcPct val="90000"/>
             </a:lnSpc>
@@ -5738,12 +5235,16 @@
             <a:spcAft>
               <a:spcPct val="35000"/>
             </a:spcAft>
-            <a:buNone/>
           </a:pPr>
           <a:r>
             <a:rPr lang="pt-PT" sz="3000" u="none" kern="1200" dirty="0"/>
-            <a:t>Porquê Covilhã</a:t>
+            <a:t>Porquê </a:t>
           </a:r>
+          <a:r>
+            <a:rPr lang="pt-PT" sz="3000" u="none" kern="1200" dirty="0" smtClean="0"/>
+            <a:t>Covilhã?</a:t>
+          </a:r>
+          <a:endParaRPr lang="pt-PT" sz="3000" u="none" kern="1200" dirty="0"/>
         </a:p>
       </dsp:txBody>
       <dsp:txXfrm>
@@ -5806,7 +5307,7 @@
         </a:bodyPr>
         <a:lstStyle/>
         <a:p>
-          <a:pPr marL="0" lvl="0" indent="0" algn="ctr" defTabSz="800100">
+          <a:pPr lvl="0" algn="ctr" defTabSz="800100">
             <a:lnSpc>
               <a:spcPct val="90000"/>
             </a:lnSpc>
@@ -5816,15 +5317,14 @@
             <a:spcAft>
               <a:spcPct val="35000"/>
             </a:spcAft>
-            <a:buNone/>
           </a:pPr>
           <a:r>
             <a:rPr lang="pt-PT" sz="1800" u="none" kern="1200" dirty="0"/>
             <a:t>Chegar à </a:t>
           </a:r>
           <a:r>
-            <a:rPr lang="pt-PT" sz="1800" u="none" kern="1200" dirty="0" err="1"/>
-            <a:t>covilhã</a:t>
+            <a:rPr lang="pt-PT" sz="1800" u="none" kern="1200" dirty="0" smtClean="0"/>
+            <a:t>Covilhã</a:t>
           </a:r>
           <a:endParaRPr lang="pt-PT" sz="1800" u="none" kern="1200" dirty="0"/>
         </a:p>
@@ -5889,7 +5389,7 @@
         </a:bodyPr>
         <a:lstStyle/>
         <a:p>
-          <a:pPr marL="0" lvl="0" indent="0" algn="ctr" defTabSz="800100">
+          <a:pPr lvl="0" algn="ctr" defTabSz="800100">
             <a:lnSpc>
               <a:spcPct val="90000"/>
             </a:lnSpc>
@@ -5899,7 +5399,6 @@
             <a:spcAft>
               <a:spcPct val="35000"/>
             </a:spcAft>
-            <a:buNone/>
           </a:pPr>
           <a:r>
             <a:rPr lang="pt-PT" sz="1800" u="none" kern="1200" dirty="0"/>
@@ -5967,7 +5466,7 @@
         </a:bodyPr>
         <a:lstStyle/>
         <a:p>
-          <a:pPr marL="0" lvl="0" indent="0" algn="ctr" defTabSz="889000">
+          <a:pPr lvl="0" algn="ctr" defTabSz="889000">
             <a:lnSpc>
               <a:spcPct val="90000"/>
             </a:lnSpc>
@@ -5977,7 +5476,6 @@
             <a:spcAft>
               <a:spcPct val="35000"/>
             </a:spcAft>
-            <a:buNone/>
           </a:pPr>
           <a:r>
             <a:rPr lang="en-GB" sz="2000" u="none" kern="1200" dirty="0" err="1">
@@ -6052,7 +5550,7 @@
         </a:bodyPr>
         <a:lstStyle/>
         <a:p>
-          <a:pPr marL="0" lvl="0" indent="0" algn="ctr" defTabSz="889000">
+          <a:pPr lvl="0" algn="ctr" defTabSz="889000">
             <a:lnSpc>
               <a:spcPct val="90000"/>
             </a:lnSpc>
@@ -6062,7 +5560,6 @@
             <a:spcAft>
               <a:spcPct val="35000"/>
             </a:spcAft>
-            <a:buNone/>
           </a:pPr>
           <a:r>
             <a:rPr lang="en-GB" sz="2000" u="none" kern="1200" dirty="0" err="1">
@@ -6137,7 +5634,7 @@
         </a:bodyPr>
         <a:lstStyle/>
         <a:p>
-          <a:pPr marL="0" lvl="0" indent="0" algn="ctr" defTabSz="800100">
+          <a:pPr lvl="0" algn="ctr" defTabSz="800100">
             <a:lnSpc>
               <a:spcPct val="90000"/>
             </a:lnSpc>
@@ -6147,7 +5644,6 @@
             <a:spcAft>
               <a:spcPct val="35000"/>
             </a:spcAft>
-            <a:buNone/>
           </a:pPr>
           <a:r>
             <a:rPr lang="pt-PT" sz="1800" u="none" kern="1200" dirty="0"/>
@@ -6215,7 +5711,7 @@
         </a:bodyPr>
         <a:lstStyle/>
         <a:p>
-          <a:pPr marL="0" lvl="0" indent="0" algn="ctr" defTabSz="800100">
+          <a:pPr lvl="0" algn="ctr" defTabSz="800100">
             <a:lnSpc>
               <a:spcPct val="90000"/>
             </a:lnSpc>
@@ -6225,7 +5721,6 @@
             <a:spcAft>
               <a:spcPct val="35000"/>
             </a:spcAft>
-            <a:buNone/>
           </a:pPr>
           <a:r>
             <a:rPr lang="pt-PT" sz="1800" u="none" kern="1200" dirty="0"/>
@@ -6293,7 +5788,7 @@
         </a:bodyPr>
         <a:lstStyle/>
         <a:p>
-          <a:pPr marL="0" lvl="0" indent="0" algn="ctr" defTabSz="800100">
+          <a:pPr lvl="0" algn="ctr" defTabSz="800100">
             <a:lnSpc>
               <a:spcPct val="90000"/>
             </a:lnSpc>
@@ -6303,7 +5798,6 @@
             <a:spcAft>
               <a:spcPct val="35000"/>
             </a:spcAft>
-            <a:buNone/>
           </a:pPr>
           <a:r>
             <a:rPr lang="pt-PT" sz="1800" u="none" kern="1200" dirty="0"/>
@@ -6371,7 +5865,7 @@
         </a:bodyPr>
         <a:lstStyle/>
         <a:p>
-          <a:pPr marL="0" lvl="0" indent="0" algn="ctr" defTabSz="800100">
+          <a:pPr lvl="0" algn="ctr" defTabSz="800100">
             <a:lnSpc>
               <a:spcPct val="90000"/>
             </a:lnSpc>
@@ -6381,7 +5875,6 @@
             <a:spcAft>
               <a:spcPct val="35000"/>
             </a:spcAft>
-            <a:buNone/>
           </a:pPr>
           <a:r>
             <a:rPr lang="pt-PT" sz="1800" u="none" kern="1200" dirty="0"/>
@@ -6449,7 +5942,7 @@
         </a:bodyPr>
         <a:lstStyle/>
         <a:p>
-          <a:pPr marL="0" lvl="0" indent="0" algn="ctr" defTabSz="800100">
+          <a:pPr lvl="0" algn="ctr" defTabSz="800100">
             <a:lnSpc>
               <a:spcPct val="90000"/>
             </a:lnSpc>
@@ -6459,7 +5952,6 @@
             <a:spcAft>
               <a:spcPct val="35000"/>
             </a:spcAft>
-            <a:buNone/>
           </a:pPr>
           <a:r>
             <a:rPr lang="pt-PT" sz="1800" u="none" kern="1200" dirty="0"/>
@@ -6527,7 +6019,7 @@
         </a:bodyPr>
         <a:lstStyle/>
         <a:p>
-          <a:pPr marL="0" lvl="0" indent="0" algn="ctr" defTabSz="800100">
+          <a:pPr lvl="0" algn="ctr" defTabSz="800100">
             <a:lnSpc>
               <a:spcPct val="90000"/>
             </a:lnSpc>
@@ -6537,7 +6029,6 @@
             <a:spcAft>
               <a:spcPct val="35000"/>
             </a:spcAft>
-            <a:buNone/>
           </a:pPr>
           <a:r>
             <a:rPr lang="pt-PT" sz="1800" u="none" kern="1200" dirty="0"/>
@@ -6605,7 +6096,7 @@
         </a:bodyPr>
         <a:lstStyle/>
         <a:p>
-          <a:pPr marL="0" lvl="0" indent="0" algn="ctr" defTabSz="889000">
+          <a:pPr lvl="0" algn="ctr" defTabSz="889000">
             <a:lnSpc>
               <a:spcPct val="90000"/>
             </a:lnSpc>
@@ -6615,7 +6106,6 @@
             <a:spcAft>
               <a:spcPct val="35000"/>
             </a:spcAft>
-            <a:buNone/>
           </a:pPr>
           <a:r>
             <a:rPr lang="en-GB" sz="2000" u="none" kern="1200" dirty="0" err="1">
@@ -6690,7 +6180,7 @@
         </a:bodyPr>
         <a:lstStyle/>
         <a:p>
-          <a:pPr marL="0" lvl="0" indent="0" algn="ctr" defTabSz="889000">
+          <a:pPr lvl="0" algn="ctr" defTabSz="889000">
             <a:lnSpc>
               <a:spcPct val="90000"/>
             </a:lnSpc>
@@ -6700,7 +6190,6 @@
             <a:spcAft>
               <a:spcPct val="35000"/>
             </a:spcAft>
-            <a:buNone/>
           </a:pPr>
           <a:r>
             <a:rPr lang="en-GB" sz="2000" u="none" kern="1200" dirty="0" err="1">
@@ -11166,7 +10655,7 @@
           <a:p>
             <a:fld id="{FE46BE1C-E5B9-40EB-B480-3B6CCE635393}" type="datetimeFigureOut">
               <a:rPr lang="en-GB" smtClean="0"/>
-              <a:t>29/12/2018</a:t>
+              <a:t>18/12/2018</a:t>
             </a:fld>
             <a:endParaRPr lang="en-GB"/>
           </a:p>
@@ -12318,7 +11807,7 @@
           <a:p>
             <a:fld id="{46E4206C-CDB6-49DB-A49C-1C74FE4EA3F6}" type="datetime1">
               <a:rPr lang="en-GB" smtClean="0"/>
-              <a:t>29/12/2018</a:t>
+              <a:t>18/12/2018</a:t>
             </a:fld>
             <a:endParaRPr lang="en-GB"/>
           </a:p>
@@ -12488,7 +11977,7 @@
           <a:p>
             <a:fld id="{EC42A3EE-7AFB-4F73-B39D-FB9AAAE09D70}" type="datetime1">
               <a:rPr lang="en-GB" smtClean="0"/>
-              <a:t>29/12/2018</a:t>
+              <a:t>18/12/2018</a:t>
             </a:fld>
             <a:endParaRPr lang="en-GB"/>
           </a:p>
@@ -12668,7 +12157,7 @@
           <a:p>
             <a:fld id="{297491F8-B1AD-48C8-B450-A9DE8FC9B4BC}" type="datetime1">
               <a:rPr lang="en-GB" smtClean="0"/>
-              <a:t>29/12/2018</a:t>
+              <a:t>18/12/2018</a:t>
             </a:fld>
             <a:endParaRPr lang="en-GB"/>
           </a:p>
@@ -13570,7 +13059,7 @@
           <a:p>
             <a:fld id="{1241B6BE-13A3-40C5-BAF7-2CC773D00FB0}" type="datetime1">
               <a:rPr lang="en-GB" smtClean="0"/>
-              <a:t>29/12/2018</a:t>
+              <a:t>18/12/2018</a:t>
             </a:fld>
             <a:endParaRPr lang="en-GB"/>
           </a:p>
@@ -13814,7 +13303,7 @@
           <a:p>
             <a:fld id="{30A9CCEB-FEAA-4C72-9118-04BDF5966FFB}" type="datetime1">
               <a:rPr lang="en-GB" smtClean="0"/>
-              <a:t>29/12/2018</a:t>
+              <a:t>18/12/2018</a:t>
             </a:fld>
             <a:endParaRPr lang="en-GB"/>
           </a:p>
@@ -14046,7 +13535,7 @@
           <a:p>
             <a:fld id="{DFAB555E-071C-48B6-AB80-445E4540AC68}" type="datetime1">
               <a:rPr lang="en-GB" smtClean="0"/>
-              <a:t>29/12/2018</a:t>
+              <a:t>18/12/2018</a:t>
             </a:fld>
             <a:endParaRPr lang="en-GB"/>
           </a:p>
@@ -14413,7 +13902,7 @@
           <a:p>
             <a:fld id="{71C8195A-F236-4C56-A7B6-A9E3130AE1F9}" type="datetime1">
               <a:rPr lang="en-GB" smtClean="0"/>
-              <a:t>29/12/2018</a:t>
+              <a:t>18/12/2018</a:t>
             </a:fld>
             <a:endParaRPr lang="en-GB"/>
           </a:p>
@@ -14531,7 +14020,7 @@
           <a:p>
             <a:fld id="{2F2BBF01-7E4A-4B0A-98AA-6A611EFD036E}" type="datetime1">
               <a:rPr lang="en-GB" smtClean="0"/>
-              <a:t>29/12/2018</a:t>
+              <a:t>18/12/2018</a:t>
             </a:fld>
             <a:endParaRPr lang="en-GB"/>
           </a:p>
@@ -14626,7 +14115,7 @@
           <a:p>
             <a:fld id="{6EBF66CE-A945-42FA-B1CB-E96DCD998F84}" type="datetime1">
               <a:rPr lang="en-GB" smtClean="0"/>
-              <a:t>29/12/2018</a:t>
+              <a:t>18/12/2018</a:t>
             </a:fld>
             <a:endParaRPr lang="en-GB"/>
           </a:p>
@@ -14903,7 +14392,7 @@
           <a:p>
             <a:fld id="{8E2C1C88-A111-4B14-B38C-BDD24B4F2065}" type="datetime1">
               <a:rPr lang="en-GB" smtClean="0"/>
-              <a:t>29/12/2018</a:t>
+              <a:t>18/12/2018</a:t>
             </a:fld>
             <a:endParaRPr lang="en-GB"/>
           </a:p>
@@ -15160,7 +14649,7 @@
           <a:p>
             <a:fld id="{A033B5E6-D2E8-4024-8FEA-9A34E9CC2096}" type="datetime1">
               <a:rPr lang="en-GB" smtClean="0"/>
-              <a:t>29/12/2018</a:t>
+              <a:t>18/12/2018</a:t>
             </a:fld>
             <a:endParaRPr lang="en-GB"/>
           </a:p>
@@ -15372,7 +14861,7 @@
           <a:p>
             <a:fld id="{86124722-C52C-4725-B554-5890676B8B27}" type="datetime1">
               <a:rPr lang="en-GB" smtClean="0"/>
-              <a:t>29/12/2018</a:t>
+              <a:t>18/12/2018</a:t>
             </a:fld>
             <a:endParaRPr lang="en-GB"/>
           </a:p>
@@ -16599,7 +16088,7 @@
           <p:cNvPr id="2" name="Content Placeholder 1">
             <a:extLst>
               <a:ext uri="{FF2B5EF4-FFF2-40B4-BE49-F238E27FC236}">
-                <a16:creationId xmlns:a16="http://schemas.microsoft.com/office/drawing/2014/main" id="{61284A3C-35C7-47BB-B5EF-3A5AFD39F048}"/>
+                <a16:creationId xmlns:a16="http://schemas.microsoft.com/office/drawing/2014/main" xmlns="" id="{61284A3C-35C7-47BB-B5EF-3A5AFD39F048}"/>
               </a:ext>
             </a:extLst>
           </p:cNvPr>
@@ -16624,7 +16113,7 @@
           <p:cNvPr id="3" name="Content Placeholder 2">
             <a:extLst>
               <a:ext uri="{FF2B5EF4-FFF2-40B4-BE49-F238E27FC236}">
-                <a16:creationId xmlns:a16="http://schemas.microsoft.com/office/drawing/2014/main" id="{75B62007-2099-491F-B9CC-679828859075}"/>
+                <a16:creationId xmlns:a16="http://schemas.microsoft.com/office/drawing/2014/main" xmlns="" id="{75B62007-2099-491F-B9CC-679828859075}"/>
               </a:ext>
             </a:extLst>
           </p:cNvPr>
@@ -16644,47 +16133,37 @@
           </a:p>
         </p:txBody>
       </p:sp>
-      <p:pic>
-        <p:nvPicPr>
-          <p:cNvPr id="8" name="Marcador de Posição de Conteúdo 7">
+      <p:sp>
+        <p:nvSpPr>
+          <p:cNvPr id="4" name="Content Placeholder 3">
             <a:extLst>
               <a:ext uri="{FF2B5EF4-FFF2-40B4-BE49-F238E27FC236}">
-                <a16:creationId xmlns:a16="http://schemas.microsoft.com/office/drawing/2014/main" id="{D57307F2-761F-454D-9762-EAF356FCC061}"/>
+                <a16:creationId xmlns:a16="http://schemas.microsoft.com/office/drawing/2014/main" xmlns="" id="{B573A8A9-0BDE-4B35-955D-A5C9FAFE6755}"/>
               </a:ext>
             </a:extLst>
           </p:cNvPr>
-          <p:cNvPicPr>
-            <a:picLocks noGrp="1" noChangeAspect="1"/>
-          </p:cNvPicPr>
+          <p:cNvSpPr>
+            <a:spLocks noGrp="1"/>
+          </p:cNvSpPr>
           <p:nvPr>
             <p:ph idx="11"/>
           </p:nvPr>
-        </p:nvPicPr>
-        <p:blipFill>
-          <a:blip r:embed="rId2">
-            <a:extLst>
-              <a:ext uri="{28A0092B-C50C-407E-A947-70E740481C1C}">
-                <a14:useLocalDpi xmlns:a14="http://schemas.microsoft.com/office/drawing/2010/main" val="0"/>
-              </a:ext>
-            </a:extLst>
-          </a:blip>
-          <a:stretch>
-            <a:fillRect/>
-          </a:stretch>
-        </p:blipFill>
-        <p:spPr>
-          <a:xfrm>
-            <a:off x="1967430" y="684213"/>
-            <a:ext cx="3367639" cy="3194050"/>
-          </a:xfrm>
-        </p:spPr>
-      </p:pic>
+        </p:nvSpPr>
+        <p:spPr/>
+        <p:txBody>
+          <a:bodyPr/>
+          <a:lstStyle/>
+          <a:p>
+            <a:endParaRPr lang="pt-PT" dirty="0"/>
+          </a:p>
+        </p:txBody>
+      </p:sp>
       <p:sp>
         <p:nvSpPr>
           <p:cNvPr id="5" name="Content Placeholder 4">
             <a:extLst>
               <a:ext uri="{FF2B5EF4-FFF2-40B4-BE49-F238E27FC236}">
-                <a16:creationId xmlns:a16="http://schemas.microsoft.com/office/drawing/2014/main" id="{03F0B0E7-9DC5-4E64-84FC-E41A42350BE1}"/>
+                <a16:creationId xmlns:a16="http://schemas.microsoft.com/office/drawing/2014/main" xmlns="" id="{03F0B0E7-9DC5-4E64-84FC-E41A42350BE1}"/>
               </a:ext>
             </a:extLst>
           </p:cNvPr>
@@ -16709,7 +16188,7 @@
           <p:cNvPr id="6" name="Content Placeholder 5">
             <a:extLst>
               <a:ext uri="{FF2B5EF4-FFF2-40B4-BE49-F238E27FC236}">
-                <a16:creationId xmlns:a16="http://schemas.microsoft.com/office/drawing/2014/main" id="{AAD76EA7-FFDD-4221-8BFA-2CF2F90A53A9}"/>
+                <a16:creationId xmlns:a16="http://schemas.microsoft.com/office/drawing/2014/main" xmlns="" id="{AAD76EA7-FFDD-4221-8BFA-2CF2F90A53A9}"/>
               </a:ext>
             </a:extLst>
           </p:cNvPr>
@@ -16726,14 +16205,168 @@
           <a:lstStyle/>
           <a:p>
             <a:r>
-              <a:rPr lang="pt-PT" dirty="0"/>
-              <a:t>Contactos</a:t>
-            </a:r>
-          </a:p>
-          <a:p>
-            <a:pPr marL="0" indent="0">
-              <a:buNone/>
-            </a:pPr>
+              <a:rPr lang="pt-PT" dirty="0" smtClean="0"/>
+              <a:t>Calendário</a:t>
+            </a:r>
+            <a:endParaRPr lang="pt-PT" dirty="0"/>
+          </a:p>
+        </p:txBody>
+      </p:sp>
+    </p:spTree>
+    <p:extLst>
+      <p:ext uri="{BB962C8B-B14F-4D97-AF65-F5344CB8AC3E}">
+        <p14:creationId xmlns:p14="http://schemas.microsoft.com/office/powerpoint/2010/main" val="1324516063"/>
+      </p:ext>
+    </p:extLst>
+  </p:cSld>
+  <p:clrMapOvr>
+    <a:masterClrMapping/>
+  </p:clrMapOvr>
+</p:sld>
+</file>
+
+<file path=ppt/slides/slide11.xml><?xml version="1.0" encoding="utf-8"?>
+<p:sld xmlns:a="http://schemas.openxmlformats.org/drawingml/2006/main" xmlns:r="http://schemas.openxmlformats.org/officeDocument/2006/relationships" xmlns:p="http://schemas.openxmlformats.org/presentationml/2006/main">
+  <p:cSld>
+    <p:spTree>
+      <p:nvGrpSpPr>
+        <p:cNvPr id="1" name=""/>
+        <p:cNvGrpSpPr/>
+        <p:nvPr/>
+      </p:nvGrpSpPr>
+      <p:grpSpPr>
+        <a:xfrm>
+          <a:off x="0" y="0"/>
+          <a:ext cx="0" cy="0"/>
+          <a:chOff x="0" y="0"/>
+          <a:chExt cx="0" cy="0"/>
+        </a:xfrm>
+      </p:grpSpPr>
+      <p:sp>
+        <p:nvSpPr>
+          <p:cNvPr id="2" name="Content Placeholder 1">
+            <a:extLst>
+              <a:ext uri="{FF2B5EF4-FFF2-40B4-BE49-F238E27FC236}">
+                <a16:creationId xmlns:a16="http://schemas.microsoft.com/office/drawing/2014/main" xmlns="" id="{61284A3C-35C7-47BB-B5EF-3A5AFD39F048}"/>
+              </a:ext>
+            </a:extLst>
+          </p:cNvPr>
+          <p:cNvSpPr>
+            <a:spLocks noGrp="1"/>
+          </p:cNvSpPr>
+          <p:nvPr>
+            <p:ph idx="1"/>
+          </p:nvPr>
+        </p:nvSpPr>
+        <p:spPr/>
+        <p:txBody>
+          <a:bodyPr/>
+          <a:lstStyle/>
+          <a:p>
+            <a:endParaRPr lang="pt-PT" dirty="0"/>
+          </a:p>
+        </p:txBody>
+      </p:sp>
+      <p:sp>
+        <p:nvSpPr>
+          <p:cNvPr id="3" name="Content Placeholder 2">
+            <a:extLst>
+              <a:ext uri="{FF2B5EF4-FFF2-40B4-BE49-F238E27FC236}">
+                <a16:creationId xmlns:a16="http://schemas.microsoft.com/office/drawing/2014/main" xmlns="" id="{75B62007-2099-491F-B9CC-679828859075}"/>
+              </a:ext>
+            </a:extLst>
+          </p:cNvPr>
+          <p:cNvSpPr>
+            <a:spLocks noGrp="1"/>
+          </p:cNvSpPr>
+          <p:nvPr>
+            <p:ph idx="10"/>
+          </p:nvPr>
+        </p:nvSpPr>
+        <p:spPr/>
+        <p:txBody>
+          <a:bodyPr/>
+          <a:lstStyle/>
+          <a:p>
+            <a:endParaRPr lang="pt-PT" dirty="0"/>
+          </a:p>
+        </p:txBody>
+      </p:sp>
+      <p:sp>
+        <p:nvSpPr>
+          <p:cNvPr id="4" name="Content Placeholder 3">
+            <a:extLst>
+              <a:ext uri="{FF2B5EF4-FFF2-40B4-BE49-F238E27FC236}">
+                <a16:creationId xmlns:a16="http://schemas.microsoft.com/office/drawing/2014/main" xmlns="" id="{B573A8A9-0BDE-4B35-955D-A5C9FAFE6755}"/>
+              </a:ext>
+            </a:extLst>
+          </p:cNvPr>
+          <p:cNvSpPr>
+            <a:spLocks noGrp="1"/>
+          </p:cNvSpPr>
+          <p:nvPr>
+            <p:ph idx="11"/>
+          </p:nvPr>
+        </p:nvSpPr>
+        <p:spPr/>
+        <p:txBody>
+          <a:bodyPr/>
+          <a:lstStyle/>
+          <a:p>
+            <a:endParaRPr lang="pt-PT" dirty="0"/>
+          </a:p>
+        </p:txBody>
+      </p:sp>
+      <p:sp>
+        <p:nvSpPr>
+          <p:cNvPr id="5" name="Content Placeholder 4">
+            <a:extLst>
+              <a:ext uri="{FF2B5EF4-FFF2-40B4-BE49-F238E27FC236}">
+                <a16:creationId xmlns:a16="http://schemas.microsoft.com/office/drawing/2014/main" xmlns="" id="{03F0B0E7-9DC5-4E64-84FC-E41A42350BE1}"/>
+              </a:ext>
+            </a:extLst>
+          </p:cNvPr>
+          <p:cNvSpPr>
+            <a:spLocks noGrp="1"/>
+          </p:cNvSpPr>
+          <p:nvPr>
+            <p:ph idx="12"/>
+          </p:nvPr>
+        </p:nvSpPr>
+        <p:spPr/>
+        <p:txBody>
+          <a:bodyPr/>
+          <a:lstStyle/>
+          <a:p>
+            <a:endParaRPr lang="pt-PT" dirty="0"/>
+          </a:p>
+        </p:txBody>
+      </p:sp>
+      <p:sp>
+        <p:nvSpPr>
+          <p:cNvPr id="6" name="Content Placeholder 5">
+            <a:extLst>
+              <a:ext uri="{FF2B5EF4-FFF2-40B4-BE49-F238E27FC236}">
+                <a16:creationId xmlns:a16="http://schemas.microsoft.com/office/drawing/2014/main" xmlns="" id="{AAD76EA7-FFDD-4221-8BFA-2CF2F90A53A9}"/>
+              </a:ext>
+            </a:extLst>
+          </p:cNvPr>
+          <p:cNvSpPr>
+            <a:spLocks noGrp="1"/>
+          </p:cNvSpPr>
+          <p:nvPr>
+            <p:ph idx="13"/>
+          </p:nvPr>
+        </p:nvSpPr>
+        <p:spPr/>
+        <p:txBody>
+          <a:bodyPr/>
+          <a:lstStyle/>
+          <a:p>
+            <a:r>
+              <a:rPr lang="pt-PT" dirty="0" smtClean="0"/>
+              <a:t>Artes</a:t>
+            </a:r>
             <a:endParaRPr lang="pt-PT" dirty="0"/>
           </a:p>
         </p:txBody>
@@ -16742,6 +16375,741 @@
     <p:extLst>
       <p:ext uri="{BB962C8B-B14F-4D97-AF65-F5344CB8AC3E}">
         <p14:creationId xmlns:p14="http://schemas.microsoft.com/office/powerpoint/2010/main" val="3402220871"/>
+      </p:ext>
+    </p:extLst>
+  </p:cSld>
+  <p:clrMapOvr>
+    <a:masterClrMapping/>
+  </p:clrMapOvr>
+</p:sld>
+</file>
+
+<file path=ppt/slides/slide12.xml><?xml version="1.0" encoding="utf-8"?>
+<p:sld xmlns:a="http://schemas.openxmlformats.org/drawingml/2006/main" xmlns:r="http://schemas.openxmlformats.org/officeDocument/2006/relationships" xmlns:p="http://schemas.openxmlformats.org/presentationml/2006/main">
+  <p:cSld>
+    <p:spTree>
+      <p:nvGrpSpPr>
+        <p:cNvPr id="1" name=""/>
+        <p:cNvGrpSpPr/>
+        <p:nvPr/>
+      </p:nvGrpSpPr>
+      <p:grpSpPr>
+        <a:xfrm>
+          <a:off x="0" y="0"/>
+          <a:ext cx="0" cy="0"/>
+          <a:chOff x="0" y="0"/>
+          <a:chExt cx="0" cy="0"/>
+        </a:xfrm>
+      </p:grpSpPr>
+      <p:sp>
+        <p:nvSpPr>
+          <p:cNvPr id="2" name="Content Placeholder 1">
+            <a:extLst>
+              <a:ext uri="{FF2B5EF4-FFF2-40B4-BE49-F238E27FC236}">
+                <a16:creationId xmlns:a16="http://schemas.microsoft.com/office/drawing/2014/main" xmlns="" id="{61284A3C-35C7-47BB-B5EF-3A5AFD39F048}"/>
+              </a:ext>
+            </a:extLst>
+          </p:cNvPr>
+          <p:cNvSpPr>
+            <a:spLocks noGrp="1"/>
+          </p:cNvSpPr>
+          <p:nvPr>
+            <p:ph idx="1"/>
+          </p:nvPr>
+        </p:nvSpPr>
+        <p:spPr/>
+        <p:txBody>
+          <a:bodyPr/>
+          <a:lstStyle/>
+          <a:p>
+            <a:endParaRPr lang="pt-PT" dirty="0"/>
+          </a:p>
+        </p:txBody>
+      </p:sp>
+      <p:sp>
+        <p:nvSpPr>
+          <p:cNvPr id="3" name="Content Placeholder 2">
+            <a:extLst>
+              <a:ext uri="{FF2B5EF4-FFF2-40B4-BE49-F238E27FC236}">
+                <a16:creationId xmlns:a16="http://schemas.microsoft.com/office/drawing/2014/main" xmlns="" id="{75B62007-2099-491F-B9CC-679828859075}"/>
+              </a:ext>
+            </a:extLst>
+          </p:cNvPr>
+          <p:cNvSpPr>
+            <a:spLocks noGrp="1"/>
+          </p:cNvSpPr>
+          <p:nvPr>
+            <p:ph idx="10"/>
+          </p:nvPr>
+        </p:nvSpPr>
+        <p:spPr/>
+        <p:txBody>
+          <a:bodyPr/>
+          <a:lstStyle/>
+          <a:p>
+            <a:endParaRPr lang="pt-PT" dirty="0"/>
+          </a:p>
+        </p:txBody>
+      </p:sp>
+      <p:sp>
+        <p:nvSpPr>
+          <p:cNvPr id="4" name="Content Placeholder 3">
+            <a:extLst>
+              <a:ext uri="{FF2B5EF4-FFF2-40B4-BE49-F238E27FC236}">
+                <a16:creationId xmlns:a16="http://schemas.microsoft.com/office/drawing/2014/main" xmlns="" id="{B573A8A9-0BDE-4B35-955D-A5C9FAFE6755}"/>
+              </a:ext>
+            </a:extLst>
+          </p:cNvPr>
+          <p:cNvSpPr>
+            <a:spLocks noGrp="1"/>
+          </p:cNvSpPr>
+          <p:nvPr>
+            <p:ph idx="11"/>
+          </p:nvPr>
+        </p:nvSpPr>
+        <p:spPr/>
+        <p:txBody>
+          <a:bodyPr/>
+          <a:lstStyle/>
+          <a:p>
+            <a:endParaRPr lang="pt-PT" dirty="0"/>
+          </a:p>
+        </p:txBody>
+      </p:sp>
+      <p:sp>
+        <p:nvSpPr>
+          <p:cNvPr id="5" name="Content Placeholder 4">
+            <a:extLst>
+              <a:ext uri="{FF2B5EF4-FFF2-40B4-BE49-F238E27FC236}">
+                <a16:creationId xmlns:a16="http://schemas.microsoft.com/office/drawing/2014/main" xmlns="" id="{03F0B0E7-9DC5-4E64-84FC-E41A42350BE1}"/>
+              </a:ext>
+            </a:extLst>
+          </p:cNvPr>
+          <p:cNvSpPr>
+            <a:spLocks noGrp="1"/>
+          </p:cNvSpPr>
+          <p:nvPr>
+            <p:ph idx="12"/>
+          </p:nvPr>
+        </p:nvSpPr>
+        <p:spPr/>
+        <p:txBody>
+          <a:bodyPr/>
+          <a:lstStyle/>
+          <a:p>
+            <a:endParaRPr lang="pt-PT" dirty="0"/>
+          </a:p>
+        </p:txBody>
+      </p:sp>
+      <p:sp>
+        <p:nvSpPr>
+          <p:cNvPr id="6" name="Content Placeholder 5">
+            <a:extLst>
+              <a:ext uri="{FF2B5EF4-FFF2-40B4-BE49-F238E27FC236}">
+                <a16:creationId xmlns:a16="http://schemas.microsoft.com/office/drawing/2014/main" xmlns="" id="{AAD76EA7-FFDD-4221-8BFA-2CF2F90A53A9}"/>
+              </a:ext>
+            </a:extLst>
+          </p:cNvPr>
+          <p:cNvSpPr>
+            <a:spLocks noGrp="1"/>
+          </p:cNvSpPr>
+          <p:nvPr>
+            <p:ph idx="13"/>
+          </p:nvPr>
+        </p:nvSpPr>
+        <p:spPr/>
+        <p:txBody>
+          <a:bodyPr/>
+          <a:lstStyle/>
+          <a:p>
+            <a:r>
+              <a:rPr lang="pt-PT" dirty="0" smtClean="0"/>
+              <a:t>Música</a:t>
+            </a:r>
+            <a:endParaRPr lang="pt-PT" dirty="0"/>
+          </a:p>
+        </p:txBody>
+      </p:sp>
+    </p:spTree>
+    <p:extLst>
+      <p:ext uri="{BB962C8B-B14F-4D97-AF65-F5344CB8AC3E}">
+        <p14:creationId xmlns:p14="http://schemas.microsoft.com/office/powerpoint/2010/main" val="4011758723"/>
+      </p:ext>
+    </p:extLst>
+  </p:cSld>
+  <p:clrMapOvr>
+    <a:masterClrMapping/>
+  </p:clrMapOvr>
+</p:sld>
+</file>
+
+<file path=ppt/slides/slide13.xml><?xml version="1.0" encoding="utf-8"?>
+<p:sld xmlns:a="http://schemas.openxmlformats.org/drawingml/2006/main" xmlns:r="http://schemas.openxmlformats.org/officeDocument/2006/relationships" xmlns:p="http://schemas.openxmlformats.org/presentationml/2006/main">
+  <p:cSld>
+    <p:spTree>
+      <p:nvGrpSpPr>
+        <p:cNvPr id="1" name=""/>
+        <p:cNvGrpSpPr/>
+        <p:nvPr/>
+      </p:nvGrpSpPr>
+      <p:grpSpPr>
+        <a:xfrm>
+          <a:off x="0" y="0"/>
+          <a:ext cx="0" cy="0"/>
+          <a:chOff x="0" y="0"/>
+          <a:chExt cx="0" cy="0"/>
+        </a:xfrm>
+      </p:grpSpPr>
+      <p:sp>
+        <p:nvSpPr>
+          <p:cNvPr id="2" name="Marcador de Posição de Conteúdo 1"/>
+          <p:cNvSpPr>
+            <a:spLocks noGrp="1"/>
+          </p:cNvSpPr>
+          <p:nvPr>
+            <p:ph idx="1"/>
+          </p:nvPr>
+        </p:nvSpPr>
+        <p:spPr/>
+        <p:txBody>
+          <a:bodyPr/>
+          <a:lstStyle/>
+          <a:p>
+            <a:endParaRPr lang="pt-PT"/>
+          </a:p>
+        </p:txBody>
+      </p:sp>
+      <p:sp>
+        <p:nvSpPr>
+          <p:cNvPr id="3" name="Marcador de Posição de Conteúdo 2"/>
+          <p:cNvSpPr>
+            <a:spLocks noGrp="1"/>
+          </p:cNvSpPr>
+          <p:nvPr>
+            <p:ph idx="10"/>
+          </p:nvPr>
+        </p:nvSpPr>
+        <p:spPr/>
+        <p:txBody>
+          <a:bodyPr/>
+          <a:lstStyle/>
+          <a:p>
+            <a:endParaRPr lang="pt-PT"/>
+          </a:p>
+        </p:txBody>
+      </p:sp>
+      <p:sp>
+        <p:nvSpPr>
+          <p:cNvPr id="4" name="Marcador de Posição de Conteúdo 3"/>
+          <p:cNvSpPr>
+            <a:spLocks noGrp="1"/>
+          </p:cNvSpPr>
+          <p:nvPr>
+            <p:ph idx="11"/>
+          </p:nvPr>
+        </p:nvSpPr>
+        <p:spPr/>
+        <p:txBody>
+          <a:bodyPr/>
+          <a:lstStyle/>
+          <a:p>
+            <a:endParaRPr lang="pt-PT"/>
+          </a:p>
+        </p:txBody>
+      </p:sp>
+      <p:sp>
+        <p:nvSpPr>
+          <p:cNvPr id="5" name="Marcador de Posição de Conteúdo 4"/>
+          <p:cNvSpPr>
+            <a:spLocks noGrp="1"/>
+          </p:cNvSpPr>
+          <p:nvPr>
+            <p:ph idx="12"/>
+          </p:nvPr>
+        </p:nvSpPr>
+        <p:spPr/>
+        <p:txBody>
+          <a:bodyPr/>
+          <a:lstStyle/>
+          <a:p>
+            <a:endParaRPr lang="pt-PT"/>
+          </a:p>
+        </p:txBody>
+      </p:sp>
+      <p:sp>
+        <p:nvSpPr>
+          <p:cNvPr id="6" name="Marcador de Posição de Conteúdo 5"/>
+          <p:cNvSpPr>
+            <a:spLocks noGrp="1"/>
+          </p:cNvSpPr>
+          <p:nvPr>
+            <p:ph idx="13"/>
+          </p:nvPr>
+        </p:nvSpPr>
+        <p:spPr/>
+        <p:txBody>
+          <a:bodyPr/>
+          <a:lstStyle/>
+          <a:p>
+            <a:r>
+              <a:rPr lang="pt-PT" dirty="0" smtClean="0"/>
+              <a:t>Noite</a:t>
+            </a:r>
+            <a:endParaRPr lang="pt-PT" dirty="0"/>
+          </a:p>
+        </p:txBody>
+      </p:sp>
+    </p:spTree>
+    <p:extLst>
+      <p:ext uri="{BB962C8B-B14F-4D97-AF65-F5344CB8AC3E}">
+        <p14:creationId xmlns:p14="http://schemas.microsoft.com/office/powerpoint/2010/main" val="145047405"/>
+      </p:ext>
+    </p:extLst>
+  </p:cSld>
+  <p:clrMapOvr>
+    <a:masterClrMapping/>
+  </p:clrMapOvr>
+</p:sld>
+</file>
+
+<file path=ppt/slides/slide14.xml><?xml version="1.0" encoding="utf-8"?>
+<p:sld xmlns:a="http://schemas.openxmlformats.org/drawingml/2006/main" xmlns:r="http://schemas.openxmlformats.org/officeDocument/2006/relationships" xmlns:p="http://schemas.openxmlformats.org/presentationml/2006/main">
+  <p:cSld>
+    <p:spTree>
+      <p:nvGrpSpPr>
+        <p:cNvPr id="1" name=""/>
+        <p:cNvGrpSpPr/>
+        <p:nvPr/>
+      </p:nvGrpSpPr>
+      <p:grpSpPr>
+        <a:xfrm>
+          <a:off x="0" y="0"/>
+          <a:ext cx="0" cy="0"/>
+          <a:chOff x="0" y="0"/>
+          <a:chExt cx="0" cy="0"/>
+        </a:xfrm>
+      </p:grpSpPr>
+      <p:sp>
+        <p:nvSpPr>
+          <p:cNvPr id="2" name="Content Placeholder 1">
+            <a:extLst>
+              <a:ext uri="{FF2B5EF4-FFF2-40B4-BE49-F238E27FC236}">
+                <a16:creationId xmlns:a16="http://schemas.microsoft.com/office/drawing/2014/main" xmlns="" id="{61284A3C-35C7-47BB-B5EF-3A5AFD39F048}"/>
+              </a:ext>
+            </a:extLst>
+          </p:cNvPr>
+          <p:cNvSpPr>
+            <a:spLocks noGrp="1"/>
+          </p:cNvSpPr>
+          <p:nvPr>
+            <p:ph idx="1"/>
+          </p:nvPr>
+        </p:nvSpPr>
+        <p:spPr/>
+        <p:txBody>
+          <a:bodyPr/>
+          <a:lstStyle/>
+          <a:p>
+            <a:endParaRPr lang="pt-PT" dirty="0"/>
+          </a:p>
+        </p:txBody>
+      </p:sp>
+      <p:sp>
+        <p:nvSpPr>
+          <p:cNvPr id="3" name="Content Placeholder 2">
+            <a:extLst>
+              <a:ext uri="{FF2B5EF4-FFF2-40B4-BE49-F238E27FC236}">
+                <a16:creationId xmlns:a16="http://schemas.microsoft.com/office/drawing/2014/main" xmlns="" id="{75B62007-2099-491F-B9CC-679828859075}"/>
+              </a:ext>
+            </a:extLst>
+          </p:cNvPr>
+          <p:cNvSpPr>
+            <a:spLocks noGrp="1"/>
+          </p:cNvSpPr>
+          <p:nvPr>
+            <p:ph idx="10"/>
+          </p:nvPr>
+        </p:nvSpPr>
+        <p:spPr/>
+        <p:txBody>
+          <a:bodyPr/>
+          <a:lstStyle/>
+          <a:p>
+            <a:endParaRPr lang="pt-PT" dirty="0"/>
+          </a:p>
+        </p:txBody>
+      </p:sp>
+      <p:sp>
+        <p:nvSpPr>
+          <p:cNvPr id="4" name="Content Placeholder 3">
+            <a:extLst>
+              <a:ext uri="{FF2B5EF4-FFF2-40B4-BE49-F238E27FC236}">
+                <a16:creationId xmlns:a16="http://schemas.microsoft.com/office/drawing/2014/main" xmlns="" id="{B573A8A9-0BDE-4B35-955D-A5C9FAFE6755}"/>
+              </a:ext>
+            </a:extLst>
+          </p:cNvPr>
+          <p:cNvSpPr>
+            <a:spLocks noGrp="1"/>
+          </p:cNvSpPr>
+          <p:nvPr>
+            <p:ph idx="11"/>
+          </p:nvPr>
+        </p:nvSpPr>
+        <p:spPr/>
+        <p:txBody>
+          <a:bodyPr/>
+          <a:lstStyle/>
+          <a:p>
+            <a:endParaRPr lang="pt-PT" dirty="0"/>
+          </a:p>
+        </p:txBody>
+      </p:sp>
+      <p:sp>
+        <p:nvSpPr>
+          <p:cNvPr id="5" name="Content Placeholder 4">
+            <a:extLst>
+              <a:ext uri="{FF2B5EF4-FFF2-40B4-BE49-F238E27FC236}">
+                <a16:creationId xmlns:a16="http://schemas.microsoft.com/office/drawing/2014/main" xmlns="" id="{03F0B0E7-9DC5-4E64-84FC-E41A42350BE1}"/>
+              </a:ext>
+            </a:extLst>
+          </p:cNvPr>
+          <p:cNvSpPr>
+            <a:spLocks noGrp="1"/>
+          </p:cNvSpPr>
+          <p:nvPr>
+            <p:ph idx="12"/>
+          </p:nvPr>
+        </p:nvSpPr>
+        <p:spPr/>
+        <p:txBody>
+          <a:bodyPr/>
+          <a:lstStyle/>
+          <a:p>
+            <a:endParaRPr lang="pt-PT" dirty="0"/>
+          </a:p>
+        </p:txBody>
+      </p:sp>
+      <p:sp>
+        <p:nvSpPr>
+          <p:cNvPr id="6" name="Content Placeholder 5">
+            <a:extLst>
+              <a:ext uri="{FF2B5EF4-FFF2-40B4-BE49-F238E27FC236}">
+                <a16:creationId xmlns:a16="http://schemas.microsoft.com/office/drawing/2014/main" xmlns="" id="{AAD76EA7-FFDD-4221-8BFA-2CF2F90A53A9}"/>
+              </a:ext>
+            </a:extLst>
+          </p:cNvPr>
+          <p:cNvSpPr>
+            <a:spLocks noGrp="1"/>
+          </p:cNvSpPr>
+          <p:nvPr>
+            <p:ph idx="13"/>
+          </p:nvPr>
+        </p:nvSpPr>
+        <p:spPr/>
+        <p:txBody>
+          <a:bodyPr/>
+          <a:lstStyle/>
+          <a:p>
+            <a:r>
+              <a:rPr lang="pt-PT" dirty="0" smtClean="0"/>
+              <a:t>Cultura</a:t>
+            </a:r>
+            <a:endParaRPr lang="pt-PT" dirty="0"/>
+          </a:p>
+        </p:txBody>
+      </p:sp>
+    </p:spTree>
+    <p:extLst>
+      <p:ext uri="{BB962C8B-B14F-4D97-AF65-F5344CB8AC3E}">
+        <p14:creationId xmlns:p14="http://schemas.microsoft.com/office/powerpoint/2010/main" val="3944840309"/>
+      </p:ext>
+    </p:extLst>
+  </p:cSld>
+  <p:clrMapOvr>
+    <a:masterClrMapping/>
+  </p:clrMapOvr>
+</p:sld>
+</file>
+
+<file path=ppt/slides/slide15.xml><?xml version="1.0" encoding="utf-8"?>
+<p:sld xmlns:a="http://schemas.openxmlformats.org/drawingml/2006/main" xmlns:r="http://schemas.openxmlformats.org/officeDocument/2006/relationships" xmlns:p="http://schemas.openxmlformats.org/presentationml/2006/main">
+  <p:cSld>
+    <p:spTree>
+      <p:nvGrpSpPr>
+        <p:cNvPr id="1" name=""/>
+        <p:cNvGrpSpPr/>
+        <p:nvPr/>
+      </p:nvGrpSpPr>
+      <p:grpSpPr>
+        <a:xfrm>
+          <a:off x="0" y="0"/>
+          <a:ext cx="0" cy="0"/>
+          <a:chOff x="0" y="0"/>
+          <a:chExt cx="0" cy="0"/>
+        </a:xfrm>
+      </p:grpSpPr>
+      <p:sp>
+        <p:nvSpPr>
+          <p:cNvPr id="2" name="Content Placeholder 1">
+            <a:extLst>
+              <a:ext uri="{FF2B5EF4-FFF2-40B4-BE49-F238E27FC236}">
+                <a16:creationId xmlns:a16="http://schemas.microsoft.com/office/drawing/2014/main" xmlns="" id="{61284A3C-35C7-47BB-B5EF-3A5AFD39F048}"/>
+              </a:ext>
+            </a:extLst>
+          </p:cNvPr>
+          <p:cNvSpPr>
+            <a:spLocks noGrp="1"/>
+          </p:cNvSpPr>
+          <p:nvPr>
+            <p:ph idx="1"/>
+          </p:nvPr>
+        </p:nvSpPr>
+        <p:spPr/>
+        <p:txBody>
+          <a:bodyPr/>
+          <a:lstStyle/>
+          <a:p>
+            <a:endParaRPr lang="pt-PT" dirty="0"/>
+          </a:p>
+        </p:txBody>
+      </p:sp>
+      <p:sp>
+        <p:nvSpPr>
+          <p:cNvPr id="3" name="Content Placeholder 2">
+            <a:extLst>
+              <a:ext uri="{FF2B5EF4-FFF2-40B4-BE49-F238E27FC236}">
+                <a16:creationId xmlns:a16="http://schemas.microsoft.com/office/drawing/2014/main" xmlns="" id="{75B62007-2099-491F-B9CC-679828859075}"/>
+              </a:ext>
+            </a:extLst>
+          </p:cNvPr>
+          <p:cNvSpPr>
+            <a:spLocks noGrp="1"/>
+          </p:cNvSpPr>
+          <p:nvPr>
+            <p:ph idx="10"/>
+          </p:nvPr>
+        </p:nvSpPr>
+        <p:spPr/>
+        <p:txBody>
+          <a:bodyPr/>
+          <a:lstStyle/>
+          <a:p>
+            <a:endParaRPr lang="pt-PT" dirty="0"/>
+          </a:p>
+        </p:txBody>
+      </p:sp>
+      <p:sp>
+        <p:nvSpPr>
+          <p:cNvPr id="4" name="Content Placeholder 3">
+            <a:extLst>
+              <a:ext uri="{FF2B5EF4-FFF2-40B4-BE49-F238E27FC236}">
+                <a16:creationId xmlns:a16="http://schemas.microsoft.com/office/drawing/2014/main" xmlns="" id="{B573A8A9-0BDE-4B35-955D-A5C9FAFE6755}"/>
+              </a:ext>
+            </a:extLst>
+          </p:cNvPr>
+          <p:cNvSpPr>
+            <a:spLocks noGrp="1"/>
+          </p:cNvSpPr>
+          <p:nvPr>
+            <p:ph idx="11"/>
+          </p:nvPr>
+        </p:nvSpPr>
+        <p:spPr/>
+        <p:txBody>
+          <a:bodyPr/>
+          <a:lstStyle/>
+          <a:p>
+            <a:endParaRPr lang="pt-PT" dirty="0"/>
+          </a:p>
+        </p:txBody>
+      </p:sp>
+      <p:sp>
+        <p:nvSpPr>
+          <p:cNvPr id="5" name="Content Placeholder 4">
+            <a:extLst>
+              <a:ext uri="{FF2B5EF4-FFF2-40B4-BE49-F238E27FC236}">
+                <a16:creationId xmlns:a16="http://schemas.microsoft.com/office/drawing/2014/main" xmlns="" id="{03F0B0E7-9DC5-4E64-84FC-E41A42350BE1}"/>
+              </a:ext>
+            </a:extLst>
+          </p:cNvPr>
+          <p:cNvSpPr>
+            <a:spLocks noGrp="1"/>
+          </p:cNvSpPr>
+          <p:nvPr>
+            <p:ph idx="12"/>
+          </p:nvPr>
+        </p:nvSpPr>
+        <p:spPr/>
+        <p:txBody>
+          <a:bodyPr/>
+          <a:lstStyle/>
+          <a:p>
+            <a:endParaRPr lang="pt-PT" dirty="0"/>
+          </a:p>
+        </p:txBody>
+      </p:sp>
+      <p:sp>
+        <p:nvSpPr>
+          <p:cNvPr id="6" name="Content Placeholder 5">
+            <a:extLst>
+              <a:ext uri="{FF2B5EF4-FFF2-40B4-BE49-F238E27FC236}">
+                <a16:creationId xmlns:a16="http://schemas.microsoft.com/office/drawing/2014/main" xmlns="" id="{AAD76EA7-FFDD-4221-8BFA-2CF2F90A53A9}"/>
+              </a:ext>
+            </a:extLst>
+          </p:cNvPr>
+          <p:cNvSpPr>
+            <a:spLocks noGrp="1"/>
+          </p:cNvSpPr>
+          <p:nvPr>
+            <p:ph idx="13"/>
+          </p:nvPr>
+        </p:nvSpPr>
+        <p:spPr/>
+        <p:txBody>
+          <a:bodyPr/>
+          <a:lstStyle/>
+          <a:p>
+            <a:r>
+              <a:rPr lang="pt-PT" dirty="0" smtClean="0"/>
+              <a:t>Desporto </a:t>
+            </a:r>
+            <a:endParaRPr lang="pt-PT" dirty="0"/>
+          </a:p>
+        </p:txBody>
+      </p:sp>
+    </p:spTree>
+    <p:extLst>
+      <p:ext uri="{BB962C8B-B14F-4D97-AF65-F5344CB8AC3E}">
+        <p14:creationId xmlns:p14="http://schemas.microsoft.com/office/powerpoint/2010/main" val="3201941665"/>
+      </p:ext>
+    </p:extLst>
+  </p:cSld>
+  <p:clrMapOvr>
+    <a:masterClrMapping/>
+  </p:clrMapOvr>
+</p:sld>
+</file>
+
+<file path=ppt/slides/slide16.xml><?xml version="1.0" encoding="utf-8"?>
+<p:sld xmlns:a="http://schemas.openxmlformats.org/drawingml/2006/main" xmlns:r="http://schemas.openxmlformats.org/officeDocument/2006/relationships" xmlns:p="http://schemas.openxmlformats.org/presentationml/2006/main">
+  <p:cSld>
+    <p:spTree>
+      <p:nvGrpSpPr>
+        <p:cNvPr id="1" name=""/>
+        <p:cNvGrpSpPr/>
+        <p:nvPr/>
+      </p:nvGrpSpPr>
+      <p:grpSpPr>
+        <a:xfrm>
+          <a:off x="0" y="0"/>
+          <a:ext cx="0" cy="0"/>
+          <a:chOff x="0" y="0"/>
+          <a:chExt cx="0" cy="0"/>
+        </a:xfrm>
+      </p:grpSpPr>
+      <p:sp>
+        <p:nvSpPr>
+          <p:cNvPr id="2" name="Marcador de Posição de Conteúdo 1"/>
+          <p:cNvSpPr>
+            <a:spLocks noGrp="1"/>
+          </p:cNvSpPr>
+          <p:nvPr>
+            <p:ph idx="1"/>
+          </p:nvPr>
+        </p:nvSpPr>
+        <p:spPr/>
+        <p:txBody>
+          <a:bodyPr/>
+          <a:lstStyle/>
+          <a:p>
+            <a:endParaRPr lang="pt-PT"/>
+          </a:p>
+        </p:txBody>
+      </p:sp>
+      <p:sp>
+        <p:nvSpPr>
+          <p:cNvPr id="3" name="Marcador de Posição de Conteúdo 2"/>
+          <p:cNvSpPr>
+            <a:spLocks noGrp="1"/>
+          </p:cNvSpPr>
+          <p:nvPr>
+            <p:ph idx="10"/>
+          </p:nvPr>
+        </p:nvSpPr>
+        <p:spPr/>
+        <p:txBody>
+          <a:bodyPr/>
+          <a:lstStyle/>
+          <a:p>
+            <a:endParaRPr lang="pt-PT"/>
+          </a:p>
+        </p:txBody>
+      </p:sp>
+      <p:sp>
+        <p:nvSpPr>
+          <p:cNvPr id="4" name="Marcador de Posição de Conteúdo 3"/>
+          <p:cNvSpPr>
+            <a:spLocks noGrp="1"/>
+          </p:cNvSpPr>
+          <p:nvPr>
+            <p:ph idx="11"/>
+          </p:nvPr>
+        </p:nvSpPr>
+        <p:spPr/>
+        <p:txBody>
+          <a:bodyPr/>
+          <a:lstStyle/>
+          <a:p>
+            <a:endParaRPr lang="pt-PT"/>
+          </a:p>
+        </p:txBody>
+      </p:sp>
+      <p:sp>
+        <p:nvSpPr>
+          <p:cNvPr id="5" name="Marcador de Posição de Conteúdo 4"/>
+          <p:cNvSpPr>
+            <a:spLocks noGrp="1"/>
+          </p:cNvSpPr>
+          <p:nvPr>
+            <p:ph idx="12"/>
+          </p:nvPr>
+        </p:nvSpPr>
+        <p:spPr/>
+        <p:txBody>
+          <a:bodyPr/>
+          <a:lstStyle/>
+          <a:p>
+            <a:endParaRPr lang="pt-PT"/>
+          </a:p>
+        </p:txBody>
+      </p:sp>
+      <p:sp>
+        <p:nvSpPr>
+          <p:cNvPr id="6" name="Marcador de Posição de Conteúdo 5"/>
+          <p:cNvSpPr>
+            <a:spLocks noGrp="1"/>
+          </p:cNvSpPr>
+          <p:nvPr>
+            <p:ph idx="13"/>
+          </p:nvPr>
+        </p:nvSpPr>
+        <p:spPr/>
+        <p:txBody>
+          <a:bodyPr/>
+          <a:lstStyle/>
+          <a:p>
+            <a:r>
+              <a:rPr lang="pt-PT" dirty="0" smtClean="0"/>
+              <a:t>Em destaque</a:t>
+            </a:r>
+            <a:endParaRPr lang="pt-PT" dirty="0"/>
+          </a:p>
+        </p:txBody>
+      </p:sp>
+    </p:spTree>
+    <p:extLst>
+      <p:ext uri="{BB962C8B-B14F-4D97-AF65-F5344CB8AC3E}">
+        <p14:creationId xmlns:p14="http://schemas.microsoft.com/office/powerpoint/2010/main" val="1369871826"/>
       </p:ext>
     </p:extLst>
   </p:cSld>
@@ -16799,7 +17167,7 @@
           <p:cNvPr id="6" name="Content Placeholder 5">
             <a:extLst>
               <a:ext uri="{FF2B5EF4-FFF2-40B4-BE49-F238E27FC236}">
-                <a16:creationId xmlns:a16="http://schemas.microsoft.com/office/drawing/2014/main" id="{D2F8EBE6-665F-4846-A148-9D6DDE6E6817}"/>
+                <a16:creationId xmlns:a16="http://schemas.microsoft.com/office/drawing/2014/main" xmlns="" id="{D2F8EBE6-665F-4846-A148-9D6DDE6E6817}"/>
               </a:ext>
             </a:extLst>
           </p:cNvPr>
@@ -17012,7 +17380,7 @@
           <p:cNvPr id="7" name="Content Placeholder 6">
             <a:extLst>
               <a:ext uri="{FF2B5EF4-FFF2-40B4-BE49-F238E27FC236}">
-                <a16:creationId xmlns:a16="http://schemas.microsoft.com/office/drawing/2014/main" id="{6A3312CD-3A32-4B92-800D-BCF4662960EA}"/>
+                <a16:creationId xmlns:a16="http://schemas.microsoft.com/office/drawing/2014/main" xmlns="" id="{6A3312CD-3A32-4B92-800D-BCF4662960EA}"/>
               </a:ext>
             </a:extLst>
           </p:cNvPr>
@@ -17050,7 +17418,7 @@
           <p:cNvPr id="4" name="Picture 3">
             <a:extLst>
               <a:ext uri="{FF2B5EF4-FFF2-40B4-BE49-F238E27FC236}">
-                <a16:creationId xmlns:a16="http://schemas.microsoft.com/office/drawing/2014/main" id="{6B77C82E-A7D5-43FA-B0E1-FABD1A26BE05}"/>
+                <a16:creationId xmlns:a16="http://schemas.microsoft.com/office/drawing/2014/main" xmlns="" id="{6B77C82E-A7D5-43FA-B0E1-FABD1A26BE05}"/>
               </a:ext>
             </a:extLst>
           </p:cNvPr>
@@ -17109,7 +17477,7 @@
           <p:cNvPr id="2" name="Title 1">
             <a:extLst>
               <a:ext uri="{FF2B5EF4-FFF2-40B4-BE49-F238E27FC236}">
-                <a16:creationId xmlns:a16="http://schemas.microsoft.com/office/drawing/2014/main" id="{146D3ED9-1C44-49AB-9A69-32D9A044581F}"/>
+                <a16:creationId xmlns:a16="http://schemas.microsoft.com/office/drawing/2014/main" xmlns="" id="{146D3ED9-1C44-49AB-9A69-32D9A044581F}"/>
               </a:ext>
             </a:extLst>
           </p:cNvPr>
@@ -17137,7 +17505,7 @@
           <p:cNvPr id="3" name="Content Placeholder 2">
             <a:extLst>
               <a:ext uri="{FF2B5EF4-FFF2-40B4-BE49-F238E27FC236}">
-                <a16:creationId xmlns:a16="http://schemas.microsoft.com/office/drawing/2014/main" id="{976A4E5C-F24A-4C41-A632-95938F25BA18}"/>
+                <a16:creationId xmlns:a16="http://schemas.microsoft.com/office/drawing/2014/main" xmlns="" id="{976A4E5C-F24A-4C41-A632-95938F25BA18}"/>
               </a:ext>
             </a:extLst>
           </p:cNvPr>
@@ -17207,7 +17575,7 @@
           <p:cNvPr id="4" name="Slide Number Placeholder 3">
             <a:extLst>
               <a:ext uri="{FF2B5EF4-FFF2-40B4-BE49-F238E27FC236}">
-                <a16:creationId xmlns:a16="http://schemas.microsoft.com/office/drawing/2014/main" id="{B255EC2C-DA39-47EF-81AE-82C02C61A452}"/>
+                <a16:creationId xmlns:a16="http://schemas.microsoft.com/office/drawing/2014/main" xmlns="" id="{B255EC2C-DA39-47EF-81AE-82C02C61A452}"/>
               </a:ext>
             </a:extLst>
           </p:cNvPr>
@@ -17266,7 +17634,7 @@
           <p:cNvPr id="7" name="Diagram 4">
             <a:extLst>
               <a:ext uri="{FF2B5EF4-FFF2-40B4-BE49-F238E27FC236}">
-                <a16:creationId xmlns:a16="http://schemas.microsoft.com/office/drawing/2014/main" id="{26FDAC6F-257B-4A6D-9996-585B03A417C8}"/>
+                <a16:creationId xmlns:a16="http://schemas.microsoft.com/office/drawing/2014/main" xmlns="" id="{26FDAC6F-257B-4A6D-9996-585B03A417C8}"/>
               </a:ext>
             </a:extLst>
           </p:cNvPr>
@@ -17274,7 +17642,7 @@
           <p:nvPr>
             <p:extLst>
               <p:ext uri="{D42A27DB-BD31-4B8C-83A1-F6EECF244321}">
-                <p14:modId xmlns:p14="http://schemas.microsoft.com/office/powerpoint/2010/main" val="1970065881"/>
+                <p14:modId xmlns:p14="http://schemas.microsoft.com/office/powerpoint/2010/main" val="272399959"/>
               </p:ext>
             </p:extLst>
           </p:nvPr>
@@ -17324,7 +17692,7 @@
           <p:cNvPr id="2" name="Content Placeholder 1">
             <a:extLst>
               <a:ext uri="{FF2B5EF4-FFF2-40B4-BE49-F238E27FC236}">
-                <a16:creationId xmlns:a16="http://schemas.microsoft.com/office/drawing/2014/main" id="{61284A3C-35C7-47BB-B5EF-3A5AFD39F048}"/>
+                <a16:creationId xmlns:a16="http://schemas.microsoft.com/office/drawing/2014/main" xmlns="" id="{61284A3C-35C7-47BB-B5EF-3A5AFD39F048}"/>
               </a:ext>
             </a:extLst>
           </p:cNvPr>
@@ -17340,7 +17708,70 @@
           <a:bodyPr/>
           <a:lstStyle/>
           <a:p>
-            <a:endParaRPr lang="pt-PT" dirty="0"/>
+            <a:r>
+              <a:rPr lang="pt-PT" dirty="0">
+                <a:hlinkClick r:id="rId2"/>
+              </a:rPr>
+              <a:t>https://</a:t>
+            </a:r>
+            <a:r>
+              <a:rPr lang="pt-PT" dirty="0" smtClean="0">
+                <a:hlinkClick r:id="rId2"/>
+              </a:rPr>
+              <a:t>pt.wikipedia.org/wiki/Castelo_Branco</a:t>
+            </a:r>
+            <a:endParaRPr lang="pt-PT" dirty="0" smtClean="0"/>
+          </a:p>
+          <a:p>
+            <a:r>
+              <a:rPr lang="pt-PT" dirty="0">
+                <a:hlinkClick r:id="rId3"/>
+              </a:rPr>
+              <a:t>https://turismodocentro.pt/artigo-regiao/serra-da-estrela</a:t>
+            </a:r>
+            <a:r>
+              <a:rPr lang="pt-PT" dirty="0" smtClean="0">
+                <a:hlinkClick r:id="rId3"/>
+              </a:rPr>
+              <a:t>/</a:t>
+            </a:r>
+            <a:endParaRPr lang="pt-PT" dirty="0" smtClean="0"/>
+          </a:p>
+          <a:p>
+            <a:r>
+              <a:rPr lang="pt-PT" dirty="0">
+                <a:hlinkClick r:id="rId4"/>
+              </a:rPr>
+              <a:t>http://www.anil.pt/?</a:t>
+            </a:r>
+            <a:r>
+              <a:rPr lang="pt-PT" dirty="0" smtClean="0">
+                <a:hlinkClick r:id="rId4"/>
+              </a:rPr>
+              <a:t>cix=883</a:t>
+            </a:r>
+            <a:endParaRPr lang="pt-PT" dirty="0" smtClean="0"/>
+          </a:p>
+          <a:p>
+            <a:r>
+              <a:rPr lang="pt-PT" dirty="0" smtClean="0">
+                <a:hlinkClick r:id="rId5"/>
+              </a:rPr>
+              <a:t>https</a:t>
+            </a:r>
+            <a:r>
+              <a:rPr lang="pt-PT" dirty="0">
+                <a:hlinkClick r:id="rId5"/>
+              </a:rPr>
+              <a:t>://www.ubi.pt</a:t>
+            </a:r>
+            <a:r>
+              <a:rPr lang="pt-PT" dirty="0" smtClean="0">
+                <a:hlinkClick r:id="rId5"/>
+              </a:rPr>
+              <a:t>/</a:t>
+            </a:r>
+            <a:endParaRPr lang="pt-PT" dirty="0" smtClean="0"/>
           </a:p>
         </p:txBody>
       </p:sp>
@@ -17349,7 +17780,7 @@
           <p:cNvPr id="3" name="Content Placeholder 2">
             <a:extLst>
               <a:ext uri="{FF2B5EF4-FFF2-40B4-BE49-F238E27FC236}">
-                <a16:creationId xmlns:a16="http://schemas.microsoft.com/office/drawing/2014/main" id="{75B62007-2099-491F-B9CC-679828859075}"/>
+                <a16:creationId xmlns:a16="http://schemas.microsoft.com/office/drawing/2014/main" xmlns="" id="{75B62007-2099-491F-B9CC-679828859075}"/>
               </a:ext>
             </a:extLst>
           </p:cNvPr>
@@ -17369,47 +17800,37 @@
           </a:p>
         </p:txBody>
       </p:sp>
-      <p:pic>
-        <p:nvPicPr>
-          <p:cNvPr id="8" name="Marcador de Posição de Conteúdo 7">
+      <p:sp>
+        <p:nvSpPr>
+          <p:cNvPr id="4" name="Content Placeholder 3">
             <a:extLst>
               <a:ext uri="{FF2B5EF4-FFF2-40B4-BE49-F238E27FC236}">
-                <a16:creationId xmlns:a16="http://schemas.microsoft.com/office/drawing/2014/main" id="{91622725-0EBF-4314-A3C3-2DE18C5E2496}"/>
+                <a16:creationId xmlns:a16="http://schemas.microsoft.com/office/drawing/2014/main" xmlns="" id="{B573A8A9-0BDE-4B35-955D-A5C9FAFE6755}"/>
               </a:ext>
             </a:extLst>
           </p:cNvPr>
-          <p:cNvPicPr>
-            <a:picLocks noGrp="1" noChangeAspect="1"/>
-          </p:cNvPicPr>
+          <p:cNvSpPr>
+            <a:spLocks noGrp="1"/>
+          </p:cNvSpPr>
           <p:nvPr>
             <p:ph idx="11"/>
           </p:nvPr>
-        </p:nvPicPr>
-        <p:blipFill>
-          <a:blip r:embed="rId2" cstate="print">
-            <a:extLst>
-              <a:ext uri="{28A0092B-C50C-407E-A947-70E740481C1C}">
-                <a14:useLocalDpi xmlns:a14="http://schemas.microsoft.com/office/drawing/2010/main" val="0"/>
-              </a:ext>
-            </a:extLst>
-          </a:blip>
-          <a:stretch>
-            <a:fillRect/>
-          </a:stretch>
-        </p:blipFill>
-        <p:spPr>
-          <a:xfrm>
-            <a:off x="2703833" y="684213"/>
-            <a:ext cx="1894834" cy="3194050"/>
-          </a:xfrm>
-        </p:spPr>
-      </p:pic>
+        </p:nvSpPr>
+        <p:spPr/>
+        <p:txBody>
+          <a:bodyPr/>
+          <a:lstStyle/>
+          <a:p>
+            <a:endParaRPr lang="pt-PT" dirty="0"/>
+          </a:p>
+        </p:txBody>
+      </p:sp>
       <p:sp>
         <p:nvSpPr>
           <p:cNvPr id="5" name="Content Placeholder 4">
             <a:extLst>
               <a:ext uri="{FF2B5EF4-FFF2-40B4-BE49-F238E27FC236}">
-                <a16:creationId xmlns:a16="http://schemas.microsoft.com/office/drawing/2014/main" id="{03F0B0E7-9DC5-4E64-84FC-E41A42350BE1}"/>
+                <a16:creationId xmlns:a16="http://schemas.microsoft.com/office/drawing/2014/main" xmlns="" id="{03F0B0E7-9DC5-4E64-84FC-E41A42350BE1}"/>
               </a:ext>
             </a:extLst>
           </p:cNvPr>
@@ -17422,8 +17843,32 @@
         </p:nvSpPr>
         <p:spPr/>
         <p:txBody>
-          <a:bodyPr/>
+          <a:bodyPr>
+            <a:normAutofit lnSpcReduction="10000"/>
+          </a:bodyPr>
           <a:lstStyle/>
+          <a:p>
+            <a:r>
+              <a:rPr lang="pt-PT" sz="1400" dirty="0"/>
+              <a:t>A Covilhã, exemplo bastante original de uma “cidade de montanha” pertence ao distrito de Castelo Branco e é conhecida como a porta de entrada na Serra da </a:t>
+            </a:r>
+            <a:r>
+              <a:rPr lang="pt-PT" sz="1400" dirty="0" smtClean="0"/>
+              <a:t>Estrela. </a:t>
+            </a:r>
+            <a:r>
+              <a:rPr lang="pt-PT" sz="1400" dirty="0"/>
+              <a:t>Chegar à </a:t>
+            </a:r>
+            <a:r>
+              <a:rPr lang="pt-PT" sz="1400" dirty="0" smtClean="0"/>
+              <a:t>Covilhã </a:t>
+            </a:r>
+            <a:r>
+              <a:rPr lang="pt-PT" sz="1400" dirty="0"/>
+              <a:t>traduz-se em conhecer a indústria de lanifícios e praticar atividades ao ar livre em plena Serra da Estrela. A demografia da cidade afirmou-se desde tempos antigos e a Covilhã teve logo na sua indústria de lanifícios uma das suas principais referências. A gastronomia da região destaca-se pelo célebre queijo da Serra. No centro histórico da cidade podemos comtemplar pinturas e esculturas de arte urbana realizadas por alguns nomes consagrados. A diversidade de atividades de lazer e a universidade cativam os jovens a conhecer melhor o que esta cidade tem para oferecer.</a:t>
+            </a:r>
+          </a:p>
           <a:p>
             <a:endParaRPr lang="pt-PT" dirty="0"/>
           </a:p>
@@ -17434,7 +17879,7 @@
           <p:cNvPr id="6" name="Content Placeholder 5">
             <a:extLst>
               <a:ext uri="{FF2B5EF4-FFF2-40B4-BE49-F238E27FC236}">
-                <a16:creationId xmlns:a16="http://schemas.microsoft.com/office/drawing/2014/main" id="{AAD76EA7-FFDD-4221-8BFA-2CF2F90A53A9}"/>
+                <a16:creationId xmlns:a16="http://schemas.microsoft.com/office/drawing/2014/main" xmlns="" id="{AAD76EA7-FFDD-4221-8BFA-2CF2F90A53A9}"/>
               </a:ext>
             </a:extLst>
           </p:cNvPr>
@@ -17492,7 +17937,7 @@
           <p:cNvPr id="2" name="Content Placeholder 1">
             <a:extLst>
               <a:ext uri="{FF2B5EF4-FFF2-40B4-BE49-F238E27FC236}">
-                <a16:creationId xmlns:a16="http://schemas.microsoft.com/office/drawing/2014/main" id="{61284A3C-35C7-47BB-B5EF-3A5AFD39F048}"/>
+                <a16:creationId xmlns:a16="http://schemas.microsoft.com/office/drawing/2014/main" xmlns="" id="{61284A3C-35C7-47BB-B5EF-3A5AFD39F048}"/>
               </a:ext>
             </a:extLst>
           </p:cNvPr>
@@ -17508,6 +17953,30 @@
           <a:bodyPr/>
           <a:lstStyle/>
           <a:p>
+            <a:r>
+              <a:rPr lang="pt-PT" dirty="0">
+                <a:hlinkClick r:id="rId2"/>
+              </a:rPr>
+              <a:t>http://www.lisbonne-idee.pt/p4820-wool-fest-covilha-descentralizacao-artistica.html</a:t>
+            </a:r>
+            <a:endParaRPr lang="pt-PT" dirty="0"/>
+          </a:p>
+          <a:p>
+            <a:r>
+              <a:rPr lang="pt-PT" dirty="0">
+                <a:hlinkClick r:id="rId3"/>
+              </a:rPr>
+              <a:t>https://</a:t>
+            </a:r>
+            <a:r>
+              <a:rPr lang="pt-PT" dirty="0" smtClean="0">
+                <a:hlinkClick r:id="rId3"/>
+              </a:rPr>
+              <a:t>www.tripadvisor.pt/Attractions-g189145-Activities-c47-Covilha_Castelo_Branco_District_Central_Portugal.html</a:t>
+            </a:r>
+            <a:endParaRPr lang="pt-PT" dirty="0" smtClean="0"/>
+          </a:p>
+          <a:p>
             <a:endParaRPr lang="pt-PT" dirty="0"/>
           </a:p>
         </p:txBody>
@@ -17517,7 +17986,7 @@
           <p:cNvPr id="3" name="Content Placeholder 2">
             <a:extLst>
               <a:ext uri="{FF2B5EF4-FFF2-40B4-BE49-F238E27FC236}">
-                <a16:creationId xmlns:a16="http://schemas.microsoft.com/office/drawing/2014/main" id="{75B62007-2099-491F-B9CC-679828859075}"/>
+                <a16:creationId xmlns:a16="http://schemas.microsoft.com/office/drawing/2014/main" xmlns="" id="{75B62007-2099-491F-B9CC-679828859075}"/>
               </a:ext>
             </a:extLst>
           </p:cNvPr>
@@ -17537,47 +18006,37 @@
           </a:p>
         </p:txBody>
       </p:sp>
-      <p:pic>
-        <p:nvPicPr>
-          <p:cNvPr id="8" name="Marcador de Posição de Conteúdo 7">
+      <p:sp>
+        <p:nvSpPr>
+          <p:cNvPr id="4" name="Content Placeholder 3">
             <a:extLst>
               <a:ext uri="{FF2B5EF4-FFF2-40B4-BE49-F238E27FC236}">
-                <a16:creationId xmlns:a16="http://schemas.microsoft.com/office/drawing/2014/main" id="{22D9AB50-3517-4BC0-8EFE-4945CB2E2349}"/>
+                <a16:creationId xmlns:a16="http://schemas.microsoft.com/office/drawing/2014/main" xmlns="" id="{B573A8A9-0BDE-4B35-955D-A5C9FAFE6755}"/>
               </a:ext>
             </a:extLst>
           </p:cNvPr>
-          <p:cNvPicPr>
-            <a:picLocks noGrp="1" noChangeAspect="1"/>
-          </p:cNvPicPr>
+          <p:cNvSpPr>
+            <a:spLocks noGrp="1"/>
+          </p:cNvSpPr>
           <p:nvPr>
             <p:ph idx="11"/>
           </p:nvPr>
-        </p:nvPicPr>
-        <p:blipFill>
-          <a:blip r:embed="rId2">
-            <a:extLst>
-              <a:ext uri="{28A0092B-C50C-407E-A947-70E740481C1C}">
-                <a14:useLocalDpi xmlns:a14="http://schemas.microsoft.com/office/drawing/2010/main" val="0"/>
-              </a:ext>
-            </a:extLst>
-          </a:blip>
-          <a:stretch>
-            <a:fillRect/>
-          </a:stretch>
-        </p:blipFill>
-        <p:spPr>
-          <a:xfrm>
-            <a:off x="1969910" y="684213"/>
-            <a:ext cx="3362679" cy="3194050"/>
-          </a:xfrm>
-        </p:spPr>
-      </p:pic>
+        </p:nvSpPr>
+        <p:spPr/>
+        <p:txBody>
+          <a:bodyPr/>
+          <a:lstStyle/>
+          <a:p>
+            <a:endParaRPr lang="pt-PT" dirty="0"/>
+          </a:p>
+        </p:txBody>
+      </p:sp>
       <p:sp>
         <p:nvSpPr>
           <p:cNvPr id="5" name="Content Placeholder 4">
             <a:extLst>
               <a:ext uri="{FF2B5EF4-FFF2-40B4-BE49-F238E27FC236}">
-                <a16:creationId xmlns:a16="http://schemas.microsoft.com/office/drawing/2014/main" id="{03F0B0E7-9DC5-4E64-84FC-E41A42350BE1}"/>
+                <a16:creationId xmlns:a16="http://schemas.microsoft.com/office/drawing/2014/main" xmlns="" id="{03F0B0E7-9DC5-4E64-84FC-E41A42350BE1}"/>
               </a:ext>
             </a:extLst>
           </p:cNvPr>
@@ -17590,10 +18049,15 @@
         </p:nvSpPr>
         <p:spPr/>
         <p:txBody>
-          <a:bodyPr/>
+          <a:bodyPr>
+            <a:normAutofit/>
+          </a:bodyPr>
           <a:lstStyle/>
           <a:p>
-            <a:endParaRPr lang="pt-PT" dirty="0"/>
+            <a:r>
+              <a:rPr lang="pt-PT" sz="1400" dirty="0"/>
+              <a:t>Na Covilhã e nas proximidades tem oportunidade de conhecer os Castelos, a arte urbana, a Universidade, as Aldeias Históricas, a Rota da Lã e das Antigas Judiarias e fazendo um dos percursos que lhe dão a conhecer o património cultural desta região. Para além disso a o Parque Natural da Serra da Estrela providencia o turismo de montanha, mas na verdade há muito para fazer na Covilhã para além da neve. </a:t>
+            </a:r>
           </a:p>
         </p:txBody>
       </p:sp>
@@ -17602,7 +18066,7 @@
           <p:cNvPr id="6" name="Content Placeholder 5">
             <a:extLst>
               <a:ext uri="{FF2B5EF4-FFF2-40B4-BE49-F238E27FC236}">
-                <a16:creationId xmlns:a16="http://schemas.microsoft.com/office/drawing/2014/main" id="{AAD76EA7-FFDD-4221-8BFA-2CF2F90A53A9}"/>
+                <a16:creationId xmlns:a16="http://schemas.microsoft.com/office/drawing/2014/main" xmlns="" id="{AAD76EA7-FFDD-4221-8BFA-2CF2F90A53A9}"/>
               </a:ext>
             </a:extLst>
           </p:cNvPr>
@@ -17620,13 +18084,12 @@
           <a:p>
             <a:r>
               <a:rPr lang="pt-PT" dirty="0"/>
-              <a:t>Calendário</a:t>
-            </a:r>
-          </a:p>
-          <a:p>
-            <a:pPr marL="0" indent="0">
-              <a:buNone/>
-            </a:pPr>
+              <a:t>Porquê </a:t>
+            </a:r>
+            <a:r>
+              <a:rPr lang="pt-PT" dirty="0" smtClean="0"/>
+              <a:t>Covilhã?</a:t>
+            </a:r>
             <a:endParaRPr lang="pt-PT" dirty="0"/>
           </a:p>
         </p:txBody>
@@ -17634,7 +18097,7 @@
     </p:spTree>
     <p:extLst>
       <p:ext uri="{BB962C8B-B14F-4D97-AF65-F5344CB8AC3E}">
-        <p14:creationId xmlns:p14="http://schemas.microsoft.com/office/powerpoint/2010/main" val="452397108"/>
+        <p14:creationId xmlns:p14="http://schemas.microsoft.com/office/powerpoint/2010/main" val="2316728216"/>
       </p:ext>
     </p:extLst>
   </p:cSld>
@@ -17666,7 +18129,7 @@
           <p:cNvPr id="2" name="Content Placeholder 1">
             <a:extLst>
               <a:ext uri="{FF2B5EF4-FFF2-40B4-BE49-F238E27FC236}">
-                <a16:creationId xmlns:a16="http://schemas.microsoft.com/office/drawing/2014/main" id="{61284A3C-35C7-47BB-B5EF-3A5AFD39F048}"/>
+                <a16:creationId xmlns:a16="http://schemas.microsoft.com/office/drawing/2014/main" xmlns="" id="{61284A3C-35C7-47BB-B5EF-3A5AFD39F048}"/>
               </a:ext>
             </a:extLst>
           </p:cNvPr>
@@ -17682,6 +18145,24 @@
           <a:bodyPr/>
           <a:lstStyle/>
           <a:p>
+            <a:r>
+              <a:rPr lang="pt-PT" dirty="0">
+                <a:hlinkClick r:id="rId2"/>
+              </a:rPr>
+              <a:t>https://turismodocentro.pt</a:t>
+            </a:r>
+            <a:r>
+              <a:rPr lang="pt-PT" dirty="0" smtClean="0">
+                <a:hlinkClick r:id="rId2"/>
+              </a:rPr>
+              <a:t>/</a:t>
+            </a:r>
+            <a:endParaRPr lang="pt-PT" dirty="0" smtClean="0"/>
+          </a:p>
+          <a:p>
+            <a:pPr marL="0" indent="0">
+              <a:buNone/>
+            </a:pPr>
             <a:endParaRPr lang="pt-PT" dirty="0"/>
           </a:p>
         </p:txBody>
@@ -17691,7 +18172,7 @@
           <p:cNvPr id="3" name="Content Placeholder 2">
             <a:extLst>
               <a:ext uri="{FF2B5EF4-FFF2-40B4-BE49-F238E27FC236}">
-                <a16:creationId xmlns:a16="http://schemas.microsoft.com/office/drawing/2014/main" id="{75B62007-2099-491F-B9CC-679828859075}"/>
+                <a16:creationId xmlns:a16="http://schemas.microsoft.com/office/drawing/2014/main" xmlns="" id="{75B62007-2099-491F-B9CC-679828859075}"/>
               </a:ext>
             </a:extLst>
           </p:cNvPr>
@@ -17711,47 +18192,37 @@
           </a:p>
         </p:txBody>
       </p:sp>
-      <p:pic>
-        <p:nvPicPr>
-          <p:cNvPr id="8" name="Marcador de Posição de Conteúdo 7">
+      <p:sp>
+        <p:nvSpPr>
+          <p:cNvPr id="4" name="Content Placeholder 3">
             <a:extLst>
               <a:ext uri="{FF2B5EF4-FFF2-40B4-BE49-F238E27FC236}">
-                <a16:creationId xmlns:a16="http://schemas.microsoft.com/office/drawing/2014/main" id="{F43A5508-6070-4E5E-8921-EAFC2FB51964}"/>
+                <a16:creationId xmlns:a16="http://schemas.microsoft.com/office/drawing/2014/main" xmlns="" id="{B573A8A9-0BDE-4B35-955D-A5C9FAFE6755}"/>
               </a:ext>
             </a:extLst>
           </p:cNvPr>
-          <p:cNvPicPr>
-            <a:picLocks noGrp="1" noChangeAspect="1"/>
-          </p:cNvPicPr>
+          <p:cNvSpPr>
+            <a:spLocks noGrp="1"/>
+          </p:cNvSpPr>
           <p:nvPr>
             <p:ph idx="11"/>
           </p:nvPr>
-        </p:nvPicPr>
-        <p:blipFill>
-          <a:blip r:embed="rId2">
-            <a:extLst>
-              <a:ext uri="{28A0092B-C50C-407E-A947-70E740481C1C}">
-                <a14:useLocalDpi xmlns:a14="http://schemas.microsoft.com/office/drawing/2010/main" val="0"/>
-              </a:ext>
-            </a:extLst>
-          </a:blip>
-          <a:stretch>
-            <a:fillRect/>
-          </a:stretch>
-        </p:blipFill>
-        <p:spPr>
-          <a:xfrm>
-            <a:off x="1967430" y="684213"/>
-            <a:ext cx="3367639" cy="3194050"/>
-          </a:xfrm>
-        </p:spPr>
-      </p:pic>
+        </p:nvSpPr>
+        <p:spPr/>
+        <p:txBody>
+          <a:bodyPr/>
+          <a:lstStyle/>
+          <a:p>
+            <a:endParaRPr lang="pt-PT" dirty="0"/>
+          </a:p>
+        </p:txBody>
+      </p:sp>
       <p:sp>
         <p:nvSpPr>
           <p:cNvPr id="5" name="Content Placeholder 4">
             <a:extLst>
               <a:ext uri="{FF2B5EF4-FFF2-40B4-BE49-F238E27FC236}">
-                <a16:creationId xmlns:a16="http://schemas.microsoft.com/office/drawing/2014/main" id="{03F0B0E7-9DC5-4E64-84FC-E41A42350BE1}"/>
+                <a16:creationId xmlns:a16="http://schemas.microsoft.com/office/drawing/2014/main" xmlns="" id="{03F0B0E7-9DC5-4E64-84FC-E41A42350BE1}"/>
               </a:ext>
             </a:extLst>
           </p:cNvPr>
@@ -17767,7 +18238,34 @@
           <a:bodyPr/>
           <a:lstStyle/>
           <a:p>
-            <a:endParaRPr lang="pt-PT" dirty="0"/>
+            <a:r>
+              <a:rPr lang="pt-PT" sz="1400" dirty="0"/>
+              <a:t>A cidade da Covilhã é uma cidade da região Centro do País, de fácil acesso graças à vasta rede de autoestradas.</a:t>
+            </a:r>
+          </a:p>
+          <a:p>
+            <a:r>
+              <a:rPr lang="pt-PT" sz="1400" dirty="0"/>
+              <a:t>Vindo do Norte deve seguir a A1 em direção a Lisboa, saindo na A25 em direção à Guarda, e por fim na A23 até à Covilhã.</a:t>
+            </a:r>
+          </a:p>
+          <a:p>
+            <a:r>
+              <a:rPr lang="pt-PT" sz="1400" dirty="0"/>
+              <a:t>Rumando do Sul deve seguir a A1 em direção ao Norte e depois sair na A23 até à Covilhã.</a:t>
+            </a:r>
+          </a:p>
+          <a:p>
+            <a:r>
+              <a:rPr lang="pt-PT" sz="1400" dirty="0"/>
+              <a:t>Se se encontra no Centro, o IP3 poderá levá-lo à cidade de Viseu, para de seguida sair para a A25 em direção à Guarda e por fim para a A23 até à Covilhã.</a:t>
+            </a:r>
+          </a:p>
+          <a:p>
+            <a:pPr marL="0" indent="0">
+              <a:buNone/>
+            </a:pPr>
+            <a:endParaRPr lang="pt-PT" sz="1400" dirty="0"/>
           </a:p>
         </p:txBody>
       </p:sp>
@@ -17776,7 +18274,7 @@
           <p:cNvPr id="6" name="Content Placeholder 5">
             <a:extLst>
               <a:ext uri="{FF2B5EF4-FFF2-40B4-BE49-F238E27FC236}">
-                <a16:creationId xmlns:a16="http://schemas.microsoft.com/office/drawing/2014/main" id="{AAD76EA7-FFDD-4221-8BFA-2CF2F90A53A9}"/>
+                <a16:creationId xmlns:a16="http://schemas.microsoft.com/office/drawing/2014/main" xmlns="" id="{AAD76EA7-FFDD-4221-8BFA-2CF2F90A53A9}"/>
               </a:ext>
             </a:extLst>
           </p:cNvPr>
@@ -17793,16 +18291,17 @@
           <a:lstStyle/>
           <a:p>
             <a:r>
-              <a:rPr lang="pt-PT" dirty="0"/>
-              <a:t>Categorias</a:t>
-            </a:r>
+              <a:rPr lang="pt-PT" dirty="0" smtClean="0"/>
+              <a:t>Chegar à Covilhã</a:t>
+            </a:r>
+            <a:endParaRPr lang="pt-PT" dirty="0"/>
           </a:p>
         </p:txBody>
       </p:sp>
     </p:spTree>
     <p:extLst>
       <p:ext uri="{BB962C8B-B14F-4D97-AF65-F5344CB8AC3E}">
-        <p14:creationId xmlns:p14="http://schemas.microsoft.com/office/powerpoint/2010/main" val="2701093968"/>
+        <p14:creationId xmlns:p14="http://schemas.microsoft.com/office/powerpoint/2010/main" val="452397108"/>
       </p:ext>
     </p:extLst>
   </p:cSld>
@@ -17834,7 +18333,7 @@
           <p:cNvPr id="2" name="Content Placeholder 1">
             <a:extLst>
               <a:ext uri="{FF2B5EF4-FFF2-40B4-BE49-F238E27FC236}">
-                <a16:creationId xmlns:a16="http://schemas.microsoft.com/office/drawing/2014/main" id="{61284A3C-35C7-47BB-B5EF-3A5AFD39F048}"/>
+                <a16:creationId xmlns:a16="http://schemas.microsoft.com/office/drawing/2014/main" xmlns="" id="{61284A3C-35C7-47BB-B5EF-3A5AFD39F048}"/>
               </a:ext>
             </a:extLst>
           </p:cNvPr>
@@ -17859,7 +18358,7 @@
           <p:cNvPr id="3" name="Content Placeholder 2">
             <a:extLst>
               <a:ext uri="{FF2B5EF4-FFF2-40B4-BE49-F238E27FC236}">
-                <a16:creationId xmlns:a16="http://schemas.microsoft.com/office/drawing/2014/main" id="{75B62007-2099-491F-B9CC-679828859075}"/>
+                <a16:creationId xmlns:a16="http://schemas.microsoft.com/office/drawing/2014/main" xmlns="" id="{75B62007-2099-491F-B9CC-679828859075}"/>
               </a:ext>
             </a:extLst>
           </p:cNvPr>
@@ -17879,47 +18378,37 @@
           </a:p>
         </p:txBody>
       </p:sp>
-      <p:pic>
-        <p:nvPicPr>
-          <p:cNvPr id="8" name="Marcador de Posição de Conteúdo 7">
+      <p:sp>
+        <p:nvSpPr>
+          <p:cNvPr id="4" name="Content Placeholder 3">
             <a:extLst>
               <a:ext uri="{FF2B5EF4-FFF2-40B4-BE49-F238E27FC236}">
-                <a16:creationId xmlns:a16="http://schemas.microsoft.com/office/drawing/2014/main" id="{321413A4-3E2B-48AD-9C12-CBD60B3A8759}"/>
+                <a16:creationId xmlns:a16="http://schemas.microsoft.com/office/drawing/2014/main" xmlns="" id="{B573A8A9-0BDE-4B35-955D-A5C9FAFE6755}"/>
               </a:ext>
             </a:extLst>
           </p:cNvPr>
-          <p:cNvPicPr>
-            <a:picLocks noGrp="1" noChangeAspect="1"/>
-          </p:cNvPicPr>
+          <p:cNvSpPr>
+            <a:spLocks noGrp="1"/>
+          </p:cNvSpPr>
           <p:nvPr>
             <p:ph idx="11"/>
           </p:nvPr>
-        </p:nvPicPr>
-        <p:blipFill>
-          <a:blip r:embed="rId2">
-            <a:extLst>
-              <a:ext uri="{28A0092B-C50C-407E-A947-70E740481C1C}">
-                <a14:useLocalDpi xmlns:a14="http://schemas.microsoft.com/office/drawing/2010/main" val="0"/>
-              </a:ext>
-            </a:extLst>
-          </a:blip>
-          <a:stretch>
-            <a:fillRect/>
-          </a:stretch>
-        </p:blipFill>
-        <p:spPr>
-          <a:xfrm>
-            <a:off x="1967430" y="684213"/>
-            <a:ext cx="3367639" cy="3194050"/>
-          </a:xfrm>
-        </p:spPr>
-      </p:pic>
+        </p:nvSpPr>
+        <p:spPr/>
+        <p:txBody>
+          <a:bodyPr/>
+          <a:lstStyle/>
+          <a:p>
+            <a:endParaRPr lang="pt-PT" dirty="0"/>
+          </a:p>
+        </p:txBody>
+      </p:sp>
       <p:sp>
         <p:nvSpPr>
           <p:cNvPr id="5" name="Content Placeholder 4">
             <a:extLst>
               <a:ext uri="{FF2B5EF4-FFF2-40B4-BE49-F238E27FC236}">
-                <a16:creationId xmlns:a16="http://schemas.microsoft.com/office/drawing/2014/main" id="{03F0B0E7-9DC5-4E64-84FC-E41A42350BE1}"/>
+                <a16:creationId xmlns:a16="http://schemas.microsoft.com/office/drawing/2014/main" xmlns="" id="{03F0B0E7-9DC5-4E64-84FC-E41A42350BE1}"/>
               </a:ext>
             </a:extLst>
           </p:cNvPr>
@@ -17944,7 +18433,7 @@
           <p:cNvPr id="6" name="Content Placeholder 5">
             <a:extLst>
               <a:ext uri="{FF2B5EF4-FFF2-40B4-BE49-F238E27FC236}">
-                <a16:creationId xmlns:a16="http://schemas.microsoft.com/office/drawing/2014/main" id="{AAD76EA7-FFDD-4221-8BFA-2CF2F90A53A9}"/>
+                <a16:creationId xmlns:a16="http://schemas.microsoft.com/office/drawing/2014/main" xmlns="" id="{AAD76EA7-FFDD-4221-8BFA-2CF2F90A53A9}"/>
               </a:ext>
             </a:extLst>
           </p:cNvPr>
@@ -17957,20 +18446,13 @@
         </p:nvSpPr>
         <p:spPr/>
         <p:txBody>
-          <a:bodyPr>
-            <a:normAutofit/>
-          </a:bodyPr>
+          <a:bodyPr/>
           <a:lstStyle/>
           <a:p>
             <a:r>
-              <a:rPr lang="pt-PT" dirty="0"/>
-              <a:t>Sobre</a:t>
-            </a:r>
-          </a:p>
-          <a:p>
-            <a:pPr marL="0" indent="0">
-              <a:buNone/>
-            </a:pPr>
+              <a:rPr lang="pt-PT" dirty="0" smtClean="0"/>
+              <a:t>Mapa</a:t>
+            </a:r>
             <a:endParaRPr lang="pt-PT" dirty="0"/>
           </a:p>
         </p:txBody>
@@ -17978,7 +18460,7 @@
     </p:spTree>
     <p:extLst>
       <p:ext uri="{BB962C8B-B14F-4D97-AF65-F5344CB8AC3E}">
-        <p14:creationId xmlns:p14="http://schemas.microsoft.com/office/powerpoint/2010/main" val="1324516063"/>
+        <p14:creationId xmlns:p14="http://schemas.microsoft.com/office/powerpoint/2010/main" val="2701093968"/>
       </p:ext>
     </p:extLst>
   </p:cSld>

--- a/UBI_CompWeb_2018_templates.pptx
+++ b/UBI_CompWeb_2018_templates.pptx
@@ -14,16 +14,16 @@
     <p:sldId id="261" r:id="rId5"/>
     <p:sldId id="263" r:id="rId6"/>
     <p:sldId id="262" r:id="rId7"/>
-    <p:sldId id="264" r:id="rId8"/>
-    <p:sldId id="265" r:id="rId9"/>
-    <p:sldId id="266" r:id="rId10"/>
-    <p:sldId id="267" r:id="rId11"/>
-    <p:sldId id="268" r:id="rId12"/>
-    <p:sldId id="269" r:id="rId13"/>
-    <p:sldId id="272" r:id="rId14"/>
-    <p:sldId id="270" r:id="rId15"/>
-    <p:sldId id="271" r:id="rId16"/>
-    <p:sldId id="273" r:id="rId17"/>
+    <p:sldId id="267" r:id="rId8"/>
+    <p:sldId id="268" r:id="rId9"/>
+    <p:sldId id="275" r:id="rId10"/>
+    <p:sldId id="269" r:id="rId11"/>
+    <p:sldId id="272" r:id="rId12"/>
+    <p:sldId id="270" r:id="rId13"/>
+    <p:sldId id="271" r:id="rId14"/>
+    <p:sldId id="273" r:id="rId15"/>
+    <p:sldId id="274" r:id="rId16"/>
+    <p:sldId id="276" r:id="rId17"/>
   </p:sldIdLst>
   <p:sldSz cx="9144000" cy="6858000" type="screen4x3"/>
   <p:notesSz cx="6858000" cy="9144000"/>
@@ -2752,47 +2752,6 @@
         </a:p>
       </dgm:t>
     </dgm:pt>
-    <dgm:pt modelId="{6D859D06-D440-4495-BC38-4B0653417247}">
-      <dgm:prSet custT="1"/>
-      <dgm:spPr/>
-      <dgm:t>
-        <a:bodyPr/>
-        <a:lstStyle/>
-        <a:p>
-          <a:r>
-            <a:rPr lang="pt-PT" sz="3000" u="none" dirty="0"/>
-            <a:t>Porquê </a:t>
-          </a:r>
-          <a:r>
-            <a:rPr lang="pt-PT" sz="3000" u="none" dirty="0" smtClean="0"/>
-            <a:t>Covilhã?</a:t>
-          </a:r>
-          <a:endParaRPr lang="pt-PT" sz="3000" u="none" dirty="0"/>
-        </a:p>
-      </dgm:t>
-    </dgm:pt>
-    <dgm:pt modelId="{7ABF7F75-BA81-498E-8999-139ABA277B4F}" type="parTrans" cxnId="{979B3921-65D4-4C21-A108-2DBE1B0AAAE5}">
-      <dgm:prSet/>
-      <dgm:spPr/>
-      <dgm:t>
-        <a:bodyPr/>
-        <a:lstStyle/>
-        <a:p>
-          <a:endParaRPr lang="pt-PT" u="none"/>
-        </a:p>
-      </dgm:t>
-    </dgm:pt>
-    <dgm:pt modelId="{F0F770A4-A5C9-424C-93C8-86B63DB8FE87}" type="sibTrans" cxnId="{979B3921-65D4-4C21-A108-2DBE1B0AAAE5}">
-      <dgm:prSet/>
-      <dgm:spPr/>
-      <dgm:t>
-        <a:bodyPr/>
-        <a:lstStyle/>
-        <a:p>
-          <a:endParaRPr lang="pt-PT" u="none"/>
-        </a:p>
-      </dgm:t>
-    </dgm:pt>
     <dgm:pt modelId="{C4E9236B-D5FB-402F-9C08-8917C5806671}">
       <dgm:prSet/>
       <dgm:spPr/>
@@ -3009,7 +2968,7 @@
         </a:p>
       </dgm:t>
     </dgm:pt>
-    <dgm:pt modelId="{AF9FAEE0-D707-4D4A-BC4E-B00284790C09}">
+    <dgm:pt modelId="{01DE5603-A9BA-48DC-A812-A9D236837822}">
       <dgm:prSet/>
       <dgm:spPr/>
       <dgm:t>
@@ -3017,40 +2976,36 @@
         <a:lstStyle/>
         <a:p>
           <a:r>
-            <a:rPr lang="pt-PT" u="none" dirty="0"/>
-            <a:t>Chegar à </a:t>
+            <a:rPr lang="pt-PT" dirty="0" smtClean="0"/>
+            <a:t>Porquê Covilhã?</a:t>
           </a:r>
-          <a:r>
-            <a:rPr lang="pt-PT" u="none" dirty="0" smtClean="0"/>
-            <a:t>Covilhã</a:t>
-          </a:r>
-          <a:endParaRPr lang="pt-PT" u="none" dirty="0"/>
+          <a:endParaRPr lang="pt-PT" dirty="0"/>
         </a:p>
       </dgm:t>
     </dgm:pt>
-    <dgm:pt modelId="{DF2FF718-F2C1-46BD-B3D2-69C34DDD97AC}" type="parTrans" cxnId="{BA7D9214-91C9-43C5-930D-8662E2D96E9F}">
+    <dgm:pt modelId="{0B69B6BC-1E4A-4E1F-9BE1-0C53B92E33BC}" type="parTrans" cxnId="{43284CFA-223A-4049-87BA-3120E63505C3}">
       <dgm:prSet/>
       <dgm:spPr/>
       <dgm:t>
         <a:bodyPr/>
         <a:lstStyle/>
         <a:p>
-          <a:endParaRPr lang="pt-PT" u="none"/>
+          <a:endParaRPr lang="pt-PT"/>
         </a:p>
       </dgm:t>
     </dgm:pt>
-    <dgm:pt modelId="{9F96BC34-2F99-4857-9537-755790E34536}" type="sibTrans" cxnId="{BA7D9214-91C9-43C5-930D-8662E2D96E9F}">
+    <dgm:pt modelId="{69D0B4C8-A61E-4CEB-8F52-6CC20FED1FF6}" type="sibTrans" cxnId="{43284CFA-223A-4049-87BA-3120E63505C3}">
       <dgm:prSet/>
       <dgm:spPr/>
       <dgm:t>
         <a:bodyPr/>
         <a:lstStyle/>
         <a:p>
-          <a:endParaRPr lang="pt-PT" u="none"/>
+          <a:endParaRPr lang="pt-PT"/>
         </a:p>
       </dgm:t>
     </dgm:pt>
-    <dgm:pt modelId="{32A588C2-228D-4B26-9C8B-90CDFD0FC08B}">
+    <dgm:pt modelId="{25553316-AE0F-433F-BD8A-E0F17F5D747E}">
       <dgm:prSet/>
       <dgm:spPr/>
       <dgm:t>
@@ -3058,31 +3013,69 @@
         <a:lstStyle/>
         <a:p>
           <a:r>
-            <a:rPr lang="pt-PT" u="none" dirty="0"/>
+            <a:rPr lang="pt-PT" dirty="0" smtClean="0"/>
             <a:t>Mapa</a:t>
           </a:r>
+          <a:endParaRPr lang="pt-PT" dirty="0"/>
         </a:p>
       </dgm:t>
     </dgm:pt>
-    <dgm:pt modelId="{188D1000-0E2B-4CE9-B4EC-57DF98E5B370}" type="parTrans" cxnId="{50574EE2-B791-402B-8982-5F339D14BC2A}">
+    <dgm:pt modelId="{9D1FF7F3-6BB1-485B-ABFB-CBC54EB7FB2F}" type="parTrans" cxnId="{7DECDEAA-0DFB-4024-BC99-75211E705204}">
       <dgm:prSet/>
       <dgm:spPr/>
       <dgm:t>
         <a:bodyPr/>
         <a:lstStyle/>
         <a:p>
-          <a:endParaRPr lang="pt-PT" u="none"/>
+          <a:endParaRPr lang="pt-PT"/>
         </a:p>
       </dgm:t>
     </dgm:pt>
-    <dgm:pt modelId="{14B0CDC8-4FDC-419A-B7CE-8BD710F85676}" type="sibTrans" cxnId="{50574EE2-B791-402B-8982-5F339D14BC2A}">
+    <dgm:pt modelId="{178316FB-DCE2-4974-BB3C-AD7713B01F9F}" type="sibTrans" cxnId="{7DECDEAA-0DFB-4024-BC99-75211E705204}">
       <dgm:prSet/>
       <dgm:spPr/>
       <dgm:t>
         <a:bodyPr/>
         <a:lstStyle/>
         <a:p>
-          <a:endParaRPr lang="pt-PT" u="none"/>
+          <a:endParaRPr lang="pt-PT"/>
+        </a:p>
+      </dgm:t>
+    </dgm:pt>
+    <dgm:pt modelId="{FFC74FC4-00ED-4EE0-BC51-6639C0CAB4C0}">
+      <dgm:prSet/>
+      <dgm:spPr/>
+      <dgm:t>
+        <a:bodyPr/>
+        <a:lstStyle/>
+        <a:p>
+          <a:r>
+            <a:rPr lang="pt-PT" dirty="0" smtClean="0"/>
+            <a:t>Chegar à Covilhã</a:t>
+          </a:r>
+          <a:endParaRPr lang="pt-PT" dirty="0"/>
+        </a:p>
+      </dgm:t>
+    </dgm:pt>
+    <dgm:pt modelId="{2A732842-69BB-4863-B446-B741C889B5B1}" type="parTrans" cxnId="{4874DAB9-E15D-43E4-ABDC-D9A3CCB4EBFE}">
+      <dgm:prSet/>
+      <dgm:spPr/>
+      <dgm:t>
+        <a:bodyPr/>
+        <a:lstStyle/>
+        <a:p>
+          <a:endParaRPr lang="pt-PT"/>
+        </a:p>
+      </dgm:t>
+    </dgm:pt>
+    <dgm:pt modelId="{DCE4D878-D34A-4E3F-84A7-0DCD129058B0}" type="sibTrans" cxnId="{4874DAB9-E15D-43E4-ABDC-D9A3CCB4EBFE}">
+      <dgm:prSet/>
+      <dgm:spPr/>
+      <dgm:t>
+        <a:bodyPr/>
+        <a:lstStyle/>
+        <a:p>
+          <a:endParaRPr lang="pt-PT"/>
         </a:p>
       </dgm:t>
     </dgm:pt>
@@ -3201,8 +3194,28 @@
       <dgm:prSet presAssocID="{D0D5EBBE-C984-451E-A77C-06635B96115A}" presName="hierChild4" presStyleCnt="0"/>
       <dgm:spPr/>
     </dgm:pt>
-    <dgm:pt modelId="{BCCB5965-B0E0-45CC-8894-BE1731CC57E2}" type="pres">
-      <dgm:prSet presAssocID="{7ABF7F75-BA81-498E-8999-139ABA277B4F}" presName="Name37" presStyleLbl="parChTrans1D3" presStyleIdx="0" presStyleCnt="9"/>
+    <dgm:pt modelId="{CF63EB70-7A6D-4FA2-8E46-21CF359D0286}" type="pres">
+      <dgm:prSet presAssocID="{0B69B6BC-1E4A-4E1F-9BE1-0C53B92E33BC}" presName="Name37" presStyleLbl="parChTrans1D3" presStyleIdx="0" presStyleCnt="9"/>
+      <dgm:spPr/>
+    </dgm:pt>
+    <dgm:pt modelId="{EEE897D5-0D96-4624-AD67-2EBF28C86E46}" type="pres">
+      <dgm:prSet presAssocID="{01DE5603-A9BA-48DC-A812-A9D236837822}" presName="hierRoot2" presStyleCnt="0">
+        <dgm:presLayoutVars>
+          <dgm:hierBranch val="init"/>
+        </dgm:presLayoutVars>
+      </dgm:prSet>
+      <dgm:spPr/>
+    </dgm:pt>
+    <dgm:pt modelId="{61949F78-54AF-445F-A9C1-09BCC8AB6818}" type="pres">
+      <dgm:prSet presAssocID="{01DE5603-A9BA-48DC-A812-A9D236837822}" presName="rootComposite" presStyleCnt="0"/>
+      <dgm:spPr/>
+    </dgm:pt>
+    <dgm:pt modelId="{A11B1B3B-548B-4BF3-BD14-6C594BE6A489}" type="pres">
+      <dgm:prSet presAssocID="{01DE5603-A9BA-48DC-A812-A9D236837822}" presName="rootText" presStyleLbl="node3" presStyleIdx="0" presStyleCnt="9" custLinFactNeighborX="0" custLinFactNeighborY="7617">
+        <dgm:presLayoutVars>
+          <dgm:chPref val="3"/>
+        </dgm:presLayoutVars>
+      </dgm:prSet>
       <dgm:spPr/>
       <dgm:t>
         <a:bodyPr/>
@@ -3212,20 +3225,36 @@
         </a:p>
       </dgm:t>
     </dgm:pt>
-    <dgm:pt modelId="{1CD8D106-1B91-496C-B3DB-996AC3AD5822}" type="pres">
-      <dgm:prSet presAssocID="{6D859D06-D440-4495-BC38-4B0653417247}" presName="hierRoot2" presStyleCnt="0">
+    <dgm:pt modelId="{CE70EDA1-CEC3-4F76-B0D5-08C75AA61789}" type="pres">
+      <dgm:prSet presAssocID="{01DE5603-A9BA-48DC-A812-A9D236837822}" presName="rootConnector" presStyleLbl="node3" presStyleIdx="0" presStyleCnt="9"/>
+      <dgm:spPr/>
+    </dgm:pt>
+    <dgm:pt modelId="{6D8D787A-8B24-44D0-B2C8-8BFD2439CC10}" type="pres">
+      <dgm:prSet presAssocID="{01DE5603-A9BA-48DC-A812-A9D236837822}" presName="hierChild4" presStyleCnt="0"/>
+      <dgm:spPr/>
+    </dgm:pt>
+    <dgm:pt modelId="{18923BB7-BB28-4E99-BA26-5534ED5EA94F}" type="pres">
+      <dgm:prSet presAssocID="{01DE5603-A9BA-48DC-A812-A9D236837822}" presName="hierChild5" presStyleCnt="0"/>
+      <dgm:spPr/>
+    </dgm:pt>
+    <dgm:pt modelId="{FDCF2E21-0BBF-4C89-8E46-93D1F2D60A4C}" type="pres">
+      <dgm:prSet presAssocID="{9D1FF7F3-6BB1-485B-ABFB-CBC54EB7FB2F}" presName="Name37" presStyleLbl="parChTrans1D3" presStyleIdx="1" presStyleCnt="9"/>
+      <dgm:spPr/>
+    </dgm:pt>
+    <dgm:pt modelId="{579C8BBC-679D-4883-BCD3-A803A1F4A041}" type="pres">
+      <dgm:prSet presAssocID="{25553316-AE0F-433F-BD8A-E0F17F5D747E}" presName="hierRoot2" presStyleCnt="0">
         <dgm:presLayoutVars>
           <dgm:hierBranch val="init"/>
         </dgm:presLayoutVars>
       </dgm:prSet>
       <dgm:spPr/>
     </dgm:pt>
-    <dgm:pt modelId="{1B9CED18-CF7D-4AF9-975C-1844914138B0}" type="pres">
-      <dgm:prSet presAssocID="{6D859D06-D440-4495-BC38-4B0653417247}" presName="rootComposite" presStyleCnt="0"/>
-      <dgm:spPr/>
-    </dgm:pt>
-    <dgm:pt modelId="{5BD05F6E-C87D-423B-8545-489C3582E9A5}" type="pres">
-      <dgm:prSet presAssocID="{6D859D06-D440-4495-BC38-4B0653417247}" presName="rootText" presStyleLbl="node3" presStyleIdx="0" presStyleCnt="9" custLinFactNeighborX="-11737" custLinFactNeighborY="2608">
+    <dgm:pt modelId="{6837DE00-8205-422F-BDDD-F17E99CB1BE8}" type="pres">
+      <dgm:prSet presAssocID="{25553316-AE0F-433F-BD8A-E0F17F5D747E}" presName="rootComposite" presStyleCnt="0"/>
+      <dgm:spPr/>
+    </dgm:pt>
+    <dgm:pt modelId="{3DA29272-8B54-4109-B1CF-306966EBCEA6}" type="pres">
+      <dgm:prSet presAssocID="{25553316-AE0F-433F-BD8A-E0F17F5D747E}" presName="rootText" presStyleLbl="node3" presStyleIdx="1" presStyleCnt="9" custLinFactY="934" custLinFactNeighborX="0" custLinFactNeighborY="100000">
         <dgm:presLayoutVars>
           <dgm:chPref val="3"/>
         </dgm:presLayoutVars>
@@ -3239,8 +3268,60 @@
         </a:p>
       </dgm:t>
     </dgm:pt>
-    <dgm:pt modelId="{257BA37D-C7F9-4FC4-8625-2A044432F45E}" type="pres">
-      <dgm:prSet presAssocID="{6D859D06-D440-4495-BC38-4B0653417247}" presName="rootConnector" presStyleLbl="node3" presStyleIdx="0" presStyleCnt="9"/>
+    <dgm:pt modelId="{CFE66D09-E0AC-4059-9D41-E1709E524C84}" type="pres">
+      <dgm:prSet presAssocID="{25553316-AE0F-433F-BD8A-E0F17F5D747E}" presName="rootConnector" presStyleLbl="node3" presStyleIdx="1" presStyleCnt="9"/>
+      <dgm:spPr/>
+    </dgm:pt>
+    <dgm:pt modelId="{C27F06AF-A642-4C0F-A633-4CDF443BC104}" type="pres">
+      <dgm:prSet presAssocID="{25553316-AE0F-433F-BD8A-E0F17F5D747E}" presName="hierChild4" presStyleCnt="0"/>
+      <dgm:spPr/>
+    </dgm:pt>
+    <dgm:pt modelId="{945F342B-9689-4322-9AE7-BFD6B915DAEE}" type="pres">
+      <dgm:prSet presAssocID="{25553316-AE0F-433F-BD8A-E0F17F5D747E}" presName="hierChild5" presStyleCnt="0"/>
+      <dgm:spPr/>
+    </dgm:pt>
+    <dgm:pt modelId="{DABE2A97-8AFC-46F1-9229-CDFF582F36CD}" type="pres">
+      <dgm:prSet presAssocID="{2A732842-69BB-4863-B446-B741C889B5B1}" presName="Name37" presStyleLbl="parChTrans1D3" presStyleIdx="2" presStyleCnt="9"/>
+      <dgm:spPr/>
+    </dgm:pt>
+    <dgm:pt modelId="{F79A91D2-31E3-4214-A5B3-FDB94EEF9285}" type="pres">
+      <dgm:prSet presAssocID="{FFC74FC4-00ED-4EE0-BC51-6639C0CAB4C0}" presName="hierRoot2" presStyleCnt="0">
+        <dgm:presLayoutVars>
+          <dgm:hierBranch val="init"/>
+        </dgm:presLayoutVars>
+      </dgm:prSet>
+      <dgm:spPr/>
+    </dgm:pt>
+    <dgm:pt modelId="{7D9010F7-3374-45E6-BB14-A40A8C0DA9AF}" type="pres">
+      <dgm:prSet presAssocID="{FFC74FC4-00ED-4EE0-BC51-6639C0CAB4C0}" presName="rootComposite" presStyleCnt="0"/>
+      <dgm:spPr/>
+    </dgm:pt>
+    <dgm:pt modelId="{B13177B0-B616-471A-B673-341F50F836B6}" type="pres">
+      <dgm:prSet presAssocID="{FFC74FC4-00ED-4EE0-BC51-6639C0CAB4C0}" presName="rootText" presStyleLbl="node3" presStyleIdx="2" presStyleCnt="9" custLinFactY="-58067" custLinFactNeighborX="952" custLinFactNeighborY="-100000">
+        <dgm:presLayoutVars>
+          <dgm:chPref val="3"/>
+        </dgm:presLayoutVars>
+      </dgm:prSet>
+      <dgm:spPr/>
+    </dgm:pt>
+    <dgm:pt modelId="{29898FD7-6D50-464C-B5FD-8C53A87EEE52}" type="pres">
+      <dgm:prSet presAssocID="{FFC74FC4-00ED-4EE0-BC51-6639C0CAB4C0}" presName="rootConnector" presStyleLbl="node3" presStyleIdx="2" presStyleCnt="9"/>
+      <dgm:spPr/>
+    </dgm:pt>
+    <dgm:pt modelId="{D77A1B47-932A-44EA-B7CE-1DAA48EA4A4B}" type="pres">
+      <dgm:prSet presAssocID="{FFC74FC4-00ED-4EE0-BC51-6639C0CAB4C0}" presName="hierChild4" presStyleCnt="0"/>
+      <dgm:spPr/>
+    </dgm:pt>
+    <dgm:pt modelId="{7DF5EC82-B2B7-4CDE-A286-05BBF6851BA8}" type="pres">
+      <dgm:prSet presAssocID="{FFC74FC4-00ED-4EE0-BC51-6639C0CAB4C0}" presName="hierChild5" presStyleCnt="0"/>
+      <dgm:spPr/>
+    </dgm:pt>
+    <dgm:pt modelId="{AFF660C7-7594-4A5C-9B19-EA55042202B5}" type="pres">
+      <dgm:prSet presAssocID="{D0D5EBBE-C984-451E-A77C-06635B96115A}" presName="hierChild5" presStyleCnt="0"/>
+      <dgm:spPr/>
+    </dgm:pt>
+    <dgm:pt modelId="{A3C064E1-EB83-4A90-BC9B-363A4369B1D9}" type="pres">
+      <dgm:prSet presAssocID="{AE15057E-D275-4CBA-BBDA-7AFB5273F6D0}" presName="Name37" presStyleLbl="parChTrans1D2" presStyleIdx="1" presStyleCnt="5"/>
       <dgm:spPr/>
       <dgm:t>
         <a:bodyPr/>
@@ -3250,16 +3331,24 @@
         </a:p>
       </dgm:t>
     </dgm:pt>
-    <dgm:pt modelId="{21FA8DE6-BE13-427F-B07D-34101809347A}" type="pres">
-      <dgm:prSet presAssocID="{6D859D06-D440-4495-BC38-4B0653417247}" presName="hierChild4" presStyleCnt="0"/>
-      <dgm:spPr/>
-    </dgm:pt>
-    <dgm:pt modelId="{36C55898-F9BD-4CF0-99A2-28DD2F3C66C5}" type="pres">
-      <dgm:prSet presAssocID="{6D859D06-D440-4495-BC38-4B0653417247}" presName="hierChild5" presStyleCnt="0"/>
-      <dgm:spPr/>
-    </dgm:pt>
-    <dgm:pt modelId="{F5935B02-3EAE-43D8-83D7-0568EA754FE3}" type="pres">
-      <dgm:prSet presAssocID="{DF2FF718-F2C1-46BD-B3D2-69C34DDD97AC}" presName="Name37" presStyleLbl="parChTrans1D3" presStyleIdx="1" presStyleCnt="9"/>
+    <dgm:pt modelId="{5F49EB11-AF2A-43A7-A5F6-C818A93333A4}" type="pres">
+      <dgm:prSet presAssocID="{DEB3A288-72B2-4CE3-BA0E-2385DCEA1166}" presName="hierRoot2" presStyleCnt="0">
+        <dgm:presLayoutVars>
+          <dgm:hierBranch val="init"/>
+        </dgm:presLayoutVars>
+      </dgm:prSet>
+      <dgm:spPr/>
+    </dgm:pt>
+    <dgm:pt modelId="{3EA9B75B-9B66-4B39-BB46-6C7E1F816C1E}" type="pres">
+      <dgm:prSet presAssocID="{DEB3A288-72B2-4CE3-BA0E-2385DCEA1166}" presName="rootComposite" presStyleCnt="0"/>
+      <dgm:spPr/>
+    </dgm:pt>
+    <dgm:pt modelId="{3DCFB508-F20D-419B-97A2-A0EA8AAE62B8}" type="pres">
+      <dgm:prSet presAssocID="{DEB3A288-72B2-4CE3-BA0E-2385DCEA1166}" presName="rootText" presStyleLbl="node2" presStyleIdx="1" presStyleCnt="5">
+        <dgm:presLayoutVars>
+          <dgm:chPref val="3"/>
+        </dgm:presLayoutVars>
+      </dgm:prSet>
       <dgm:spPr/>
       <dgm:t>
         <a:bodyPr/>
@@ -3269,24 +3358,8 @@
         </a:p>
       </dgm:t>
     </dgm:pt>
-    <dgm:pt modelId="{65098B79-47B8-45AD-84EC-59F788BDFBC1}" type="pres">
-      <dgm:prSet presAssocID="{AF9FAEE0-D707-4D4A-BC4E-B00284790C09}" presName="hierRoot2" presStyleCnt="0">
-        <dgm:presLayoutVars>
-          <dgm:hierBranch val="init"/>
-        </dgm:presLayoutVars>
-      </dgm:prSet>
-      <dgm:spPr/>
-    </dgm:pt>
-    <dgm:pt modelId="{B7D893E0-1D88-4382-B898-4989216383B2}" type="pres">
-      <dgm:prSet presAssocID="{AF9FAEE0-D707-4D4A-BC4E-B00284790C09}" presName="rootComposite" presStyleCnt="0"/>
-      <dgm:spPr/>
-    </dgm:pt>
-    <dgm:pt modelId="{AED2CD70-00FB-4D86-A988-A2B3331A944F}" type="pres">
-      <dgm:prSet presAssocID="{AF9FAEE0-D707-4D4A-BC4E-B00284790C09}" presName="rootText" presStyleLbl="node3" presStyleIdx="1" presStyleCnt="9" custLinFactNeighborX="-11737" custLinFactNeighborY="2608">
-        <dgm:presLayoutVars>
-          <dgm:chPref val="3"/>
-        </dgm:presLayoutVars>
-      </dgm:prSet>
+    <dgm:pt modelId="{D1586E0D-5339-4871-B373-DE07F6A4B31A}" type="pres">
+      <dgm:prSet presAssocID="{DEB3A288-72B2-4CE3-BA0E-2385DCEA1166}" presName="rootConnector" presStyleLbl="node2" presStyleIdx="1" presStyleCnt="5"/>
       <dgm:spPr/>
       <dgm:t>
         <a:bodyPr/>
@@ -3296,8 +3369,16 @@
         </a:p>
       </dgm:t>
     </dgm:pt>
-    <dgm:pt modelId="{7A248573-B914-4159-ACEE-81EFF21A290C}" type="pres">
-      <dgm:prSet presAssocID="{AF9FAEE0-D707-4D4A-BC4E-B00284790C09}" presName="rootConnector" presStyleLbl="node3" presStyleIdx="1" presStyleCnt="9"/>
+    <dgm:pt modelId="{1E188EC2-DBC6-4C65-BECE-BD2803FEF22A}" type="pres">
+      <dgm:prSet presAssocID="{DEB3A288-72B2-4CE3-BA0E-2385DCEA1166}" presName="hierChild4" presStyleCnt="0"/>
+      <dgm:spPr/>
+    </dgm:pt>
+    <dgm:pt modelId="{7BDB545F-D926-4F24-ADC0-2F94B2F38341}" type="pres">
+      <dgm:prSet presAssocID="{DEB3A288-72B2-4CE3-BA0E-2385DCEA1166}" presName="hierChild5" presStyleCnt="0"/>
+      <dgm:spPr/>
+    </dgm:pt>
+    <dgm:pt modelId="{075DE7FD-AB6D-45A1-88B5-F6DE55537A5C}" type="pres">
+      <dgm:prSet presAssocID="{1F891C72-4331-4225-9131-EE90A5156BCC}" presName="Name37" presStyleLbl="parChTrans1D2" presStyleIdx="2" presStyleCnt="5"/>
       <dgm:spPr/>
       <dgm:t>
         <a:bodyPr/>
@@ -3307,16 +3388,24 @@
         </a:p>
       </dgm:t>
     </dgm:pt>
-    <dgm:pt modelId="{DEA8D9E0-A8CA-48EF-A2A5-7B4EACBDC6EA}" type="pres">
-      <dgm:prSet presAssocID="{AF9FAEE0-D707-4D4A-BC4E-B00284790C09}" presName="hierChild4" presStyleCnt="0"/>
-      <dgm:spPr/>
-    </dgm:pt>
-    <dgm:pt modelId="{601F07B1-5063-4BCA-9450-53D749FA758F}" type="pres">
-      <dgm:prSet presAssocID="{AF9FAEE0-D707-4D4A-BC4E-B00284790C09}" presName="hierChild5" presStyleCnt="0"/>
-      <dgm:spPr/>
-    </dgm:pt>
-    <dgm:pt modelId="{83BFE1B7-4CFE-4414-B2E2-2937D4F9C17F}" type="pres">
-      <dgm:prSet presAssocID="{188D1000-0E2B-4CE9-B4EC-57DF98E5B370}" presName="Name37" presStyleLbl="parChTrans1D3" presStyleIdx="2" presStyleCnt="9"/>
+    <dgm:pt modelId="{9D85BD58-234E-4F80-9935-D3C313D0B352}" type="pres">
+      <dgm:prSet presAssocID="{3E7D5DE8-38A7-4D01-B3B1-C41B904AFB24}" presName="hierRoot2" presStyleCnt="0">
+        <dgm:presLayoutVars>
+          <dgm:hierBranch val="init"/>
+        </dgm:presLayoutVars>
+      </dgm:prSet>
+      <dgm:spPr/>
+    </dgm:pt>
+    <dgm:pt modelId="{65E4694B-41D9-4797-84FF-7E0A04BEBBE2}" type="pres">
+      <dgm:prSet presAssocID="{3E7D5DE8-38A7-4D01-B3B1-C41B904AFB24}" presName="rootComposite" presStyleCnt="0"/>
+      <dgm:spPr/>
+    </dgm:pt>
+    <dgm:pt modelId="{D0C42A0A-227F-498C-9217-1F2A4E39F4AC}" type="pres">
+      <dgm:prSet presAssocID="{3E7D5DE8-38A7-4D01-B3B1-C41B904AFB24}" presName="rootText" presStyleLbl="node2" presStyleIdx="2" presStyleCnt="5">
+        <dgm:presLayoutVars>
+          <dgm:chPref val="3"/>
+        </dgm:presLayoutVars>
+      </dgm:prSet>
       <dgm:spPr/>
       <dgm:t>
         <a:bodyPr/>
@@ -3326,24 +3415,8 @@
         </a:p>
       </dgm:t>
     </dgm:pt>
-    <dgm:pt modelId="{459CC44D-C8B1-4635-A6BE-852CC0735C79}" type="pres">
-      <dgm:prSet presAssocID="{32A588C2-228D-4B26-9C8B-90CDFD0FC08B}" presName="hierRoot2" presStyleCnt="0">
-        <dgm:presLayoutVars>
-          <dgm:hierBranch val="init"/>
-        </dgm:presLayoutVars>
-      </dgm:prSet>
-      <dgm:spPr/>
-    </dgm:pt>
-    <dgm:pt modelId="{729F2795-3FC9-482D-A6E8-681E4BBC0F27}" type="pres">
-      <dgm:prSet presAssocID="{32A588C2-228D-4B26-9C8B-90CDFD0FC08B}" presName="rootComposite" presStyleCnt="0"/>
-      <dgm:spPr/>
-    </dgm:pt>
-    <dgm:pt modelId="{9C5E7AE7-E733-492C-8D9D-2B4E12574136}" type="pres">
-      <dgm:prSet presAssocID="{32A588C2-228D-4B26-9C8B-90CDFD0FC08B}" presName="rootText" presStyleLbl="node3" presStyleIdx="2" presStyleCnt="9" custLinFactNeighborX="-11737" custLinFactNeighborY="2608">
-        <dgm:presLayoutVars>
-          <dgm:chPref val="3"/>
-        </dgm:presLayoutVars>
-      </dgm:prSet>
+    <dgm:pt modelId="{D47F8C64-7351-47DD-ABB9-3A4D5CE04EBC}" type="pres">
+      <dgm:prSet presAssocID="{3E7D5DE8-38A7-4D01-B3B1-C41B904AFB24}" presName="rootConnector" presStyleLbl="node2" presStyleIdx="2" presStyleCnt="5"/>
       <dgm:spPr/>
       <dgm:t>
         <a:bodyPr/>
@@ -3353,8 +3426,12 @@
         </a:p>
       </dgm:t>
     </dgm:pt>
-    <dgm:pt modelId="{6AB2AA11-CB4E-478D-B63B-A0BF5B893B44}" type="pres">
-      <dgm:prSet presAssocID="{32A588C2-228D-4B26-9C8B-90CDFD0FC08B}" presName="rootConnector" presStyleLbl="node3" presStyleIdx="2" presStyleCnt="9"/>
+    <dgm:pt modelId="{0EB07231-3CA0-42A8-AE42-EFF984FC9A65}" type="pres">
+      <dgm:prSet presAssocID="{3E7D5DE8-38A7-4D01-B3B1-C41B904AFB24}" presName="hierChild4" presStyleCnt="0"/>
+      <dgm:spPr/>
+    </dgm:pt>
+    <dgm:pt modelId="{A148AF3D-8225-4C90-9973-D39067016BF1}" type="pres">
+      <dgm:prSet presAssocID="{5A94BF89-F459-4076-B825-3EF69867B9E6}" presName="Name37" presStyleLbl="parChTrans1D3" presStyleIdx="3" presStyleCnt="9"/>
       <dgm:spPr/>
       <dgm:t>
         <a:bodyPr/>
@@ -3364,20 +3441,24 @@
         </a:p>
       </dgm:t>
     </dgm:pt>
-    <dgm:pt modelId="{CB7BB7FB-F6D9-464D-8147-B1D785A2A656}" type="pres">
-      <dgm:prSet presAssocID="{32A588C2-228D-4B26-9C8B-90CDFD0FC08B}" presName="hierChild4" presStyleCnt="0"/>
-      <dgm:spPr/>
-    </dgm:pt>
-    <dgm:pt modelId="{7D98686E-4B2F-406D-9145-91C4756133B1}" type="pres">
-      <dgm:prSet presAssocID="{32A588C2-228D-4B26-9C8B-90CDFD0FC08B}" presName="hierChild5" presStyleCnt="0"/>
-      <dgm:spPr/>
-    </dgm:pt>
-    <dgm:pt modelId="{AFF660C7-7594-4A5C-9B19-EA55042202B5}" type="pres">
-      <dgm:prSet presAssocID="{D0D5EBBE-C984-451E-A77C-06635B96115A}" presName="hierChild5" presStyleCnt="0"/>
-      <dgm:spPr/>
-    </dgm:pt>
-    <dgm:pt modelId="{A3C064E1-EB83-4A90-BC9B-363A4369B1D9}" type="pres">
-      <dgm:prSet presAssocID="{AE15057E-D275-4CBA-BBDA-7AFB5273F6D0}" presName="Name37" presStyleLbl="parChTrans1D2" presStyleIdx="1" presStyleCnt="5"/>
+    <dgm:pt modelId="{0ACF801A-7B48-49C3-8A6E-CA4C0C45AF98}" type="pres">
+      <dgm:prSet presAssocID="{C4E9236B-D5FB-402F-9C08-8917C5806671}" presName="hierRoot2" presStyleCnt="0">
+        <dgm:presLayoutVars>
+          <dgm:hierBranch val="init"/>
+        </dgm:presLayoutVars>
+      </dgm:prSet>
+      <dgm:spPr/>
+    </dgm:pt>
+    <dgm:pt modelId="{40E4F4C8-F940-4406-A70A-5688CE993E72}" type="pres">
+      <dgm:prSet presAssocID="{C4E9236B-D5FB-402F-9C08-8917C5806671}" presName="rootComposite" presStyleCnt="0"/>
+      <dgm:spPr/>
+    </dgm:pt>
+    <dgm:pt modelId="{426BD5C4-6298-4765-92B5-5BE6F449DD28}" type="pres">
+      <dgm:prSet presAssocID="{C4E9236B-D5FB-402F-9C08-8917C5806671}" presName="rootText" presStyleLbl="node3" presStyleIdx="3" presStyleCnt="9" custScaleX="82877" custScaleY="56225">
+        <dgm:presLayoutVars>
+          <dgm:chPref val="3"/>
+        </dgm:presLayoutVars>
+      </dgm:prSet>
       <dgm:spPr/>
       <dgm:t>
         <a:bodyPr/>
@@ -3387,24 +3468,8 @@
         </a:p>
       </dgm:t>
     </dgm:pt>
-    <dgm:pt modelId="{5F49EB11-AF2A-43A7-A5F6-C818A93333A4}" type="pres">
-      <dgm:prSet presAssocID="{DEB3A288-72B2-4CE3-BA0E-2385DCEA1166}" presName="hierRoot2" presStyleCnt="0">
-        <dgm:presLayoutVars>
-          <dgm:hierBranch val="init"/>
-        </dgm:presLayoutVars>
-      </dgm:prSet>
-      <dgm:spPr/>
-    </dgm:pt>
-    <dgm:pt modelId="{3EA9B75B-9B66-4B39-BB46-6C7E1F816C1E}" type="pres">
-      <dgm:prSet presAssocID="{DEB3A288-72B2-4CE3-BA0E-2385DCEA1166}" presName="rootComposite" presStyleCnt="0"/>
-      <dgm:spPr/>
-    </dgm:pt>
-    <dgm:pt modelId="{3DCFB508-F20D-419B-97A2-A0EA8AAE62B8}" type="pres">
-      <dgm:prSet presAssocID="{DEB3A288-72B2-4CE3-BA0E-2385DCEA1166}" presName="rootText" presStyleLbl="node2" presStyleIdx="1" presStyleCnt="5">
-        <dgm:presLayoutVars>
-          <dgm:chPref val="3"/>
-        </dgm:presLayoutVars>
-      </dgm:prSet>
+    <dgm:pt modelId="{1A4D12E3-2EEF-4745-BCD2-3B9AFD0CBE3F}" type="pres">
+      <dgm:prSet presAssocID="{C4E9236B-D5FB-402F-9C08-8917C5806671}" presName="rootConnector" presStyleLbl="node3" presStyleIdx="3" presStyleCnt="9"/>
       <dgm:spPr/>
       <dgm:t>
         <a:bodyPr/>
@@ -3414,8 +3479,16 @@
         </a:p>
       </dgm:t>
     </dgm:pt>
-    <dgm:pt modelId="{D1586E0D-5339-4871-B373-DE07F6A4B31A}" type="pres">
-      <dgm:prSet presAssocID="{DEB3A288-72B2-4CE3-BA0E-2385DCEA1166}" presName="rootConnector" presStyleLbl="node2" presStyleIdx="1" presStyleCnt="5"/>
+    <dgm:pt modelId="{691979FA-4AA7-499E-96E3-2630F7706F7C}" type="pres">
+      <dgm:prSet presAssocID="{C4E9236B-D5FB-402F-9C08-8917C5806671}" presName="hierChild4" presStyleCnt="0"/>
+      <dgm:spPr/>
+    </dgm:pt>
+    <dgm:pt modelId="{B2195A48-A994-49B7-AD2C-C016D6FF4D55}" type="pres">
+      <dgm:prSet presAssocID="{C4E9236B-D5FB-402F-9C08-8917C5806671}" presName="hierChild5" presStyleCnt="0"/>
+      <dgm:spPr/>
+    </dgm:pt>
+    <dgm:pt modelId="{DE72DF6E-144C-454B-9565-EC52D8FB4D37}" type="pres">
+      <dgm:prSet presAssocID="{04B442D8-6F45-4C79-8A4C-6886FDE02F97}" presName="Name37" presStyleLbl="parChTrans1D3" presStyleIdx="4" presStyleCnt="9"/>
       <dgm:spPr/>
       <dgm:t>
         <a:bodyPr/>
@@ -3425,16 +3498,24 @@
         </a:p>
       </dgm:t>
     </dgm:pt>
-    <dgm:pt modelId="{1E188EC2-DBC6-4C65-BECE-BD2803FEF22A}" type="pres">
-      <dgm:prSet presAssocID="{DEB3A288-72B2-4CE3-BA0E-2385DCEA1166}" presName="hierChild4" presStyleCnt="0"/>
-      <dgm:spPr/>
-    </dgm:pt>
-    <dgm:pt modelId="{7BDB545F-D926-4F24-ADC0-2F94B2F38341}" type="pres">
-      <dgm:prSet presAssocID="{DEB3A288-72B2-4CE3-BA0E-2385DCEA1166}" presName="hierChild5" presStyleCnt="0"/>
-      <dgm:spPr/>
-    </dgm:pt>
-    <dgm:pt modelId="{075DE7FD-AB6D-45A1-88B5-F6DE55537A5C}" type="pres">
-      <dgm:prSet presAssocID="{1F891C72-4331-4225-9131-EE90A5156BCC}" presName="Name37" presStyleLbl="parChTrans1D2" presStyleIdx="2" presStyleCnt="5"/>
+    <dgm:pt modelId="{BB759B9C-E166-4318-8783-39AF6A31B605}" type="pres">
+      <dgm:prSet presAssocID="{C5D14313-4718-4BA4-8034-5E4E2ACBCC70}" presName="hierRoot2" presStyleCnt="0">
+        <dgm:presLayoutVars>
+          <dgm:hierBranch val="init"/>
+        </dgm:presLayoutVars>
+      </dgm:prSet>
+      <dgm:spPr/>
+    </dgm:pt>
+    <dgm:pt modelId="{BCEFBE32-E840-4B19-88F0-92A0A913E41C}" type="pres">
+      <dgm:prSet presAssocID="{C5D14313-4718-4BA4-8034-5E4E2ACBCC70}" presName="rootComposite" presStyleCnt="0"/>
+      <dgm:spPr/>
+    </dgm:pt>
+    <dgm:pt modelId="{425B22CD-323F-4E0B-BEA0-EC7E00D9ABF2}" type="pres">
+      <dgm:prSet presAssocID="{C5D14313-4718-4BA4-8034-5E4E2ACBCC70}" presName="rootText" presStyleLbl="node3" presStyleIdx="4" presStyleCnt="9" custScaleX="82877" custScaleY="56225">
+        <dgm:presLayoutVars>
+          <dgm:chPref val="3"/>
+        </dgm:presLayoutVars>
+      </dgm:prSet>
       <dgm:spPr/>
       <dgm:t>
         <a:bodyPr/>
@@ -3444,24 +3525,8 @@
         </a:p>
       </dgm:t>
     </dgm:pt>
-    <dgm:pt modelId="{9D85BD58-234E-4F80-9935-D3C313D0B352}" type="pres">
-      <dgm:prSet presAssocID="{3E7D5DE8-38A7-4D01-B3B1-C41B904AFB24}" presName="hierRoot2" presStyleCnt="0">
-        <dgm:presLayoutVars>
-          <dgm:hierBranch val="init"/>
-        </dgm:presLayoutVars>
-      </dgm:prSet>
-      <dgm:spPr/>
-    </dgm:pt>
-    <dgm:pt modelId="{65E4694B-41D9-4797-84FF-7E0A04BEBBE2}" type="pres">
-      <dgm:prSet presAssocID="{3E7D5DE8-38A7-4D01-B3B1-C41B904AFB24}" presName="rootComposite" presStyleCnt="0"/>
-      <dgm:spPr/>
-    </dgm:pt>
-    <dgm:pt modelId="{D0C42A0A-227F-498C-9217-1F2A4E39F4AC}" type="pres">
-      <dgm:prSet presAssocID="{3E7D5DE8-38A7-4D01-B3B1-C41B904AFB24}" presName="rootText" presStyleLbl="node2" presStyleIdx="2" presStyleCnt="5">
-        <dgm:presLayoutVars>
-          <dgm:chPref val="3"/>
-        </dgm:presLayoutVars>
-      </dgm:prSet>
+    <dgm:pt modelId="{CFB84857-AF84-4F8B-907E-44B005282350}" type="pres">
+      <dgm:prSet presAssocID="{C5D14313-4718-4BA4-8034-5E4E2ACBCC70}" presName="rootConnector" presStyleLbl="node3" presStyleIdx="4" presStyleCnt="9"/>
       <dgm:spPr/>
       <dgm:t>
         <a:bodyPr/>
@@ -3471,8 +3536,16 @@
         </a:p>
       </dgm:t>
     </dgm:pt>
-    <dgm:pt modelId="{D47F8C64-7351-47DD-ABB9-3A4D5CE04EBC}" type="pres">
-      <dgm:prSet presAssocID="{3E7D5DE8-38A7-4D01-B3B1-C41B904AFB24}" presName="rootConnector" presStyleLbl="node2" presStyleIdx="2" presStyleCnt="5"/>
+    <dgm:pt modelId="{555F9CE5-6B4F-41EE-A503-E2A482DE4442}" type="pres">
+      <dgm:prSet presAssocID="{C5D14313-4718-4BA4-8034-5E4E2ACBCC70}" presName="hierChild4" presStyleCnt="0"/>
+      <dgm:spPr/>
+    </dgm:pt>
+    <dgm:pt modelId="{C3278657-5DCC-4AAB-B407-739B9E618D69}" type="pres">
+      <dgm:prSet presAssocID="{C5D14313-4718-4BA4-8034-5E4E2ACBCC70}" presName="hierChild5" presStyleCnt="0"/>
+      <dgm:spPr/>
+    </dgm:pt>
+    <dgm:pt modelId="{FB0D67E1-4705-4C5A-A8BE-E373C4C7F8DC}" type="pres">
+      <dgm:prSet presAssocID="{D81EE60C-1689-4013-8B94-71E45948E61C}" presName="Name37" presStyleLbl="parChTrans1D3" presStyleIdx="5" presStyleCnt="9"/>
       <dgm:spPr/>
       <dgm:t>
         <a:bodyPr/>
@@ -3482,12 +3555,24 @@
         </a:p>
       </dgm:t>
     </dgm:pt>
-    <dgm:pt modelId="{0EB07231-3CA0-42A8-AE42-EFF984FC9A65}" type="pres">
-      <dgm:prSet presAssocID="{3E7D5DE8-38A7-4D01-B3B1-C41B904AFB24}" presName="hierChild4" presStyleCnt="0"/>
-      <dgm:spPr/>
-    </dgm:pt>
-    <dgm:pt modelId="{A148AF3D-8225-4C90-9973-D39067016BF1}" type="pres">
-      <dgm:prSet presAssocID="{5A94BF89-F459-4076-B825-3EF69867B9E6}" presName="Name37" presStyleLbl="parChTrans1D3" presStyleIdx="3" presStyleCnt="9"/>
+    <dgm:pt modelId="{12F69B15-CF2E-40D3-8957-9480010322BC}" type="pres">
+      <dgm:prSet presAssocID="{9CF9D14A-D997-48A5-ACA0-BD0A85F323A1}" presName="hierRoot2" presStyleCnt="0">
+        <dgm:presLayoutVars>
+          <dgm:hierBranch val="init"/>
+        </dgm:presLayoutVars>
+      </dgm:prSet>
+      <dgm:spPr/>
+    </dgm:pt>
+    <dgm:pt modelId="{00B0645B-7068-4CF2-86BC-E71D677EED41}" type="pres">
+      <dgm:prSet presAssocID="{9CF9D14A-D997-48A5-ACA0-BD0A85F323A1}" presName="rootComposite" presStyleCnt="0"/>
+      <dgm:spPr/>
+    </dgm:pt>
+    <dgm:pt modelId="{AB7ECE86-F423-469A-804C-9E0A6711CE75}" type="pres">
+      <dgm:prSet presAssocID="{9CF9D14A-D997-48A5-ACA0-BD0A85F323A1}" presName="rootText" presStyleLbl="node3" presStyleIdx="5" presStyleCnt="9" custScaleX="82877" custScaleY="56225">
+        <dgm:presLayoutVars>
+          <dgm:chPref val="3"/>
+        </dgm:presLayoutVars>
+      </dgm:prSet>
       <dgm:spPr/>
       <dgm:t>
         <a:bodyPr/>
@@ -3497,24 +3582,8 @@
         </a:p>
       </dgm:t>
     </dgm:pt>
-    <dgm:pt modelId="{0ACF801A-7B48-49C3-8A6E-CA4C0C45AF98}" type="pres">
-      <dgm:prSet presAssocID="{C4E9236B-D5FB-402F-9C08-8917C5806671}" presName="hierRoot2" presStyleCnt="0">
-        <dgm:presLayoutVars>
-          <dgm:hierBranch val="init"/>
-        </dgm:presLayoutVars>
-      </dgm:prSet>
-      <dgm:spPr/>
-    </dgm:pt>
-    <dgm:pt modelId="{40E4F4C8-F940-4406-A70A-5688CE993E72}" type="pres">
-      <dgm:prSet presAssocID="{C4E9236B-D5FB-402F-9C08-8917C5806671}" presName="rootComposite" presStyleCnt="0"/>
-      <dgm:spPr/>
-    </dgm:pt>
-    <dgm:pt modelId="{426BD5C4-6298-4765-92B5-5BE6F449DD28}" type="pres">
-      <dgm:prSet presAssocID="{C4E9236B-D5FB-402F-9C08-8917C5806671}" presName="rootText" presStyleLbl="node3" presStyleIdx="3" presStyleCnt="9" custScaleX="82877" custScaleY="56225">
-        <dgm:presLayoutVars>
-          <dgm:chPref val="3"/>
-        </dgm:presLayoutVars>
-      </dgm:prSet>
+    <dgm:pt modelId="{37F9F289-47AC-4257-A31F-E2E8F2183DC3}" type="pres">
+      <dgm:prSet presAssocID="{9CF9D14A-D997-48A5-ACA0-BD0A85F323A1}" presName="rootConnector" presStyleLbl="node3" presStyleIdx="5" presStyleCnt="9"/>
       <dgm:spPr/>
       <dgm:t>
         <a:bodyPr/>
@@ -3524,8 +3593,16 @@
         </a:p>
       </dgm:t>
     </dgm:pt>
-    <dgm:pt modelId="{1A4D12E3-2EEF-4745-BCD2-3B9AFD0CBE3F}" type="pres">
-      <dgm:prSet presAssocID="{C4E9236B-D5FB-402F-9C08-8917C5806671}" presName="rootConnector" presStyleLbl="node3" presStyleIdx="3" presStyleCnt="9"/>
+    <dgm:pt modelId="{0756DBE1-0E1B-4509-A40C-2596EFA974BD}" type="pres">
+      <dgm:prSet presAssocID="{9CF9D14A-D997-48A5-ACA0-BD0A85F323A1}" presName="hierChild4" presStyleCnt="0"/>
+      <dgm:spPr/>
+    </dgm:pt>
+    <dgm:pt modelId="{2CC3C5A6-212A-406C-A47B-1E4C5C93C0F1}" type="pres">
+      <dgm:prSet presAssocID="{9CF9D14A-D997-48A5-ACA0-BD0A85F323A1}" presName="hierChild5" presStyleCnt="0"/>
+      <dgm:spPr/>
+    </dgm:pt>
+    <dgm:pt modelId="{6BB70260-FBF6-4FD9-8B99-A7ECE1F53A39}" type="pres">
+      <dgm:prSet presAssocID="{C206CBEC-A310-48C5-A1E3-51069AAB7E06}" presName="Name37" presStyleLbl="parChTrans1D3" presStyleIdx="6" presStyleCnt="9"/>
       <dgm:spPr/>
       <dgm:t>
         <a:bodyPr/>
@@ -3535,16 +3612,24 @@
         </a:p>
       </dgm:t>
     </dgm:pt>
-    <dgm:pt modelId="{691979FA-4AA7-499E-96E3-2630F7706F7C}" type="pres">
-      <dgm:prSet presAssocID="{C4E9236B-D5FB-402F-9C08-8917C5806671}" presName="hierChild4" presStyleCnt="0"/>
-      <dgm:spPr/>
-    </dgm:pt>
-    <dgm:pt modelId="{B2195A48-A994-49B7-AD2C-C016D6FF4D55}" type="pres">
-      <dgm:prSet presAssocID="{C4E9236B-D5FB-402F-9C08-8917C5806671}" presName="hierChild5" presStyleCnt="0"/>
-      <dgm:spPr/>
-    </dgm:pt>
-    <dgm:pt modelId="{DE72DF6E-144C-454B-9565-EC52D8FB4D37}" type="pres">
-      <dgm:prSet presAssocID="{04B442D8-6F45-4C79-8A4C-6886FDE02F97}" presName="Name37" presStyleLbl="parChTrans1D3" presStyleIdx="4" presStyleCnt="9"/>
+    <dgm:pt modelId="{CB8079F8-3BBB-455B-A366-62293B5B4128}" type="pres">
+      <dgm:prSet presAssocID="{FEF5EF31-1DF3-4F02-8BF5-0FAA9FBF05DF}" presName="hierRoot2" presStyleCnt="0">
+        <dgm:presLayoutVars>
+          <dgm:hierBranch val="init"/>
+        </dgm:presLayoutVars>
+      </dgm:prSet>
+      <dgm:spPr/>
+    </dgm:pt>
+    <dgm:pt modelId="{20A941C0-6B5C-4306-BB47-C60AB75805F0}" type="pres">
+      <dgm:prSet presAssocID="{FEF5EF31-1DF3-4F02-8BF5-0FAA9FBF05DF}" presName="rootComposite" presStyleCnt="0"/>
+      <dgm:spPr/>
+    </dgm:pt>
+    <dgm:pt modelId="{51735A62-65C8-4B72-BC21-EC0033831CB7}" type="pres">
+      <dgm:prSet presAssocID="{FEF5EF31-1DF3-4F02-8BF5-0FAA9FBF05DF}" presName="rootText" presStyleLbl="node3" presStyleIdx="6" presStyleCnt="9" custScaleX="82877" custScaleY="56225">
+        <dgm:presLayoutVars>
+          <dgm:chPref val="3"/>
+        </dgm:presLayoutVars>
+      </dgm:prSet>
       <dgm:spPr/>
       <dgm:t>
         <a:bodyPr/>
@@ -3554,24 +3639,8 @@
         </a:p>
       </dgm:t>
     </dgm:pt>
-    <dgm:pt modelId="{BB759B9C-E166-4318-8783-39AF6A31B605}" type="pres">
-      <dgm:prSet presAssocID="{C5D14313-4718-4BA4-8034-5E4E2ACBCC70}" presName="hierRoot2" presStyleCnt="0">
-        <dgm:presLayoutVars>
-          <dgm:hierBranch val="init"/>
-        </dgm:presLayoutVars>
-      </dgm:prSet>
-      <dgm:spPr/>
-    </dgm:pt>
-    <dgm:pt modelId="{BCEFBE32-E840-4B19-88F0-92A0A913E41C}" type="pres">
-      <dgm:prSet presAssocID="{C5D14313-4718-4BA4-8034-5E4E2ACBCC70}" presName="rootComposite" presStyleCnt="0"/>
-      <dgm:spPr/>
-    </dgm:pt>
-    <dgm:pt modelId="{425B22CD-323F-4E0B-BEA0-EC7E00D9ABF2}" type="pres">
-      <dgm:prSet presAssocID="{C5D14313-4718-4BA4-8034-5E4E2ACBCC70}" presName="rootText" presStyleLbl="node3" presStyleIdx="4" presStyleCnt="9" custScaleX="82877" custScaleY="56225">
-        <dgm:presLayoutVars>
-          <dgm:chPref val="3"/>
-        </dgm:presLayoutVars>
-      </dgm:prSet>
+    <dgm:pt modelId="{29C82EC9-E8DF-43E5-AE26-7FE69F2FE8E3}" type="pres">
+      <dgm:prSet presAssocID="{FEF5EF31-1DF3-4F02-8BF5-0FAA9FBF05DF}" presName="rootConnector" presStyleLbl="node3" presStyleIdx="6" presStyleCnt="9"/>
       <dgm:spPr/>
       <dgm:t>
         <a:bodyPr/>
@@ -3581,8 +3650,16 @@
         </a:p>
       </dgm:t>
     </dgm:pt>
-    <dgm:pt modelId="{CFB84857-AF84-4F8B-907E-44B005282350}" type="pres">
-      <dgm:prSet presAssocID="{C5D14313-4718-4BA4-8034-5E4E2ACBCC70}" presName="rootConnector" presStyleLbl="node3" presStyleIdx="4" presStyleCnt="9"/>
+    <dgm:pt modelId="{0226FF58-35DD-44DA-8330-812BB9861BAB}" type="pres">
+      <dgm:prSet presAssocID="{FEF5EF31-1DF3-4F02-8BF5-0FAA9FBF05DF}" presName="hierChild4" presStyleCnt="0"/>
+      <dgm:spPr/>
+    </dgm:pt>
+    <dgm:pt modelId="{A95144A9-7340-441E-82FD-F72E1E4F2FC1}" type="pres">
+      <dgm:prSet presAssocID="{FEF5EF31-1DF3-4F02-8BF5-0FAA9FBF05DF}" presName="hierChild5" presStyleCnt="0"/>
+      <dgm:spPr/>
+    </dgm:pt>
+    <dgm:pt modelId="{1BF37D4C-6B8D-491C-BFA6-EF055187F912}" type="pres">
+      <dgm:prSet presAssocID="{AE6AB92A-B651-446C-B90D-191341024DCA}" presName="Name37" presStyleLbl="parChTrans1D3" presStyleIdx="7" presStyleCnt="9"/>
       <dgm:spPr/>
       <dgm:t>
         <a:bodyPr/>
@@ -3592,16 +3669,24 @@
         </a:p>
       </dgm:t>
     </dgm:pt>
-    <dgm:pt modelId="{555F9CE5-6B4F-41EE-A503-E2A482DE4442}" type="pres">
-      <dgm:prSet presAssocID="{C5D14313-4718-4BA4-8034-5E4E2ACBCC70}" presName="hierChild4" presStyleCnt="0"/>
-      <dgm:spPr/>
-    </dgm:pt>
-    <dgm:pt modelId="{C3278657-5DCC-4AAB-B407-739B9E618D69}" type="pres">
-      <dgm:prSet presAssocID="{C5D14313-4718-4BA4-8034-5E4E2ACBCC70}" presName="hierChild5" presStyleCnt="0"/>
-      <dgm:spPr/>
-    </dgm:pt>
-    <dgm:pt modelId="{FB0D67E1-4705-4C5A-A8BE-E373C4C7F8DC}" type="pres">
-      <dgm:prSet presAssocID="{D81EE60C-1689-4013-8B94-71E45948E61C}" presName="Name37" presStyleLbl="parChTrans1D3" presStyleIdx="5" presStyleCnt="9"/>
+    <dgm:pt modelId="{86602689-6C9B-46AE-9978-4661220F57E8}" type="pres">
+      <dgm:prSet presAssocID="{2FF04469-EC18-4DEF-9211-026033421D7F}" presName="hierRoot2" presStyleCnt="0">
+        <dgm:presLayoutVars>
+          <dgm:hierBranch val="init"/>
+        </dgm:presLayoutVars>
+      </dgm:prSet>
+      <dgm:spPr/>
+    </dgm:pt>
+    <dgm:pt modelId="{8113BA05-6646-49AD-88B0-3E36D247C6C9}" type="pres">
+      <dgm:prSet presAssocID="{2FF04469-EC18-4DEF-9211-026033421D7F}" presName="rootComposite" presStyleCnt="0"/>
+      <dgm:spPr/>
+    </dgm:pt>
+    <dgm:pt modelId="{BCC10AE4-DC99-4EA0-B027-3C11C8AFFA0B}" type="pres">
+      <dgm:prSet presAssocID="{2FF04469-EC18-4DEF-9211-026033421D7F}" presName="rootText" presStyleLbl="node3" presStyleIdx="7" presStyleCnt="9" custScaleX="82877" custScaleY="56225">
+        <dgm:presLayoutVars>
+          <dgm:chPref val="3"/>
+        </dgm:presLayoutVars>
+      </dgm:prSet>
       <dgm:spPr/>
       <dgm:t>
         <a:bodyPr/>
@@ -3611,24 +3696,8 @@
         </a:p>
       </dgm:t>
     </dgm:pt>
-    <dgm:pt modelId="{12F69B15-CF2E-40D3-8957-9480010322BC}" type="pres">
-      <dgm:prSet presAssocID="{9CF9D14A-D997-48A5-ACA0-BD0A85F323A1}" presName="hierRoot2" presStyleCnt="0">
-        <dgm:presLayoutVars>
-          <dgm:hierBranch val="init"/>
-        </dgm:presLayoutVars>
-      </dgm:prSet>
-      <dgm:spPr/>
-    </dgm:pt>
-    <dgm:pt modelId="{00B0645B-7068-4CF2-86BC-E71D677EED41}" type="pres">
-      <dgm:prSet presAssocID="{9CF9D14A-D997-48A5-ACA0-BD0A85F323A1}" presName="rootComposite" presStyleCnt="0"/>
-      <dgm:spPr/>
-    </dgm:pt>
-    <dgm:pt modelId="{AB7ECE86-F423-469A-804C-9E0A6711CE75}" type="pres">
-      <dgm:prSet presAssocID="{9CF9D14A-D997-48A5-ACA0-BD0A85F323A1}" presName="rootText" presStyleLbl="node3" presStyleIdx="5" presStyleCnt="9" custScaleX="82877" custScaleY="56225">
-        <dgm:presLayoutVars>
-          <dgm:chPref val="3"/>
-        </dgm:presLayoutVars>
-      </dgm:prSet>
+    <dgm:pt modelId="{98EBC135-7D61-4607-8673-88321824B19A}" type="pres">
+      <dgm:prSet presAssocID="{2FF04469-EC18-4DEF-9211-026033421D7F}" presName="rootConnector" presStyleLbl="node3" presStyleIdx="7" presStyleCnt="9"/>
       <dgm:spPr/>
       <dgm:t>
         <a:bodyPr/>
@@ -3638,8 +3707,16 @@
         </a:p>
       </dgm:t>
     </dgm:pt>
-    <dgm:pt modelId="{37F9F289-47AC-4257-A31F-E2E8F2183DC3}" type="pres">
-      <dgm:prSet presAssocID="{9CF9D14A-D997-48A5-ACA0-BD0A85F323A1}" presName="rootConnector" presStyleLbl="node3" presStyleIdx="5" presStyleCnt="9"/>
+    <dgm:pt modelId="{39D676ED-D687-45A8-BAE2-452B3A691EB1}" type="pres">
+      <dgm:prSet presAssocID="{2FF04469-EC18-4DEF-9211-026033421D7F}" presName="hierChild4" presStyleCnt="0"/>
+      <dgm:spPr/>
+    </dgm:pt>
+    <dgm:pt modelId="{C7E5117E-BF0C-4A61-8073-5E57B6BE8C3F}" type="pres">
+      <dgm:prSet presAssocID="{2FF04469-EC18-4DEF-9211-026033421D7F}" presName="hierChild5" presStyleCnt="0"/>
+      <dgm:spPr/>
+    </dgm:pt>
+    <dgm:pt modelId="{00416E62-FBAF-4AA7-AE51-74C6003471F9}" type="pres">
+      <dgm:prSet presAssocID="{ADCBE1B0-B6AB-4350-9FC6-856DD57E9562}" presName="Name37" presStyleLbl="parChTrans1D3" presStyleIdx="8" presStyleCnt="9"/>
       <dgm:spPr/>
       <dgm:t>
         <a:bodyPr/>
@@ -3649,16 +3726,24 @@
         </a:p>
       </dgm:t>
     </dgm:pt>
-    <dgm:pt modelId="{0756DBE1-0E1B-4509-A40C-2596EFA974BD}" type="pres">
-      <dgm:prSet presAssocID="{9CF9D14A-D997-48A5-ACA0-BD0A85F323A1}" presName="hierChild4" presStyleCnt="0"/>
-      <dgm:spPr/>
-    </dgm:pt>
-    <dgm:pt modelId="{2CC3C5A6-212A-406C-A47B-1E4C5C93C0F1}" type="pres">
-      <dgm:prSet presAssocID="{9CF9D14A-D997-48A5-ACA0-BD0A85F323A1}" presName="hierChild5" presStyleCnt="0"/>
-      <dgm:spPr/>
-    </dgm:pt>
-    <dgm:pt modelId="{6BB70260-FBF6-4FD9-8B99-A7ECE1F53A39}" type="pres">
-      <dgm:prSet presAssocID="{C206CBEC-A310-48C5-A1E3-51069AAB7E06}" presName="Name37" presStyleLbl="parChTrans1D3" presStyleIdx="6" presStyleCnt="9"/>
+    <dgm:pt modelId="{63B03767-680D-4D62-96A6-23F74154861A}" type="pres">
+      <dgm:prSet presAssocID="{210B0EF3-C281-4060-A271-E34BD8547342}" presName="hierRoot2" presStyleCnt="0">
+        <dgm:presLayoutVars>
+          <dgm:hierBranch val="init"/>
+        </dgm:presLayoutVars>
+      </dgm:prSet>
+      <dgm:spPr/>
+    </dgm:pt>
+    <dgm:pt modelId="{49735B28-1F9C-4BE5-847A-BC143641476E}" type="pres">
+      <dgm:prSet presAssocID="{210B0EF3-C281-4060-A271-E34BD8547342}" presName="rootComposite" presStyleCnt="0"/>
+      <dgm:spPr/>
+    </dgm:pt>
+    <dgm:pt modelId="{F75D6229-E722-4C5A-8752-308DFF186597}" type="pres">
+      <dgm:prSet presAssocID="{210B0EF3-C281-4060-A271-E34BD8547342}" presName="rootText" presStyleLbl="node3" presStyleIdx="8" presStyleCnt="9" custScaleX="82877" custScaleY="56225">
+        <dgm:presLayoutVars>
+          <dgm:chPref val="3"/>
+        </dgm:presLayoutVars>
+      </dgm:prSet>
       <dgm:spPr/>
       <dgm:t>
         <a:bodyPr/>
@@ -3668,24 +3753,8 @@
         </a:p>
       </dgm:t>
     </dgm:pt>
-    <dgm:pt modelId="{CB8079F8-3BBB-455B-A366-62293B5B4128}" type="pres">
-      <dgm:prSet presAssocID="{FEF5EF31-1DF3-4F02-8BF5-0FAA9FBF05DF}" presName="hierRoot2" presStyleCnt="0">
-        <dgm:presLayoutVars>
-          <dgm:hierBranch val="init"/>
-        </dgm:presLayoutVars>
-      </dgm:prSet>
-      <dgm:spPr/>
-    </dgm:pt>
-    <dgm:pt modelId="{20A941C0-6B5C-4306-BB47-C60AB75805F0}" type="pres">
-      <dgm:prSet presAssocID="{FEF5EF31-1DF3-4F02-8BF5-0FAA9FBF05DF}" presName="rootComposite" presStyleCnt="0"/>
-      <dgm:spPr/>
-    </dgm:pt>
-    <dgm:pt modelId="{51735A62-65C8-4B72-BC21-EC0033831CB7}" type="pres">
-      <dgm:prSet presAssocID="{FEF5EF31-1DF3-4F02-8BF5-0FAA9FBF05DF}" presName="rootText" presStyleLbl="node3" presStyleIdx="6" presStyleCnt="9" custScaleX="82877" custScaleY="56225">
-        <dgm:presLayoutVars>
-          <dgm:chPref val="3"/>
-        </dgm:presLayoutVars>
-      </dgm:prSet>
+    <dgm:pt modelId="{D84F31A6-8A16-490F-B798-6B1CCC52D4CD}" type="pres">
+      <dgm:prSet presAssocID="{210B0EF3-C281-4060-A271-E34BD8547342}" presName="rootConnector" presStyleLbl="node3" presStyleIdx="8" presStyleCnt="9"/>
       <dgm:spPr/>
       <dgm:t>
         <a:bodyPr/>
@@ -3695,8 +3764,20 @@
         </a:p>
       </dgm:t>
     </dgm:pt>
-    <dgm:pt modelId="{29C82EC9-E8DF-43E5-AE26-7FE69F2FE8E3}" type="pres">
-      <dgm:prSet presAssocID="{FEF5EF31-1DF3-4F02-8BF5-0FAA9FBF05DF}" presName="rootConnector" presStyleLbl="node3" presStyleIdx="6" presStyleCnt="9"/>
+    <dgm:pt modelId="{B7DCC22D-685E-4B67-91EC-8CA4B10F28F1}" type="pres">
+      <dgm:prSet presAssocID="{210B0EF3-C281-4060-A271-E34BD8547342}" presName="hierChild4" presStyleCnt="0"/>
+      <dgm:spPr/>
+    </dgm:pt>
+    <dgm:pt modelId="{6AF3560C-5408-4952-8A6A-679FB0CCDFD1}" type="pres">
+      <dgm:prSet presAssocID="{210B0EF3-C281-4060-A271-E34BD8547342}" presName="hierChild5" presStyleCnt="0"/>
+      <dgm:spPr/>
+    </dgm:pt>
+    <dgm:pt modelId="{9CDF5DD1-7548-4624-9C39-EA2F57F03E6C}" type="pres">
+      <dgm:prSet presAssocID="{3E7D5DE8-38A7-4D01-B3B1-C41B904AFB24}" presName="hierChild5" presStyleCnt="0"/>
+      <dgm:spPr/>
+    </dgm:pt>
+    <dgm:pt modelId="{1FD30025-BE06-4C8D-8024-6353A3A86C64}" type="pres">
+      <dgm:prSet presAssocID="{06A4DF89-C148-4CB0-BC1C-719E15C3A380}" presName="Name37" presStyleLbl="parChTrans1D2" presStyleIdx="3" presStyleCnt="5"/>
       <dgm:spPr/>
       <dgm:t>
         <a:bodyPr/>
@@ -3706,16 +3787,24 @@
         </a:p>
       </dgm:t>
     </dgm:pt>
-    <dgm:pt modelId="{0226FF58-35DD-44DA-8330-812BB9861BAB}" type="pres">
-      <dgm:prSet presAssocID="{FEF5EF31-1DF3-4F02-8BF5-0FAA9FBF05DF}" presName="hierChild4" presStyleCnt="0"/>
-      <dgm:spPr/>
-    </dgm:pt>
-    <dgm:pt modelId="{A95144A9-7340-441E-82FD-F72E1E4F2FC1}" type="pres">
-      <dgm:prSet presAssocID="{FEF5EF31-1DF3-4F02-8BF5-0FAA9FBF05DF}" presName="hierChild5" presStyleCnt="0"/>
-      <dgm:spPr/>
-    </dgm:pt>
-    <dgm:pt modelId="{1BF37D4C-6B8D-491C-BFA6-EF055187F912}" type="pres">
-      <dgm:prSet presAssocID="{AE6AB92A-B651-446C-B90D-191341024DCA}" presName="Name37" presStyleLbl="parChTrans1D3" presStyleIdx="7" presStyleCnt="9"/>
+    <dgm:pt modelId="{031ED071-E8F0-4ADE-BB27-DE25D6F99C8E}" type="pres">
+      <dgm:prSet presAssocID="{CFC8A77C-E037-4F39-89BC-7C46B2FFF6C3}" presName="hierRoot2" presStyleCnt="0">
+        <dgm:presLayoutVars>
+          <dgm:hierBranch val="init"/>
+        </dgm:presLayoutVars>
+      </dgm:prSet>
+      <dgm:spPr/>
+    </dgm:pt>
+    <dgm:pt modelId="{ED920AE2-8DD7-43C4-A091-03032651C021}" type="pres">
+      <dgm:prSet presAssocID="{CFC8A77C-E037-4F39-89BC-7C46B2FFF6C3}" presName="rootComposite" presStyleCnt="0"/>
+      <dgm:spPr/>
+    </dgm:pt>
+    <dgm:pt modelId="{B512DCC2-F8AD-4A88-8224-BF794CC14E60}" type="pres">
+      <dgm:prSet presAssocID="{CFC8A77C-E037-4F39-89BC-7C46B2FFF6C3}" presName="rootText" presStyleLbl="node2" presStyleIdx="3" presStyleCnt="5">
+        <dgm:presLayoutVars>
+          <dgm:chPref val="3"/>
+        </dgm:presLayoutVars>
+      </dgm:prSet>
       <dgm:spPr/>
       <dgm:t>
         <a:bodyPr/>
@@ -3725,24 +3814,8 @@
         </a:p>
       </dgm:t>
     </dgm:pt>
-    <dgm:pt modelId="{86602689-6C9B-46AE-9978-4661220F57E8}" type="pres">
-      <dgm:prSet presAssocID="{2FF04469-EC18-4DEF-9211-026033421D7F}" presName="hierRoot2" presStyleCnt="0">
-        <dgm:presLayoutVars>
-          <dgm:hierBranch val="init"/>
-        </dgm:presLayoutVars>
-      </dgm:prSet>
-      <dgm:spPr/>
-    </dgm:pt>
-    <dgm:pt modelId="{8113BA05-6646-49AD-88B0-3E36D247C6C9}" type="pres">
-      <dgm:prSet presAssocID="{2FF04469-EC18-4DEF-9211-026033421D7F}" presName="rootComposite" presStyleCnt="0"/>
-      <dgm:spPr/>
-    </dgm:pt>
-    <dgm:pt modelId="{BCC10AE4-DC99-4EA0-B027-3C11C8AFFA0B}" type="pres">
-      <dgm:prSet presAssocID="{2FF04469-EC18-4DEF-9211-026033421D7F}" presName="rootText" presStyleLbl="node3" presStyleIdx="7" presStyleCnt="9" custScaleX="82877" custScaleY="56225">
-        <dgm:presLayoutVars>
-          <dgm:chPref val="3"/>
-        </dgm:presLayoutVars>
-      </dgm:prSet>
+    <dgm:pt modelId="{C385DBD7-122C-4C76-95AA-F0EDDD576213}" type="pres">
+      <dgm:prSet presAssocID="{CFC8A77C-E037-4F39-89BC-7C46B2FFF6C3}" presName="rootConnector" presStyleLbl="node2" presStyleIdx="3" presStyleCnt="5"/>
       <dgm:spPr/>
       <dgm:t>
         <a:bodyPr/>
@@ -3752,8 +3825,16 @@
         </a:p>
       </dgm:t>
     </dgm:pt>
-    <dgm:pt modelId="{98EBC135-7D61-4607-8673-88321824B19A}" type="pres">
-      <dgm:prSet presAssocID="{2FF04469-EC18-4DEF-9211-026033421D7F}" presName="rootConnector" presStyleLbl="node3" presStyleIdx="7" presStyleCnt="9"/>
+    <dgm:pt modelId="{DE86AFEF-E43B-4AD5-AF14-454FCFC84E45}" type="pres">
+      <dgm:prSet presAssocID="{CFC8A77C-E037-4F39-89BC-7C46B2FFF6C3}" presName="hierChild4" presStyleCnt="0"/>
+      <dgm:spPr/>
+    </dgm:pt>
+    <dgm:pt modelId="{6FF4677D-D383-478C-80F4-343DD5F2C277}" type="pres">
+      <dgm:prSet presAssocID="{CFC8A77C-E037-4F39-89BC-7C46B2FFF6C3}" presName="hierChild5" presStyleCnt="0"/>
+      <dgm:spPr/>
+    </dgm:pt>
+    <dgm:pt modelId="{87BE5EB3-DB60-4F74-8CAB-579081070155}" type="pres">
+      <dgm:prSet presAssocID="{77057196-36D4-4297-8DBE-9DF4DC99769E}" presName="Name37" presStyleLbl="parChTrans1D2" presStyleIdx="4" presStyleCnt="5"/>
       <dgm:spPr/>
       <dgm:t>
         <a:bodyPr/>
@@ -3763,16 +3844,24 @@
         </a:p>
       </dgm:t>
     </dgm:pt>
-    <dgm:pt modelId="{39D676ED-D687-45A8-BAE2-452B3A691EB1}" type="pres">
-      <dgm:prSet presAssocID="{2FF04469-EC18-4DEF-9211-026033421D7F}" presName="hierChild4" presStyleCnt="0"/>
-      <dgm:spPr/>
-    </dgm:pt>
-    <dgm:pt modelId="{C7E5117E-BF0C-4A61-8073-5E57B6BE8C3F}" type="pres">
-      <dgm:prSet presAssocID="{2FF04469-EC18-4DEF-9211-026033421D7F}" presName="hierChild5" presStyleCnt="0"/>
-      <dgm:spPr/>
-    </dgm:pt>
-    <dgm:pt modelId="{00416E62-FBAF-4AA7-AE51-74C6003471F9}" type="pres">
-      <dgm:prSet presAssocID="{ADCBE1B0-B6AB-4350-9FC6-856DD57E9562}" presName="Name37" presStyleLbl="parChTrans1D3" presStyleIdx="8" presStyleCnt="9"/>
+    <dgm:pt modelId="{B70BC062-C551-4FA6-AA0B-24CA90B943F5}" type="pres">
+      <dgm:prSet presAssocID="{6BCCACC8-297A-434B-B4C0-CBF55E8A799D}" presName="hierRoot2" presStyleCnt="0">
+        <dgm:presLayoutVars>
+          <dgm:hierBranch val="init"/>
+        </dgm:presLayoutVars>
+      </dgm:prSet>
+      <dgm:spPr/>
+    </dgm:pt>
+    <dgm:pt modelId="{A89E6E14-AB18-41E1-BB47-136AAF17BB47}" type="pres">
+      <dgm:prSet presAssocID="{6BCCACC8-297A-434B-B4C0-CBF55E8A799D}" presName="rootComposite" presStyleCnt="0"/>
+      <dgm:spPr/>
+    </dgm:pt>
+    <dgm:pt modelId="{8659CC59-2E2C-408C-A138-42297FB1F7FC}" type="pres">
+      <dgm:prSet presAssocID="{6BCCACC8-297A-434B-B4C0-CBF55E8A799D}" presName="rootText" presStyleLbl="node2" presStyleIdx="4" presStyleCnt="5">
+        <dgm:presLayoutVars>
+          <dgm:chPref val="3"/>
+        </dgm:presLayoutVars>
+      </dgm:prSet>
       <dgm:spPr/>
       <dgm:t>
         <a:bodyPr/>
@@ -3782,24 +3871,8 @@
         </a:p>
       </dgm:t>
     </dgm:pt>
-    <dgm:pt modelId="{63B03767-680D-4D62-96A6-23F74154861A}" type="pres">
-      <dgm:prSet presAssocID="{210B0EF3-C281-4060-A271-E34BD8547342}" presName="hierRoot2" presStyleCnt="0">
-        <dgm:presLayoutVars>
-          <dgm:hierBranch val="init"/>
-        </dgm:presLayoutVars>
-      </dgm:prSet>
-      <dgm:spPr/>
-    </dgm:pt>
-    <dgm:pt modelId="{49735B28-1F9C-4BE5-847A-BC143641476E}" type="pres">
-      <dgm:prSet presAssocID="{210B0EF3-C281-4060-A271-E34BD8547342}" presName="rootComposite" presStyleCnt="0"/>
-      <dgm:spPr/>
-    </dgm:pt>
-    <dgm:pt modelId="{F75D6229-E722-4C5A-8752-308DFF186597}" type="pres">
-      <dgm:prSet presAssocID="{210B0EF3-C281-4060-A271-E34BD8547342}" presName="rootText" presStyleLbl="node3" presStyleIdx="8" presStyleCnt="9" custScaleX="82877" custScaleY="56225">
-        <dgm:presLayoutVars>
-          <dgm:chPref val="3"/>
-        </dgm:presLayoutVars>
-      </dgm:prSet>
+    <dgm:pt modelId="{695C9D34-95FC-428F-873D-B6282BE96811}" type="pres">
+      <dgm:prSet presAssocID="{6BCCACC8-297A-434B-B4C0-CBF55E8A799D}" presName="rootConnector" presStyleLbl="node2" presStyleIdx="4" presStyleCnt="5"/>
       <dgm:spPr/>
       <dgm:t>
         <a:bodyPr/>
@@ -3809,135 +3882,6 @@
         </a:p>
       </dgm:t>
     </dgm:pt>
-    <dgm:pt modelId="{D84F31A6-8A16-490F-B798-6B1CCC52D4CD}" type="pres">
-      <dgm:prSet presAssocID="{210B0EF3-C281-4060-A271-E34BD8547342}" presName="rootConnector" presStyleLbl="node3" presStyleIdx="8" presStyleCnt="9"/>
-      <dgm:spPr/>
-      <dgm:t>
-        <a:bodyPr/>
-        <a:lstStyle/>
-        <a:p>
-          <a:endParaRPr lang="pt-PT"/>
-        </a:p>
-      </dgm:t>
-    </dgm:pt>
-    <dgm:pt modelId="{B7DCC22D-685E-4B67-91EC-8CA4B10F28F1}" type="pres">
-      <dgm:prSet presAssocID="{210B0EF3-C281-4060-A271-E34BD8547342}" presName="hierChild4" presStyleCnt="0"/>
-      <dgm:spPr/>
-    </dgm:pt>
-    <dgm:pt modelId="{6AF3560C-5408-4952-8A6A-679FB0CCDFD1}" type="pres">
-      <dgm:prSet presAssocID="{210B0EF3-C281-4060-A271-E34BD8547342}" presName="hierChild5" presStyleCnt="0"/>
-      <dgm:spPr/>
-    </dgm:pt>
-    <dgm:pt modelId="{9CDF5DD1-7548-4624-9C39-EA2F57F03E6C}" type="pres">
-      <dgm:prSet presAssocID="{3E7D5DE8-38A7-4D01-B3B1-C41B904AFB24}" presName="hierChild5" presStyleCnt="0"/>
-      <dgm:spPr/>
-    </dgm:pt>
-    <dgm:pt modelId="{1FD30025-BE06-4C8D-8024-6353A3A86C64}" type="pres">
-      <dgm:prSet presAssocID="{06A4DF89-C148-4CB0-BC1C-719E15C3A380}" presName="Name37" presStyleLbl="parChTrans1D2" presStyleIdx="3" presStyleCnt="5"/>
-      <dgm:spPr/>
-      <dgm:t>
-        <a:bodyPr/>
-        <a:lstStyle/>
-        <a:p>
-          <a:endParaRPr lang="pt-PT"/>
-        </a:p>
-      </dgm:t>
-    </dgm:pt>
-    <dgm:pt modelId="{031ED071-E8F0-4ADE-BB27-DE25D6F99C8E}" type="pres">
-      <dgm:prSet presAssocID="{CFC8A77C-E037-4F39-89BC-7C46B2FFF6C3}" presName="hierRoot2" presStyleCnt="0">
-        <dgm:presLayoutVars>
-          <dgm:hierBranch val="init"/>
-        </dgm:presLayoutVars>
-      </dgm:prSet>
-      <dgm:spPr/>
-    </dgm:pt>
-    <dgm:pt modelId="{ED920AE2-8DD7-43C4-A091-03032651C021}" type="pres">
-      <dgm:prSet presAssocID="{CFC8A77C-E037-4F39-89BC-7C46B2FFF6C3}" presName="rootComposite" presStyleCnt="0"/>
-      <dgm:spPr/>
-    </dgm:pt>
-    <dgm:pt modelId="{B512DCC2-F8AD-4A88-8224-BF794CC14E60}" type="pres">
-      <dgm:prSet presAssocID="{CFC8A77C-E037-4F39-89BC-7C46B2FFF6C3}" presName="rootText" presStyleLbl="node2" presStyleIdx="3" presStyleCnt="5">
-        <dgm:presLayoutVars>
-          <dgm:chPref val="3"/>
-        </dgm:presLayoutVars>
-      </dgm:prSet>
-      <dgm:spPr/>
-      <dgm:t>
-        <a:bodyPr/>
-        <a:lstStyle/>
-        <a:p>
-          <a:endParaRPr lang="pt-PT"/>
-        </a:p>
-      </dgm:t>
-    </dgm:pt>
-    <dgm:pt modelId="{C385DBD7-122C-4C76-95AA-F0EDDD576213}" type="pres">
-      <dgm:prSet presAssocID="{CFC8A77C-E037-4F39-89BC-7C46B2FFF6C3}" presName="rootConnector" presStyleLbl="node2" presStyleIdx="3" presStyleCnt="5"/>
-      <dgm:spPr/>
-      <dgm:t>
-        <a:bodyPr/>
-        <a:lstStyle/>
-        <a:p>
-          <a:endParaRPr lang="pt-PT"/>
-        </a:p>
-      </dgm:t>
-    </dgm:pt>
-    <dgm:pt modelId="{DE86AFEF-E43B-4AD5-AF14-454FCFC84E45}" type="pres">
-      <dgm:prSet presAssocID="{CFC8A77C-E037-4F39-89BC-7C46B2FFF6C3}" presName="hierChild4" presStyleCnt="0"/>
-      <dgm:spPr/>
-    </dgm:pt>
-    <dgm:pt modelId="{6FF4677D-D383-478C-80F4-343DD5F2C277}" type="pres">
-      <dgm:prSet presAssocID="{CFC8A77C-E037-4F39-89BC-7C46B2FFF6C3}" presName="hierChild5" presStyleCnt="0"/>
-      <dgm:spPr/>
-    </dgm:pt>
-    <dgm:pt modelId="{87BE5EB3-DB60-4F74-8CAB-579081070155}" type="pres">
-      <dgm:prSet presAssocID="{77057196-36D4-4297-8DBE-9DF4DC99769E}" presName="Name37" presStyleLbl="parChTrans1D2" presStyleIdx="4" presStyleCnt="5"/>
-      <dgm:spPr/>
-      <dgm:t>
-        <a:bodyPr/>
-        <a:lstStyle/>
-        <a:p>
-          <a:endParaRPr lang="pt-PT"/>
-        </a:p>
-      </dgm:t>
-    </dgm:pt>
-    <dgm:pt modelId="{B70BC062-C551-4FA6-AA0B-24CA90B943F5}" type="pres">
-      <dgm:prSet presAssocID="{6BCCACC8-297A-434B-B4C0-CBF55E8A799D}" presName="hierRoot2" presStyleCnt="0">
-        <dgm:presLayoutVars>
-          <dgm:hierBranch val="init"/>
-        </dgm:presLayoutVars>
-      </dgm:prSet>
-      <dgm:spPr/>
-    </dgm:pt>
-    <dgm:pt modelId="{A89E6E14-AB18-41E1-BB47-136AAF17BB47}" type="pres">
-      <dgm:prSet presAssocID="{6BCCACC8-297A-434B-B4C0-CBF55E8A799D}" presName="rootComposite" presStyleCnt="0"/>
-      <dgm:spPr/>
-    </dgm:pt>
-    <dgm:pt modelId="{8659CC59-2E2C-408C-A138-42297FB1F7FC}" type="pres">
-      <dgm:prSet presAssocID="{6BCCACC8-297A-434B-B4C0-CBF55E8A799D}" presName="rootText" presStyleLbl="node2" presStyleIdx="4" presStyleCnt="5">
-        <dgm:presLayoutVars>
-          <dgm:chPref val="3"/>
-        </dgm:presLayoutVars>
-      </dgm:prSet>
-      <dgm:spPr/>
-      <dgm:t>
-        <a:bodyPr/>
-        <a:lstStyle/>
-        <a:p>
-          <a:endParaRPr lang="pt-PT"/>
-        </a:p>
-      </dgm:t>
-    </dgm:pt>
-    <dgm:pt modelId="{695C9D34-95FC-428F-873D-B6282BE96811}" type="pres">
-      <dgm:prSet presAssocID="{6BCCACC8-297A-434B-B4C0-CBF55E8A799D}" presName="rootConnector" presStyleLbl="node2" presStyleIdx="4" presStyleCnt="5"/>
-      <dgm:spPr/>
-      <dgm:t>
-        <a:bodyPr/>
-        <a:lstStyle/>
-        <a:p>
-          <a:endParaRPr lang="pt-PT"/>
-        </a:p>
-      </dgm:t>
-    </dgm:pt>
     <dgm:pt modelId="{C932BF2B-95E7-43ED-B8E1-90412F9C1BE7}" type="pres">
       <dgm:prSet presAssocID="{6BCCACC8-297A-434B-B4C0-CBF55E8A799D}" presName="hierChild4" presStyleCnt="0"/>
       <dgm:spPr/>
@@ -3953,11 +3897,12 @@
   </dgm:ptLst>
   <dgm:cxnLst>
     <dgm:cxn modelId="{297E5AFB-69FF-482E-883D-EAFA86EB866E}" type="presOf" srcId="{C4E9236B-D5FB-402F-9C08-8917C5806671}" destId="{1A4D12E3-2EEF-4745-BCD2-3B9AFD0CBE3F}" srcOrd="1" destOrd="0" presId="urn:microsoft.com/office/officeart/2005/8/layout/orgChart1"/>
-    <dgm:cxn modelId="{3F49F218-3AFF-4BEE-8EF8-270B7EC43323}" type="presOf" srcId="{32A588C2-228D-4B26-9C8B-90CDFD0FC08B}" destId="{6AB2AA11-CB4E-478D-B63B-A0BF5B893B44}" srcOrd="1" destOrd="0" presId="urn:microsoft.com/office/officeart/2005/8/layout/orgChart1"/>
     <dgm:cxn modelId="{1D58114B-9E7B-4EE9-9BBB-CA2BC1050428}" srcId="{EFF00522-C837-4800-9089-09C6786FA139}" destId="{D0D5EBBE-C984-451E-A77C-06635B96115A}" srcOrd="0" destOrd="0" parTransId="{2401EE30-6FB4-47FC-B5CB-44E93082BA16}" sibTransId="{4794836D-9F6B-4080-8E70-60D729F37A15}"/>
     <dgm:cxn modelId="{8965F592-C2EF-4A5E-AE72-E3D483E3AC4B}" type="presOf" srcId="{EFF00522-C837-4800-9089-09C6786FA139}" destId="{0A79929F-4539-4070-8896-388E4F787335}" srcOrd="0" destOrd="0" presId="urn:microsoft.com/office/officeart/2005/8/layout/orgChart1"/>
-    <dgm:cxn modelId="{026BB8DD-D4DF-4C7C-AABD-8C8B76A5849F}" type="presOf" srcId="{AF9FAEE0-D707-4D4A-BC4E-B00284790C09}" destId="{7A248573-B914-4159-ACEE-81EFF21A290C}" srcOrd="1" destOrd="0" presId="urn:microsoft.com/office/officeart/2005/8/layout/orgChart1"/>
+    <dgm:cxn modelId="{CA2C0590-BA54-464A-B25E-B7C1CF9B23DF}" type="presOf" srcId="{01DE5603-A9BA-48DC-A812-A9D236837822}" destId="{A11B1B3B-548B-4BF3-BD14-6C594BE6A489}" srcOrd="0" destOrd="0" presId="urn:microsoft.com/office/officeart/2005/8/layout/orgChart1"/>
     <dgm:cxn modelId="{B6F32367-D4A4-4501-A5C5-198502F93225}" type="presOf" srcId="{CFC8A77C-E037-4F39-89BC-7C46B2FFF6C3}" destId="{B512DCC2-F8AD-4A88-8224-BF794CC14E60}" srcOrd="0" destOrd="0" presId="urn:microsoft.com/office/officeart/2005/8/layout/orgChart1"/>
+    <dgm:cxn modelId="{70061ABB-10DC-4AEE-A81B-46ECAC3F63B6}" type="presOf" srcId="{25553316-AE0F-433F-BD8A-E0F17F5D747E}" destId="{CFE66D09-E0AC-4059-9D41-E1709E524C84}" srcOrd="1" destOrd="0" presId="urn:microsoft.com/office/officeart/2005/8/layout/orgChart1"/>
+    <dgm:cxn modelId="{11BE8415-29DF-4CA8-8077-B4094F461AD1}" type="presOf" srcId="{2A732842-69BB-4863-B446-B741C889B5B1}" destId="{DABE2A97-8AFC-46F1-9229-CDFF582F36CD}" srcOrd="0" destOrd="0" presId="urn:microsoft.com/office/officeart/2005/8/layout/orgChart1"/>
     <dgm:cxn modelId="{64B522C9-1881-4836-B21D-A269398ED4E7}" type="presOf" srcId="{06A4DF89-C148-4CB0-BC1C-719E15C3A380}" destId="{1FD30025-BE06-4C8D-8024-6353A3A86C64}" srcOrd="0" destOrd="0" presId="urn:microsoft.com/office/officeart/2005/8/layout/orgChart1"/>
     <dgm:cxn modelId="{67885BAF-5B75-407B-91B2-6F979038E946}" srcId="{F37AA981-A9B4-415F-ADC1-A456EE833205}" destId="{EFF00522-C837-4800-9089-09C6786FA139}" srcOrd="0" destOrd="0" parTransId="{DD3937CD-E1A8-4E5B-BD09-EABAA399CC23}" sibTransId="{719267CB-9490-458C-9394-D74AD204BE1B}"/>
     <dgm:cxn modelId="{8C71F597-48DA-42F5-848B-45FBCBBE231C}" srcId="{EFF00522-C837-4800-9089-09C6786FA139}" destId="{DEB3A288-72B2-4CE3-BA0E-2385DCEA1166}" srcOrd="1" destOrd="0" parTransId="{AE15057E-D275-4CBA-BBDA-7AFB5273F6D0}" sibTransId="{A96C3356-79EF-46AD-95D3-4F7717D0E212}"/>
@@ -3966,52 +3911,51 @@
     <dgm:cxn modelId="{C36633A6-7AC8-43DF-9EBE-C46C838D14D6}" type="presOf" srcId="{3E7D5DE8-38A7-4D01-B3B1-C41B904AFB24}" destId="{D47F8C64-7351-47DD-ABB9-3A4D5CE04EBC}" srcOrd="1" destOrd="0" presId="urn:microsoft.com/office/officeart/2005/8/layout/orgChart1"/>
     <dgm:cxn modelId="{5BE6D81B-EDEC-41FC-9BAD-FD0335C8F068}" type="presOf" srcId="{2FF04469-EC18-4DEF-9211-026033421D7F}" destId="{98EBC135-7D61-4607-8673-88321824B19A}" srcOrd="1" destOrd="0" presId="urn:microsoft.com/office/officeart/2005/8/layout/orgChart1"/>
     <dgm:cxn modelId="{97B2F3CE-CC70-404B-8D86-D5992F7D55A1}" type="presOf" srcId="{9CF9D14A-D997-48A5-ACA0-BD0A85F323A1}" destId="{37F9F289-47AC-4257-A31F-E2E8F2183DC3}" srcOrd="1" destOrd="0" presId="urn:microsoft.com/office/officeart/2005/8/layout/orgChart1"/>
+    <dgm:cxn modelId="{7DECDEAA-0DFB-4024-BC99-75211E705204}" srcId="{D0D5EBBE-C984-451E-A77C-06635B96115A}" destId="{25553316-AE0F-433F-BD8A-E0F17F5D747E}" srcOrd="1" destOrd="0" parTransId="{9D1FF7F3-6BB1-485B-ABFB-CBC54EB7FB2F}" sibTransId="{178316FB-DCE2-4974-BB3C-AD7713B01F9F}"/>
     <dgm:cxn modelId="{C7117D46-60C1-4AC4-AC2C-CCA51D022C98}" srcId="{3E7D5DE8-38A7-4D01-B3B1-C41B904AFB24}" destId="{210B0EF3-C281-4060-A271-E34BD8547342}" srcOrd="5" destOrd="0" parTransId="{ADCBE1B0-B6AB-4350-9FC6-856DD57E9562}" sibTransId="{074E8F6B-D96B-4628-92A9-FFC917EF6C01}"/>
-    <dgm:cxn modelId="{8A65483A-2A4E-4DBB-90B6-1A37CACF6180}" type="presOf" srcId="{AF9FAEE0-D707-4D4A-BC4E-B00284790C09}" destId="{AED2CD70-00FB-4D86-A988-A2B3331A944F}" srcOrd="0" destOrd="0" presId="urn:microsoft.com/office/officeart/2005/8/layout/orgChart1"/>
     <dgm:cxn modelId="{06FBE830-116F-4E6A-84F0-74346010D695}" type="presOf" srcId="{C5D14313-4718-4BA4-8034-5E4E2ACBCC70}" destId="{CFB84857-AF84-4F8B-907E-44B005282350}" srcOrd="1" destOrd="0" presId="urn:microsoft.com/office/officeart/2005/8/layout/orgChart1"/>
     <dgm:cxn modelId="{AB73DCE0-4F8F-4E33-A446-8B950BE7F085}" type="presOf" srcId="{2FF04469-EC18-4DEF-9211-026033421D7F}" destId="{BCC10AE4-DC99-4EA0-B027-3C11C8AFFA0B}" srcOrd="0" destOrd="0" presId="urn:microsoft.com/office/officeart/2005/8/layout/orgChart1"/>
     <dgm:cxn modelId="{8484E588-3BA2-4A2C-A856-2E9A20948E67}" type="presOf" srcId="{D0D5EBBE-C984-451E-A77C-06635B96115A}" destId="{BB899C3E-7977-48D2-838C-0A0A4E22407E}" srcOrd="0" destOrd="0" presId="urn:microsoft.com/office/officeart/2005/8/layout/orgChart1"/>
+    <dgm:cxn modelId="{57D7B1C0-8B1F-4CB3-B7C5-922C7D39F797}" type="presOf" srcId="{FFC74FC4-00ED-4EE0-BC51-6639C0CAB4C0}" destId="{29898FD7-6D50-464C-B5FD-8C53A87EEE52}" srcOrd="1" destOrd="0" presId="urn:microsoft.com/office/officeart/2005/8/layout/orgChart1"/>
     <dgm:cxn modelId="{F7703852-4B24-419F-8990-8F4642258C5C}" type="presOf" srcId="{DEB3A288-72B2-4CE3-BA0E-2385DCEA1166}" destId="{3DCFB508-F20D-419B-97A2-A0EA8AAE62B8}" srcOrd="0" destOrd="0" presId="urn:microsoft.com/office/officeart/2005/8/layout/orgChart1"/>
     <dgm:cxn modelId="{3E0EE4A3-7C9D-4385-92CF-5CA9996AB16B}" type="presOf" srcId="{EFF00522-C837-4800-9089-09C6786FA139}" destId="{15AFF27B-B166-47F4-BEA3-A556EF84A1FE}" srcOrd="1" destOrd="0" presId="urn:microsoft.com/office/officeart/2005/8/layout/orgChart1"/>
     <dgm:cxn modelId="{7076539E-84DB-49E1-9601-83A88D214CF8}" srcId="{3E7D5DE8-38A7-4D01-B3B1-C41B904AFB24}" destId="{2FF04469-EC18-4DEF-9211-026033421D7F}" srcOrd="4" destOrd="0" parTransId="{AE6AB92A-B651-446C-B90D-191341024DCA}" sibTransId="{0637CF52-D892-464E-A103-0804641290C4}"/>
     <dgm:cxn modelId="{CC89F41C-EC73-4164-B979-1E34F8EC7992}" type="presOf" srcId="{DEB3A288-72B2-4CE3-BA0E-2385DCEA1166}" destId="{D1586E0D-5339-4871-B373-DE07F6A4B31A}" srcOrd="1" destOrd="0" presId="urn:microsoft.com/office/officeart/2005/8/layout/orgChart1"/>
     <dgm:cxn modelId="{8C5C1055-60EE-417A-890C-9263B9B0293C}" type="presOf" srcId="{6BCCACC8-297A-434B-B4C0-CBF55E8A799D}" destId="{8659CC59-2E2C-408C-A138-42297FB1F7FC}" srcOrd="0" destOrd="0" presId="urn:microsoft.com/office/officeart/2005/8/layout/orgChart1"/>
     <dgm:cxn modelId="{F4B59A6E-7C30-4166-A4BE-C4CD1FDE9241}" type="presOf" srcId="{FEF5EF31-1DF3-4F02-8BF5-0FAA9FBF05DF}" destId="{29C82EC9-E8DF-43E5-AE26-7FE69F2FE8E3}" srcOrd="1" destOrd="0" presId="urn:microsoft.com/office/officeart/2005/8/layout/orgChart1"/>
-    <dgm:cxn modelId="{412E2FC4-ADBF-4534-B2F3-8F5B88C8016F}" type="presOf" srcId="{6D859D06-D440-4495-BC38-4B0653417247}" destId="{257BA37D-C7F9-4FC4-8625-2A044432F45E}" srcOrd="1" destOrd="0" presId="urn:microsoft.com/office/officeart/2005/8/layout/orgChart1"/>
     <dgm:cxn modelId="{2B7E8BD5-A4C9-447A-8E7F-F81E3739DF41}" type="presOf" srcId="{ADCBE1B0-B6AB-4350-9FC6-856DD57E9562}" destId="{00416E62-FBAF-4AA7-AE51-74C6003471F9}" srcOrd="0" destOrd="0" presId="urn:microsoft.com/office/officeart/2005/8/layout/orgChart1"/>
     <dgm:cxn modelId="{F95DC0C1-9339-4066-9285-8FF13264398D}" type="presOf" srcId="{D0D5EBBE-C984-451E-A77C-06635B96115A}" destId="{1E59B1F0-1959-43EF-B4BA-5DE950985F11}" srcOrd="1" destOrd="0" presId="urn:microsoft.com/office/officeart/2005/8/layout/orgChart1"/>
     <dgm:cxn modelId="{19225BF9-14BF-4A05-BAF0-2E64D97CAC44}" type="presOf" srcId="{77057196-36D4-4297-8DBE-9DF4DC99769E}" destId="{87BE5EB3-DB60-4F74-8CAB-579081070155}" srcOrd="0" destOrd="0" presId="urn:microsoft.com/office/officeart/2005/8/layout/orgChart1"/>
     <dgm:cxn modelId="{40EC0804-C307-4224-887C-7B85E0BC7A88}" type="presOf" srcId="{9CF9D14A-D997-48A5-ACA0-BD0A85F323A1}" destId="{AB7ECE86-F423-469A-804C-9E0A6711CE75}" srcOrd="0" destOrd="0" presId="urn:microsoft.com/office/officeart/2005/8/layout/orgChart1"/>
     <dgm:cxn modelId="{B4EA9C2D-7D0F-4B0E-80FC-F0DE89A8BEF8}" type="presOf" srcId="{D81EE60C-1689-4013-8B94-71E45948E61C}" destId="{FB0D67E1-4705-4C5A-A8BE-E373C4C7F8DC}" srcOrd="0" destOrd="0" presId="urn:microsoft.com/office/officeart/2005/8/layout/orgChart1"/>
-    <dgm:cxn modelId="{BA7D9214-91C9-43C5-930D-8662E2D96E9F}" srcId="{D0D5EBBE-C984-451E-A77C-06635B96115A}" destId="{AF9FAEE0-D707-4D4A-BC4E-B00284790C09}" srcOrd="1" destOrd="0" parTransId="{DF2FF718-F2C1-46BD-B3D2-69C34DDD97AC}" sibTransId="{9F96BC34-2F99-4857-9537-755790E34536}"/>
     <dgm:cxn modelId="{C1915FD1-D65F-4FA9-AE30-83FC60FB964B}" type="presOf" srcId="{C5D14313-4718-4BA4-8034-5E4E2ACBCC70}" destId="{425B22CD-323F-4E0B-BEA0-EC7E00D9ABF2}" srcOrd="0" destOrd="0" presId="urn:microsoft.com/office/officeart/2005/8/layout/orgChart1"/>
     <dgm:cxn modelId="{56EBC832-43D7-4C7F-AC45-6EAAD364E744}" type="presOf" srcId="{04B442D8-6F45-4C79-8A4C-6886FDE02F97}" destId="{DE72DF6E-144C-454B-9565-EC52D8FB4D37}" srcOrd="0" destOrd="0" presId="urn:microsoft.com/office/officeart/2005/8/layout/orgChart1"/>
-    <dgm:cxn modelId="{979B3921-65D4-4C21-A108-2DBE1B0AAAE5}" srcId="{D0D5EBBE-C984-451E-A77C-06635B96115A}" destId="{6D859D06-D440-4495-BC38-4B0653417247}" srcOrd="0" destOrd="0" parTransId="{7ABF7F75-BA81-498E-8999-139ABA277B4F}" sibTransId="{F0F770A4-A5C9-424C-93C8-86B63DB8FE87}"/>
+    <dgm:cxn modelId="{4874DAB9-E15D-43E4-ABDC-D9A3CCB4EBFE}" srcId="{D0D5EBBE-C984-451E-A77C-06635B96115A}" destId="{FFC74FC4-00ED-4EE0-BC51-6639C0CAB4C0}" srcOrd="2" destOrd="0" parTransId="{2A732842-69BB-4863-B446-B741C889B5B1}" sibTransId="{DCE4D878-D34A-4E3F-84A7-0DCD129058B0}"/>
     <dgm:cxn modelId="{E75D4180-7278-49C5-A120-3150DE2407B2}" type="presOf" srcId="{1F891C72-4331-4225-9131-EE90A5156BCC}" destId="{075DE7FD-AB6D-45A1-88B5-F6DE55537A5C}" srcOrd="0" destOrd="0" presId="urn:microsoft.com/office/officeart/2005/8/layout/orgChart1"/>
     <dgm:cxn modelId="{D824B5F1-95EA-4412-A9BE-634ADCAA4D96}" type="presOf" srcId="{C4E9236B-D5FB-402F-9C08-8917C5806671}" destId="{426BD5C4-6298-4765-92B5-5BE6F449DD28}" srcOrd="0" destOrd="0" presId="urn:microsoft.com/office/officeart/2005/8/layout/orgChart1"/>
     <dgm:cxn modelId="{261826DD-4928-4968-9EE8-8603A4DA75BB}" type="presOf" srcId="{CFC8A77C-E037-4F39-89BC-7C46B2FFF6C3}" destId="{C385DBD7-122C-4C76-95AA-F0EDDD576213}" srcOrd="1" destOrd="0" presId="urn:microsoft.com/office/officeart/2005/8/layout/orgChart1"/>
-    <dgm:cxn modelId="{50574EE2-B791-402B-8982-5F339D14BC2A}" srcId="{D0D5EBBE-C984-451E-A77C-06635B96115A}" destId="{32A588C2-228D-4B26-9C8B-90CDFD0FC08B}" srcOrd="2" destOrd="0" parTransId="{188D1000-0E2B-4CE9-B4EC-57DF98E5B370}" sibTransId="{14B0CDC8-4FDC-419A-B7CE-8BD710F85676}"/>
     <dgm:cxn modelId="{70CBB2C2-0071-4329-9A38-8AD1E841005D}" srcId="{EFF00522-C837-4800-9089-09C6786FA139}" destId="{CFC8A77C-E037-4F39-89BC-7C46B2FFF6C3}" srcOrd="3" destOrd="0" parTransId="{06A4DF89-C148-4CB0-BC1C-719E15C3A380}" sibTransId="{B9E8B3FB-6336-44A0-BB31-6CF9D499134C}"/>
-    <dgm:cxn modelId="{2BC993A7-1946-496C-9CFE-5831CDB00FFF}" type="presOf" srcId="{7ABF7F75-BA81-498E-8999-139ABA277B4F}" destId="{BCCB5965-B0E0-45CC-8894-BE1731CC57E2}" srcOrd="0" destOrd="0" presId="urn:microsoft.com/office/officeart/2005/8/layout/orgChart1"/>
     <dgm:cxn modelId="{8C1C42B2-A065-4216-83CB-1050788129D9}" srcId="{EFF00522-C837-4800-9089-09C6786FA139}" destId="{3E7D5DE8-38A7-4D01-B3B1-C41B904AFB24}" srcOrd="2" destOrd="0" parTransId="{1F891C72-4331-4225-9131-EE90A5156BCC}" sibTransId="{2D617AC4-6E9C-47A6-BFAC-93EC82C86111}"/>
     <dgm:cxn modelId="{12AA3CBF-1033-48B0-A6F8-A20337FED22A}" srcId="{3E7D5DE8-38A7-4D01-B3B1-C41B904AFB24}" destId="{C5D14313-4718-4BA4-8034-5E4E2ACBCC70}" srcOrd="1" destOrd="0" parTransId="{04B442D8-6F45-4C79-8A4C-6886FDE02F97}" sibTransId="{EA84DB9B-3D31-4D9E-BF2F-E46226EA56AE}"/>
     <dgm:cxn modelId="{820DA17D-D3D3-44FA-8B6F-1B825415906F}" srcId="{3E7D5DE8-38A7-4D01-B3B1-C41B904AFB24}" destId="{FEF5EF31-1DF3-4F02-8BF5-0FAA9FBF05DF}" srcOrd="3" destOrd="0" parTransId="{C206CBEC-A310-48C5-A1E3-51069AAB7E06}" sibTransId="{33829A28-8B69-4310-A9EC-72FF2B43FA31}"/>
     <dgm:cxn modelId="{DDBD15D0-17BD-4B24-A9AF-029F00981379}" type="presOf" srcId="{AE6AB92A-B651-446C-B90D-191341024DCA}" destId="{1BF37D4C-6B8D-491C-BFA6-EF055187F912}" srcOrd="0" destOrd="0" presId="urn:microsoft.com/office/officeart/2005/8/layout/orgChart1"/>
+    <dgm:cxn modelId="{113C4786-6FE7-4FA6-9A95-2F93C6A1B0FD}" type="presOf" srcId="{9D1FF7F3-6BB1-485B-ABFB-CBC54EB7FB2F}" destId="{FDCF2E21-0BBF-4C89-8E46-93D1F2D60A4C}" srcOrd="0" destOrd="0" presId="urn:microsoft.com/office/officeart/2005/8/layout/orgChart1"/>
+    <dgm:cxn modelId="{99833AF0-7F5E-4C55-9662-A3F65E0B2A6F}" type="presOf" srcId="{01DE5603-A9BA-48DC-A812-A9D236837822}" destId="{CE70EDA1-CEC3-4F76-B0D5-08C75AA61789}" srcOrd="1" destOrd="0" presId="urn:microsoft.com/office/officeart/2005/8/layout/orgChart1"/>
     <dgm:cxn modelId="{59A13B2B-94E3-4E30-B1C8-D4C19B456A98}" type="presOf" srcId="{6BCCACC8-297A-434B-B4C0-CBF55E8A799D}" destId="{695C9D34-95FC-428F-873D-B6282BE96811}" srcOrd="1" destOrd="0" presId="urn:microsoft.com/office/officeart/2005/8/layout/orgChart1"/>
     <dgm:cxn modelId="{C104F494-93EC-4C35-9277-88485A6C79D9}" type="presOf" srcId="{AE15057E-D275-4CBA-BBDA-7AFB5273F6D0}" destId="{A3C064E1-EB83-4A90-BC9B-363A4369B1D9}" srcOrd="0" destOrd="0" presId="urn:microsoft.com/office/officeart/2005/8/layout/orgChart1"/>
-    <dgm:cxn modelId="{08BF06D3-E920-4C30-A863-1EBFD092C556}" type="presOf" srcId="{6D859D06-D440-4495-BC38-4B0653417247}" destId="{5BD05F6E-C87D-423B-8545-489C3582E9A5}" srcOrd="0" destOrd="0" presId="urn:microsoft.com/office/officeart/2005/8/layout/orgChart1"/>
+    <dgm:cxn modelId="{96F12E26-ED17-4B82-8F64-9E98D7FB9B0E}" type="presOf" srcId="{25553316-AE0F-433F-BD8A-E0F17F5D747E}" destId="{3DA29272-8B54-4109-B1CF-306966EBCEA6}" srcOrd="0" destOrd="0" presId="urn:microsoft.com/office/officeart/2005/8/layout/orgChart1"/>
     <dgm:cxn modelId="{2BA0192D-E091-446B-9562-8E04E2C7A7A9}" srcId="{EFF00522-C837-4800-9089-09C6786FA139}" destId="{6BCCACC8-297A-434B-B4C0-CBF55E8A799D}" srcOrd="4" destOrd="0" parTransId="{77057196-36D4-4297-8DBE-9DF4DC99769E}" sibTransId="{E17B637D-8F1E-4395-8504-5FF5013E668B}"/>
+    <dgm:cxn modelId="{D7752290-CEB6-4881-9B10-131AE9D4274D}" type="presOf" srcId="{FFC74FC4-00ED-4EE0-BC51-6639C0CAB4C0}" destId="{B13177B0-B616-471A-B673-341F50F836B6}" srcOrd="0" destOrd="0" presId="urn:microsoft.com/office/officeart/2005/8/layout/orgChart1"/>
     <dgm:cxn modelId="{76937E49-9A6C-4684-AE0E-E0846D99D250}" type="presOf" srcId="{3E7D5DE8-38A7-4D01-B3B1-C41B904AFB24}" destId="{D0C42A0A-227F-498C-9217-1F2A4E39F4AC}" srcOrd="0" destOrd="0" presId="urn:microsoft.com/office/officeart/2005/8/layout/orgChart1"/>
     <dgm:cxn modelId="{6751E3DB-7D1C-4DFF-A50D-2E4D2AA1C036}" type="presOf" srcId="{F37AA981-A9B4-415F-ADC1-A456EE833205}" destId="{E4B09FCC-EACC-4121-8E6E-BD64FF803B59}" srcOrd="0" destOrd="0" presId="urn:microsoft.com/office/officeart/2005/8/layout/orgChart1"/>
     <dgm:cxn modelId="{1A5C9B95-6306-4971-AEB4-0FB6C60D1920}" type="presOf" srcId="{2401EE30-6FB4-47FC-B5CB-44E93082BA16}" destId="{C79737FA-DA68-4B50-9686-82FBED4993F4}" srcOrd="0" destOrd="0" presId="urn:microsoft.com/office/officeart/2005/8/layout/orgChart1"/>
     <dgm:cxn modelId="{C7D94C82-881B-4380-9D07-44A662C49F66}" type="presOf" srcId="{FEF5EF31-1DF3-4F02-8BF5-0FAA9FBF05DF}" destId="{51735A62-65C8-4B72-BC21-EC0033831CB7}" srcOrd="0" destOrd="0" presId="urn:microsoft.com/office/officeart/2005/8/layout/orgChart1"/>
-    <dgm:cxn modelId="{55C3032E-C596-45B0-B0D9-B039ED4AB0B1}" type="presOf" srcId="{188D1000-0E2B-4CE9-B4EC-57DF98E5B370}" destId="{83BFE1B7-4CFE-4414-B2E2-2937D4F9C17F}" srcOrd="0" destOrd="0" presId="urn:microsoft.com/office/officeart/2005/8/layout/orgChart1"/>
-    <dgm:cxn modelId="{3F221A57-9855-4F10-8902-29815A14778C}" type="presOf" srcId="{32A588C2-228D-4B26-9C8B-90CDFD0FC08B}" destId="{9C5E7AE7-E733-492C-8D9D-2B4E12574136}" srcOrd="0" destOrd="0" presId="urn:microsoft.com/office/officeart/2005/8/layout/orgChart1"/>
     <dgm:cxn modelId="{51974BE8-A9E3-4045-8AC0-2BF146D01122}" srcId="{3E7D5DE8-38A7-4D01-B3B1-C41B904AFB24}" destId="{C4E9236B-D5FB-402F-9C08-8917C5806671}" srcOrd="0" destOrd="0" parTransId="{5A94BF89-F459-4076-B825-3EF69867B9E6}" sibTransId="{62DD2125-1C44-478F-B22F-2BED96167201}"/>
     <dgm:cxn modelId="{9DFF448E-6D0C-4B10-A4BB-C20607216AD2}" type="presOf" srcId="{210B0EF3-C281-4060-A271-E34BD8547342}" destId="{D84F31A6-8A16-490F-B798-6B1CCC52D4CD}" srcOrd="1" destOrd="0" presId="urn:microsoft.com/office/officeart/2005/8/layout/orgChart1"/>
-    <dgm:cxn modelId="{88118B8A-E1E2-49A1-95D3-E9EE1A3BBE5B}" type="presOf" srcId="{DF2FF718-F2C1-46BD-B3D2-69C34DDD97AC}" destId="{F5935B02-3EAE-43D8-83D7-0568EA754FE3}" srcOrd="0" destOrd="0" presId="urn:microsoft.com/office/officeart/2005/8/layout/orgChart1"/>
+    <dgm:cxn modelId="{43284CFA-223A-4049-87BA-3120E63505C3}" srcId="{D0D5EBBE-C984-451E-A77C-06635B96115A}" destId="{01DE5603-A9BA-48DC-A812-A9D236837822}" srcOrd="0" destOrd="0" parTransId="{0B69B6BC-1E4A-4E1F-9BE1-0C53B92E33BC}" sibTransId="{69D0B4C8-A61E-4CEB-8F52-6CC20FED1FF6}"/>
     <dgm:cxn modelId="{C4FB8056-6B24-43C9-A2FD-57AF1D92654B}" srcId="{3E7D5DE8-38A7-4D01-B3B1-C41B904AFB24}" destId="{9CF9D14A-D997-48A5-ACA0-BD0A85F323A1}" srcOrd="2" destOrd="0" parTransId="{D81EE60C-1689-4013-8B94-71E45948E61C}" sibTransId="{B3012D63-2D5D-41AB-A6CD-C3EA8612062C}"/>
     <dgm:cxn modelId="{32B18C39-6753-4BA1-AF98-111738B3CB5D}" type="presOf" srcId="{210B0EF3-C281-4060-A271-E34BD8547342}" destId="{F75D6229-E722-4C5A-8752-308DFF186597}" srcOrd="0" destOrd="0" presId="urn:microsoft.com/office/officeart/2005/8/layout/orgChart1"/>
+    <dgm:cxn modelId="{1892F96F-00E2-4EF8-AAB0-04F194594252}" type="presOf" srcId="{0B69B6BC-1E4A-4E1F-9BE1-0C53B92E33BC}" destId="{CF63EB70-7A6D-4FA2-8E46-21CF359D0286}" srcOrd="0" destOrd="0" presId="urn:microsoft.com/office/officeart/2005/8/layout/orgChart1"/>
     <dgm:cxn modelId="{007B4A0A-0E4B-42BD-905B-BDF6999023BA}" type="presParOf" srcId="{E4B09FCC-EACC-4121-8E6E-BD64FF803B59}" destId="{C7C3974A-1DF5-4BF7-A22B-7D65EF9D0681}" srcOrd="0" destOrd="0" presId="urn:microsoft.com/office/officeart/2005/8/layout/orgChart1"/>
     <dgm:cxn modelId="{0B8B6F9D-EC93-49D1-AB15-6F71BC6FE182}" type="presParOf" srcId="{C7C3974A-1DF5-4BF7-A22B-7D65EF9D0681}" destId="{D00FF694-389D-4CD3-B5E2-0572615B4DE4}" srcOrd="0" destOrd="0" presId="urn:microsoft.com/office/officeart/2005/8/layout/orgChart1"/>
     <dgm:cxn modelId="{5FC40C6D-C971-40B3-8425-E45FAA9959E4}" type="presParOf" srcId="{D00FF694-389D-4CD3-B5E2-0572615B4DE4}" destId="{0A79929F-4539-4070-8896-388E4F787335}" srcOrd="0" destOrd="0" presId="urn:microsoft.com/office/officeart/2005/8/layout/orgChart1"/>
@@ -4023,27 +3967,27 @@
     <dgm:cxn modelId="{7D6360DF-D72C-4D78-A574-2C25F3CE62FA}" type="presParOf" srcId="{734E25C4-053E-4335-B498-733C9B31BD37}" destId="{BB899C3E-7977-48D2-838C-0A0A4E22407E}" srcOrd="0" destOrd="0" presId="urn:microsoft.com/office/officeart/2005/8/layout/orgChart1"/>
     <dgm:cxn modelId="{E2037559-A7C1-4533-A17B-CE18F2A02195}" type="presParOf" srcId="{734E25C4-053E-4335-B498-733C9B31BD37}" destId="{1E59B1F0-1959-43EF-B4BA-5DE950985F11}" srcOrd="1" destOrd="0" presId="urn:microsoft.com/office/officeart/2005/8/layout/orgChart1"/>
     <dgm:cxn modelId="{A67FD4E7-AF0F-4E6D-A577-11481AFA90BE}" type="presParOf" srcId="{3CDACF71-9436-40D9-B554-1B1DAEBD747E}" destId="{1361BC6C-9B0B-4206-827D-3BF0B5B79B98}" srcOrd="1" destOrd="0" presId="urn:microsoft.com/office/officeart/2005/8/layout/orgChart1"/>
-    <dgm:cxn modelId="{CE9BF3B8-8B66-48C0-AE30-BDB345AED0CF}" type="presParOf" srcId="{1361BC6C-9B0B-4206-827D-3BF0B5B79B98}" destId="{BCCB5965-B0E0-45CC-8894-BE1731CC57E2}" srcOrd="0" destOrd="0" presId="urn:microsoft.com/office/officeart/2005/8/layout/orgChart1"/>
-    <dgm:cxn modelId="{D26F35E3-484A-4B8B-BF5F-34093C57CD69}" type="presParOf" srcId="{1361BC6C-9B0B-4206-827D-3BF0B5B79B98}" destId="{1CD8D106-1B91-496C-B3DB-996AC3AD5822}" srcOrd="1" destOrd="0" presId="urn:microsoft.com/office/officeart/2005/8/layout/orgChart1"/>
-    <dgm:cxn modelId="{D45CB8FF-A9AB-4B40-AD36-C5369CFFCE48}" type="presParOf" srcId="{1CD8D106-1B91-496C-B3DB-996AC3AD5822}" destId="{1B9CED18-CF7D-4AF9-975C-1844914138B0}" srcOrd="0" destOrd="0" presId="urn:microsoft.com/office/officeart/2005/8/layout/orgChart1"/>
-    <dgm:cxn modelId="{B008CA72-0AAB-422D-BF29-2CB53FF5E519}" type="presParOf" srcId="{1B9CED18-CF7D-4AF9-975C-1844914138B0}" destId="{5BD05F6E-C87D-423B-8545-489C3582E9A5}" srcOrd="0" destOrd="0" presId="urn:microsoft.com/office/officeart/2005/8/layout/orgChart1"/>
-    <dgm:cxn modelId="{2F4AB609-D9EE-4E26-ADF6-ECBD8E0BA17E}" type="presParOf" srcId="{1B9CED18-CF7D-4AF9-975C-1844914138B0}" destId="{257BA37D-C7F9-4FC4-8625-2A044432F45E}" srcOrd="1" destOrd="0" presId="urn:microsoft.com/office/officeart/2005/8/layout/orgChart1"/>
-    <dgm:cxn modelId="{166805EF-FBD8-4422-A6C7-1AB6A3ABDB7A}" type="presParOf" srcId="{1CD8D106-1B91-496C-B3DB-996AC3AD5822}" destId="{21FA8DE6-BE13-427F-B07D-34101809347A}" srcOrd="1" destOrd="0" presId="urn:microsoft.com/office/officeart/2005/8/layout/orgChart1"/>
-    <dgm:cxn modelId="{52D99B22-6045-4D2E-9DFE-8A18FFBEAD58}" type="presParOf" srcId="{1CD8D106-1B91-496C-B3DB-996AC3AD5822}" destId="{36C55898-F9BD-4CF0-99A2-28DD2F3C66C5}" srcOrd="2" destOrd="0" presId="urn:microsoft.com/office/officeart/2005/8/layout/orgChart1"/>
-    <dgm:cxn modelId="{6499049F-98F3-4AC8-BB29-4FA91F098740}" type="presParOf" srcId="{1361BC6C-9B0B-4206-827D-3BF0B5B79B98}" destId="{F5935B02-3EAE-43D8-83D7-0568EA754FE3}" srcOrd="2" destOrd="0" presId="urn:microsoft.com/office/officeart/2005/8/layout/orgChart1"/>
-    <dgm:cxn modelId="{CE980871-A13F-45A6-A976-53D8EB50388C}" type="presParOf" srcId="{1361BC6C-9B0B-4206-827D-3BF0B5B79B98}" destId="{65098B79-47B8-45AD-84EC-59F788BDFBC1}" srcOrd="3" destOrd="0" presId="urn:microsoft.com/office/officeart/2005/8/layout/orgChart1"/>
-    <dgm:cxn modelId="{DA37DF07-CB3A-4345-BD10-7E159E011E37}" type="presParOf" srcId="{65098B79-47B8-45AD-84EC-59F788BDFBC1}" destId="{B7D893E0-1D88-4382-B898-4989216383B2}" srcOrd="0" destOrd="0" presId="urn:microsoft.com/office/officeart/2005/8/layout/orgChart1"/>
-    <dgm:cxn modelId="{14B75180-A0B7-45E7-AE28-63BE99ED13C5}" type="presParOf" srcId="{B7D893E0-1D88-4382-B898-4989216383B2}" destId="{AED2CD70-00FB-4D86-A988-A2B3331A944F}" srcOrd="0" destOrd="0" presId="urn:microsoft.com/office/officeart/2005/8/layout/orgChart1"/>
-    <dgm:cxn modelId="{71730BA8-72D3-4887-9B71-AE7E2717F8A9}" type="presParOf" srcId="{B7D893E0-1D88-4382-B898-4989216383B2}" destId="{7A248573-B914-4159-ACEE-81EFF21A290C}" srcOrd="1" destOrd="0" presId="urn:microsoft.com/office/officeart/2005/8/layout/orgChart1"/>
-    <dgm:cxn modelId="{4B2F6CB1-D7AE-40E5-9397-B3B6394A1489}" type="presParOf" srcId="{65098B79-47B8-45AD-84EC-59F788BDFBC1}" destId="{DEA8D9E0-A8CA-48EF-A2A5-7B4EACBDC6EA}" srcOrd="1" destOrd="0" presId="urn:microsoft.com/office/officeart/2005/8/layout/orgChart1"/>
-    <dgm:cxn modelId="{0FCC3F55-AA08-440B-9B29-1AA70F0E5222}" type="presParOf" srcId="{65098B79-47B8-45AD-84EC-59F788BDFBC1}" destId="{601F07B1-5063-4BCA-9450-53D749FA758F}" srcOrd="2" destOrd="0" presId="urn:microsoft.com/office/officeart/2005/8/layout/orgChart1"/>
-    <dgm:cxn modelId="{0DE09515-B5E9-4327-AD17-C00373309FCF}" type="presParOf" srcId="{1361BC6C-9B0B-4206-827D-3BF0B5B79B98}" destId="{83BFE1B7-4CFE-4414-B2E2-2937D4F9C17F}" srcOrd="4" destOrd="0" presId="urn:microsoft.com/office/officeart/2005/8/layout/orgChart1"/>
-    <dgm:cxn modelId="{1B67BA67-8C72-4838-8E41-D054935B9D5C}" type="presParOf" srcId="{1361BC6C-9B0B-4206-827D-3BF0B5B79B98}" destId="{459CC44D-C8B1-4635-A6BE-852CC0735C79}" srcOrd="5" destOrd="0" presId="urn:microsoft.com/office/officeart/2005/8/layout/orgChart1"/>
-    <dgm:cxn modelId="{5AE885C0-E5F3-4D8C-B952-6BE0CD17145F}" type="presParOf" srcId="{459CC44D-C8B1-4635-A6BE-852CC0735C79}" destId="{729F2795-3FC9-482D-A6E8-681E4BBC0F27}" srcOrd="0" destOrd="0" presId="urn:microsoft.com/office/officeart/2005/8/layout/orgChart1"/>
-    <dgm:cxn modelId="{E3350AB5-7A26-4274-8FDE-6851FA1D5266}" type="presParOf" srcId="{729F2795-3FC9-482D-A6E8-681E4BBC0F27}" destId="{9C5E7AE7-E733-492C-8D9D-2B4E12574136}" srcOrd="0" destOrd="0" presId="urn:microsoft.com/office/officeart/2005/8/layout/orgChart1"/>
-    <dgm:cxn modelId="{71F77C9E-5D6B-4DDF-B37E-AA5FCCADE462}" type="presParOf" srcId="{729F2795-3FC9-482D-A6E8-681E4BBC0F27}" destId="{6AB2AA11-CB4E-478D-B63B-A0BF5B893B44}" srcOrd="1" destOrd="0" presId="urn:microsoft.com/office/officeart/2005/8/layout/orgChart1"/>
-    <dgm:cxn modelId="{F35088B4-DD34-42E9-AA6D-763B90CDB7F6}" type="presParOf" srcId="{459CC44D-C8B1-4635-A6BE-852CC0735C79}" destId="{CB7BB7FB-F6D9-464D-8147-B1D785A2A656}" srcOrd="1" destOrd="0" presId="urn:microsoft.com/office/officeart/2005/8/layout/orgChart1"/>
-    <dgm:cxn modelId="{6D9C1D11-D4B2-4F4A-A07B-25FE48DD0A5B}" type="presParOf" srcId="{459CC44D-C8B1-4635-A6BE-852CC0735C79}" destId="{7D98686E-4B2F-406D-9145-91C4756133B1}" srcOrd="2" destOrd="0" presId="urn:microsoft.com/office/officeart/2005/8/layout/orgChart1"/>
+    <dgm:cxn modelId="{7DA8D7D5-410B-47F4-AD9E-630EBDD298BE}" type="presParOf" srcId="{1361BC6C-9B0B-4206-827D-3BF0B5B79B98}" destId="{CF63EB70-7A6D-4FA2-8E46-21CF359D0286}" srcOrd="0" destOrd="0" presId="urn:microsoft.com/office/officeart/2005/8/layout/orgChart1"/>
+    <dgm:cxn modelId="{1473F8EF-28C8-43FC-BA0D-0E3D17C265A8}" type="presParOf" srcId="{1361BC6C-9B0B-4206-827D-3BF0B5B79B98}" destId="{EEE897D5-0D96-4624-AD67-2EBF28C86E46}" srcOrd="1" destOrd="0" presId="urn:microsoft.com/office/officeart/2005/8/layout/orgChart1"/>
+    <dgm:cxn modelId="{E2789BA0-2470-4BF6-A6A5-FEDCA30D2DC8}" type="presParOf" srcId="{EEE897D5-0D96-4624-AD67-2EBF28C86E46}" destId="{61949F78-54AF-445F-A9C1-09BCC8AB6818}" srcOrd="0" destOrd="0" presId="urn:microsoft.com/office/officeart/2005/8/layout/orgChart1"/>
+    <dgm:cxn modelId="{187FD3D0-6698-4E35-8BC4-54265E336D72}" type="presParOf" srcId="{61949F78-54AF-445F-A9C1-09BCC8AB6818}" destId="{A11B1B3B-548B-4BF3-BD14-6C594BE6A489}" srcOrd="0" destOrd="0" presId="urn:microsoft.com/office/officeart/2005/8/layout/orgChart1"/>
+    <dgm:cxn modelId="{C3C6D37F-EC59-497F-80D3-156F772FC3F4}" type="presParOf" srcId="{61949F78-54AF-445F-A9C1-09BCC8AB6818}" destId="{CE70EDA1-CEC3-4F76-B0D5-08C75AA61789}" srcOrd="1" destOrd="0" presId="urn:microsoft.com/office/officeart/2005/8/layout/orgChart1"/>
+    <dgm:cxn modelId="{0801E4A6-97CE-4DFD-9B1E-B17614402222}" type="presParOf" srcId="{EEE897D5-0D96-4624-AD67-2EBF28C86E46}" destId="{6D8D787A-8B24-44D0-B2C8-8BFD2439CC10}" srcOrd="1" destOrd="0" presId="urn:microsoft.com/office/officeart/2005/8/layout/orgChart1"/>
+    <dgm:cxn modelId="{B22E9A7E-73E5-406A-B37D-B15E68F468E3}" type="presParOf" srcId="{EEE897D5-0D96-4624-AD67-2EBF28C86E46}" destId="{18923BB7-BB28-4E99-BA26-5534ED5EA94F}" srcOrd="2" destOrd="0" presId="urn:microsoft.com/office/officeart/2005/8/layout/orgChart1"/>
+    <dgm:cxn modelId="{46F19FF9-04E3-43BF-8DBE-72F0645A9080}" type="presParOf" srcId="{1361BC6C-9B0B-4206-827D-3BF0B5B79B98}" destId="{FDCF2E21-0BBF-4C89-8E46-93D1F2D60A4C}" srcOrd="2" destOrd="0" presId="urn:microsoft.com/office/officeart/2005/8/layout/orgChart1"/>
+    <dgm:cxn modelId="{B4CE5155-320A-4852-8075-F0BA83C9A0CC}" type="presParOf" srcId="{1361BC6C-9B0B-4206-827D-3BF0B5B79B98}" destId="{579C8BBC-679D-4883-BCD3-A803A1F4A041}" srcOrd="3" destOrd="0" presId="urn:microsoft.com/office/officeart/2005/8/layout/orgChart1"/>
+    <dgm:cxn modelId="{6030E1ED-F292-440E-BC78-5AE077AB997A}" type="presParOf" srcId="{579C8BBC-679D-4883-BCD3-A803A1F4A041}" destId="{6837DE00-8205-422F-BDDD-F17E99CB1BE8}" srcOrd="0" destOrd="0" presId="urn:microsoft.com/office/officeart/2005/8/layout/orgChart1"/>
+    <dgm:cxn modelId="{33CA6FAE-C7C5-4757-80B8-C2373CA84037}" type="presParOf" srcId="{6837DE00-8205-422F-BDDD-F17E99CB1BE8}" destId="{3DA29272-8B54-4109-B1CF-306966EBCEA6}" srcOrd="0" destOrd="0" presId="urn:microsoft.com/office/officeart/2005/8/layout/orgChart1"/>
+    <dgm:cxn modelId="{CE1C6F03-B66A-4946-BBC5-4F5D8E076BAE}" type="presParOf" srcId="{6837DE00-8205-422F-BDDD-F17E99CB1BE8}" destId="{CFE66D09-E0AC-4059-9D41-E1709E524C84}" srcOrd="1" destOrd="0" presId="urn:microsoft.com/office/officeart/2005/8/layout/orgChart1"/>
+    <dgm:cxn modelId="{1A889CBC-2551-4B12-AFFE-7FD3F7D0643C}" type="presParOf" srcId="{579C8BBC-679D-4883-BCD3-A803A1F4A041}" destId="{C27F06AF-A642-4C0F-A633-4CDF443BC104}" srcOrd="1" destOrd="0" presId="urn:microsoft.com/office/officeart/2005/8/layout/orgChart1"/>
+    <dgm:cxn modelId="{0934FC8F-C702-406B-94F1-779F82D0FEEB}" type="presParOf" srcId="{579C8BBC-679D-4883-BCD3-A803A1F4A041}" destId="{945F342B-9689-4322-9AE7-BFD6B915DAEE}" srcOrd="2" destOrd="0" presId="urn:microsoft.com/office/officeart/2005/8/layout/orgChart1"/>
+    <dgm:cxn modelId="{E8C0FD96-86DC-47B7-9C5D-1569EB56AABD}" type="presParOf" srcId="{1361BC6C-9B0B-4206-827D-3BF0B5B79B98}" destId="{DABE2A97-8AFC-46F1-9229-CDFF582F36CD}" srcOrd="4" destOrd="0" presId="urn:microsoft.com/office/officeart/2005/8/layout/orgChart1"/>
+    <dgm:cxn modelId="{5696F6D7-2D0B-4A66-A2E5-808A8F6B5CAE}" type="presParOf" srcId="{1361BC6C-9B0B-4206-827D-3BF0B5B79B98}" destId="{F79A91D2-31E3-4214-A5B3-FDB94EEF9285}" srcOrd="5" destOrd="0" presId="urn:microsoft.com/office/officeart/2005/8/layout/orgChart1"/>
+    <dgm:cxn modelId="{0CCC7D46-96B6-42B8-AFFD-F62B074BAA42}" type="presParOf" srcId="{F79A91D2-31E3-4214-A5B3-FDB94EEF9285}" destId="{7D9010F7-3374-45E6-BB14-A40A8C0DA9AF}" srcOrd="0" destOrd="0" presId="urn:microsoft.com/office/officeart/2005/8/layout/orgChart1"/>
+    <dgm:cxn modelId="{A2C1BC13-158D-4EA4-B48C-19189D8A981C}" type="presParOf" srcId="{7D9010F7-3374-45E6-BB14-A40A8C0DA9AF}" destId="{B13177B0-B616-471A-B673-341F50F836B6}" srcOrd="0" destOrd="0" presId="urn:microsoft.com/office/officeart/2005/8/layout/orgChart1"/>
+    <dgm:cxn modelId="{3AE48574-8010-492A-B783-58A72365BBA5}" type="presParOf" srcId="{7D9010F7-3374-45E6-BB14-A40A8C0DA9AF}" destId="{29898FD7-6D50-464C-B5FD-8C53A87EEE52}" srcOrd="1" destOrd="0" presId="urn:microsoft.com/office/officeart/2005/8/layout/orgChart1"/>
+    <dgm:cxn modelId="{50DB29E6-C213-4D66-94DD-00D5327B8D0D}" type="presParOf" srcId="{F79A91D2-31E3-4214-A5B3-FDB94EEF9285}" destId="{D77A1B47-932A-44EA-B7CE-1DAA48EA4A4B}" srcOrd="1" destOrd="0" presId="urn:microsoft.com/office/officeart/2005/8/layout/orgChart1"/>
+    <dgm:cxn modelId="{3783E0E1-FA96-44C6-9A35-0B005C61AE80}" type="presParOf" srcId="{F79A91D2-31E3-4214-A5B3-FDB94EEF9285}" destId="{7DF5EC82-B2B7-4CDE-A286-05BBF6851BA8}" srcOrd="2" destOrd="0" presId="urn:microsoft.com/office/officeart/2005/8/layout/orgChart1"/>
     <dgm:cxn modelId="{B18CDD17-1833-42ED-B035-047FC65517AA}" type="presParOf" srcId="{3CDACF71-9436-40D9-B554-1B1DAEBD747E}" destId="{AFF660C7-7594-4A5C-9B19-EA55042202B5}" srcOrd="2" destOrd="0" presId="urn:microsoft.com/office/officeart/2005/8/layout/orgChart1"/>
     <dgm:cxn modelId="{BE848EAE-4A9C-408C-8AB0-D574FD68C4BE}" type="presParOf" srcId="{9A71EA88-E86A-4774-A0C2-7A36B7A46C30}" destId="{A3C064E1-EB83-4A90-BC9B-363A4369B1D9}" srcOrd="2" destOrd="0" presId="urn:microsoft.com/office/officeart/2005/8/layout/orgChart1"/>
     <dgm:cxn modelId="{A4546BE2-FF1F-46D3-8652-F2971A86158C}" type="presParOf" srcId="{9A71EA88-E86A-4774-A0C2-7A36B7A46C30}" destId="{5F49EB11-AF2A-43A7-A5F6-C818A93333A4}" srcOrd="3" destOrd="0" presId="urn:microsoft.com/office/officeart/2005/8/layout/orgChart1"/>
@@ -4749,15 +4693,15 @@
         <a:fontRef idx="minor"/>
       </dsp:style>
     </dsp:sp>
-    <dsp:sp modelId="{83BFE1B7-4CFE-4414-B2E2-2937D4F9C17F}">
+    <dsp:sp modelId="{DABE2A97-8AFC-46F1-9229-CDFF582F36CD}">
       <dsp:nvSpPr>
         <dsp:cNvPr id="0" name=""/>
         <dsp:cNvSpPr/>
       </dsp:nvSpPr>
       <dsp:spPr>
         <a:xfrm>
-          <a:off x="107468" y="2105357"/>
-          <a:ext cx="91440" cy="2885513"/>
+          <a:off x="153188" y="2105357"/>
+          <a:ext cx="243152" cy="1660948"/>
         </a:xfrm>
         <a:custGeom>
           <a:avLst/>
@@ -4768,13 +4712,13 @@
           <a:pathLst>
             <a:path>
               <a:moveTo>
-                <a:pt x="45720" y="0"/>
+                <a:pt x="0" y="0"/>
               </a:moveTo>
               <a:lnTo>
-                <a:pt x="45720" y="2885513"/>
+                <a:pt x="0" y="1660948"/>
               </a:lnTo>
               <a:lnTo>
-                <a:pt x="95457" y="2885513"/>
+                <a:pt x="243152" y="1660948"/>
               </a:lnTo>
             </a:path>
           </a:pathLst>
@@ -4808,15 +4752,15 @@
         <a:fontRef idx="minor"/>
       </dsp:style>
     </dsp:sp>
-    <dsp:sp modelId="{F5935B02-3EAE-43D8-83D7-0568EA754FE3}">
+    <dsp:sp modelId="{FDCF2E21-0BBF-4C89-8E46-93D1F2D60A4C}">
       <dsp:nvSpPr>
         <dsp:cNvPr id="0" name=""/>
         <dsp:cNvSpPr/>
       </dsp:nvSpPr>
       <dsp:spPr>
         <a:xfrm>
-          <a:off x="107468" y="2105357"/>
-          <a:ext cx="91440" cy="1803277"/>
+          <a:off x="153188" y="2105357"/>
+          <a:ext cx="228641" cy="2552657"/>
         </a:xfrm>
         <a:custGeom>
           <a:avLst/>
@@ -4827,13 +4771,13 @@
           <a:pathLst>
             <a:path>
               <a:moveTo>
-                <a:pt x="45720" y="0"/>
+                <a:pt x="0" y="0"/>
               </a:moveTo>
               <a:lnTo>
-                <a:pt x="45720" y="1803277"/>
+                <a:pt x="0" y="2552657"/>
               </a:lnTo>
               <a:lnTo>
-                <a:pt x="95457" y="1803277"/>
+                <a:pt x="228641" y="2552657"/>
               </a:lnTo>
             </a:path>
           </a:pathLst>
@@ -4867,15 +4811,15 @@
         <a:fontRef idx="minor"/>
       </dsp:style>
     </dsp:sp>
-    <dsp:sp modelId="{BCCB5965-B0E0-45CC-8894-BE1731CC57E2}">
+    <dsp:sp modelId="{CF63EB70-7A6D-4FA2-8E46-21CF359D0286}">
       <dsp:nvSpPr>
         <dsp:cNvPr id="0" name=""/>
         <dsp:cNvSpPr/>
       </dsp:nvSpPr>
       <dsp:spPr>
         <a:xfrm>
-          <a:off x="107468" y="2105357"/>
-          <a:ext cx="91440" cy="721042"/>
+          <a:off x="153188" y="2105357"/>
+          <a:ext cx="228641" cy="759218"/>
         </a:xfrm>
         <a:custGeom>
           <a:avLst/>
@@ -4886,13 +4830,13 @@
           <a:pathLst>
             <a:path>
               <a:moveTo>
-                <a:pt x="45720" y="0"/>
+                <a:pt x="0" y="0"/>
               </a:moveTo>
               <a:lnTo>
-                <a:pt x="45720" y="721042"/>
+                <a:pt x="0" y="759218"/>
               </a:lnTo>
               <a:lnTo>
-                <a:pt x="95457" y="721042"/>
+                <a:pt x="228641" y="759218"/>
               </a:lnTo>
             </a:path>
           </a:pathLst>
@@ -5170,96 +5114,14 @@
         <a:ext cx="1524274" cy="762137"/>
       </dsp:txXfrm>
     </dsp:sp>
-    <dsp:sp modelId="{5BD05F6E-C87D-423B-8545-489C3582E9A5}">
+    <dsp:sp modelId="{A11B1B3B-548B-4BF3-BD14-6C594BE6A489}">
       <dsp:nvSpPr>
         <dsp:cNvPr id="0" name=""/>
         <dsp:cNvSpPr/>
       </dsp:nvSpPr>
       <dsp:spPr>
         <a:xfrm>
-          <a:off x="202925" y="2445332"/>
-          <a:ext cx="1524274" cy="762137"/>
-        </a:xfrm>
-        <a:prstGeom prst="rect">
-          <a:avLst/>
-        </a:prstGeom>
-        <a:solidFill>
-          <a:schemeClr val="accent1">
-            <a:hueOff val="0"/>
-            <a:satOff val="0"/>
-            <a:lumOff val="0"/>
-            <a:alphaOff val="0"/>
-          </a:schemeClr>
-        </a:solidFill>
-        <a:ln w="12700" cap="flat" cmpd="sng" algn="ctr">
-          <a:solidFill>
-            <a:schemeClr val="lt1">
-              <a:hueOff val="0"/>
-              <a:satOff val="0"/>
-              <a:lumOff val="0"/>
-              <a:alphaOff val="0"/>
-            </a:schemeClr>
-          </a:solidFill>
-          <a:prstDash val="solid"/>
-          <a:miter lim="800000"/>
-        </a:ln>
-        <a:effectLst/>
-      </dsp:spPr>
-      <dsp:style>
-        <a:lnRef idx="2">
-          <a:scrgbClr r="0" g="0" b="0"/>
-        </a:lnRef>
-        <a:fillRef idx="1">
-          <a:scrgbClr r="0" g="0" b="0"/>
-        </a:fillRef>
-        <a:effectRef idx="0">
-          <a:scrgbClr r="0" g="0" b="0"/>
-        </a:effectRef>
-        <a:fontRef idx="minor">
-          <a:schemeClr val="lt1"/>
-        </a:fontRef>
-      </dsp:style>
-      <dsp:txBody>
-        <a:bodyPr spcFirstLastPara="0" vert="horz" wrap="square" lIns="19050" tIns="19050" rIns="19050" bIns="19050" numCol="1" spcCol="1270" anchor="ctr" anchorCtr="0">
-          <a:noAutofit/>
-        </a:bodyPr>
-        <a:lstStyle/>
-        <a:p>
-          <a:pPr lvl="0" algn="ctr" defTabSz="1333500">
-            <a:lnSpc>
-              <a:spcPct val="90000"/>
-            </a:lnSpc>
-            <a:spcBef>
-              <a:spcPct val="0"/>
-            </a:spcBef>
-            <a:spcAft>
-              <a:spcPct val="35000"/>
-            </a:spcAft>
-          </a:pPr>
-          <a:r>
-            <a:rPr lang="pt-PT" sz="3000" u="none" kern="1200" dirty="0"/>
-            <a:t>Porquê </a:t>
-          </a:r>
-          <a:r>
-            <a:rPr lang="pt-PT" sz="3000" u="none" kern="1200" dirty="0" smtClean="0"/>
-            <a:t>Covilhã?</a:t>
-          </a:r>
-          <a:endParaRPr lang="pt-PT" sz="3000" u="none" kern="1200" dirty="0"/>
-        </a:p>
-      </dsp:txBody>
-      <dsp:txXfrm>
-        <a:off x="202925" y="2445332"/>
-        <a:ext cx="1524274" cy="762137"/>
-      </dsp:txXfrm>
-    </dsp:sp>
-    <dsp:sp modelId="{AED2CD70-00FB-4D86-A988-A2B3331A944F}">
-      <dsp:nvSpPr>
-        <dsp:cNvPr id="0" name=""/>
-        <dsp:cNvSpPr/>
-      </dsp:nvSpPr>
-      <dsp:spPr>
-        <a:xfrm>
-          <a:off x="202925" y="3527567"/>
+          <a:off x="381829" y="2483507"/>
           <a:ext cx="1524274" cy="762137"/>
         </a:xfrm>
         <a:prstGeom prst="rect">
@@ -5319,29 +5181,25 @@
             </a:spcAft>
           </a:pPr>
           <a:r>
-            <a:rPr lang="pt-PT" sz="1800" u="none" kern="1200" dirty="0"/>
-            <a:t>Chegar à </a:t>
+            <a:rPr lang="pt-PT" sz="1800" kern="1200" dirty="0" smtClean="0"/>
+            <a:t>Porquê Covilhã?</a:t>
           </a:r>
-          <a:r>
-            <a:rPr lang="pt-PT" sz="1800" u="none" kern="1200" dirty="0" smtClean="0"/>
-            <a:t>Covilhã</a:t>
-          </a:r>
-          <a:endParaRPr lang="pt-PT" sz="1800" u="none" kern="1200" dirty="0"/>
+          <a:endParaRPr lang="pt-PT" sz="1800" kern="1200" dirty="0"/>
         </a:p>
       </dsp:txBody>
       <dsp:txXfrm>
-        <a:off x="202925" y="3527567"/>
+        <a:off x="381829" y="2483507"/>
         <a:ext cx="1524274" cy="762137"/>
       </dsp:txXfrm>
     </dsp:sp>
-    <dsp:sp modelId="{9C5E7AE7-E733-492C-8D9D-2B4E12574136}">
+    <dsp:sp modelId="{3DA29272-8B54-4109-B1CF-306966EBCEA6}">
       <dsp:nvSpPr>
         <dsp:cNvPr id="0" name=""/>
         <dsp:cNvSpPr/>
       </dsp:nvSpPr>
       <dsp:spPr>
         <a:xfrm>
-          <a:off x="202925" y="4609802"/>
+          <a:off x="381829" y="4276946"/>
           <a:ext cx="1524274" cy="762137"/>
         </a:xfrm>
         <a:prstGeom prst="rect">
@@ -5401,13 +5259,92 @@
             </a:spcAft>
           </a:pPr>
           <a:r>
-            <a:rPr lang="pt-PT" sz="1800" u="none" kern="1200" dirty="0"/>
+            <a:rPr lang="pt-PT" sz="1800" kern="1200" dirty="0" smtClean="0"/>
             <a:t>Mapa</a:t>
           </a:r>
+          <a:endParaRPr lang="pt-PT" sz="1800" kern="1200" dirty="0"/>
         </a:p>
       </dsp:txBody>
       <dsp:txXfrm>
-        <a:off x="202925" y="4609802"/>
+        <a:off x="381829" y="4276946"/>
+        <a:ext cx="1524274" cy="762137"/>
+      </dsp:txXfrm>
+    </dsp:sp>
+    <dsp:sp modelId="{B13177B0-B616-471A-B673-341F50F836B6}">
+      <dsp:nvSpPr>
+        <dsp:cNvPr id="0" name=""/>
+        <dsp:cNvSpPr/>
+      </dsp:nvSpPr>
+      <dsp:spPr>
+        <a:xfrm>
+          <a:off x="396340" y="3385238"/>
+          <a:ext cx="1524274" cy="762137"/>
+        </a:xfrm>
+        <a:prstGeom prst="rect">
+          <a:avLst/>
+        </a:prstGeom>
+        <a:solidFill>
+          <a:schemeClr val="accent1">
+            <a:hueOff val="0"/>
+            <a:satOff val="0"/>
+            <a:lumOff val="0"/>
+            <a:alphaOff val="0"/>
+          </a:schemeClr>
+        </a:solidFill>
+        <a:ln w="12700" cap="flat" cmpd="sng" algn="ctr">
+          <a:solidFill>
+            <a:schemeClr val="lt1">
+              <a:hueOff val="0"/>
+              <a:satOff val="0"/>
+              <a:lumOff val="0"/>
+              <a:alphaOff val="0"/>
+            </a:schemeClr>
+          </a:solidFill>
+          <a:prstDash val="solid"/>
+          <a:miter lim="800000"/>
+        </a:ln>
+        <a:effectLst/>
+      </dsp:spPr>
+      <dsp:style>
+        <a:lnRef idx="2">
+          <a:scrgbClr r="0" g="0" b="0"/>
+        </a:lnRef>
+        <a:fillRef idx="1">
+          <a:scrgbClr r="0" g="0" b="0"/>
+        </a:fillRef>
+        <a:effectRef idx="0">
+          <a:scrgbClr r="0" g="0" b="0"/>
+        </a:effectRef>
+        <a:fontRef idx="minor">
+          <a:schemeClr val="lt1"/>
+        </a:fontRef>
+      </dsp:style>
+      <dsp:txBody>
+        <a:bodyPr spcFirstLastPara="0" vert="horz" wrap="square" lIns="11430" tIns="11430" rIns="11430" bIns="11430" numCol="1" spcCol="1270" anchor="ctr" anchorCtr="0">
+          <a:noAutofit/>
+        </a:bodyPr>
+        <a:lstStyle/>
+        <a:p>
+          <a:pPr lvl="0" algn="ctr" defTabSz="800100">
+            <a:lnSpc>
+              <a:spcPct val="90000"/>
+            </a:lnSpc>
+            <a:spcBef>
+              <a:spcPct val="0"/>
+            </a:spcBef>
+            <a:spcAft>
+              <a:spcPct val="35000"/>
+            </a:spcAft>
+          </a:pPr>
+          <a:r>
+            <a:rPr lang="pt-PT" sz="1800" kern="1200" dirty="0" smtClean="0"/>
+            <a:t>Chegar à Covilhã</a:t>
+          </a:r>
+          <a:endParaRPr lang="pt-PT" sz="1800" kern="1200" dirty="0"/>
+        </a:p>
+      </dsp:txBody>
+      <dsp:txXfrm>
+        <a:off x="396340" y="3385238"/>
         <a:ext cx="1524274" cy="762137"/>
       </dsp:txXfrm>
     </dsp:sp>
@@ -10655,7 +10592,7 @@
           <a:p>
             <a:fld id="{FE46BE1C-E5B9-40EB-B480-3B6CCE635393}" type="datetimeFigureOut">
               <a:rPr lang="en-GB" smtClean="0"/>
-              <a:t>18/12/2018</a:t>
+              <a:t>30/12/2018</a:t>
             </a:fld>
             <a:endParaRPr lang="en-GB"/>
           </a:p>
@@ -11807,7 +11744,7 @@
           <a:p>
             <a:fld id="{46E4206C-CDB6-49DB-A49C-1C74FE4EA3F6}" type="datetime1">
               <a:rPr lang="en-GB" smtClean="0"/>
-              <a:t>18/12/2018</a:t>
+              <a:t>30/12/2018</a:t>
             </a:fld>
             <a:endParaRPr lang="en-GB"/>
           </a:p>
@@ -11977,7 +11914,7 @@
           <a:p>
             <a:fld id="{EC42A3EE-7AFB-4F73-B39D-FB9AAAE09D70}" type="datetime1">
               <a:rPr lang="en-GB" smtClean="0"/>
-              <a:t>18/12/2018</a:t>
+              <a:t>30/12/2018</a:t>
             </a:fld>
             <a:endParaRPr lang="en-GB"/>
           </a:p>
@@ -12157,7 +12094,7 @@
           <a:p>
             <a:fld id="{297491F8-B1AD-48C8-B450-A9DE8FC9B4BC}" type="datetime1">
               <a:rPr lang="en-GB" smtClean="0"/>
-              <a:t>18/12/2018</a:t>
+              <a:t>30/12/2018</a:t>
             </a:fld>
             <a:endParaRPr lang="en-GB"/>
           </a:p>
@@ -13059,7 +12996,7 @@
           <a:p>
             <a:fld id="{1241B6BE-13A3-40C5-BAF7-2CC773D00FB0}" type="datetime1">
               <a:rPr lang="en-GB" smtClean="0"/>
-              <a:t>18/12/2018</a:t>
+              <a:t>30/12/2018</a:t>
             </a:fld>
             <a:endParaRPr lang="en-GB"/>
           </a:p>
@@ -13303,7 +13240,7 @@
           <a:p>
             <a:fld id="{30A9CCEB-FEAA-4C72-9118-04BDF5966FFB}" type="datetime1">
               <a:rPr lang="en-GB" smtClean="0"/>
-              <a:t>18/12/2018</a:t>
+              <a:t>30/12/2018</a:t>
             </a:fld>
             <a:endParaRPr lang="en-GB"/>
           </a:p>
@@ -13535,7 +13472,7 @@
           <a:p>
             <a:fld id="{DFAB555E-071C-48B6-AB80-445E4540AC68}" type="datetime1">
               <a:rPr lang="en-GB" smtClean="0"/>
-              <a:t>18/12/2018</a:t>
+              <a:t>30/12/2018</a:t>
             </a:fld>
             <a:endParaRPr lang="en-GB"/>
           </a:p>
@@ -13902,7 +13839,7 @@
           <a:p>
             <a:fld id="{71C8195A-F236-4C56-A7B6-A9E3130AE1F9}" type="datetime1">
               <a:rPr lang="en-GB" smtClean="0"/>
-              <a:t>18/12/2018</a:t>
+              <a:t>30/12/2018</a:t>
             </a:fld>
             <a:endParaRPr lang="en-GB"/>
           </a:p>
@@ -14020,7 +13957,7 @@
           <a:p>
             <a:fld id="{2F2BBF01-7E4A-4B0A-98AA-6A611EFD036E}" type="datetime1">
               <a:rPr lang="en-GB" smtClean="0"/>
-              <a:t>18/12/2018</a:t>
+              <a:t>30/12/2018</a:t>
             </a:fld>
             <a:endParaRPr lang="en-GB"/>
           </a:p>
@@ -14115,7 +14052,7 @@
           <a:p>
             <a:fld id="{6EBF66CE-A945-42FA-B1CB-E96DCD998F84}" type="datetime1">
               <a:rPr lang="en-GB" smtClean="0"/>
-              <a:t>18/12/2018</a:t>
+              <a:t>30/12/2018</a:t>
             </a:fld>
             <a:endParaRPr lang="en-GB"/>
           </a:p>
@@ -14392,7 +14329,7 @@
           <a:p>
             <a:fld id="{8E2C1C88-A111-4B14-B38C-BDD24B4F2065}" type="datetime1">
               <a:rPr lang="en-GB" smtClean="0"/>
-              <a:t>18/12/2018</a:t>
+              <a:t>30/12/2018</a:t>
             </a:fld>
             <a:endParaRPr lang="en-GB"/>
           </a:p>
@@ -14649,7 +14586,7 @@
           <a:p>
             <a:fld id="{A033B5E6-D2E8-4024-8FEA-9A34E9CC2096}" type="datetime1">
               <a:rPr lang="en-GB" smtClean="0"/>
-              <a:t>18/12/2018</a:t>
+              <a:t>30/12/2018</a:t>
             </a:fld>
             <a:endParaRPr lang="en-GB"/>
           </a:p>
@@ -14861,7 +14798,7 @@
           <a:p>
             <a:fld id="{86124722-C52C-4725-B554-5890676B8B27}" type="datetime1">
               <a:rPr lang="en-GB" smtClean="0"/>
-              <a:t>18/12/2018</a:t>
+              <a:t>30/12/2018</a:t>
             </a:fld>
             <a:endParaRPr lang="en-GB"/>
           </a:p>
@@ -16088,7 +16025,7 @@
           <p:cNvPr id="2" name="Content Placeholder 1">
             <a:extLst>
               <a:ext uri="{FF2B5EF4-FFF2-40B4-BE49-F238E27FC236}">
-                <a16:creationId xmlns:a16="http://schemas.microsoft.com/office/drawing/2014/main" xmlns="" id="{61284A3C-35C7-47BB-B5EF-3A5AFD39F048}"/>
+                <a16:creationId xmlns="" xmlns:a16="http://schemas.microsoft.com/office/drawing/2014/main" id="{61284A3C-35C7-47BB-B5EF-3A5AFD39F048}"/>
               </a:ext>
             </a:extLst>
           </p:cNvPr>
@@ -16113,7 +16050,7 @@
           <p:cNvPr id="3" name="Content Placeholder 2">
             <a:extLst>
               <a:ext uri="{FF2B5EF4-FFF2-40B4-BE49-F238E27FC236}">
-                <a16:creationId xmlns:a16="http://schemas.microsoft.com/office/drawing/2014/main" xmlns="" id="{75B62007-2099-491F-B9CC-679828859075}"/>
+                <a16:creationId xmlns="" xmlns:a16="http://schemas.microsoft.com/office/drawing/2014/main" id="{75B62007-2099-491F-B9CC-679828859075}"/>
               </a:ext>
             </a:extLst>
           </p:cNvPr>
@@ -16135,35 +16072,10 @@
       </p:sp>
       <p:sp>
         <p:nvSpPr>
-          <p:cNvPr id="4" name="Content Placeholder 3">
-            <a:extLst>
-              <a:ext uri="{FF2B5EF4-FFF2-40B4-BE49-F238E27FC236}">
-                <a16:creationId xmlns:a16="http://schemas.microsoft.com/office/drawing/2014/main" xmlns="" id="{B573A8A9-0BDE-4B35-955D-A5C9FAFE6755}"/>
-              </a:ext>
-            </a:extLst>
-          </p:cNvPr>
-          <p:cNvSpPr>
-            <a:spLocks noGrp="1"/>
-          </p:cNvSpPr>
-          <p:nvPr>
-            <p:ph idx="11"/>
-          </p:nvPr>
-        </p:nvSpPr>
-        <p:spPr/>
-        <p:txBody>
-          <a:bodyPr/>
-          <a:lstStyle/>
-          <a:p>
-            <a:endParaRPr lang="pt-PT" dirty="0"/>
-          </a:p>
-        </p:txBody>
-      </p:sp>
-      <p:sp>
-        <p:nvSpPr>
           <p:cNvPr id="5" name="Content Placeholder 4">
             <a:extLst>
               <a:ext uri="{FF2B5EF4-FFF2-40B4-BE49-F238E27FC236}">
-                <a16:creationId xmlns:a16="http://schemas.microsoft.com/office/drawing/2014/main" xmlns="" id="{03F0B0E7-9DC5-4E64-84FC-E41A42350BE1}"/>
+                <a16:creationId xmlns="" xmlns:a16="http://schemas.microsoft.com/office/drawing/2014/main" id="{03F0B0E7-9DC5-4E64-84FC-E41A42350BE1}"/>
               </a:ext>
             </a:extLst>
           </p:cNvPr>
@@ -16188,7 +16100,7 @@
           <p:cNvPr id="6" name="Content Placeholder 5">
             <a:extLst>
               <a:ext uri="{FF2B5EF4-FFF2-40B4-BE49-F238E27FC236}">
-                <a16:creationId xmlns:a16="http://schemas.microsoft.com/office/drawing/2014/main" xmlns="" id="{AAD76EA7-FFDD-4221-8BFA-2CF2F90A53A9}"/>
+                <a16:creationId xmlns="" xmlns:a16="http://schemas.microsoft.com/office/drawing/2014/main" id="{AAD76EA7-FFDD-4221-8BFA-2CF2F90A53A9}"/>
               </a:ext>
             </a:extLst>
           </p:cNvPr>
@@ -16206,16 +16118,49 @@
           <a:p>
             <a:r>
               <a:rPr lang="pt-PT" dirty="0" smtClean="0"/>
-              <a:t>Calendário</a:t>
+              <a:t>Música</a:t>
             </a:r>
             <a:endParaRPr lang="pt-PT" dirty="0"/>
           </a:p>
         </p:txBody>
       </p:sp>
+      <p:pic>
+        <p:nvPicPr>
+          <p:cNvPr id="7" name="Google Shape;218;p21"/>
+          <p:cNvPicPr preferRelativeResize="0">
+            <a:picLocks noGrp="1"/>
+          </p:cNvPicPr>
+          <p:nvPr>
+            <p:ph idx="11"/>
+          </p:nvPr>
+        </p:nvPicPr>
+        <p:blipFill rotWithShape="1">
+          <a:blip r:embed="rId2">
+            <a:alphaModFix/>
+          </a:blip>
+          <a:srcRect/>
+          <a:stretch/>
+        </p:blipFill>
+        <p:spPr>
+          <a:xfrm>
+            <a:off x="1967430" y="684213"/>
+            <a:ext cx="3367639" cy="3194050"/>
+          </a:xfrm>
+          <a:prstGeom prst="rect">
+            <a:avLst/>
+          </a:prstGeom>
+          <a:solidFill>
+            <a:srgbClr val="FBE4D4"/>
+          </a:solidFill>
+          <a:ln>
+            <a:noFill/>
+          </a:ln>
+        </p:spPr>
+      </p:pic>
     </p:spTree>
     <p:extLst>
       <p:ext uri="{BB962C8B-B14F-4D97-AF65-F5344CB8AC3E}">
-        <p14:creationId xmlns:p14="http://schemas.microsoft.com/office/powerpoint/2010/main" val="1324516063"/>
+        <p14:creationId xmlns:p14="http://schemas.microsoft.com/office/powerpoint/2010/main" val="4011758723"/>
       </p:ext>
     </p:extLst>
   </p:cSld>
@@ -16244,13 +16189,7 @@
       </p:grpSpPr>
       <p:sp>
         <p:nvSpPr>
-          <p:cNvPr id="2" name="Content Placeholder 1">
-            <a:extLst>
-              <a:ext uri="{FF2B5EF4-FFF2-40B4-BE49-F238E27FC236}">
-                <a16:creationId xmlns:a16="http://schemas.microsoft.com/office/drawing/2014/main" xmlns="" id="{61284A3C-35C7-47BB-B5EF-3A5AFD39F048}"/>
-              </a:ext>
-            </a:extLst>
-          </p:cNvPr>
+          <p:cNvPr id="2" name="Marcador de Posição de Conteúdo 1"/>
           <p:cNvSpPr>
             <a:spLocks noGrp="1"/>
           </p:cNvSpPr>
@@ -16263,19 +16202,13 @@
           <a:bodyPr/>
           <a:lstStyle/>
           <a:p>
-            <a:endParaRPr lang="pt-PT" dirty="0"/>
+            <a:endParaRPr lang="pt-PT"/>
           </a:p>
         </p:txBody>
       </p:sp>
       <p:sp>
         <p:nvSpPr>
-          <p:cNvPr id="3" name="Content Placeholder 2">
-            <a:extLst>
-              <a:ext uri="{FF2B5EF4-FFF2-40B4-BE49-F238E27FC236}">
-                <a16:creationId xmlns:a16="http://schemas.microsoft.com/office/drawing/2014/main" xmlns="" id="{75B62007-2099-491F-B9CC-679828859075}"/>
-              </a:ext>
-            </a:extLst>
-          </p:cNvPr>
+          <p:cNvPr id="3" name="Marcador de Posição de Conteúdo 2"/>
           <p:cNvSpPr>
             <a:spLocks noGrp="1"/>
           </p:cNvSpPr>
@@ -16288,44 +16221,13 @@
           <a:bodyPr/>
           <a:lstStyle/>
           <a:p>
-            <a:endParaRPr lang="pt-PT" dirty="0"/>
+            <a:endParaRPr lang="pt-PT"/>
           </a:p>
         </p:txBody>
       </p:sp>
       <p:sp>
         <p:nvSpPr>
-          <p:cNvPr id="4" name="Content Placeholder 3">
-            <a:extLst>
-              <a:ext uri="{FF2B5EF4-FFF2-40B4-BE49-F238E27FC236}">
-                <a16:creationId xmlns:a16="http://schemas.microsoft.com/office/drawing/2014/main" xmlns="" id="{B573A8A9-0BDE-4B35-955D-A5C9FAFE6755}"/>
-              </a:ext>
-            </a:extLst>
-          </p:cNvPr>
-          <p:cNvSpPr>
-            <a:spLocks noGrp="1"/>
-          </p:cNvSpPr>
-          <p:nvPr>
-            <p:ph idx="11"/>
-          </p:nvPr>
-        </p:nvSpPr>
-        <p:spPr/>
-        <p:txBody>
-          <a:bodyPr/>
-          <a:lstStyle/>
-          <a:p>
-            <a:endParaRPr lang="pt-PT" dirty="0"/>
-          </a:p>
-        </p:txBody>
-      </p:sp>
-      <p:sp>
-        <p:nvSpPr>
-          <p:cNvPr id="5" name="Content Placeholder 4">
-            <a:extLst>
-              <a:ext uri="{FF2B5EF4-FFF2-40B4-BE49-F238E27FC236}">
-                <a16:creationId xmlns:a16="http://schemas.microsoft.com/office/drawing/2014/main" xmlns="" id="{03F0B0E7-9DC5-4E64-84FC-E41A42350BE1}"/>
-              </a:ext>
-            </a:extLst>
-          </p:cNvPr>
+          <p:cNvPr id="5" name="Marcador de Posição de Conteúdo 4"/>
           <p:cNvSpPr>
             <a:spLocks noGrp="1"/>
           </p:cNvSpPr>
@@ -16338,19 +16240,13 @@
           <a:bodyPr/>
           <a:lstStyle/>
           <a:p>
-            <a:endParaRPr lang="pt-PT" dirty="0"/>
+            <a:endParaRPr lang="pt-PT"/>
           </a:p>
         </p:txBody>
       </p:sp>
       <p:sp>
         <p:nvSpPr>
-          <p:cNvPr id="6" name="Content Placeholder 5">
-            <a:extLst>
-              <a:ext uri="{FF2B5EF4-FFF2-40B4-BE49-F238E27FC236}">
-                <a16:creationId xmlns:a16="http://schemas.microsoft.com/office/drawing/2014/main" xmlns="" id="{AAD76EA7-FFDD-4221-8BFA-2CF2F90A53A9}"/>
-              </a:ext>
-            </a:extLst>
-          </p:cNvPr>
+          <p:cNvPr id="6" name="Marcador de Posição de Conteúdo 5"/>
           <p:cNvSpPr>
             <a:spLocks noGrp="1"/>
           </p:cNvSpPr>
@@ -16365,16 +16261,49 @@
           <a:p>
             <a:r>
               <a:rPr lang="pt-PT" dirty="0" smtClean="0"/>
-              <a:t>Artes</a:t>
+              <a:t>Noite</a:t>
             </a:r>
             <a:endParaRPr lang="pt-PT" dirty="0"/>
           </a:p>
         </p:txBody>
       </p:sp>
+      <p:pic>
+        <p:nvPicPr>
+          <p:cNvPr id="7" name="Google Shape;218;p21"/>
+          <p:cNvPicPr preferRelativeResize="0">
+            <a:picLocks noGrp="1"/>
+          </p:cNvPicPr>
+          <p:nvPr>
+            <p:ph idx="11"/>
+          </p:nvPr>
+        </p:nvPicPr>
+        <p:blipFill rotWithShape="1">
+          <a:blip r:embed="rId2">
+            <a:alphaModFix/>
+          </a:blip>
+          <a:srcRect/>
+          <a:stretch/>
+        </p:blipFill>
+        <p:spPr>
+          <a:xfrm>
+            <a:off x="1967430" y="684213"/>
+            <a:ext cx="3367639" cy="3194050"/>
+          </a:xfrm>
+          <a:prstGeom prst="rect">
+            <a:avLst/>
+          </a:prstGeom>
+          <a:solidFill>
+            <a:srgbClr val="FBE4D4"/>
+          </a:solidFill>
+          <a:ln>
+            <a:noFill/>
+          </a:ln>
+        </p:spPr>
+      </p:pic>
     </p:spTree>
     <p:extLst>
       <p:ext uri="{BB962C8B-B14F-4D97-AF65-F5344CB8AC3E}">
-        <p14:creationId xmlns:p14="http://schemas.microsoft.com/office/powerpoint/2010/main" val="3402220871"/>
+        <p14:creationId xmlns:p14="http://schemas.microsoft.com/office/powerpoint/2010/main" val="145047405"/>
       </p:ext>
     </p:extLst>
   </p:cSld>
@@ -16406,7 +16335,7 @@
           <p:cNvPr id="2" name="Content Placeholder 1">
             <a:extLst>
               <a:ext uri="{FF2B5EF4-FFF2-40B4-BE49-F238E27FC236}">
-                <a16:creationId xmlns:a16="http://schemas.microsoft.com/office/drawing/2014/main" xmlns="" id="{61284A3C-35C7-47BB-B5EF-3A5AFD39F048}"/>
+                <a16:creationId xmlns="" xmlns:a16="http://schemas.microsoft.com/office/drawing/2014/main" id="{61284A3C-35C7-47BB-B5EF-3A5AFD39F048}"/>
               </a:ext>
             </a:extLst>
           </p:cNvPr>
@@ -16431,7 +16360,7 @@
           <p:cNvPr id="3" name="Content Placeholder 2">
             <a:extLst>
               <a:ext uri="{FF2B5EF4-FFF2-40B4-BE49-F238E27FC236}">
-                <a16:creationId xmlns:a16="http://schemas.microsoft.com/office/drawing/2014/main" xmlns="" id="{75B62007-2099-491F-B9CC-679828859075}"/>
+                <a16:creationId xmlns="" xmlns:a16="http://schemas.microsoft.com/office/drawing/2014/main" id="{75B62007-2099-491F-B9CC-679828859075}"/>
               </a:ext>
             </a:extLst>
           </p:cNvPr>
@@ -16453,35 +16382,10 @@
       </p:sp>
       <p:sp>
         <p:nvSpPr>
-          <p:cNvPr id="4" name="Content Placeholder 3">
-            <a:extLst>
-              <a:ext uri="{FF2B5EF4-FFF2-40B4-BE49-F238E27FC236}">
-                <a16:creationId xmlns:a16="http://schemas.microsoft.com/office/drawing/2014/main" xmlns="" id="{B573A8A9-0BDE-4B35-955D-A5C9FAFE6755}"/>
-              </a:ext>
-            </a:extLst>
-          </p:cNvPr>
-          <p:cNvSpPr>
-            <a:spLocks noGrp="1"/>
-          </p:cNvSpPr>
-          <p:nvPr>
-            <p:ph idx="11"/>
-          </p:nvPr>
-        </p:nvSpPr>
-        <p:spPr/>
-        <p:txBody>
-          <a:bodyPr/>
-          <a:lstStyle/>
-          <a:p>
-            <a:endParaRPr lang="pt-PT" dirty="0"/>
-          </a:p>
-        </p:txBody>
-      </p:sp>
-      <p:sp>
-        <p:nvSpPr>
           <p:cNvPr id="5" name="Content Placeholder 4">
             <a:extLst>
               <a:ext uri="{FF2B5EF4-FFF2-40B4-BE49-F238E27FC236}">
-                <a16:creationId xmlns:a16="http://schemas.microsoft.com/office/drawing/2014/main" xmlns="" id="{03F0B0E7-9DC5-4E64-84FC-E41A42350BE1}"/>
+                <a16:creationId xmlns="" xmlns:a16="http://schemas.microsoft.com/office/drawing/2014/main" id="{03F0B0E7-9DC5-4E64-84FC-E41A42350BE1}"/>
               </a:ext>
             </a:extLst>
           </p:cNvPr>
@@ -16506,7 +16410,7 @@
           <p:cNvPr id="6" name="Content Placeholder 5">
             <a:extLst>
               <a:ext uri="{FF2B5EF4-FFF2-40B4-BE49-F238E27FC236}">
-                <a16:creationId xmlns:a16="http://schemas.microsoft.com/office/drawing/2014/main" xmlns="" id="{AAD76EA7-FFDD-4221-8BFA-2CF2F90A53A9}"/>
+                <a16:creationId xmlns="" xmlns:a16="http://schemas.microsoft.com/office/drawing/2014/main" id="{AAD76EA7-FFDD-4221-8BFA-2CF2F90A53A9}"/>
               </a:ext>
             </a:extLst>
           </p:cNvPr>
@@ -16524,16 +16428,49 @@
           <a:p>
             <a:r>
               <a:rPr lang="pt-PT" dirty="0" smtClean="0"/>
-              <a:t>Música</a:t>
+              <a:t>Cultura</a:t>
             </a:r>
             <a:endParaRPr lang="pt-PT" dirty="0"/>
           </a:p>
         </p:txBody>
       </p:sp>
+      <p:pic>
+        <p:nvPicPr>
+          <p:cNvPr id="7" name="Google Shape;218;p21"/>
+          <p:cNvPicPr preferRelativeResize="0">
+            <a:picLocks noGrp="1"/>
+          </p:cNvPicPr>
+          <p:nvPr>
+            <p:ph idx="11"/>
+          </p:nvPr>
+        </p:nvPicPr>
+        <p:blipFill rotWithShape="1">
+          <a:blip r:embed="rId2">
+            <a:alphaModFix/>
+          </a:blip>
+          <a:srcRect/>
+          <a:stretch/>
+        </p:blipFill>
+        <p:spPr>
+          <a:xfrm>
+            <a:off x="1967430" y="684213"/>
+            <a:ext cx="3367639" cy="3194050"/>
+          </a:xfrm>
+          <a:prstGeom prst="rect">
+            <a:avLst/>
+          </a:prstGeom>
+          <a:solidFill>
+            <a:srgbClr val="FBE4D4"/>
+          </a:solidFill>
+          <a:ln>
+            <a:noFill/>
+          </a:ln>
+        </p:spPr>
+      </p:pic>
     </p:spTree>
     <p:extLst>
       <p:ext uri="{BB962C8B-B14F-4D97-AF65-F5344CB8AC3E}">
-        <p14:creationId xmlns:p14="http://schemas.microsoft.com/office/powerpoint/2010/main" val="4011758723"/>
+        <p14:creationId xmlns:p14="http://schemas.microsoft.com/office/powerpoint/2010/main" val="3944840309"/>
       </p:ext>
     </p:extLst>
   </p:cSld>
@@ -16544,6 +16481,173 @@
 </file>
 
 <file path=ppt/slides/slide13.xml><?xml version="1.0" encoding="utf-8"?>
+<p:sld xmlns:a="http://schemas.openxmlformats.org/drawingml/2006/main" xmlns:r="http://schemas.openxmlformats.org/officeDocument/2006/relationships" xmlns:p="http://schemas.openxmlformats.org/presentationml/2006/main">
+  <p:cSld>
+    <p:spTree>
+      <p:nvGrpSpPr>
+        <p:cNvPr id="1" name=""/>
+        <p:cNvGrpSpPr/>
+        <p:nvPr/>
+      </p:nvGrpSpPr>
+      <p:grpSpPr>
+        <a:xfrm>
+          <a:off x="0" y="0"/>
+          <a:ext cx="0" cy="0"/>
+          <a:chOff x="0" y="0"/>
+          <a:chExt cx="0" cy="0"/>
+        </a:xfrm>
+      </p:grpSpPr>
+      <p:sp>
+        <p:nvSpPr>
+          <p:cNvPr id="2" name="Content Placeholder 1">
+            <a:extLst>
+              <a:ext uri="{FF2B5EF4-FFF2-40B4-BE49-F238E27FC236}">
+                <a16:creationId xmlns="" xmlns:a16="http://schemas.microsoft.com/office/drawing/2014/main" id="{61284A3C-35C7-47BB-B5EF-3A5AFD39F048}"/>
+              </a:ext>
+            </a:extLst>
+          </p:cNvPr>
+          <p:cNvSpPr>
+            <a:spLocks noGrp="1"/>
+          </p:cNvSpPr>
+          <p:nvPr>
+            <p:ph idx="1"/>
+          </p:nvPr>
+        </p:nvSpPr>
+        <p:spPr/>
+        <p:txBody>
+          <a:bodyPr/>
+          <a:lstStyle/>
+          <a:p>
+            <a:endParaRPr lang="pt-PT" dirty="0"/>
+          </a:p>
+        </p:txBody>
+      </p:sp>
+      <p:sp>
+        <p:nvSpPr>
+          <p:cNvPr id="3" name="Content Placeholder 2">
+            <a:extLst>
+              <a:ext uri="{FF2B5EF4-FFF2-40B4-BE49-F238E27FC236}">
+                <a16:creationId xmlns="" xmlns:a16="http://schemas.microsoft.com/office/drawing/2014/main" id="{75B62007-2099-491F-B9CC-679828859075}"/>
+              </a:ext>
+            </a:extLst>
+          </p:cNvPr>
+          <p:cNvSpPr>
+            <a:spLocks noGrp="1"/>
+          </p:cNvSpPr>
+          <p:nvPr>
+            <p:ph idx="10"/>
+          </p:nvPr>
+        </p:nvSpPr>
+        <p:spPr/>
+        <p:txBody>
+          <a:bodyPr/>
+          <a:lstStyle/>
+          <a:p>
+            <a:endParaRPr lang="pt-PT" dirty="0"/>
+          </a:p>
+        </p:txBody>
+      </p:sp>
+      <p:sp>
+        <p:nvSpPr>
+          <p:cNvPr id="5" name="Content Placeholder 4">
+            <a:extLst>
+              <a:ext uri="{FF2B5EF4-FFF2-40B4-BE49-F238E27FC236}">
+                <a16:creationId xmlns="" xmlns:a16="http://schemas.microsoft.com/office/drawing/2014/main" id="{03F0B0E7-9DC5-4E64-84FC-E41A42350BE1}"/>
+              </a:ext>
+            </a:extLst>
+          </p:cNvPr>
+          <p:cNvSpPr>
+            <a:spLocks noGrp="1"/>
+          </p:cNvSpPr>
+          <p:nvPr>
+            <p:ph idx="12"/>
+          </p:nvPr>
+        </p:nvSpPr>
+        <p:spPr/>
+        <p:txBody>
+          <a:bodyPr/>
+          <a:lstStyle/>
+          <a:p>
+            <a:endParaRPr lang="pt-PT" dirty="0"/>
+          </a:p>
+        </p:txBody>
+      </p:sp>
+      <p:sp>
+        <p:nvSpPr>
+          <p:cNvPr id="6" name="Content Placeholder 5">
+            <a:extLst>
+              <a:ext uri="{FF2B5EF4-FFF2-40B4-BE49-F238E27FC236}">
+                <a16:creationId xmlns="" xmlns:a16="http://schemas.microsoft.com/office/drawing/2014/main" id="{AAD76EA7-FFDD-4221-8BFA-2CF2F90A53A9}"/>
+              </a:ext>
+            </a:extLst>
+          </p:cNvPr>
+          <p:cNvSpPr>
+            <a:spLocks noGrp="1"/>
+          </p:cNvSpPr>
+          <p:nvPr>
+            <p:ph idx="13"/>
+          </p:nvPr>
+        </p:nvSpPr>
+        <p:spPr/>
+        <p:txBody>
+          <a:bodyPr/>
+          <a:lstStyle/>
+          <a:p>
+            <a:r>
+              <a:rPr lang="pt-PT" dirty="0" smtClean="0"/>
+              <a:t>Desporto </a:t>
+            </a:r>
+            <a:endParaRPr lang="pt-PT" dirty="0"/>
+          </a:p>
+        </p:txBody>
+      </p:sp>
+      <p:pic>
+        <p:nvPicPr>
+          <p:cNvPr id="7" name="Google Shape;218;p21"/>
+          <p:cNvPicPr preferRelativeResize="0">
+            <a:picLocks noGrp="1"/>
+          </p:cNvPicPr>
+          <p:nvPr>
+            <p:ph idx="11"/>
+          </p:nvPr>
+        </p:nvPicPr>
+        <p:blipFill rotWithShape="1">
+          <a:blip r:embed="rId2">
+            <a:alphaModFix/>
+          </a:blip>
+          <a:srcRect/>
+          <a:stretch/>
+        </p:blipFill>
+        <p:spPr>
+          <a:xfrm>
+            <a:off x="1967430" y="684213"/>
+            <a:ext cx="3367639" cy="3194050"/>
+          </a:xfrm>
+          <a:prstGeom prst="rect">
+            <a:avLst/>
+          </a:prstGeom>
+          <a:solidFill>
+            <a:srgbClr val="FBE4D4"/>
+          </a:solidFill>
+          <a:ln>
+            <a:noFill/>
+          </a:ln>
+        </p:spPr>
+      </p:pic>
+    </p:spTree>
+    <p:extLst>
+      <p:ext uri="{BB962C8B-B14F-4D97-AF65-F5344CB8AC3E}">
+        <p14:creationId xmlns:p14="http://schemas.microsoft.com/office/powerpoint/2010/main" val="3201941665"/>
+      </p:ext>
+    </p:extLst>
+  </p:cSld>
+  <p:clrMapOvr>
+    <a:masterClrMapping/>
+  </p:clrMapOvr>
+</p:sld>
+</file>
+
+<file path=ppt/slides/slide14.xml><?xml version="1.0" encoding="utf-8"?>
 <p:sld xmlns:a="http://schemas.openxmlformats.org/drawingml/2006/main" xmlns:r="http://schemas.openxmlformats.org/officeDocument/2006/relationships" xmlns:p="http://schemas.openxmlformats.org/presentationml/2006/main">
   <p:cSld>
     <p:spTree>
@@ -16600,25 +16704,6 @@
       </p:sp>
       <p:sp>
         <p:nvSpPr>
-          <p:cNvPr id="4" name="Marcador de Posição de Conteúdo 3"/>
-          <p:cNvSpPr>
-            <a:spLocks noGrp="1"/>
-          </p:cNvSpPr>
-          <p:nvPr>
-            <p:ph idx="11"/>
-          </p:nvPr>
-        </p:nvSpPr>
-        <p:spPr/>
-        <p:txBody>
-          <a:bodyPr/>
-          <a:lstStyle/>
-          <a:p>
-            <a:endParaRPr lang="pt-PT"/>
-          </a:p>
-        </p:txBody>
-      </p:sp>
-      <p:sp>
-        <p:nvSpPr>
           <p:cNvPr id="5" name="Marcador de Posição de Conteúdo 4"/>
           <p:cNvSpPr>
             <a:spLocks noGrp="1"/>
@@ -16653,175 +16738,49 @@
           <a:p>
             <a:r>
               <a:rPr lang="pt-PT" dirty="0" smtClean="0"/>
-              <a:t>Noite</a:t>
+              <a:t>Em destaque</a:t>
             </a:r>
             <a:endParaRPr lang="pt-PT" dirty="0"/>
           </a:p>
         </p:txBody>
       </p:sp>
+      <p:pic>
+        <p:nvPicPr>
+          <p:cNvPr id="7" name="Google Shape;218;p21"/>
+          <p:cNvPicPr preferRelativeResize="0">
+            <a:picLocks noGrp="1"/>
+          </p:cNvPicPr>
+          <p:nvPr>
+            <p:ph idx="11"/>
+          </p:nvPr>
+        </p:nvPicPr>
+        <p:blipFill rotWithShape="1">
+          <a:blip r:embed="rId2">
+            <a:alphaModFix/>
+          </a:blip>
+          <a:srcRect/>
+          <a:stretch/>
+        </p:blipFill>
+        <p:spPr>
+          <a:xfrm>
+            <a:off x="1967430" y="684213"/>
+            <a:ext cx="3367639" cy="3194050"/>
+          </a:xfrm>
+          <a:prstGeom prst="rect">
+            <a:avLst/>
+          </a:prstGeom>
+          <a:solidFill>
+            <a:srgbClr val="FBE4D4"/>
+          </a:solidFill>
+          <a:ln>
+            <a:noFill/>
+          </a:ln>
+        </p:spPr>
+      </p:pic>
     </p:spTree>
     <p:extLst>
       <p:ext uri="{BB962C8B-B14F-4D97-AF65-F5344CB8AC3E}">
-        <p14:creationId xmlns:p14="http://schemas.microsoft.com/office/powerpoint/2010/main" val="145047405"/>
-      </p:ext>
-    </p:extLst>
-  </p:cSld>
-  <p:clrMapOvr>
-    <a:masterClrMapping/>
-  </p:clrMapOvr>
-</p:sld>
-</file>
-
-<file path=ppt/slides/slide14.xml><?xml version="1.0" encoding="utf-8"?>
-<p:sld xmlns:a="http://schemas.openxmlformats.org/drawingml/2006/main" xmlns:r="http://schemas.openxmlformats.org/officeDocument/2006/relationships" xmlns:p="http://schemas.openxmlformats.org/presentationml/2006/main">
-  <p:cSld>
-    <p:spTree>
-      <p:nvGrpSpPr>
-        <p:cNvPr id="1" name=""/>
-        <p:cNvGrpSpPr/>
-        <p:nvPr/>
-      </p:nvGrpSpPr>
-      <p:grpSpPr>
-        <a:xfrm>
-          <a:off x="0" y="0"/>
-          <a:ext cx="0" cy="0"/>
-          <a:chOff x="0" y="0"/>
-          <a:chExt cx="0" cy="0"/>
-        </a:xfrm>
-      </p:grpSpPr>
-      <p:sp>
-        <p:nvSpPr>
-          <p:cNvPr id="2" name="Content Placeholder 1">
-            <a:extLst>
-              <a:ext uri="{FF2B5EF4-FFF2-40B4-BE49-F238E27FC236}">
-                <a16:creationId xmlns:a16="http://schemas.microsoft.com/office/drawing/2014/main" xmlns="" id="{61284A3C-35C7-47BB-B5EF-3A5AFD39F048}"/>
-              </a:ext>
-            </a:extLst>
-          </p:cNvPr>
-          <p:cNvSpPr>
-            <a:spLocks noGrp="1"/>
-          </p:cNvSpPr>
-          <p:nvPr>
-            <p:ph idx="1"/>
-          </p:nvPr>
-        </p:nvSpPr>
-        <p:spPr/>
-        <p:txBody>
-          <a:bodyPr/>
-          <a:lstStyle/>
-          <a:p>
-            <a:endParaRPr lang="pt-PT" dirty="0"/>
-          </a:p>
-        </p:txBody>
-      </p:sp>
-      <p:sp>
-        <p:nvSpPr>
-          <p:cNvPr id="3" name="Content Placeholder 2">
-            <a:extLst>
-              <a:ext uri="{FF2B5EF4-FFF2-40B4-BE49-F238E27FC236}">
-                <a16:creationId xmlns:a16="http://schemas.microsoft.com/office/drawing/2014/main" xmlns="" id="{75B62007-2099-491F-B9CC-679828859075}"/>
-              </a:ext>
-            </a:extLst>
-          </p:cNvPr>
-          <p:cNvSpPr>
-            <a:spLocks noGrp="1"/>
-          </p:cNvSpPr>
-          <p:nvPr>
-            <p:ph idx="10"/>
-          </p:nvPr>
-        </p:nvSpPr>
-        <p:spPr/>
-        <p:txBody>
-          <a:bodyPr/>
-          <a:lstStyle/>
-          <a:p>
-            <a:endParaRPr lang="pt-PT" dirty="0"/>
-          </a:p>
-        </p:txBody>
-      </p:sp>
-      <p:sp>
-        <p:nvSpPr>
-          <p:cNvPr id="4" name="Content Placeholder 3">
-            <a:extLst>
-              <a:ext uri="{FF2B5EF4-FFF2-40B4-BE49-F238E27FC236}">
-                <a16:creationId xmlns:a16="http://schemas.microsoft.com/office/drawing/2014/main" xmlns="" id="{B573A8A9-0BDE-4B35-955D-A5C9FAFE6755}"/>
-              </a:ext>
-            </a:extLst>
-          </p:cNvPr>
-          <p:cNvSpPr>
-            <a:spLocks noGrp="1"/>
-          </p:cNvSpPr>
-          <p:nvPr>
-            <p:ph idx="11"/>
-          </p:nvPr>
-        </p:nvSpPr>
-        <p:spPr/>
-        <p:txBody>
-          <a:bodyPr/>
-          <a:lstStyle/>
-          <a:p>
-            <a:endParaRPr lang="pt-PT" dirty="0"/>
-          </a:p>
-        </p:txBody>
-      </p:sp>
-      <p:sp>
-        <p:nvSpPr>
-          <p:cNvPr id="5" name="Content Placeholder 4">
-            <a:extLst>
-              <a:ext uri="{FF2B5EF4-FFF2-40B4-BE49-F238E27FC236}">
-                <a16:creationId xmlns:a16="http://schemas.microsoft.com/office/drawing/2014/main" xmlns="" id="{03F0B0E7-9DC5-4E64-84FC-E41A42350BE1}"/>
-              </a:ext>
-            </a:extLst>
-          </p:cNvPr>
-          <p:cNvSpPr>
-            <a:spLocks noGrp="1"/>
-          </p:cNvSpPr>
-          <p:nvPr>
-            <p:ph idx="12"/>
-          </p:nvPr>
-        </p:nvSpPr>
-        <p:spPr/>
-        <p:txBody>
-          <a:bodyPr/>
-          <a:lstStyle/>
-          <a:p>
-            <a:endParaRPr lang="pt-PT" dirty="0"/>
-          </a:p>
-        </p:txBody>
-      </p:sp>
-      <p:sp>
-        <p:nvSpPr>
-          <p:cNvPr id="6" name="Content Placeholder 5">
-            <a:extLst>
-              <a:ext uri="{FF2B5EF4-FFF2-40B4-BE49-F238E27FC236}">
-                <a16:creationId xmlns:a16="http://schemas.microsoft.com/office/drawing/2014/main" xmlns="" id="{AAD76EA7-FFDD-4221-8BFA-2CF2F90A53A9}"/>
-              </a:ext>
-            </a:extLst>
-          </p:cNvPr>
-          <p:cNvSpPr>
-            <a:spLocks noGrp="1"/>
-          </p:cNvSpPr>
-          <p:nvPr>
-            <p:ph idx="13"/>
-          </p:nvPr>
-        </p:nvSpPr>
-        <p:spPr/>
-        <p:txBody>
-          <a:bodyPr/>
-          <a:lstStyle/>
-          <a:p>
-            <a:r>
-              <a:rPr lang="pt-PT" dirty="0" smtClean="0"/>
-              <a:t>Cultura</a:t>
-            </a:r>
-            <a:endParaRPr lang="pt-PT" dirty="0"/>
-          </a:p>
-        </p:txBody>
-      </p:sp>
-    </p:spTree>
-    <p:extLst>
-      <p:ext uri="{BB962C8B-B14F-4D97-AF65-F5344CB8AC3E}">
-        <p14:creationId xmlns:p14="http://schemas.microsoft.com/office/powerpoint/2010/main" val="3944840309"/>
+        <p14:creationId xmlns:p14="http://schemas.microsoft.com/office/powerpoint/2010/main" val="1369871826"/>
       </p:ext>
     </p:extLst>
   </p:cSld>
@@ -16850,13 +16809,7 @@
       </p:grpSpPr>
       <p:sp>
         <p:nvSpPr>
-          <p:cNvPr id="2" name="Content Placeholder 1">
-            <a:extLst>
-              <a:ext uri="{FF2B5EF4-FFF2-40B4-BE49-F238E27FC236}">
-                <a16:creationId xmlns:a16="http://schemas.microsoft.com/office/drawing/2014/main" xmlns="" id="{61284A3C-35C7-47BB-B5EF-3A5AFD39F048}"/>
-              </a:ext>
-            </a:extLst>
-          </p:cNvPr>
+          <p:cNvPr id="2" name="Marcador de Posição de Conteúdo 1"/>
           <p:cNvSpPr>
             <a:spLocks noGrp="1"/>
           </p:cNvSpPr>
@@ -16869,19 +16822,13 @@
           <a:bodyPr/>
           <a:lstStyle/>
           <a:p>
-            <a:endParaRPr lang="pt-PT" dirty="0"/>
+            <a:endParaRPr lang="pt-PT"/>
           </a:p>
         </p:txBody>
       </p:sp>
       <p:sp>
         <p:nvSpPr>
-          <p:cNvPr id="3" name="Content Placeholder 2">
-            <a:extLst>
-              <a:ext uri="{FF2B5EF4-FFF2-40B4-BE49-F238E27FC236}">
-                <a16:creationId xmlns:a16="http://schemas.microsoft.com/office/drawing/2014/main" xmlns="" id="{75B62007-2099-491F-B9CC-679828859075}"/>
-              </a:ext>
-            </a:extLst>
-          </p:cNvPr>
+          <p:cNvPr id="3" name="Marcador de Posição de Conteúdo 2"/>
           <p:cNvSpPr>
             <a:spLocks noGrp="1"/>
           </p:cNvSpPr>
@@ -16894,44 +16841,13 @@
           <a:bodyPr/>
           <a:lstStyle/>
           <a:p>
-            <a:endParaRPr lang="pt-PT" dirty="0"/>
+            <a:endParaRPr lang="pt-PT"/>
           </a:p>
         </p:txBody>
       </p:sp>
       <p:sp>
         <p:nvSpPr>
-          <p:cNvPr id="4" name="Content Placeholder 3">
-            <a:extLst>
-              <a:ext uri="{FF2B5EF4-FFF2-40B4-BE49-F238E27FC236}">
-                <a16:creationId xmlns:a16="http://schemas.microsoft.com/office/drawing/2014/main" xmlns="" id="{B573A8A9-0BDE-4B35-955D-A5C9FAFE6755}"/>
-              </a:ext>
-            </a:extLst>
-          </p:cNvPr>
-          <p:cNvSpPr>
-            <a:spLocks noGrp="1"/>
-          </p:cNvSpPr>
-          <p:nvPr>
-            <p:ph idx="11"/>
-          </p:nvPr>
-        </p:nvSpPr>
-        <p:spPr/>
-        <p:txBody>
-          <a:bodyPr/>
-          <a:lstStyle/>
-          <a:p>
-            <a:endParaRPr lang="pt-PT" dirty="0"/>
-          </a:p>
-        </p:txBody>
-      </p:sp>
-      <p:sp>
-        <p:nvSpPr>
-          <p:cNvPr id="5" name="Content Placeholder 4">
-            <a:extLst>
-              <a:ext uri="{FF2B5EF4-FFF2-40B4-BE49-F238E27FC236}">
-                <a16:creationId xmlns:a16="http://schemas.microsoft.com/office/drawing/2014/main" xmlns="" id="{03F0B0E7-9DC5-4E64-84FC-E41A42350BE1}"/>
-              </a:ext>
-            </a:extLst>
-          </p:cNvPr>
+          <p:cNvPr id="5" name="Marcador de Posição de Conteúdo 4"/>
           <p:cNvSpPr>
             <a:spLocks noGrp="1"/>
           </p:cNvSpPr>
@@ -16944,19 +16860,13 @@
           <a:bodyPr/>
           <a:lstStyle/>
           <a:p>
-            <a:endParaRPr lang="pt-PT" dirty="0"/>
+            <a:endParaRPr lang="pt-PT"/>
           </a:p>
         </p:txBody>
       </p:sp>
       <p:sp>
         <p:nvSpPr>
-          <p:cNvPr id="6" name="Content Placeholder 5">
-            <a:extLst>
-              <a:ext uri="{FF2B5EF4-FFF2-40B4-BE49-F238E27FC236}">
-                <a16:creationId xmlns:a16="http://schemas.microsoft.com/office/drawing/2014/main" xmlns="" id="{AAD76EA7-FFDD-4221-8BFA-2CF2F90A53A9}"/>
-              </a:ext>
-            </a:extLst>
-          </p:cNvPr>
+          <p:cNvPr id="6" name="Marcador de Posição de Conteúdo 5"/>
           <p:cNvSpPr>
             <a:spLocks noGrp="1"/>
           </p:cNvSpPr>
@@ -16971,16 +16881,49 @@
           <a:p>
             <a:r>
               <a:rPr lang="pt-PT" dirty="0" smtClean="0"/>
-              <a:t>Desporto </a:t>
+              <a:t>Sobre</a:t>
             </a:r>
             <a:endParaRPr lang="pt-PT" dirty="0"/>
           </a:p>
         </p:txBody>
       </p:sp>
+      <p:pic>
+        <p:nvPicPr>
+          <p:cNvPr id="7" name="Google Shape;227;p22"/>
+          <p:cNvPicPr preferRelativeResize="0">
+            <a:picLocks noGrp="1"/>
+          </p:cNvPicPr>
+          <p:nvPr>
+            <p:ph idx="11"/>
+          </p:nvPr>
+        </p:nvPicPr>
+        <p:blipFill rotWithShape="1">
+          <a:blip r:embed="rId2">
+            <a:alphaModFix/>
+          </a:blip>
+          <a:srcRect/>
+          <a:stretch/>
+        </p:blipFill>
+        <p:spPr>
+          <a:xfrm>
+            <a:off x="1967430" y="684213"/>
+            <a:ext cx="3367639" cy="3194050"/>
+          </a:xfrm>
+          <a:prstGeom prst="rect">
+            <a:avLst/>
+          </a:prstGeom>
+          <a:solidFill>
+            <a:srgbClr val="FBE4D4"/>
+          </a:solidFill>
+          <a:ln>
+            <a:noFill/>
+          </a:ln>
+        </p:spPr>
+      </p:pic>
     </p:spTree>
     <p:extLst>
       <p:ext uri="{BB962C8B-B14F-4D97-AF65-F5344CB8AC3E}">
-        <p14:creationId xmlns:p14="http://schemas.microsoft.com/office/powerpoint/2010/main" val="3201941665"/>
+        <p14:creationId xmlns:p14="http://schemas.microsoft.com/office/powerpoint/2010/main" val="971092631"/>
       </p:ext>
     </p:extLst>
   </p:cSld>
@@ -17047,25 +16990,6 @@
       </p:sp>
       <p:sp>
         <p:nvSpPr>
-          <p:cNvPr id="4" name="Marcador de Posição de Conteúdo 3"/>
-          <p:cNvSpPr>
-            <a:spLocks noGrp="1"/>
-          </p:cNvSpPr>
-          <p:nvPr>
-            <p:ph idx="11"/>
-          </p:nvPr>
-        </p:nvSpPr>
-        <p:spPr/>
-        <p:txBody>
-          <a:bodyPr/>
-          <a:lstStyle/>
-          <a:p>
-            <a:endParaRPr lang="pt-PT"/>
-          </a:p>
-        </p:txBody>
-      </p:sp>
-      <p:sp>
-        <p:nvSpPr>
           <p:cNvPr id="5" name="Marcador de Posição de Conteúdo 4"/>
           <p:cNvSpPr>
             <a:spLocks noGrp="1"/>
@@ -17100,16 +17024,49 @@
           <a:p>
             <a:r>
               <a:rPr lang="pt-PT" dirty="0" smtClean="0"/>
-              <a:t>Em destaque</a:t>
+              <a:t>Contactos</a:t>
             </a:r>
             <a:endParaRPr lang="pt-PT" dirty="0"/>
           </a:p>
         </p:txBody>
       </p:sp>
+      <p:pic>
+        <p:nvPicPr>
+          <p:cNvPr id="7" name="Google Shape;236;p23"/>
+          <p:cNvPicPr preferRelativeResize="0">
+            <a:picLocks noGrp="1"/>
+          </p:cNvPicPr>
+          <p:nvPr>
+            <p:ph idx="11"/>
+          </p:nvPr>
+        </p:nvPicPr>
+        <p:blipFill rotWithShape="1">
+          <a:blip r:embed="rId2">
+            <a:alphaModFix/>
+          </a:blip>
+          <a:srcRect/>
+          <a:stretch/>
+        </p:blipFill>
+        <p:spPr>
+          <a:xfrm>
+            <a:off x="1967430" y="684213"/>
+            <a:ext cx="3367639" cy="3194050"/>
+          </a:xfrm>
+          <a:prstGeom prst="rect">
+            <a:avLst/>
+          </a:prstGeom>
+          <a:solidFill>
+            <a:srgbClr val="FBE4D4"/>
+          </a:solidFill>
+          <a:ln>
+            <a:noFill/>
+          </a:ln>
+        </p:spPr>
+      </p:pic>
     </p:spTree>
     <p:extLst>
       <p:ext uri="{BB962C8B-B14F-4D97-AF65-F5344CB8AC3E}">
-        <p14:creationId xmlns:p14="http://schemas.microsoft.com/office/powerpoint/2010/main" val="1369871826"/>
+        <p14:creationId xmlns:p14="http://schemas.microsoft.com/office/powerpoint/2010/main" val="384230816"/>
       </p:ext>
     </p:extLst>
   </p:cSld>
@@ -17167,7 +17124,7 @@
           <p:cNvPr id="6" name="Content Placeholder 5">
             <a:extLst>
               <a:ext uri="{FF2B5EF4-FFF2-40B4-BE49-F238E27FC236}">
-                <a16:creationId xmlns:a16="http://schemas.microsoft.com/office/drawing/2014/main" xmlns="" id="{D2F8EBE6-665F-4846-A148-9D6DDE6E6817}"/>
+                <a16:creationId xmlns="" xmlns:a16="http://schemas.microsoft.com/office/drawing/2014/main" id="{D2F8EBE6-665F-4846-A148-9D6DDE6E6817}"/>
               </a:ext>
             </a:extLst>
           </p:cNvPr>
@@ -17380,7 +17337,7 @@
           <p:cNvPr id="7" name="Content Placeholder 6">
             <a:extLst>
               <a:ext uri="{FF2B5EF4-FFF2-40B4-BE49-F238E27FC236}">
-                <a16:creationId xmlns:a16="http://schemas.microsoft.com/office/drawing/2014/main" xmlns="" id="{6A3312CD-3A32-4B92-800D-BCF4662960EA}"/>
+                <a16:creationId xmlns="" xmlns:a16="http://schemas.microsoft.com/office/drawing/2014/main" id="{6A3312CD-3A32-4B92-800D-BCF4662960EA}"/>
               </a:ext>
             </a:extLst>
           </p:cNvPr>
@@ -17418,7 +17375,7 @@
           <p:cNvPr id="4" name="Picture 3">
             <a:extLst>
               <a:ext uri="{FF2B5EF4-FFF2-40B4-BE49-F238E27FC236}">
-                <a16:creationId xmlns:a16="http://schemas.microsoft.com/office/drawing/2014/main" xmlns="" id="{6B77C82E-A7D5-43FA-B0E1-FABD1A26BE05}"/>
+                <a16:creationId xmlns="" xmlns:a16="http://schemas.microsoft.com/office/drawing/2014/main" id="{6B77C82E-A7D5-43FA-B0E1-FABD1A26BE05}"/>
               </a:ext>
             </a:extLst>
           </p:cNvPr>
@@ -17477,7 +17434,7 @@
           <p:cNvPr id="2" name="Title 1">
             <a:extLst>
               <a:ext uri="{FF2B5EF4-FFF2-40B4-BE49-F238E27FC236}">
-                <a16:creationId xmlns:a16="http://schemas.microsoft.com/office/drawing/2014/main" xmlns="" id="{146D3ED9-1C44-49AB-9A69-32D9A044581F}"/>
+                <a16:creationId xmlns="" xmlns:a16="http://schemas.microsoft.com/office/drawing/2014/main" id="{146D3ED9-1C44-49AB-9A69-32D9A044581F}"/>
               </a:ext>
             </a:extLst>
           </p:cNvPr>
@@ -17505,7 +17462,7 @@
           <p:cNvPr id="3" name="Content Placeholder 2">
             <a:extLst>
               <a:ext uri="{FF2B5EF4-FFF2-40B4-BE49-F238E27FC236}">
-                <a16:creationId xmlns:a16="http://schemas.microsoft.com/office/drawing/2014/main" xmlns="" id="{976A4E5C-F24A-4C41-A632-95938F25BA18}"/>
+                <a16:creationId xmlns="" xmlns:a16="http://schemas.microsoft.com/office/drawing/2014/main" id="{976A4E5C-F24A-4C41-A632-95938F25BA18}"/>
               </a:ext>
             </a:extLst>
           </p:cNvPr>
@@ -17575,7 +17532,7 @@
           <p:cNvPr id="4" name="Slide Number Placeholder 3">
             <a:extLst>
               <a:ext uri="{FF2B5EF4-FFF2-40B4-BE49-F238E27FC236}">
-                <a16:creationId xmlns:a16="http://schemas.microsoft.com/office/drawing/2014/main" xmlns="" id="{B255EC2C-DA39-47EF-81AE-82C02C61A452}"/>
+                <a16:creationId xmlns="" xmlns:a16="http://schemas.microsoft.com/office/drawing/2014/main" id="{B255EC2C-DA39-47EF-81AE-82C02C61A452}"/>
               </a:ext>
             </a:extLst>
           </p:cNvPr>
@@ -17634,7 +17591,7 @@
           <p:cNvPr id="7" name="Diagram 4">
             <a:extLst>
               <a:ext uri="{FF2B5EF4-FFF2-40B4-BE49-F238E27FC236}">
-                <a16:creationId xmlns:a16="http://schemas.microsoft.com/office/drawing/2014/main" xmlns="" id="{26FDAC6F-257B-4A6D-9996-585B03A417C8}"/>
+                <a16:creationId xmlns="" xmlns:a16="http://schemas.microsoft.com/office/drawing/2014/main" id="{26FDAC6F-257B-4A6D-9996-585B03A417C8}"/>
               </a:ext>
             </a:extLst>
           </p:cNvPr>
@@ -17642,7 +17599,7 @@
           <p:nvPr>
             <p:extLst>
               <p:ext uri="{D42A27DB-BD31-4B8C-83A1-F6EECF244321}">
-                <p14:modId xmlns:p14="http://schemas.microsoft.com/office/powerpoint/2010/main" val="272399959"/>
+                <p14:modId xmlns:p14="http://schemas.microsoft.com/office/powerpoint/2010/main" val="242989442"/>
               </p:ext>
             </p:extLst>
           </p:nvPr>
@@ -17692,7 +17649,7 @@
           <p:cNvPr id="2" name="Content Placeholder 1">
             <a:extLst>
               <a:ext uri="{FF2B5EF4-FFF2-40B4-BE49-F238E27FC236}">
-                <a16:creationId xmlns:a16="http://schemas.microsoft.com/office/drawing/2014/main" xmlns="" id="{61284A3C-35C7-47BB-B5EF-3A5AFD39F048}"/>
+                <a16:creationId xmlns="" xmlns:a16="http://schemas.microsoft.com/office/drawing/2014/main" id="{61284A3C-35C7-47BB-B5EF-3A5AFD39F048}"/>
               </a:ext>
             </a:extLst>
           </p:cNvPr>
@@ -17712,64 +17669,25 @@
               <a:rPr lang="pt-PT" dirty="0">
                 <a:hlinkClick r:id="rId2"/>
               </a:rPr>
-              <a:t>https://</a:t>
-            </a:r>
-            <a:r>
-              <a:rPr lang="pt-PT" dirty="0" smtClean="0">
-                <a:hlinkClick r:id="rId2"/>
-              </a:rPr>
-              <a:t>pt.wikipedia.org/wiki/Castelo_Branco</a:t>
-            </a:r>
-            <a:endParaRPr lang="pt-PT" dirty="0" smtClean="0"/>
+              <a:t>http://www.lisbonne-idee.pt/p4820-wool-fest-covilha-descentralizacao-artistica.html</a:t>
+            </a:r>
+            <a:endParaRPr lang="pt-PT" dirty="0"/>
           </a:p>
           <a:p>
             <a:r>
               <a:rPr lang="pt-PT" dirty="0">
                 <a:hlinkClick r:id="rId3"/>
               </a:rPr>
-              <a:t>https://turismodocentro.pt/artigo-regiao/serra-da-estrela</a:t>
-            </a:r>
-            <a:r>
-              <a:rPr lang="pt-PT" dirty="0" smtClean="0">
-                <a:hlinkClick r:id="rId3"/>
-              </a:rPr>
-              <a:t>/</a:t>
-            </a:r>
-            <a:endParaRPr lang="pt-PT" dirty="0" smtClean="0"/>
-          </a:p>
-          <a:p>
-            <a:r>
-              <a:rPr lang="pt-PT" dirty="0">
+              <a:t>https://www.tripadvisor.pt/Attractions-g189145-Activities-c47-Covilha_Castelo_Branco_District_Central_Portugal.html</a:t>
+            </a:r>
+            <a:endParaRPr lang="pt-PT" dirty="0"/>
+          </a:p>
+          <a:p>
+            <a:r>
+              <a:rPr lang="pt-PT">
                 <a:hlinkClick r:id="rId4"/>
               </a:rPr>
-              <a:t>http://www.anil.pt/?</a:t>
-            </a:r>
-            <a:r>
-              <a:rPr lang="pt-PT" dirty="0" smtClean="0">
-                <a:hlinkClick r:id="rId4"/>
-              </a:rPr>
-              <a:t>cix=883</a:t>
-            </a:r>
-            <a:endParaRPr lang="pt-PT" dirty="0" smtClean="0"/>
-          </a:p>
-          <a:p>
-            <a:r>
-              <a:rPr lang="pt-PT" dirty="0" smtClean="0">
-                <a:hlinkClick r:id="rId5"/>
-              </a:rPr>
-              <a:t>https</a:t>
-            </a:r>
-            <a:r>
-              <a:rPr lang="pt-PT" dirty="0">
-                <a:hlinkClick r:id="rId5"/>
-              </a:rPr>
-              <a:t>://www.ubi.pt</a:t>
-            </a:r>
-            <a:r>
-              <a:rPr lang="pt-PT" dirty="0" smtClean="0">
-                <a:hlinkClick r:id="rId5"/>
-              </a:rPr>
-              <a:t>/</a:t>
+              <a:t>https://turismodocentro.pt</a:t>
             </a:r>
             <a:endParaRPr lang="pt-PT" dirty="0" smtClean="0"/>
           </a:p>
@@ -17780,7 +17698,7 @@
           <p:cNvPr id="3" name="Content Placeholder 2">
             <a:extLst>
               <a:ext uri="{FF2B5EF4-FFF2-40B4-BE49-F238E27FC236}">
-                <a16:creationId xmlns:a16="http://schemas.microsoft.com/office/drawing/2014/main" xmlns="" id="{75B62007-2099-491F-B9CC-679828859075}"/>
+                <a16:creationId xmlns="" xmlns:a16="http://schemas.microsoft.com/office/drawing/2014/main" id="{75B62007-2099-491F-B9CC-679828859075}"/>
               </a:ext>
             </a:extLst>
           </p:cNvPr>
@@ -17802,35 +17720,10 @@
       </p:sp>
       <p:sp>
         <p:nvSpPr>
-          <p:cNvPr id="4" name="Content Placeholder 3">
-            <a:extLst>
-              <a:ext uri="{FF2B5EF4-FFF2-40B4-BE49-F238E27FC236}">
-                <a16:creationId xmlns:a16="http://schemas.microsoft.com/office/drawing/2014/main" xmlns="" id="{B573A8A9-0BDE-4B35-955D-A5C9FAFE6755}"/>
-              </a:ext>
-            </a:extLst>
-          </p:cNvPr>
-          <p:cNvSpPr>
-            <a:spLocks noGrp="1"/>
-          </p:cNvSpPr>
-          <p:nvPr>
-            <p:ph idx="11"/>
-          </p:nvPr>
-        </p:nvSpPr>
-        <p:spPr/>
-        <p:txBody>
-          <a:bodyPr/>
-          <a:lstStyle/>
-          <a:p>
-            <a:endParaRPr lang="pt-PT" dirty="0"/>
-          </a:p>
-        </p:txBody>
-      </p:sp>
-      <p:sp>
-        <p:nvSpPr>
           <p:cNvPr id="5" name="Content Placeholder 4">
             <a:extLst>
               <a:ext uri="{FF2B5EF4-FFF2-40B4-BE49-F238E27FC236}">
-                <a16:creationId xmlns:a16="http://schemas.microsoft.com/office/drawing/2014/main" xmlns="" id="{03F0B0E7-9DC5-4E64-84FC-E41A42350BE1}"/>
+                <a16:creationId xmlns="" xmlns:a16="http://schemas.microsoft.com/office/drawing/2014/main" id="{03F0B0E7-9DC5-4E64-84FC-E41A42350BE1}"/>
               </a:ext>
             </a:extLst>
           </p:cNvPr>
@@ -17844,30 +17737,50 @@
         <p:spPr/>
         <p:txBody>
           <a:bodyPr>
-            <a:normAutofit lnSpcReduction="10000"/>
+            <a:normAutofit fontScale="92500" lnSpcReduction="10000"/>
           </a:bodyPr>
           <a:lstStyle/>
           <a:p>
             <a:r>
-              <a:rPr lang="pt-PT" sz="1400" dirty="0"/>
-              <a:t>A Covilhã, exemplo bastante original de uma “cidade de montanha” pertence ao distrito de Castelo Branco e é conhecida como a porta de entrada na Serra da </a:t>
-            </a:r>
-            <a:r>
-              <a:rPr lang="pt-PT" sz="1400" dirty="0" smtClean="0"/>
-              <a:t>Estrela. </a:t>
-            </a:r>
-            <a:r>
-              <a:rPr lang="pt-PT" sz="1400" dirty="0"/>
-              <a:t>Chegar à </a:t>
-            </a:r>
-            <a:r>
-              <a:rPr lang="pt-PT" sz="1400" dirty="0" smtClean="0"/>
-              <a:t>Covilhã </a:t>
-            </a:r>
-            <a:r>
-              <a:rPr lang="pt-PT" sz="1400" dirty="0"/>
-              <a:t>traduz-se em conhecer a indústria de lanifícios e praticar atividades ao ar livre em plena Serra da Estrela. A demografia da cidade afirmou-se desde tempos antigos e a Covilhã teve logo na sua indústria de lanifícios uma das suas principais referências. A gastronomia da região destaca-se pelo célebre queijo da Serra. No centro histórico da cidade podemos comtemplar pinturas e esculturas de arte urbana realizadas por alguns nomes consagrados. A diversidade de atividades de lazer e a universidade cativam os jovens a conhecer melhor o que esta cidade tem para oferecer.</a:t>
-            </a:r>
+              <a:rPr lang="pt-PT" dirty="0" smtClean="0"/>
+              <a:t>Porquê Covilhã? - Na </a:t>
+            </a:r>
+            <a:r>
+              <a:rPr lang="pt-PT" dirty="0"/>
+              <a:t>Covilhã e nas proximidades tem oportunidade de conhecer os Castelos, a arte urbana, a Universidade, as Aldeias Históricas, a Rota da Lã e das Antigas Judiarias e fazendo um dos percursos que lhe dão a conhecer o património cultural desta região. Para além disso a o Parque Natural da Serra da Estrela providencia o turismo de montanha, mas na verdade há muito para fazer na Covilhã para além da neve. </a:t>
+            </a:r>
+            <a:endParaRPr lang="pt-PT" dirty="0" smtClean="0"/>
+          </a:p>
+          <a:p>
+            <a:r>
+              <a:rPr lang="pt-PT" dirty="0" smtClean="0"/>
+              <a:t>Como chegar? - A </a:t>
+            </a:r>
+            <a:r>
+              <a:rPr lang="pt-PT" dirty="0"/>
+              <a:t>cidade da Covilhã é uma cidade da região Centro do País, de fácil acesso graças à vasta rede de autoestradas.</a:t>
+            </a:r>
+          </a:p>
+          <a:p>
+            <a:r>
+              <a:rPr lang="pt-PT" dirty="0"/>
+              <a:t>Vindo do Norte deve seguir a A1 em direção a Lisboa, saindo na A25 em direção à Guarda, e por fim na A23 até à Covilhã.</a:t>
+            </a:r>
+          </a:p>
+          <a:p>
+            <a:r>
+              <a:rPr lang="pt-PT" dirty="0"/>
+              <a:t>Rumando do Sul deve seguir a A1 em direção ao Norte e depois sair na A23 até à Covilhã.</a:t>
+            </a:r>
+          </a:p>
+          <a:p>
+            <a:r>
+              <a:rPr lang="pt-PT" dirty="0"/>
+              <a:t>Se se encontra no Centro, o IP3 poderá levá-lo à cidade de Viseu, para de seguida sair para a A25 em direção à Guarda e por fim para a A23 até à Covilhã.</a:t>
+            </a:r>
+          </a:p>
+          <a:p>
+            <a:endParaRPr lang="pt-PT" dirty="0"/>
           </a:p>
           <a:p>
             <a:endParaRPr lang="pt-PT" dirty="0"/>
@@ -17879,7 +17792,7 @@
           <p:cNvPr id="6" name="Content Placeholder 5">
             <a:extLst>
               <a:ext uri="{FF2B5EF4-FFF2-40B4-BE49-F238E27FC236}">
-                <a16:creationId xmlns:a16="http://schemas.microsoft.com/office/drawing/2014/main" xmlns="" id="{AAD76EA7-FFDD-4221-8BFA-2CF2F90A53A9}"/>
+                <a16:creationId xmlns="" xmlns:a16="http://schemas.microsoft.com/office/drawing/2014/main" id="{AAD76EA7-FFDD-4221-8BFA-2CF2F90A53A9}"/>
               </a:ext>
             </a:extLst>
           </p:cNvPr>
@@ -17902,6 +17815,39 @@
           </a:p>
         </p:txBody>
       </p:sp>
+      <p:pic>
+        <p:nvPicPr>
+          <p:cNvPr id="7" name="Google Shape;200;p19"/>
+          <p:cNvPicPr preferRelativeResize="0">
+            <a:picLocks noGrp="1"/>
+          </p:cNvPicPr>
+          <p:nvPr>
+            <p:ph idx="11"/>
+          </p:nvPr>
+        </p:nvPicPr>
+        <p:blipFill rotWithShape="1">
+          <a:blip r:embed="rId5">
+            <a:alphaModFix/>
+          </a:blip>
+          <a:srcRect/>
+          <a:stretch/>
+        </p:blipFill>
+        <p:spPr>
+          <a:xfrm>
+            <a:off x="2703833" y="684213"/>
+            <a:ext cx="1894834" cy="3194050"/>
+          </a:xfrm>
+          <a:prstGeom prst="rect">
+            <a:avLst/>
+          </a:prstGeom>
+          <a:solidFill>
+            <a:srgbClr val="FBE4D4"/>
+          </a:solidFill>
+          <a:ln>
+            <a:noFill/>
+          </a:ln>
+        </p:spPr>
+      </p:pic>
     </p:spTree>
     <p:extLst>
       <p:ext uri="{BB962C8B-B14F-4D97-AF65-F5344CB8AC3E}">
@@ -17937,7 +17883,7 @@
           <p:cNvPr id="2" name="Content Placeholder 1">
             <a:extLst>
               <a:ext uri="{FF2B5EF4-FFF2-40B4-BE49-F238E27FC236}">
-                <a16:creationId xmlns:a16="http://schemas.microsoft.com/office/drawing/2014/main" xmlns="" id="{61284A3C-35C7-47BB-B5EF-3A5AFD39F048}"/>
+                <a16:creationId xmlns="" xmlns:a16="http://schemas.microsoft.com/office/drawing/2014/main" id="{61284A3C-35C7-47BB-B5EF-3A5AFD39F048}"/>
               </a:ext>
             </a:extLst>
           </p:cNvPr>
@@ -17953,30 +17899,6 @@
           <a:bodyPr/>
           <a:lstStyle/>
           <a:p>
-            <a:r>
-              <a:rPr lang="pt-PT" dirty="0">
-                <a:hlinkClick r:id="rId2"/>
-              </a:rPr>
-              <a:t>http://www.lisbonne-idee.pt/p4820-wool-fest-covilha-descentralizacao-artistica.html</a:t>
-            </a:r>
-            <a:endParaRPr lang="pt-PT" dirty="0"/>
-          </a:p>
-          <a:p>
-            <a:r>
-              <a:rPr lang="pt-PT" dirty="0">
-                <a:hlinkClick r:id="rId3"/>
-              </a:rPr>
-              <a:t>https://</a:t>
-            </a:r>
-            <a:r>
-              <a:rPr lang="pt-PT" dirty="0" smtClean="0">
-                <a:hlinkClick r:id="rId3"/>
-              </a:rPr>
-              <a:t>www.tripadvisor.pt/Attractions-g189145-Activities-c47-Covilha_Castelo_Branco_District_Central_Portugal.html</a:t>
-            </a:r>
-            <a:endParaRPr lang="pt-PT" dirty="0" smtClean="0"/>
-          </a:p>
-          <a:p>
             <a:endParaRPr lang="pt-PT" dirty="0"/>
           </a:p>
         </p:txBody>
@@ -17986,7 +17908,7 @@
           <p:cNvPr id="3" name="Content Placeholder 2">
             <a:extLst>
               <a:ext uri="{FF2B5EF4-FFF2-40B4-BE49-F238E27FC236}">
-                <a16:creationId xmlns:a16="http://schemas.microsoft.com/office/drawing/2014/main" xmlns="" id="{75B62007-2099-491F-B9CC-679828859075}"/>
+                <a16:creationId xmlns="" xmlns:a16="http://schemas.microsoft.com/office/drawing/2014/main" id="{75B62007-2099-491F-B9CC-679828859075}"/>
               </a:ext>
             </a:extLst>
           </p:cNvPr>
@@ -18008,35 +17930,10 @@
       </p:sp>
       <p:sp>
         <p:nvSpPr>
-          <p:cNvPr id="4" name="Content Placeholder 3">
-            <a:extLst>
-              <a:ext uri="{FF2B5EF4-FFF2-40B4-BE49-F238E27FC236}">
-                <a16:creationId xmlns:a16="http://schemas.microsoft.com/office/drawing/2014/main" xmlns="" id="{B573A8A9-0BDE-4B35-955D-A5C9FAFE6755}"/>
-              </a:ext>
-            </a:extLst>
-          </p:cNvPr>
-          <p:cNvSpPr>
-            <a:spLocks noGrp="1"/>
-          </p:cNvSpPr>
-          <p:nvPr>
-            <p:ph idx="11"/>
-          </p:nvPr>
-        </p:nvSpPr>
-        <p:spPr/>
-        <p:txBody>
-          <a:bodyPr/>
-          <a:lstStyle/>
-          <a:p>
-            <a:endParaRPr lang="pt-PT" dirty="0"/>
-          </a:p>
-        </p:txBody>
-      </p:sp>
-      <p:sp>
-        <p:nvSpPr>
           <p:cNvPr id="5" name="Content Placeholder 4">
             <a:extLst>
               <a:ext uri="{FF2B5EF4-FFF2-40B4-BE49-F238E27FC236}">
-                <a16:creationId xmlns:a16="http://schemas.microsoft.com/office/drawing/2014/main" xmlns="" id="{03F0B0E7-9DC5-4E64-84FC-E41A42350BE1}"/>
+                <a16:creationId xmlns="" xmlns:a16="http://schemas.microsoft.com/office/drawing/2014/main" id="{03F0B0E7-9DC5-4E64-84FC-E41A42350BE1}"/>
               </a:ext>
             </a:extLst>
           </p:cNvPr>
@@ -18049,15 +17946,10 @@
         </p:nvSpPr>
         <p:spPr/>
         <p:txBody>
-          <a:bodyPr>
-            <a:normAutofit/>
-          </a:bodyPr>
+          <a:bodyPr/>
           <a:lstStyle/>
           <a:p>
-            <a:r>
-              <a:rPr lang="pt-PT" sz="1400" dirty="0"/>
-              <a:t>Na Covilhã e nas proximidades tem oportunidade de conhecer os Castelos, a arte urbana, a Universidade, as Aldeias Históricas, a Rota da Lã e das Antigas Judiarias e fazendo um dos percursos que lhe dão a conhecer o património cultural desta região. Para além disso a o Parque Natural da Serra da Estrela providencia o turismo de montanha, mas na verdade há muito para fazer na Covilhã para além da neve. </a:t>
-            </a:r>
+            <a:endParaRPr lang="pt-PT" dirty="0"/>
           </a:p>
         </p:txBody>
       </p:sp>
@@ -18066,7 +17958,7 @@
           <p:cNvPr id="6" name="Content Placeholder 5">
             <a:extLst>
               <a:ext uri="{FF2B5EF4-FFF2-40B4-BE49-F238E27FC236}">
-                <a16:creationId xmlns:a16="http://schemas.microsoft.com/office/drawing/2014/main" xmlns="" id="{AAD76EA7-FFDD-4221-8BFA-2CF2F90A53A9}"/>
+                <a16:creationId xmlns="" xmlns:a16="http://schemas.microsoft.com/office/drawing/2014/main" id="{AAD76EA7-FFDD-4221-8BFA-2CF2F90A53A9}"/>
               </a:ext>
             </a:extLst>
           </p:cNvPr>
@@ -18083,21 +17975,50 @@
           <a:lstStyle/>
           <a:p>
             <a:r>
-              <a:rPr lang="pt-PT" dirty="0"/>
-              <a:t>Porquê </a:t>
-            </a:r>
-            <a:r>
               <a:rPr lang="pt-PT" dirty="0" smtClean="0"/>
-              <a:t>Covilhã?</a:t>
+              <a:t>Calendário</a:t>
             </a:r>
             <a:endParaRPr lang="pt-PT" dirty="0"/>
           </a:p>
         </p:txBody>
       </p:sp>
+      <p:pic>
+        <p:nvPicPr>
+          <p:cNvPr id="7" name="Google Shape;209;p20"/>
+          <p:cNvPicPr preferRelativeResize="0">
+            <a:picLocks noGrp="1"/>
+          </p:cNvPicPr>
+          <p:nvPr>
+            <p:ph idx="11"/>
+          </p:nvPr>
+        </p:nvPicPr>
+        <p:blipFill rotWithShape="1">
+          <a:blip r:embed="rId2">
+            <a:alphaModFix/>
+          </a:blip>
+          <a:srcRect/>
+          <a:stretch/>
+        </p:blipFill>
+        <p:spPr>
+          <a:xfrm>
+            <a:off x="1969910" y="684213"/>
+            <a:ext cx="3362679" cy="3194050"/>
+          </a:xfrm>
+          <a:prstGeom prst="rect">
+            <a:avLst/>
+          </a:prstGeom>
+          <a:solidFill>
+            <a:srgbClr val="FBE4D4"/>
+          </a:solidFill>
+          <a:ln>
+            <a:noFill/>
+          </a:ln>
+        </p:spPr>
+      </p:pic>
     </p:spTree>
     <p:extLst>
       <p:ext uri="{BB962C8B-B14F-4D97-AF65-F5344CB8AC3E}">
-        <p14:creationId xmlns:p14="http://schemas.microsoft.com/office/powerpoint/2010/main" val="2316728216"/>
+        <p14:creationId xmlns:p14="http://schemas.microsoft.com/office/powerpoint/2010/main" val="1324516063"/>
       </p:ext>
     </p:extLst>
   </p:cSld>
@@ -18129,7 +18050,7 @@
           <p:cNvPr id="2" name="Content Placeholder 1">
             <a:extLst>
               <a:ext uri="{FF2B5EF4-FFF2-40B4-BE49-F238E27FC236}">
-                <a16:creationId xmlns:a16="http://schemas.microsoft.com/office/drawing/2014/main" xmlns="" id="{61284A3C-35C7-47BB-B5EF-3A5AFD39F048}"/>
+                <a16:creationId xmlns="" xmlns:a16="http://schemas.microsoft.com/office/drawing/2014/main" id="{61284A3C-35C7-47BB-B5EF-3A5AFD39F048}"/>
               </a:ext>
             </a:extLst>
           </p:cNvPr>
@@ -18145,24 +18066,6 @@
           <a:bodyPr/>
           <a:lstStyle/>
           <a:p>
-            <a:r>
-              <a:rPr lang="pt-PT" dirty="0">
-                <a:hlinkClick r:id="rId2"/>
-              </a:rPr>
-              <a:t>https://turismodocentro.pt</a:t>
-            </a:r>
-            <a:r>
-              <a:rPr lang="pt-PT" dirty="0" smtClean="0">
-                <a:hlinkClick r:id="rId2"/>
-              </a:rPr>
-              <a:t>/</a:t>
-            </a:r>
-            <a:endParaRPr lang="pt-PT" dirty="0" smtClean="0"/>
-          </a:p>
-          <a:p>
-            <a:pPr marL="0" indent="0">
-              <a:buNone/>
-            </a:pPr>
             <a:endParaRPr lang="pt-PT" dirty="0"/>
           </a:p>
         </p:txBody>
@@ -18172,7 +18075,7 @@
           <p:cNvPr id="3" name="Content Placeholder 2">
             <a:extLst>
               <a:ext uri="{FF2B5EF4-FFF2-40B4-BE49-F238E27FC236}">
-                <a16:creationId xmlns:a16="http://schemas.microsoft.com/office/drawing/2014/main" xmlns="" id="{75B62007-2099-491F-B9CC-679828859075}"/>
+                <a16:creationId xmlns="" xmlns:a16="http://schemas.microsoft.com/office/drawing/2014/main" id="{75B62007-2099-491F-B9CC-679828859075}"/>
               </a:ext>
             </a:extLst>
           </p:cNvPr>
@@ -18194,35 +18097,10 @@
       </p:sp>
       <p:sp>
         <p:nvSpPr>
-          <p:cNvPr id="4" name="Content Placeholder 3">
-            <a:extLst>
-              <a:ext uri="{FF2B5EF4-FFF2-40B4-BE49-F238E27FC236}">
-                <a16:creationId xmlns:a16="http://schemas.microsoft.com/office/drawing/2014/main" xmlns="" id="{B573A8A9-0BDE-4B35-955D-A5C9FAFE6755}"/>
-              </a:ext>
-            </a:extLst>
-          </p:cNvPr>
-          <p:cNvSpPr>
-            <a:spLocks noGrp="1"/>
-          </p:cNvSpPr>
-          <p:nvPr>
-            <p:ph idx="11"/>
-          </p:nvPr>
-        </p:nvSpPr>
-        <p:spPr/>
-        <p:txBody>
-          <a:bodyPr/>
-          <a:lstStyle/>
-          <a:p>
-            <a:endParaRPr lang="pt-PT" dirty="0"/>
-          </a:p>
-        </p:txBody>
-      </p:sp>
-      <p:sp>
-        <p:nvSpPr>
           <p:cNvPr id="5" name="Content Placeholder 4">
             <a:extLst>
               <a:ext uri="{FF2B5EF4-FFF2-40B4-BE49-F238E27FC236}">
-                <a16:creationId xmlns:a16="http://schemas.microsoft.com/office/drawing/2014/main" xmlns="" id="{03F0B0E7-9DC5-4E64-84FC-E41A42350BE1}"/>
+                <a16:creationId xmlns="" xmlns:a16="http://schemas.microsoft.com/office/drawing/2014/main" id="{03F0B0E7-9DC5-4E64-84FC-E41A42350BE1}"/>
               </a:ext>
             </a:extLst>
           </p:cNvPr>
@@ -18238,34 +18116,7 @@
           <a:bodyPr/>
           <a:lstStyle/>
           <a:p>
-            <a:r>
-              <a:rPr lang="pt-PT" sz="1400" dirty="0"/>
-              <a:t>A cidade da Covilhã é uma cidade da região Centro do País, de fácil acesso graças à vasta rede de autoestradas.</a:t>
-            </a:r>
-          </a:p>
-          <a:p>
-            <a:r>
-              <a:rPr lang="pt-PT" sz="1400" dirty="0"/>
-              <a:t>Vindo do Norte deve seguir a A1 em direção a Lisboa, saindo na A25 em direção à Guarda, e por fim na A23 até à Covilhã.</a:t>
-            </a:r>
-          </a:p>
-          <a:p>
-            <a:r>
-              <a:rPr lang="pt-PT" sz="1400" dirty="0"/>
-              <a:t>Rumando do Sul deve seguir a A1 em direção ao Norte e depois sair na A23 até à Covilhã.</a:t>
-            </a:r>
-          </a:p>
-          <a:p>
-            <a:r>
-              <a:rPr lang="pt-PT" sz="1400" dirty="0"/>
-              <a:t>Se se encontra no Centro, o IP3 poderá levá-lo à cidade de Viseu, para de seguida sair para a A25 em direção à Guarda e por fim para a A23 até à Covilhã.</a:t>
-            </a:r>
-          </a:p>
-          <a:p>
-            <a:pPr marL="0" indent="0">
-              <a:buNone/>
-            </a:pPr>
-            <a:endParaRPr lang="pt-PT" sz="1400" dirty="0"/>
+            <a:endParaRPr lang="pt-PT" dirty="0"/>
           </a:p>
         </p:txBody>
       </p:sp>
@@ -18274,7 +18125,7 @@
           <p:cNvPr id="6" name="Content Placeholder 5">
             <a:extLst>
               <a:ext uri="{FF2B5EF4-FFF2-40B4-BE49-F238E27FC236}">
-                <a16:creationId xmlns:a16="http://schemas.microsoft.com/office/drawing/2014/main" xmlns="" id="{AAD76EA7-FFDD-4221-8BFA-2CF2F90A53A9}"/>
+                <a16:creationId xmlns="" xmlns:a16="http://schemas.microsoft.com/office/drawing/2014/main" id="{AAD76EA7-FFDD-4221-8BFA-2CF2F90A53A9}"/>
               </a:ext>
             </a:extLst>
           </p:cNvPr>
@@ -18292,16 +18143,49 @@
           <a:p>
             <a:r>
               <a:rPr lang="pt-PT" dirty="0" smtClean="0"/>
-              <a:t>Chegar à Covilhã</a:t>
+              <a:t>Categorias</a:t>
             </a:r>
             <a:endParaRPr lang="pt-PT" dirty="0"/>
           </a:p>
         </p:txBody>
       </p:sp>
+      <p:pic>
+        <p:nvPicPr>
+          <p:cNvPr id="7" name="Google Shape;218;p21"/>
+          <p:cNvPicPr preferRelativeResize="0">
+            <a:picLocks noGrp="1"/>
+          </p:cNvPicPr>
+          <p:nvPr>
+            <p:ph idx="11"/>
+          </p:nvPr>
+        </p:nvPicPr>
+        <p:blipFill rotWithShape="1">
+          <a:blip r:embed="rId2">
+            <a:alphaModFix/>
+          </a:blip>
+          <a:srcRect/>
+          <a:stretch/>
+        </p:blipFill>
+        <p:spPr>
+          <a:xfrm>
+            <a:off x="1967430" y="684213"/>
+            <a:ext cx="3367639" cy="3194050"/>
+          </a:xfrm>
+          <a:prstGeom prst="rect">
+            <a:avLst/>
+          </a:prstGeom>
+          <a:solidFill>
+            <a:srgbClr val="FBE4D4"/>
+          </a:solidFill>
+          <a:ln>
+            <a:noFill/>
+          </a:ln>
+        </p:spPr>
+      </p:pic>
     </p:spTree>
     <p:extLst>
       <p:ext uri="{BB962C8B-B14F-4D97-AF65-F5344CB8AC3E}">
-        <p14:creationId xmlns:p14="http://schemas.microsoft.com/office/powerpoint/2010/main" val="452397108"/>
+        <p14:creationId xmlns:p14="http://schemas.microsoft.com/office/powerpoint/2010/main" val="3402220871"/>
       </p:ext>
     </p:extLst>
   </p:cSld>
@@ -18330,13 +18214,7 @@
       </p:grpSpPr>
       <p:sp>
         <p:nvSpPr>
-          <p:cNvPr id="2" name="Content Placeholder 1">
-            <a:extLst>
-              <a:ext uri="{FF2B5EF4-FFF2-40B4-BE49-F238E27FC236}">
-                <a16:creationId xmlns:a16="http://schemas.microsoft.com/office/drawing/2014/main" xmlns="" id="{61284A3C-35C7-47BB-B5EF-3A5AFD39F048}"/>
-              </a:ext>
-            </a:extLst>
-          </p:cNvPr>
+          <p:cNvPr id="2" name="Marcador de Posição de Conteúdo 1"/>
           <p:cNvSpPr>
             <a:spLocks noGrp="1"/>
           </p:cNvSpPr>
@@ -18349,19 +18227,13 @@
           <a:bodyPr/>
           <a:lstStyle/>
           <a:p>
-            <a:endParaRPr lang="pt-PT" dirty="0"/>
+            <a:endParaRPr lang="pt-PT"/>
           </a:p>
         </p:txBody>
       </p:sp>
       <p:sp>
         <p:nvSpPr>
-          <p:cNvPr id="3" name="Content Placeholder 2">
-            <a:extLst>
-              <a:ext uri="{FF2B5EF4-FFF2-40B4-BE49-F238E27FC236}">
-                <a16:creationId xmlns:a16="http://schemas.microsoft.com/office/drawing/2014/main" xmlns="" id="{75B62007-2099-491F-B9CC-679828859075}"/>
-              </a:ext>
-            </a:extLst>
-          </p:cNvPr>
+          <p:cNvPr id="3" name="Marcador de Posição de Conteúdo 2"/>
           <p:cNvSpPr>
             <a:spLocks noGrp="1"/>
           </p:cNvSpPr>
@@ -18374,44 +18246,13 @@
           <a:bodyPr/>
           <a:lstStyle/>
           <a:p>
-            <a:endParaRPr lang="pt-PT" dirty="0"/>
+            <a:endParaRPr lang="pt-PT"/>
           </a:p>
         </p:txBody>
       </p:sp>
       <p:sp>
         <p:nvSpPr>
-          <p:cNvPr id="4" name="Content Placeholder 3">
-            <a:extLst>
-              <a:ext uri="{FF2B5EF4-FFF2-40B4-BE49-F238E27FC236}">
-                <a16:creationId xmlns:a16="http://schemas.microsoft.com/office/drawing/2014/main" xmlns="" id="{B573A8A9-0BDE-4B35-955D-A5C9FAFE6755}"/>
-              </a:ext>
-            </a:extLst>
-          </p:cNvPr>
-          <p:cNvSpPr>
-            <a:spLocks noGrp="1"/>
-          </p:cNvSpPr>
-          <p:nvPr>
-            <p:ph idx="11"/>
-          </p:nvPr>
-        </p:nvSpPr>
-        <p:spPr/>
-        <p:txBody>
-          <a:bodyPr/>
-          <a:lstStyle/>
-          <a:p>
-            <a:endParaRPr lang="pt-PT" dirty="0"/>
-          </a:p>
-        </p:txBody>
-      </p:sp>
-      <p:sp>
-        <p:nvSpPr>
-          <p:cNvPr id="5" name="Content Placeholder 4">
-            <a:extLst>
-              <a:ext uri="{FF2B5EF4-FFF2-40B4-BE49-F238E27FC236}">
-                <a16:creationId xmlns:a16="http://schemas.microsoft.com/office/drawing/2014/main" xmlns="" id="{03F0B0E7-9DC5-4E64-84FC-E41A42350BE1}"/>
-              </a:ext>
-            </a:extLst>
-          </p:cNvPr>
+          <p:cNvPr id="5" name="Marcador de Posição de Conteúdo 4"/>
           <p:cNvSpPr>
             <a:spLocks noGrp="1"/>
           </p:cNvSpPr>
@@ -18424,19 +18265,13 @@
           <a:bodyPr/>
           <a:lstStyle/>
           <a:p>
-            <a:endParaRPr lang="pt-PT" dirty="0"/>
+            <a:endParaRPr lang="pt-PT"/>
           </a:p>
         </p:txBody>
       </p:sp>
       <p:sp>
         <p:nvSpPr>
-          <p:cNvPr id="6" name="Content Placeholder 5">
-            <a:extLst>
-              <a:ext uri="{FF2B5EF4-FFF2-40B4-BE49-F238E27FC236}">
-                <a16:creationId xmlns:a16="http://schemas.microsoft.com/office/drawing/2014/main" xmlns="" id="{AAD76EA7-FFDD-4221-8BFA-2CF2F90A53A9}"/>
-              </a:ext>
-            </a:extLst>
-          </p:cNvPr>
+          <p:cNvPr id="6" name="Marcador de Posição de Conteúdo 5"/>
           <p:cNvSpPr>
             <a:spLocks noGrp="1"/>
           </p:cNvSpPr>
@@ -18451,16 +18286,49 @@
           <a:p>
             <a:r>
               <a:rPr lang="pt-PT" dirty="0" smtClean="0"/>
-              <a:t>Mapa</a:t>
+              <a:t>Artes</a:t>
             </a:r>
             <a:endParaRPr lang="pt-PT" dirty="0"/>
           </a:p>
         </p:txBody>
       </p:sp>
+      <p:pic>
+        <p:nvPicPr>
+          <p:cNvPr id="7" name="Google Shape;218;p21"/>
+          <p:cNvPicPr preferRelativeResize="0">
+            <a:picLocks noGrp="1"/>
+          </p:cNvPicPr>
+          <p:nvPr>
+            <p:ph idx="11"/>
+          </p:nvPr>
+        </p:nvPicPr>
+        <p:blipFill rotWithShape="1">
+          <a:blip r:embed="rId2">
+            <a:alphaModFix/>
+          </a:blip>
+          <a:srcRect/>
+          <a:stretch/>
+        </p:blipFill>
+        <p:spPr>
+          <a:xfrm>
+            <a:off x="1967430" y="684213"/>
+            <a:ext cx="3367639" cy="3194050"/>
+          </a:xfrm>
+          <a:prstGeom prst="rect">
+            <a:avLst/>
+          </a:prstGeom>
+          <a:solidFill>
+            <a:srgbClr val="FBE4D4"/>
+          </a:solidFill>
+          <a:ln>
+            <a:noFill/>
+          </a:ln>
+        </p:spPr>
+      </p:pic>
     </p:spTree>
     <p:extLst>
       <p:ext uri="{BB962C8B-B14F-4D97-AF65-F5344CB8AC3E}">
-        <p14:creationId xmlns:p14="http://schemas.microsoft.com/office/powerpoint/2010/main" val="2701093968"/>
+        <p14:creationId xmlns:p14="http://schemas.microsoft.com/office/powerpoint/2010/main" val="2969093673"/>
       </p:ext>
     </p:extLst>
   </p:cSld>

--- a/UBI_CompWeb_2018_templates.pptx
+++ b/UBI_CompWeb_2018_templates.pptx
@@ -5,7 +5,7 @@
     <p:sldMasterId id="2147483660" r:id="rId1"/>
   </p:sldMasterIdLst>
   <p:notesMasterIdLst>
-    <p:notesMasterId r:id="rId18"/>
+    <p:notesMasterId r:id="rId12"/>
   </p:notesMasterIdLst>
   <p:sldIdLst>
     <p:sldId id="256" r:id="rId2"/>
@@ -14,16 +14,10 @@
     <p:sldId id="261" r:id="rId5"/>
     <p:sldId id="263" r:id="rId6"/>
     <p:sldId id="262" r:id="rId7"/>
-    <p:sldId id="267" r:id="rId8"/>
-    <p:sldId id="268" r:id="rId9"/>
-    <p:sldId id="275" r:id="rId10"/>
-    <p:sldId id="269" r:id="rId11"/>
-    <p:sldId id="272" r:id="rId12"/>
-    <p:sldId id="270" r:id="rId13"/>
-    <p:sldId id="271" r:id="rId14"/>
-    <p:sldId id="273" r:id="rId15"/>
-    <p:sldId id="274" r:id="rId16"/>
-    <p:sldId id="276" r:id="rId17"/>
+    <p:sldId id="268" r:id="rId8"/>
+    <p:sldId id="275" r:id="rId9"/>
+    <p:sldId id="274" r:id="rId10"/>
+    <p:sldId id="276" r:id="rId11"/>
   </p:sldIdLst>
   <p:sldSz cx="9144000" cy="6858000" type="screen4x3"/>
   <p:notesSz cx="6858000" cy="9144000"/>
@@ -2580,49 +2574,6 @@
         </a:p>
       </dgm:t>
     </dgm:pt>
-    <dgm:pt modelId="{DEB3A288-72B2-4CE3-BA0E-2385DCEA1166}">
-      <dgm:prSet phldrT="[Text]" custT="1"/>
-      <dgm:spPr/>
-      <dgm:t>
-        <a:bodyPr/>
-        <a:lstStyle/>
-        <a:p>
-          <a:r>
-            <a:rPr lang="en-GB" sz="2000" u="none" dirty="0" err="1">
-              <a:latin typeface="Arial" panose="020B0604020202020204" pitchFamily="34" charset="0"/>
-              <a:cs typeface="Arial" panose="020B0604020202020204" pitchFamily="34" charset="0"/>
-            </a:rPr>
-            <a:t>Calendário</a:t>
-          </a:r>
-          <a:endParaRPr lang="en-GB" sz="2000" u="none" dirty="0">
-            <a:latin typeface="Arial" panose="020B0604020202020204" pitchFamily="34" charset="0"/>
-            <a:cs typeface="Arial" panose="020B0604020202020204" pitchFamily="34" charset="0"/>
-          </a:endParaRPr>
-        </a:p>
-      </dgm:t>
-    </dgm:pt>
-    <dgm:pt modelId="{AE15057E-D275-4CBA-BBDA-7AFB5273F6D0}" type="parTrans" cxnId="{8C71F597-48DA-42F5-848B-45FBCBBE231C}">
-      <dgm:prSet/>
-      <dgm:spPr/>
-      <dgm:t>
-        <a:bodyPr/>
-        <a:lstStyle/>
-        <a:p>
-          <a:endParaRPr lang="pt-PT" u="none"/>
-        </a:p>
-      </dgm:t>
-    </dgm:pt>
-    <dgm:pt modelId="{A96C3356-79EF-46AD-95D3-4F7717D0E212}" type="sibTrans" cxnId="{8C71F597-48DA-42F5-848B-45FBCBBE231C}">
-      <dgm:prSet/>
-      <dgm:spPr/>
-      <dgm:t>
-        <a:bodyPr/>
-        <a:lstStyle/>
-        <a:p>
-          <a:endParaRPr lang="pt-PT" u="none"/>
-        </a:p>
-      </dgm:t>
-    </dgm:pt>
     <dgm:pt modelId="{3E7D5DE8-38A7-4D01-B3B1-C41B904AFB24}">
       <dgm:prSet phldrT="[Text]" custT="1"/>
       <dgm:spPr/>
@@ -2760,9 +2711,10 @@
         <a:lstStyle/>
         <a:p>
           <a:r>
-            <a:rPr lang="pt-PT" u="none" dirty="0"/>
-            <a:t>Artes</a:t>
+            <a:rPr lang="pt-PT" u="none" dirty="0" smtClean="0"/>
+            <a:t>Procurar por data</a:t>
           </a:r>
+          <a:endParaRPr lang="pt-PT" u="none" dirty="0"/>
         </a:p>
       </dgm:t>
     </dgm:pt>
@@ -2788,42 +2740,6 @@
         </a:p>
       </dgm:t>
     </dgm:pt>
-    <dgm:pt modelId="{C5D14313-4718-4BA4-8034-5E4E2ACBCC70}">
-      <dgm:prSet/>
-      <dgm:spPr/>
-      <dgm:t>
-        <a:bodyPr/>
-        <a:lstStyle/>
-        <a:p>
-          <a:r>
-            <a:rPr lang="pt-PT" u="none" dirty="0"/>
-            <a:t>Música</a:t>
-          </a:r>
-        </a:p>
-      </dgm:t>
-    </dgm:pt>
-    <dgm:pt modelId="{04B442D8-6F45-4C79-8A4C-6886FDE02F97}" type="parTrans" cxnId="{12AA3CBF-1033-48B0-A6F8-A20337FED22A}">
-      <dgm:prSet/>
-      <dgm:spPr/>
-      <dgm:t>
-        <a:bodyPr/>
-        <a:lstStyle/>
-        <a:p>
-          <a:endParaRPr lang="pt-PT" u="none"/>
-        </a:p>
-      </dgm:t>
-    </dgm:pt>
-    <dgm:pt modelId="{EA84DB9B-3D31-4D9E-BF2F-E46226EA56AE}" type="sibTrans" cxnId="{12AA3CBF-1033-48B0-A6F8-A20337FED22A}">
-      <dgm:prSet/>
-      <dgm:spPr/>
-      <dgm:t>
-        <a:bodyPr/>
-        <a:lstStyle/>
-        <a:p>
-          <a:endParaRPr lang="pt-PT" u="none"/>
-        </a:p>
-      </dgm:t>
-    </dgm:pt>
     <dgm:pt modelId="{9CF9D14A-D997-48A5-ACA0-BD0A85F323A1}">
       <dgm:prSet/>
       <dgm:spPr/>
@@ -2832,9 +2748,10 @@
         <a:lstStyle/>
         <a:p>
           <a:r>
-            <a:rPr lang="pt-PT" u="none" dirty="0"/>
-            <a:t>Noite</a:t>
+            <a:rPr lang="pt-PT" u="none" dirty="0" smtClean="0"/>
+            <a:t>Todos</a:t>
           </a:r>
+          <a:endParaRPr lang="pt-PT" u="none" dirty="0"/>
         </a:p>
       </dgm:t>
     </dgm:pt>
@@ -2857,225 +2774,6 @@
         <a:lstStyle/>
         <a:p>
           <a:endParaRPr lang="pt-PT" u="none"/>
-        </a:p>
-      </dgm:t>
-    </dgm:pt>
-    <dgm:pt modelId="{FEF5EF31-1DF3-4F02-8BF5-0FAA9FBF05DF}">
-      <dgm:prSet/>
-      <dgm:spPr/>
-      <dgm:t>
-        <a:bodyPr/>
-        <a:lstStyle/>
-        <a:p>
-          <a:r>
-            <a:rPr lang="pt-PT" u="none" dirty="0"/>
-            <a:t>Cultura</a:t>
-          </a:r>
-        </a:p>
-      </dgm:t>
-    </dgm:pt>
-    <dgm:pt modelId="{C206CBEC-A310-48C5-A1E3-51069AAB7E06}" type="parTrans" cxnId="{820DA17D-D3D3-44FA-8B6F-1B825415906F}">
-      <dgm:prSet/>
-      <dgm:spPr/>
-      <dgm:t>
-        <a:bodyPr/>
-        <a:lstStyle/>
-        <a:p>
-          <a:endParaRPr lang="pt-PT" u="none"/>
-        </a:p>
-      </dgm:t>
-    </dgm:pt>
-    <dgm:pt modelId="{33829A28-8B69-4310-A9EC-72FF2B43FA31}" type="sibTrans" cxnId="{820DA17D-D3D3-44FA-8B6F-1B825415906F}">
-      <dgm:prSet/>
-      <dgm:spPr/>
-      <dgm:t>
-        <a:bodyPr/>
-        <a:lstStyle/>
-        <a:p>
-          <a:endParaRPr lang="pt-PT" u="none"/>
-        </a:p>
-      </dgm:t>
-    </dgm:pt>
-    <dgm:pt modelId="{2FF04469-EC18-4DEF-9211-026033421D7F}">
-      <dgm:prSet/>
-      <dgm:spPr/>
-      <dgm:t>
-        <a:bodyPr/>
-        <a:lstStyle/>
-        <a:p>
-          <a:r>
-            <a:rPr lang="pt-PT" u="none" dirty="0"/>
-            <a:t>Desporto</a:t>
-          </a:r>
-        </a:p>
-      </dgm:t>
-    </dgm:pt>
-    <dgm:pt modelId="{AE6AB92A-B651-446C-B90D-191341024DCA}" type="parTrans" cxnId="{7076539E-84DB-49E1-9601-83A88D214CF8}">
-      <dgm:prSet/>
-      <dgm:spPr/>
-      <dgm:t>
-        <a:bodyPr/>
-        <a:lstStyle/>
-        <a:p>
-          <a:endParaRPr lang="pt-PT" u="none"/>
-        </a:p>
-      </dgm:t>
-    </dgm:pt>
-    <dgm:pt modelId="{0637CF52-D892-464E-A103-0804641290C4}" type="sibTrans" cxnId="{7076539E-84DB-49E1-9601-83A88D214CF8}">
-      <dgm:prSet/>
-      <dgm:spPr/>
-      <dgm:t>
-        <a:bodyPr/>
-        <a:lstStyle/>
-        <a:p>
-          <a:endParaRPr lang="pt-PT" u="none"/>
-        </a:p>
-      </dgm:t>
-    </dgm:pt>
-    <dgm:pt modelId="{210B0EF3-C281-4060-A271-E34BD8547342}">
-      <dgm:prSet/>
-      <dgm:spPr/>
-      <dgm:t>
-        <a:bodyPr/>
-        <a:lstStyle/>
-        <a:p>
-          <a:r>
-            <a:rPr lang="pt-PT" u="none" dirty="0"/>
-            <a:t>Em Destaque</a:t>
-          </a:r>
-        </a:p>
-      </dgm:t>
-    </dgm:pt>
-    <dgm:pt modelId="{ADCBE1B0-B6AB-4350-9FC6-856DD57E9562}" type="parTrans" cxnId="{C7117D46-60C1-4AC4-AC2C-CCA51D022C98}">
-      <dgm:prSet/>
-      <dgm:spPr/>
-      <dgm:t>
-        <a:bodyPr/>
-        <a:lstStyle/>
-        <a:p>
-          <a:endParaRPr lang="pt-PT" u="none"/>
-        </a:p>
-      </dgm:t>
-    </dgm:pt>
-    <dgm:pt modelId="{074E8F6B-D96B-4628-92A9-FFC917EF6C01}" type="sibTrans" cxnId="{C7117D46-60C1-4AC4-AC2C-CCA51D022C98}">
-      <dgm:prSet/>
-      <dgm:spPr/>
-      <dgm:t>
-        <a:bodyPr/>
-        <a:lstStyle/>
-        <a:p>
-          <a:endParaRPr lang="pt-PT" u="none"/>
-        </a:p>
-      </dgm:t>
-    </dgm:pt>
-    <dgm:pt modelId="{01DE5603-A9BA-48DC-A812-A9D236837822}">
-      <dgm:prSet/>
-      <dgm:spPr/>
-      <dgm:t>
-        <a:bodyPr/>
-        <a:lstStyle/>
-        <a:p>
-          <a:r>
-            <a:rPr lang="pt-PT" dirty="0" smtClean="0"/>
-            <a:t>Porquê Covilhã?</a:t>
-          </a:r>
-          <a:endParaRPr lang="pt-PT" dirty="0"/>
-        </a:p>
-      </dgm:t>
-    </dgm:pt>
-    <dgm:pt modelId="{0B69B6BC-1E4A-4E1F-9BE1-0C53B92E33BC}" type="parTrans" cxnId="{43284CFA-223A-4049-87BA-3120E63505C3}">
-      <dgm:prSet/>
-      <dgm:spPr/>
-      <dgm:t>
-        <a:bodyPr/>
-        <a:lstStyle/>
-        <a:p>
-          <a:endParaRPr lang="pt-PT"/>
-        </a:p>
-      </dgm:t>
-    </dgm:pt>
-    <dgm:pt modelId="{69D0B4C8-A61E-4CEB-8F52-6CC20FED1FF6}" type="sibTrans" cxnId="{43284CFA-223A-4049-87BA-3120E63505C3}">
-      <dgm:prSet/>
-      <dgm:spPr/>
-      <dgm:t>
-        <a:bodyPr/>
-        <a:lstStyle/>
-        <a:p>
-          <a:endParaRPr lang="pt-PT"/>
-        </a:p>
-      </dgm:t>
-    </dgm:pt>
-    <dgm:pt modelId="{25553316-AE0F-433F-BD8A-E0F17F5D747E}">
-      <dgm:prSet/>
-      <dgm:spPr/>
-      <dgm:t>
-        <a:bodyPr/>
-        <a:lstStyle/>
-        <a:p>
-          <a:r>
-            <a:rPr lang="pt-PT" dirty="0" smtClean="0"/>
-            <a:t>Mapa</a:t>
-          </a:r>
-          <a:endParaRPr lang="pt-PT" dirty="0"/>
-        </a:p>
-      </dgm:t>
-    </dgm:pt>
-    <dgm:pt modelId="{9D1FF7F3-6BB1-485B-ABFB-CBC54EB7FB2F}" type="parTrans" cxnId="{7DECDEAA-0DFB-4024-BC99-75211E705204}">
-      <dgm:prSet/>
-      <dgm:spPr/>
-      <dgm:t>
-        <a:bodyPr/>
-        <a:lstStyle/>
-        <a:p>
-          <a:endParaRPr lang="pt-PT"/>
-        </a:p>
-      </dgm:t>
-    </dgm:pt>
-    <dgm:pt modelId="{178316FB-DCE2-4974-BB3C-AD7713B01F9F}" type="sibTrans" cxnId="{7DECDEAA-0DFB-4024-BC99-75211E705204}">
-      <dgm:prSet/>
-      <dgm:spPr/>
-      <dgm:t>
-        <a:bodyPr/>
-        <a:lstStyle/>
-        <a:p>
-          <a:endParaRPr lang="pt-PT"/>
-        </a:p>
-      </dgm:t>
-    </dgm:pt>
-    <dgm:pt modelId="{FFC74FC4-00ED-4EE0-BC51-6639C0CAB4C0}">
-      <dgm:prSet/>
-      <dgm:spPr/>
-      <dgm:t>
-        <a:bodyPr/>
-        <a:lstStyle/>
-        <a:p>
-          <a:r>
-            <a:rPr lang="pt-PT" dirty="0" smtClean="0"/>
-            <a:t>Chegar à Covilhã</a:t>
-          </a:r>
-          <a:endParaRPr lang="pt-PT" dirty="0"/>
-        </a:p>
-      </dgm:t>
-    </dgm:pt>
-    <dgm:pt modelId="{2A732842-69BB-4863-B446-B741C889B5B1}" type="parTrans" cxnId="{4874DAB9-E15D-43E4-ABDC-D9A3CCB4EBFE}">
-      <dgm:prSet/>
-      <dgm:spPr/>
-      <dgm:t>
-        <a:bodyPr/>
-        <a:lstStyle/>
-        <a:p>
-          <a:endParaRPr lang="pt-PT"/>
-        </a:p>
-      </dgm:t>
-    </dgm:pt>
-    <dgm:pt modelId="{DCE4D878-D34A-4E3F-84A7-0DCD129058B0}" type="sibTrans" cxnId="{4874DAB9-E15D-43E4-ABDC-D9A3CCB4EBFE}">
-      <dgm:prSet/>
-      <dgm:spPr/>
-      <dgm:t>
-        <a:bodyPr/>
-        <a:lstStyle/>
-        <a:p>
-          <a:endParaRPr lang="pt-PT"/>
         </a:p>
       </dgm:t>
     </dgm:pt>
@@ -3142,7 +2840,7 @@
       <dgm:spPr/>
     </dgm:pt>
     <dgm:pt modelId="{C79737FA-DA68-4B50-9686-82FBED4993F4}" type="pres">
-      <dgm:prSet presAssocID="{2401EE30-6FB4-47FC-B5CB-44E93082BA16}" presName="Name37" presStyleLbl="parChTrans1D2" presStyleIdx="0" presStyleCnt="5"/>
+      <dgm:prSet presAssocID="{2401EE30-6FB4-47FC-B5CB-44E93082BA16}" presName="Name37" presStyleLbl="parChTrans1D2" presStyleIdx="0" presStyleCnt="4"/>
       <dgm:spPr/>
       <dgm:t>
         <a:bodyPr/>
@@ -3165,7 +2863,7 @@
       <dgm:spPr/>
     </dgm:pt>
     <dgm:pt modelId="{BB899C3E-7977-48D2-838C-0A0A4E22407E}" type="pres">
-      <dgm:prSet presAssocID="{D0D5EBBE-C984-451E-A77C-06635B96115A}" presName="rootText" presStyleLbl="node2" presStyleIdx="0" presStyleCnt="5">
+      <dgm:prSet presAssocID="{D0D5EBBE-C984-451E-A77C-06635B96115A}" presName="rootText" presStyleLbl="node2" presStyleIdx="0" presStyleCnt="4">
         <dgm:presLayoutVars>
           <dgm:chPref val="3"/>
         </dgm:presLayoutVars>
@@ -3180,7 +2878,7 @@
       </dgm:t>
     </dgm:pt>
     <dgm:pt modelId="{1E59B1F0-1959-43EF-B4BA-5DE950985F11}" type="pres">
-      <dgm:prSet presAssocID="{D0D5EBBE-C984-451E-A77C-06635B96115A}" presName="rootConnector" presStyleLbl="node2" presStyleIdx="0" presStyleCnt="5"/>
+      <dgm:prSet presAssocID="{D0D5EBBE-C984-451E-A77C-06635B96115A}" presName="rootConnector" presStyleLbl="node2" presStyleIdx="0" presStyleCnt="4"/>
       <dgm:spPr/>
       <dgm:t>
         <a:bodyPr/>
@@ -3194,191 +2892,12 @@
       <dgm:prSet presAssocID="{D0D5EBBE-C984-451E-A77C-06635B96115A}" presName="hierChild4" presStyleCnt="0"/>
       <dgm:spPr/>
     </dgm:pt>
-    <dgm:pt modelId="{CF63EB70-7A6D-4FA2-8E46-21CF359D0286}" type="pres">
-      <dgm:prSet presAssocID="{0B69B6BC-1E4A-4E1F-9BE1-0C53B92E33BC}" presName="Name37" presStyleLbl="parChTrans1D3" presStyleIdx="0" presStyleCnt="9"/>
-      <dgm:spPr/>
-    </dgm:pt>
-    <dgm:pt modelId="{EEE897D5-0D96-4624-AD67-2EBF28C86E46}" type="pres">
-      <dgm:prSet presAssocID="{01DE5603-A9BA-48DC-A812-A9D236837822}" presName="hierRoot2" presStyleCnt="0">
-        <dgm:presLayoutVars>
-          <dgm:hierBranch val="init"/>
-        </dgm:presLayoutVars>
-      </dgm:prSet>
-      <dgm:spPr/>
-    </dgm:pt>
-    <dgm:pt modelId="{61949F78-54AF-445F-A9C1-09BCC8AB6818}" type="pres">
-      <dgm:prSet presAssocID="{01DE5603-A9BA-48DC-A812-A9D236837822}" presName="rootComposite" presStyleCnt="0"/>
-      <dgm:spPr/>
-    </dgm:pt>
-    <dgm:pt modelId="{A11B1B3B-548B-4BF3-BD14-6C594BE6A489}" type="pres">
-      <dgm:prSet presAssocID="{01DE5603-A9BA-48DC-A812-A9D236837822}" presName="rootText" presStyleLbl="node3" presStyleIdx="0" presStyleCnt="9" custLinFactNeighborX="0" custLinFactNeighborY="7617">
-        <dgm:presLayoutVars>
-          <dgm:chPref val="3"/>
-        </dgm:presLayoutVars>
-      </dgm:prSet>
-      <dgm:spPr/>
-      <dgm:t>
-        <a:bodyPr/>
-        <a:lstStyle/>
-        <a:p>
-          <a:endParaRPr lang="pt-PT"/>
-        </a:p>
-      </dgm:t>
-    </dgm:pt>
-    <dgm:pt modelId="{CE70EDA1-CEC3-4F76-B0D5-08C75AA61789}" type="pres">
-      <dgm:prSet presAssocID="{01DE5603-A9BA-48DC-A812-A9D236837822}" presName="rootConnector" presStyleLbl="node3" presStyleIdx="0" presStyleCnt="9"/>
-      <dgm:spPr/>
-    </dgm:pt>
-    <dgm:pt modelId="{6D8D787A-8B24-44D0-B2C8-8BFD2439CC10}" type="pres">
-      <dgm:prSet presAssocID="{01DE5603-A9BA-48DC-A812-A9D236837822}" presName="hierChild4" presStyleCnt="0"/>
-      <dgm:spPr/>
-    </dgm:pt>
-    <dgm:pt modelId="{18923BB7-BB28-4E99-BA26-5534ED5EA94F}" type="pres">
-      <dgm:prSet presAssocID="{01DE5603-A9BA-48DC-A812-A9D236837822}" presName="hierChild5" presStyleCnt="0"/>
-      <dgm:spPr/>
-    </dgm:pt>
-    <dgm:pt modelId="{FDCF2E21-0BBF-4C89-8E46-93D1F2D60A4C}" type="pres">
-      <dgm:prSet presAssocID="{9D1FF7F3-6BB1-485B-ABFB-CBC54EB7FB2F}" presName="Name37" presStyleLbl="parChTrans1D3" presStyleIdx="1" presStyleCnt="9"/>
-      <dgm:spPr/>
-    </dgm:pt>
-    <dgm:pt modelId="{579C8BBC-679D-4883-BCD3-A803A1F4A041}" type="pres">
-      <dgm:prSet presAssocID="{25553316-AE0F-433F-BD8A-E0F17F5D747E}" presName="hierRoot2" presStyleCnt="0">
-        <dgm:presLayoutVars>
-          <dgm:hierBranch val="init"/>
-        </dgm:presLayoutVars>
-      </dgm:prSet>
-      <dgm:spPr/>
-    </dgm:pt>
-    <dgm:pt modelId="{6837DE00-8205-422F-BDDD-F17E99CB1BE8}" type="pres">
-      <dgm:prSet presAssocID="{25553316-AE0F-433F-BD8A-E0F17F5D747E}" presName="rootComposite" presStyleCnt="0"/>
-      <dgm:spPr/>
-    </dgm:pt>
-    <dgm:pt modelId="{3DA29272-8B54-4109-B1CF-306966EBCEA6}" type="pres">
-      <dgm:prSet presAssocID="{25553316-AE0F-433F-BD8A-E0F17F5D747E}" presName="rootText" presStyleLbl="node3" presStyleIdx="1" presStyleCnt="9" custLinFactY="934" custLinFactNeighborX="0" custLinFactNeighborY="100000">
-        <dgm:presLayoutVars>
-          <dgm:chPref val="3"/>
-        </dgm:presLayoutVars>
-      </dgm:prSet>
-      <dgm:spPr/>
-      <dgm:t>
-        <a:bodyPr/>
-        <a:lstStyle/>
-        <a:p>
-          <a:endParaRPr lang="pt-PT"/>
-        </a:p>
-      </dgm:t>
-    </dgm:pt>
-    <dgm:pt modelId="{CFE66D09-E0AC-4059-9D41-E1709E524C84}" type="pres">
-      <dgm:prSet presAssocID="{25553316-AE0F-433F-BD8A-E0F17F5D747E}" presName="rootConnector" presStyleLbl="node3" presStyleIdx="1" presStyleCnt="9"/>
-      <dgm:spPr/>
-    </dgm:pt>
-    <dgm:pt modelId="{C27F06AF-A642-4C0F-A633-4CDF443BC104}" type="pres">
-      <dgm:prSet presAssocID="{25553316-AE0F-433F-BD8A-E0F17F5D747E}" presName="hierChild4" presStyleCnt="0"/>
-      <dgm:spPr/>
-    </dgm:pt>
-    <dgm:pt modelId="{945F342B-9689-4322-9AE7-BFD6B915DAEE}" type="pres">
-      <dgm:prSet presAssocID="{25553316-AE0F-433F-BD8A-E0F17F5D747E}" presName="hierChild5" presStyleCnt="0"/>
-      <dgm:spPr/>
-    </dgm:pt>
-    <dgm:pt modelId="{DABE2A97-8AFC-46F1-9229-CDFF582F36CD}" type="pres">
-      <dgm:prSet presAssocID="{2A732842-69BB-4863-B446-B741C889B5B1}" presName="Name37" presStyleLbl="parChTrans1D3" presStyleIdx="2" presStyleCnt="9"/>
-      <dgm:spPr/>
-    </dgm:pt>
-    <dgm:pt modelId="{F79A91D2-31E3-4214-A5B3-FDB94EEF9285}" type="pres">
-      <dgm:prSet presAssocID="{FFC74FC4-00ED-4EE0-BC51-6639C0CAB4C0}" presName="hierRoot2" presStyleCnt="0">
-        <dgm:presLayoutVars>
-          <dgm:hierBranch val="init"/>
-        </dgm:presLayoutVars>
-      </dgm:prSet>
-      <dgm:spPr/>
-    </dgm:pt>
-    <dgm:pt modelId="{7D9010F7-3374-45E6-BB14-A40A8C0DA9AF}" type="pres">
-      <dgm:prSet presAssocID="{FFC74FC4-00ED-4EE0-BC51-6639C0CAB4C0}" presName="rootComposite" presStyleCnt="0"/>
-      <dgm:spPr/>
-    </dgm:pt>
-    <dgm:pt modelId="{B13177B0-B616-471A-B673-341F50F836B6}" type="pres">
-      <dgm:prSet presAssocID="{FFC74FC4-00ED-4EE0-BC51-6639C0CAB4C0}" presName="rootText" presStyleLbl="node3" presStyleIdx="2" presStyleCnt="9" custLinFactY="-58067" custLinFactNeighborX="952" custLinFactNeighborY="-100000">
-        <dgm:presLayoutVars>
-          <dgm:chPref val="3"/>
-        </dgm:presLayoutVars>
-      </dgm:prSet>
-      <dgm:spPr/>
-    </dgm:pt>
-    <dgm:pt modelId="{29898FD7-6D50-464C-B5FD-8C53A87EEE52}" type="pres">
-      <dgm:prSet presAssocID="{FFC74FC4-00ED-4EE0-BC51-6639C0CAB4C0}" presName="rootConnector" presStyleLbl="node3" presStyleIdx="2" presStyleCnt="9"/>
-      <dgm:spPr/>
-    </dgm:pt>
-    <dgm:pt modelId="{D77A1B47-932A-44EA-B7CE-1DAA48EA4A4B}" type="pres">
-      <dgm:prSet presAssocID="{FFC74FC4-00ED-4EE0-BC51-6639C0CAB4C0}" presName="hierChild4" presStyleCnt="0"/>
-      <dgm:spPr/>
-    </dgm:pt>
-    <dgm:pt modelId="{7DF5EC82-B2B7-4CDE-A286-05BBF6851BA8}" type="pres">
-      <dgm:prSet presAssocID="{FFC74FC4-00ED-4EE0-BC51-6639C0CAB4C0}" presName="hierChild5" presStyleCnt="0"/>
-      <dgm:spPr/>
-    </dgm:pt>
     <dgm:pt modelId="{AFF660C7-7594-4A5C-9B19-EA55042202B5}" type="pres">
       <dgm:prSet presAssocID="{D0D5EBBE-C984-451E-A77C-06635B96115A}" presName="hierChild5" presStyleCnt="0"/>
       <dgm:spPr/>
     </dgm:pt>
-    <dgm:pt modelId="{A3C064E1-EB83-4A90-BC9B-363A4369B1D9}" type="pres">
-      <dgm:prSet presAssocID="{AE15057E-D275-4CBA-BBDA-7AFB5273F6D0}" presName="Name37" presStyleLbl="parChTrans1D2" presStyleIdx="1" presStyleCnt="5"/>
-      <dgm:spPr/>
-      <dgm:t>
-        <a:bodyPr/>
-        <a:lstStyle/>
-        <a:p>
-          <a:endParaRPr lang="pt-PT"/>
-        </a:p>
-      </dgm:t>
-    </dgm:pt>
-    <dgm:pt modelId="{5F49EB11-AF2A-43A7-A5F6-C818A93333A4}" type="pres">
-      <dgm:prSet presAssocID="{DEB3A288-72B2-4CE3-BA0E-2385DCEA1166}" presName="hierRoot2" presStyleCnt="0">
-        <dgm:presLayoutVars>
-          <dgm:hierBranch val="init"/>
-        </dgm:presLayoutVars>
-      </dgm:prSet>
-      <dgm:spPr/>
-    </dgm:pt>
-    <dgm:pt modelId="{3EA9B75B-9B66-4B39-BB46-6C7E1F816C1E}" type="pres">
-      <dgm:prSet presAssocID="{DEB3A288-72B2-4CE3-BA0E-2385DCEA1166}" presName="rootComposite" presStyleCnt="0"/>
-      <dgm:spPr/>
-    </dgm:pt>
-    <dgm:pt modelId="{3DCFB508-F20D-419B-97A2-A0EA8AAE62B8}" type="pres">
-      <dgm:prSet presAssocID="{DEB3A288-72B2-4CE3-BA0E-2385DCEA1166}" presName="rootText" presStyleLbl="node2" presStyleIdx="1" presStyleCnt="5">
-        <dgm:presLayoutVars>
-          <dgm:chPref val="3"/>
-        </dgm:presLayoutVars>
-      </dgm:prSet>
-      <dgm:spPr/>
-      <dgm:t>
-        <a:bodyPr/>
-        <a:lstStyle/>
-        <a:p>
-          <a:endParaRPr lang="pt-PT"/>
-        </a:p>
-      </dgm:t>
-    </dgm:pt>
-    <dgm:pt modelId="{D1586E0D-5339-4871-B373-DE07F6A4B31A}" type="pres">
-      <dgm:prSet presAssocID="{DEB3A288-72B2-4CE3-BA0E-2385DCEA1166}" presName="rootConnector" presStyleLbl="node2" presStyleIdx="1" presStyleCnt="5"/>
-      <dgm:spPr/>
-      <dgm:t>
-        <a:bodyPr/>
-        <a:lstStyle/>
-        <a:p>
-          <a:endParaRPr lang="pt-PT"/>
-        </a:p>
-      </dgm:t>
-    </dgm:pt>
-    <dgm:pt modelId="{1E188EC2-DBC6-4C65-BECE-BD2803FEF22A}" type="pres">
-      <dgm:prSet presAssocID="{DEB3A288-72B2-4CE3-BA0E-2385DCEA1166}" presName="hierChild4" presStyleCnt="0"/>
-      <dgm:spPr/>
-    </dgm:pt>
-    <dgm:pt modelId="{7BDB545F-D926-4F24-ADC0-2F94B2F38341}" type="pres">
-      <dgm:prSet presAssocID="{DEB3A288-72B2-4CE3-BA0E-2385DCEA1166}" presName="hierChild5" presStyleCnt="0"/>
-      <dgm:spPr/>
-    </dgm:pt>
     <dgm:pt modelId="{075DE7FD-AB6D-45A1-88B5-F6DE55537A5C}" type="pres">
-      <dgm:prSet presAssocID="{1F891C72-4331-4225-9131-EE90A5156BCC}" presName="Name37" presStyleLbl="parChTrans1D2" presStyleIdx="2" presStyleCnt="5"/>
+      <dgm:prSet presAssocID="{1F891C72-4331-4225-9131-EE90A5156BCC}" presName="Name37" presStyleLbl="parChTrans1D2" presStyleIdx="1" presStyleCnt="4"/>
       <dgm:spPr/>
       <dgm:t>
         <a:bodyPr/>
@@ -3401,7 +2920,7 @@
       <dgm:spPr/>
     </dgm:pt>
     <dgm:pt modelId="{D0C42A0A-227F-498C-9217-1F2A4E39F4AC}" type="pres">
-      <dgm:prSet presAssocID="{3E7D5DE8-38A7-4D01-B3B1-C41B904AFB24}" presName="rootText" presStyleLbl="node2" presStyleIdx="2" presStyleCnt="5">
+      <dgm:prSet presAssocID="{3E7D5DE8-38A7-4D01-B3B1-C41B904AFB24}" presName="rootText" presStyleLbl="node2" presStyleIdx="1" presStyleCnt="4">
         <dgm:presLayoutVars>
           <dgm:chPref val="3"/>
         </dgm:presLayoutVars>
@@ -3416,7 +2935,7 @@
       </dgm:t>
     </dgm:pt>
     <dgm:pt modelId="{D47F8C64-7351-47DD-ABB9-3A4D5CE04EBC}" type="pres">
-      <dgm:prSet presAssocID="{3E7D5DE8-38A7-4D01-B3B1-C41B904AFB24}" presName="rootConnector" presStyleLbl="node2" presStyleIdx="2" presStyleCnt="5"/>
+      <dgm:prSet presAssocID="{3E7D5DE8-38A7-4D01-B3B1-C41B904AFB24}" presName="rootConnector" presStyleLbl="node2" presStyleIdx="1" presStyleCnt="4"/>
       <dgm:spPr/>
       <dgm:t>
         <a:bodyPr/>
@@ -3431,7 +2950,7 @@
       <dgm:spPr/>
     </dgm:pt>
     <dgm:pt modelId="{A148AF3D-8225-4C90-9973-D39067016BF1}" type="pres">
-      <dgm:prSet presAssocID="{5A94BF89-F459-4076-B825-3EF69867B9E6}" presName="Name37" presStyleLbl="parChTrans1D3" presStyleIdx="3" presStyleCnt="9"/>
+      <dgm:prSet presAssocID="{5A94BF89-F459-4076-B825-3EF69867B9E6}" presName="Name37" presStyleLbl="parChTrans1D3" presStyleIdx="0" presStyleCnt="2"/>
       <dgm:spPr/>
       <dgm:t>
         <a:bodyPr/>
@@ -3454,7 +2973,7 @@
       <dgm:spPr/>
     </dgm:pt>
     <dgm:pt modelId="{426BD5C4-6298-4765-92B5-5BE6F449DD28}" type="pres">
-      <dgm:prSet presAssocID="{C4E9236B-D5FB-402F-9C08-8917C5806671}" presName="rootText" presStyleLbl="node3" presStyleIdx="3" presStyleCnt="9" custScaleX="82877" custScaleY="56225">
+      <dgm:prSet presAssocID="{C4E9236B-D5FB-402F-9C08-8917C5806671}" presName="rootText" presStyleLbl="node3" presStyleIdx="0" presStyleCnt="2" custScaleX="82877" custScaleY="56225">
         <dgm:presLayoutVars>
           <dgm:chPref val="3"/>
         </dgm:presLayoutVars>
@@ -3469,7 +2988,7 @@
       </dgm:t>
     </dgm:pt>
     <dgm:pt modelId="{1A4D12E3-2EEF-4745-BCD2-3B9AFD0CBE3F}" type="pres">
-      <dgm:prSet presAssocID="{C4E9236B-D5FB-402F-9C08-8917C5806671}" presName="rootConnector" presStyleLbl="node3" presStyleIdx="3" presStyleCnt="9"/>
+      <dgm:prSet presAssocID="{C4E9236B-D5FB-402F-9C08-8917C5806671}" presName="rootConnector" presStyleLbl="node3" presStyleIdx="0" presStyleCnt="2"/>
       <dgm:spPr/>
       <dgm:t>
         <a:bodyPr/>
@@ -3487,65 +3006,8 @@
       <dgm:prSet presAssocID="{C4E9236B-D5FB-402F-9C08-8917C5806671}" presName="hierChild5" presStyleCnt="0"/>
       <dgm:spPr/>
     </dgm:pt>
-    <dgm:pt modelId="{DE72DF6E-144C-454B-9565-EC52D8FB4D37}" type="pres">
-      <dgm:prSet presAssocID="{04B442D8-6F45-4C79-8A4C-6886FDE02F97}" presName="Name37" presStyleLbl="parChTrans1D3" presStyleIdx="4" presStyleCnt="9"/>
-      <dgm:spPr/>
-      <dgm:t>
-        <a:bodyPr/>
-        <a:lstStyle/>
-        <a:p>
-          <a:endParaRPr lang="pt-PT"/>
-        </a:p>
-      </dgm:t>
-    </dgm:pt>
-    <dgm:pt modelId="{BB759B9C-E166-4318-8783-39AF6A31B605}" type="pres">
-      <dgm:prSet presAssocID="{C5D14313-4718-4BA4-8034-5E4E2ACBCC70}" presName="hierRoot2" presStyleCnt="0">
-        <dgm:presLayoutVars>
-          <dgm:hierBranch val="init"/>
-        </dgm:presLayoutVars>
-      </dgm:prSet>
-      <dgm:spPr/>
-    </dgm:pt>
-    <dgm:pt modelId="{BCEFBE32-E840-4B19-88F0-92A0A913E41C}" type="pres">
-      <dgm:prSet presAssocID="{C5D14313-4718-4BA4-8034-5E4E2ACBCC70}" presName="rootComposite" presStyleCnt="0"/>
-      <dgm:spPr/>
-    </dgm:pt>
-    <dgm:pt modelId="{425B22CD-323F-4E0B-BEA0-EC7E00D9ABF2}" type="pres">
-      <dgm:prSet presAssocID="{C5D14313-4718-4BA4-8034-5E4E2ACBCC70}" presName="rootText" presStyleLbl="node3" presStyleIdx="4" presStyleCnt="9" custScaleX="82877" custScaleY="56225">
-        <dgm:presLayoutVars>
-          <dgm:chPref val="3"/>
-        </dgm:presLayoutVars>
-      </dgm:prSet>
-      <dgm:spPr/>
-      <dgm:t>
-        <a:bodyPr/>
-        <a:lstStyle/>
-        <a:p>
-          <a:endParaRPr lang="pt-PT"/>
-        </a:p>
-      </dgm:t>
-    </dgm:pt>
-    <dgm:pt modelId="{CFB84857-AF84-4F8B-907E-44B005282350}" type="pres">
-      <dgm:prSet presAssocID="{C5D14313-4718-4BA4-8034-5E4E2ACBCC70}" presName="rootConnector" presStyleLbl="node3" presStyleIdx="4" presStyleCnt="9"/>
-      <dgm:spPr/>
-      <dgm:t>
-        <a:bodyPr/>
-        <a:lstStyle/>
-        <a:p>
-          <a:endParaRPr lang="pt-PT"/>
-        </a:p>
-      </dgm:t>
-    </dgm:pt>
-    <dgm:pt modelId="{555F9CE5-6B4F-41EE-A503-E2A482DE4442}" type="pres">
-      <dgm:prSet presAssocID="{C5D14313-4718-4BA4-8034-5E4E2ACBCC70}" presName="hierChild4" presStyleCnt="0"/>
-      <dgm:spPr/>
-    </dgm:pt>
-    <dgm:pt modelId="{C3278657-5DCC-4AAB-B407-739B9E618D69}" type="pres">
-      <dgm:prSet presAssocID="{C5D14313-4718-4BA4-8034-5E4E2ACBCC70}" presName="hierChild5" presStyleCnt="0"/>
-      <dgm:spPr/>
-    </dgm:pt>
     <dgm:pt modelId="{FB0D67E1-4705-4C5A-A8BE-E373C4C7F8DC}" type="pres">
-      <dgm:prSet presAssocID="{D81EE60C-1689-4013-8B94-71E45948E61C}" presName="Name37" presStyleLbl="parChTrans1D3" presStyleIdx="5" presStyleCnt="9"/>
+      <dgm:prSet presAssocID="{D81EE60C-1689-4013-8B94-71E45948E61C}" presName="Name37" presStyleLbl="parChTrans1D3" presStyleIdx="1" presStyleCnt="2"/>
       <dgm:spPr/>
       <dgm:t>
         <a:bodyPr/>
@@ -3568,7 +3030,7 @@
       <dgm:spPr/>
     </dgm:pt>
     <dgm:pt modelId="{AB7ECE86-F423-469A-804C-9E0A6711CE75}" type="pres">
-      <dgm:prSet presAssocID="{9CF9D14A-D997-48A5-ACA0-BD0A85F323A1}" presName="rootText" presStyleLbl="node3" presStyleIdx="5" presStyleCnt="9" custScaleX="82877" custScaleY="56225">
+      <dgm:prSet presAssocID="{9CF9D14A-D997-48A5-ACA0-BD0A85F323A1}" presName="rootText" presStyleLbl="node3" presStyleIdx="1" presStyleCnt="2" custScaleX="82877" custScaleY="56225">
         <dgm:presLayoutVars>
           <dgm:chPref val="3"/>
         </dgm:presLayoutVars>
@@ -3583,7 +3045,7 @@
       </dgm:t>
     </dgm:pt>
     <dgm:pt modelId="{37F9F289-47AC-4257-A31F-E2E8F2183DC3}" type="pres">
-      <dgm:prSet presAssocID="{9CF9D14A-D997-48A5-ACA0-BD0A85F323A1}" presName="rootConnector" presStyleLbl="node3" presStyleIdx="5" presStyleCnt="9"/>
+      <dgm:prSet presAssocID="{9CF9D14A-D997-48A5-ACA0-BD0A85F323A1}" presName="rootConnector" presStyleLbl="node3" presStyleIdx="1" presStyleCnt="2"/>
       <dgm:spPr/>
       <dgm:t>
         <a:bodyPr/>
@@ -3601,183 +3063,12 @@
       <dgm:prSet presAssocID="{9CF9D14A-D997-48A5-ACA0-BD0A85F323A1}" presName="hierChild5" presStyleCnt="0"/>
       <dgm:spPr/>
     </dgm:pt>
-    <dgm:pt modelId="{6BB70260-FBF6-4FD9-8B99-A7ECE1F53A39}" type="pres">
-      <dgm:prSet presAssocID="{C206CBEC-A310-48C5-A1E3-51069AAB7E06}" presName="Name37" presStyleLbl="parChTrans1D3" presStyleIdx="6" presStyleCnt="9"/>
-      <dgm:spPr/>
-      <dgm:t>
-        <a:bodyPr/>
-        <a:lstStyle/>
-        <a:p>
-          <a:endParaRPr lang="pt-PT"/>
-        </a:p>
-      </dgm:t>
-    </dgm:pt>
-    <dgm:pt modelId="{CB8079F8-3BBB-455B-A366-62293B5B4128}" type="pres">
-      <dgm:prSet presAssocID="{FEF5EF31-1DF3-4F02-8BF5-0FAA9FBF05DF}" presName="hierRoot2" presStyleCnt="0">
-        <dgm:presLayoutVars>
-          <dgm:hierBranch val="init"/>
-        </dgm:presLayoutVars>
-      </dgm:prSet>
-      <dgm:spPr/>
-    </dgm:pt>
-    <dgm:pt modelId="{20A941C0-6B5C-4306-BB47-C60AB75805F0}" type="pres">
-      <dgm:prSet presAssocID="{FEF5EF31-1DF3-4F02-8BF5-0FAA9FBF05DF}" presName="rootComposite" presStyleCnt="0"/>
-      <dgm:spPr/>
-    </dgm:pt>
-    <dgm:pt modelId="{51735A62-65C8-4B72-BC21-EC0033831CB7}" type="pres">
-      <dgm:prSet presAssocID="{FEF5EF31-1DF3-4F02-8BF5-0FAA9FBF05DF}" presName="rootText" presStyleLbl="node3" presStyleIdx="6" presStyleCnt="9" custScaleX="82877" custScaleY="56225">
-        <dgm:presLayoutVars>
-          <dgm:chPref val="3"/>
-        </dgm:presLayoutVars>
-      </dgm:prSet>
-      <dgm:spPr/>
-      <dgm:t>
-        <a:bodyPr/>
-        <a:lstStyle/>
-        <a:p>
-          <a:endParaRPr lang="pt-PT"/>
-        </a:p>
-      </dgm:t>
-    </dgm:pt>
-    <dgm:pt modelId="{29C82EC9-E8DF-43E5-AE26-7FE69F2FE8E3}" type="pres">
-      <dgm:prSet presAssocID="{FEF5EF31-1DF3-4F02-8BF5-0FAA9FBF05DF}" presName="rootConnector" presStyleLbl="node3" presStyleIdx="6" presStyleCnt="9"/>
-      <dgm:spPr/>
-      <dgm:t>
-        <a:bodyPr/>
-        <a:lstStyle/>
-        <a:p>
-          <a:endParaRPr lang="pt-PT"/>
-        </a:p>
-      </dgm:t>
-    </dgm:pt>
-    <dgm:pt modelId="{0226FF58-35DD-44DA-8330-812BB9861BAB}" type="pres">
-      <dgm:prSet presAssocID="{FEF5EF31-1DF3-4F02-8BF5-0FAA9FBF05DF}" presName="hierChild4" presStyleCnt="0"/>
-      <dgm:spPr/>
-    </dgm:pt>
-    <dgm:pt modelId="{A95144A9-7340-441E-82FD-F72E1E4F2FC1}" type="pres">
-      <dgm:prSet presAssocID="{FEF5EF31-1DF3-4F02-8BF5-0FAA9FBF05DF}" presName="hierChild5" presStyleCnt="0"/>
-      <dgm:spPr/>
-    </dgm:pt>
-    <dgm:pt modelId="{1BF37D4C-6B8D-491C-BFA6-EF055187F912}" type="pres">
-      <dgm:prSet presAssocID="{AE6AB92A-B651-446C-B90D-191341024DCA}" presName="Name37" presStyleLbl="parChTrans1D3" presStyleIdx="7" presStyleCnt="9"/>
-      <dgm:spPr/>
-      <dgm:t>
-        <a:bodyPr/>
-        <a:lstStyle/>
-        <a:p>
-          <a:endParaRPr lang="pt-PT"/>
-        </a:p>
-      </dgm:t>
-    </dgm:pt>
-    <dgm:pt modelId="{86602689-6C9B-46AE-9978-4661220F57E8}" type="pres">
-      <dgm:prSet presAssocID="{2FF04469-EC18-4DEF-9211-026033421D7F}" presName="hierRoot2" presStyleCnt="0">
-        <dgm:presLayoutVars>
-          <dgm:hierBranch val="init"/>
-        </dgm:presLayoutVars>
-      </dgm:prSet>
-      <dgm:spPr/>
-    </dgm:pt>
-    <dgm:pt modelId="{8113BA05-6646-49AD-88B0-3E36D247C6C9}" type="pres">
-      <dgm:prSet presAssocID="{2FF04469-EC18-4DEF-9211-026033421D7F}" presName="rootComposite" presStyleCnt="0"/>
-      <dgm:spPr/>
-    </dgm:pt>
-    <dgm:pt modelId="{BCC10AE4-DC99-4EA0-B027-3C11C8AFFA0B}" type="pres">
-      <dgm:prSet presAssocID="{2FF04469-EC18-4DEF-9211-026033421D7F}" presName="rootText" presStyleLbl="node3" presStyleIdx="7" presStyleCnt="9" custScaleX="82877" custScaleY="56225">
-        <dgm:presLayoutVars>
-          <dgm:chPref val="3"/>
-        </dgm:presLayoutVars>
-      </dgm:prSet>
-      <dgm:spPr/>
-      <dgm:t>
-        <a:bodyPr/>
-        <a:lstStyle/>
-        <a:p>
-          <a:endParaRPr lang="pt-PT"/>
-        </a:p>
-      </dgm:t>
-    </dgm:pt>
-    <dgm:pt modelId="{98EBC135-7D61-4607-8673-88321824B19A}" type="pres">
-      <dgm:prSet presAssocID="{2FF04469-EC18-4DEF-9211-026033421D7F}" presName="rootConnector" presStyleLbl="node3" presStyleIdx="7" presStyleCnt="9"/>
-      <dgm:spPr/>
-      <dgm:t>
-        <a:bodyPr/>
-        <a:lstStyle/>
-        <a:p>
-          <a:endParaRPr lang="pt-PT"/>
-        </a:p>
-      </dgm:t>
-    </dgm:pt>
-    <dgm:pt modelId="{39D676ED-D687-45A8-BAE2-452B3A691EB1}" type="pres">
-      <dgm:prSet presAssocID="{2FF04469-EC18-4DEF-9211-026033421D7F}" presName="hierChild4" presStyleCnt="0"/>
-      <dgm:spPr/>
-    </dgm:pt>
-    <dgm:pt modelId="{C7E5117E-BF0C-4A61-8073-5E57B6BE8C3F}" type="pres">
-      <dgm:prSet presAssocID="{2FF04469-EC18-4DEF-9211-026033421D7F}" presName="hierChild5" presStyleCnt="0"/>
-      <dgm:spPr/>
-    </dgm:pt>
-    <dgm:pt modelId="{00416E62-FBAF-4AA7-AE51-74C6003471F9}" type="pres">
-      <dgm:prSet presAssocID="{ADCBE1B0-B6AB-4350-9FC6-856DD57E9562}" presName="Name37" presStyleLbl="parChTrans1D3" presStyleIdx="8" presStyleCnt="9"/>
-      <dgm:spPr/>
-      <dgm:t>
-        <a:bodyPr/>
-        <a:lstStyle/>
-        <a:p>
-          <a:endParaRPr lang="pt-PT"/>
-        </a:p>
-      </dgm:t>
-    </dgm:pt>
-    <dgm:pt modelId="{63B03767-680D-4D62-96A6-23F74154861A}" type="pres">
-      <dgm:prSet presAssocID="{210B0EF3-C281-4060-A271-E34BD8547342}" presName="hierRoot2" presStyleCnt="0">
-        <dgm:presLayoutVars>
-          <dgm:hierBranch val="init"/>
-        </dgm:presLayoutVars>
-      </dgm:prSet>
-      <dgm:spPr/>
-    </dgm:pt>
-    <dgm:pt modelId="{49735B28-1F9C-4BE5-847A-BC143641476E}" type="pres">
-      <dgm:prSet presAssocID="{210B0EF3-C281-4060-A271-E34BD8547342}" presName="rootComposite" presStyleCnt="0"/>
-      <dgm:spPr/>
-    </dgm:pt>
-    <dgm:pt modelId="{F75D6229-E722-4C5A-8752-308DFF186597}" type="pres">
-      <dgm:prSet presAssocID="{210B0EF3-C281-4060-A271-E34BD8547342}" presName="rootText" presStyleLbl="node3" presStyleIdx="8" presStyleCnt="9" custScaleX="82877" custScaleY="56225">
-        <dgm:presLayoutVars>
-          <dgm:chPref val="3"/>
-        </dgm:presLayoutVars>
-      </dgm:prSet>
-      <dgm:spPr/>
-      <dgm:t>
-        <a:bodyPr/>
-        <a:lstStyle/>
-        <a:p>
-          <a:endParaRPr lang="pt-PT"/>
-        </a:p>
-      </dgm:t>
-    </dgm:pt>
-    <dgm:pt modelId="{D84F31A6-8A16-490F-B798-6B1CCC52D4CD}" type="pres">
-      <dgm:prSet presAssocID="{210B0EF3-C281-4060-A271-E34BD8547342}" presName="rootConnector" presStyleLbl="node3" presStyleIdx="8" presStyleCnt="9"/>
-      <dgm:spPr/>
-      <dgm:t>
-        <a:bodyPr/>
-        <a:lstStyle/>
-        <a:p>
-          <a:endParaRPr lang="pt-PT"/>
-        </a:p>
-      </dgm:t>
-    </dgm:pt>
-    <dgm:pt modelId="{B7DCC22D-685E-4B67-91EC-8CA4B10F28F1}" type="pres">
-      <dgm:prSet presAssocID="{210B0EF3-C281-4060-A271-E34BD8547342}" presName="hierChild4" presStyleCnt="0"/>
-      <dgm:spPr/>
-    </dgm:pt>
-    <dgm:pt modelId="{6AF3560C-5408-4952-8A6A-679FB0CCDFD1}" type="pres">
-      <dgm:prSet presAssocID="{210B0EF3-C281-4060-A271-E34BD8547342}" presName="hierChild5" presStyleCnt="0"/>
-      <dgm:spPr/>
-    </dgm:pt>
     <dgm:pt modelId="{9CDF5DD1-7548-4624-9C39-EA2F57F03E6C}" type="pres">
       <dgm:prSet presAssocID="{3E7D5DE8-38A7-4D01-B3B1-C41B904AFB24}" presName="hierChild5" presStyleCnt="0"/>
       <dgm:spPr/>
     </dgm:pt>
     <dgm:pt modelId="{1FD30025-BE06-4C8D-8024-6353A3A86C64}" type="pres">
-      <dgm:prSet presAssocID="{06A4DF89-C148-4CB0-BC1C-719E15C3A380}" presName="Name37" presStyleLbl="parChTrans1D2" presStyleIdx="3" presStyleCnt="5"/>
+      <dgm:prSet presAssocID="{06A4DF89-C148-4CB0-BC1C-719E15C3A380}" presName="Name37" presStyleLbl="parChTrans1D2" presStyleIdx="2" presStyleCnt="4"/>
       <dgm:spPr/>
       <dgm:t>
         <a:bodyPr/>
@@ -3800,7 +3091,7 @@
       <dgm:spPr/>
     </dgm:pt>
     <dgm:pt modelId="{B512DCC2-F8AD-4A88-8224-BF794CC14E60}" type="pres">
-      <dgm:prSet presAssocID="{CFC8A77C-E037-4F39-89BC-7C46B2FFF6C3}" presName="rootText" presStyleLbl="node2" presStyleIdx="3" presStyleCnt="5">
+      <dgm:prSet presAssocID="{CFC8A77C-E037-4F39-89BC-7C46B2FFF6C3}" presName="rootText" presStyleLbl="node2" presStyleIdx="2" presStyleCnt="4">
         <dgm:presLayoutVars>
           <dgm:chPref val="3"/>
         </dgm:presLayoutVars>
@@ -3815,7 +3106,7 @@
       </dgm:t>
     </dgm:pt>
     <dgm:pt modelId="{C385DBD7-122C-4C76-95AA-F0EDDD576213}" type="pres">
-      <dgm:prSet presAssocID="{CFC8A77C-E037-4F39-89BC-7C46B2FFF6C3}" presName="rootConnector" presStyleLbl="node2" presStyleIdx="3" presStyleCnt="5"/>
+      <dgm:prSet presAssocID="{CFC8A77C-E037-4F39-89BC-7C46B2FFF6C3}" presName="rootConnector" presStyleLbl="node2" presStyleIdx="2" presStyleCnt="4"/>
       <dgm:spPr/>
       <dgm:t>
         <a:bodyPr/>
@@ -3834,7 +3125,7 @@
       <dgm:spPr/>
     </dgm:pt>
     <dgm:pt modelId="{87BE5EB3-DB60-4F74-8CAB-579081070155}" type="pres">
-      <dgm:prSet presAssocID="{77057196-36D4-4297-8DBE-9DF4DC99769E}" presName="Name37" presStyleLbl="parChTrans1D2" presStyleIdx="4" presStyleCnt="5"/>
+      <dgm:prSet presAssocID="{77057196-36D4-4297-8DBE-9DF4DC99769E}" presName="Name37" presStyleLbl="parChTrans1D2" presStyleIdx="3" presStyleCnt="4"/>
       <dgm:spPr/>
       <dgm:t>
         <a:bodyPr/>
@@ -3857,7 +3148,7 @@
       <dgm:spPr/>
     </dgm:pt>
     <dgm:pt modelId="{8659CC59-2E2C-408C-A138-42297FB1F7FC}" type="pres">
-      <dgm:prSet presAssocID="{6BCCACC8-297A-434B-B4C0-CBF55E8A799D}" presName="rootText" presStyleLbl="node2" presStyleIdx="4" presStyleCnt="5">
+      <dgm:prSet presAssocID="{6BCCACC8-297A-434B-B4C0-CBF55E8A799D}" presName="rootText" presStyleLbl="node2" presStyleIdx="3" presStyleCnt="4">
         <dgm:presLayoutVars>
           <dgm:chPref val="3"/>
         </dgm:presLayoutVars>
@@ -3872,7 +3163,7 @@
       </dgm:t>
     </dgm:pt>
     <dgm:pt modelId="{695C9D34-95FC-428F-873D-B6282BE96811}" type="pres">
-      <dgm:prSet presAssocID="{6BCCACC8-297A-434B-B4C0-CBF55E8A799D}" presName="rootConnector" presStyleLbl="node2" presStyleIdx="4" presStyleCnt="5"/>
+      <dgm:prSet presAssocID="{6BCCACC8-297A-434B-B4C0-CBF55E8A799D}" presName="rootConnector" presStyleLbl="node2" presStyleIdx="3" presStyleCnt="4"/>
       <dgm:spPr/>
       <dgm:t>
         <a:bodyPr/>
@@ -3896,66 +3187,34 @@
     </dgm:pt>
   </dgm:ptLst>
   <dgm:cxnLst>
+    <dgm:cxn modelId="{1D58114B-9E7B-4EE9-9BBB-CA2BC1050428}" srcId="{EFF00522-C837-4800-9089-09C6786FA139}" destId="{D0D5EBBE-C984-451E-A77C-06635B96115A}" srcOrd="0" destOrd="0" parTransId="{2401EE30-6FB4-47FC-B5CB-44E93082BA16}" sibTransId="{4794836D-9F6B-4080-8E70-60D729F37A15}"/>
+    <dgm:cxn modelId="{76937E49-9A6C-4684-AE0E-E0846D99D250}" type="presOf" srcId="{3E7D5DE8-38A7-4D01-B3B1-C41B904AFB24}" destId="{D0C42A0A-227F-498C-9217-1F2A4E39F4AC}" srcOrd="0" destOrd="0" presId="urn:microsoft.com/office/officeart/2005/8/layout/orgChart1"/>
+    <dgm:cxn modelId="{40EC0804-C307-4224-887C-7B85E0BC7A88}" type="presOf" srcId="{9CF9D14A-D997-48A5-ACA0-BD0A85F323A1}" destId="{AB7ECE86-F423-469A-804C-9E0A6711CE75}" srcOrd="0" destOrd="0" presId="urn:microsoft.com/office/officeart/2005/8/layout/orgChart1"/>
+    <dgm:cxn modelId="{261826DD-4928-4968-9EE8-8603A4DA75BB}" type="presOf" srcId="{CFC8A77C-E037-4F39-89BC-7C46B2FFF6C3}" destId="{C385DBD7-122C-4C76-95AA-F0EDDD576213}" srcOrd="1" destOrd="0" presId="urn:microsoft.com/office/officeart/2005/8/layout/orgChart1"/>
+    <dgm:cxn modelId="{51974BE8-A9E3-4045-8AC0-2BF146D01122}" srcId="{3E7D5DE8-38A7-4D01-B3B1-C41B904AFB24}" destId="{C4E9236B-D5FB-402F-9C08-8917C5806671}" srcOrd="0" destOrd="0" parTransId="{5A94BF89-F459-4076-B825-3EF69867B9E6}" sibTransId="{62DD2125-1C44-478F-B22F-2BED96167201}"/>
+    <dgm:cxn modelId="{64B522C9-1881-4836-B21D-A269398ED4E7}" type="presOf" srcId="{06A4DF89-C148-4CB0-BC1C-719E15C3A380}" destId="{1FD30025-BE06-4C8D-8024-6353A3A86C64}" srcOrd="0" destOrd="0" presId="urn:microsoft.com/office/officeart/2005/8/layout/orgChart1"/>
+    <dgm:cxn modelId="{3E0EE4A3-7C9D-4385-92CF-5CA9996AB16B}" type="presOf" srcId="{EFF00522-C837-4800-9089-09C6786FA139}" destId="{15AFF27B-B166-47F4-BEA3-A556EF84A1FE}" srcOrd="1" destOrd="0" presId="urn:microsoft.com/office/officeart/2005/8/layout/orgChart1"/>
+    <dgm:cxn modelId="{C36633A6-7AC8-43DF-9EBE-C46C838D14D6}" type="presOf" srcId="{3E7D5DE8-38A7-4D01-B3B1-C41B904AFB24}" destId="{D47F8C64-7351-47DD-ABB9-3A4D5CE04EBC}" srcOrd="1" destOrd="0" presId="urn:microsoft.com/office/officeart/2005/8/layout/orgChart1"/>
+    <dgm:cxn modelId="{8C5C1055-60EE-417A-890C-9263B9B0293C}" type="presOf" srcId="{6BCCACC8-297A-434B-B4C0-CBF55E8A799D}" destId="{8659CC59-2E2C-408C-A138-42297FB1F7FC}" srcOrd="0" destOrd="0" presId="urn:microsoft.com/office/officeart/2005/8/layout/orgChart1"/>
+    <dgm:cxn modelId="{B4EA9C2D-7D0F-4B0E-80FC-F0DE89A8BEF8}" type="presOf" srcId="{D81EE60C-1689-4013-8B94-71E45948E61C}" destId="{FB0D67E1-4705-4C5A-A8BE-E373C4C7F8DC}" srcOrd="0" destOrd="0" presId="urn:microsoft.com/office/officeart/2005/8/layout/orgChart1"/>
+    <dgm:cxn modelId="{70CBB2C2-0071-4329-9A38-8AD1E841005D}" srcId="{EFF00522-C837-4800-9089-09C6786FA139}" destId="{CFC8A77C-E037-4F39-89BC-7C46B2FFF6C3}" srcOrd="2" destOrd="0" parTransId="{06A4DF89-C148-4CB0-BC1C-719E15C3A380}" sibTransId="{B9E8B3FB-6336-44A0-BB31-6CF9D499134C}"/>
+    <dgm:cxn modelId="{59A13B2B-94E3-4E30-B1C8-D4C19B456A98}" type="presOf" srcId="{6BCCACC8-297A-434B-B4C0-CBF55E8A799D}" destId="{695C9D34-95FC-428F-873D-B6282BE96811}" srcOrd="1" destOrd="0" presId="urn:microsoft.com/office/officeart/2005/8/layout/orgChart1"/>
+    <dgm:cxn modelId="{7D433B21-19E9-4289-9578-6A1C2468181D}" type="presOf" srcId="{5A94BF89-F459-4076-B825-3EF69867B9E6}" destId="{A148AF3D-8225-4C90-9973-D39067016BF1}" srcOrd="0" destOrd="0" presId="urn:microsoft.com/office/officeart/2005/8/layout/orgChart1"/>
+    <dgm:cxn modelId="{8484E588-3BA2-4A2C-A856-2E9A20948E67}" type="presOf" srcId="{D0D5EBBE-C984-451E-A77C-06635B96115A}" destId="{BB899C3E-7977-48D2-838C-0A0A4E22407E}" srcOrd="0" destOrd="0" presId="urn:microsoft.com/office/officeart/2005/8/layout/orgChart1"/>
+    <dgm:cxn modelId="{D824B5F1-95EA-4412-A9BE-634ADCAA4D96}" type="presOf" srcId="{C4E9236B-D5FB-402F-9C08-8917C5806671}" destId="{426BD5C4-6298-4765-92B5-5BE6F449DD28}" srcOrd="0" destOrd="0" presId="urn:microsoft.com/office/officeart/2005/8/layout/orgChart1"/>
+    <dgm:cxn modelId="{C4FB8056-6B24-43C9-A2FD-57AF1D92654B}" srcId="{3E7D5DE8-38A7-4D01-B3B1-C41B904AFB24}" destId="{9CF9D14A-D997-48A5-ACA0-BD0A85F323A1}" srcOrd="1" destOrd="0" parTransId="{D81EE60C-1689-4013-8B94-71E45948E61C}" sibTransId="{B3012D63-2D5D-41AB-A6CD-C3EA8612062C}"/>
+    <dgm:cxn modelId="{B6F32367-D4A4-4501-A5C5-198502F93225}" type="presOf" srcId="{CFC8A77C-E037-4F39-89BC-7C46B2FFF6C3}" destId="{B512DCC2-F8AD-4A88-8224-BF794CC14E60}" srcOrd="0" destOrd="0" presId="urn:microsoft.com/office/officeart/2005/8/layout/orgChart1"/>
+    <dgm:cxn modelId="{1A5C9B95-6306-4971-AEB4-0FB6C60D1920}" type="presOf" srcId="{2401EE30-6FB4-47FC-B5CB-44E93082BA16}" destId="{C79737FA-DA68-4B50-9686-82FBED4993F4}" srcOrd="0" destOrd="0" presId="urn:microsoft.com/office/officeart/2005/8/layout/orgChart1"/>
+    <dgm:cxn modelId="{2BA0192D-E091-446B-9562-8E04E2C7A7A9}" srcId="{EFF00522-C837-4800-9089-09C6786FA139}" destId="{6BCCACC8-297A-434B-B4C0-CBF55E8A799D}" srcOrd="3" destOrd="0" parTransId="{77057196-36D4-4297-8DBE-9DF4DC99769E}" sibTransId="{E17B637D-8F1E-4395-8504-5FF5013E668B}"/>
+    <dgm:cxn modelId="{8C1C42B2-A065-4216-83CB-1050788129D9}" srcId="{EFF00522-C837-4800-9089-09C6786FA139}" destId="{3E7D5DE8-38A7-4D01-B3B1-C41B904AFB24}" srcOrd="1" destOrd="0" parTransId="{1F891C72-4331-4225-9131-EE90A5156BCC}" sibTransId="{2D617AC4-6E9C-47A6-BFAC-93EC82C86111}"/>
+    <dgm:cxn modelId="{F95DC0C1-9339-4066-9285-8FF13264398D}" type="presOf" srcId="{D0D5EBBE-C984-451E-A77C-06635B96115A}" destId="{1E59B1F0-1959-43EF-B4BA-5DE950985F11}" srcOrd="1" destOrd="0" presId="urn:microsoft.com/office/officeart/2005/8/layout/orgChart1"/>
     <dgm:cxn modelId="{297E5AFB-69FF-482E-883D-EAFA86EB866E}" type="presOf" srcId="{C4E9236B-D5FB-402F-9C08-8917C5806671}" destId="{1A4D12E3-2EEF-4745-BCD2-3B9AFD0CBE3F}" srcOrd="1" destOrd="0" presId="urn:microsoft.com/office/officeart/2005/8/layout/orgChart1"/>
-    <dgm:cxn modelId="{1D58114B-9E7B-4EE9-9BBB-CA2BC1050428}" srcId="{EFF00522-C837-4800-9089-09C6786FA139}" destId="{D0D5EBBE-C984-451E-A77C-06635B96115A}" srcOrd="0" destOrd="0" parTransId="{2401EE30-6FB4-47FC-B5CB-44E93082BA16}" sibTransId="{4794836D-9F6B-4080-8E70-60D729F37A15}"/>
+    <dgm:cxn modelId="{67885BAF-5B75-407B-91B2-6F979038E946}" srcId="{F37AA981-A9B4-415F-ADC1-A456EE833205}" destId="{EFF00522-C837-4800-9089-09C6786FA139}" srcOrd="0" destOrd="0" parTransId="{DD3937CD-E1A8-4E5B-BD09-EABAA399CC23}" sibTransId="{719267CB-9490-458C-9394-D74AD204BE1B}"/>
+    <dgm:cxn modelId="{19225BF9-14BF-4A05-BAF0-2E64D97CAC44}" type="presOf" srcId="{77057196-36D4-4297-8DBE-9DF4DC99769E}" destId="{87BE5EB3-DB60-4F74-8CAB-579081070155}" srcOrd="0" destOrd="0" presId="urn:microsoft.com/office/officeart/2005/8/layout/orgChart1"/>
+    <dgm:cxn modelId="{6751E3DB-7D1C-4DFF-A50D-2E4D2AA1C036}" type="presOf" srcId="{F37AA981-A9B4-415F-ADC1-A456EE833205}" destId="{E4B09FCC-EACC-4121-8E6E-BD64FF803B59}" srcOrd="0" destOrd="0" presId="urn:microsoft.com/office/officeart/2005/8/layout/orgChart1"/>
+    <dgm:cxn modelId="{E75D4180-7278-49C5-A120-3150DE2407B2}" type="presOf" srcId="{1F891C72-4331-4225-9131-EE90A5156BCC}" destId="{075DE7FD-AB6D-45A1-88B5-F6DE55537A5C}" srcOrd="0" destOrd="0" presId="urn:microsoft.com/office/officeart/2005/8/layout/orgChart1"/>
+    <dgm:cxn modelId="{97B2F3CE-CC70-404B-8D86-D5992F7D55A1}" type="presOf" srcId="{9CF9D14A-D997-48A5-ACA0-BD0A85F323A1}" destId="{37F9F289-47AC-4257-A31F-E2E8F2183DC3}" srcOrd="1" destOrd="0" presId="urn:microsoft.com/office/officeart/2005/8/layout/orgChart1"/>
     <dgm:cxn modelId="{8965F592-C2EF-4A5E-AE72-E3D483E3AC4B}" type="presOf" srcId="{EFF00522-C837-4800-9089-09C6786FA139}" destId="{0A79929F-4539-4070-8896-388E4F787335}" srcOrd="0" destOrd="0" presId="urn:microsoft.com/office/officeart/2005/8/layout/orgChart1"/>
-    <dgm:cxn modelId="{CA2C0590-BA54-464A-B25E-B7C1CF9B23DF}" type="presOf" srcId="{01DE5603-A9BA-48DC-A812-A9D236837822}" destId="{A11B1B3B-548B-4BF3-BD14-6C594BE6A489}" srcOrd="0" destOrd="0" presId="urn:microsoft.com/office/officeart/2005/8/layout/orgChart1"/>
-    <dgm:cxn modelId="{B6F32367-D4A4-4501-A5C5-198502F93225}" type="presOf" srcId="{CFC8A77C-E037-4F39-89BC-7C46B2FFF6C3}" destId="{B512DCC2-F8AD-4A88-8224-BF794CC14E60}" srcOrd="0" destOrd="0" presId="urn:microsoft.com/office/officeart/2005/8/layout/orgChart1"/>
-    <dgm:cxn modelId="{70061ABB-10DC-4AEE-A81B-46ECAC3F63B6}" type="presOf" srcId="{25553316-AE0F-433F-BD8A-E0F17F5D747E}" destId="{CFE66D09-E0AC-4059-9D41-E1709E524C84}" srcOrd="1" destOrd="0" presId="urn:microsoft.com/office/officeart/2005/8/layout/orgChart1"/>
-    <dgm:cxn modelId="{11BE8415-29DF-4CA8-8077-B4094F461AD1}" type="presOf" srcId="{2A732842-69BB-4863-B446-B741C889B5B1}" destId="{DABE2A97-8AFC-46F1-9229-CDFF582F36CD}" srcOrd="0" destOrd="0" presId="urn:microsoft.com/office/officeart/2005/8/layout/orgChart1"/>
-    <dgm:cxn modelId="{64B522C9-1881-4836-B21D-A269398ED4E7}" type="presOf" srcId="{06A4DF89-C148-4CB0-BC1C-719E15C3A380}" destId="{1FD30025-BE06-4C8D-8024-6353A3A86C64}" srcOrd="0" destOrd="0" presId="urn:microsoft.com/office/officeart/2005/8/layout/orgChart1"/>
-    <dgm:cxn modelId="{67885BAF-5B75-407B-91B2-6F979038E946}" srcId="{F37AA981-A9B4-415F-ADC1-A456EE833205}" destId="{EFF00522-C837-4800-9089-09C6786FA139}" srcOrd="0" destOrd="0" parTransId="{DD3937CD-E1A8-4E5B-BD09-EABAA399CC23}" sibTransId="{719267CB-9490-458C-9394-D74AD204BE1B}"/>
-    <dgm:cxn modelId="{8C71F597-48DA-42F5-848B-45FBCBBE231C}" srcId="{EFF00522-C837-4800-9089-09C6786FA139}" destId="{DEB3A288-72B2-4CE3-BA0E-2385DCEA1166}" srcOrd="1" destOrd="0" parTransId="{AE15057E-D275-4CBA-BBDA-7AFB5273F6D0}" sibTransId="{A96C3356-79EF-46AD-95D3-4F7717D0E212}"/>
-    <dgm:cxn modelId="{F198A21A-96EA-4C82-8C87-6F04C547BD34}" type="presOf" srcId="{C206CBEC-A310-48C5-A1E3-51069AAB7E06}" destId="{6BB70260-FBF6-4FD9-8B99-A7ECE1F53A39}" srcOrd="0" destOrd="0" presId="urn:microsoft.com/office/officeart/2005/8/layout/orgChart1"/>
-    <dgm:cxn modelId="{7D433B21-19E9-4289-9578-6A1C2468181D}" type="presOf" srcId="{5A94BF89-F459-4076-B825-3EF69867B9E6}" destId="{A148AF3D-8225-4C90-9973-D39067016BF1}" srcOrd="0" destOrd="0" presId="urn:microsoft.com/office/officeart/2005/8/layout/orgChart1"/>
-    <dgm:cxn modelId="{C36633A6-7AC8-43DF-9EBE-C46C838D14D6}" type="presOf" srcId="{3E7D5DE8-38A7-4D01-B3B1-C41B904AFB24}" destId="{D47F8C64-7351-47DD-ABB9-3A4D5CE04EBC}" srcOrd="1" destOrd="0" presId="urn:microsoft.com/office/officeart/2005/8/layout/orgChart1"/>
-    <dgm:cxn modelId="{5BE6D81B-EDEC-41FC-9BAD-FD0335C8F068}" type="presOf" srcId="{2FF04469-EC18-4DEF-9211-026033421D7F}" destId="{98EBC135-7D61-4607-8673-88321824B19A}" srcOrd="1" destOrd="0" presId="urn:microsoft.com/office/officeart/2005/8/layout/orgChart1"/>
-    <dgm:cxn modelId="{97B2F3CE-CC70-404B-8D86-D5992F7D55A1}" type="presOf" srcId="{9CF9D14A-D997-48A5-ACA0-BD0A85F323A1}" destId="{37F9F289-47AC-4257-A31F-E2E8F2183DC3}" srcOrd="1" destOrd="0" presId="urn:microsoft.com/office/officeart/2005/8/layout/orgChart1"/>
-    <dgm:cxn modelId="{7DECDEAA-0DFB-4024-BC99-75211E705204}" srcId="{D0D5EBBE-C984-451E-A77C-06635B96115A}" destId="{25553316-AE0F-433F-BD8A-E0F17F5D747E}" srcOrd="1" destOrd="0" parTransId="{9D1FF7F3-6BB1-485B-ABFB-CBC54EB7FB2F}" sibTransId="{178316FB-DCE2-4974-BB3C-AD7713B01F9F}"/>
-    <dgm:cxn modelId="{C7117D46-60C1-4AC4-AC2C-CCA51D022C98}" srcId="{3E7D5DE8-38A7-4D01-B3B1-C41B904AFB24}" destId="{210B0EF3-C281-4060-A271-E34BD8547342}" srcOrd="5" destOrd="0" parTransId="{ADCBE1B0-B6AB-4350-9FC6-856DD57E9562}" sibTransId="{074E8F6B-D96B-4628-92A9-FFC917EF6C01}"/>
-    <dgm:cxn modelId="{06FBE830-116F-4E6A-84F0-74346010D695}" type="presOf" srcId="{C5D14313-4718-4BA4-8034-5E4E2ACBCC70}" destId="{CFB84857-AF84-4F8B-907E-44B005282350}" srcOrd="1" destOrd="0" presId="urn:microsoft.com/office/officeart/2005/8/layout/orgChart1"/>
-    <dgm:cxn modelId="{AB73DCE0-4F8F-4E33-A446-8B950BE7F085}" type="presOf" srcId="{2FF04469-EC18-4DEF-9211-026033421D7F}" destId="{BCC10AE4-DC99-4EA0-B027-3C11C8AFFA0B}" srcOrd="0" destOrd="0" presId="urn:microsoft.com/office/officeart/2005/8/layout/orgChart1"/>
-    <dgm:cxn modelId="{8484E588-3BA2-4A2C-A856-2E9A20948E67}" type="presOf" srcId="{D0D5EBBE-C984-451E-A77C-06635B96115A}" destId="{BB899C3E-7977-48D2-838C-0A0A4E22407E}" srcOrd="0" destOrd="0" presId="urn:microsoft.com/office/officeart/2005/8/layout/orgChart1"/>
-    <dgm:cxn modelId="{57D7B1C0-8B1F-4CB3-B7C5-922C7D39F797}" type="presOf" srcId="{FFC74FC4-00ED-4EE0-BC51-6639C0CAB4C0}" destId="{29898FD7-6D50-464C-B5FD-8C53A87EEE52}" srcOrd="1" destOrd="0" presId="urn:microsoft.com/office/officeart/2005/8/layout/orgChart1"/>
-    <dgm:cxn modelId="{F7703852-4B24-419F-8990-8F4642258C5C}" type="presOf" srcId="{DEB3A288-72B2-4CE3-BA0E-2385DCEA1166}" destId="{3DCFB508-F20D-419B-97A2-A0EA8AAE62B8}" srcOrd="0" destOrd="0" presId="urn:microsoft.com/office/officeart/2005/8/layout/orgChart1"/>
-    <dgm:cxn modelId="{3E0EE4A3-7C9D-4385-92CF-5CA9996AB16B}" type="presOf" srcId="{EFF00522-C837-4800-9089-09C6786FA139}" destId="{15AFF27B-B166-47F4-BEA3-A556EF84A1FE}" srcOrd="1" destOrd="0" presId="urn:microsoft.com/office/officeart/2005/8/layout/orgChart1"/>
-    <dgm:cxn modelId="{7076539E-84DB-49E1-9601-83A88D214CF8}" srcId="{3E7D5DE8-38A7-4D01-B3B1-C41B904AFB24}" destId="{2FF04469-EC18-4DEF-9211-026033421D7F}" srcOrd="4" destOrd="0" parTransId="{AE6AB92A-B651-446C-B90D-191341024DCA}" sibTransId="{0637CF52-D892-464E-A103-0804641290C4}"/>
-    <dgm:cxn modelId="{CC89F41C-EC73-4164-B979-1E34F8EC7992}" type="presOf" srcId="{DEB3A288-72B2-4CE3-BA0E-2385DCEA1166}" destId="{D1586E0D-5339-4871-B373-DE07F6A4B31A}" srcOrd="1" destOrd="0" presId="urn:microsoft.com/office/officeart/2005/8/layout/orgChart1"/>
-    <dgm:cxn modelId="{8C5C1055-60EE-417A-890C-9263B9B0293C}" type="presOf" srcId="{6BCCACC8-297A-434B-B4C0-CBF55E8A799D}" destId="{8659CC59-2E2C-408C-A138-42297FB1F7FC}" srcOrd="0" destOrd="0" presId="urn:microsoft.com/office/officeart/2005/8/layout/orgChart1"/>
-    <dgm:cxn modelId="{F4B59A6E-7C30-4166-A4BE-C4CD1FDE9241}" type="presOf" srcId="{FEF5EF31-1DF3-4F02-8BF5-0FAA9FBF05DF}" destId="{29C82EC9-E8DF-43E5-AE26-7FE69F2FE8E3}" srcOrd="1" destOrd="0" presId="urn:microsoft.com/office/officeart/2005/8/layout/orgChart1"/>
-    <dgm:cxn modelId="{2B7E8BD5-A4C9-447A-8E7F-F81E3739DF41}" type="presOf" srcId="{ADCBE1B0-B6AB-4350-9FC6-856DD57E9562}" destId="{00416E62-FBAF-4AA7-AE51-74C6003471F9}" srcOrd="0" destOrd="0" presId="urn:microsoft.com/office/officeart/2005/8/layout/orgChart1"/>
-    <dgm:cxn modelId="{F95DC0C1-9339-4066-9285-8FF13264398D}" type="presOf" srcId="{D0D5EBBE-C984-451E-A77C-06635B96115A}" destId="{1E59B1F0-1959-43EF-B4BA-5DE950985F11}" srcOrd="1" destOrd="0" presId="urn:microsoft.com/office/officeart/2005/8/layout/orgChart1"/>
-    <dgm:cxn modelId="{19225BF9-14BF-4A05-BAF0-2E64D97CAC44}" type="presOf" srcId="{77057196-36D4-4297-8DBE-9DF4DC99769E}" destId="{87BE5EB3-DB60-4F74-8CAB-579081070155}" srcOrd="0" destOrd="0" presId="urn:microsoft.com/office/officeart/2005/8/layout/orgChart1"/>
-    <dgm:cxn modelId="{40EC0804-C307-4224-887C-7B85E0BC7A88}" type="presOf" srcId="{9CF9D14A-D997-48A5-ACA0-BD0A85F323A1}" destId="{AB7ECE86-F423-469A-804C-9E0A6711CE75}" srcOrd="0" destOrd="0" presId="urn:microsoft.com/office/officeart/2005/8/layout/orgChart1"/>
-    <dgm:cxn modelId="{B4EA9C2D-7D0F-4B0E-80FC-F0DE89A8BEF8}" type="presOf" srcId="{D81EE60C-1689-4013-8B94-71E45948E61C}" destId="{FB0D67E1-4705-4C5A-A8BE-E373C4C7F8DC}" srcOrd="0" destOrd="0" presId="urn:microsoft.com/office/officeart/2005/8/layout/orgChart1"/>
-    <dgm:cxn modelId="{C1915FD1-D65F-4FA9-AE30-83FC60FB964B}" type="presOf" srcId="{C5D14313-4718-4BA4-8034-5E4E2ACBCC70}" destId="{425B22CD-323F-4E0B-BEA0-EC7E00D9ABF2}" srcOrd="0" destOrd="0" presId="urn:microsoft.com/office/officeart/2005/8/layout/orgChart1"/>
-    <dgm:cxn modelId="{56EBC832-43D7-4C7F-AC45-6EAAD364E744}" type="presOf" srcId="{04B442D8-6F45-4C79-8A4C-6886FDE02F97}" destId="{DE72DF6E-144C-454B-9565-EC52D8FB4D37}" srcOrd="0" destOrd="0" presId="urn:microsoft.com/office/officeart/2005/8/layout/orgChart1"/>
-    <dgm:cxn modelId="{4874DAB9-E15D-43E4-ABDC-D9A3CCB4EBFE}" srcId="{D0D5EBBE-C984-451E-A77C-06635B96115A}" destId="{FFC74FC4-00ED-4EE0-BC51-6639C0CAB4C0}" srcOrd="2" destOrd="0" parTransId="{2A732842-69BB-4863-B446-B741C889B5B1}" sibTransId="{DCE4D878-D34A-4E3F-84A7-0DCD129058B0}"/>
-    <dgm:cxn modelId="{E75D4180-7278-49C5-A120-3150DE2407B2}" type="presOf" srcId="{1F891C72-4331-4225-9131-EE90A5156BCC}" destId="{075DE7FD-AB6D-45A1-88B5-F6DE55537A5C}" srcOrd="0" destOrd="0" presId="urn:microsoft.com/office/officeart/2005/8/layout/orgChart1"/>
-    <dgm:cxn modelId="{D824B5F1-95EA-4412-A9BE-634ADCAA4D96}" type="presOf" srcId="{C4E9236B-D5FB-402F-9C08-8917C5806671}" destId="{426BD5C4-6298-4765-92B5-5BE6F449DD28}" srcOrd="0" destOrd="0" presId="urn:microsoft.com/office/officeart/2005/8/layout/orgChart1"/>
-    <dgm:cxn modelId="{261826DD-4928-4968-9EE8-8603A4DA75BB}" type="presOf" srcId="{CFC8A77C-E037-4F39-89BC-7C46B2FFF6C3}" destId="{C385DBD7-122C-4C76-95AA-F0EDDD576213}" srcOrd="1" destOrd="0" presId="urn:microsoft.com/office/officeart/2005/8/layout/orgChart1"/>
-    <dgm:cxn modelId="{70CBB2C2-0071-4329-9A38-8AD1E841005D}" srcId="{EFF00522-C837-4800-9089-09C6786FA139}" destId="{CFC8A77C-E037-4F39-89BC-7C46B2FFF6C3}" srcOrd="3" destOrd="0" parTransId="{06A4DF89-C148-4CB0-BC1C-719E15C3A380}" sibTransId="{B9E8B3FB-6336-44A0-BB31-6CF9D499134C}"/>
-    <dgm:cxn modelId="{8C1C42B2-A065-4216-83CB-1050788129D9}" srcId="{EFF00522-C837-4800-9089-09C6786FA139}" destId="{3E7D5DE8-38A7-4D01-B3B1-C41B904AFB24}" srcOrd="2" destOrd="0" parTransId="{1F891C72-4331-4225-9131-EE90A5156BCC}" sibTransId="{2D617AC4-6E9C-47A6-BFAC-93EC82C86111}"/>
-    <dgm:cxn modelId="{12AA3CBF-1033-48B0-A6F8-A20337FED22A}" srcId="{3E7D5DE8-38A7-4D01-B3B1-C41B904AFB24}" destId="{C5D14313-4718-4BA4-8034-5E4E2ACBCC70}" srcOrd="1" destOrd="0" parTransId="{04B442D8-6F45-4C79-8A4C-6886FDE02F97}" sibTransId="{EA84DB9B-3D31-4D9E-BF2F-E46226EA56AE}"/>
-    <dgm:cxn modelId="{820DA17D-D3D3-44FA-8B6F-1B825415906F}" srcId="{3E7D5DE8-38A7-4D01-B3B1-C41B904AFB24}" destId="{FEF5EF31-1DF3-4F02-8BF5-0FAA9FBF05DF}" srcOrd="3" destOrd="0" parTransId="{C206CBEC-A310-48C5-A1E3-51069AAB7E06}" sibTransId="{33829A28-8B69-4310-A9EC-72FF2B43FA31}"/>
-    <dgm:cxn modelId="{DDBD15D0-17BD-4B24-A9AF-029F00981379}" type="presOf" srcId="{AE6AB92A-B651-446C-B90D-191341024DCA}" destId="{1BF37D4C-6B8D-491C-BFA6-EF055187F912}" srcOrd="0" destOrd="0" presId="urn:microsoft.com/office/officeart/2005/8/layout/orgChart1"/>
-    <dgm:cxn modelId="{113C4786-6FE7-4FA6-9A95-2F93C6A1B0FD}" type="presOf" srcId="{9D1FF7F3-6BB1-485B-ABFB-CBC54EB7FB2F}" destId="{FDCF2E21-0BBF-4C89-8E46-93D1F2D60A4C}" srcOrd="0" destOrd="0" presId="urn:microsoft.com/office/officeart/2005/8/layout/orgChart1"/>
-    <dgm:cxn modelId="{99833AF0-7F5E-4C55-9662-A3F65E0B2A6F}" type="presOf" srcId="{01DE5603-A9BA-48DC-A812-A9D236837822}" destId="{CE70EDA1-CEC3-4F76-B0D5-08C75AA61789}" srcOrd="1" destOrd="0" presId="urn:microsoft.com/office/officeart/2005/8/layout/orgChart1"/>
-    <dgm:cxn modelId="{59A13B2B-94E3-4E30-B1C8-D4C19B456A98}" type="presOf" srcId="{6BCCACC8-297A-434B-B4C0-CBF55E8A799D}" destId="{695C9D34-95FC-428F-873D-B6282BE96811}" srcOrd="1" destOrd="0" presId="urn:microsoft.com/office/officeart/2005/8/layout/orgChart1"/>
-    <dgm:cxn modelId="{C104F494-93EC-4C35-9277-88485A6C79D9}" type="presOf" srcId="{AE15057E-D275-4CBA-BBDA-7AFB5273F6D0}" destId="{A3C064E1-EB83-4A90-BC9B-363A4369B1D9}" srcOrd="0" destOrd="0" presId="urn:microsoft.com/office/officeart/2005/8/layout/orgChart1"/>
-    <dgm:cxn modelId="{96F12E26-ED17-4B82-8F64-9E98D7FB9B0E}" type="presOf" srcId="{25553316-AE0F-433F-BD8A-E0F17F5D747E}" destId="{3DA29272-8B54-4109-B1CF-306966EBCEA6}" srcOrd="0" destOrd="0" presId="urn:microsoft.com/office/officeart/2005/8/layout/orgChart1"/>
-    <dgm:cxn modelId="{2BA0192D-E091-446B-9562-8E04E2C7A7A9}" srcId="{EFF00522-C837-4800-9089-09C6786FA139}" destId="{6BCCACC8-297A-434B-B4C0-CBF55E8A799D}" srcOrd="4" destOrd="0" parTransId="{77057196-36D4-4297-8DBE-9DF4DC99769E}" sibTransId="{E17B637D-8F1E-4395-8504-5FF5013E668B}"/>
-    <dgm:cxn modelId="{D7752290-CEB6-4881-9B10-131AE9D4274D}" type="presOf" srcId="{FFC74FC4-00ED-4EE0-BC51-6639C0CAB4C0}" destId="{B13177B0-B616-471A-B673-341F50F836B6}" srcOrd="0" destOrd="0" presId="urn:microsoft.com/office/officeart/2005/8/layout/orgChart1"/>
-    <dgm:cxn modelId="{76937E49-9A6C-4684-AE0E-E0846D99D250}" type="presOf" srcId="{3E7D5DE8-38A7-4D01-B3B1-C41B904AFB24}" destId="{D0C42A0A-227F-498C-9217-1F2A4E39F4AC}" srcOrd="0" destOrd="0" presId="urn:microsoft.com/office/officeart/2005/8/layout/orgChart1"/>
-    <dgm:cxn modelId="{6751E3DB-7D1C-4DFF-A50D-2E4D2AA1C036}" type="presOf" srcId="{F37AA981-A9B4-415F-ADC1-A456EE833205}" destId="{E4B09FCC-EACC-4121-8E6E-BD64FF803B59}" srcOrd="0" destOrd="0" presId="urn:microsoft.com/office/officeart/2005/8/layout/orgChart1"/>
-    <dgm:cxn modelId="{1A5C9B95-6306-4971-AEB4-0FB6C60D1920}" type="presOf" srcId="{2401EE30-6FB4-47FC-B5CB-44E93082BA16}" destId="{C79737FA-DA68-4B50-9686-82FBED4993F4}" srcOrd="0" destOrd="0" presId="urn:microsoft.com/office/officeart/2005/8/layout/orgChart1"/>
-    <dgm:cxn modelId="{C7D94C82-881B-4380-9D07-44A662C49F66}" type="presOf" srcId="{FEF5EF31-1DF3-4F02-8BF5-0FAA9FBF05DF}" destId="{51735A62-65C8-4B72-BC21-EC0033831CB7}" srcOrd="0" destOrd="0" presId="urn:microsoft.com/office/officeart/2005/8/layout/orgChart1"/>
-    <dgm:cxn modelId="{51974BE8-A9E3-4045-8AC0-2BF146D01122}" srcId="{3E7D5DE8-38A7-4D01-B3B1-C41B904AFB24}" destId="{C4E9236B-D5FB-402F-9C08-8917C5806671}" srcOrd="0" destOrd="0" parTransId="{5A94BF89-F459-4076-B825-3EF69867B9E6}" sibTransId="{62DD2125-1C44-478F-B22F-2BED96167201}"/>
-    <dgm:cxn modelId="{9DFF448E-6D0C-4B10-A4BB-C20607216AD2}" type="presOf" srcId="{210B0EF3-C281-4060-A271-E34BD8547342}" destId="{D84F31A6-8A16-490F-B798-6B1CCC52D4CD}" srcOrd="1" destOrd="0" presId="urn:microsoft.com/office/officeart/2005/8/layout/orgChart1"/>
-    <dgm:cxn modelId="{43284CFA-223A-4049-87BA-3120E63505C3}" srcId="{D0D5EBBE-C984-451E-A77C-06635B96115A}" destId="{01DE5603-A9BA-48DC-A812-A9D236837822}" srcOrd="0" destOrd="0" parTransId="{0B69B6BC-1E4A-4E1F-9BE1-0C53B92E33BC}" sibTransId="{69D0B4C8-A61E-4CEB-8F52-6CC20FED1FF6}"/>
-    <dgm:cxn modelId="{C4FB8056-6B24-43C9-A2FD-57AF1D92654B}" srcId="{3E7D5DE8-38A7-4D01-B3B1-C41B904AFB24}" destId="{9CF9D14A-D997-48A5-ACA0-BD0A85F323A1}" srcOrd="2" destOrd="0" parTransId="{D81EE60C-1689-4013-8B94-71E45948E61C}" sibTransId="{B3012D63-2D5D-41AB-A6CD-C3EA8612062C}"/>
-    <dgm:cxn modelId="{32B18C39-6753-4BA1-AF98-111738B3CB5D}" type="presOf" srcId="{210B0EF3-C281-4060-A271-E34BD8547342}" destId="{F75D6229-E722-4C5A-8752-308DFF186597}" srcOrd="0" destOrd="0" presId="urn:microsoft.com/office/officeart/2005/8/layout/orgChart1"/>
-    <dgm:cxn modelId="{1892F96F-00E2-4EF8-AAB0-04F194594252}" type="presOf" srcId="{0B69B6BC-1E4A-4E1F-9BE1-0C53B92E33BC}" destId="{CF63EB70-7A6D-4FA2-8E46-21CF359D0286}" srcOrd="0" destOrd="0" presId="urn:microsoft.com/office/officeart/2005/8/layout/orgChart1"/>
     <dgm:cxn modelId="{007B4A0A-0E4B-42BD-905B-BDF6999023BA}" type="presParOf" srcId="{E4B09FCC-EACC-4121-8E6E-BD64FF803B59}" destId="{C7C3974A-1DF5-4BF7-A22B-7D65EF9D0681}" srcOrd="0" destOrd="0" presId="urn:microsoft.com/office/officeart/2005/8/layout/orgChart1"/>
     <dgm:cxn modelId="{0B8B6F9D-EC93-49D1-AB15-6F71BC6FE182}" type="presParOf" srcId="{C7C3974A-1DF5-4BF7-A22B-7D65EF9D0681}" destId="{D00FF694-389D-4CD3-B5E2-0572615B4DE4}" srcOrd="0" destOrd="0" presId="urn:microsoft.com/office/officeart/2005/8/layout/orgChart1"/>
     <dgm:cxn modelId="{5FC40C6D-C971-40B3-8425-E45FAA9959E4}" type="presParOf" srcId="{D00FF694-389D-4CD3-B5E2-0572615B4DE4}" destId="{0A79929F-4539-4070-8896-388E4F787335}" srcOrd="0" destOrd="0" presId="urn:microsoft.com/office/officeart/2005/8/layout/orgChart1"/>
@@ -3967,37 +3226,9 @@
     <dgm:cxn modelId="{7D6360DF-D72C-4D78-A574-2C25F3CE62FA}" type="presParOf" srcId="{734E25C4-053E-4335-B498-733C9B31BD37}" destId="{BB899C3E-7977-48D2-838C-0A0A4E22407E}" srcOrd="0" destOrd="0" presId="urn:microsoft.com/office/officeart/2005/8/layout/orgChart1"/>
     <dgm:cxn modelId="{E2037559-A7C1-4533-A17B-CE18F2A02195}" type="presParOf" srcId="{734E25C4-053E-4335-B498-733C9B31BD37}" destId="{1E59B1F0-1959-43EF-B4BA-5DE950985F11}" srcOrd="1" destOrd="0" presId="urn:microsoft.com/office/officeart/2005/8/layout/orgChart1"/>
     <dgm:cxn modelId="{A67FD4E7-AF0F-4E6D-A577-11481AFA90BE}" type="presParOf" srcId="{3CDACF71-9436-40D9-B554-1B1DAEBD747E}" destId="{1361BC6C-9B0B-4206-827D-3BF0B5B79B98}" srcOrd="1" destOrd="0" presId="urn:microsoft.com/office/officeart/2005/8/layout/orgChart1"/>
-    <dgm:cxn modelId="{7DA8D7D5-410B-47F4-AD9E-630EBDD298BE}" type="presParOf" srcId="{1361BC6C-9B0B-4206-827D-3BF0B5B79B98}" destId="{CF63EB70-7A6D-4FA2-8E46-21CF359D0286}" srcOrd="0" destOrd="0" presId="urn:microsoft.com/office/officeart/2005/8/layout/orgChart1"/>
-    <dgm:cxn modelId="{1473F8EF-28C8-43FC-BA0D-0E3D17C265A8}" type="presParOf" srcId="{1361BC6C-9B0B-4206-827D-3BF0B5B79B98}" destId="{EEE897D5-0D96-4624-AD67-2EBF28C86E46}" srcOrd="1" destOrd="0" presId="urn:microsoft.com/office/officeart/2005/8/layout/orgChart1"/>
-    <dgm:cxn modelId="{E2789BA0-2470-4BF6-A6A5-FEDCA30D2DC8}" type="presParOf" srcId="{EEE897D5-0D96-4624-AD67-2EBF28C86E46}" destId="{61949F78-54AF-445F-A9C1-09BCC8AB6818}" srcOrd="0" destOrd="0" presId="urn:microsoft.com/office/officeart/2005/8/layout/orgChart1"/>
-    <dgm:cxn modelId="{187FD3D0-6698-4E35-8BC4-54265E336D72}" type="presParOf" srcId="{61949F78-54AF-445F-A9C1-09BCC8AB6818}" destId="{A11B1B3B-548B-4BF3-BD14-6C594BE6A489}" srcOrd="0" destOrd="0" presId="urn:microsoft.com/office/officeart/2005/8/layout/orgChart1"/>
-    <dgm:cxn modelId="{C3C6D37F-EC59-497F-80D3-156F772FC3F4}" type="presParOf" srcId="{61949F78-54AF-445F-A9C1-09BCC8AB6818}" destId="{CE70EDA1-CEC3-4F76-B0D5-08C75AA61789}" srcOrd="1" destOrd="0" presId="urn:microsoft.com/office/officeart/2005/8/layout/orgChart1"/>
-    <dgm:cxn modelId="{0801E4A6-97CE-4DFD-9B1E-B17614402222}" type="presParOf" srcId="{EEE897D5-0D96-4624-AD67-2EBF28C86E46}" destId="{6D8D787A-8B24-44D0-B2C8-8BFD2439CC10}" srcOrd="1" destOrd="0" presId="urn:microsoft.com/office/officeart/2005/8/layout/orgChart1"/>
-    <dgm:cxn modelId="{B22E9A7E-73E5-406A-B37D-B15E68F468E3}" type="presParOf" srcId="{EEE897D5-0D96-4624-AD67-2EBF28C86E46}" destId="{18923BB7-BB28-4E99-BA26-5534ED5EA94F}" srcOrd="2" destOrd="0" presId="urn:microsoft.com/office/officeart/2005/8/layout/orgChart1"/>
-    <dgm:cxn modelId="{46F19FF9-04E3-43BF-8DBE-72F0645A9080}" type="presParOf" srcId="{1361BC6C-9B0B-4206-827D-3BF0B5B79B98}" destId="{FDCF2E21-0BBF-4C89-8E46-93D1F2D60A4C}" srcOrd="2" destOrd="0" presId="urn:microsoft.com/office/officeart/2005/8/layout/orgChart1"/>
-    <dgm:cxn modelId="{B4CE5155-320A-4852-8075-F0BA83C9A0CC}" type="presParOf" srcId="{1361BC6C-9B0B-4206-827D-3BF0B5B79B98}" destId="{579C8BBC-679D-4883-BCD3-A803A1F4A041}" srcOrd="3" destOrd="0" presId="urn:microsoft.com/office/officeart/2005/8/layout/orgChart1"/>
-    <dgm:cxn modelId="{6030E1ED-F292-440E-BC78-5AE077AB997A}" type="presParOf" srcId="{579C8BBC-679D-4883-BCD3-A803A1F4A041}" destId="{6837DE00-8205-422F-BDDD-F17E99CB1BE8}" srcOrd="0" destOrd="0" presId="urn:microsoft.com/office/officeart/2005/8/layout/orgChart1"/>
-    <dgm:cxn modelId="{33CA6FAE-C7C5-4757-80B8-C2373CA84037}" type="presParOf" srcId="{6837DE00-8205-422F-BDDD-F17E99CB1BE8}" destId="{3DA29272-8B54-4109-B1CF-306966EBCEA6}" srcOrd="0" destOrd="0" presId="urn:microsoft.com/office/officeart/2005/8/layout/orgChart1"/>
-    <dgm:cxn modelId="{CE1C6F03-B66A-4946-BBC5-4F5D8E076BAE}" type="presParOf" srcId="{6837DE00-8205-422F-BDDD-F17E99CB1BE8}" destId="{CFE66D09-E0AC-4059-9D41-E1709E524C84}" srcOrd="1" destOrd="0" presId="urn:microsoft.com/office/officeart/2005/8/layout/orgChart1"/>
-    <dgm:cxn modelId="{1A889CBC-2551-4B12-AFFE-7FD3F7D0643C}" type="presParOf" srcId="{579C8BBC-679D-4883-BCD3-A803A1F4A041}" destId="{C27F06AF-A642-4C0F-A633-4CDF443BC104}" srcOrd="1" destOrd="0" presId="urn:microsoft.com/office/officeart/2005/8/layout/orgChart1"/>
-    <dgm:cxn modelId="{0934FC8F-C702-406B-94F1-779F82D0FEEB}" type="presParOf" srcId="{579C8BBC-679D-4883-BCD3-A803A1F4A041}" destId="{945F342B-9689-4322-9AE7-BFD6B915DAEE}" srcOrd="2" destOrd="0" presId="urn:microsoft.com/office/officeart/2005/8/layout/orgChart1"/>
-    <dgm:cxn modelId="{E8C0FD96-86DC-47B7-9C5D-1569EB56AABD}" type="presParOf" srcId="{1361BC6C-9B0B-4206-827D-3BF0B5B79B98}" destId="{DABE2A97-8AFC-46F1-9229-CDFF582F36CD}" srcOrd="4" destOrd="0" presId="urn:microsoft.com/office/officeart/2005/8/layout/orgChart1"/>
-    <dgm:cxn modelId="{5696F6D7-2D0B-4A66-A2E5-808A8F6B5CAE}" type="presParOf" srcId="{1361BC6C-9B0B-4206-827D-3BF0B5B79B98}" destId="{F79A91D2-31E3-4214-A5B3-FDB94EEF9285}" srcOrd="5" destOrd="0" presId="urn:microsoft.com/office/officeart/2005/8/layout/orgChart1"/>
-    <dgm:cxn modelId="{0CCC7D46-96B6-42B8-AFFD-F62B074BAA42}" type="presParOf" srcId="{F79A91D2-31E3-4214-A5B3-FDB94EEF9285}" destId="{7D9010F7-3374-45E6-BB14-A40A8C0DA9AF}" srcOrd="0" destOrd="0" presId="urn:microsoft.com/office/officeart/2005/8/layout/orgChart1"/>
-    <dgm:cxn modelId="{A2C1BC13-158D-4EA4-B48C-19189D8A981C}" type="presParOf" srcId="{7D9010F7-3374-45E6-BB14-A40A8C0DA9AF}" destId="{B13177B0-B616-471A-B673-341F50F836B6}" srcOrd="0" destOrd="0" presId="urn:microsoft.com/office/officeart/2005/8/layout/orgChart1"/>
-    <dgm:cxn modelId="{3AE48574-8010-492A-B783-58A72365BBA5}" type="presParOf" srcId="{7D9010F7-3374-45E6-BB14-A40A8C0DA9AF}" destId="{29898FD7-6D50-464C-B5FD-8C53A87EEE52}" srcOrd="1" destOrd="0" presId="urn:microsoft.com/office/officeart/2005/8/layout/orgChart1"/>
-    <dgm:cxn modelId="{50DB29E6-C213-4D66-94DD-00D5327B8D0D}" type="presParOf" srcId="{F79A91D2-31E3-4214-A5B3-FDB94EEF9285}" destId="{D77A1B47-932A-44EA-B7CE-1DAA48EA4A4B}" srcOrd="1" destOrd="0" presId="urn:microsoft.com/office/officeart/2005/8/layout/orgChart1"/>
-    <dgm:cxn modelId="{3783E0E1-FA96-44C6-9A35-0B005C61AE80}" type="presParOf" srcId="{F79A91D2-31E3-4214-A5B3-FDB94EEF9285}" destId="{7DF5EC82-B2B7-4CDE-A286-05BBF6851BA8}" srcOrd="2" destOrd="0" presId="urn:microsoft.com/office/officeart/2005/8/layout/orgChart1"/>
     <dgm:cxn modelId="{B18CDD17-1833-42ED-B035-047FC65517AA}" type="presParOf" srcId="{3CDACF71-9436-40D9-B554-1B1DAEBD747E}" destId="{AFF660C7-7594-4A5C-9B19-EA55042202B5}" srcOrd="2" destOrd="0" presId="urn:microsoft.com/office/officeart/2005/8/layout/orgChart1"/>
-    <dgm:cxn modelId="{BE848EAE-4A9C-408C-8AB0-D574FD68C4BE}" type="presParOf" srcId="{9A71EA88-E86A-4774-A0C2-7A36B7A46C30}" destId="{A3C064E1-EB83-4A90-BC9B-363A4369B1D9}" srcOrd="2" destOrd="0" presId="urn:microsoft.com/office/officeart/2005/8/layout/orgChart1"/>
-    <dgm:cxn modelId="{A4546BE2-FF1F-46D3-8652-F2971A86158C}" type="presParOf" srcId="{9A71EA88-E86A-4774-A0C2-7A36B7A46C30}" destId="{5F49EB11-AF2A-43A7-A5F6-C818A93333A4}" srcOrd="3" destOrd="0" presId="urn:microsoft.com/office/officeart/2005/8/layout/orgChart1"/>
-    <dgm:cxn modelId="{F873CDBB-6ACC-4A40-A1FD-927B9DF8C568}" type="presParOf" srcId="{5F49EB11-AF2A-43A7-A5F6-C818A93333A4}" destId="{3EA9B75B-9B66-4B39-BB46-6C7E1F816C1E}" srcOrd="0" destOrd="0" presId="urn:microsoft.com/office/officeart/2005/8/layout/orgChart1"/>
-    <dgm:cxn modelId="{0DBC96F1-79EF-45FE-83D5-222FCA092D7C}" type="presParOf" srcId="{3EA9B75B-9B66-4B39-BB46-6C7E1F816C1E}" destId="{3DCFB508-F20D-419B-97A2-A0EA8AAE62B8}" srcOrd="0" destOrd="0" presId="urn:microsoft.com/office/officeart/2005/8/layout/orgChart1"/>
-    <dgm:cxn modelId="{8F57B326-3461-43EE-9CEE-9B55C81C0F53}" type="presParOf" srcId="{3EA9B75B-9B66-4B39-BB46-6C7E1F816C1E}" destId="{D1586E0D-5339-4871-B373-DE07F6A4B31A}" srcOrd="1" destOrd="0" presId="urn:microsoft.com/office/officeart/2005/8/layout/orgChart1"/>
-    <dgm:cxn modelId="{F3DA9343-3544-457E-B014-345B3F7CF4A1}" type="presParOf" srcId="{5F49EB11-AF2A-43A7-A5F6-C818A93333A4}" destId="{1E188EC2-DBC6-4C65-BECE-BD2803FEF22A}" srcOrd="1" destOrd="0" presId="urn:microsoft.com/office/officeart/2005/8/layout/orgChart1"/>
-    <dgm:cxn modelId="{2FB1B8A9-8D66-4935-B8FB-BC60CE3418B9}" type="presParOf" srcId="{5F49EB11-AF2A-43A7-A5F6-C818A93333A4}" destId="{7BDB545F-D926-4F24-ADC0-2F94B2F38341}" srcOrd="2" destOrd="0" presId="urn:microsoft.com/office/officeart/2005/8/layout/orgChart1"/>
-    <dgm:cxn modelId="{E9542779-A9B2-46D1-8ED0-17CA5632F470}" type="presParOf" srcId="{9A71EA88-E86A-4774-A0C2-7A36B7A46C30}" destId="{075DE7FD-AB6D-45A1-88B5-F6DE55537A5C}" srcOrd="4" destOrd="0" presId="urn:microsoft.com/office/officeart/2005/8/layout/orgChart1"/>
-    <dgm:cxn modelId="{68D0117E-FC89-4D8A-ACBC-CFF94407E3E4}" type="presParOf" srcId="{9A71EA88-E86A-4774-A0C2-7A36B7A46C30}" destId="{9D85BD58-234E-4F80-9935-D3C313D0B352}" srcOrd="5" destOrd="0" presId="urn:microsoft.com/office/officeart/2005/8/layout/orgChart1"/>
+    <dgm:cxn modelId="{E9542779-A9B2-46D1-8ED0-17CA5632F470}" type="presParOf" srcId="{9A71EA88-E86A-4774-A0C2-7A36B7A46C30}" destId="{075DE7FD-AB6D-45A1-88B5-F6DE55537A5C}" srcOrd="2" destOrd="0" presId="urn:microsoft.com/office/officeart/2005/8/layout/orgChart1"/>
+    <dgm:cxn modelId="{68D0117E-FC89-4D8A-ACBC-CFF94407E3E4}" type="presParOf" srcId="{9A71EA88-E86A-4774-A0C2-7A36B7A46C30}" destId="{9D85BD58-234E-4F80-9935-D3C313D0B352}" srcOrd="3" destOrd="0" presId="urn:microsoft.com/office/officeart/2005/8/layout/orgChart1"/>
     <dgm:cxn modelId="{220612F1-D09B-43D1-B2D0-66411B9D06EF}" type="presParOf" srcId="{9D85BD58-234E-4F80-9935-D3C313D0B352}" destId="{65E4694B-41D9-4797-84FF-7E0A04BEBBE2}" srcOrd="0" destOrd="0" presId="urn:microsoft.com/office/officeart/2005/8/layout/orgChart1"/>
     <dgm:cxn modelId="{4A938AC4-C704-4CC3-8078-0D23D571604C}" type="presParOf" srcId="{65E4694B-41D9-4797-84FF-7E0A04BEBBE2}" destId="{D0C42A0A-227F-498C-9217-1F2A4E39F4AC}" srcOrd="0" destOrd="0" presId="urn:microsoft.com/office/officeart/2005/8/layout/orgChart1"/>
     <dgm:cxn modelId="{3D79F545-5B45-4F45-9F59-F37CBA90CE0F}" type="presParOf" srcId="{65E4694B-41D9-4797-84FF-7E0A04BEBBE2}" destId="{D47F8C64-7351-47DD-ABB9-3A4D5CE04EBC}" srcOrd="1" destOrd="0" presId="urn:microsoft.com/office/officeart/2005/8/layout/orgChart1"/>
@@ -4009,51 +3240,23 @@
     <dgm:cxn modelId="{81845B69-E370-494D-AE21-678E45597254}" type="presParOf" srcId="{40E4F4C8-F940-4406-A70A-5688CE993E72}" destId="{1A4D12E3-2EEF-4745-BCD2-3B9AFD0CBE3F}" srcOrd="1" destOrd="0" presId="urn:microsoft.com/office/officeart/2005/8/layout/orgChart1"/>
     <dgm:cxn modelId="{CCFA9A58-65E7-495F-88C2-6AF343C2C131}" type="presParOf" srcId="{0ACF801A-7B48-49C3-8A6E-CA4C0C45AF98}" destId="{691979FA-4AA7-499E-96E3-2630F7706F7C}" srcOrd="1" destOrd="0" presId="urn:microsoft.com/office/officeart/2005/8/layout/orgChart1"/>
     <dgm:cxn modelId="{19B8EB99-B827-4680-9785-E9F3F1BE5F2C}" type="presParOf" srcId="{0ACF801A-7B48-49C3-8A6E-CA4C0C45AF98}" destId="{B2195A48-A994-49B7-AD2C-C016D6FF4D55}" srcOrd="2" destOrd="0" presId="urn:microsoft.com/office/officeart/2005/8/layout/orgChart1"/>
-    <dgm:cxn modelId="{7F34E3D0-68B9-4248-B796-535241347B03}" type="presParOf" srcId="{0EB07231-3CA0-42A8-AE42-EFF984FC9A65}" destId="{DE72DF6E-144C-454B-9565-EC52D8FB4D37}" srcOrd="2" destOrd="0" presId="urn:microsoft.com/office/officeart/2005/8/layout/orgChart1"/>
-    <dgm:cxn modelId="{99D47FA5-45CF-4CA4-AF30-8C0B16E2E021}" type="presParOf" srcId="{0EB07231-3CA0-42A8-AE42-EFF984FC9A65}" destId="{BB759B9C-E166-4318-8783-39AF6A31B605}" srcOrd="3" destOrd="0" presId="urn:microsoft.com/office/officeart/2005/8/layout/orgChart1"/>
-    <dgm:cxn modelId="{5A44DABF-99EE-471C-BEF9-52F54954E1FA}" type="presParOf" srcId="{BB759B9C-E166-4318-8783-39AF6A31B605}" destId="{BCEFBE32-E840-4B19-88F0-92A0A913E41C}" srcOrd="0" destOrd="0" presId="urn:microsoft.com/office/officeart/2005/8/layout/orgChart1"/>
-    <dgm:cxn modelId="{975D4B96-8DF3-4A74-997D-E3141EFA4D16}" type="presParOf" srcId="{BCEFBE32-E840-4B19-88F0-92A0A913E41C}" destId="{425B22CD-323F-4E0B-BEA0-EC7E00D9ABF2}" srcOrd="0" destOrd="0" presId="urn:microsoft.com/office/officeart/2005/8/layout/orgChart1"/>
-    <dgm:cxn modelId="{96491188-1F94-4F49-A479-51CB3E786451}" type="presParOf" srcId="{BCEFBE32-E840-4B19-88F0-92A0A913E41C}" destId="{CFB84857-AF84-4F8B-907E-44B005282350}" srcOrd="1" destOrd="0" presId="urn:microsoft.com/office/officeart/2005/8/layout/orgChart1"/>
-    <dgm:cxn modelId="{046FE67D-F2C3-4924-896D-3ED69DDBB60C}" type="presParOf" srcId="{BB759B9C-E166-4318-8783-39AF6A31B605}" destId="{555F9CE5-6B4F-41EE-A503-E2A482DE4442}" srcOrd="1" destOrd="0" presId="urn:microsoft.com/office/officeart/2005/8/layout/orgChart1"/>
-    <dgm:cxn modelId="{70361C28-9568-4AC4-AFF0-18B142703824}" type="presParOf" srcId="{BB759B9C-E166-4318-8783-39AF6A31B605}" destId="{C3278657-5DCC-4AAB-B407-739B9E618D69}" srcOrd="2" destOrd="0" presId="urn:microsoft.com/office/officeart/2005/8/layout/orgChart1"/>
-    <dgm:cxn modelId="{67C37478-8759-4F21-AF5C-40A67668013A}" type="presParOf" srcId="{0EB07231-3CA0-42A8-AE42-EFF984FC9A65}" destId="{FB0D67E1-4705-4C5A-A8BE-E373C4C7F8DC}" srcOrd="4" destOrd="0" presId="urn:microsoft.com/office/officeart/2005/8/layout/orgChart1"/>
-    <dgm:cxn modelId="{DBD9CFCB-0D18-449D-92A8-BF0C4DCC0C9E}" type="presParOf" srcId="{0EB07231-3CA0-42A8-AE42-EFF984FC9A65}" destId="{12F69B15-CF2E-40D3-8957-9480010322BC}" srcOrd="5" destOrd="0" presId="urn:microsoft.com/office/officeart/2005/8/layout/orgChart1"/>
+    <dgm:cxn modelId="{67C37478-8759-4F21-AF5C-40A67668013A}" type="presParOf" srcId="{0EB07231-3CA0-42A8-AE42-EFF984FC9A65}" destId="{FB0D67E1-4705-4C5A-A8BE-E373C4C7F8DC}" srcOrd="2" destOrd="0" presId="urn:microsoft.com/office/officeart/2005/8/layout/orgChart1"/>
+    <dgm:cxn modelId="{DBD9CFCB-0D18-449D-92A8-BF0C4DCC0C9E}" type="presParOf" srcId="{0EB07231-3CA0-42A8-AE42-EFF984FC9A65}" destId="{12F69B15-CF2E-40D3-8957-9480010322BC}" srcOrd="3" destOrd="0" presId="urn:microsoft.com/office/officeart/2005/8/layout/orgChart1"/>
     <dgm:cxn modelId="{294D4424-BB62-4D9F-A578-5078BAA19A5E}" type="presParOf" srcId="{12F69B15-CF2E-40D3-8957-9480010322BC}" destId="{00B0645B-7068-4CF2-86BC-E71D677EED41}" srcOrd="0" destOrd="0" presId="urn:microsoft.com/office/officeart/2005/8/layout/orgChart1"/>
     <dgm:cxn modelId="{5E9E998A-E9C3-4C5B-8341-645178786E0E}" type="presParOf" srcId="{00B0645B-7068-4CF2-86BC-E71D677EED41}" destId="{AB7ECE86-F423-469A-804C-9E0A6711CE75}" srcOrd="0" destOrd="0" presId="urn:microsoft.com/office/officeart/2005/8/layout/orgChart1"/>
     <dgm:cxn modelId="{B02B5661-5009-4ADC-912F-E34AE98F553B}" type="presParOf" srcId="{00B0645B-7068-4CF2-86BC-E71D677EED41}" destId="{37F9F289-47AC-4257-A31F-E2E8F2183DC3}" srcOrd="1" destOrd="0" presId="urn:microsoft.com/office/officeart/2005/8/layout/orgChart1"/>
     <dgm:cxn modelId="{6C65141F-DA4A-48DC-8EAE-7D781FB372AA}" type="presParOf" srcId="{12F69B15-CF2E-40D3-8957-9480010322BC}" destId="{0756DBE1-0E1B-4509-A40C-2596EFA974BD}" srcOrd="1" destOrd="0" presId="urn:microsoft.com/office/officeart/2005/8/layout/orgChart1"/>
     <dgm:cxn modelId="{28565186-9ACD-4A0F-BB2D-C03394042A16}" type="presParOf" srcId="{12F69B15-CF2E-40D3-8957-9480010322BC}" destId="{2CC3C5A6-212A-406C-A47B-1E4C5C93C0F1}" srcOrd="2" destOrd="0" presId="urn:microsoft.com/office/officeart/2005/8/layout/orgChart1"/>
-    <dgm:cxn modelId="{976BD8F1-C27F-40AF-AF18-D0F5400311B1}" type="presParOf" srcId="{0EB07231-3CA0-42A8-AE42-EFF984FC9A65}" destId="{6BB70260-FBF6-4FD9-8B99-A7ECE1F53A39}" srcOrd="6" destOrd="0" presId="urn:microsoft.com/office/officeart/2005/8/layout/orgChart1"/>
-    <dgm:cxn modelId="{32BADEEA-9B5D-4E35-A1EC-892A82D86AD6}" type="presParOf" srcId="{0EB07231-3CA0-42A8-AE42-EFF984FC9A65}" destId="{CB8079F8-3BBB-455B-A366-62293B5B4128}" srcOrd="7" destOrd="0" presId="urn:microsoft.com/office/officeart/2005/8/layout/orgChart1"/>
-    <dgm:cxn modelId="{015113E2-32A4-45CC-BA46-CA84AA4C33CC}" type="presParOf" srcId="{CB8079F8-3BBB-455B-A366-62293B5B4128}" destId="{20A941C0-6B5C-4306-BB47-C60AB75805F0}" srcOrd="0" destOrd="0" presId="urn:microsoft.com/office/officeart/2005/8/layout/orgChart1"/>
-    <dgm:cxn modelId="{FB9C4DDF-2025-4A32-999C-61E1211F9CE2}" type="presParOf" srcId="{20A941C0-6B5C-4306-BB47-C60AB75805F0}" destId="{51735A62-65C8-4B72-BC21-EC0033831CB7}" srcOrd="0" destOrd="0" presId="urn:microsoft.com/office/officeart/2005/8/layout/orgChart1"/>
-    <dgm:cxn modelId="{43D5D859-106D-4CC2-AAC3-5DD11392AD11}" type="presParOf" srcId="{20A941C0-6B5C-4306-BB47-C60AB75805F0}" destId="{29C82EC9-E8DF-43E5-AE26-7FE69F2FE8E3}" srcOrd="1" destOrd="0" presId="urn:microsoft.com/office/officeart/2005/8/layout/orgChart1"/>
-    <dgm:cxn modelId="{E04B6CD8-872F-4FEF-A06C-CD8997B607CA}" type="presParOf" srcId="{CB8079F8-3BBB-455B-A366-62293B5B4128}" destId="{0226FF58-35DD-44DA-8330-812BB9861BAB}" srcOrd="1" destOrd="0" presId="urn:microsoft.com/office/officeart/2005/8/layout/orgChart1"/>
-    <dgm:cxn modelId="{A141FC49-77C8-483A-8CBA-EADC5D7C76BC}" type="presParOf" srcId="{CB8079F8-3BBB-455B-A366-62293B5B4128}" destId="{A95144A9-7340-441E-82FD-F72E1E4F2FC1}" srcOrd="2" destOrd="0" presId="urn:microsoft.com/office/officeart/2005/8/layout/orgChart1"/>
-    <dgm:cxn modelId="{5871DCC8-6F65-4746-B514-74BE9B07DF68}" type="presParOf" srcId="{0EB07231-3CA0-42A8-AE42-EFF984FC9A65}" destId="{1BF37D4C-6B8D-491C-BFA6-EF055187F912}" srcOrd="8" destOrd="0" presId="urn:microsoft.com/office/officeart/2005/8/layout/orgChart1"/>
-    <dgm:cxn modelId="{8DFF5AFA-1CDA-49E8-A79D-C13B62484EA7}" type="presParOf" srcId="{0EB07231-3CA0-42A8-AE42-EFF984FC9A65}" destId="{86602689-6C9B-46AE-9978-4661220F57E8}" srcOrd="9" destOrd="0" presId="urn:microsoft.com/office/officeart/2005/8/layout/orgChart1"/>
-    <dgm:cxn modelId="{EA45EF67-20B3-406B-8A7C-5C245A9C30E0}" type="presParOf" srcId="{86602689-6C9B-46AE-9978-4661220F57E8}" destId="{8113BA05-6646-49AD-88B0-3E36D247C6C9}" srcOrd="0" destOrd="0" presId="urn:microsoft.com/office/officeart/2005/8/layout/orgChart1"/>
-    <dgm:cxn modelId="{4AE5D132-571D-471E-B42D-B0F5BD5E5EB6}" type="presParOf" srcId="{8113BA05-6646-49AD-88B0-3E36D247C6C9}" destId="{BCC10AE4-DC99-4EA0-B027-3C11C8AFFA0B}" srcOrd="0" destOrd="0" presId="urn:microsoft.com/office/officeart/2005/8/layout/orgChart1"/>
-    <dgm:cxn modelId="{E94E57DE-8665-4344-B168-C3C5136E6DC6}" type="presParOf" srcId="{8113BA05-6646-49AD-88B0-3E36D247C6C9}" destId="{98EBC135-7D61-4607-8673-88321824B19A}" srcOrd="1" destOrd="0" presId="urn:microsoft.com/office/officeart/2005/8/layout/orgChart1"/>
-    <dgm:cxn modelId="{D54A7335-AF06-4414-A565-A1140BA0CE01}" type="presParOf" srcId="{86602689-6C9B-46AE-9978-4661220F57E8}" destId="{39D676ED-D687-45A8-BAE2-452B3A691EB1}" srcOrd="1" destOrd="0" presId="urn:microsoft.com/office/officeart/2005/8/layout/orgChart1"/>
-    <dgm:cxn modelId="{3CA1D451-2D49-46BB-B238-2B346F027A21}" type="presParOf" srcId="{86602689-6C9B-46AE-9978-4661220F57E8}" destId="{C7E5117E-BF0C-4A61-8073-5E57B6BE8C3F}" srcOrd="2" destOrd="0" presId="urn:microsoft.com/office/officeart/2005/8/layout/orgChart1"/>
-    <dgm:cxn modelId="{8B06D85A-5E61-46F3-8F93-4FBC2702202A}" type="presParOf" srcId="{0EB07231-3CA0-42A8-AE42-EFF984FC9A65}" destId="{00416E62-FBAF-4AA7-AE51-74C6003471F9}" srcOrd="10" destOrd="0" presId="urn:microsoft.com/office/officeart/2005/8/layout/orgChart1"/>
-    <dgm:cxn modelId="{1E389C20-B119-4C51-9CFE-F941978AE9F3}" type="presParOf" srcId="{0EB07231-3CA0-42A8-AE42-EFF984FC9A65}" destId="{63B03767-680D-4D62-96A6-23F74154861A}" srcOrd="11" destOrd="0" presId="urn:microsoft.com/office/officeart/2005/8/layout/orgChart1"/>
-    <dgm:cxn modelId="{E20250C1-132A-43A8-8A80-0D5E99D56A48}" type="presParOf" srcId="{63B03767-680D-4D62-96A6-23F74154861A}" destId="{49735B28-1F9C-4BE5-847A-BC143641476E}" srcOrd="0" destOrd="0" presId="urn:microsoft.com/office/officeart/2005/8/layout/orgChart1"/>
-    <dgm:cxn modelId="{4E2DD8E2-4155-4DCC-8082-83B47DB01873}" type="presParOf" srcId="{49735B28-1F9C-4BE5-847A-BC143641476E}" destId="{F75D6229-E722-4C5A-8752-308DFF186597}" srcOrd="0" destOrd="0" presId="urn:microsoft.com/office/officeart/2005/8/layout/orgChart1"/>
-    <dgm:cxn modelId="{7DBB7CC1-67CC-4DD3-B538-F9042D6B4F05}" type="presParOf" srcId="{49735B28-1F9C-4BE5-847A-BC143641476E}" destId="{D84F31A6-8A16-490F-B798-6B1CCC52D4CD}" srcOrd="1" destOrd="0" presId="urn:microsoft.com/office/officeart/2005/8/layout/orgChart1"/>
-    <dgm:cxn modelId="{5941FFDE-9264-429F-BA0A-24A024B8F32A}" type="presParOf" srcId="{63B03767-680D-4D62-96A6-23F74154861A}" destId="{B7DCC22D-685E-4B67-91EC-8CA4B10F28F1}" srcOrd="1" destOrd="0" presId="urn:microsoft.com/office/officeart/2005/8/layout/orgChart1"/>
-    <dgm:cxn modelId="{914DE576-63F3-4CE4-A82F-F3910FFE62E9}" type="presParOf" srcId="{63B03767-680D-4D62-96A6-23F74154861A}" destId="{6AF3560C-5408-4952-8A6A-679FB0CCDFD1}" srcOrd="2" destOrd="0" presId="urn:microsoft.com/office/officeart/2005/8/layout/orgChart1"/>
     <dgm:cxn modelId="{D9CF9052-BBB8-4B63-8744-A3463F810755}" type="presParOf" srcId="{9D85BD58-234E-4F80-9935-D3C313D0B352}" destId="{9CDF5DD1-7548-4624-9C39-EA2F57F03E6C}" srcOrd="2" destOrd="0" presId="urn:microsoft.com/office/officeart/2005/8/layout/orgChart1"/>
-    <dgm:cxn modelId="{9FAB7D21-D8CF-4CA0-B6D1-5B1537A60C6D}" type="presParOf" srcId="{9A71EA88-E86A-4774-A0C2-7A36B7A46C30}" destId="{1FD30025-BE06-4C8D-8024-6353A3A86C64}" srcOrd="6" destOrd="0" presId="urn:microsoft.com/office/officeart/2005/8/layout/orgChart1"/>
-    <dgm:cxn modelId="{79BAE1C7-BB3C-41CC-B5B7-500A983AB71F}" type="presParOf" srcId="{9A71EA88-E86A-4774-A0C2-7A36B7A46C30}" destId="{031ED071-E8F0-4ADE-BB27-DE25D6F99C8E}" srcOrd="7" destOrd="0" presId="urn:microsoft.com/office/officeart/2005/8/layout/orgChart1"/>
+    <dgm:cxn modelId="{9FAB7D21-D8CF-4CA0-B6D1-5B1537A60C6D}" type="presParOf" srcId="{9A71EA88-E86A-4774-A0C2-7A36B7A46C30}" destId="{1FD30025-BE06-4C8D-8024-6353A3A86C64}" srcOrd="4" destOrd="0" presId="urn:microsoft.com/office/officeart/2005/8/layout/orgChart1"/>
+    <dgm:cxn modelId="{79BAE1C7-BB3C-41CC-B5B7-500A983AB71F}" type="presParOf" srcId="{9A71EA88-E86A-4774-A0C2-7A36B7A46C30}" destId="{031ED071-E8F0-4ADE-BB27-DE25D6F99C8E}" srcOrd="5" destOrd="0" presId="urn:microsoft.com/office/officeart/2005/8/layout/orgChart1"/>
     <dgm:cxn modelId="{1285ADFC-18D7-4CEE-B5AD-76037EEFDA33}" type="presParOf" srcId="{031ED071-E8F0-4ADE-BB27-DE25D6F99C8E}" destId="{ED920AE2-8DD7-43C4-A091-03032651C021}" srcOrd="0" destOrd="0" presId="urn:microsoft.com/office/officeart/2005/8/layout/orgChart1"/>
     <dgm:cxn modelId="{53D0044E-633F-4AE6-9942-C5A96A5EB6D4}" type="presParOf" srcId="{ED920AE2-8DD7-43C4-A091-03032651C021}" destId="{B512DCC2-F8AD-4A88-8224-BF794CC14E60}" srcOrd="0" destOrd="0" presId="urn:microsoft.com/office/officeart/2005/8/layout/orgChart1"/>
     <dgm:cxn modelId="{38556E6C-46EF-4767-88E4-FBA6B50FD61D}" type="presParOf" srcId="{ED920AE2-8DD7-43C4-A091-03032651C021}" destId="{C385DBD7-122C-4C76-95AA-F0EDDD576213}" srcOrd="1" destOrd="0" presId="urn:microsoft.com/office/officeart/2005/8/layout/orgChart1"/>
     <dgm:cxn modelId="{907E7645-4DCD-4D8C-8CB4-4E3297D85AF3}" type="presParOf" srcId="{031ED071-E8F0-4ADE-BB27-DE25D6F99C8E}" destId="{DE86AFEF-E43B-4AD5-AF14-454FCFC84E45}" srcOrd="1" destOrd="0" presId="urn:microsoft.com/office/officeart/2005/8/layout/orgChart1"/>
     <dgm:cxn modelId="{A01E8861-98C9-465A-A164-30D3C8E9B7F5}" type="presParOf" srcId="{031ED071-E8F0-4ADE-BB27-DE25D6F99C8E}" destId="{6FF4677D-D383-478C-80F4-343DD5F2C277}" srcOrd="2" destOrd="0" presId="urn:microsoft.com/office/officeart/2005/8/layout/orgChart1"/>
-    <dgm:cxn modelId="{95F405FF-F18F-429B-90B2-531F6F099428}" type="presParOf" srcId="{9A71EA88-E86A-4774-A0C2-7A36B7A46C30}" destId="{87BE5EB3-DB60-4F74-8CAB-579081070155}" srcOrd="8" destOrd="0" presId="urn:microsoft.com/office/officeart/2005/8/layout/orgChart1"/>
-    <dgm:cxn modelId="{1E3D946F-45A2-4399-A331-BA19B25E13A6}" type="presParOf" srcId="{9A71EA88-E86A-4774-A0C2-7A36B7A46C30}" destId="{B70BC062-C551-4FA6-AA0B-24CA90B943F5}" srcOrd="9" destOrd="0" presId="urn:microsoft.com/office/officeart/2005/8/layout/orgChart1"/>
+    <dgm:cxn modelId="{95F405FF-F18F-429B-90B2-531F6F099428}" type="presParOf" srcId="{9A71EA88-E86A-4774-A0C2-7A36B7A46C30}" destId="{87BE5EB3-DB60-4F74-8CAB-579081070155}" srcOrd="6" destOrd="0" presId="urn:microsoft.com/office/officeart/2005/8/layout/orgChart1"/>
+    <dgm:cxn modelId="{1E3D946F-45A2-4399-A331-BA19B25E13A6}" type="presParOf" srcId="{9A71EA88-E86A-4774-A0C2-7A36B7A46C30}" destId="{B70BC062-C551-4FA6-AA0B-24CA90B943F5}" srcOrd="7" destOrd="0" presId="urn:microsoft.com/office/officeart/2005/8/layout/orgChart1"/>
     <dgm:cxn modelId="{AE0F644B-A255-484C-9B16-1A791B439E03}" type="presParOf" srcId="{B70BC062-C551-4FA6-AA0B-24CA90B943F5}" destId="{A89E6E14-AB18-41E1-BB47-136AAF17BB47}" srcOrd="0" destOrd="0" presId="urn:microsoft.com/office/officeart/2005/8/layout/orgChart1"/>
     <dgm:cxn modelId="{D6DD7344-0D67-46BF-BACD-D7C5EA8558C3}" type="presParOf" srcId="{A89E6E14-AB18-41E1-BB47-136AAF17BB47}" destId="{8659CC59-2E2C-408C-A138-42297FB1F7FC}" srcOrd="0" destOrd="0" presId="urn:microsoft.com/office/officeart/2005/8/layout/orgChart1"/>
     <dgm:cxn modelId="{6C4EC33E-0F69-43FD-B52C-67AB263976FD}" type="presParOf" srcId="{A89E6E14-AB18-41E1-BB47-136AAF17BB47}" destId="{695C9D34-95FC-428F-873D-B6282BE96811}" srcOrd="1" destOrd="0" presId="urn:microsoft.com/office/officeart/2005/8/layout/orgChart1"/>
@@ -4098,8 +3301,8 @@
       </dsp:nvSpPr>
       <dsp:spPr>
         <a:xfrm>
-          <a:off x="4503757" y="1047534"/>
-          <a:ext cx="3636629" cy="295686"/>
+          <a:off x="4517320" y="2314628"/>
+          <a:ext cx="3420876" cy="372638"/>
         </a:xfrm>
         <a:custGeom>
           <a:avLst/>
@@ -4113,13 +3316,13 @@
                 <a:pt x="0" y="0"/>
               </a:moveTo>
               <a:lnTo>
-                <a:pt x="0" y="135637"/>
+                <a:pt x="0" y="170937"/>
               </a:lnTo>
               <a:lnTo>
-                <a:pt x="3636629" y="135637"/>
+                <a:pt x="3420876" y="170937"/>
               </a:lnTo>
               <a:lnTo>
-                <a:pt x="3636629" y="295686"/>
+                <a:pt x="3420876" y="372638"/>
               </a:lnTo>
             </a:path>
           </a:pathLst>
@@ -4160,8 +3363,8 @@
       </dsp:nvSpPr>
       <dsp:spPr>
         <a:xfrm>
-          <a:off x="4503757" y="1047534"/>
-          <a:ext cx="1792257" cy="295686"/>
+          <a:off x="4517320" y="2314628"/>
+          <a:ext cx="1096506" cy="372638"/>
         </a:xfrm>
         <a:custGeom>
           <a:avLst/>
@@ -4175,13 +3378,13 @@
                 <a:pt x="0" y="0"/>
               </a:moveTo>
               <a:lnTo>
-                <a:pt x="0" y="135637"/>
+                <a:pt x="0" y="170937"/>
               </a:lnTo>
               <a:lnTo>
-                <a:pt x="1792257" y="135637"/>
+                <a:pt x="1096506" y="170937"/>
               </a:lnTo>
               <a:lnTo>
-                <a:pt x="1792257" y="295686"/>
+                <a:pt x="1096506" y="372638"/>
               </a:lnTo>
             </a:path>
           </a:pathLst>
@@ -4215,15 +3418,15 @@
         <a:fontRef idx="minor"/>
       </dsp:style>
     </dsp:sp>
-    <dsp:sp modelId="{00416E62-FBAF-4AA7-AE51-74C6003471F9}">
+    <dsp:sp modelId="{FB0D67E1-4705-4C5A-A8BE-E373C4C7F8DC}">
       <dsp:nvSpPr>
         <dsp:cNvPr id="0" name=""/>
         <dsp:cNvSpPr/>
       </dsp:nvSpPr>
       <dsp:spPr>
         <a:xfrm>
-          <a:off x="3841933" y="2105357"/>
-          <a:ext cx="228641" cy="4277400"/>
+          <a:off x="2521071" y="3647750"/>
+          <a:ext cx="288144" cy="1616853"/>
         </a:xfrm>
         <a:custGeom>
           <a:avLst/>
@@ -4237,246 +3440,10 @@
                 <a:pt x="0" y="0"/>
               </a:moveTo>
               <a:lnTo>
-                <a:pt x="0" y="4277400"/>
+                <a:pt x="0" y="1616853"/>
               </a:lnTo>
               <a:lnTo>
-                <a:pt x="228641" y="4277400"/>
-              </a:lnTo>
-            </a:path>
-          </a:pathLst>
-        </a:custGeom>
-        <a:noFill/>
-        <a:ln w="12700" cap="flat" cmpd="sng" algn="ctr">
-          <a:solidFill>
-            <a:schemeClr val="accent1">
-              <a:shade val="80000"/>
-              <a:hueOff val="0"/>
-              <a:satOff val="0"/>
-              <a:lumOff val="0"/>
-              <a:alphaOff val="0"/>
-            </a:schemeClr>
-          </a:solidFill>
-          <a:prstDash val="solid"/>
-          <a:miter lim="800000"/>
-        </a:ln>
-        <a:effectLst/>
-      </dsp:spPr>
-      <dsp:style>
-        <a:lnRef idx="2">
-          <a:scrgbClr r="0" g="0" b="0"/>
-        </a:lnRef>
-        <a:fillRef idx="0">
-          <a:scrgbClr r="0" g="0" b="0"/>
-        </a:fillRef>
-        <a:effectRef idx="0">
-          <a:scrgbClr r="0" g="0" b="0"/>
-        </a:effectRef>
-        <a:fontRef idx="minor"/>
-      </dsp:style>
-    </dsp:sp>
-    <dsp:sp modelId="{1BF37D4C-6B8D-491C-BFA6-EF055187F912}">
-      <dsp:nvSpPr>
-        <dsp:cNvPr id="0" name=""/>
-        <dsp:cNvSpPr/>
-      </dsp:nvSpPr>
-      <dsp:spPr>
-        <a:xfrm>
-          <a:off x="3841933" y="2105357"/>
-          <a:ext cx="228641" cy="3528791"/>
-        </a:xfrm>
-        <a:custGeom>
-          <a:avLst/>
-          <a:gdLst/>
-          <a:ahLst/>
-          <a:cxnLst/>
-          <a:rect l="0" t="0" r="0" b="0"/>
-          <a:pathLst>
-            <a:path>
-              <a:moveTo>
-                <a:pt x="0" y="0"/>
-              </a:moveTo>
-              <a:lnTo>
-                <a:pt x="0" y="3528791"/>
-              </a:lnTo>
-              <a:lnTo>
-                <a:pt x="228641" y="3528791"/>
-              </a:lnTo>
-            </a:path>
-          </a:pathLst>
-        </a:custGeom>
-        <a:noFill/>
-        <a:ln w="12700" cap="flat" cmpd="sng" algn="ctr">
-          <a:solidFill>
-            <a:schemeClr val="accent1">
-              <a:shade val="80000"/>
-              <a:hueOff val="0"/>
-              <a:satOff val="0"/>
-              <a:lumOff val="0"/>
-              <a:alphaOff val="0"/>
-            </a:schemeClr>
-          </a:solidFill>
-          <a:prstDash val="solid"/>
-          <a:miter lim="800000"/>
-        </a:ln>
-        <a:effectLst/>
-      </dsp:spPr>
-      <dsp:style>
-        <a:lnRef idx="2">
-          <a:scrgbClr r="0" g="0" b="0"/>
-        </a:lnRef>
-        <a:fillRef idx="0">
-          <a:scrgbClr r="0" g="0" b="0"/>
-        </a:fillRef>
-        <a:effectRef idx="0">
-          <a:scrgbClr r="0" g="0" b="0"/>
-        </a:effectRef>
-        <a:fontRef idx="minor"/>
-      </dsp:style>
-    </dsp:sp>
-    <dsp:sp modelId="{6BB70260-FBF6-4FD9-8B99-A7ECE1F53A39}">
-      <dsp:nvSpPr>
-        <dsp:cNvPr id="0" name=""/>
-        <dsp:cNvSpPr/>
-      </dsp:nvSpPr>
-      <dsp:spPr>
-        <a:xfrm>
-          <a:off x="3841933" y="2105357"/>
-          <a:ext cx="228641" cy="2780181"/>
-        </a:xfrm>
-        <a:custGeom>
-          <a:avLst/>
-          <a:gdLst/>
-          <a:ahLst/>
-          <a:cxnLst/>
-          <a:rect l="0" t="0" r="0" b="0"/>
-          <a:pathLst>
-            <a:path>
-              <a:moveTo>
-                <a:pt x="0" y="0"/>
-              </a:moveTo>
-              <a:lnTo>
-                <a:pt x="0" y="2780181"/>
-              </a:lnTo>
-              <a:lnTo>
-                <a:pt x="228641" y="2780181"/>
-              </a:lnTo>
-            </a:path>
-          </a:pathLst>
-        </a:custGeom>
-        <a:noFill/>
-        <a:ln w="12700" cap="flat" cmpd="sng" algn="ctr">
-          <a:solidFill>
-            <a:schemeClr val="accent1">
-              <a:shade val="80000"/>
-              <a:hueOff val="0"/>
-              <a:satOff val="0"/>
-              <a:lumOff val="0"/>
-              <a:alphaOff val="0"/>
-            </a:schemeClr>
-          </a:solidFill>
-          <a:prstDash val="solid"/>
-          <a:miter lim="800000"/>
-        </a:ln>
-        <a:effectLst/>
-      </dsp:spPr>
-      <dsp:style>
-        <a:lnRef idx="2">
-          <a:scrgbClr r="0" g="0" b="0"/>
-        </a:lnRef>
-        <a:fillRef idx="0">
-          <a:scrgbClr r="0" g="0" b="0"/>
-        </a:fillRef>
-        <a:effectRef idx="0">
-          <a:scrgbClr r="0" g="0" b="0"/>
-        </a:effectRef>
-        <a:fontRef idx="minor"/>
-      </dsp:style>
-    </dsp:sp>
-    <dsp:sp modelId="{FB0D67E1-4705-4C5A-A8BE-E373C4C7F8DC}">
-      <dsp:nvSpPr>
-        <dsp:cNvPr id="0" name=""/>
-        <dsp:cNvSpPr/>
-      </dsp:nvSpPr>
-      <dsp:spPr>
-        <a:xfrm>
-          <a:off x="3841933" y="2105357"/>
-          <a:ext cx="228641" cy="2031572"/>
-        </a:xfrm>
-        <a:custGeom>
-          <a:avLst/>
-          <a:gdLst/>
-          <a:ahLst/>
-          <a:cxnLst/>
-          <a:rect l="0" t="0" r="0" b="0"/>
-          <a:pathLst>
-            <a:path>
-              <a:moveTo>
-                <a:pt x="0" y="0"/>
-              </a:moveTo>
-              <a:lnTo>
-                <a:pt x="0" y="2031572"/>
-              </a:lnTo>
-              <a:lnTo>
-                <a:pt x="228641" y="2031572"/>
-              </a:lnTo>
-            </a:path>
-          </a:pathLst>
-        </a:custGeom>
-        <a:noFill/>
-        <a:ln w="12700" cap="flat" cmpd="sng" algn="ctr">
-          <a:solidFill>
-            <a:schemeClr val="accent1">
-              <a:shade val="80000"/>
-              <a:hueOff val="0"/>
-              <a:satOff val="0"/>
-              <a:lumOff val="0"/>
-              <a:alphaOff val="0"/>
-            </a:schemeClr>
-          </a:solidFill>
-          <a:prstDash val="solid"/>
-          <a:miter lim="800000"/>
-        </a:ln>
-        <a:effectLst/>
-      </dsp:spPr>
-      <dsp:style>
-        <a:lnRef idx="2">
-          <a:scrgbClr r="0" g="0" b="0"/>
-        </a:lnRef>
-        <a:fillRef idx="0">
-          <a:scrgbClr r="0" g="0" b="0"/>
-        </a:fillRef>
-        <a:effectRef idx="0">
-          <a:scrgbClr r="0" g="0" b="0"/>
-        </a:effectRef>
-        <a:fontRef idx="minor"/>
-      </dsp:style>
-    </dsp:sp>
-    <dsp:sp modelId="{DE72DF6E-144C-454B-9565-EC52D8FB4D37}">
-      <dsp:nvSpPr>
-        <dsp:cNvPr id="0" name=""/>
-        <dsp:cNvSpPr/>
-      </dsp:nvSpPr>
-      <dsp:spPr>
-        <a:xfrm>
-          <a:off x="3841933" y="2105357"/>
-          <a:ext cx="228641" cy="1282962"/>
-        </a:xfrm>
-        <a:custGeom>
-          <a:avLst/>
-          <a:gdLst/>
-          <a:ahLst/>
-          <a:cxnLst/>
-          <a:rect l="0" t="0" r="0" b="0"/>
-          <a:pathLst>
-            <a:path>
-              <a:moveTo>
-                <a:pt x="0" y="0"/>
-              </a:moveTo>
-              <a:lnTo>
-                <a:pt x="0" y="1282962"/>
-              </a:lnTo>
-              <a:lnTo>
-                <a:pt x="228641" y="1282962"/>
+                <a:pt x="288144" y="1616853"/>
               </a:lnTo>
             </a:path>
           </a:pathLst>
@@ -4517,8 +3484,8 @@
       </dsp:nvSpPr>
       <dsp:spPr>
         <a:xfrm>
-          <a:off x="3841933" y="2105357"/>
-          <a:ext cx="228641" cy="534353"/>
+          <a:off x="2521071" y="3647750"/>
+          <a:ext cx="288144" cy="673418"/>
         </a:xfrm>
         <a:custGeom>
           <a:avLst/>
@@ -4532,10 +3499,10 @@
                 <a:pt x="0" y="0"/>
               </a:moveTo>
               <a:lnTo>
-                <a:pt x="0" y="534353"/>
+                <a:pt x="0" y="673418"/>
               </a:lnTo>
               <a:lnTo>
-                <a:pt x="228641" y="534353"/>
+                <a:pt x="288144" y="673418"/>
               </a:lnTo>
             </a:path>
           </a:pathLst>
@@ -4576,8 +3543,8 @@
       </dsp:nvSpPr>
       <dsp:spPr>
         <a:xfrm>
-          <a:off x="4405923" y="1047534"/>
-          <a:ext cx="91440" cy="295686"/>
+          <a:off x="3289458" y="2314628"/>
+          <a:ext cx="1227862" cy="372638"/>
         </a:xfrm>
         <a:custGeom>
           <a:avLst/>
@@ -4588,16 +3555,16 @@
           <a:pathLst>
             <a:path>
               <a:moveTo>
-                <a:pt x="97834" y="0"/>
+                <a:pt x="1227862" y="0"/>
               </a:moveTo>
               <a:lnTo>
-                <a:pt x="97834" y="135637"/>
+                <a:pt x="1227862" y="170937"/>
               </a:lnTo>
               <a:lnTo>
-                <a:pt x="45720" y="135637"/>
+                <a:pt x="0" y="170937"/>
               </a:lnTo>
               <a:lnTo>
-                <a:pt x="45720" y="295686"/>
+                <a:pt x="0" y="372638"/>
               </a:lnTo>
             </a:path>
           </a:pathLst>
@@ -4631,15 +3598,15 @@
         <a:fontRef idx="minor"/>
       </dsp:style>
     </dsp:sp>
-    <dsp:sp modelId="{A3C064E1-EB83-4A90-BC9B-363A4369B1D9}">
+    <dsp:sp modelId="{C79737FA-DA68-4B50-9686-82FBED4993F4}">
       <dsp:nvSpPr>
         <dsp:cNvPr id="0" name=""/>
         <dsp:cNvSpPr/>
       </dsp:nvSpPr>
       <dsp:spPr>
         <a:xfrm>
-          <a:off x="2607270" y="1047534"/>
-          <a:ext cx="1896487" cy="295686"/>
+          <a:off x="965088" y="2314628"/>
+          <a:ext cx="3552232" cy="372638"/>
         </a:xfrm>
         <a:custGeom>
           <a:avLst/>
@@ -4650,255 +3617,16 @@
           <a:pathLst>
             <a:path>
               <a:moveTo>
-                <a:pt x="1896487" y="0"/>
+                <a:pt x="3552232" y="0"/>
               </a:moveTo>
               <a:lnTo>
-                <a:pt x="1896487" y="135637"/>
+                <a:pt x="3552232" y="170937"/>
               </a:lnTo>
               <a:lnTo>
-                <a:pt x="0" y="135637"/>
+                <a:pt x="0" y="170937"/>
               </a:lnTo>
               <a:lnTo>
-                <a:pt x="0" y="295686"/>
-              </a:lnTo>
-            </a:path>
-          </a:pathLst>
-        </a:custGeom>
-        <a:noFill/>
-        <a:ln w="12700" cap="flat" cmpd="sng" algn="ctr">
-          <a:solidFill>
-            <a:schemeClr val="accent1">
-              <a:shade val="60000"/>
-              <a:hueOff val="0"/>
-              <a:satOff val="0"/>
-              <a:lumOff val="0"/>
-              <a:alphaOff val="0"/>
-            </a:schemeClr>
-          </a:solidFill>
-          <a:prstDash val="solid"/>
-          <a:miter lim="800000"/>
-        </a:ln>
-        <a:effectLst/>
-      </dsp:spPr>
-      <dsp:style>
-        <a:lnRef idx="2">
-          <a:scrgbClr r="0" g="0" b="0"/>
-        </a:lnRef>
-        <a:fillRef idx="0">
-          <a:scrgbClr r="0" g="0" b="0"/>
-        </a:fillRef>
-        <a:effectRef idx="0">
-          <a:scrgbClr r="0" g="0" b="0"/>
-        </a:effectRef>
-        <a:fontRef idx="minor"/>
-      </dsp:style>
-    </dsp:sp>
-    <dsp:sp modelId="{DABE2A97-8AFC-46F1-9229-CDFF582F36CD}">
-      <dsp:nvSpPr>
-        <dsp:cNvPr id="0" name=""/>
-        <dsp:cNvSpPr/>
-      </dsp:nvSpPr>
-      <dsp:spPr>
-        <a:xfrm>
-          <a:off x="153188" y="2105357"/>
-          <a:ext cx="243152" cy="1660948"/>
-        </a:xfrm>
-        <a:custGeom>
-          <a:avLst/>
-          <a:gdLst/>
-          <a:ahLst/>
-          <a:cxnLst/>
-          <a:rect l="0" t="0" r="0" b="0"/>
-          <a:pathLst>
-            <a:path>
-              <a:moveTo>
-                <a:pt x="0" y="0"/>
-              </a:moveTo>
-              <a:lnTo>
-                <a:pt x="0" y="1660948"/>
-              </a:lnTo>
-              <a:lnTo>
-                <a:pt x="243152" y="1660948"/>
-              </a:lnTo>
-            </a:path>
-          </a:pathLst>
-        </a:custGeom>
-        <a:noFill/>
-        <a:ln w="12700" cap="flat" cmpd="sng" algn="ctr">
-          <a:solidFill>
-            <a:schemeClr val="accent1">
-              <a:shade val="80000"/>
-              <a:hueOff val="0"/>
-              <a:satOff val="0"/>
-              <a:lumOff val="0"/>
-              <a:alphaOff val="0"/>
-            </a:schemeClr>
-          </a:solidFill>
-          <a:prstDash val="solid"/>
-          <a:miter lim="800000"/>
-        </a:ln>
-        <a:effectLst/>
-      </dsp:spPr>
-      <dsp:style>
-        <a:lnRef idx="2">
-          <a:scrgbClr r="0" g="0" b="0"/>
-        </a:lnRef>
-        <a:fillRef idx="0">
-          <a:scrgbClr r="0" g="0" b="0"/>
-        </a:fillRef>
-        <a:effectRef idx="0">
-          <a:scrgbClr r="0" g="0" b="0"/>
-        </a:effectRef>
-        <a:fontRef idx="minor"/>
-      </dsp:style>
-    </dsp:sp>
-    <dsp:sp modelId="{FDCF2E21-0BBF-4C89-8E46-93D1F2D60A4C}">
-      <dsp:nvSpPr>
-        <dsp:cNvPr id="0" name=""/>
-        <dsp:cNvSpPr/>
-      </dsp:nvSpPr>
-      <dsp:spPr>
-        <a:xfrm>
-          <a:off x="153188" y="2105357"/>
-          <a:ext cx="228641" cy="2552657"/>
-        </a:xfrm>
-        <a:custGeom>
-          <a:avLst/>
-          <a:gdLst/>
-          <a:ahLst/>
-          <a:cxnLst/>
-          <a:rect l="0" t="0" r="0" b="0"/>
-          <a:pathLst>
-            <a:path>
-              <a:moveTo>
-                <a:pt x="0" y="0"/>
-              </a:moveTo>
-              <a:lnTo>
-                <a:pt x="0" y="2552657"/>
-              </a:lnTo>
-              <a:lnTo>
-                <a:pt x="228641" y="2552657"/>
-              </a:lnTo>
-            </a:path>
-          </a:pathLst>
-        </a:custGeom>
-        <a:noFill/>
-        <a:ln w="12700" cap="flat" cmpd="sng" algn="ctr">
-          <a:solidFill>
-            <a:schemeClr val="accent1">
-              <a:shade val="80000"/>
-              <a:hueOff val="0"/>
-              <a:satOff val="0"/>
-              <a:lumOff val="0"/>
-              <a:alphaOff val="0"/>
-            </a:schemeClr>
-          </a:solidFill>
-          <a:prstDash val="solid"/>
-          <a:miter lim="800000"/>
-        </a:ln>
-        <a:effectLst/>
-      </dsp:spPr>
-      <dsp:style>
-        <a:lnRef idx="2">
-          <a:scrgbClr r="0" g="0" b="0"/>
-        </a:lnRef>
-        <a:fillRef idx="0">
-          <a:scrgbClr r="0" g="0" b="0"/>
-        </a:fillRef>
-        <a:effectRef idx="0">
-          <a:scrgbClr r="0" g="0" b="0"/>
-        </a:effectRef>
-        <a:fontRef idx="minor"/>
-      </dsp:style>
-    </dsp:sp>
-    <dsp:sp modelId="{CF63EB70-7A6D-4FA2-8E46-21CF359D0286}">
-      <dsp:nvSpPr>
-        <dsp:cNvPr id="0" name=""/>
-        <dsp:cNvSpPr/>
-      </dsp:nvSpPr>
-      <dsp:spPr>
-        <a:xfrm>
-          <a:off x="153188" y="2105357"/>
-          <a:ext cx="228641" cy="759218"/>
-        </a:xfrm>
-        <a:custGeom>
-          <a:avLst/>
-          <a:gdLst/>
-          <a:ahLst/>
-          <a:cxnLst/>
-          <a:rect l="0" t="0" r="0" b="0"/>
-          <a:pathLst>
-            <a:path>
-              <a:moveTo>
-                <a:pt x="0" y="0"/>
-              </a:moveTo>
-              <a:lnTo>
-                <a:pt x="0" y="759218"/>
-              </a:lnTo>
-              <a:lnTo>
-                <a:pt x="228641" y="759218"/>
-              </a:lnTo>
-            </a:path>
-          </a:pathLst>
-        </a:custGeom>
-        <a:noFill/>
-        <a:ln w="12700" cap="flat" cmpd="sng" algn="ctr">
-          <a:solidFill>
-            <a:schemeClr val="accent1">
-              <a:shade val="80000"/>
-              <a:hueOff val="0"/>
-              <a:satOff val="0"/>
-              <a:lumOff val="0"/>
-              <a:alphaOff val="0"/>
-            </a:schemeClr>
-          </a:solidFill>
-          <a:prstDash val="solid"/>
-          <a:miter lim="800000"/>
-        </a:ln>
-        <a:effectLst/>
-      </dsp:spPr>
-      <dsp:style>
-        <a:lnRef idx="2">
-          <a:scrgbClr r="0" g="0" b="0"/>
-        </a:lnRef>
-        <a:fillRef idx="0">
-          <a:scrgbClr r="0" g="0" b="0"/>
-        </a:fillRef>
-        <a:effectRef idx="0">
-          <a:scrgbClr r="0" g="0" b="0"/>
-        </a:effectRef>
-        <a:fontRef idx="minor"/>
-      </dsp:style>
-    </dsp:sp>
-    <dsp:sp modelId="{C79737FA-DA68-4B50-9686-82FBED4993F4}">
-      <dsp:nvSpPr>
-        <dsp:cNvPr id="0" name=""/>
-        <dsp:cNvSpPr/>
-      </dsp:nvSpPr>
-      <dsp:spPr>
-        <a:xfrm>
-          <a:off x="762898" y="1047534"/>
-          <a:ext cx="3740859" cy="295686"/>
-        </a:xfrm>
-        <a:custGeom>
-          <a:avLst/>
-          <a:gdLst/>
-          <a:ahLst/>
-          <a:cxnLst/>
-          <a:rect l="0" t="0" r="0" b="0"/>
-          <a:pathLst>
-            <a:path>
-              <a:moveTo>
-                <a:pt x="3740859" y="0"/>
-              </a:moveTo>
-              <a:lnTo>
-                <a:pt x="3740859" y="135637"/>
-              </a:lnTo>
-              <a:lnTo>
-                <a:pt x="0" y="135637"/>
-              </a:lnTo>
-              <a:lnTo>
-                <a:pt x="0" y="295686"/>
+                <a:pt x="0" y="372638"/>
               </a:lnTo>
             </a:path>
           </a:pathLst>
@@ -4939,8 +3667,8 @@
       </dsp:nvSpPr>
       <dsp:spPr>
         <a:xfrm>
-          <a:off x="3741620" y="285396"/>
-          <a:ext cx="1524274" cy="762137"/>
+          <a:off x="3556837" y="1354144"/>
+          <a:ext cx="1920966" cy="960483"/>
         </a:xfrm>
         <a:prstGeom prst="rect">
           <a:avLst/>
@@ -5026,8 +3754,8 @@
         </a:p>
       </dsp:txBody>
       <dsp:txXfrm>
-        <a:off x="3741620" y="285396"/>
-        <a:ext cx="1524274" cy="762137"/>
+        <a:off x="3556837" y="1354144"/>
+        <a:ext cx="1920966" cy="960483"/>
       </dsp:txXfrm>
     </dsp:sp>
     <dsp:sp modelId="{BB899C3E-7977-48D2-838C-0A0A4E22407E}">
@@ -5037,8 +3765,8 @@
       </dsp:nvSpPr>
       <dsp:spPr>
         <a:xfrm>
-          <a:off x="760" y="1343220"/>
-          <a:ext cx="1524274" cy="762137"/>
+          <a:off x="4605" y="2687266"/>
+          <a:ext cx="1920966" cy="960483"/>
         </a:xfrm>
         <a:prstGeom prst="rect">
           <a:avLst/>
@@ -5110,326 +3838,8 @@
         </a:p>
       </dsp:txBody>
       <dsp:txXfrm>
-        <a:off x="760" y="1343220"/>
-        <a:ext cx="1524274" cy="762137"/>
-      </dsp:txXfrm>
-    </dsp:sp>
-    <dsp:sp modelId="{A11B1B3B-548B-4BF3-BD14-6C594BE6A489}">
-      <dsp:nvSpPr>
-        <dsp:cNvPr id="0" name=""/>
-        <dsp:cNvSpPr/>
-      </dsp:nvSpPr>
-      <dsp:spPr>
-        <a:xfrm>
-          <a:off x="381829" y="2483507"/>
-          <a:ext cx="1524274" cy="762137"/>
-        </a:xfrm>
-        <a:prstGeom prst="rect">
-          <a:avLst/>
-        </a:prstGeom>
-        <a:solidFill>
-          <a:schemeClr val="accent1">
-            <a:hueOff val="0"/>
-            <a:satOff val="0"/>
-            <a:lumOff val="0"/>
-            <a:alphaOff val="0"/>
-          </a:schemeClr>
-        </a:solidFill>
-        <a:ln w="12700" cap="flat" cmpd="sng" algn="ctr">
-          <a:solidFill>
-            <a:schemeClr val="lt1">
-              <a:hueOff val="0"/>
-              <a:satOff val="0"/>
-              <a:lumOff val="0"/>
-              <a:alphaOff val="0"/>
-            </a:schemeClr>
-          </a:solidFill>
-          <a:prstDash val="solid"/>
-          <a:miter lim="800000"/>
-        </a:ln>
-        <a:effectLst/>
-      </dsp:spPr>
-      <dsp:style>
-        <a:lnRef idx="2">
-          <a:scrgbClr r="0" g="0" b="0"/>
-        </a:lnRef>
-        <a:fillRef idx="1">
-          <a:scrgbClr r="0" g="0" b="0"/>
-        </a:fillRef>
-        <a:effectRef idx="0">
-          <a:scrgbClr r="0" g="0" b="0"/>
-        </a:effectRef>
-        <a:fontRef idx="minor">
-          <a:schemeClr val="lt1"/>
-        </a:fontRef>
-      </dsp:style>
-      <dsp:txBody>
-        <a:bodyPr spcFirstLastPara="0" vert="horz" wrap="square" lIns="11430" tIns="11430" rIns="11430" bIns="11430" numCol="1" spcCol="1270" anchor="ctr" anchorCtr="0">
-          <a:noAutofit/>
-        </a:bodyPr>
-        <a:lstStyle/>
-        <a:p>
-          <a:pPr lvl="0" algn="ctr" defTabSz="800100">
-            <a:lnSpc>
-              <a:spcPct val="90000"/>
-            </a:lnSpc>
-            <a:spcBef>
-              <a:spcPct val="0"/>
-            </a:spcBef>
-            <a:spcAft>
-              <a:spcPct val="35000"/>
-            </a:spcAft>
-          </a:pPr>
-          <a:r>
-            <a:rPr lang="pt-PT" sz="1800" kern="1200" dirty="0" smtClean="0"/>
-            <a:t>Porquê Covilhã?</a:t>
-          </a:r>
-          <a:endParaRPr lang="pt-PT" sz="1800" kern="1200" dirty="0"/>
-        </a:p>
-      </dsp:txBody>
-      <dsp:txXfrm>
-        <a:off x="381829" y="2483507"/>
-        <a:ext cx="1524274" cy="762137"/>
-      </dsp:txXfrm>
-    </dsp:sp>
-    <dsp:sp modelId="{3DA29272-8B54-4109-B1CF-306966EBCEA6}">
-      <dsp:nvSpPr>
-        <dsp:cNvPr id="0" name=""/>
-        <dsp:cNvSpPr/>
-      </dsp:nvSpPr>
-      <dsp:spPr>
-        <a:xfrm>
-          <a:off x="381829" y="4276946"/>
-          <a:ext cx="1524274" cy="762137"/>
-        </a:xfrm>
-        <a:prstGeom prst="rect">
-          <a:avLst/>
-        </a:prstGeom>
-        <a:solidFill>
-          <a:schemeClr val="accent1">
-            <a:hueOff val="0"/>
-            <a:satOff val="0"/>
-            <a:lumOff val="0"/>
-            <a:alphaOff val="0"/>
-          </a:schemeClr>
-        </a:solidFill>
-        <a:ln w="12700" cap="flat" cmpd="sng" algn="ctr">
-          <a:solidFill>
-            <a:schemeClr val="lt1">
-              <a:hueOff val="0"/>
-              <a:satOff val="0"/>
-              <a:lumOff val="0"/>
-              <a:alphaOff val="0"/>
-            </a:schemeClr>
-          </a:solidFill>
-          <a:prstDash val="solid"/>
-          <a:miter lim="800000"/>
-        </a:ln>
-        <a:effectLst/>
-      </dsp:spPr>
-      <dsp:style>
-        <a:lnRef idx="2">
-          <a:scrgbClr r="0" g="0" b="0"/>
-        </a:lnRef>
-        <a:fillRef idx="1">
-          <a:scrgbClr r="0" g="0" b="0"/>
-        </a:fillRef>
-        <a:effectRef idx="0">
-          <a:scrgbClr r="0" g="0" b="0"/>
-        </a:effectRef>
-        <a:fontRef idx="minor">
-          <a:schemeClr val="lt1"/>
-        </a:fontRef>
-      </dsp:style>
-      <dsp:txBody>
-        <a:bodyPr spcFirstLastPara="0" vert="horz" wrap="square" lIns="11430" tIns="11430" rIns="11430" bIns="11430" numCol="1" spcCol="1270" anchor="ctr" anchorCtr="0">
-          <a:noAutofit/>
-        </a:bodyPr>
-        <a:lstStyle/>
-        <a:p>
-          <a:pPr lvl="0" algn="ctr" defTabSz="800100">
-            <a:lnSpc>
-              <a:spcPct val="90000"/>
-            </a:lnSpc>
-            <a:spcBef>
-              <a:spcPct val="0"/>
-            </a:spcBef>
-            <a:spcAft>
-              <a:spcPct val="35000"/>
-            </a:spcAft>
-          </a:pPr>
-          <a:r>
-            <a:rPr lang="pt-PT" sz="1800" kern="1200" dirty="0" smtClean="0"/>
-            <a:t>Mapa</a:t>
-          </a:r>
-          <a:endParaRPr lang="pt-PT" sz="1800" kern="1200" dirty="0"/>
-        </a:p>
-      </dsp:txBody>
-      <dsp:txXfrm>
-        <a:off x="381829" y="4276946"/>
-        <a:ext cx="1524274" cy="762137"/>
-      </dsp:txXfrm>
-    </dsp:sp>
-    <dsp:sp modelId="{B13177B0-B616-471A-B673-341F50F836B6}">
-      <dsp:nvSpPr>
-        <dsp:cNvPr id="0" name=""/>
-        <dsp:cNvSpPr/>
-      </dsp:nvSpPr>
-      <dsp:spPr>
-        <a:xfrm>
-          <a:off x="396340" y="3385238"/>
-          <a:ext cx="1524274" cy="762137"/>
-        </a:xfrm>
-        <a:prstGeom prst="rect">
-          <a:avLst/>
-        </a:prstGeom>
-        <a:solidFill>
-          <a:schemeClr val="accent1">
-            <a:hueOff val="0"/>
-            <a:satOff val="0"/>
-            <a:lumOff val="0"/>
-            <a:alphaOff val="0"/>
-          </a:schemeClr>
-        </a:solidFill>
-        <a:ln w="12700" cap="flat" cmpd="sng" algn="ctr">
-          <a:solidFill>
-            <a:schemeClr val="lt1">
-              <a:hueOff val="0"/>
-              <a:satOff val="0"/>
-              <a:lumOff val="0"/>
-              <a:alphaOff val="0"/>
-            </a:schemeClr>
-          </a:solidFill>
-          <a:prstDash val="solid"/>
-          <a:miter lim="800000"/>
-        </a:ln>
-        <a:effectLst/>
-      </dsp:spPr>
-      <dsp:style>
-        <a:lnRef idx="2">
-          <a:scrgbClr r="0" g="0" b="0"/>
-        </a:lnRef>
-        <a:fillRef idx="1">
-          <a:scrgbClr r="0" g="0" b="0"/>
-        </a:fillRef>
-        <a:effectRef idx="0">
-          <a:scrgbClr r="0" g="0" b="0"/>
-        </a:effectRef>
-        <a:fontRef idx="minor">
-          <a:schemeClr val="lt1"/>
-        </a:fontRef>
-      </dsp:style>
-      <dsp:txBody>
-        <a:bodyPr spcFirstLastPara="0" vert="horz" wrap="square" lIns="11430" tIns="11430" rIns="11430" bIns="11430" numCol="1" spcCol="1270" anchor="ctr" anchorCtr="0">
-          <a:noAutofit/>
-        </a:bodyPr>
-        <a:lstStyle/>
-        <a:p>
-          <a:pPr lvl="0" algn="ctr" defTabSz="800100">
-            <a:lnSpc>
-              <a:spcPct val="90000"/>
-            </a:lnSpc>
-            <a:spcBef>
-              <a:spcPct val="0"/>
-            </a:spcBef>
-            <a:spcAft>
-              <a:spcPct val="35000"/>
-            </a:spcAft>
-          </a:pPr>
-          <a:r>
-            <a:rPr lang="pt-PT" sz="1800" kern="1200" dirty="0" smtClean="0"/>
-            <a:t>Chegar à Covilhã</a:t>
-          </a:r>
-          <a:endParaRPr lang="pt-PT" sz="1800" kern="1200" dirty="0"/>
-        </a:p>
-      </dsp:txBody>
-      <dsp:txXfrm>
-        <a:off x="396340" y="3385238"/>
-        <a:ext cx="1524274" cy="762137"/>
-      </dsp:txXfrm>
-    </dsp:sp>
-    <dsp:sp modelId="{3DCFB508-F20D-419B-97A2-A0EA8AAE62B8}">
-      <dsp:nvSpPr>
-        <dsp:cNvPr id="0" name=""/>
-        <dsp:cNvSpPr/>
-      </dsp:nvSpPr>
-      <dsp:spPr>
-        <a:xfrm>
-          <a:off x="1845133" y="1343220"/>
-          <a:ext cx="1524274" cy="762137"/>
-        </a:xfrm>
-        <a:prstGeom prst="rect">
-          <a:avLst/>
-        </a:prstGeom>
-        <a:solidFill>
-          <a:schemeClr val="accent1">
-            <a:hueOff val="0"/>
-            <a:satOff val="0"/>
-            <a:lumOff val="0"/>
-            <a:alphaOff val="0"/>
-          </a:schemeClr>
-        </a:solidFill>
-        <a:ln w="12700" cap="flat" cmpd="sng" algn="ctr">
-          <a:solidFill>
-            <a:schemeClr val="lt1">
-              <a:hueOff val="0"/>
-              <a:satOff val="0"/>
-              <a:lumOff val="0"/>
-              <a:alphaOff val="0"/>
-            </a:schemeClr>
-          </a:solidFill>
-          <a:prstDash val="solid"/>
-          <a:miter lim="800000"/>
-        </a:ln>
-        <a:effectLst/>
-      </dsp:spPr>
-      <dsp:style>
-        <a:lnRef idx="2">
-          <a:scrgbClr r="0" g="0" b="0"/>
-        </a:lnRef>
-        <a:fillRef idx="1">
-          <a:scrgbClr r="0" g="0" b="0"/>
-        </a:fillRef>
-        <a:effectRef idx="0">
-          <a:scrgbClr r="0" g="0" b="0"/>
-        </a:effectRef>
-        <a:fontRef idx="minor">
-          <a:schemeClr val="lt1"/>
-        </a:fontRef>
-      </dsp:style>
-      <dsp:txBody>
-        <a:bodyPr spcFirstLastPara="0" vert="horz" wrap="square" lIns="12700" tIns="12700" rIns="12700" bIns="12700" numCol="1" spcCol="1270" anchor="ctr" anchorCtr="0">
-          <a:noAutofit/>
-        </a:bodyPr>
-        <a:lstStyle/>
-        <a:p>
-          <a:pPr lvl="0" algn="ctr" defTabSz="889000">
-            <a:lnSpc>
-              <a:spcPct val="90000"/>
-            </a:lnSpc>
-            <a:spcBef>
-              <a:spcPct val="0"/>
-            </a:spcBef>
-            <a:spcAft>
-              <a:spcPct val="35000"/>
-            </a:spcAft>
-          </a:pPr>
-          <a:r>
-            <a:rPr lang="en-GB" sz="2000" u="none" kern="1200" dirty="0" err="1">
-              <a:latin typeface="Arial" panose="020B0604020202020204" pitchFamily="34" charset="0"/>
-              <a:cs typeface="Arial" panose="020B0604020202020204" pitchFamily="34" charset="0"/>
-            </a:rPr>
-            <a:t>Calendário</a:t>
-          </a:r>
-          <a:endParaRPr lang="en-GB" sz="2000" u="none" kern="1200" dirty="0">
-            <a:latin typeface="Arial" panose="020B0604020202020204" pitchFamily="34" charset="0"/>
-            <a:cs typeface="Arial" panose="020B0604020202020204" pitchFamily="34" charset="0"/>
-          </a:endParaRPr>
-        </a:p>
-      </dsp:txBody>
-      <dsp:txXfrm>
-        <a:off x="1845133" y="1343220"/>
-        <a:ext cx="1524274" cy="762137"/>
+        <a:off x="4605" y="2687266"/>
+        <a:ext cx="1920966" cy="960483"/>
       </dsp:txXfrm>
     </dsp:sp>
     <dsp:sp modelId="{D0C42A0A-227F-498C-9217-1F2A4E39F4AC}">
@@ -5439,8 +3849,8 @@
       </dsp:nvSpPr>
       <dsp:spPr>
         <a:xfrm>
-          <a:off x="3689505" y="1343220"/>
-          <a:ext cx="1524274" cy="762137"/>
+          <a:off x="2328974" y="2687266"/>
+          <a:ext cx="1920966" cy="960483"/>
         </a:xfrm>
         <a:prstGeom prst="rect">
           <a:avLst/>
@@ -5512,8 +3922,8 @@
         </a:p>
       </dsp:txBody>
       <dsp:txXfrm>
-        <a:off x="3689505" y="1343220"/>
-        <a:ext cx="1524274" cy="762137"/>
+        <a:off x="2328974" y="2687266"/>
+        <a:ext cx="1920966" cy="960483"/>
       </dsp:txXfrm>
     </dsp:sp>
     <dsp:sp modelId="{426BD5C4-6298-4765-92B5-5BE6F449DD28}">
@@ -5523,8 +3933,8 @@
       </dsp:nvSpPr>
       <dsp:spPr>
         <a:xfrm>
-          <a:off x="4070574" y="2425455"/>
-          <a:ext cx="1263273" cy="428511"/>
+          <a:off x="2809216" y="4051153"/>
+          <a:ext cx="1592039" cy="540031"/>
         </a:xfrm>
         <a:prstGeom prst="rect">
           <a:avLst/>
@@ -5583,25 +3993,26 @@
             </a:spcAft>
           </a:pPr>
           <a:r>
-            <a:rPr lang="pt-PT" sz="1800" u="none" kern="1200" dirty="0"/>
-            <a:t>Artes</a:t>
+            <a:rPr lang="pt-PT" sz="1800" u="none" kern="1200" dirty="0" smtClean="0"/>
+            <a:t>Procurar por data</a:t>
           </a:r>
+          <a:endParaRPr lang="pt-PT" sz="1800" u="none" kern="1200" dirty="0"/>
         </a:p>
       </dsp:txBody>
       <dsp:txXfrm>
-        <a:off x="4070574" y="2425455"/>
-        <a:ext cx="1263273" cy="428511"/>
+        <a:off x="2809216" y="4051153"/>
+        <a:ext cx="1592039" cy="540031"/>
       </dsp:txXfrm>
     </dsp:sp>
-    <dsp:sp modelId="{425B22CD-323F-4E0B-BEA0-EC7E00D9ABF2}">
+    <dsp:sp modelId="{AB7ECE86-F423-469A-804C-9E0A6711CE75}">
       <dsp:nvSpPr>
         <dsp:cNvPr id="0" name=""/>
         <dsp:cNvSpPr/>
       </dsp:nvSpPr>
       <dsp:spPr>
         <a:xfrm>
-          <a:off x="4070574" y="3174065"/>
-          <a:ext cx="1263273" cy="428511"/>
+          <a:off x="2809216" y="4994587"/>
+          <a:ext cx="1592039" cy="540031"/>
         </a:xfrm>
         <a:prstGeom prst="rect">
           <a:avLst/>
@@ -5660,322 +4071,15 @@
             </a:spcAft>
           </a:pPr>
           <a:r>
-            <a:rPr lang="pt-PT" sz="1800" u="none" kern="1200" dirty="0"/>
-            <a:t>Música</a:t>
+            <a:rPr lang="pt-PT" sz="1800" u="none" kern="1200" dirty="0" smtClean="0"/>
+            <a:t>Todos</a:t>
           </a:r>
+          <a:endParaRPr lang="pt-PT" sz="1800" u="none" kern="1200" dirty="0"/>
         </a:p>
       </dsp:txBody>
       <dsp:txXfrm>
-        <a:off x="4070574" y="3174065"/>
-        <a:ext cx="1263273" cy="428511"/>
-      </dsp:txXfrm>
-    </dsp:sp>
-    <dsp:sp modelId="{AB7ECE86-F423-469A-804C-9E0A6711CE75}">
-      <dsp:nvSpPr>
-        <dsp:cNvPr id="0" name=""/>
-        <dsp:cNvSpPr/>
-      </dsp:nvSpPr>
-      <dsp:spPr>
-        <a:xfrm>
-          <a:off x="4070574" y="3922674"/>
-          <a:ext cx="1263273" cy="428511"/>
-        </a:xfrm>
-        <a:prstGeom prst="rect">
-          <a:avLst/>
-        </a:prstGeom>
-        <a:solidFill>
-          <a:schemeClr val="accent1">
-            <a:hueOff val="0"/>
-            <a:satOff val="0"/>
-            <a:lumOff val="0"/>
-            <a:alphaOff val="0"/>
-          </a:schemeClr>
-        </a:solidFill>
-        <a:ln w="12700" cap="flat" cmpd="sng" algn="ctr">
-          <a:solidFill>
-            <a:schemeClr val="lt1">
-              <a:hueOff val="0"/>
-              <a:satOff val="0"/>
-              <a:lumOff val="0"/>
-              <a:alphaOff val="0"/>
-            </a:schemeClr>
-          </a:solidFill>
-          <a:prstDash val="solid"/>
-          <a:miter lim="800000"/>
-        </a:ln>
-        <a:effectLst/>
-      </dsp:spPr>
-      <dsp:style>
-        <a:lnRef idx="2">
-          <a:scrgbClr r="0" g="0" b="0"/>
-        </a:lnRef>
-        <a:fillRef idx="1">
-          <a:scrgbClr r="0" g="0" b="0"/>
-        </a:fillRef>
-        <a:effectRef idx="0">
-          <a:scrgbClr r="0" g="0" b="0"/>
-        </a:effectRef>
-        <a:fontRef idx="minor">
-          <a:schemeClr val="lt1"/>
-        </a:fontRef>
-      </dsp:style>
-      <dsp:txBody>
-        <a:bodyPr spcFirstLastPara="0" vert="horz" wrap="square" lIns="11430" tIns="11430" rIns="11430" bIns="11430" numCol="1" spcCol="1270" anchor="ctr" anchorCtr="0">
-          <a:noAutofit/>
-        </a:bodyPr>
-        <a:lstStyle/>
-        <a:p>
-          <a:pPr lvl="0" algn="ctr" defTabSz="800100">
-            <a:lnSpc>
-              <a:spcPct val="90000"/>
-            </a:lnSpc>
-            <a:spcBef>
-              <a:spcPct val="0"/>
-            </a:spcBef>
-            <a:spcAft>
-              <a:spcPct val="35000"/>
-            </a:spcAft>
-          </a:pPr>
-          <a:r>
-            <a:rPr lang="pt-PT" sz="1800" u="none" kern="1200" dirty="0"/>
-            <a:t>Noite</a:t>
-          </a:r>
-        </a:p>
-      </dsp:txBody>
-      <dsp:txXfrm>
-        <a:off x="4070574" y="3922674"/>
-        <a:ext cx="1263273" cy="428511"/>
-      </dsp:txXfrm>
-    </dsp:sp>
-    <dsp:sp modelId="{51735A62-65C8-4B72-BC21-EC0033831CB7}">
-      <dsp:nvSpPr>
-        <dsp:cNvPr id="0" name=""/>
-        <dsp:cNvSpPr/>
-      </dsp:nvSpPr>
-      <dsp:spPr>
-        <a:xfrm>
-          <a:off x="4070574" y="4671283"/>
-          <a:ext cx="1263273" cy="428511"/>
-        </a:xfrm>
-        <a:prstGeom prst="rect">
-          <a:avLst/>
-        </a:prstGeom>
-        <a:solidFill>
-          <a:schemeClr val="accent1">
-            <a:hueOff val="0"/>
-            <a:satOff val="0"/>
-            <a:lumOff val="0"/>
-            <a:alphaOff val="0"/>
-          </a:schemeClr>
-        </a:solidFill>
-        <a:ln w="12700" cap="flat" cmpd="sng" algn="ctr">
-          <a:solidFill>
-            <a:schemeClr val="lt1">
-              <a:hueOff val="0"/>
-              <a:satOff val="0"/>
-              <a:lumOff val="0"/>
-              <a:alphaOff val="0"/>
-            </a:schemeClr>
-          </a:solidFill>
-          <a:prstDash val="solid"/>
-          <a:miter lim="800000"/>
-        </a:ln>
-        <a:effectLst/>
-      </dsp:spPr>
-      <dsp:style>
-        <a:lnRef idx="2">
-          <a:scrgbClr r="0" g="0" b="0"/>
-        </a:lnRef>
-        <a:fillRef idx="1">
-          <a:scrgbClr r="0" g="0" b="0"/>
-        </a:fillRef>
-        <a:effectRef idx="0">
-          <a:scrgbClr r="0" g="0" b="0"/>
-        </a:effectRef>
-        <a:fontRef idx="minor">
-          <a:schemeClr val="lt1"/>
-        </a:fontRef>
-      </dsp:style>
-      <dsp:txBody>
-        <a:bodyPr spcFirstLastPara="0" vert="horz" wrap="square" lIns="11430" tIns="11430" rIns="11430" bIns="11430" numCol="1" spcCol="1270" anchor="ctr" anchorCtr="0">
-          <a:noAutofit/>
-        </a:bodyPr>
-        <a:lstStyle/>
-        <a:p>
-          <a:pPr lvl="0" algn="ctr" defTabSz="800100">
-            <a:lnSpc>
-              <a:spcPct val="90000"/>
-            </a:lnSpc>
-            <a:spcBef>
-              <a:spcPct val="0"/>
-            </a:spcBef>
-            <a:spcAft>
-              <a:spcPct val="35000"/>
-            </a:spcAft>
-          </a:pPr>
-          <a:r>
-            <a:rPr lang="pt-PT" sz="1800" u="none" kern="1200" dirty="0"/>
-            <a:t>Cultura</a:t>
-          </a:r>
-        </a:p>
-      </dsp:txBody>
-      <dsp:txXfrm>
-        <a:off x="4070574" y="4671283"/>
-        <a:ext cx="1263273" cy="428511"/>
-      </dsp:txXfrm>
-    </dsp:sp>
-    <dsp:sp modelId="{BCC10AE4-DC99-4EA0-B027-3C11C8AFFA0B}">
-      <dsp:nvSpPr>
-        <dsp:cNvPr id="0" name=""/>
-        <dsp:cNvSpPr/>
-      </dsp:nvSpPr>
-      <dsp:spPr>
-        <a:xfrm>
-          <a:off x="4070574" y="5419893"/>
-          <a:ext cx="1263273" cy="428511"/>
-        </a:xfrm>
-        <a:prstGeom prst="rect">
-          <a:avLst/>
-        </a:prstGeom>
-        <a:solidFill>
-          <a:schemeClr val="accent1">
-            <a:hueOff val="0"/>
-            <a:satOff val="0"/>
-            <a:lumOff val="0"/>
-            <a:alphaOff val="0"/>
-          </a:schemeClr>
-        </a:solidFill>
-        <a:ln w="12700" cap="flat" cmpd="sng" algn="ctr">
-          <a:solidFill>
-            <a:schemeClr val="lt1">
-              <a:hueOff val="0"/>
-              <a:satOff val="0"/>
-              <a:lumOff val="0"/>
-              <a:alphaOff val="0"/>
-            </a:schemeClr>
-          </a:solidFill>
-          <a:prstDash val="solid"/>
-          <a:miter lim="800000"/>
-        </a:ln>
-        <a:effectLst/>
-      </dsp:spPr>
-      <dsp:style>
-        <a:lnRef idx="2">
-          <a:scrgbClr r="0" g="0" b="0"/>
-        </a:lnRef>
-        <a:fillRef idx="1">
-          <a:scrgbClr r="0" g="0" b="0"/>
-        </a:fillRef>
-        <a:effectRef idx="0">
-          <a:scrgbClr r="0" g="0" b="0"/>
-        </a:effectRef>
-        <a:fontRef idx="minor">
-          <a:schemeClr val="lt1"/>
-        </a:fontRef>
-      </dsp:style>
-      <dsp:txBody>
-        <a:bodyPr spcFirstLastPara="0" vert="horz" wrap="square" lIns="11430" tIns="11430" rIns="11430" bIns="11430" numCol="1" spcCol="1270" anchor="ctr" anchorCtr="0">
-          <a:noAutofit/>
-        </a:bodyPr>
-        <a:lstStyle/>
-        <a:p>
-          <a:pPr lvl="0" algn="ctr" defTabSz="800100">
-            <a:lnSpc>
-              <a:spcPct val="90000"/>
-            </a:lnSpc>
-            <a:spcBef>
-              <a:spcPct val="0"/>
-            </a:spcBef>
-            <a:spcAft>
-              <a:spcPct val="35000"/>
-            </a:spcAft>
-          </a:pPr>
-          <a:r>
-            <a:rPr lang="pt-PT" sz="1800" u="none" kern="1200" dirty="0"/>
-            <a:t>Desporto</a:t>
-          </a:r>
-        </a:p>
-      </dsp:txBody>
-      <dsp:txXfrm>
-        <a:off x="4070574" y="5419893"/>
-        <a:ext cx="1263273" cy="428511"/>
-      </dsp:txXfrm>
-    </dsp:sp>
-    <dsp:sp modelId="{F75D6229-E722-4C5A-8752-308DFF186597}">
-      <dsp:nvSpPr>
-        <dsp:cNvPr id="0" name=""/>
-        <dsp:cNvSpPr/>
-      </dsp:nvSpPr>
-      <dsp:spPr>
-        <a:xfrm>
-          <a:off x="4070574" y="6168502"/>
-          <a:ext cx="1263273" cy="428511"/>
-        </a:xfrm>
-        <a:prstGeom prst="rect">
-          <a:avLst/>
-        </a:prstGeom>
-        <a:solidFill>
-          <a:schemeClr val="accent1">
-            <a:hueOff val="0"/>
-            <a:satOff val="0"/>
-            <a:lumOff val="0"/>
-            <a:alphaOff val="0"/>
-          </a:schemeClr>
-        </a:solidFill>
-        <a:ln w="12700" cap="flat" cmpd="sng" algn="ctr">
-          <a:solidFill>
-            <a:schemeClr val="lt1">
-              <a:hueOff val="0"/>
-              <a:satOff val="0"/>
-              <a:lumOff val="0"/>
-              <a:alphaOff val="0"/>
-            </a:schemeClr>
-          </a:solidFill>
-          <a:prstDash val="solid"/>
-          <a:miter lim="800000"/>
-        </a:ln>
-        <a:effectLst/>
-      </dsp:spPr>
-      <dsp:style>
-        <a:lnRef idx="2">
-          <a:scrgbClr r="0" g="0" b="0"/>
-        </a:lnRef>
-        <a:fillRef idx="1">
-          <a:scrgbClr r="0" g="0" b="0"/>
-        </a:fillRef>
-        <a:effectRef idx="0">
-          <a:scrgbClr r="0" g="0" b="0"/>
-        </a:effectRef>
-        <a:fontRef idx="minor">
-          <a:schemeClr val="lt1"/>
-        </a:fontRef>
-      </dsp:style>
-      <dsp:txBody>
-        <a:bodyPr spcFirstLastPara="0" vert="horz" wrap="square" lIns="11430" tIns="11430" rIns="11430" bIns="11430" numCol="1" spcCol="1270" anchor="ctr" anchorCtr="0">
-          <a:noAutofit/>
-        </a:bodyPr>
-        <a:lstStyle/>
-        <a:p>
-          <a:pPr lvl="0" algn="ctr" defTabSz="800100">
-            <a:lnSpc>
-              <a:spcPct val="90000"/>
-            </a:lnSpc>
-            <a:spcBef>
-              <a:spcPct val="0"/>
-            </a:spcBef>
-            <a:spcAft>
-              <a:spcPct val="35000"/>
-            </a:spcAft>
-          </a:pPr>
-          <a:r>
-            <a:rPr lang="pt-PT" sz="1800" u="none" kern="1200" dirty="0"/>
-            <a:t>Em Destaque</a:t>
-          </a:r>
-        </a:p>
-      </dsp:txBody>
-      <dsp:txXfrm>
-        <a:off x="4070574" y="6168502"/>
-        <a:ext cx="1263273" cy="428511"/>
+        <a:off x="2809216" y="4994587"/>
+        <a:ext cx="1592039" cy="540031"/>
       </dsp:txXfrm>
     </dsp:sp>
     <dsp:sp modelId="{B512DCC2-F8AD-4A88-8224-BF794CC14E60}">
@@ -5985,8 +4089,8 @@
       </dsp:nvSpPr>
       <dsp:spPr>
         <a:xfrm>
-          <a:off x="5533878" y="1343220"/>
-          <a:ext cx="1524274" cy="762137"/>
+          <a:off x="4653344" y="2687266"/>
+          <a:ext cx="1920966" cy="960483"/>
         </a:xfrm>
         <a:prstGeom prst="rect">
           <a:avLst/>
@@ -6058,8 +4162,8 @@
         </a:p>
       </dsp:txBody>
       <dsp:txXfrm>
-        <a:off x="5533878" y="1343220"/>
-        <a:ext cx="1524274" cy="762137"/>
+        <a:off x="4653344" y="2687266"/>
+        <a:ext cx="1920966" cy="960483"/>
       </dsp:txXfrm>
     </dsp:sp>
     <dsp:sp modelId="{8659CC59-2E2C-408C-A138-42297FB1F7FC}">
@@ -6069,8 +4173,8 @@
       </dsp:nvSpPr>
       <dsp:spPr>
         <a:xfrm>
-          <a:off x="7378250" y="1343220"/>
-          <a:ext cx="1524274" cy="762137"/>
+          <a:off x="6977714" y="2687266"/>
+          <a:ext cx="1920966" cy="960483"/>
         </a:xfrm>
         <a:prstGeom prst="rect">
           <a:avLst/>
@@ -6142,8 +4246,8 @@
         </a:p>
       </dsp:txBody>
       <dsp:txXfrm>
-        <a:off x="7378250" y="1343220"/>
-        <a:ext cx="1524274" cy="762137"/>
+        <a:off x="6977714" y="2687266"/>
+        <a:ext cx="1920966" cy="960483"/>
       </dsp:txXfrm>
     </dsp:sp>
   </dsp:spTree>
@@ -10592,7 +8696,7 @@
           <a:p>
             <a:fld id="{FE46BE1C-E5B9-40EB-B480-3B6CCE635393}" type="datetimeFigureOut">
               <a:rPr lang="en-GB" smtClean="0"/>
-              <a:t>30/12/2018</a:t>
+              <a:t>06/01/2019</a:t>
             </a:fld>
             <a:endParaRPr lang="en-GB"/>
           </a:p>
@@ -11744,7 +9848,7 @@
           <a:p>
             <a:fld id="{46E4206C-CDB6-49DB-A49C-1C74FE4EA3F6}" type="datetime1">
               <a:rPr lang="en-GB" smtClean="0"/>
-              <a:t>30/12/2018</a:t>
+              <a:t>06/01/2019</a:t>
             </a:fld>
             <a:endParaRPr lang="en-GB"/>
           </a:p>
@@ -11914,7 +10018,7 @@
           <a:p>
             <a:fld id="{EC42A3EE-7AFB-4F73-B39D-FB9AAAE09D70}" type="datetime1">
               <a:rPr lang="en-GB" smtClean="0"/>
-              <a:t>30/12/2018</a:t>
+              <a:t>06/01/2019</a:t>
             </a:fld>
             <a:endParaRPr lang="en-GB"/>
           </a:p>
@@ -12094,7 +10198,7 @@
           <a:p>
             <a:fld id="{297491F8-B1AD-48C8-B450-A9DE8FC9B4BC}" type="datetime1">
               <a:rPr lang="en-GB" smtClean="0"/>
-              <a:t>30/12/2018</a:t>
+              <a:t>06/01/2019</a:t>
             </a:fld>
             <a:endParaRPr lang="en-GB"/>
           </a:p>
@@ -12996,7 +11100,7 @@
           <a:p>
             <a:fld id="{1241B6BE-13A3-40C5-BAF7-2CC773D00FB0}" type="datetime1">
               <a:rPr lang="en-GB" smtClean="0"/>
-              <a:t>30/12/2018</a:t>
+              <a:t>06/01/2019</a:t>
             </a:fld>
             <a:endParaRPr lang="en-GB"/>
           </a:p>
@@ -13240,7 +11344,7 @@
           <a:p>
             <a:fld id="{30A9CCEB-FEAA-4C72-9118-04BDF5966FFB}" type="datetime1">
               <a:rPr lang="en-GB" smtClean="0"/>
-              <a:t>30/12/2018</a:t>
+              <a:t>06/01/2019</a:t>
             </a:fld>
             <a:endParaRPr lang="en-GB"/>
           </a:p>
@@ -13472,7 +11576,7 @@
           <a:p>
             <a:fld id="{DFAB555E-071C-48B6-AB80-445E4540AC68}" type="datetime1">
               <a:rPr lang="en-GB" smtClean="0"/>
-              <a:t>30/12/2018</a:t>
+              <a:t>06/01/2019</a:t>
             </a:fld>
             <a:endParaRPr lang="en-GB"/>
           </a:p>
@@ -13839,7 +11943,7 @@
           <a:p>
             <a:fld id="{71C8195A-F236-4C56-A7B6-A9E3130AE1F9}" type="datetime1">
               <a:rPr lang="en-GB" smtClean="0"/>
-              <a:t>30/12/2018</a:t>
+              <a:t>06/01/2019</a:t>
             </a:fld>
             <a:endParaRPr lang="en-GB"/>
           </a:p>
@@ -13957,7 +12061,7 @@
           <a:p>
             <a:fld id="{2F2BBF01-7E4A-4B0A-98AA-6A611EFD036E}" type="datetime1">
               <a:rPr lang="en-GB" smtClean="0"/>
-              <a:t>30/12/2018</a:t>
+              <a:t>06/01/2019</a:t>
             </a:fld>
             <a:endParaRPr lang="en-GB"/>
           </a:p>
@@ -14052,7 +12156,7 @@
           <a:p>
             <a:fld id="{6EBF66CE-A945-42FA-B1CB-E96DCD998F84}" type="datetime1">
               <a:rPr lang="en-GB" smtClean="0"/>
-              <a:t>30/12/2018</a:t>
+              <a:t>06/01/2019</a:t>
             </a:fld>
             <a:endParaRPr lang="en-GB"/>
           </a:p>
@@ -14329,7 +12433,7 @@
           <a:p>
             <a:fld id="{8E2C1C88-A111-4B14-B38C-BDD24B4F2065}" type="datetime1">
               <a:rPr lang="en-GB" smtClean="0"/>
-              <a:t>30/12/2018</a:t>
+              <a:t>06/01/2019</a:t>
             </a:fld>
             <a:endParaRPr lang="en-GB"/>
           </a:p>
@@ -14586,7 +12690,7 @@
           <a:p>
             <a:fld id="{A033B5E6-D2E8-4024-8FEA-9A34E9CC2096}" type="datetime1">
               <a:rPr lang="en-GB" smtClean="0"/>
-              <a:t>30/12/2018</a:t>
+              <a:t>06/01/2019</a:t>
             </a:fld>
             <a:endParaRPr lang="en-GB"/>
           </a:p>
@@ -14798,7 +12902,7 @@
           <a:p>
             <a:fld id="{86124722-C52C-4725-B554-5890676B8B27}" type="datetime1">
               <a:rPr lang="en-GB" smtClean="0"/>
-              <a:t>30/12/2018</a:t>
+              <a:t>06/01/2019</a:t>
             </a:fld>
             <a:endParaRPr lang="en-GB"/>
           </a:p>
@@ -16022,173 +14126,6 @@
       </p:grpSpPr>
       <p:sp>
         <p:nvSpPr>
-          <p:cNvPr id="2" name="Content Placeholder 1">
-            <a:extLst>
-              <a:ext uri="{FF2B5EF4-FFF2-40B4-BE49-F238E27FC236}">
-                <a16:creationId xmlns="" xmlns:a16="http://schemas.microsoft.com/office/drawing/2014/main" id="{61284A3C-35C7-47BB-B5EF-3A5AFD39F048}"/>
-              </a:ext>
-            </a:extLst>
-          </p:cNvPr>
-          <p:cNvSpPr>
-            <a:spLocks noGrp="1"/>
-          </p:cNvSpPr>
-          <p:nvPr>
-            <p:ph idx="1"/>
-          </p:nvPr>
-        </p:nvSpPr>
-        <p:spPr/>
-        <p:txBody>
-          <a:bodyPr/>
-          <a:lstStyle/>
-          <a:p>
-            <a:endParaRPr lang="pt-PT" dirty="0"/>
-          </a:p>
-        </p:txBody>
-      </p:sp>
-      <p:sp>
-        <p:nvSpPr>
-          <p:cNvPr id="3" name="Content Placeholder 2">
-            <a:extLst>
-              <a:ext uri="{FF2B5EF4-FFF2-40B4-BE49-F238E27FC236}">
-                <a16:creationId xmlns="" xmlns:a16="http://schemas.microsoft.com/office/drawing/2014/main" id="{75B62007-2099-491F-B9CC-679828859075}"/>
-              </a:ext>
-            </a:extLst>
-          </p:cNvPr>
-          <p:cNvSpPr>
-            <a:spLocks noGrp="1"/>
-          </p:cNvSpPr>
-          <p:nvPr>
-            <p:ph idx="10"/>
-          </p:nvPr>
-        </p:nvSpPr>
-        <p:spPr/>
-        <p:txBody>
-          <a:bodyPr/>
-          <a:lstStyle/>
-          <a:p>
-            <a:endParaRPr lang="pt-PT" dirty="0"/>
-          </a:p>
-        </p:txBody>
-      </p:sp>
-      <p:sp>
-        <p:nvSpPr>
-          <p:cNvPr id="5" name="Content Placeholder 4">
-            <a:extLst>
-              <a:ext uri="{FF2B5EF4-FFF2-40B4-BE49-F238E27FC236}">
-                <a16:creationId xmlns="" xmlns:a16="http://schemas.microsoft.com/office/drawing/2014/main" id="{03F0B0E7-9DC5-4E64-84FC-E41A42350BE1}"/>
-              </a:ext>
-            </a:extLst>
-          </p:cNvPr>
-          <p:cNvSpPr>
-            <a:spLocks noGrp="1"/>
-          </p:cNvSpPr>
-          <p:nvPr>
-            <p:ph idx="12"/>
-          </p:nvPr>
-        </p:nvSpPr>
-        <p:spPr/>
-        <p:txBody>
-          <a:bodyPr/>
-          <a:lstStyle/>
-          <a:p>
-            <a:endParaRPr lang="pt-PT" dirty="0"/>
-          </a:p>
-        </p:txBody>
-      </p:sp>
-      <p:sp>
-        <p:nvSpPr>
-          <p:cNvPr id="6" name="Content Placeholder 5">
-            <a:extLst>
-              <a:ext uri="{FF2B5EF4-FFF2-40B4-BE49-F238E27FC236}">
-                <a16:creationId xmlns="" xmlns:a16="http://schemas.microsoft.com/office/drawing/2014/main" id="{AAD76EA7-FFDD-4221-8BFA-2CF2F90A53A9}"/>
-              </a:ext>
-            </a:extLst>
-          </p:cNvPr>
-          <p:cNvSpPr>
-            <a:spLocks noGrp="1"/>
-          </p:cNvSpPr>
-          <p:nvPr>
-            <p:ph idx="13"/>
-          </p:nvPr>
-        </p:nvSpPr>
-        <p:spPr/>
-        <p:txBody>
-          <a:bodyPr/>
-          <a:lstStyle/>
-          <a:p>
-            <a:r>
-              <a:rPr lang="pt-PT" dirty="0" smtClean="0"/>
-              <a:t>Música</a:t>
-            </a:r>
-            <a:endParaRPr lang="pt-PT" dirty="0"/>
-          </a:p>
-        </p:txBody>
-      </p:sp>
-      <p:pic>
-        <p:nvPicPr>
-          <p:cNvPr id="7" name="Google Shape;218;p21"/>
-          <p:cNvPicPr preferRelativeResize="0">
-            <a:picLocks noGrp="1"/>
-          </p:cNvPicPr>
-          <p:nvPr>
-            <p:ph idx="11"/>
-          </p:nvPr>
-        </p:nvPicPr>
-        <p:blipFill rotWithShape="1">
-          <a:blip r:embed="rId2">
-            <a:alphaModFix/>
-          </a:blip>
-          <a:srcRect/>
-          <a:stretch/>
-        </p:blipFill>
-        <p:spPr>
-          <a:xfrm>
-            <a:off x="1967430" y="684213"/>
-            <a:ext cx="3367639" cy="3194050"/>
-          </a:xfrm>
-          <a:prstGeom prst="rect">
-            <a:avLst/>
-          </a:prstGeom>
-          <a:solidFill>
-            <a:srgbClr val="FBE4D4"/>
-          </a:solidFill>
-          <a:ln>
-            <a:noFill/>
-          </a:ln>
-        </p:spPr>
-      </p:pic>
-    </p:spTree>
-    <p:extLst>
-      <p:ext uri="{BB962C8B-B14F-4D97-AF65-F5344CB8AC3E}">
-        <p14:creationId xmlns:p14="http://schemas.microsoft.com/office/powerpoint/2010/main" val="4011758723"/>
-      </p:ext>
-    </p:extLst>
-  </p:cSld>
-  <p:clrMapOvr>
-    <a:masterClrMapping/>
-  </p:clrMapOvr>
-</p:sld>
-</file>
-
-<file path=ppt/slides/slide11.xml><?xml version="1.0" encoding="utf-8"?>
-<p:sld xmlns:a="http://schemas.openxmlformats.org/drawingml/2006/main" xmlns:r="http://schemas.openxmlformats.org/officeDocument/2006/relationships" xmlns:p="http://schemas.openxmlformats.org/presentationml/2006/main">
-  <p:cSld>
-    <p:spTree>
-      <p:nvGrpSpPr>
-        <p:cNvPr id="1" name=""/>
-        <p:cNvGrpSpPr/>
-        <p:nvPr/>
-      </p:nvGrpSpPr>
-      <p:grpSpPr>
-        <a:xfrm>
-          <a:off x="0" y="0"/>
-          <a:ext cx="0" cy="0"/>
-          <a:chOff x="0" y="0"/>
-          <a:chExt cx="0" cy="0"/>
-        </a:xfrm>
-      </p:grpSpPr>
-      <p:sp>
-        <p:nvSpPr>
           <p:cNvPr id="2" name="Marcador de Posição de Conteúdo 1"/>
           <p:cNvSpPr>
             <a:spLocks noGrp="1"/>
@@ -16221,7 +14158,11 @@
           <a:bodyPr/>
           <a:lstStyle/>
           <a:p>
-            <a:endParaRPr lang="pt-PT"/>
+            <a:r>
+              <a:rPr lang="pt-PT" dirty="0" smtClean="0"/>
+              <a:t>Header5,jpg</a:t>
+            </a:r>
+            <a:endParaRPr lang="pt-PT" dirty="0"/>
           </a:p>
         </p:txBody>
       </p:sp>
@@ -16240,7 +14181,56 @@
           <a:bodyPr/>
           <a:lstStyle/>
           <a:p>
-            <a:endParaRPr lang="pt-PT"/>
+            <a:r>
+              <a:rPr lang="pt-PT" dirty="0" smtClean="0"/>
+              <a:t>Contactos</a:t>
+            </a:r>
+          </a:p>
+          <a:p>
+            <a:r>
+              <a:rPr lang="pt-PT" dirty="0" smtClean="0"/>
+              <a:t>Website produzido por: Daniel Martins Mata e Guilherme Breia Lopes</a:t>
+            </a:r>
+          </a:p>
+          <a:p>
+            <a:r>
+              <a:rPr lang="pt-PT" dirty="0" smtClean="0"/>
+              <a:t>E-mail </a:t>
+            </a:r>
+          </a:p>
+          <a:p>
+            <a:pPr marL="0" indent="0">
+              <a:buNone/>
+            </a:pPr>
+            <a:r>
+              <a:rPr lang="pt-PT" dirty="0"/>
+              <a:t>	</a:t>
+            </a:r>
+            <a:r>
+              <a:rPr lang="pt-PT" dirty="0" smtClean="0"/>
+              <a:t>Daniel Mata: </a:t>
+            </a:r>
+            <a:r>
+              <a:rPr lang="pt-PT" dirty="0" smtClean="0">
+                <a:hlinkClick r:id="rId2"/>
+              </a:rPr>
+              <a:t>daniel.mata@ubi.pt</a:t>
+            </a:r>
+            <a:endParaRPr lang="pt-PT" dirty="0" smtClean="0"/>
+          </a:p>
+          <a:p>
+            <a:pPr marL="0" indent="0">
+              <a:buNone/>
+            </a:pPr>
+            <a:r>
+              <a:rPr lang="pt-PT" dirty="0"/>
+              <a:t>	</a:t>
+            </a:r>
+            <a:r>
+              <a:rPr lang="pt-PT" dirty="0" smtClean="0"/>
+              <a:t>Guilherme Lopes: guilherme.breia.lopes@ubi.pt</a:t>
+            </a:r>
+            <a:endParaRPr lang="pt-PT" dirty="0"/>
           </a:p>
         </p:txBody>
       </p:sp>
@@ -16261,769 +14251,6 @@
           <a:p>
             <a:r>
               <a:rPr lang="pt-PT" dirty="0" smtClean="0"/>
-              <a:t>Noite</a:t>
-            </a:r>
-            <a:endParaRPr lang="pt-PT" dirty="0"/>
-          </a:p>
-        </p:txBody>
-      </p:sp>
-      <p:pic>
-        <p:nvPicPr>
-          <p:cNvPr id="7" name="Google Shape;218;p21"/>
-          <p:cNvPicPr preferRelativeResize="0">
-            <a:picLocks noGrp="1"/>
-          </p:cNvPicPr>
-          <p:nvPr>
-            <p:ph idx="11"/>
-          </p:nvPr>
-        </p:nvPicPr>
-        <p:blipFill rotWithShape="1">
-          <a:blip r:embed="rId2">
-            <a:alphaModFix/>
-          </a:blip>
-          <a:srcRect/>
-          <a:stretch/>
-        </p:blipFill>
-        <p:spPr>
-          <a:xfrm>
-            <a:off x="1967430" y="684213"/>
-            <a:ext cx="3367639" cy="3194050"/>
-          </a:xfrm>
-          <a:prstGeom prst="rect">
-            <a:avLst/>
-          </a:prstGeom>
-          <a:solidFill>
-            <a:srgbClr val="FBE4D4"/>
-          </a:solidFill>
-          <a:ln>
-            <a:noFill/>
-          </a:ln>
-        </p:spPr>
-      </p:pic>
-    </p:spTree>
-    <p:extLst>
-      <p:ext uri="{BB962C8B-B14F-4D97-AF65-F5344CB8AC3E}">
-        <p14:creationId xmlns:p14="http://schemas.microsoft.com/office/powerpoint/2010/main" val="145047405"/>
-      </p:ext>
-    </p:extLst>
-  </p:cSld>
-  <p:clrMapOvr>
-    <a:masterClrMapping/>
-  </p:clrMapOvr>
-</p:sld>
-</file>
-
-<file path=ppt/slides/slide12.xml><?xml version="1.0" encoding="utf-8"?>
-<p:sld xmlns:a="http://schemas.openxmlformats.org/drawingml/2006/main" xmlns:r="http://schemas.openxmlformats.org/officeDocument/2006/relationships" xmlns:p="http://schemas.openxmlformats.org/presentationml/2006/main">
-  <p:cSld>
-    <p:spTree>
-      <p:nvGrpSpPr>
-        <p:cNvPr id="1" name=""/>
-        <p:cNvGrpSpPr/>
-        <p:nvPr/>
-      </p:nvGrpSpPr>
-      <p:grpSpPr>
-        <a:xfrm>
-          <a:off x="0" y="0"/>
-          <a:ext cx="0" cy="0"/>
-          <a:chOff x="0" y="0"/>
-          <a:chExt cx="0" cy="0"/>
-        </a:xfrm>
-      </p:grpSpPr>
-      <p:sp>
-        <p:nvSpPr>
-          <p:cNvPr id="2" name="Content Placeholder 1">
-            <a:extLst>
-              <a:ext uri="{FF2B5EF4-FFF2-40B4-BE49-F238E27FC236}">
-                <a16:creationId xmlns="" xmlns:a16="http://schemas.microsoft.com/office/drawing/2014/main" id="{61284A3C-35C7-47BB-B5EF-3A5AFD39F048}"/>
-              </a:ext>
-            </a:extLst>
-          </p:cNvPr>
-          <p:cNvSpPr>
-            <a:spLocks noGrp="1"/>
-          </p:cNvSpPr>
-          <p:nvPr>
-            <p:ph idx="1"/>
-          </p:nvPr>
-        </p:nvSpPr>
-        <p:spPr/>
-        <p:txBody>
-          <a:bodyPr/>
-          <a:lstStyle/>
-          <a:p>
-            <a:endParaRPr lang="pt-PT" dirty="0"/>
-          </a:p>
-        </p:txBody>
-      </p:sp>
-      <p:sp>
-        <p:nvSpPr>
-          <p:cNvPr id="3" name="Content Placeholder 2">
-            <a:extLst>
-              <a:ext uri="{FF2B5EF4-FFF2-40B4-BE49-F238E27FC236}">
-                <a16:creationId xmlns="" xmlns:a16="http://schemas.microsoft.com/office/drawing/2014/main" id="{75B62007-2099-491F-B9CC-679828859075}"/>
-              </a:ext>
-            </a:extLst>
-          </p:cNvPr>
-          <p:cNvSpPr>
-            <a:spLocks noGrp="1"/>
-          </p:cNvSpPr>
-          <p:nvPr>
-            <p:ph idx="10"/>
-          </p:nvPr>
-        </p:nvSpPr>
-        <p:spPr/>
-        <p:txBody>
-          <a:bodyPr/>
-          <a:lstStyle/>
-          <a:p>
-            <a:endParaRPr lang="pt-PT" dirty="0"/>
-          </a:p>
-        </p:txBody>
-      </p:sp>
-      <p:sp>
-        <p:nvSpPr>
-          <p:cNvPr id="5" name="Content Placeholder 4">
-            <a:extLst>
-              <a:ext uri="{FF2B5EF4-FFF2-40B4-BE49-F238E27FC236}">
-                <a16:creationId xmlns="" xmlns:a16="http://schemas.microsoft.com/office/drawing/2014/main" id="{03F0B0E7-9DC5-4E64-84FC-E41A42350BE1}"/>
-              </a:ext>
-            </a:extLst>
-          </p:cNvPr>
-          <p:cNvSpPr>
-            <a:spLocks noGrp="1"/>
-          </p:cNvSpPr>
-          <p:nvPr>
-            <p:ph idx="12"/>
-          </p:nvPr>
-        </p:nvSpPr>
-        <p:spPr/>
-        <p:txBody>
-          <a:bodyPr/>
-          <a:lstStyle/>
-          <a:p>
-            <a:endParaRPr lang="pt-PT" dirty="0"/>
-          </a:p>
-        </p:txBody>
-      </p:sp>
-      <p:sp>
-        <p:nvSpPr>
-          <p:cNvPr id="6" name="Content Placeholder 5">
-            <a:extLst>
-              <a:ext uri="{FF2B5EF4-FFF2-40B4-BE49-F238E27FC236}">
-                <a16:creationId xmlns="" xmlns:a16="http://schemas.microsoft.com/office/drawing/2014/main" id="{AAD76EA7-FFDD-4221-8BFA-2CF2F90A53A9}"/>
-              </a:ext>
-            </a:extLst>
-          </p:cNvPr>
-          <p:cNvSpPr>
-            <a:spLocks noGrp="1"/>
-          </p:cNvSpPr>
-          <p:nvPr>
-            <p:ph idx="13"/>
-          </p:nvPr>
-        </p:nvSpPr>
-        <p:spPr/>
-        <p:txBody>
-          <a:bodyPr/>
-          <a:lstStyle/>
-          <a:p>
-            <a:r>
-              <a:rPr lang="pt-PT" dirty="0" smtClean="0"/>
-              <a:t>Cultura</a:t>
-            </a:r>
-            <a:endParaRPr lang="pt-PT" dirty="0"/>
-          </a:p>
-        </p:txBody>
-      </p:sp>
-      <p:pic>
-        <p:nvPicPr>
-          <p:cNvPr id="7" name="Google Shape;218;p21"/>
-          <p:cNvPicPr preferRelativeResize="0">
-            <a:picLocks noGrp="1"/>
-          </p:cNvPicPr>
-          <p:nvPr>
-            <p:ph idx="11"/>
-          </p:nvPr>
-        </p:nvPicPr>
-        <p:blipFill rotWithShape="1">
-          <a:blip r:embed="rId2">
-            <a:alphaModFix/>
-          </a:blip>
-          <a:srcRect/>
-          <a:stretch/>
-        </p:blipFill>
-        <p:spPr>
-          <a:xfrm>
-            <a:off x="1967430" y="684213"/>
-            <a:ext cx="3367639" cy="3194050"/>
-          </a:xfrm>
-          <a:prstGeom prst="rect">
-            <a:avLst/>
-          </a:prstGeom>
-          <a:solidFill>
-            <a:srgbClr val="FBE4D4"/>
-          </a:solidFill>
-          <a:ln>
-            <a:noFill/>
-          </a:ln>
-        </p:spPr>
-      </p:pic>
-    </p:spTree>
-    <p:extLst>
-      <p:ext uri="{BB962C8B-B14F-4D97-AF65-F5344CB8AC3E}">
-        <p14:creationId xmlns:p14="http://schemas.microsoft.com/office/powerpoint/2010/main" val="3944840309"/>
-      </p:ext>
-    </p:extLst>
-  </p:cSld>
-  <p:clrMapOvr>
-    <a:masterClrMapping/>
-  </p:clrMapOvr>
-</p:sld>
-</file>
-
-<file path=ppt/slides/slide13.xml><?xml version="1.0" encoding="utf-8"?>
-<p:sld xmlns:a="http://schemas.openxmlformats.org/drawingml/2006/main" xmlns:r="http://schemas.openxmlformats.org/officeDocument/2006/relationships" xmlns:p="http://schemas.openxmlformats.org/presentationml/2006/main">
-  <p:cSld>
-    <p:spTree>
-      <p:nvGrpSpPr>
-        <p:cNvPr id="1" name=""/>
-        <p:cNvGrpSpPr/>
-        <p:nvPr/>
-      </p:nvGrpSpPr>
-      <p:grpSpPr>
-        <a:xfrm>
-          <a:off x="0" y="0"/>
-          <a:ext cx="0" cy="0"/>
-          <a:chOff x="0" y="0"/>
-          <a:chExt cx="0" cy="0"/>
-        </a:xfrm>
-      </p:grpSpPr>
-      <p:sp>
-        <p:nvSpPr>
-          <p:cNvPr id="2" name="Content Placeholder 1">
-            <a:extLst>
-              <a:ext uri="{FF2B5EF4-FFF2-40B4-BE49-F238E27FC236}">
-                <a16:creationId xmlns="" xmlns:a16="http://schemas.microsoft.com/office/drawing/2014/main" id="{61284A3C-35C7-47BB-B5EF-3A5AFD39F048}"/>
-              </a:ext>
-            </a:extLst>
-          </p:cNvPr>
-          <p:cNvSpPr>
-            <a:spLocks noGrp="1"/>
-          </p:cNvSpPr>
-          <p:nvPr>
-            <p:ph idx="1"/>
-          </p:nvPr>
-        </p:nvSpPr>
-        <p:spPr/>
-        <p:txBody>
-          <a:bodyPr/>
-          <a:lstStyle/>
-          <a:p>
-            <a:endParaRPr lang="pt-PT" dirty="0"/>
-          </a:p>
-        </p:txBody>
-      </p:sp>
-      <p:sp>
-        <p:nvSpPr>
-          <p:cNvPr id="3" name="Content Placeholder 2">
-            <a:extLst>
-              <a:ext uri="{FF2B5EF4-FFF2-40B4-BE49-F238E27FC236}">
-                <a16:creationId xmlns="" xmlns:a16="http://schemas.microsoft.com/office/drawing/2014/main" id="{75B62007-2099-491F-B9CC-679828859075}"/>
-              </a:ext>
-            </a:extLst>
-          </p:cNvPr>
-          <p:cNvSpPr>
-            <a:spLocks noGrp="1"/>
-          </p:cNvSpPr>
-          <p:nvPr>
-            <p:ph idx="10"/>
-          </p:nvPr>
-        </p:nvSpPr>
-        <p:spPr/>
-        <p:txBody>
-          <a:bodyPr/>
-          <a:lstStyle/>
-          <a:p>
-            <a:endParaRPr lang="pt-PT" dirty="0"/>
-          </a:p>
-        </p:txBody>
-      </p:sp>
-      <p:sp>
-        <p:nvSpPr>
-          <p:cNvPr id="5" name="Content Placeholder 4">
-            <a:extLst>
-              <a:ext uri="{FF2B5EF4-FFF2-40B4-BE49-F238E27FC236}">
-                <a16:creationId xmlns="" xmlns:a16="http://schemas.microsoft.com/office/drawing/2014/main" id="{03F0B0E7-9DC5-4E64-84FC-E41A42350BE1}"/>
-              </a:ext>
-            </a:extLst>
-          </p:cNvPr>
-          <p:cNvSpPr>
-            <a:spLocks noGrp="1"/>
-          </p:cNvSpPr>
-          <p:nvPr>
-            <p:ph idx="12"/>
-          </p:nvPr>
-        </p:nvSpPr>
-        <p:spPr/>
-        <p:txBody>
-          <a:bodyPr/>
-          <a:lstStyle/>
-          <a:p>
-            <a:endParaRPr lang="pt-PT" dirty="0"/>
-          </a:p>
-        </p:txBody>
-      </p:sp>
-      <p:sp>
-        <p:nvSpPr>
-          <p:cNvPr id="6" name="Content Placeholder 5">
-            <a:extLst>
-              <a:ext uri="{FF2B5EF4-FFF2-40B4-BE49-F238E27FC236}">
-                <a16:creationId xmlns="" xmlns:a16="http://schemas.microsoft.com/office/drawing/2014/main" id="{AAD76EA7-FFDD-4221-8BFA-2CF2F90A53A9}"/>
-              </a:ext>
-            </a:extLst>
-          </p:cNvPr>
-          <p:cNvSpPr>
-            <a:spLocks noGrp="1"/>
-          </p:cNvSpPr>
-          <p:nvPr>
-            <p:ph idx="13"/>
-          </p:nvPr>
-        </p:nvSpPr>
-        <p:spPr/>
-        <p:txBody>
-          <a:bodyPr/>
-          <a:lstStyle/>
-          <a:p>
-            <a:r>
-              <a:rPr lang="pt-PT" dirty="0" smtClean="0"/>
-              <a:t>Desporto </a:t>
-            </a:r>
-            <a:endParaRPr lang="pt-PT" dirty="0"/>
-          </a:p>
-        </p:txBody>
-      </p:sp>
-      <p:pic>
-        <p:nvPicPr>
-          <p:cNvPr id="7" name="Google Shape;218;p21"/>
-          <p:cNvPicPr preferRelativeResize="0">
-            <a:picLocks noGrp="1"/>
-          </p:cNvPicPr>
-          <p:nvPr>
-            <p:ph idx="11"/>
-          </p:nvPr>
-        </p:nvPicPr>
-        <p:blipFill rotWithShape="1">
-          <a:blip r:embed="rId2">
-            <a:alphaModFix/>
-          </a:blip>
-          <a:srcRect/>
-          <a:stretch/>
-        </p:blipFill>
-        <p:spPr>
-          <a:xfrm>
-            <a:off x="1967430" y="684213"/>
-            <a:ext cx="3367639" cy="3194050"/>
-          </a:xfrm>
-          <a:prstGeom prst="rect">
-            <a:avLst/>
-          </a:prstGeom>
-          <a:solidFill>
-            <a:srgbClr val="FBE4D4"/>
-          </a:solidFill>
-          <a:ln>
-            <a:noFill/>
-          </a:ln>
-        </p:spPr>
-      </p:pic>
-    </p:spTree>
-    <p:extLst>
-      <p:ext uri="{BB962C8B-B14F-4D97-AF65-F5344CB8AC3E}">
-        <p14:creationId xmlns:p14="http://schemas.microsoft.com/office/powerpoint/2010/main" val="3201941665"/>
-      </p:ext>
-    </p:extLst>
-  </p:cSld>
-  <p:clrMapOvr>
-    <a:masterClrMapping/>
-  </p:clrMapOvr>
-</p:sld>
-</file>
-
-<file path=ppt/slides/slide14.xml><?xml version="1.0" encoding="utf-8"?>
-<p:sld xmlns:a="http://schemas.openxmlformats.org/drawingml/2006/main" xmlns:r="http://schemas.openxmlformats.org/officeDocument/2006/relationships" xmlns:p="http://schemas.openxmlformats.org/presentationml/2006/main">
-  <p:cSld>
-    <p:spTree>
-      <p:nvGrpSpPr>
-        <p:cNvPr id="1" name=""/>
-        <p:cNvGrpSpPr/>
-        <p:nvPr/>
-      </p:nvGrpSpPr>
-      <p:grpSpPr>
-        <a:xfrm>
-          <a:off x="0" y="0"/>
-          <a:ext cx="0" cy="0"/>
-          <a:chOff x="0" y="0"/>
-          <a:chExt cx="0" cy="0"/>
-        </a:xfrm>
-      </p:grpSpPr>
-      <p:sp>
-        <p:nvSpPr>
-          <p:cNvPr id="2" name="Marcador de Posição de Conteúdo 1"/>
-          <p:cNvSpPr>
-            <a:spLocks noGrp="1"/>
-          </p:cNvSpPr>
-          <p:nvPr>
-            <p:ph idx="1"/>
-          </p:nvPr>
-        </p:nvSpPr>
-        <p:spPr/>
-        <p:txBody>
-          <a:bodyPr/>
-          <a:lstStyle/>
-          <a:p>
-            <a:endParaRPr lang="pt-PT"/>
-          </a:p>
-        </p:txBody>
-      </p:sp>
-      <p:sp>
-        <p:nvSpPr>
-          <p:cNvPr id="3" name="Marcador de Posição de Conteúdo 2"/>
-          <p:cNvSpPr>
-            <a:spLocks noGrp="1"/>
-          </p:cNvSpPr>
-          <p:nvPr>
-            <p:ph idx="10"/>
-          </p:nvPr>
-        </p:nvSpPr>
-        <p:spPr/>
-        <p:txBody>
-          <a:bodyPr/>
-          <a:lstStyle/>
-          <a:p>
-            <a:endParaRPr lang="pt-PT"/>
-          </a:p>
-        </p:txBody>
-      </p:sp>
-      <p:sp>
-        <p:nvSpPr>
-          <p:cNvPr id="5" name="Marcador de Posição de Conteúdo 4"/>
-          <p:cNvSpPr>
-            <a:spLocks noGrp="1"/>
-          </p:cNvSpPr>
-          <p:nvPr>
-            <p:ph idx="12"/>
-          </p:nvPr>
-        </p:nvSpPr>
-        <p:spPr/>
-        <p:txBody>
-          <a:bodyPr/>
-          <a:lstStyle/>
-          <a:p>
-            <a:endParaRPr lang="pt-PT"/>
-          </a:p>
-        </p:txBody>
-      </p:sp>
-      <p:sp>
-        <p:nvSpPr>
-          <p:cNvPr id="6" name="Marcador de Posição de Conteúdo 5"/>
-          <p:cNvSpPr>
-            <a:spLocks noGrp="1"/>
-          </p:cNvSpPr>
-          <p:nvPr>
-            <p:ph idx="13"/>
-          </p:nvPr>
-        </p:nvSpPr>
-        <p:spPr/>
-        <p:txBody>
-          <a:bodyPr/>
-          <a:lstStyle/>
-          <a:p>
-            <a:r>
-              <a:rPr lang="pt-PT" dirty="0" smtClean="0"/>
-              <a:t>Em destaque</a:t>
-            </a:r>
-            <a:endParaRPr lang="pt-PT" dirty="0"/>
-          </a:p>
-        </p:txBody>
-      </p:sp>
-      <p:pic>
-        <p:nvPicPr>
-          <p:cNvPr id="7" name="Google Shape;218;p21"/>
-          <p:cNvPicPr preferRelativeResize="0">
-            <a:picLocks noGrp="1"/>
-          </p:cNvPicPr>
-          <p:nvPr>
-            <p:ph idx="11"/>
-          </p:nvPr>
-        </p:nvPicPr>
-        <p:blipFill rotWithShape="1">
-          <a:blip r:embed="rId2">
-            <a:alphaModFix/>
-          </a:blip>
-          <a:srcRect/>
-          <a:stretch/>
-        </p:blipFill>
-        <p:spPr>
-          <a:xfrm>
-            <a:off x="1967430" y="684213"/>
-            <a:ext cx="3367639" cy="3194050"/>
-          </a:xfrm>
-          <a:prstGeom prst="rect">
-            <a:avLst/>
-          </a:prstGeom>
-          <a:solidFill>
-            <a:srgbClr val="FBE4D4"/>
-          </a:solidFill>
-          <a:ln>
-            <a:noFill/>
-          </a:ln>
-        </p:spPr>
-      </p:pic>
-    </p:spTree>
-    <p:extLst>
-      <p:ext uri="{BB962C8B-B14F-4D97-AF65-F5344CB8AC3E}">
-        <p14:creationId xmlns:p14="http://schemas.microsoft.com/office/powerpoint/2010/main" val="1369871826"/>
-      </p:ext>
-    </p:extLst>
-  </p:cSld>
-  <p:clrMapOvr>
-    <a:masterClrMapping/>
-  </p:clrMapOvr>
-</p:sld>
-</file>
-
-<file path=ppt/slides/slide15.xml><?xml version="1.0" encoding="utf-8"?>
-<p:sld xmlns:a="http://schemas.openxmlformats.org/drawingml/2006/main" xmlns:r="http://schemas.openxmlformats.org/officeDocument/2006/relationships" xmlns:p="http://schemas.openxmlformats.org/presentationml/2006/main">
-  <p:cSld>
-    <p:spTree>
-      <p:nvGrpSpPr>
-        <p:cNvPr id="1" name=""/>
-        <p:cNvGrpSpPr/>
-        <p:nvPr/>
-      </p:nvGrpSpPr>
-      <p:grpSpPr>
-        <a:xfrm>
-          <a:off x="0" y="0"/>
-          <a:ext cx="0" cy="0"/>
-          <a:chOff x="0" y="0"/>
-          <a:chExt cx="0" cy="0"/>
-        </a:xfrm>
-      </p:grpSpPr>
-      <p:sp>
-        <p:nvSpPr>
-          <p:cNvPr id="2" name="Marcador de Posição de Conteúdo 1"/>
-          <p:cNvSpPr>
-            <a:spLocks noGrp="1"/>
-          </p:cNvSpPr>
-          <p:nvPr>
-            <p:ph idx="1"/>
-          </p:nvPr>
-        </p:nvSpPr>
-        <p:spPr/>
-        <p:txBody>
-          <a:bodyPr/>
-          <a:lstStyle/>
-          <a:p>
-            <a:endParaRPr lang="pt-PT"/>
-          </a:p>
-        </p:txBody>
-      </p:sp>
-      <p:sp>
-        <p:nvSpPr>
-          <p:cNvPr id="3" name="Marcador de Posição de Conteúdo 2"/>
-          <p:cNvSpPr>
-            <a:spLocks noGrp="1"/>
-          </p:cNvSpPr>
-          <p:nvPr>
-            <p:ph idx="10"/>
-          </p:nvPr>
-        </p:nvSpPr>
-        <p:spPr/>
-        <p:txBody>
-          <a:bodyPr/>
-          <a:lstStyle/>
-          <a:p>
-            <a:endParaRPr lang="pt-PT"/>
-          </a:p>
-        </p:txBody>
-      </p:sp>
-      <p:sp>
-        <p:nvSpPr>
-          <p:cNvPr id="5" name="Marcador de Posição de Conteúdo 4"/>
-          <p:cNvSpPr>
-            <a:spLocks noGrp="1"/>
-          </p:cNvSpPr>
-          <p:nvPr>
-            <p:ph idx="12"/>
-          </p:nvPr>
-        </p:nvSpPr>
-        <p:spPr/>
-        <p:txBody>
-          <a:bodyPr/>
-          <a:lstStyle/>
-          <a:p>
-            <a:endParaRPr lang="pt-PT"/>
-          </a:p>
-        </p:txBody>
-      </p:sp>
-      <p:sp>
-        <p:nvSpPr>
-          <p:cNvPr id="6" name="Marcador de Posição de Conteúdo 5"/>
-          <p:cNvSpPr>
-            <a:spLocks noGrp="1"/>
-          </p:cNvSpPr>
-          <p:nvPr>
-            <p:ph idx="13"/>
-          </p:nvPr>
-        </p:nvSpPr>
-        <p:spPr/>
-        <p:txBody>
-          <a:bodyPr/>
-          <a:lstStyle/>
-          <a:p>
-            <a:r>
-              <a:rPr lang="pt-PT" dirty="0" smtClean="0"/>
-              <a:t>Sobre</a:t>
-            </a:r>
-            <a:endParaRPr lang="pt-PT" dirty="0"/>
-          </a:p>
-        </p:txBody>
-      </p:sp>
-      <p:pic>
-        <p:nvPicPr>
-          <p:cNvPr id="7" name="Google Shape;227;p22"/>
-          <p:cNvPicPr preferRelativeResize="0">
-            <a:picLocks noGrp="1"/>
-          </p:cNvPicPr>
-          <p:nvPr>
-            <p:ph idx="11"/>
-          </p:nvPr>
-        </p:nvPicPr>
-        <p:blipFill rotWithShape="1">
-          <a:blip r:embed="rId2">
-            <a:alphaModFix/>
-          </a:blip>
-          <a:srcRect/>
-          <a:stretch/>
-        </p:blipFill>
-        <p:spPr>
-          <a:xfrm>
-            <a:off x="1967430" y="684213"/>
-            <a:ext cx="3367639" cy="3194050"/>
-          </a:xfrm>
-          <a:prstGeom prst="rect">
-            <a:avLst/>
-          </a:prstGeom>
-          <a:solidFill>
-            <a:srgbClr val="FBE4D4"/>
-          </a:solidFill>
-          <a:ln>
-            <a:noFill/>
-          </a:ln>
-        </p:spPr>
-      </p:pic>
-    </p:spTree>
-    <p:extLst>
-      <p:ext uri="{BB962C8B-B14F-4D97-AF65-F5344CB8AC3E}">
-        <p14:creationId xmlns:p14="http://schemas.microsoft.com/office/powerpoint/2010/main" val="971092631"/>
-      </p:ext>
-    </p:extLst>
-  </p:cSld>
-  <p:clrMapOvr>
-    <a:masterClrMapping/>
-  </p:clrMapOvr>
-</p:sld>
-</file>
-
-<file path=ppt/slides/slide16.xml><?xml version="1.0" encoding="utf-8"?>
-<p:sld xmlns:a="http://schemas.openxmlformats.org/drawingml/2006/main" xmlns:r="http://schemas.openxmlformats.org/officeDocument/2006/relationships" xmlns:p="http://schemas.openxmlformats.org/presentationml/2006/main">
-  <p:cSld>
-    <p:spTree>
-      <p:nvGrpSpPr>
-        <p:cNvPr id="1" name=""/>
-        <p:cNvGrpSpPr/>
-        <p:nvPr/>
-      </p:nvGrpSpPr>
-      <p:grpSpPr>
-        <a:xfrm>
-          <a:off x="0" y="0"/>
-          <a:ext cx="0" cy="0"/>
-          <a:chOff x="0" y="0"/>
-          <a:chExt cx="0" cy="0"/>
-        </a:xfrm>
-      </p:grpSpPr>
-      <p:sp>
-        <p:nvSpPr>
-          <p:cNvPr id="2" name="Marcador de Posição de Conteúdo 1"/>
-          <p:cNvSpPr>
-            <a:spLocks noGrp="1"/>
-          </p:cNvSpPr>
-          <p:nvPr>
-            <p:ph idx="1"/>
-          </p:nvPr>
-        </p:nvSpPr>
-        <p:spPr/>
-        <p:txBody>
-          <a:bodyPr/>
-          <a:lstStyle/>
-          <a:p>
-            <a:endParaRPr lang="pt-PT"/>
-          </a:p>
-        </p:txBody>
-      </p:sp>
-      <p:sp>
-        <p:nvSpPr>
-          <p:cNvPr id="3" name="Marcador de Posição de Conteúdo 2"/>
-          <p:cNvSpPr>
-            <a:spLocks noGrp="1"/>
-          </p:cNvSpPr>
-          <p:nvPr>
-            <p:ph idx="10"/>
-          </p:nvPr>
-        </p:nvSpPr>
-        <p:spPr/>
-        <p:txBody>
-          <a:bodyPr/>
-          <a:lstStyle/>
-          <a:p>
-            <a:endParaRPr lang="pt-PT"/>
-          </a:p>
-        </p:txBody>
-      </p:sp>
-      <p:sp>
-        <p:nvSpPr>
-          <p:cNvPr id="5" name="Marcador de Posição de Conteúdo 4"/>
-          <p:cNvSpPr>
-            <a:spLocks noGrp="1"/>
-          </p:cNvSpPr>
-          <p:nvPr>
-            <p:ph idx="12"/>
-          </p:nvPr>
-        </p:nvSpPr>
-        <p:spPr/>
-        <p:txBody>
-          <a:bodyPr/>
-          <a:lstStyle/>
-          <a:p>
-            <a:endParaRPr lang="pt-PT"/>
-          </a:p>
-        </p:txBody>
-      </p:sp>
-      <p:sp>
-        <p:nvSpPr>
-          <p:cNvPr id="6" name="Marcador de Posição de Conteúdo 5"/>
-          <p:cNvSpPr>
-            <a:spLocks noGrp="1"/>
-          </p:cNvSpPr>
-          <p:nvPr>
-            <p:ph idx="13"/>
-          </p:nvPr>
-        </p:nvSpPr>
-        <p:spPr/>
-        <p:txBody>
-          <a:bodyPr/>
-          <a:lstStyle/>
-          <a:p>
-            <a:r>
-              <a:rPr lang="pt-PT" dirty="0" smtClean="0"/>
               <a:t>Contactos</a:t>
             </a:r>
             <a:endParaRPr lang="pt-PT" dirty="0"/>
@@ -17041,7 +14268,7 @@
           </p:nvPr>
         </p:nvPicPr>
         <p:blipFill rotWithShape="1">
-          <a:blip r:embed="rId2">
+          <a:blip r:embed="rId3">
             <a:alphaModFix/>
           </a:blip>
           <a:srcRect/>
@@ -17599,7 +14826,7 @@
           <p:nvPr>
             <p:extLst>
               <p:ext uri="{D42A27DB-BD31-4B8C-83A1-F6EECF244321}">
-                <p14:modId xmlns:p14="http://schemas.microsoft.com/office/powerpoint/2010/main" val="242989442"/>
+                <p14:modId xmlns:p14="http://schemas.microsoft.com/office/powerpoint/2010/main" val="1601895734"/>
               </p:ext>
             </p:extLst>
           </p:nvPr>
@@ -17684,7 +14911,7 @@
           </a:p>
           <a:p>
             <a:r>
-              <a:rPr lang="pt-PT">
+              <a:rPr lang="pt-PT" dirty="0">
                 <a:hlinkClick r:id="rId4"/>
               </a:rPr>
               <a:t>https://turismodocentro.pt</a:t>
@@ -17714,6 +14941,22 @@
           <a:bodyPr/>
           <a:lstStyle/>
           <a:p>
+            <a:r>
+              <a:rPr lang="pt-PT" dirty="0" smtClean="0"/>
+              <a:t>Header.jpg</a:t>
+            </a:r>
+          </a:p>
+          <a:p>
+            <a:r>
+              <a:rPr lang="pt-PT" dirty="0" smtClean="0"/>
+              <a:t>Inicio1,jpg</a:t>
+            </a:r>
+          </a:p>
+          <a:p>
+            <a:r>
+              <a:rPr lang="pt-PT" dirty="0" smtClean="0"/>
+              <a:t>Inicio2,jpg</a:t>
+            </a:r>
             <a:endParaRPr lang="pt-PT" dirty="0"/>
           </a:p>
         </p:txBody>
@@ -17924,6 +15167,10 @@
           <a:bodyPr/>
           <a:lstStyle/>
           <a:p>
+            <a:r>
+              <a:rPr lang="pt-PT" dirty="0" smtClean="0"/>
+              <a:t>Header3,jpg</a:t>
+            </a:r>
             <a:endParaRPr lang="pt-PT" dirty="0"/>
           </a:p>
         </p:txBody>
@@ -17949,174 +15196,20 @@
           <a:bodyPr/>
           <a:lstStyle/>
           <a:p>
-            <a:endParaRPr lang="pt-PT" dirty="0"/>
-          </a:p>
-        </p:txBody>
-      </p:sp>
-      <p:sp>
-        <p:nvSpPr>
-          <p:cNvPr id="6" name="Content Placeholder 5">
-            <a:extLst>
-              <a:ext uri="{FF2B5EF4-FFF2-40B4-BE49-F238E27FC236}">
-                <a16:creationId xmlns="" xmlns:a16="http://schemas.microsoft.com/office/drawing/2014/main" id="{AAD76EA7-FFDD-4221-8BFA-2CF2F90A53A9}"/>
-              </a:ext>
-            </a:extLst>
-          </p:cNvPr>
-          <p:cNvSpPr>
-            <a:spLocks noGrp="1"/>
-          </p:cNvSpPr>
-          <p:nvPr>
-            <p:ph idx="13"/>
-          </p:nvPr>
-        </p:nvSpPr>
-        <p:spPr/>
-        <p:txBody>
-          <a:bodyPr/>
-          <a:lstStyle/>
-          <a:p>
             <a:r>
               <a:rPr lang="pt-PT" dirty="0" smtClean="0"/>
-              <a:t>Calendário</a:t>
-            </a:r>
-            <a:endParaRPr lang="pt-PT" dirty="0"/>
-          </a:p>
-        </p:txBody>
-      </p:sp>
-      <p:pic>
-        <p:nvPicPr>
-          <p:cNvPr id="7" name="Google Shape;209;p20"/>
-          <p:cNvPicPr preferRelativeResize="0">
-            <a:picLocks noGrp="1"/>
-          </p:cNvPicPr>
-          <p:nvPr>
-            <p:ph idx="11"/>
-          </p:nvPr>
-        </p:nvPicPr>
-        <p:blipFill rotWithShape="1">
-          <a:blip r:embed="rId2">
-            <a:alphaModFix/>
-          </a:blip>
-          <a:srcRect/>
-          <a:stretch/>
-        </p:blipFill>
-        <p:spPr>
-          <a:xfrm>
-            <a:off x="1969910" y="684213"/>
-            <a:ext cx="3362679" cy="3194050"/>
-          </a:xfrm>
-          <a:prstGeom prst="rect">
-            <a:avLst/>
-          </a:prstGeom>
-          <a:solidFill>
-            <a:srgbClr val="FBE4D4"/>
-          </a:solidFill>
-          <a:ln>
-            <a:noFill/>
-          </a:ln>
-        </p:spPr>
-      </p:pic>
-    </p:spTree>
-    <p:extLst>
-      <p:ext uri="{BB962C8B-B14F-4D97-AF65-F5344CB8AC3E}">
-        <p14:creationId xmlns:p14="http://schemas.microsoft.com/office/powerpoint/2010/main" val="1324516063"/>
-      </p:ext>
-    </p:extLst>
-  </p:cSld>
-  <p:clrMapOvr>
-    <a:masterClrMapping/>
-  </p:clrMapOvr>
-</p:sld>
-</file>
-
-<file path=ppt/slides/slide8.xml><?xml version="1.0" encoding="utf-8"?>
-<p:sld xmlns:a="http://schemas.openxmlformats.org/drawingml/2006/main" xmlns:r="http://schemas.openxmlformats.org/officeDocument/2006/relationships" xmlns:p="http://schemas.openxmlformats.org/presentationml/2006/main">
-  <p:cSld>
-    <p:spTree>
-      <p:nvGrpSpPr>
-        <p:cNvPr id="1" name=""/>
-        <p:cNvGrpSpPr/>
-        <p:nvPr/>
-      </p:nvGrpSpPr>
-      <p:grpSpPr>
-        <a:xfrm>
-          <a:off x="0" y="0"/>
-          <a:ext cx="0" cy="0"/>
-          <a:chOff x="0" y="0"/>
-          <a:chExt cx="0" cy="0"/>
-        </a:xfrm>
-      </p:grpSpPr>
-      <p:sp>
-        <p:nvSpPr>
-          <p:cNvPr id="2" name="Content Placeholder 1">
-            <a:extLst>
-              <a:ext uri="{FF2B5EF4-FFF2-40B4-BE49-F238E27FC236}">
-                <a16:creationId xmlns="" xmlns:a16="http://schemas.microsoft.com/office/drawing/2014/main" id="{61284A3C-35C7-47BB-B5EF-3A5AFD39F048}"/>
-              </a:ext>
-            </a:extLst>
-          </p:cNvPr>
-          <p:cNvSpPr>
-            <a:spLocks noGrp="1"/>
-          </p:cNvSpPr>
-          <p:nvPr>
-            <p:ph idx="1"/>
-          </p:nvPr>
-        </p:nvSpPr>
-        <p:spPr/>
-        <p:txBody>
-          <a:bodyPr/>
-          <a:lstStyle/>
-          <a:p>
-            <a:endParaRPr lang="pt-PT" dirty="0"/>
-          </a:p>
-        </p:txBody>
-      </p:sp>
-      <p:sp>
-        <p:nvSpPr>
-          <p:cNvPr id="3" name="Content Placeholder 2">
-            <a:extLst>
-              <a:ext uri="{FF2B5EF4-FFF2-40B4-BE49-F238E27FC236}">
-                <a16:creationId xmlns="" xmlns:a16="http://schemas.microsoft.com/office/drawing/2014/main" id="{75B62007-2099-491F-B9CC-679828859075}"/>
-              </a:ext>
-            </a:extLst>
-          </p:cNvPr>
-          <p:cNvSpPr>
-            <a:spLocks noGrp="1"/>
-          </p:cNvSpPr>
-          <p:nvPr>
-            <p:ph idx="10"/>
-          </p:nvPr>
-        </p:nvSpPr>
-        <p:spPr/>
-        <p:txBody>
-          <a:bodyPr/>
-          <a:lstStyle/>
-          <a:p>
-            <a:endParaRPr lang="pt-PT" dirty="0"/>
-          </a:p>
-        </p:txBody>
-      </p:sp>
-      <p:sp>
-        <p:nvSpPr>
-          <p:cNvPr id="5" name="Content Placeholder 4">
-            <a:extLst>
-              <a:ext uri="{FF2B5EF4-FFF2-40B4-BE49-F238E27FC236}">
-                <a16:creationId xmlns="" xmlns:a16="http://schemas.microsoft.com/office/drawing/2014/main" id="{03F0B0E7-9DC5-4E64-84FC-E41A42350BE1}"/>
-              </a:ext>
-            </a:extLst>
-          </p:cNvPr>
-          <p:cNvSpPr>
-            <a:spLocks noGrp="1"/>
-          </p:cNvSpPr>
-          <p:nvPr>
-            <p:ph idx="12"/>
-          </p:nvPr>
-        </p:nvSpPr>
-        <p:spPr/>
-        <p:txBody>
-          <a:bodyPr/>
-          <a:lstStyle/>
-          <a:p>
-            <a:endParaRPr lang="pt-PT" dirty="0"/>
+              <a:t>Selecione uma categoria para procurar por eventos</a:t>
+            </a:r>
+          </a:p>
+          <a:p>
+            <a:r>
+              <a:rPr lang="pt-PT" dirty="0" smtClean="0"/>
+              <a:t>A </a:t>
+            </a:r>
+            <a:r>
+              <a:rPr lang="pt-PT" dirty="0"/>
+              <a:t>construção do website tem como propósito de reunir os eventos da cidade da Covilhã e localidades vizinhas de forma a proporcionar informação clara e de fácil acesso, para assim servir o público.</a:t>
+            </a:r>
           </a:p>
         </p:txBody>
       </p:sp>
@@ -18195,7 +15288,7 @@
 </p:sld>
 </file>
 
-<file path=ppt/slides/slide9.xml><?xml version="1.0" encoding="utf-8"?>
+<file path=ppt/slides/slide8.xml><?xml version="1.0" encoding="utf-8"?>
 <p:sld xmlns:a="http://schemas.openxmlformats.org/drawingml/2006/main" xmlns:r="http://schemas.openxmlformats.org/officeDocument/2006/relationships" xmlns:p="http://schemas.openxmlformats.org/presentationml/2006/main">
   <p:cSld>
     <p:spTree>
@@ -18246,7 +15339,11 @@
           <a:bodyPr/>
           <a:lstStyle/>
           <a:p>
-            <a:endParaRPr lang="pt-PT"/>
+            <a:r>
+              <a:rPr lang="pt-PT" dirty="0" smtClean="0"/>
+              <a:t>Header3,jpg</a:t>
+            </a:r>
+            <a:endParaRPr lang="pt-PT" dirty="0"/>
           </a:p>
         </p:txBody>
       </p:sp>
@@ -18265,30 +15362,16 @@
           <a:bodyPr/>
           <a:lstStyle/>
           <a:p>
-            <a:endParaRPr lang="pt-PT"/>
-          </a:p>
-        </p:txBody>
-      </p:sp>
-      <p:sp>
-        <p:nvSpPr>
-          <p:cNvPr id="6" name="Marcador de Posição de Conteúdo 5"/>
-          <p:cNvSpPr>
-            <a:spLocks noGrp="1"/>
-          </p:cNvSpPr>
-          <p:nvPr>
-            <p:ph idx="13"/>
-          </p:nvPr>
-        </p:nvSpPr>
-        <p:spPr/>
-        <p:txBody>
-          <a:bodyPr/>
-          <a:lstStyle/>
-          <a:p>
-            <a:r>
-              <a:rPr lang="pt-PT" dirty="0" smtClean="0"/>
-              <a:t>Artes</a:t>
-            </a:r>
-            <a:endParaRPr lang="pt-PT" dirty="0"/>
+            <a:r>
+              <a:rPr lang="pt-PT" dirty="0"/>
+              <a:t>Selecione uma categoria para procurar por eventos</a:t>
+            </a:r>
+          </a:p>
+          <a:p>
+            <a:r>
+              <a:rPr lang="pt-PT" dirty="0"/>
+              <a:t>A construção do website tem como propósito de reunir os eventos da cidade da Covilhã e localidades vizinhas de forma a proporcionar informação clara e de fácil acesso, para assim servir o público</a:t>
+            </a:r>
           </a:p>
         </p:txBody>
       </p:sp>
@@ -18325,10 +15408,195 @@
           </a:ln>
         </p:spPr>
       </p:pic>
+      <p:sp>
+        <p:nvSpPr>
+          <p:cNvPr id="4" name="Marcador de Posição de Conteúdo 3"/>
+          <p:cNvSpPr>
+            <a:spLocks noGrp="1"/>
+          </p:cNvSpPr>
+          <p:nvPr>
+            <p:ph idx="13"/>
+          </p:nvPr>
+        </p:nvSpPr>
+        <p:spPr/>
+        <p:txBody>
+          <a:bodyPr/>
+          <a:lstStyle/>
+          <a:p>
+            <a:r>
+              <a:rPr lang="pt-PT" dirty="0" smtClean="0"/>
+              <a:t>Procurar por Data</a:t>
+            </a:r>
+            <a:endParaRPr lang="pt-PT" dirty="0"/>
+          </a:p>
+        </p:txBody>
+      </p:sp>
     </p:spTree>
     <p:extLst>
       <p:ext uri="{BB962C8B-B14F-4D97-AF65-F5344CB8AC3E}">
         <p14:creationId xmlns:p14="http://schemas.microsoft.com/office/powerpoint/2010/main" val="2969093673"/>
+      </p:ext>
+    </p:extLst>
+  </p:cSld>
+  <p:clrMapOvr>
+    <a:masterClrMapping/>
+  </p:clrMapOvr>
+</p:sld>
+</file>
+
+<file path=ppt/slides/slide9.xml><?xml version="1.0" encoding="utf-8"?>
+<p:sld xmlns:a="http://schemas.openxmlformats.org/drawingml/2006/main" xmlns:r="http://schemas.openxmlformats.org/officeDocument/2006/relationships" xmlns:p="http://schemas.openxmlformats.org/presentationml/2006/main">
+  <p:cSld>
+    <p:spTree>
+      <p:nvGrpSpPr>
+        <p:cNvPr id="1" name=""/>
+        <p:cNvGrpSpPr/>
+        <p:nvPr/>
+      </p:nvGrpSpPr>
+      <p:grpSpPr>
+        <a:xfrm>
+          <a:off x="0" y="0"/>
+          <a:ext cx="0" cy="0"/>
+          <a:chOff x="0" y="0"/>
+          <a:chExt cx="0" cy="0"/>
+        </a:xfrm>
+      </p:grpSpPr>
+      <p:sp>
+        <p:nvSpPr>
+          <p:cNvPr id="2" name="Marcador de Posição de Conteúdo 1"/>
+          <p:cNvSpPr>
+            <a:spLocks noGrp="1"/>
+          </p:cNvSpPr>
+          <p:nvPr>
+            <p:ph idx="1"/>
+          </p:nvPr>
+        </p:nvSpPr>
+        <p:spPr/>
+        <p:txBody>
+          <a:bodyPr/>
+          <a:lstStyle/>
+          <a:p>
+            <a:endParaRPr lang="pt-PT"/>
+          </a:p>
+        </p:txBody>
+      </p:sp>
+      <p:sp>
+        <p:nvSpPr>
+          <p:cNvPr id="3" name="Marcador de Posição de Conteúdo 2"/>
+          <p:cNvSpPr>
+            <a:spLocks noGrp="1"/>
+          </p:cNvSpPr>
+          <p:nvPr>
+            <p:ph idx="10"/>
+          </p:nvPr>
+        </p:nvSpPr>
+        <p:spPr/>
+        <p:txBody>
+          <a:bodyPr/>
+          <a:lstStyle/>
+          <a:p>
+            <a:r>
+              <a:rPr lang="pt-PT" dirty="0"/>
+              <a:t>h</a:t>
+            </a:r>
+            <a:r>
+              <a:rPr lang="pt-PT" dirty="0" smtClean="0"/>
+              <a:t>eader4,jpg</a:t>
+            </a:r>
+            <a:endParaRPr lang="pt-PT" dirty="0"/>
+          </a:p>
+        </p:txBody>
+      </p:sp>
+      <p:sp>
+        <p:nvSpPr>
+          <p:cNvPr id="5" name="Marcador de Posição de Conteúdo 4"/>
+          <p:cNvSpPr>
+            <a:spLocks noGrp="1"/>
+          </p:cNvSpPr>
+          <p:nvPr>
+            <p:ph idx="12"/>
+          </p:nvPr>
+        </p:nvSpPr>
+        <p:spPr/>
+        <p:txBody>
+          <a:bodyPr/>
+          <a:lstStyle/>
+          <a:p>
+            <a:r>
+              <a:rPr lang="pt-PT" dirty="0"/>
+              <a:t>Portugal tem-se superado cada ano em termos de turismo. Ultimamente, o crescimento tem-se devido às visitas de estrangeiros que constroem a reputação Portuguesa nos mercados internacionais. A Covilhã reconhece necessita de um estímulo ao desenvolvimento e à promoção das suas atividades e para colmatar esses problemas surgiu este website, que facilita os turistas e moradores na procura de eventos. “Eventos-Covilhã” é o website que a cidade serrana precisava para a divulgação da “montanha por </a:t>
+            </a:r>
+            <a:r>
+              <a:rPr lang="pt-PT" dirty="0" err="1"/>
+              <a:t>descobir</a:t>
+            </a:r>
+            <a:r>
+              <a:rPr lang="pt-PT" dirty="0"/>
+              <a:t>”.</a:t>
+            </a:r>
+          </a:p>
+        </p:txBody>
+      </p:sp>
+      <p:sp>
+        <p:nvSpPr>
+          <p:cNvPr id="6" name="Marcador de Posição de Conteúdo 5"/>
+          <p:cNvSpPr>
+            <a:spLocks noGrp="1"/>
+          </p:cNvSpPr>
+          <p:nvPr>
+            <p:ph idx="13"/>
+          </p:nvPr>
+        </p:nvSpPr>
+        <p:spPr/>
+        <p:txBody>
+          <a:bodyPr/>
+          <a:lstStyle/>
+          <a:p>
+            <a:r>
+              <a:rPr lang="pt-PT" dirty="0" smtClean="0"/>
+              <a:t>Sobre</a:t>
+            </a:r>
+            <a:endParaRPr lang="pt-PT" dirty="0"/>
+          </a:p>
+        </p:txBody>
+      </p:sp>
+      <p:pic>
+        <p:nvPicPr>
+          <p:cNvPr id="7" name="Google Shape;227;p22"/>
+          <p:cNvPicPr preferRelativeResize="0">
+            <a:picLocks noGrp="1"/>
+          </p:cNvPicPr>
+          <p:nvPr>
+            <p:ph idx="11"/>
+          </p:nvPr>
+        </p:nvPicPr>
+        <p:blipFill rotWithShape="1">
+          <a:blip r:embed="rId2">
+            <a:alphaModFix/>
+          </a:blip>
+          <a:srcRect/>
+          <a:stretch/>
+        </p:blipFill>
+        <p:spPr>
+          <a:xfrm>
+            <a:off x="1967430" y="684213"/>
+            <a:ext cx="3367639" cy="3194050"/>
+          </a:xfrm>
+          <a:prstGeom prst="rect">
+            <a:avLst/>
+          </a:prstGeom>
+          <a:solidFill>
+            <a:srgbClr val="FBE4D4"/>
+          </a:solidFill>
+          <a:ln>
+            <a:noFill/>
+          </a:ln>
+        </p:spPr>
+      </p:pic>
+    </p:spTree>
+    <p:extLst>
+      <p:ext uri="{BB962C8B-B14F-4D97-AF65-F5344CB8AC3E}">
+        <p14:creationId xmlns:p14="http://schemas.microsoft.com/office/powerpoint/2010/main" val="971092631"/>
       </p:ext>
     </p:extLst>
   </p:cSld>
